--- a/Informativos.pptx
+++ b/Informativos.pptx
@@ -289,7 +289,7 @@
             <a:fld id="{11A6662E-FAF4-44BC-88B5-85A7CBFB6D30}" type="datetime1">
               <a:rPr lang="en-US" smtClean="0"/>
               <a:pPr/>
-              <a:t>5/31/2021</a:t>
+              <a:t>6/8/2021</a:t>
             </a:fld>
             <a:endParaRPr lang="en-US" dirty="0"/>
           </a:p>
@@ -516,7 +516,7 @@
           <a:p>
             <a:fld id="{4C559632-1575-4E14-B53B-3DC3D5ED3947}" type="datetime1">
               <a:rPr lang="en-US" smtClean="0"/>
-              <a:t>5/31/2021</a:t>
+              <a:t>6/8/2021</a:t>
             </a:fld>
             <a:endParaRPr lang="en-US"/>
           </a:p>
@@ -724,7 +724,7 @@
           <a:p>
             <a:fld id="{CC4A6868-2568-4CC9-B302-F37117B01A6E}" type="datetime1">
               <a:rPr lang="en-US" smtClean="0"/>
-              <a:t>5/31/2021</a:t>
+              <a:t>6/8/2021</a:t>
             </a:fld>
             <a:endParaRPr lang="en-US"/>
           </a:p>
@@ -929,7 +929,7 @@
           <a:p>
             <a:fld id="{0055F08A-1E71-4B2B-BB49-E743F2903911}" type="datetime1">
               <a:rPr lang="en-US" smtClean="0"/>
-              <a:t>5/31/2021</a:t>
+              <a:t>6/8/2021</a:t>
             </a:fld>
             <a:endParaRPr lang="en-US" dirty="0"/>
           </a:p>
@@ -1203,7 +1203,7 @@
           <a:p>
             <a:fld id="{15417D9E-721A-44BB-8863-9873FE64DA75}" type="datetime1">
               <a:rPr lang="en-US" smtClean="0"/>
-              <a:t>5/31/2021</a:t>
+              <a:t>6/8/2021</a:t>
             </a:fld>
             <a:endParaRPr lang="en-US"/>
           </a:p>
@@ -1476,7 +1476,7 @@
           <a:p>
             <a:fld id="{5F31DA2F-80B8-49CF-99FB-5ABCA53A607A}" type="datetime1">
               <a:rPr lang="en-US" smtClean="0"/>
-              <a:t>5/31/2021</a:t>
+              <a:t>6/8/2021</a:t>
             </a:fld>
             <a:endParaRPr lang="en-US"/>
           </a:p>
@@ -1891,7 +1891,7 @@
           <a:p>
             <a:fld id="{28852172-E6C9-4B6C-929A-A9DE3837BBF1}" type="datetime1">
               <a:rPr lang="en-US" smtClean="0"/>
-              <a:t>5/31/2021</a:t>
+              <a:t>6/8/2021</a:t>
             </a:fld>
             <a:endParaRPr lang="en-US"/>
           </a:p>
@@ -2043,7 +2043,7 @@
           <a:p>
             <a:fld id="{3AB41CFF-90C9-47B3-9DA1-F2BF8D839F7E}" type="datetime1">
               <a:rPr lang="en-US" smtClean="0"/>
-              <a:t>5/31/2021</a:t>
+              <a:t>6/8/2021</a:t>
             </a:fld>
             <a:endParaRPr lang="en-US"/>
           </a:p>
@@ -2156,7 +2156,7 @@
           <a:p>
             <a:fld id="{F06048FA-06AB-4884-A69B-986B96E68A24}" type="datetime1">
               <a:rPr lang="en-US" smtClean="0"/>
-              <a:t>5/31/2021</a:t>
+              <a:t>6/8/2021</a:t>
             </a:fld>
             <a:endParaRPr lang="en-US"/>
           </a:p>
@@ -2467,7 +2467,7 @@
           <a:p>
             <a:fld id="{50DB7ABA-0172-4F9C-889D-567164F66BCD}" type="datetime1">
               <a:rPr lang="en-US" smtClean="0"/>
-              <a:t>5/31/2021</a:t>
+              <a:t>6/8/2021</a:t>
             </a:fld>
             <a:endParaRPr lang="en-US"/>
           </a:p>
@@ -2758,7 +2758,7 @@
           <a:p>
             <a:fld id="{78AC6A5B-8AE7-4A41-B5A7-9ADC6686DC18}" type="datetime1">
               <a:rPr lang="en-US" smtClean="0"/>
-              <a:t>5/31/2021</a:t>
+              <a:t>6/8/2021</a:t>
             </a:fld>
             <a:endParaRPr lang="en-US"/>
           </a:p>
@@ -3067,7 +3067,7 @@
             <a:fld id="{57E0CF6C-748E-4B7A-BC8B-3011EF78ED13}" type="datetime1">
               <a:rPr lang="en-US" smtClean="0"/>
               <a:pPr/>
-              <a:t>5/31/2021</a:t>
+              <a:t>6/8/2021</a:t>
             </a:fld>
             <a:endParaRPr lang="en-US" dirty="0"/>
           </a:p>
@@ -4669,17 +4669,17 @@
                 </a:effectLst>
                 <a:latin typeface="Exo 2 Extra Bold" panose="00000900000000000000" pitchFamily="50" charset="0"/>
               </a:rPr>
-              <a:t>Rodada #01</a:t>
+              <a:t>Rodada #02</a:t>
             </a:r>
           </a:p>
         </p:txBody>
       </p:sp>
       <p:pic>
         <p:nvPicPr>
-          <p:cNvPr id="3" name="Imagem 2">
-            <a:extLst>
-              <a:ext uri="{FF2B5EF4-FFF2-40B4-BE49-F238E27FC236}">
-                <a16:creationId xmlns:a16="http://schemas.microsoft.com/office/drawing/2014/main" id="{FCCC91A5-E0B4-4370-8B56-1812501703F1}"/>
+          <p:cNvPr id="2" name="Imagem 1">
+            <a:extLst>
+              <a:ext uri="{FF2B5EF4-FFF2-40B4-BE49-F238E27FC236}">
+                <a16:creationId xmlns:a16="http://schemas.microsoft.com/office/drawing/2014/main" id="{E2D1D2BA-BF20-4BDF-B270-3656E1057FF9}"/>
               </a:ext>
             </a:extLst>
           </p:cNvPr>
@@ -4696,8 +4696,8 @@
         </p:blipFill>
         <p:spPr>
           <a:xfrm>
-            <a:off x="969874" y="2444768"/>
-            <a:ext cx="8883226" cy="7200000"/>
+            <a:off x="948748" y="2451743"/>
+            <a:ext cx="8899620" cy="7200000"/>
           </a:xfrm>
           <a:prstGeom prst="rect">
             <a:avLst/>
@@ -5804,41 +5804,11 @@
                 </a:effectLst>
                 <a:latin typeface="Exo 2 Extra Bold" panose="00000900000000000000" pitchFamily="50" charset="0"/>
               </a:rPr>
-              <a:t>Rodada #01</a:t>
+              <a:t>Rodada #02</a:t>
             </a:r>
           </a:p>
         </p:txBody>
       </p:sp>
-      <p:pic>
-        <p:nvPicPr>
-          <p:cNvPr id="3" name="Imagem 2">
-            <a:extLst>
-              <a:ext uri="{FF2B5EF4-FFF2-40B4-BE49-F238E27FC236}">
-                <a16:creationId xmlns:a16="http://schemas.microsoft.com/office/drawing/2014/main" id="{AAAC6254-E748-4456-90C0-5795BAD48D11}"/>
-              </a:ext>
-            </a:extLst>
-          </p:cNvPr>
-          <p:cNvPicPr>
-            <a:picLocks noChangeAspect="1"/>
-          </p:cNvPicPr>
-          <p:nvPr/>
-        </p:nvPicPr>
-        <p:blipFill>
-          <a:blip r:embed="rId5"/>
-          <a:stretch>
-            <a:fillRect/>
-          </a:stretch>
-        </p:blipFill>
-        <p:spPr>
-          <a:xfrm>
-            <a:off x="2058393" y="2508349"/>
-            <a:ext cx="6714570" cy="7200000"/>
-          </a:xfrm>
-          <a:prstGeom prst="rect">
-            <a:avLst/>
-          </a:prstGeom>
-        </p:spPr>
-      </p:pic>
       <p:sp>
         <p:nvSpPr>
           <p:cNvPr id="15" name="Retângulo 14">
@@ -5892,6 +5862,36 @@
           </a:p>
         </p:txBody>
       </p:sp>
+      <p:pic>
+        <p:nvPicPr>
+          <p:cNvPr id="2" name="Imagem 1">
+            <a:extLst>
+              <a:ext uri="{FF2B5EF4-FFF2-40B4-BE49-F238E27FC236}">
+                <a16:creationId xmlns:a16="http://schemas.microsoft.com/office/drawing/2014/main" id="{76501E0D-93E8-41DC-A99B-1A22AE325635}"/>
+              </a:ext>
+            </a:extLst>
+          </p:cNvPr>
+          <p:cNvPicPr>
+            <a:picLocks noChangeAspect="1"/>
+          </p:cNvPicPr>
+          <p:nvPr/>
+        </p:nvPicPr>
+        <p:blipFill>
+          <a:blip r:embed="rId5"/>
+          <a:stretch>
+            <a:fillRect/>
+          </a:stretch>
+        </p:blipFill>
+        <p:spPr>
+          <a:xfrm>
+            <a:off x="2043638" y="2661702"/>
+            <a:ext cx="6726960" cy="7200000"/>
+          </a:xfrm>
+          <a:prstGeom prst="rect">
+            <a:avLst/>
+          </a:prstGeom>
+        </p:spPr>
+      </p:pic>
     </p:spTree>
     <p:extLst>
       <p:ext uri="{BB962C8B-B14F-4D97-AF65-F5344CB8AC3E}">
@@ -6992,7 +6992,7 @@
                 </a:effectLst>
                 <a:latin typeface="Exo 2 Extra Bold" panose="00000900000000000000" pitchFamily="50" charset="0"/>
               </a:rPr>
-              <a:t>Rodada #01</a:t>
+              <a:t>Rodada #02</a:t>
             </a:r>
           </a:p>
         </p:txBody>
@@ -7052,10 +7052,10 @@
       </p:sp>
       <p:pic>
         <p:nvPicPr>
-          <p:cNvPr id="7" name="Imagem 6">
-            <a:extLst>
-              <a:ext uri="{FF2B5EF4-FFF2-40B4-BE49-F238E27FC236}">
-                <a16:creationId xmlns:a16="http://schemas.microsoft.com/office/drawing/2014/main" id="{EC05AC7F-5F62-4FB6-92A2-0E68CAACEA21}"/>
+          <p:cNvPr id="2" name="Imagem 1">
+            <a:extLst>
+              <a:ext uri="{FF2B5EF4-FFF2-40B4-BE49-F238E27FC236}">
+                <a16:creationId xmlns:a16="http://schemas.microsoft.com/office/drawing/2014/main" id="{A804A2DD-40DB-4F27-9906-F3235F36DA5D}"/>
               </a:ext>
             </a:extLst>
           </p:cNvPr>
@@ -7072,8 +7072,8 @@
         </p:blipFill>
         <p:spPr>
           <a:xfrm>
-            <a:off x="2916724" y="4891621"/>
-            <a:ext cx="4966312" cy="1800000"/>
+            <a:off x="2430281" y="2661702"/>
+            <a:ext cx="5970583" cy="2160000"/>
           </a:xfrm>
           <a:prstGeom prst="rect">
             <a:avLst/>
@@ -7082,10 +7082,10 @@
       </p:pic>
       <p:pic>
         <p:nvPicPr>
-          <p:cNvPr id="9" name="Imagem 8">
-            <a:extLst>
-              <a:ext uri="{FF2B5EF4-FFF2-40B4-BE49-F238E27FC236}">
-                <a16:creationId xmlns:a16="http://schemas.microsoft.com/office/drawing/2014/main" id="{7527E27B-294E-49DE-987C-0BC67E9F235D}"/>
+          <p:cNvPr id="3" name="Imagem 2">
+            <a:extLst>
+              <a:ext uri="{FF2B5EF4-FFF2-40B4-BE49-F238E27FC236}">
+                <a16:creationId xmlns:a16="http://schemas.microsoft.com/office/drawing/2014/main" id="{78F354AD-9DF1-4154-99E6-5CEDF9021A89}"/>
               </a:ext>
             </a:extLst>
           </p:cNvPr>
@@ -7102,8 +7102,8 @@
         </p:blipFill>
         <p:spPr>
           <a:xfrm>
-            <a:off x="316144" y="2680091"/>
-            <a:ext cx="10195792" cy="1800000"/>
+            <a:off x="2442986" y="5002187"/>
+            <a:ext cx="5970583" cy="2160000"/>
           </a:xfrm>
           <a:prstGeom prst="rect">
             <a:avLst/>
@@ -7112,10 +7112,10 @@
       </p:pic>
       <p:pic>
         <p:nvPicPr>
-          <p:cNvPr id="11" name="Imagem 10">
-            <a:extLst>
-              <a:ext uri="{FF2B5EF4-FFF2-40B4-BE49-F238E27FC236}">
-                <a16:creationId xmlns:a16="http://schemas.microsoft.com/office/drawing/2014/main" id="{68BEF0AF-BBB2-4CBF-9992-F889A7472AAB}"/>
+          <p:cNvPr id="4" name="Imagem 3">
+            <a:extLst>
+              <a:ext uri="{FF2B5EF4-FFF2-40B4-BE49-F238E27FC236}">
+                <a16:creationId xmlns:a16="http://schemas.microsoft.com/office/drawing/2014/main" id="{115FA82F-AFD3-473C-A941-505721406907}"/>
               </a:ext>
             </a:extLst>
           </p:cNvPr>
@@ -7132,8 +7132,8 @@
         </p:blipFill>
         <p:spPr>
           <a:xfrm>
-            <a:off x="2351458" y="7103151"/>
-            <a:ext cx="6096844" cy="1800000"/>
+            <a:off x="1876681" y="7342672"/>
+            <a:ext cx="7329711" cy="2160000"/>
           </a:xfrm>
           <a:prstGeom prst="rect">
             <a:avLst/>
@@ -8240,7 +8240,7 @@
                 </a:effectLst>
                 <a:latin typeface="Exo 2 Extra Bold" panose="00000900000000000000" pitchFamily="50" charset="0"/>
               </a:rPr>
-              <a:t>Rodada #01</a:t>
+              <a:t>Rodada #02</a:t>
             </a:r>
           </a:p>
         </p:txBody>
@@ -8282,7 +8282,7 @@
                   </a:solidFill>
                 </a:ln>
                 <a:solidFill>
-                  <a:srgbClr val="00B050"/>
+                  <a:srgbClr val="FF0000"/>
                 </a:solidFill>
                 <a:effectLst>
                   <a:outerShdw blurRad="38100" dist="19050" dir="2700000" algn="tl" rotWithShape="0">
@@ -8300,10 +8300,10 @@
       </p:sp>
       <p:pic>
         <p:nvPicPr>
-          <p:cNvPr id="7" name="Imagem 6">
-            <a:extLst>
-              <a:ext uri="{FF2B5EF4-FFF2-40B4-BE49-F238E27FC236}">
-                <a16:creationId xmlns:a16="http://schemas.microsoft.com/office/drawing/2014/main" id="{107A8832-FF00-47C5-940A-B7045D306D12}"/>
+          <p:cNvPr id="2" name="Imagem 1">
+            <a:extLst>
+              <a:ext uri="{FF2B5EF4-FFF2-40B4-BE49-F238E27FC236}">
+                <a16:creationId xmlns:a16="http://schemas.microsoft.com/office/drawing/2014/main" id="{9A8107A5-6E0A-4916-89FE-52DF87B2937C}"/>
               </a:ext>
             </a:extLst>
           </p:cNvPr>
@@ -8320,8 +8320,8 @@
         </p:blipFill>
         <p:spPr>
           <a:xfrm>
-            <a:off x="1581099" y="1983505"/>
-            <a:ext cx="7648717" cy="8280000"/>
+            <a:off x="1800424" y="1793398"/>
+            <a:ext cx="7218867" cy="8280000"/>
           </a:xfrm>
           <a:prstGeom prst="rect">
             <a:avLst/>

--- a/Informativos.pptx
+++ b/Informativos.pptx
@@ -8,7 +8,11 @@
     <p:sldId id="263" r:id="rId2"/>
     <p:sldId id="266" r:id="rId3"/>
     <p:sldId id="265" r:id="rId4"/>
-    <p:sldId id="264" r:id="rId5"/>
+    <p:sldId id="267" r:id="rId5"/>
+    <p:sldId id="270" r:id="rId6"/>
+    <p:sldId id="268" r:id="rId7"/>
+    <p:sldId id="269" r:id="rId8"/>
+    <p:sldId id="264" r:id="rId9"/>
   </p:sldIdLst>
   <p:sldSz cx="10799763" cy="10799763"/>
   <p:notesSz cx="6858000" cy="9144000"/>
@@ -289,7 +293,7 @@
             <a:fld id="{11A6662E-FAF4-44BC-88B5-85A7CBFB6D30}" type="datetime1">
               <a:rPr lang="en-US" smtClean="0"/>
               <a:pPr/>
-              <a:t>6/8/2021</a:t>
+              <a:t>6/18/2021</a:t>
             </a:fld>
             <a:endParaRPr lang="en-US" dirty="0"/>
           </a:p>
@@ -516,7 +520,7 @@
           <a:p>
             <a:fld id="{4C559632-1575-4E14-B53B-3DC3D5ED3947}" type="datetime1">
               <a:rPr lang="en-US" smtClean="0"/>
-              <a:t>6/8/2021</a:t>
+              <a:t>6/18/2021</a:t>
             </a:fld>
             <a:endParaRPr lang="en-US"/>
           </a:p>
@@ -724,7 +728,7 @@
           <a:p>
             <a:fld id="{CC4A6868-2568-4CC9-B302-F37117B01A6E}" type="datetime1">
               <a:rPr lang="en-US" smtClean="0"/>
-              <a:t>6/8/2021</a:t>
+              <a:t>6/18/2021</a:t>
             </a:fld>
             <a:endParaRPr lang="en-US"/>
           </a:p>
@@ -929,7 +933,7 @@
           <a:p>
             <a:fld id="{0055F08A-1E71-4B2B-BB49-E743F2903911}" type="datetime1">
               <a:rPr lang="en-US" smtClean="0"/>
-              <a:t>6/8/2021</a:t>
+              <a:t>6/18/2021</a:t>
             </a:fld>
             <a:endParaRPr lang="en-US" dirty="0"/>
           </a:p>
@@ -1203,7 +1207,7 @@
           <a:p>
             <a:fld id="{15417D9E-721A-44BB-8863-9873FE64DA75}" type="datetime1">
               <a:rPr lang="en-US" smtClean="0"/>
-              <a:t>6/8/2021</a:t>
+              <a:t>6/18/2021</a:t>
             </a:fld>
             <a:endParaRPr lang="en-US"/>
           </a:p>
@@ -1476,7 +1480,7 @@
           <a:p>
             <a:fld id="{5F31DA2F-80B8-49CF-99FB-5ABCA53A607A}" type="datetime1">
               <a:rPr lang="en-US" smtClean="0"/>
-              <a:t>6/8/2021</a:t>
+              <a:t>6/18/2021</a:t>
             </a:fld>
             <a:endParaRPr lang="en-US"/>
           </a:p>
@@ -1891,7 +1895,7 @@
           <a:p>
             <a:fld id="{28852172-E6C9-4B6C-929A-A9DE3837BBF1}" type="datetime1">
               <a:rPr lang="en-US" smtClean="0"/>
-              <a:t>6/8/2021</a:t>
+              <a:t>6/18/2021</a:t>
             </a:fld>
             <a:endParaRPr lang="en-US"/>
           </a:p>
@@ -2043,7 +2047,7 @@
           <a:p>
             <a:fld id="{3AB41CFF-90C9-47B3-9DA1-F2BF8D839F7E}" type="datetime1">
               <a:rPr lang="en-US" smtClean="0"/>
-              <a:t>6/8/2021</a:t>
+              <a:t>6/18/2021</a:t>
             </a:fld>
             <a:endParaRPr lang="en-US"/>
           </a:p>
@@ -2156,7 +2160,7 @@
           <a:p>
             <a:fld id="{F06048FA-06AB-4884-A69B-986B96E68A24}" type="datetime1">
               <a:rPr lang="en-US" smtClean="0"/>
-              <a:t>6/8/2021</a:t>
+              <a:t>6/18/2021</a:t>
             </a:fld>
             <a:endParaRPr lang="en-US"/>
           </a:p>
@@ -2467,7 +2471,7 @@
           <a:p>
             <a:fld id="{50DB7ABA-0172-4F9C-889D-567164F66BCD}" type="datetime1">
               <a:rPr lang="en-US" smtClean="0"/>
-              <a:t>6/8/2021</a:t>
+              <a:t>6/18/2021</a:t>
             </a:fld>
             <a:endParaRPr lang="en-US"/>
           </a:p>
@@ -2758,7 +2762,7 @@
           <a:p>
             <a:fld id="{78AC6A5B-8AE7-4A41-B5A7-9ADC6686DC18}" type="datetime1">
               <a:rPr lang="en-US" smtClean="0"/>
-              <a:t>6/8/2021</a:t>
+              <a:t>6/18/2021</a:t>
             </a:fld>
             <a:endParaRPr lang="en-US"/>
           </a:p>
@@ -3067,7 +3071,7 @@
             <a:fld id="{57E0CF6C-748E-4B7A-BC8B-3011EF78ED13}" type="datetime1">
               <a:rPr lang="en-US" smtClean="0"/>
               <a:pPr/>
-              <a:t>6/8/2021</a:t>
+              <a:t>6/18/2021</a:t>
             </a:fld>
             <a:endParaRPr lang="en-US" dirty="0"/>
           </a:p>
@@ -4669,7 +4673,7 @@
                 </a:effectLst>
                 <a:latin typeface="Exo 2 Extra Bold" panose="00000900000000000000" pitchFamily="50" charset="0"/>
               </a:rPr>
-              <a:t>Rodada #02</a:t>
+              <a:t>Rodada #03</a:t>
             </a:r>
           </a:p>
         </p:txBody>
@@ -4679,7 +4683,7 @@
           <p:cNvPr id="2" name="Imagem 1">
             <a:extLst>
               <a:ext uri="{FF2B5EF4-FFF2-40B4-BE49-F238E27FC236}">
-                <a16:creationId xmlns:a16="http://schemas.microsoft.com/office/drawing/2014/main" id="{E2D1D2BA-BF20-4BDF-B270-3656E1057FF9}"/>
+                <a16:creationId xmlns:a16="http://schemas.microsoft.com/office/drawing/2014/main" id="{2C2672D8-FF46-4132-85D6-965710AC033E}"/>
               </a:ext>
             </a:extLst>
           </p:cNvPr>
@@ -4696,7 +4700,7 @@
         </p:blipFill>
         <p:spPr>
           <a:xfrm>
-            <a:off x="948748" y="2451743"/>
+            <a:off x="961782" y="2534971"/>
             <a:ext cx="8899620" cy="7200000"/>
           </a:xfrm>
           <a:prstGeom prst="rect">
@@ -5804,7 +5808,7 @@
                 </a:effectLst>
                 <a:latin typeface="Exo 2 Extra Bold" panose="00000900000000000000" pitchFamily="50" charset="0"/>
               </a:rPr>
-              <a:t>Rodada #02</a:t>
+              <a:t>Rodada #03</a:t>
             </a:r>
           </a:p>
         </p:txBody>
@@ -5867,7 +5871,7 @@
           <p:cNvPr id="2" name="Imagem 1">
             <a:extLst>
               <a:ext uri="{FF2B5EF4-FFF2-40B4-BE49-F238E27FC236}">
-                <a16:creationId xmlns:a16="http://schemas.microsoft.com/office/drawing/2014/main" id="{76501E0D-93E8-41DC-A99B-1A22AE325635}"/>
+                <a16:creationId xmlns:a16="http://schemas.microsoft.com/office/drawing/2014/main" id="{92A7BDCC-DB63-4F00-987E-C52BD8E1D677}"/>
               </a:ext>
             </a:extLst>
           </p:cNvPr>
@@ -5884,7 +5888,7 @@
         </p:blipFill>
         <p:spPr>
           <a:xfrm>
-            <a:off x="2043638" y="2661702"/>
+            <a:off x="2043638" y="2545199"/>
             <a:ext cx="6726960" cy="7200000"/>
           </a:xfrm>
           <a:prstGeom prst="rect">
@@ -6992,7 +6996,7 @@
                 </a:effectLst>
                 <a:latin typeface="Exo 2 Extra Bold" panose="00000900000000000000" pitchFamily="50" charset="0"/>
               </a:rPr>
-              <a:t>Rodada #02</a:t>
+              <a:t>Rodada #03</a:t>
             </a:r>
           </a:p>
         </p:txBody>
@@ -7055,7 +7059,7 @@
           <p:cNvPr id="2" name="Imagem 1">
             <a:extLst>
               <a:ext uri="{FF2B5EF4-FFF2-40B4-BE49-F238E27FC236}">
-                <a16:creationId xmlns:a16="http://schemas.microsoft.com/office/drawing/2014/main" id="{A804A2DD-40DB-4F27-9906-F3235F36DA5D}"/>
+                <a16:creationId xmlns:a16="http://schemas.microsoft.com/office/drawing/2014/main" id="{4889E0CA-4678-41EC-B11A-6C843FC8AD98}"/>
               </a:ext>
             </a:extLst>
           </p:cNvPr>
@@ -7072,7 +7076,7 @@
         </p:blipFill>
         <p:spPr>
           <a:xfrm>
-            <a:off x="2430281" y="2661702"/>
+            <a:off x="2429998" y="2532110"/>
             <a:ext cx="5970583" cy="2160000"/>
           </a:xfrm>
           <a:prstGeom prst="rect">
@@ -7085,7 +7089,7 @@
           <p:cNvPr id="3" name="Imagem 2">
             <a:extLst>
               <a:ext uri="{FF2B5EF4-FFF2-40B4-BE49-F238E27FC236}">
-                <a16:creationId xmlns:a16="http://schemas.microsoft.com/office/drawing/2014/main" id="{78F354AD-9DF1-4154-99E6-5CEDF9021A89}"/>
+                <a16:creationId xmlns:a16="http://schemas.microsoft.com/office/drawing/2014/main" id="{E637CFF4-4816-4D41-A930-91FF1D6B51F9}"/>
               </a:ext>
             </a:extLst>
           </p:cNvPr>
@@ -7102,7 +7106,7 @@
         </p:blipFill>
         <p:spPr>
           <a:xfrm>
-            <a:off x="2442986" y="5002187"/>
+            <a:off x="2428029" y="5103219"/>
             <a:ext cx="5970583" cy="2160000"/>
           </a:xfrm>
           <a:prstGeom prst="rect">
@@ -7115,7 +7119,7 @@
           <p:cNvPr id="4" name="Imagem 3">
             <a:extLst>
               <a:ext uri="{FF2B5EF4-FFF2-40B4-BE49-F238E27FC236}">
-                <a16:creationId xmlns:a16="http://schemas.microsoft.com/office/drawing/2014/main" id="{115FA82F-AFD3-473C-A941-505721406907}"/>
+                <a16:creationId xmlns:a16="http://schemas.microsoft.com/office/drawing/2014/main" id="{5E371A92-45BE-48BA-B797-248C6188A2D1}"/>
               </a:ext>
             </a:extLst>
           </p:cNvPr>
@@ -7132,7 +7136,7 @@
         </p:blipFill>
         <p:spPr>
           <a:xfrm>
-            <a:off x="1876681" y="7342672"/>
+            <a:off x="1759079" y="7696980"/>
             <a:ext cx="7329711" cy="2160000"/>
           </a:xfrm>
           <a:prstGeom prst="rect">
@@ -7559,8 +7563,8 @@
         </p:nvSpPr>
         <p:spPr>
           <a:xfrm>
-            <a:off x="-1" y="-790"/>
-            <a:ext cx="10814237" cy="10799760"/>
+            <a:off x="-17121" y="-790"/>
+            <a:ext cx="10831358" cy="10799760"/>
           </a:xfrm>
           <a:prstGeom prst="rect">
             <a:avLst/>
@@ -8196,6 +8200,4758 @@
       </p:sp>
       <p:sp>
         <p:nvSpPr>
+          <p:cNvPr id="15" name="Retângulo 14">
+            <a:extLst>
+              <a:ext uri="{FF2B5EF4-FFF2-40B4-BE49-F238E27FC236}">
+                <a16:creationId xmlns:a16="http://schemas.microsoft.com/office/drawing/2014/main" id="{861C7C90-5748-4EB6-AB27-09D92E92DA21}"/>
+              </a:ext>
+            </a:extLst>
+          </p:cNvPr>
+          <p:cNvSpPr/>
+          <p:nvPr/>
+        </p:nvSpPr>
+        <p:spPr>
+          <a:xfrm>
+            <a:off x="931650" y="193340"/>
+            <a:ext cx="10736463" cy="1569660"/>
+          </a:xfrm>
+          <a:prstGeom prst="rect">
+            <a:avLst/>
+          </a:prstGeom>
+          <a:noFill/>
+        </p:spPr>
+        <p:txBody>
+          <a:bodyPr wrap="square" lIns="91440" tIns="45720" rIns="91440" bIns="45720">
+            <a:spAutoFit/>
+          </a:bodyPr>
+          <a:lstStyle/>
+          <a:p>
+            <a:pPr algn="ctr"/>
+            <a:r>
+              <a:rPr lang="pt-BR" sz="9600" b="0" cap="none" spc="0" dirty="0">
+                <a:ln w="38100">
+                  <a:solidFill>
+                    <a:schemeClr val="bg1"/>
+                  </a:solidFill>
+                </a:ln>
+                <a:solidFill>
+                  <a:srgbClr val="00B050"/>
+                </a:solidFill>
+                <a:effectLst>
+                  <a:outerShdw blurRad="38100" dist="19050" dir="2700000" algn="tl" rotWithShape="0">
+                    <a:schemeClr val="dk1">
+                      <a:alpha val="40000"/>
+                    </a:schemeClr>
+                  </a:outerShdw>
+                </a:effectLst>
+                <a:latin typeface="Exo 2 Extra Bold" panose="00000900000000000000" pitchFamily="50" charset="0"/>
+              </a:rPr>
+              <a:t>Liga Principal</a:t>
+            </a:r>
+          </a:p>
+        </p:txBody>
+      </p:sp>
+      <p:sp>
+        <p:nvSpPr>
+          <p:cNvPr id="18" name="Retângulo 17">
+            <a:extLst>
+              <a:ext uri="{FF2B5EF4-FFF2-40B4-BE49-F238E27FC236}">
+                <a16:creationId xmlns:a16="http://schemas.microsoft.com/office/drawing/2014/main" id="{F6DB3AFB-FC09-4ACF-A353-83560CA9E36E}"/>
+              </a:ext>
+            </a:extLst>
+          </p:cNvPr>
+          <p:cNvSpPr/>
+          <p:nvPr/>
+        </p:nvSpPr>
+        <p:spPr>
+          <a:xfrm>
+            <a:off x="5544896" y="1598457"/>
+            <a:ext cx="5016297" cy="830997"/>
+          </a:xfrm>
+          <a:prstGeom prst="rect">
+            <a:avLst/>
+          </a:prstGeom>
+          <a:noFill/>
+        </p:spPr>
+        <p:txBody>
+          <a:bodyPr wrap="square" lIns="91440" tIns="45720" rIns="91440" bIns="45720">
+            <a:spAutoFit/>
+          </a:bodyPr>
+          <a:lstStyle/>
+          <a:p>
+            <a:pPr algn="ctr"/>
+            <a:r>
+              <a:rPr lang="pt-BR" sz="4800" b="0" cap="none" spc="0" dirty="0">
+                <a:ln w="0">
+                  <a:noFill/>
+                </a:ln>
+                <a:solidFill>
+                  <a:schemeClr val="bg1"/>
+                </a:solidFill>
+                <a:effectLst>
+                  <a:outerShdw blurRad="38100" dist="19050" dir="2700000" algn="tl" rotWithShape="0">
+                    <a:schemeClr val="dk1">
+                      <a:alpha val="40000"/>
+                    </a:schemeClr>
+                  </a:outerShdw>
+                </a:effectLst>
+                <a:latin typeface="Exo 2 Extra Bold" panose="00000900000000000000" pitchFamily="50" charset="0"/>
+              </a:rPr>
+              <a:t>Mata-mata #01</a:t>
+            </a:r>
+          </a:p>
+        </p:txBody>
+      </p:sp>
+      <p:pic>
+        <p:nvPicPr>
+          <p:cNvPr id="10" name="Imagem 9">
+            <a:extLst>
+              <a:ext uri="{FF2B5EF4-FFF2-40B4-BE49-F238E27FC236}">
+                <a16:creationId xmlns:a16="http://schemas.microsoft.com/office/drawing/2014/main" id="{E03D4E8C-DCF7-47B8-ABA1-A21BA3119A52}"/>
+              </a:ext>
+            </a:extLst>
+          </p:cNvPr>
+          <p:cNvPicPr>
+            <a:picLocks noChangeAspect="1"/>
+          </p:cNvPicPr>
+          <p:nvPr/>
+        </p:nvPicPr>
+        <p:blipFill>
+          <a:blip r:embed="rId5"/>
+          <a:stretch>
+            <a:fillRect/>
+          </a:stretch>
+        </p:blipFill>
+        <p:spPr>
+          <a:xfrm>
+            <a:off x="841937" y="2532606"/>
+            <a:ext cx="9154806" cy="7200000"/>
+          </a:xfrm>
+          <a:prstGeom prst="rect">
+            <a:avLst/>
+          </a:prstGeom>
+        </p:spPr>
+      </p:pic>
+    </p:spTree>
+    <p:extLst>
+      <p:ext uri="{BB962C8B-B14F-4D97-AF65-F5344CB8AC3E}">
+        <p14:creationId xmlns:p14="http://schemas.microsoft.com/office/powerpoint/2010/main" val="4108237140"/>
+      </p:ext>
+    </p:extLst>
+  </p:cSld>
+  <p:clrMapOvr>
+    <a:masterClrMapping/>
+  </p:clrMapOvr>
+</p:sld>
+</file>
+
+<file path=ppt/slides/slide5.xml><?xml version="1.0" encoding="utf-8"?>
+<p:sld xmlns:a="http://schemas.openxmlformats.org/drawingml/2006/main" xmlns:r="http://schemas.openxmlformats.org/officeDocument/2006/relationships" xmlns:p="http://schemas.openxmlformats.org/presentationml/2006/main">
+  <p:cSld>
+    <p:bg>
+      <p:bgPr>
+        <a:solidFill>
+          <a:schemeClr val="bg1"/>
+        </a:solidFill>
+        <a:effectLst/>
+      </p:bgPr>
+    </p:bg>
+    <p:spTree>
+      <p:nvGrpSpPr>
+        <p:cNvPr id="1" name=""/>
+        <p:cNvGrpSpPr/>
+        <p:nvPr/>
+      </p:nvGrpSpPr>
+      <p:grpSpPr>
+        <a:xfrm>
+          <a:off x="0" y="0"/>
+          <a:ext cx="0" cy="0"/>
+          <a:chOff x="0" y="0"/>
+          <a:chExt cx="0" cy="0"/>
+        </a:xfrm>
+      </p:grpSpPr>
+      <p:sp>
+        <p:nvSpPr>
+          <p:cNvPr id="13" name="Rectangle 9">
+            <a:extLst>
+              <a:ext uri="{FF2B5EF4-FFF2-40B4-BE49-F238E27FC236}">
+                <a16:creationId xmlns:a16="http://schemas.microsoft.com/office/drawing/2014/main" id="{0BABF38A-8A0D-492E-BD20-6CF4D46B50BD}"/>
+              </a:ext>
+              <a:ext uri="{C183D7F6-B498-43B3-948B-1728B52AA6E4}">
+                <adec:decorative xmlns:adec="http://schemas.microsoft.com/office/drawing/2017/decorative" val="1"/>
+              </a:ext>
+            </a:extLst>
+          </p:cNvPr>
+          <p:cNvSpPr>
+            <a:spLocks noGrp="1" noRot="1" noChangeAspect="1" noMove="1" noResize="1" noEditPoints="1" noAdjustHandles="1" noChangeArrowheads="1" noChangeShapeType="1" noTextEdit="1"/>
+          </p:cNvSpPr>
+          <p:nvPr>
+            <p:extLst>
+              <p:ext uri="{386F3935-93C4-4BCD-93E2-E3B085C9AB24}">
+                <p16:designElem xmlns:p16="http://schemas.microsoft.com/office/powerpoint/2015/main" val="1"/>
+              </p:ext>
+            </p:extLst>
+          </p:nvPr>
+        </p:nvSpPr>
+        <p:spPr>
+          <a:xfrm>
+            <a:off x="-1" y="2362448"/>
+            <a:ext cx="10799763" cy="6074870"/>
+          </a:xfrm>
+          <a:prstGeom prst="rect">
+            <a:avLst/>
+          </a:prstGeom>
+          <a:solidFill>
+            <a:schemeClr val="bg2">
+              <a:lumMod val="90000"/>
+              <a:alpha val="70000"/>
+            </a:schemeClr>
+          </a:solidFill>
+          <a:ln>
+            <a:noFill/>
+          </a:ln>
+        </p:spPr>
+        <p:style>
+          <a:lnRef idx="2">
+            <a:schemeClr val="accent1">
+              <a:shade val="50000"/>
+            </a:schemeClr>
+          </a:lnRef>
+          <a:fillRef idx="1">
+            <a:schemeClr val="accent1"/>
+          </a:fillRef>
+          <a:effectRef idx="0">
+            <a:schemeClr val="accent1"/>
+          </a:effectRef>
+          <a:fontRef idx="minor">
+            <a:schemeClr val="lt1"/>
+          </a:fontRef>
+        </p:style>
+        <p:txBody>
+          <a:bodyPr rtlCol="0" anchor="ctr"/>
+          <a:lstStyle/>
+          <a:p>
+            <a:pPr marL="0" marR="0" lvl="0" indent="0" algn="ctr" defTabSz="914400" rtl="0" eaLnBrk="1" fontAlgn="auto" latinLnBrk="0" hangingPunct="1">
+              <a:lnSpc>
+                <a:spcPct val="100000"/>
+              </a:lnSpc>
+              <a:spcBef>
+                <a:spcPts val="0"/>
+              </a:spcBef>
+              <a:spcAft>
+                <a:spcPts val="0"/>
+              </a:spcAft>
+              <a:buClrTx/>
+              <a:buSzTx/>
+              <a:buFontTx/>
+              <a:buNone/>
+              <a:tabLst/>
+              <a:defRPr/>
+            </a:pPr>
+            <a:endParaRPr kumimoji="0" lang="en-US" sz="1594" b="0" i="0" u="none" strike="noStrike" kern="1200" cap="none" spc="0" normalizeH="0" baseline="0" noProof="0" dirty="0">
+              <a:ln>
+                <a:noFill/>
+              </a:ln>
+              <a:solidFill>
+                <a:prstClr val="black">
+                  <a:lumMod val="65000"/>
+                  <a:lumOff val="35000"/>
+                </a:prstClr>
+              </a:solidFill>
+              <a:effectLst/>
+              <a:uLnTx/>
+              <a:uFillTx/>
+              <a:latin typeface="AvenirNext LT Pro Medium" panose="020B0504020202020204" pitchFamily="34" charset="0"/>
+              <a:ea typeface="+mn-ea"/>
+              <a:cs typeface="+mn-cs"/>
+            </a:endParaRPr>
+          </a:p>
+        </p:txBody>
+      </p:sp>
+      <p:pic>
+        <p:nvPicPr>
+          <p:cNvPr id="12" name="Picture 11">
+            <a:extLst>
+              <a:ext uri="{FF2B5EF4-FFF2-40B4-BE49-F238E27FC236}">
+                <a16:creationId xmlns:a16="http://schemas.microsoft.com/office/drawing/2014/main" id="{BC526B7A-4801-4FD1-95C8-03AF22629E87}"/>
+              </a:ext>
+              <a:ext uri="{C183D7F6-B498-43B3-948B-1728B52AA6E4}">
+                <adec:decorative xmlns:adec="http://schemas.microsoft.com/office/drawing/2017/decorative" val="1"/>
+              </a:ext>
+            </a:extLst>
+          </p:cNvPr>
+          <p:cNvPicPr>
+            <a:picLocks noGrp="1" noRot="1" noChangeAspect="1" noMove="1" noResize="1" noEditPoints="1" noAdjustHandles="1" noChangeArrowheads="1" noChangeShapeType="1" noCrop="1"/>
+          </p:cNvPicPr>
+          <p:nvPr>
+            <p:extLst>
+              <p:ext uri="{386F3935-93C4-4BCD-93E2-E3B085C9AB24}">
+                <p16:designElem xmlns:p16="http://schemas.microsoft.com/office/powerpoint/2015/main" val="1"/>
+              </p:ext>
+            </p:extLst>
+          </p:nvPr>
+        </p:nvPicPr>
+        <p:blipFill>
+          <a:blip r:embed="rId2">
+            <a:alphaModFix amt="10000"/>
+            <a:extLst>
+              <a:ext uri="{28A0092B-C50C-407E-A947-70E740481C1C}">
+                <a14:useLocalDpi xmlns:a14="http://schemas.microsoft.com/office/drawing/2010/main" val="0"/>
+              </a:ext>
+            </a:extLst>
+          </a:blip>
+          <a:stretch>
+            <a:fillRect/>
+          </a:stretch>
+        </p:blipFill>
+        <p:spPr>
+          <a:xfrm>
+            <a:off x="7559833" y="2362448"/>
+            <a:ext cx="3237282" cy="4052877"/>
+          </a:xfrm>
+          <a:prstGeom prst="rect">
+            <a:avLst/>
+          </a:prstGeom>
+        </p:spPr>
+      </p:pic>
+      <p:sp useBgFill="1">
+        <p:nvSpPr>
+          <p:cNvPr id="14" name="Rectangle 13">
+            <a:extLst>
+              <a:ext uri="{FF2B5EF4-FFF2-40B4-BE49-F238E27FC236}">
+                <a16:creationId xmlns:a16="http://schemas.microsoft.com/office/drawing/2014/main" id="{37FDDF72-DE39-4F99-A3C1-DD9D7815D7DB}"/>
+              </a:ext>
+              <a:ext uri="{C183D7F6-B498-43B3-948B-1728B52AA6E4}">
+                <adec:decorative xmlns:adec="http://schemas.microsoft.com/office/drawing/2017/decorative" val="1"/>
+              </a:ext>
+            </a:extLst>
+          </p:cNvPr>
+          <p:cNvSpPr>
+            <a:spLocks noGrp="1" noRot="1" noChangeAspect="1" noMove="1" noResize="1" noEditPoints="1" noAdjustHandles="1" noChangeArrowheads="1" noChangeShapeType="1" noTextEdit="1"/>
+          </p:cNvSpPr>
+          <p:nvPr>
+            <p:extLst>
+              <p:ext uri="{386F3935-93C4-4BCD-93E2-E3B085C9AB24}">
+                <p16:designElem xmlns:p16="http://schemas.microsoft.com/office/powerpoint/2015/main" val="1"/>
+              </p:ext>
+            </p:extLst>
+          </p:nvPr>
+        </p:nvSpPr>
+        <p:spPr>
+          <a:xfrm>
+            <a:off x="-1" y="2362448"/>
+            <a:ext cx="10799763" cy="6074866"/>
+          </a:xfrm>
+          <a:prstGeom prst="rect">
+            <a:avLst/>
+          </a:prstGeom>
+          <a:ln>
+            <a:noFill/>
+          </a:ln>
+        </p:spPr>
+        <p:style>
+          <a:lnRef idx="2">
+            <a:schemeClr val="accent1">
+              <a:shade val="50000"/>
+            </a:schemeClr>
+          </a:lnRef>
+          <a:fillRef idx="1">
+            <a:schemeClr val="accent1"/>
+          </a:fillRef>
+          <a:effectRef idx="0">
+            <a:schemeClr val="accent1"/>
+          </a:effectRef>
+          <a:fontRef idx="minor">
+            <a:schemeClr val="lt1"/>
+          </a:fontRef>
+        </p:style>
+        <p:txBody>
+          <a:bodyPr rtlCol="0" anchor="ctr"/>
+          <a:lstStyle/>
+          <a:p>
+            <a:pPr marL="0" marR="0" lvl="0" indent="0" algn="ctr" defTabSz="914400" rtl="0" eaLnBrk="1" fontAlgn="auto" latinLnBrk="0" hangingPunct="1">
+              <a:lnSpc>
+                <a:spcPct val="100000"/>
+              </a:lnSpc>
+              <a:spcBef>
+                <a:spcPts val="0"/>
+              </a:spcBef>
+              <a:spcAft>
+                <a:spcPts val="0"/>
+              </a:spcAft>
+              <a:buClrTx/>
+              <a:buSzTx/>
+              <a:buFontTx/>
+              <a:buNone/>
+              <a:tabLst/>
+              <a:defRPr/>
+            </a:pPr>
+            <a:endParaRPr kumimoji="0" lang="en-US" sz="1594" b="0" i="0" u="none" strike="noStrike" kern="1200" cap="none" spc="0" normalizeH="0" baseline="0" noProof="0" dirty="0">
+              <a:ln>
+                <a:noFill/>
+              </a:ln>
+              <a:solidFill>
+                <a:prstClr val="black">
+                  <a:lumMod val="65000"/>
+                  <a:lumOff val="35000"/>
+                </a:prstClr>
+              </a:solidFill>
+              <a:effectLst/>
+              <a:uLnTx/>
+              <a:uFillTx/>
+              <a:latin typeface="AvenirNext LT Pro Medium" panose="020B0504020202020204" pitchFamily="34" charset="0"/>
+              <a:ea typeface="+mn-ea"/>
+              <a:cs typeface="+mn-cs"/>
+            </a:endParaRPr>
+          </a:p>
+        </p:txBody>
+      </p:sp>
+      <p:sp>
+        <p:nvSpPr>
+          <p:cNvPr id="16" name="Rectangle 15">
+            <a:extLst>
+              <a:ext uri="{FF2B5EF4-FFF2-40B4-BE49-F238E27FC236}">
+                <a16:creationId xmlns:a16="http://schemas.microsoft.com/office/drawing/2014/main" id="{5E4ECE80-3AD1-450C-B62A-98788F193948}"/>
+              </a:ext>
+              <a:ext uri="{C183D7F6-B498-43B3-948B-1728B52AA6E4}">
+                <adec:decorative xmlns:adec="http://schemas.microsoft.com/office/drawing/2017/decorative" val="1"/>
+              </a:ext>
+            </a:extLst>
+          </p:cNvPr>
+          <p:cNvSpPr>
+            <a:spLocks noGrp="1" noRot="1" noChangeAspect="1" noMove="1" noResize="1" noEditPoints="1" noAdjustHandles="1" noChangeArrowheads="1" noChangeShapeType="1" noTextEdit="1"/>
+          </p:cNvSpPr>
+          <p:nvPr>
+            <p:extLst>
+              <p:ext uri="{386F3935-93C4-4BCD-93E2-E3B085C9AB24}">
+                <p16:designElem xmlns:p16="http://schemas.microsoft.com/office/powerpoint/2015/main" val="1"/>
+              </p:ext>
+            </p:extLst>
+          </p:nvPr>
+        </p:nvSpPr>
+        <p:spPr>
+          <a:xfrm>
+            <a:off x="-1" y="2362448"/>
+            <a:ext cx="10799763" cy="6074866"/>
+          </a:xfrm>
+          <a:prstGeom prst="rect">
+            <a:avLst/>
+          </a:prstGeom>
+          <a:solidFill>
+            <a:srgbClr val="000000"/>
+          </a:solidFill>
+          <a:ln>
+            <a:noFill/>
+          </a:ln>
+        </p:spPr>
+        <p:style>
+          <a:lnRef idx="2">
+            <a:schemeClr val="accent1">
+              <a:shade val="50000"/>
+            </a:schemeClr>
+          </a:lnRef>
+          <a:fillRef idx="1">
+            <a:schemeClr val="accent1"/>
+          </a:fillRef>
+          <a:effectRef idx="0">
+            <a:schemeClr val="accent1"/>
+          </a:effectRef>
+          <a:fontRef idx="minor">
+            <a:schemeClr val="lt1"/>
+          </a:fontRef>
+        </p:style>
+        <p:txBody>
+          <a:bodyPr rtlCol="0" anchor="ctr"/>
+          <a:lstStyle/>
+          <a:p>
+            <a:pPr marL="0" marR="0" lvl="0" indent="0" algn="ctr" defTabSz="914400" rtl="0" eaLnBrk="1" fontAlgn="auto" latinLnBrk="0" hangingPunct="1">
+              <a:lnSpc>
+                <a:spcPct val="100000"/>
+              </a:lnSpc>
+              <a:spcBef>
+                <a:spcPts val="0"/>
+              </a:spcBef>
+              <a:spcAft>
+                <a:spcPts val="0"/>
+              </a:spcAft>
+              <a:buClrTx/>
+              <a:buSzTx/>
+              <a:buFontTx/>
+              <a:buNone/>
+              <a:tabLst/>
+              <a:defRPr/>
+            </a:pPr>
+            <a:endParaRPr kumimoji="0" lang="en-US" sz="1594" b="0" i="0" u="none" strike="noStrike" kern="1200" cap="none" spc="0" normalizeH="0" baseline="0" noProof="0" dirty="0">
+              <a:ln>
+                <a:noFill/>
+              </a:ln>
+              <a:solidFill>
+                <a:prstClr val="black">
+                  <a:lumMod val="65000"/>
+                  <a:lumOff val="35000"/>
+                </a:prstClr>
+              </a:solidFill>
+              <a:effectLst/>
+              <a:uLnTx/>
+              <a:uFillTx/>
+              <a:latin typeface="AvenirNext LT Pro Medium" panose="020B0504020202020204" pitchFamily="34" charset="0"/>
+              <a:ea typeface="+mn-ea"/>
+              <a:cs typeface="+mn-cs"/>
+            </a:endParaRPr>
+          </a:p>
+        </p:txBody>
+      </p:sp>
+      <p:pic>
+        <p:nvPicPr>
+          <p:cNvPr id="5" name="Imagem 4">
+            <a:extLst>
+              <a:ext uri="{FF2B5EF4-FFF2-40B4-BE49-F238E27FC236}">
+                <a16:creationId xmlns:a16="http://schemas.microsoft.com/office/drawing/2014/main" id="{F1433EF1-FB6D-4913-96C9-08F0B1B3CA7A}"/>
+              </a:ext>
+            </a:extLst>
+          </p:cNvPr>
+          <p:cNvPicPr>
+            <a:picLocks noChangeAspect="1"/>
+          </p:cNvPicPr>
+          <p:nvPr/>
+        </p:nvPicPr>
+        <p:blipFill rotWithShape="1">
+          <a:blip r:embed="rId3">
+            <a:alphaModFix/>
+            <a:extLst>
+              <a:ext uri="{28A0092B-C50C-407E-A947-70E740481C1C}">
+                <a14:useLocalDpi xmlns:a14="http://schemas.microsoft.com/office/drawing/2010/main" val="0"/>
+              </a:ext>
+            </a:extLst>
+          </a:blip>
+          <a:srcRect l="21682" t="7086" r="22004" b="8663"/>
+          <a:stretch/>
+        </p:blipFill>
+        <p:spPr>
+          <a:xfrm>
+            <a:off x="0" y="793"/>
+            <a:ext cx="10814236" cy="10799763"/>
+          </a:xfrm>
+          <a:prstGeom prst="rect">
+            <a:avLst/>
+          </a:prstGeom>
+        </p:spPr>
+      </p:pic>
+      <p:sp>
+        <p:nvSpPr>
+          <p:cNvPr id="6" name="Retângulo 5">
+            <a:extLst>
+              <a:ext uri="{FF2B5EF4-FFF2-40B4-BE49-F238E27FC236}">
+                <a16:creationId xmlns:a16="http://schemas.microsoft.com/office/drawing/2014/main" id="{CA38338D-CD96-464B-85A1-D00A3CBDF55D}"/>
+              </a:ext>
+            </a:extLst>
+          </p:cNvPr>
+          <p:cNvSpPr/>
+          <p:nvPr/>
+        </p:nvSpPr>
+        <p:spPr>
+          <a:xfrm>
+            <a:off x="-17121" y="-790"/>
+            <a:ext cx="10831358" cy="10799760"/>
+          </a:xfrm>
+          <a:prstGeom prst="rect">
+            <a:avLst/>
+          </a:prstGeom>
+          <a:solidFill>
+            <a:schemeClr val="tx1">
+              <a:alpha val="67000"/>
+            </a:schemeClr>
+          </a:solidFill>
+          <a:ln>
+            <a:noFill/>
+          </a:ln>
+        </p:spPr>
+        <p:style>
+          <a:lnRef idx="2">
+            <a:schemeClr val="accent1">
+              <a:shade val="50000"/>
+            </a:schemeClr>
+          </a:lnRef>
+          <a:fillRef idx="1">
+            <a:schemeClr val="accent1"/>
+          </a:fillRef>
+          <a:effectRef idx="0">
+            <a:schemeClr val="accent1"/>
+          </a:effectRef>
+          <a:fontRef idx="minor">
+            <a:schemeClr val="lt1"/>
+          </a:fontRef>
+        </p:style>
+        <p:txBody>
+          <a:bodyPr rtlCol="0" anchor="ctr"/>
+          <a:lstStyle/>
+          <a:p>
+            <a:pPr marL="0" marR="0" lvl="0" indent="0" algn="ctr" defTabSz="914400" rtl="0" eaLnBrk="1" fontAlgn="auto" latinLnBrk="0" hangingPunct="1">
+              <a:lnSpc>
+                <a:spcPct val="100000"/>
+              </a:lnSpc>
+              <a:spcBef>
+                <a:spcPts val="0"/>
+              </a:spcBef>
+              <a:spcAft>
+                <a:spcPts val="0"/>
+              </a:spcAft>
+              <a:buClrTx/>
+              <a:buSzTx/>
+              <a:buFontTx/>
+              <a:buNone/>
+              <a:tabLst/>
+              <a:defRPr/>
+            </a:pPr>
+            <a:endParaRPr kumimoji="0" lang="pt-BR" sz="2000" b="0" i="0" u="none" strike="noStrike" kern="1200" cap="none" spc="0" normalizeH="0" baseline="0" noProof="0" dirty="0">
+              <a:ln>
+                <a:noFill/>
+              </a:ln>
+              <a:solidFill>
+                <a:prstClr val="white"/>
+              </a:solidFill>
+              <a:effectLst/>
+              <a:uLnTx/>
+              <a:uFillTx/>
+              <a:latin typeface="Avenir Next LT Pro"/>
+              <a:ea typeface="+mn-ea"/>
+              <a:cs typeface="+mn-cs"/>
+            </a:endParaRPr>
+          </a:p>
+        </p:txBody>
+      </p:sp>
+      <p:sp>
+        <p:nvSpPr>
+          <p:cNvPr id="41" name="Triângulo isósceles 1">
+            <a:extLst>
+              <a:ext uri="{FF2B5EF4-FFF2-40B4-BE49-F238E27FC236}">
+                <a16:creationId xmlns:a16="http://schemas.microsoft.com/office/drawing/2014/main" id="{D3957D18-6373-4C37-BDC6-1080B31CB35C}"/>
+              </a:ext>
+            </a:extLst>
+          </p:cNvPr>
+          <p:cNvSpPr/>
+          <p:nvPr/>
+        </p:nvSpPr>
+        <p:spPr>
+          <a:xfrm rot="5400000">
+            <a:off x="4724967" y="-4724966"/>
+            <a:ext cx="1349830" cy="10799763"/>
+          </a:xfrm>
+          <a:custGeom>
+            <a:avLst/>
+            <a:gdLst>
+              <a:gd name="connsiteX0" fmla="*/ 0 w 1349830"/>
+              <a:gd name="connsiteY0" fmla="*/ 10799763 h 10799763"/>
+              <a:gd name="connsiteX1" fmla="*/ 0 w 1349830"/>
+              <a:gd name="connsiteY1" fmla="*/ 0 h 10799763"/>
+              <a:gd name="connsiteX2" fmla="*/ 1349830 w 1349830"/>
+              <a:gd name="connsiteY2" fmla="*/ 10799763 h 10799763"/>
+              <a:gd name="connsiteX3" fmla="*/ 0 w 1349830"/>
+              <a:gd name="connsiteY3" fmla="*/ 10799763 h 10799763"/>
+              <a:gd name="connsiteX0" fmla="*/ 0 w 1349830"/>
+              <a:gd name="connsiteY0" fmla="*/ 10799763 h 10799763"/>
+              <a:gd name="connsiteX1" fmla="*/ 0 w 1349830"/>
+              <a:gd name="connsiteY1" fmla="*/ 0 h 10799763"/>
+              <a:gd name="connsiteX2" fmla="*/ 433141 w 1349830"/>
+              <a:gd name="connsiteY2" fmla="*/ 6060000 h 10799763"/>
+              <a:gd name="connsiteX3" fmla="*/ 1349830 w 1349830"/>
+              <a:gd name="connsiteY3" fmla="*/ 10799763 h 10799763"/>
+              <a:gd name="connsiteX4" fmla="*/ 0 w 1349830"/>
+              <a:gd name="connsiteY4" fmla="*/ 10799763 h 10799763"/>
+              <a:gd name="connsiteX0" fmla="*/ 0 w 1349830"/>
+              <a:gd name="connsiteY0" fmla="*/ 10799763 h 10799763"/>
+              <a:gd name="connsiteX1" fmla="*/ 0 w 1349830"/>
+              <a:gd name="connsiteY1" fmla="*/ 0 h 10799763"/>
+              <a:gd name="connsiteX2" fmla="*/ 433141 w 1349830"/>
+              <a:gd name="connsiteY2" fmla="*/ 6060000 h 10799763"/>
+              <a:gd name="connsiteX3" fmla="*/ 577519 w 1349830"/>
+              <a:gd name="connsiteY3" fmla="*/ 8682884 h 10799763"/>
+              <a:gd name="connsiteX4" fmla="*/ 1349830 w 1349830"/>
+              <a:gd name="connsiteY4" fmla="*/ 10799763 h 10799763"/>
+              <a:gd name="connsiteX5" fmla="*/ 0 w 1349830"/>
+              <a:gd name="connsiteY5" fmla="*/ 10799763 h 10799763"/>
+              <a:gd name="connsiteX0" fmla="*/ 0 w 1349830"/>
+              <a:gd name="connsiteY0" fmla="*/ 10799763 h 10799763"/>
+              <a:gd name="connsiteX1" fmla="*/ 0 w 1349830"/>
+              <a:gd name="connsiteY1" fmla="*/ 0 h 10799763"/>
+              <a:gd name="connsiteX2" fmla="*/ 300797 w 1349830"/>
+              <a:gd name="connsiteY2" fmla="*/ 6060000 h 10799763"/>
+              <a:gd name="connsiteX3" fmla="*/ 577519 w 1349830"/>
+              <a:gd name="connsiteY3" fmla="*/ 8682884 h 10799763"/>
+              <a:gd name="connsiteX4" fmla="*/ 1349830 w 1349830"/>
+              <a:gd name="connsiteY4" fmla="*/ 10799763 h 10799763"/>
+              <a:gd name="connsiteX5" fmla="*/ 0 w 1349830"/>
+              <a:gd name="connsiteY5" fmla="*/ 10799763 h 10799763"/>
+              <a:gd name="connsiteX0" fmla="*/ 0 w 1349830"/>
+              <a:gd name="connsiteY0" fmla="*/ 10799763 h 10799763"/>
+              <a:gd name="connsiteX1" fmla="*/ 0 w 1349830"/>
+              <a:gd name="connsiteY1" fmla="*/ 0 h 10799763"/>
+              <a:gd name="connsiteX2" fmla="*/ 300797 w 1349830"/>
+              <a:gd name="connsiteY2" fmla="*/ 6060000 h 10799763"/>
+              <a:gd name="connsiteX3" fmla="*/ 577519 w 1349830"/>
+              <a:gd name="connsiteY3" fmla="*/ 8682884 h 10799763"/>
+              <a:gd name="connsiteX4" fmla="*/ 1349830 w 1349830"/>
+              <a:gd name="connsiteY4" fmla="*/ 10799763 h 10799763"/>
+              <a:gd name="connsiteX5" fmla="*/ 0 w 1349830"/>
+              <a:gd name="connsiteY5" fmla="*/ 10799763 h 10799763"/>
+              <a:gd name="connsiteX0" fmla="*/ 0 w 1349830"/>
+              <a:gd name="connsiteY0" fmla="*/ 10799763 h 10799763"/>
+              <a:gd name="connsiteX1" fmla="*/ 0 w 1349830"/>
+              <a:gd name="connsiteY1" fmla="*/ 0 h 10799763"/>
+              <a:gd name="connsiteX2" fmla="*/ 300797 w 1349830"/>
+              <a:gd name="connsiteY2" fmla="*/ 6060000 h 10799763"/>
+              <a:gd name="connsiteX3" fmla="*/ 577519 w 1349830"/>
+              <a:gd name="connsiteY3" fmla="*/ 8682884 h 10799763"/>
+              <a:gd name="connsiteX4" fmla="*/ 1349830 w 1349830"/>
+              <a:gd name="connsiteY4" fmla="*/ 10799763 h 10799763"/>
+              <a:gd name="connsiteX5" fmla="*/ 0 w 1349830"/>
+              <a:gd name="connsiteY5" fmla="*/ 10799763 h 10799763"/>
+              <a:gd name="connsiteX0" fmla="*/ 0 w 1349830"/>
+              <a:gd name="connsiteY0" fmla="*/ 10799763 h 10799763"/>
+              <a:gd name="connsiteX1" fmla="*/ 0 w 1349830"/>
+              <a:gd name="connsiteY1" fmla="*/ 0 h 10799763"/>
+              <a:gd name="connsiteX2" fmla="*/ 300797 w 1349830"/>
+              <a:gd name="connsiteY2" fmla="*/ 6060000 h 10799763"/>
+              <a:gd name="connsiteX3" fmla="*/ 577519 w 1349830"/>
+              <a:gd name="connsiteY3" fmla="*/ 8682884 h 10799763"/>
+              <a:gd name="connsiteX4" fmla="*/ 1349830 w 1349830"/>
+              <a:gd name="connsiteY4" fmla="*/ 10799763 h 10799763"/>
+              <a:gd name="connsiteX5" fmla="*/ 0 w 1349830"/>
+              <a:gd name="connsiteY5" fmla="*/ 10799763 h 10799763"/>
+              <a:gd name="connsiteX0" fmla="*/ 0 w 1349830"/>
+              <a:gd name="connsiteY0" fmla="*/ 10799763 h 10799763"/>
+              <a:gd name="connsiteX1" fmla="*/ 0 w 1349830"/>
+              <a:gd name="connsiteY1" fmla="*/ 0 h 10799763"/>
+              <a:gd name="connsiteX2" fmla="*/ 300797 w 1349830"/>
+              <a:gd name="connsiteY2" fmla="*/ 6060000 h 10799763"/>
+              <a:gd name="connsiteX3" fmla="*/ 577519 w 1349830"/>
+              <a:gd name="connsiteY3" fmla="*/ 8682884 h 10799763"/>
+              <a:gd name="connsiteX4" fmla="*/ 1349830 w 1349830"/>
+              <a:gd name="connsiteY4" fmla="*/ 10799763 h 10799763"/>
+              <a:gd name="connsiteX5" fmla="*/ 0 w 1349830"/>
+              <a:gd name="connsiteY5" fmla="*/ 10799763 h 10799763"/>
+              <a:gd name="connsiteX0" fmla="*/ 0 w 1349830"/>
+              <a:gd name="connsiteY0" fmla="*/ 10799763 h 10799763"/>
+              <a:gd name="connsiteX1" fmla="*/ 0 w 1349830"/>
+              <a:gd name="connsiteY1" fmla="*/ 0 h 10799763"/>
+              <a:gd name="connsiteX2" fmla="*/ 300797 w 1349830"/>
+              <a:gd name="connsiteY2" fmla="*/ 6060000 h 10799763"/>
+              <a:gd name="connsiteX3" fmla="*/ 577519 w 1349830"/>
+              <a:gd name="connsiteY3" fmla="*/ 8682884 h 10799763"/>
+              <a:gd name="connsiteX4" fmla="*/ 1349830 w 1349830"/>
+              <a:gd name="connsiteY4" fmla="*/ 10799763 h 10799763"/>
+              <a:gd name="connsiteX5" fmla="*/ 0 w 1349830"/>
+              <a:gd name="connsiteY5" fmla="*/ 10799763 h 10799763"/>
+              <a:gd name="connsiteX0" fmla="*/ 0 w 1349830"/>
+              <a:gd name="connsiteY0" fmla="*/ 10799763 h 10799763"/>
+              <a:gd name="connsiteX1" fmla="*/ 0 w 1349830"/>
+              <a:gd name="connsiteY1" fmla="*/ 0 h 10799763"/>
+              <a:gd name="connsiteX2" fmla="*/ 300797 w 1349830"/>
+              <a:gd name="connsiteY2" fmla="*/ 6060000 h 10799763"/>
+              <a:gd name="connsiteX3" fmla="*/ 468339 w 1349830"/>
+              <a:gd name="connsiteY3" fmla="*/ 8682884 h 10799763"/>
+              <a:gd name="connsiteX4" fmla="*/ 1349830 w 1349830"/>
+              <a:gd name="connsiteY4" fmla="*/ 10799763 h 10799763"/>
+              <a:gd name="connsiteX5" fmla="*/ 0 w 1349830"/>
+              <a:gd name="connsiteY5" fmla="*/ 10799763 h 10799763"/>
+              <a:gd name="connsiteX0" fmla="*/ 0 w 1349830"/>
+              <a:gd name="connsiteY0" fmla="*/ 10799763 h 10799763"/>
+              <a:gd name="connsiteX1" fmla="*/ 0 w 1349830"/>
+              <a:gd name="connsiteY1" fmla="*/ 0 h 10799763"/>
+              <a:gd name="connsiteX2" fmla="*/ 273504 w 1349830"/>
+              <a:gd name="connsiteY2" fmla="*/ 6073647 h 10799763"/>
+              <a:gd name="connsiteX3" fmla="*/ 468339 w 1349830"/>
+              <a:gd name="connsiteY3" fmla="*/ 8682884 h 10799763"/>
+              <a:gd name="connsiteX4" fmla="*/ 1349830 w 1349830"/>
+              <a:gd name="connsiteY4" fmla="*/ 10799763 h 10799763"/>
+              <a:gd name="connsiteX5" fmla="*/ 0 w 1349830"/>
+              <a:gd name="connsiteY5" fmla="*/ 10799763 h 10799763"/>
+              <a:gd name="connsiteX0" fmla="*/ 0 w 1349830"/>
+              <a:gd name="connsiteY0" fmla="*/ 10799763 h 10799763"/>
+              <a:gd name="connsiteX1" fmla="*/ 0 w 1349830"/>
+              <a:gd name="connsiteY1" fmla="*/ 0 h 10799763"/>
+              <a:gd name="connsiteX2" fmla="*/ 273504 w 1349830"/>
+              <a:gd name="connsiteY2" fmla="*/ 6073647 h 10799763"/>
+              <a:gd name="connsiteX3" fmla="*/ 468339 w 1349830"/>
+              <a:gd name="connsiteY3" fmla="*/ 8682884 h 10799763"/>
+              <a:gd name="connsiteX4" fmla="*/ 1349830 w 1349830"/>
+              <a:gd name="connsiteY4" fmla="*/ 10799763 h 10799763"/>
+              <a:gd name="connsiteX5" fmla="*/ 0 w 1349830"/>
+              <a:gd name="connsiteY5" fmla="*/ 10799763 h 10799763"/>
+            </a:gdLst>
+            <a:ahLst/>
+            <a:cxnLst>
+              <a:cxn ang="0">
+                <a:pos x="connsiteX0" y="connsiteY0"/>
+              </a:cxn>
+              <a:cxn ang="0">
+                <a:pos x="connsiteX1" y="connsiteY1"/>
+              </a:cxn>
+              <a:cxn ang="0">
+                <a:pos x="connsiteX2" y="connsiteY2"/>
+              </a:cxn>
+              <a:cxn ang="0">
+                <a:pos x="connsiteX3" y="connsiteY3"/>
+              </a:cxn>
+              <a:cxn ang="0">
+                <a:pos x="connsiteX4" y="connsiteY4"/>
+              </a:cxn>
+              <a:cxn ang="0">
+                <a:pos x="connsiteX5" y="connsiteY5"/>
+              </a:cxn>
+            </a:cxnLst>
+            <a:rect l="l" t="t" r="r" b="b"/>
+            <a:pathLst>
+              <a:path w="1349830" h="10799763">
+                <a:moveTo>
+                  <a:pt x="0" y="10799763"/>
+                </a:moveTo>
+                <a:lnTo>
+                  <a:pt x="0" y="0"/>
+                </a:lnTo>
+                <a:cubicBezTo>
+                  <a:pt x="244642" y="1983905"/>
+                  <a:pt x="274522" y="3994206"/>
+                  <a:pt x="273504" y="6073647"/>
+                </a:cubicBezTo>
+                <a:cubicBezTo>
+                  <a:pt x="320735" y="7212936"/>
+                  <a:pt x="270990" y="7789254"/>
+                  <a:pt x="468339" y="8682884"/>
+                </a:cubicBezTo>
+                <a:cubicBezTo>
+                  <a:pt x="725778" y="9948068"/>
+                  <a:pt x="1092393" y="10094137"/>
+                  <a:pt x="1349830" y="10799763"/>
+                </a:cubicBezTo>
+                <a:lnTo>
+                  <a:pt x="0" y="10799763"/>
+                </a:lnTo>
+                <a:close/>
+              </a:path>
+            </a:pathLst>
+          </a:custGeom>
+          <a:gradFill flip="none" rotWithShape="1">
+            <a:gsLst>
+              <a:gs pos="0">
+                <a:srgbClr val="DEA900"/>
+              </a:gs>
+              <a:gs pos="34000">
+                <a:srgbClr val="FDAD08"/>
+              </a:gs>
+              <a:gs pos="68000">
+                <a:srgbClr val="FDBE41"/>
+              </a:gs>
+              <a:gs pos="100000">
+                <a:srgbClr val="FFDA65"/>
+              </a:gs>
+            </a:gsLst>
+            <a:lin ang="2700000" scaled="1"/>
+            <a:tileRect/>
+          </a:gradFill>
+          <a:ln>
+            <a:noFill/>
+          </a:ln>
+          <a:scene3d>
+            <a:camera prst="orthographicFront"/>
+            <a:lightRig rig="threePt" dir="t"/>
+          </a:scene3d>
+          <a:sp3d>
+            <a:bevelT/>
+          </a:sp3d>
+        </p:spPr>
+        <p:style>
+          <a:lnRef idx="2">
+            <a:schemeClr val="accent1">
+              <a:shade val="50000"/>
+            </a:schemeClr>
+          </a:lnRef>
+          <a:fillRef idx="1">
+            <a:schemeClr val="accent1"/>
+          </a:fillRef>
+          <a:effectRef idx="0">
+            <a:schemeClr val="accent1"/>
+          </a:effectRef>
+          <a:fontRef idx="minor">
+            <a:schemeClr val="lt1"/>
+          </a:fontRef>
+        </p:style>
+        <p:txBody>
+          <a:bodyPr rtlCol="0" anchor="ctr"/>
+          <a:lstStyle/>
+          <a:p>
+            <a:pPr algn="ctr"/>
+            <a:endParaRPr lang="pt-BR"/>
+          </a:p>
+        </p:txBody>
+      </p:sp>
+      <p:pic>
+        <p:nvPicPr>
+          <p:cNvPr id="44" name="Imagem 43">
+            <a:extLst>
+              <a:ext uri="{FF2B5EF4-FFF2-40B4-BE49-F238E27FC236}">
+                <a16:creationId xmlns:a16="http://schemas.microsoft.com/office/drawing/2014/main" id="{AC92BC92-0334-4708-810F-520EA6F74C81}"/>
+              </a:ext>
+            </a:extLst>
+          </p:cNvPr>
+          <p:cNvPicPr>
+            <a:picLocks noChangeAspect="1"/>
+          </p:cNvPicPr>
+          <p:nvPr/>
+        </p:nvPicPr>
+        <p:blipFill>
+          <a:blip r:embed="rId4">
+            <a:extLst>
+              <a:ext uri="{28A0092B-C50C-407E-A947-70E740481C1C}">
+                <a14:useLocalDpi xmlns:a14="http://schemas.microsoft.com/office/drawing/2010/main" val="0"/>
+              </a:ext>
+            </a:extLst>
+          </a:blip>
+          <a:stretch>
+            <a:fillRect/>
+          </a:stretch>
+        </p:blipFill>
+        <p:spPr>
+          <a:xfrm>
+            <a:off x="0" y="59613"/>
+            <a:ext cx="1800000" cy="2116555"/>
+          </a:xfrm>
+          <a:prstGeom prst="rect">
+            <a:avLst/>
+          </a:prstGeom>
+        </p:spPr>
+      </p:pic>
+      <p:sp>
+        <p:nvSpPr>
+          <p:cNvPr id="47" name="Triângulo isósceles 1">
+            <a:extLst>
+              <a:ext uri="{FF2B5EF4-FFF2-40B4-BE49-F238E27FC236}">
+                <a16:creationId xmlns:a16="http://schemas.microsoft.com/office/drawing/2014/main" id="{68CFE998-EC0C-4AAF-AAA5-279CE12A4425}"/>
+              </a:ext>
+            </a:extLst>
+          </p:cNvPr>
+          <p:cNvSpPr/>
+          <p:nvPr/>
+        </p:nvSpPr>
+        <p:spPr>
+          <a:xfrm rot="16200000">
+            <a:off x="4724966" y="4783786"/>
+            <a:ext cx="1349830" cy="10799763"/>
+          </a:xfrm>
+          <a:custGeom>
+            <a:avLst/>
+            <a:gdLst>
+              <a:gd name="connsiteX0" fmla="*/ 0 w 1349830"/>
+              <a:gd name="connsiteY0" fmla="*/ 10799763 h 10799763"/>
+              <a:gd name="connsiteX1" fmla="*/ 0 w 1349830"/>
+              <a:gd name="connsiteY1" fmla="*/ 0 h 10799763"/>
+              <a:gd name="connsiteX2" fmla="*/ 1349830 w 1349830"/>
+              <a:gd name="connsiteY2" fmla="*/ 10799763 h 10799763"/>
+              <a:gd name="connsiteX3" fmla="*/ 0 w 1349830"/>
+              <a:gd name="connsiteY3" fmla="*/ 10799763 h 10799763"/>
+              <a:gd name="connsiteX0" fmla="*/ 0 w 1349830"/>
+              <a:gd name="connsiteY0" fmla="*/ 10799763 h 10799763"/>
+              <a:gd name="connsiteX1" fmla="*/ 0 w 1349830"/>
+              <a:gd name="connsiteY1" fmla="*/ 0 h 10799763"/>
+              <a:gd name="connsiteX2" fmla="*/ 433141 w 1349830"/>
+              <a:gd name="connsiteY2" fmla="*/ 6060000 h 10799763"/>
+              <a:gd name="connsiteX3" fmla="*/ 1349830 w 1349830"/>
+              <a:gd name="connsiteY3" fmla="*/ 10799763 h 10799763"/>
+              <a:gd name="connsiteX4" fmla="*/ 0 w 1349830"/>
+              <a:gd name="connsiteY4" fmla="*/ 10799763 h 10799763"/>
+              <a:gd name="connsiteX0" fmla="*/ 0 w 1349830"/>
+              <a:gd name="connsiteY0" fmla="*/ 10799763 h 10799763"/>
+              <a:gd name="connsiteX1" fmla="*/ 0 w 1349830"/>
+              <a:gd name="connsiteY1" fmla="*/ 0 h 10799763"/>
+              <a:gd name="connsiteX2" fmla="*/ 433141 w 1349830"/>
+              <a:gd name="connsiteY2" fmla="*/ 6060000 h 10799763"/>
+              <a:gd name="connsiteX3" fmla="*/ 577519 w 1349830"/>
+              <a:gd name="connsiteY3" fmla="*/ 8682884 h 10799763"/>
+              <a:gd name="connsiteX4" fmla="*/ 1349830 w 1349830"/>
+              <a:gd name="connsiteY4" fmla="*/ 10799763 h 10799763"/>
+              <a:gd name="connsiteX5" fmla="*/ 0 w 1349830"/>
+              <a:gd name="connsiteY5" fmla="*/ 10799763 h 10799763"/>
+              <a:gd name="connsiteX0" fmla="*/ 0 w 1349830"/>
+              <a:gd name="connsiteY0" fmla="*/ 10799763 h 10799763"/>
+              <a:gd name="connsiteX1" fmla="*/ 0 w 1349830"/>
+              <a:gd name="connsiteY1" fmla="*/ 0 h 10799763"/>
+              <a:gd name="connsiteX2" fmla="*/ 300797 w 1349830"/>
+              <a:gd name="connsiteY2" fmla="*/ 6060000 h 10799763"/>
+              <a:gd name="connsiteX3" fmla="*/ 577519 w 1349830"/>
+              <a:gd name="connsiteY3" fmla="*/ 8682884 h 10799763"/>
+              <a:gd name="connsiteX4" fmla="*/ 1349830 w 1349830"/>
+              <a:gd name="connsiteY4" fmla="*/ 10799763 h 10799763"/>
+              <a:gd name="connsiteX5" fmla="*/ 0 w 1349830"/>
+              <a:gd name="connsiteY5" fmla="*/ 10799763 h 10799763"/>
+              <a:gd name="connsiteX0" fmla="*/ 0 w 1349830"/>
+              <a:gd name="connsiteY0" fmla="*/ 10799763 h 10799763"/>
+              <a:gd name="connsiteX1" fmla="*/ 0 w 1349830"/>
+              <a:gd name="connsiteY1" fmla="*/ 0 h 10799763"/>
+              <a:gd name="connsiteX2" fmla="*/ 300797 w 1349830"/>
+              <a:gd name="connsiteY2" fmla="*/ 6060000 h 10799763"/>
+              <a:gd name="connsiteX3" fmla="*/ 577519 w 1349830"/>
+              <a:gd name="connsiteY3" fmla="*/ 8682884 h 10799763"/>
+              <a:gd name="connsiteX4" fmla="*/ 1349830 w 1349830"/>
+              <a:gd name="connsiteY4" fmla="*/ 10799763 h 10799763"/>
+              <a:gd name="connsiteX5" fmla="*/ 0 w 1349830"/>
+              <a:gd name="connsiteY5" fmla="*/ 10799763 h 10799763"/>
+              <a:gd name="connsiteX0" fmla="*/ 0 w 1349830"/>
+              <a:gd name="connsiteY0" fmla="*/ 10799763 h 10799763"/>
+              <a:gd name="connsiteX1" fmla="*/ 0 w 1349830"/>
+              <a:gd name="connsiteY1" fmla="*/ 0 h 10799763"/>
+              <a:gd name="connsiteX2" fmla="*/ 300797 w 1349830"/>
+              <a:gd name="connsiteY2" fmla="*/ 6060000 h 10799763"/>
+              <a:gd name="connsiteX3" fmla="*/ 577519 w 1349830"/>
+              <a:gd name="connsiteY3" fmla="*/ 8682884 h 10799763"/>
+              <a:gd name="connsiteX4" fmla="*/ 1349830 w 1349830"/>
+              <a:gd name="connsiteY4" fmla="*/ 10799763 h 10799763"/>
+              <a:gd name="connsiteX5" fmla="*/ 0 w 1349830"/>
+              <a:gd name="connsiteY5" fmla="*/ 10799763 h 10799763"/>
+              <a:gd name="connsiteX0" fmla="*/ 0 w 1349830"/>
+              <a:gd name="connsiteY0" fmla="*/ 10799763 h 10799763"/>
+              <a:gd name="connsiteX1" fmla="*/ 0 w 1349830"/>
+              <a:gd name="connsiteY1" fmla="*/ 0 h 10799763"/>
+              <a:gd name="connsiteX2" fmla="*/ 300797 w 1349830"/>
+              <a:gd name="connsiteY2" fmla="*/ 6060000 h 10799763"/>
+              <a:gd name="connsiteX3" fmla="*/ 577519 w 1349830"/>
+              <a:gd name="connsiteY3" fmla="*/ 8682884 h 10799763"/>
+              <a:gd name="connsiteX4" fmla="*/ 1349830 w 1349830"/>
+              <a:gd name="connsiteY4" fmla="*/ 10799763 h 10799763"/>
+              <a:gd name="connsiteX5" fmla="*/ 0 w 1349830"/>
+              <a:gd name="connsiteY5" fmla="*/ 10799763 h 10799763"/>
+              <a:gd name="connsiteX0" fmla="*/ 0 w 1349830"/>
+              <a:gd name="connsiteY0" fmla="*/ 10799763 h 10799763"/>
+              <a:gd name="connsiteX1" fmla="*/ 0 w 1349830"/>
+              <a:gd name="connsiteY1" fmla="*/ 0 h 10799763"/>
+              <a:gd name="connsiteX2" fmla="*/ 300797 w 1349830"/>
+              <a:gd name="connsiteY2" fmla="*/ 6060000 h 10799763"/>
+              <a:gd name="connsiteX3" fmla="*/ 577519 w 1349830"/>
+              <a:gd name="connsiteY3" fmla="*/ 8682884 h 10799763"/>
+              <a:gd name="connsiteX4" fmla="*/ 1349830 w 1349830"/>
+              <a:gd name="connsiteY4" fmla="*/ 10799763 h 10799763"/>
+              <a:gd name="connsiteX5" fmla="*/ 0 w 1349830"/>
+              <a:gd name="connsiteY5" fmla="*/ 10799763 h 10799763"/>
+              <a:gd name="connsiteX0" fmla="*/ 0 w 1349830"/>
+              <a:gd name="connsiteY0" fmla="*/ 10799763 h 10799763"/>
+              <a:gd name="connsiteX1" fmla="*/ 0 w 1349830"/>
+              <a:gd name="connsiteY1" fmla="*/ 0 h 10799763"/>
+              <a:gd name="connsiteX2" fmla="*/ 300797 w 1349830"/>
+              <a:gd name="connsiteY2" fmla="*/ 6060000 h 10799763"/>
+              <a:gd name="connsiteX3" fmla="*/ 577519 w 1349830"/>
+              <a:gd name="connsiteY3" fmla="*/ 8682884 h 10799763"/>
+              <a:gd name="connsiteX4" fmla="*/ 1349830 w 1349830"/>
+              <a:gd name="connsiteY4" fmla="*/ 10799763 h 10799763"/>
+              <a:gd name="connsiteX5" fmla="*/ 0 w 1349830"/>
+              <a:gd name="connsiteY5" fmla="*/ 10799763 h 10799763"/>
+              <a:gd name="connsiteX0" fmla="*/ 0 w 1349830"/>
+              <a:gd name="connsiteY0" fmla="*/ 10799763 h 10799763"/>
+              <a:gd name="connsiteX1" fmla="*/ 0 w 1349830"/>
+              <a:gd name="connsiteY1" fmla="*/ 0 h 10799763"/>
+              <a:gd name="connsiteX2" fmla="*/ 300797 w 1349830"/>
+              <a:gd name="connsiteY2" fmla="*/ 6060000 h 10799763"/>
+              <a:gd name="connsiteX3" fmla="*/ 468339 w 1349830"/>
+              <a:gd name="connsiteY3" fmla="*/ 8682884 h 10799763"/>
+              <a:gd name="connsiteX4" fmla="*/ 1349830 w 1349830"/>
+              <a:gd name="connsiteY4" fmla="*/ 10799763 h 10799763"/>
+              <a:gd name="connsiteX5" fmla="*/ 0 w 1349830"/>
+              <a:gd name="connsiteY5" fmla="*/ 10799763 h 10799763"/>
+              <a:gd name="connsiteX0" fmla="*/ 0 w 1349830"/>
+              <a:gd name="connsiteY0" fmla="*/ 10799763 h 10799763"/>
+              <a:gd name="connsiteX1" fmla="*/ 0 w 1349830"/>
+              <a:gd name="connsiteY1" fmla="*/ 0 h 10799763"/>
+              <a:gd name="connsiteX2" fmla="*/ 273504 w 1349830"/>
+              <a:gd name="connsiteY2" fmla="*/ 6073647 h 10799763"/>
+              <a:gd name="connsiteX3" fmla="*/ 468339 w 1349830"/>
+              <a:gd name="connsiteY3" fmla="*/ 8682884 h 10799763"/>
+              <a:gd name="connsiteX4" fmla="*/ 1349830 w 1349830"/>
+              <a:gd name="connsiteY4" fmla="*/ 10799763 h 10799763"/>
+              <a:gd name="connsiteX5" fmla="*/ 0 w 1349830"/>
+              <a:gd name="connsiteY5" fmla="*/ 10799763 h 10799763"/>
+              <a:gd name="connsiteX0" fmla="*/ 0 w 1349830"/>
+              <a:gd name="connsiteY0" fmla="*/ 10799763 h 10799763"/>
+              <a:gd name="connsiteX1" fmla="*/ 0 w 1349830"/>
+              <a:gd name="connsiteY1" fmla="*/ 0 h 10799763"/>
+              <a:gd name="connsiteX2" fmla="*/ 273504 w 1349830"/>
+              <a:gd name="connsiteY2" fmla="*/ 6073647 h 10799763"/>
+              <a:gd name="connsiteX3" fmla="*/ 468339 w 1349830"/>
+              <a:gd name="connsiteY3" fmla="*/ 8682884 h 10799763"/>
+              <a:gd name="connsiteX4" fmla="*/ 1349830 w 1349830"/>
+              <a:gd name="connsiteY4" fmla="*/ 10799763 h 10799763"/>
+              <a:gd name="connsiteX5" fmla="*/ 0 w 1349830"/>
+              <a:gd name="connsiteY5" fmla="*/ 10799763 h 10799763"/>
+            </a:gdLst>
+            <a:ahLst/>
+            <a:cxnLst>
+              <a:cxn ang="0">
+                <a:pos x="connsiteX0" y="connsiteY0"/>
+              </a:cxn>
+              <a:cxn ang="0">
+                <a:pos x="connsiteX1" y="connsiteY1"/>
+              </a:cxn>
+              <a:cxn ang="0">
+                <a:pos x="connsiteX2" y="connsiteY2"/>
+              </a:cxn>
+              <a:cxn ang="0">
+                <a:pos x="connsiteX3" y="connsiteY3"/>
+              </a:cxn>
+              <a:cxn ang="0">
+                <a:pos x="connsiteX4" y="connsiteY4"/>
+              </a:cxn>
+              <a:cxn ang="0">
+                <a:pos x="connsiteX5" y="connsiteY5"/>
+              </a:cxn>
+            </a:cxnLst>
+            <a:rect l="l" t="t" r="r" b="b"/>
+            <a:pathLst>
+              <a:path w="1349830" h="10799763">
+                <a:moveTo>
+                  <a:pt x="0" y="10799763"/>
+                </a:moveTo>
+                <a:lnTo>
+                  <a:pt x="0" y="0"/>
+                </a:lnTo>
+                <a:cubicBezTo>
+                  <a:pt x="244642" y="1983905"/>
+                  <a:pt x="274522" y="3994206"/>
+                  <a:pt x="273504" y="6073647"/>
+                </a:cubicBezTo>
+                <a:cubicBezTo>
+                  <a:pt x="320735" y="7212936"/>
+                  <a:pt x="270990" y="7789254"/>
+                  <a:pt x="468339" y="8682884"/>
+                </a:cubicBezTo>
+                <a:cubicBezTo>
+                  <a:pt x="725778" y="9948068"/>
+                  <a:pt x="1092393" y="10094137"/>
+                  <a:pt x="1349830" y="10799763"/>
+                </a:cubicBezTo>
+                <a:lnTo>
+                  <a:pt x="0" y="10799763"/>
+                </a:lnTo>
+                <a:close/>
+              </a:path>
+            </a:pathLst>
+          </a:custGeom>
+          <a:gradFill flip="none" rotWithShape="1">
+            <a:gsLst>
+              <a:gs pos="0">
+                <a:srgbClr val="DEA900"/>
+              </a:gs>
+              <a:gs pos="34000">
+                <a:srgbClr val="FDAD08"/>
+              </a:gs>
+              <a:gs pos="68000">
+                <a:srgbClr val="FDBE41"/>
+              </a:gs>
+              <a:gs pos="100000">
+                <a:srgbClr val="FFDA65"/>
+              </a:gs>
+            </a:gsLst>
+            <a:lin ang="2700000" scaled="1"/>
+            <a:tileRect/>
+          </a:gradFill>
+          <a:ln>
+            <a:noFill/>
+          </a:ln>
+          <a:scene3d>
+            <a:camera prst="orthographicFront"/>
+            <a:lightRig rig="threePt" dir="t"/>
+          </a:scene3d>
+          <a:sp3d>
+            <a:bevelT/>
+          </a:sp3d>
+        </p:spPr>
+        <p:style>
+          <a:lnRef idx="2">
+            <a:schemeClr val="accent1">
+              <a:shade val="50000"/>
+            </a:schemeClr>
+          </a:lnRef>
+          <a:fillRef idx="1">
+            <a:schemeClr val="accent1"/>
+          </a:fillRef>
+          <a:effectRef idx="0">
+            <a:schemeClr val="accent1"/>
+          </a:effectRef>
+          <a:fontRef idx="minor">
+            <a:schemeClr val="lt1"/>
+          </a:fontRef>
+        </p:style>
+        <p:txBody>
+          <a:bodyPr rtlCol="0" anchor="ctr"/>
+          <a:lstStyle/>
+          <a:p>
+            <a:pPr algn="ctr"/>
+            <a:endParaRPr lang="pt-BR"/>
+          </a:p>
+        </p:txBody>
+      </p:sp>
+      <p:sp>
+        <p:nvSpPr>
+          <p:cNvPr id="15" name="Retângulo 14">
+            <a:extLst>
+              <a:ext uri="{FF2B5EF4-FFF2-40B4-BE49-F238E27FC236}">
+                <a16:creationId xmlns:a16="http://schemas.microsoft.com/office/drawing/2014/main" id="{861C7C90-5748-4EB6-AB27-09D92E92DA21}"/>
+              </a:ext>
+            </a:extLst>
+          </p:cNvPr>
+          <p:cNvSpPr/>
+          <p:nvPr/>
+        </p:nvSpPr>
+        <p:spPr>
+          <a:xfrm>
+            <a:off x="931650" y="193340"/>
+            <a:ext cx="10736463" cy="1569660"/>
+          </a:xfrm>
+          <a:prstGeom prst="rect">
+            <a:avLst/>
+          </a:prstGeom>
+          <a:noFill/>
+        </p:spPr>
+        <p:txBody>
+          <a:bodyPr wrap="square" lIns="91440" tIns="45720" rIns="91440" bIns="45720">
+            <a:spAutoFit/>
+          </a:bodyPr>
+          <a:lstStyle/>
+          <a:p>
+            <a:pPr algn="ctr"/>
+            <a:r>
+              <a:rPr lang="pt-BR" sz="9600" b="0" cap="none" spc="0" dirty="0">
+                <a:ln w="38100">
+                  <a:solidFill>
+                    <a:schemeClr val="bg1"/>
+                  </a:solidFill>
+                </a:ln>
+                <a:solidFill>
+                  <a:srgbClr val="00B050"/>
+                </a:solidFill>
+                <a:effectLst>
+                  <a:outerShdw blurRad="38100" dist="19050" dir="2700000" algn="tl" rotWithShape="0">
+                    <a:schemeClr val="dk1">
+                      <a:alpha val="40000"/>
+                    </a:schemeClr>
+                  </a:outerShdw>
+                </a:effectLst>
+                <a:latin typeface="Exo 2 Extra Bold" panose="00000900000000000000" pitchFamily="50" charset="0"/>
+              </a:rPr>
+              <a:t>Liga Principal</a:t>
+            </a:r>
+          </a:p>
+        </p:txBody>
+      </p:sp>
+      <p:sp>
+        <p:nvSpPr>
+          <p:cNvPr id="18" name="Retângulo 17">
+            <a:extLst>
+              <a:ext uri="{FF2B5EF4-FFF2-40B4-BE49-F238E27FC236}">
+                <a16:creationId xmlns:a16="http://schemas.microsoft.com/office/drawing/2014/main" id="{F6DB3AFB-FC09-4ACF-A353-83560CA9E36E}"/>
+              </a:ext>
+            </a:extLst>
+          </p:cNvPr>
+          <p:cNvSpPr/>
+          <p:nvPr/>
+        </p:nvSpPr>
+        <p:spPr>
+          <a:xfrm>
+            <a:off x="5544896" y="1598457"/>
+            <a:ext cx="5016297" cy="830997"/>
+          </a:xfrm>
+          <a:prstGeom prst="rect">
+            <a:avLst/>
+          </a:prstGeom>
+          <a:noFill/>
+        </p:spPr>
+        <p:txBody>
+          <a:bodyPr wrap="square" lIns="91440" tIns="45720" rIns="91440" bIns="45720">
+            <a:spAutoFit/>
+          </a:bodyPr>
+          <a:lstStyle/>
+          <a:p>
+            <a:pPr algn="ctr"/>
+            <a:r>
+              <a:rPr lang="pt-BR" sz="4800" b="0" cap="none" spc="0" dirty="0">
+                <a:ln w="0">
+                  <a:noFill/>
+                </a:ln>
+                <a:solidFill>
+                  <a:schemeClr val="bg1"/>
+                </a:solidFill>
+                <a:effectLst>
+                  <a:outerShdw blurRad="38100" dist="19050" dir="2700000" algn="tl" rotWithShape="0">
+                    <a:schemeClr val="dk1">
+                      <a:alpha val="40000"/>
+                    </a:schemeClr>
+                  </a:outerShdw>
+                </a:effectLst>
+                <a:latin typeface="Exo 2 Extra Bold" panose="00000900000000000000" pitchFamily="50" charset="0"/>
+              </a:rPr>
+              <a:t>Mata-mata #01</a:t>
+            </a:r>
+          </a:p>
+        </p:txBody>
+      </p:sp>
+      <p:pic>
+        <p:nvPicPr>
+          <p:cNvPr id="2" name="Imagem 1">
+            <a:extLst>
+              <a:ext uri="{FF2B5EF4-FFF2-40B4-BE49-F238E27FC236}">
+                <a16:creationId xmlns:a16="http://schemas.microsoft.com/office/drawing/2014/main" id="{C4304A04-4FEF-41EC-9176-0082112A4717}"/>
+              </a:ext>
+            </a:extLst>
+          </p:cNvPr>
+          <p:cNvPicPr>
+            <a:picLocks noChangeAspect="1"/>
+          </p:cNvPicPr>
+          <p:nvPr/>
+        </p:nvPicPr>
+        <p:blipFill>
+          <a:blip r:embed="rId5"/>
+          <a:stretch>
+            <a:fillRect/>
+          </a:stretch>
+        </p:blipFill>
+        <p:spPr>
+          <a:xfrm>
+            <a:off x="829232" y="2535505"/>
+            <a:ext cx="9154806" cy="7200000"/>
+          </a:xfrm>
+          <a:prstGeom prst="rect">
+            <a:avLst/>
+          </a:prstGeom>
+        </p:spPr>
+      </p:pic>
+    </p:spTree>
+    <p:extLst>
+      <p:ext uri="{BB962C8B-B14F-4D97-AF65-F5344CB8AC3E}">
+        <p14:creationId xmlns:p14="http://schemas.microsoft.com/office/powerpoint/2010/main" val="1574535254"/>
+      </p:ext>
+    </p:extLst>
+  </p:cSld>
+  <p:clrMapOvr>
+    <a:masterClrMapping/>
+  </p:clrMapOvr>
+</p:sld>
+</file>
+
+<file path=ppt/slides/slide6.xml><?xml version="1.0" encoding="utf-8"?>
+<p:sld xmlns:a="http://schemas.openxmlformats.org/drawingml/2006/main" xmlns:r="http://schemas.openxmlformats.org/officeDocument/2006/relationships" xmlns:p="http://schemas.openxmlformats.org/presentationml/2006/main">
+  <p:cSld>
+    <p:bg>
+      <p:bgPr>
+        <a:solidFill>
+          <a:schemeClr val="bg1"/>
+        </a:solidFill>
+        <a:effectLst/>
+      </p:bgPr>
+    </p:bg>
+    <p:spTree>
+      <p:nvGrpSpPr>
+        <p:cNvPr id="1" name=""/>
+        <p:cNvGrpSpPr/>
+        <p:nvPr/>
+      </p:nvGrpSpPr>
+      <p:grpSpPr>
+        <a:xfrm>
+          <a:off x="0" y="0"/>
+          <a:ext cx="0" cy="0"/>
+          <a:chOff x="0" y="0"/>
+          <a:chExt cx="0" cy="0"/>
+        </a:xfrm>
+      </p:grpSpPr>
+      <p:sp>
+        <p:nvSpPr>
+          <p:cNvPr id="13" name="Rectangle 9">
+            <a:extLst>
+              <a:ext uri="{FF2B5EF4-FFF2-40B4-BE49-F238E27FC236}">
+                <a16:creationId xmlns:a16="http://schemas.microsoft.com/office/drawing/2014/main" id="{0BABF38A-8A0D-492E-BD20-6CF4D46B50BD}"/>
+              </a:ext>
+              <a:ext uri="{C183D7F6-B498-43B3-948B-1728B52AA6E4}">
+                <adec:decorative xmlns:adec="http://schemas.microsoft.com/office/drawing/2017/decorative" val="1"/>
+              </a:ext>
+            </a:extLst>
+          </p:cNvPr>
+          <p:cNvSpPr>
+            <a:spLocks noGrp="1" noRot="1" noChangeAspect="1" noMove="1" noResize="1" noEditPoints="1" noAdjustHandles="1" noChangeArrowheads="1" noChangeShapeType="1" noTextEdit="1"/>
+          </p:cNvSpPr>
+          <p:nvPr>
+            <p:extLst>
+              <p:ext uri="{386F3935-93C4-4BCD-93E2-E3B085C9AB24}">
+                <p16:designElem xmlns:p16="http://schemas.microsoft.com/office/powerpoint/2015/main" val="1"/>
+              </p:ext>
+            </p:extLst>
+          </p:nvPr>
+        </p:nvSpPr>
+        <p:spPr>
+          <a:xfrm>
+            <a:off x="-1" y="2362448"/>
+            <a:ext cx="10799763" cy="6074870"/>
+          </a:xfrm>
+          <a:prstGeom prst="rect">
+            <a:avLst/>
+          </a:prstGeom>
+          <a:solidFill>
+            <a:schemeClr val="bg2">
+              <a:lumMod val="90000"/>
+              <a:alpha val="70000"/>
+            </a:schemeClr>
+          </a:solidFill>
+          <a:ln>
+            <a:noFill/>
+          </a:ln>
+        </p:spPr>
+        <p:style>
+          <a:lnRef idx="2">
+            <a:schemeClr val="accent1">
+              <a:shade val="50000"/>
+            </a:schemeClr>
+          </a:lnRef>
+          <a:fillRef idx="1">
+            <a:schemeClr val="accent1"/>
+          </a:fillRef>
+          <a:effectRef idx="0">
+            <a:schemeClr val="accent1"/>
+          </a:effectRef>
+          <a:fontRef idx="minor">
+            <a:schemeClr val="lt1"/>
+          </a:fontRef>
+        </p:style>
+        <p:txBody>
+          <a:bodyPr rtlCol="0" anchor="ctr"/>
+          <a:lstStyle/>
+          <a:p>
+            <a:pPr marL="0" marR="0" lvl="0" indent="0" algn="ctr" defTabSz="914400" rtl="0" eaLnBrk="1" fontAlgn="auto" latinLnBrk="0" hangingPunct="1">
+              <a:lnSpc>
+                <a:spcPct val="100000"/>
+              </a:lnSpc>
+              <a:spcBef>
+                <a:spcPts val="0"/>
+              </a:spcBef>
+              <a:spcAft>
+                <a:spcPts val="0"/>
+              </a:spcAft>
+              <a:buClrTx/>
+              <a:buSzTx/>
+              <a:buFontTx/>
+              <a:buNone/>
+              <a:tabLst/>
+              <a:defRPr/>
+            </a:pPr>
+            <a:endParaRPr kumimoji="0" lang="en-US" sz="1594" b="0" i="0" u="none" strike="noStrike" kern="1200" cap="none" spc="0" normalizeH="0" baseline="0" noProof="0" dirty="0">
+              <a:ln>
+                <a:noFill/>
+              </a:ln>
+              <a:solidFill>
+                <a:prstClr val="black">
+                  <a:lumMod val="65000"/>
+                  <a:lumOff val="35000"/>
+                </a:prstClr>
+              </a:solidFill>
+              <a:effectLst/>
+              <a:uLnTx/>
+              <a:uFillTx/>
+              <a:latin typeface="AvenirNext LT Pro Medium" panose="020B0504020202020204" pitchFamily="34" charset="0"/>
+              <a:ea typeface="+mn-ea"/>
+              <a:cs typeface="+mn-cs"/>
+            </a:endParaRPr>
+          </a:p>
+        </p:txBody>
+      </p:sp>
+      <p:pic>
+        <p:nvPicPr>
+          <p:cNvPr id="12" name="Picture 11">
+            <a:extLst>
+              <a:ext uri="{FF2B5EF4-FFF2-40B4-BE49-F238E27FC236}">
+                <a16:creationId xmlns:a16="http://schemas.microsoft.com/office/drawing/2014/main" id="{BC526B7A-4801-4FD1-95C8-03AF22629E87}"/>
+              </a:ext>
+              <a:ext uri="{C183D7F6-B498-43B3-948B-1728B52AA6E4}">
+                <adec:decorative xmlns:adec="http://schemas.microsoft.com/office/drawing/2017/decorative" val="1"/>
+              </a:ext>
+            </a:extLst>
+          </p:cNvPr>
+          <p:cNvPicPr>
+            <a:picLocks noGrp="1" noRot="1" noChangeAspect="1" noMove="1" noResize="1" noEditPoints="1" noAdjustHandles="1" noChangeArrowheads="1" noChangeShapeType="1" noCrop="1"/>
+          </p:cNvPicPr>
+          <p:nvPr>
+            <p:extLst>
+              <p:ext uri="{386F3935-93C4-4BCD-93E2-E3B085C9AB24}">
+                <p16:designElem xmlns:p16="http://schemas.microsoft.com/office/powerpoint/2015/main" val="1"/>
+              </p:ext>
+            </p:extLst>
+          </p:nvPr>
+        </p:nvPicPr>
+        <p:blipFill>
+          <a:blip r:embed="rId2">
+            <a:alphaModFix amt="10000"/>
+            <a:extLst>
+              <a:ext uri="{28A0092B-C50C-407E-A947-70E740481C1C}">
+                <a14:useLocalDpi xmlns:a14="http://schemas.microsoft.com/office/drawing/2010/main" val="0"/>
+              </a:ext>
+            </a:extLst>
+          </a:blip>
+          <a:stretch>
+            <a:fillRect/>
+          </a:stretch>
+        </p:blipFill>
+        <p:spPr>
+          <a:xfrm>
+            <a:off x="7559833" y="2362448"/>
+            <a:ext cx="3237282" cy="4052877"/>
+          </a:xfrm>
+          <a:prstGeom prst="rect">
+            <a:avLst/>
+          </a:prstGeom>
+        </p:spPr>
+      </p:pic>
+      <p:sp useBgFill="1">
+        <p:nvSpPr>
+          <p:cNvPr id="14" name="Rectangle 13">
+            <a:extLst>
+              <a:ext uri="{FF2B5EF4-FFF2-40B4-BE49-F238E27FC236}">
+                <a16:creationId xmlns:a16="http://schemas.microsoft.com/office/drawing/2014/main" id="{37FDDF72-DE39-4F99-A3C1-DD9D7815D7DB}"/>
+              </a:ext>
+              <a:ext uri="{C183D7F6-B498-43B3-948B-1728B52AA6E4}">
+                <adec:decorative xmlns:adec="http://schemas.microsoft.com/office/drawing/2017/decorative" val="1"/>
+              </a:ext>
+            </a:extLst>
+          </p:cNvPr>
+          <p:cNvSpPr>
+            <a:spLocks noGrp="1" noRot="1" noChangeAspect="1" noMove="1" noResize="1" noEditPoints="1" noAdjustHandles="1" noChangeArrowheads="1" noChangeShapeType="1" noTextEdit="1"/>
+          </p:cNvSpPr>
+          <p:nvPr>
+            <p:extLst>
+              <p:ext uri="{386F3935-93C4-4BCD-93E2-E3B085C9AB24}">
+                <p16:designElem xmlns:p16="http://schemas.microsoft.com/office/powerpoint/2015/main" val="1"/>
+              </p:ext>
+            </p:extLst>
+          </p:nvPr>
+        </p:nvSpPr>
+        <p:spPr>
+          <a:xfrm>
+            <a:off x="-1" y="2362448"/>
+            <a:ext cx="10799763" cy="6074866"/>
+          </a:xfrm>
+          <a:prstGeom prst="rect">
+            <a:avLst/>
+          </a:prstGeom>
+          <a:ln>
+            <a:noFill/>
+          </a:ln>
+        </p:spPr>
+        <p:style>
+          <a:lnRef idx="2">
+            <a:schemeClr val="accent1">
+              <a:shade val="50000"/>
+            </a:schemeClr>
+          </a:lnRef>
+          <a:fillRef idx="1">
+            <a:schemeClr val="accent1"/>
+          </a:fillRef>
+          <a:effectRef idx="0">
+            <a:schemeClr val="accent1"/>
+          </a:effectRef>
+          <a:fontRef idx="minor">
+            <a:schemeClr val="lt1"/>
+          </a:fontRef>
+        </p:style>
+        <p:txBody>
+          <a:bodyPr rtlCol="0" anchor="ctr"/>
+          <a:lstStyle/>
+          <a:p>
+            <a:pPr marL="0" marR="0" lvl="0" indent="0" algn="ctr" defTabSz="914400" rtl="0" eaLnBrk="1" fontAlgn="auto" latinLnBrk="0" hangingPunct="1">
+              <a:lnSpc>
+                <a:spcPct val="100000"/>
+              </a:lnSpc>
+              <a:spcBef>
+                <a:spcPts val="0"/>
+              </a:spcBef>
+              <a:spcAft>
+                <a:spcPts val="0"/>
+              </a:spcAft>
+              <a:buClrTx/>
+              <a:buSzTx/>
+              <a:buFontTx/>
+              <a:buNone/>
+              <a:tabLst/>
+              <a:defRPr/>
+            </a:pPr>
+            <a:endParaRPr kumimoji="0" lang="en-US" sz="1594" b="0" i="0" u="none" strike="noStrike" kern="1200" cap="none" spc="0" normalizeH="0" baseline="0" noProof="0" dirty="0">
+              <a:ln>
+                <a:noFill/>
+              </a:ln>
+              <a:solidFill>
+                <a:prstClr val="black">
+                  <a:lumMod val="65000"/>
+                  <a:lumOff val="35000"/>
+                </a:prstClr>
+              </a:solidFill>
+              <a:effectLst/>
+              <a:uLnTx/>
+              <a:uFillTx/>
+              <a:latin typeface="AvenirNext LT Pro Medium" panose="020B0504020202020204" pitchFamily="34" charset="0"/>
+              <a:ea typeface="+mn-ea"/>
+              <a:cs typeface="+mn-cs"/>
+            </a:endParaRPr>
+          </a:p>
+        </p:txBody>
+      </p:sp>
+      <p:sp>
+        <p:nvSpPr>
+          <p:cNvPr id="16" name="Rectangle 15">
+            <a:extLst>
+              <a:ext uri="{FF2B5EF4-FFF2-40B4-BE49-F238E27FC236}">
+                <a16:creationId xmlns:a16="http://schemas.microsoft.com/office/drawing/2014/main" id="{5E4ECE80-3AD1-450C-B62A-98788F193948}"/>
+              </a:ext>
+              <a:ext uri="{C183D7F6-B498-43B3-948B-1728B52AA6E4}">
+                <adec:decorative xmlns:adec="http://schemas.microsoft.com/office/drawing/2017/decorative" val="1"/>
+              </a:ext>
+            </a:extLst>
+          </p:cNvPr>
+          <p:cNvSpPr>
+            <a:spLocks noGrp="1" noRot="1" noChangeAspect="1" noMove="1" noResize="1" noEditPoints="1" noAdjustHandles="1" noChangeArrowheads="1" noChangeShapeType="1" noTextEdit="1"/>
+          </p:cNvSpPr>
+          <p:nvPr>
+            <p:extLst>
+              <p:ext uri="{386F3935-93C4-4BCD-93E2-E3B085C9AB24}">
+                <p16:designElem xmlns:p16="http://schemas.microsoft.com/office/powerpoint/2015/main" val="1"/>
+              </p:ext>
+            </p:extLst>
+          </p:nvPr>
+        </p:nvSpPr>
+        <p:spPr>
+          <a:xfrm>
+            <a:off x="-1" y="2362448"/>
+            <a:ext cx="10799763" cy="6074866"/>
+          </a:xfrm>
+          <a:prstGeom prst="rect">
+            <a:avLst/>
+          </a:prstGeom>
+          <a:solidFill>
+            <a:srgbClr val="000000"/>
+          </a:solidFill>
+          <a:ln>
+            <a:noFill/>
+          </a:ln>
+        </p:spPr>
+        <p:style>
+          <a:lnRef idx="2">
+            <a:schemeClr val="accent1">
+              <a:shade val="50000"/>
+            </a:schemeClr>
+          </a:lnRef>
+          <a:fillRef idx="1">
+            <a:schemeClr val="accent1"/>
+          </a:fillRef>
+          <a:effectRef idx="0">
+            <a:schemeClr val="accent1"/>
+          </a:effectRef>
+          <a:fontRef idx="minor">
+            <a:schemeClr val="lt1"/>
+          </a:fontRef>
+        </p:style>
+        <p:txBody>
+          <a:bodyPr rtlCol="0" anchor="ctr"/>
+          <a:lstStyle/>
+          <a:p>
+            <a:pPr marL="0" marR="0" lvl="0" indent="0" algn="ctr" defTabSz="914400" rtl="0" eaLnBrk="1" fontAlgn="auto" latinLnBrk="0" hangingPunct="1">
+              <a:lnSpc>
+                <a:spcPct val="100000"/>
+              </a:lnSpc>
+              <a:spcBef>
+                <a:spcPts val="0"/>
+              </a:spcBef>
+              <a:spcAft>
+                <a:spcPts val="0"/>
+              </a:spcAft>
+              <a:buClrTx/>
+              <a:buSzTx/>
+              <a:buFontTx/>
+              <a:buNone/>
+              <a:tabLst/>
+              <a:defRPr/>
+            </a:pPr>
+            <a:endParaRPr kumimoji="0" lang="en-US" sz="1594" b="0" i="0" u="none" strike="noStrike" kern="1200" cap="none" spc="0" normalizeH="0" baseline="0" noProof="0" dirty="0">
+              <a:ln>
+                <a:noFill/>
+              </a:ln>
+              <a:solidFill>
+                <a:prstClr val="black">
+                  <a:lumMod val="65000"/>
+                  <a:lumOff val="35000"/>
+                </a:prstClr>
+              </a:solidFill>
+              <a:effectLst/>
+              <a:uLnTx/>
+              <a:uFillTx/>
+              <a:latin typeface="AvenirNext LT Pro Medium" panose="020B0504020202020204" pitchFamily="34" charset="0"/>
+              <a:ea typeface="+mn-ea"/>
+              <a:cs typeface="+mn-cs"/>
+            </a:endParaRPr>
+          </a:p>
+        </p:txBody>
+      </p:sp>
+      <p:pic>
+        <p:nvPicPr>
+          <p:cNvPr id="5" name="Imagem 4">
+            <a:extLst>
+              <a:ext uri="{FF2B5EF4-FFF2-40B4-BE49-F238E27FC236}">
+                <a16:creationId xmlns:a16="http://schemas.microsoft.com/office/drawing/2014/main" id="{F1433EF1-FB6D-4913-96C9-08F0B1B3CA7A}"/>
+              </a:ext>
+            </a:extLst>
+          </p:cNvPr>
+          <p:cNvPicPr>
+            <a:picLocks noChangeAspect="1"/>
+          </p:cNvPicPr>
+          <p:nvPr/>
+        </p:nvPicPr>
+        <p:blipFill rotWithShape="1">
+          <a:blip r:embed="rId3">
+            <a:alphaModFix/>
+            <a:extLst>
+              <a:ext uri="{28A0092B-C50C-407E-A947-70E740481C1C}">
+                <a14:useLocalDpi xmlns:a14="http://schemas.microsoft.com/office/drawing/2010/main" val="0"/>
+              </a:ext>
+            </a:extLst>
+          </a:blip>
+          <a:srcRect l="21682" t="7086" r="22004" b="8663"/>
+          <a:stretch/>
+        </p:blipFill>
+        <p:spPr>
+          <a:xfrm>
+            <a:off x="0" y="793"/>
+            <a:ext cx="10814236" cy="10799763"/>
+          </a:xfrm>
+          <a:prstGeom prst="rect">
+            <a:avLst/>
+          </a:prstGeom>
+        </p:spPr>
+      </p:pic>
+      <p:sp>
+        <p:nvSpPr>
+          <p:cNvPr id="6" name="Retângulo 5">
+            <a:extLst>
+              <a:ext uri="{FF2B5EF4-FFF2-40B4-BE49-F238E27FC236}">
+                <a16:creationId xmlns:a16="http://schemas.microsoft.com/office/drawing/2014/main" id="{CA38338D-CD96-464B-85A1-D00A3CBDF55D}"/>
+              </a:ext>
+            </a:extLst>
+          </p:cNvPr>
+          <p:cNvSpPr/>
+          <p:nvPr/>
+        </p:nvSpPr>
+        <p:spPr>
+          <a:xfrm>
+            <a:off x="-17121" y="-790"/>
+            <a:ext cx="10831358" cy="10799760"/>
+          </a:xfrm>
+          <a:prstGeom prst="rect">
+            <a:avLst/>
+          </a:prstGeom>
+          <a:solidFill>
+            <a:schemeClr val="tx1">
+              <a:alpha val="67000"/>
+            </a:schemeClr>
+          </a:solidFill>
+          <a:ln>
+            <a:noFill/>
+          </a:ln>
+        </p:spPr>
+        <p:style>
+          <a:lnRef idx="2">
+            <a:schemeClr val="accent1">
+              <a:shade val="50000"/>
+            </a:schemeClr>
+          </a:lnRef>
+          <a:fillRef idx="1">
+            <a:schemeClr val="accent1"/>
+          </a:fillRef>
+          <a:effectRef idx="0">
+            <a:schemeClr val="accent1"/>
+          </a:effectRef>
+          <a:fontRef idx="minor">
+            <a:schemeClr val="lt1"/>
+          </a:fontRef>
+        </p:style>
+        <p:txBody>
+          <a:bodyPr rtlCol="0" anchor="ctr"/>
+          <a:lstStyle/>
+          <a:p>
+            <a:pPr marL="0" marR="0" lvl="0" indent="0" algn="ctr" defTabSz="914400" rtl="0" eaLnBrk="1" fontAlgn="auto" latinLnBrk="0" hangingPunct="1">
+              <a:lnSpc>
+                <a:spcPct val="100000"/>
+              </a:lnSpc>
+              <a:spcBef>
+                <a:spcPts val="0"/>
+              </a:spcBef>
+              <a:spcAft>
+                <a:spcPts val="0"/>
+              </a:spcAft>
+              <a:buClrTx/>
+              <a:buSzTx/>
+              <a:buFontTx/>
+              <a:buNone/>
+              <a:tabLst/>
+              <a:defRPr/>
+            </a:pPr>
+            <a:endParaRPr kumimoji="0" lang="pt-BR" sz="2000" b="0" i="0" u="none" strike="noStrike" kern="1200" cap="none" spc="0" normalizeH="0" baseline="0" noProof="0" dirty="0">
+              <a:ln>
+                <a:noFill/>
+              </a:ln>
+              <a:solidFill>
+                <a:prstClr val="white"/>
+              </a:solidFill>
+              <a:effectLst/>
+              <a:uLnTx/>
+              <a:uFillTx/>
+              <a:latin typeface="Avenir Next LT Pro"/>
+              <a:ea typeface="+mn-ea"/>
+              <a:cs typeface="+mn-cs"/>
+            </a:endParaRPr>
+          </a:p>
+        </p:txBody>
+      </p:sp>
+      <p:sp>
+        <p:nvSpPr>
+          <p:cNvPr id="41" name="Triângulo isósceles 1">
+            <a:extLst>
+              <a:ext uri="{FF2B5EF4-FFF2-40B4-BE49-F238E27FC236}">
+                <a16:creationId xmlns:a16="http://schemas.microsoft.com/office/drawing/2014/main" id="{D3957D18-6373-4C37-BDC6-1080B31CB35C}"/>
+              </a:ext>
+            </a:extLst>
+          </p:cNvPr>
+          <p:cNvSpPr/>
+          <p:nvPr/>
+        </p:nvSpPr>
+        <p:spPr>
+          <a:xfrm rot="5400000">
+            <a:off x="4724967" y="-4724966"/>
+            <a:ext cx="1349830" cy="10799763"/>
+          </a:xfrm>
+          <a:custGeom>
+            <a:avLst/>
+            <a:gdLst>
+              <a:gd name="connsiteX0" fmla="*/ 0 w 1349830"/>
+              <a:gd name="connsiteY0" fmla="*/ 10799763 h 10799763"/>
+              <a:gd name="connsiteX1" fmla="*/ 0 w 1349830"/>
+              <a:gd name="connsiteY1" fmla="*/ 0 h 10799763"/>
+              <a:gd name="connsiteX2" fmla="*/ 1349830 w 1349830"/>
+              <a:gd name="connsiteY2" fmla="*/ 10799763 h 10799763"/>
+              <a:gd name="connsiteX3" fmla="*/ 0 w 1349830"/>
+              <a:gd name="connsiteY3" fmla="*/ 10799763 h 10799763"/>
+              <a:gd name="connsiteX0" fmla="*/ 0 w 1349830"/>
+              <a:gd name="connsiteY0" fmla="*/ 10799763 h 10799763"/>
+              <a:gd name="connsiteX1" fmla="*/ 0 w 1349830"/>
+              <a:gd name="connsiteY1" fmla="*/ 0 h 10799763"/>
+              <a:gd name="connsiteX2" fmla="*/ 433141 w 1349830"/>
+              <a:gd name="connsiteY2" fmla="*/ 6060000 h 10799763"/>
+              <a:gd name="connsiteX3" fmla="*/ 1349830 w 1349830"/>
+              <a:gd name="connsiteY3" fmla="*/ 10799763 h 10799763"/>
+              <a:gd name="connsiteX4" fmla="*/ 0 w 1349830"/>
+              <a:gd name="connsiteY4" fmla="*/ 10799763 h 10799763"/>
+              <a:gd name="connsiteX0" fmla="*/ 0 w 1349830"/>
+              <a:gd name="connsiteY0" fmla="*/ 10799763 h 10799763"/>
+              <a:gd name="connsiteX1" fmla="*/ 0 w 1349830"/>
+              <a:gd name="connsiteY1" fmla="*/ 0 h 10799763"/>
+              <a:gd name="connsiteX2" fmla="*/ 433141 w 1349830"/>
+              <a:gd name="connsiteY2" fmla="*/ 6060000 h 10799763"/>
+              <a:gd name="connsiteX3" fmla="*/ 577519 w 1349830"/>
+              <a:gd name="connsiteY3" fmla="*/ 8682884 h 10799763"/>
+              <a:gd name="connsiteX4" fmla="*/ 1349830 w 1349830"/>
+              <a:gd name="connsiteY4" fmla="*/ 10799763 h 10799763"/>
+              <a:gd name="connsiteX5" fmla="*/ 0 w 1349830"/>
+              <a:gd name="connsiteY5" fmla="*/ 10799763 h 10799763"/>
+              <a:gd name="connsiteX0" fmla="*/ 0 w 1349830"/>
+              <a:gd name="connsiteY0" fmla="*/ 10799763 h 10799763"/>
+              <a:gd name="connsiteX1" fmla="*/ 0 w 1349830"/>
+              <a:gd name="connsiteY1" fmla="*/ 0 h 10799763"/>
+              <a:gd name="connsiteX2" fmla="*/ 300797 w 1349830"/>
+              <a:gd name="connsiteY2" fmla="*/ 6060000 h 10799763"/>
+              <a:gd name="connsiteX3" fmla="*/ 577519 w 1349830"/>
+              <a:gd name="connsiteY3" fmla="*/ 8682884 h 10799763"/>
+              <a:gd name="connsiteX4" fmla="*/ 1349830 w 1349830"/>
+              <a:gd name="connsiteY4" fmla="*/ 10799763 h 10799763"/>
+              <a:gd name="connsiteX5" fmla="*/ 0 w 1349830"/>
+              <a:gd name="connsiteY5" fmla="*/ 10799763 h 10799763"/>
+              <a:gd name="connsiteX0" fmla="*/ 0 w 1349830"/>
+              <a:gd name="connsiteY0" fmla="*/ 10799763 h 10799763"/>
+              <a:gd name="connsiteX1" fmla="*/ 0 w 1349830"/>
+              <a:gd name="connsiteY1" fmla="*/ 0 h 10799763"/>
+              <a:gd name="connsiteX2" fmla="*/ 300797 w 1349830"/>
+              <a:gd name="connsiteY2" fmla="*/ 6060000 h 10799763"/>
+              <a:gd name="connsiteX3" fmla="*/ 577519 w 1349830"/>
+              <a:gd name="connsiteY3" fmla="*/ 8682884 h 10799763"/>
+              <a:gd name="connsiteX4" fmla="*/ 1349830 w 1349830"/>
+              <a:gd name="connsiteY4" fmla="*/ 10799763 h 10799763"/>
+              <a:gd name="connsiteX5" fmla="*/ 0 w 1349830"/>
+              <a:gd name="connsiteY5" fmla="*/ 10799763 h 10799763"/>
+              <a:gd name="connsiteX0" fmla="*/ 0 w 1349830"/>
+              <a:gd name="connsiteY0" fmla="*/ 10799763 h 10799763"/>
+              <a:gd name="connsiteX1" fmla="*/ 0 w 1349830"/>
+              <a:gd name="connsiteY1" fmla="*/ 0 h 10799763"/>
+              <a:gd name="connsiteX2" fmla="*/ 300797 w 1349830"/>
+              <a:gd name="connsiteY2" fmla="*/ 6060000 h 10799763"/>
+              <a:gd name="connsiteX3" fmla="*/ 577519 w 1349830"/>
+              <a:gd name="connsiteY3" fmla="*/ 8682884 h 10799763"/>
+              <a:gd name="connsiteX4" fmla="*/ 1349830 w 1349830"/>
+              <a:gd name="connsiteY4" fmla="*/ 10799763 h 10799763"/>
+              <a:gd name="connsiteX5" fmla="*/ 0 w 1349830"/>
+              <a:gd name="connsiteY5" fmla="*/ 10799763 h 10799763"/>
+              <a:gd name="connsiteX0" fmla="*/ 0 w 1349830"/>
+              <a:gd name="connsiteY0" fmla="*/ 10799763 h 10799763"/>
+              <a:gd name="connsiteX1" fmla="*/ 0 w 1349830"/>
+              <a:gd name="connsiteY1" fmla="*/ 0 h 10799763"/>
+              <a:gd name="connsiteX2" fmla="*/ 300797 w 1349830"/>
+              <a:gd name="connsiteY2" fmla="*/ 6060000 h 10799763"/>
+              <a:gd name="connsiteX3" fmla="*/ 577519 w 1349830"/>
+              <a:gd name="connsiteY3" fmla="*/ 8682884 h 10799763"/>
+              <a:gd name="connsiteX4" fmla="*/ 1349830 w 1349830"/>
+              <a:gd name="connsiteY4" fmla="*/ 10799763 h 10799763"/>
+              <a:gd name="connsiteX5" fmla="*/ 0 w 1349830"/>
+              <a:gd name="connsiteY5" fmla="*/ 10799763 h 10799763"/>
+              <a:gd name="connsiteX0" fmla="*/ 0 w 1349830"/>
+              <a:gd name="connsiteY0" fmla="*/ 10799763 h 10799763"/>
+              <a:gd name="connsiteX1" fmla="*/ 0 w 1349830"/>
+              <a:gd name="connsiteY1" fmla="*/ 0 h 10799763"/>
+              <a:gd name="connsiteX2" fmla="*/ 300797 w 1349830"/>
+              <a:gd name="connsiteY2" fmla="*/ 6060000 h 10799763"/>
+              <a:gd name="connsiteX3" fmla="*/ 577519 w 1349830"/>
+              <a:gd name="connsiteY3" fmla="*/ 8682884 h 10799763"/>
+              <a:gd name="connsiteX4" fmla="*/ 1349830 w 1349830"/>
+              <a:gd name="connsiteY4" fmla="*/ 10799763 h 10799763"/>
+              <a:gd name="connsiteX5" fmla="*/ 0 w 1349830"/>
+              <a:gd name="connsiteY5" fmla="*/ 10799763 h 10799763"/>
+              <a:gd name="connsiteX0" fmla="*/ 0 w 1349830"/>
+              <a:gd name="connsiteY0" fmla="*/ 10799763 h 10799763"/>
+              <a:gd name="connsiteX1" fmla="*/ 0 w 1349830"/>
+              <a:gd name="connsiteY1" fmla="*/ 0 h 10799763"/>
+              <a:gd name="connsiteX2" fmla="*/ 300797 w 1349830"/>
+              <a:gd name="connsiteY2" fmla="*/ 6060000 h 10799763"/>
+              <a:gd name="connsiteX3" fmla="*/ 577519 w 1349830"/>
+              <a:gd name="connsiteY3" fmla="*/ 8682884 h 10799763"/>
+              <a:gd name="connsiteX4" fmla="*/ 1349830 w 1349830"/>
+              <a:gd name="connsiteY4" fmla="*/ 10799763 h 10799763"/>
+              <a:gd name="connsiteX5" fmla="*/ 0 w 1349830"/>
+              <a:gd name="connsiteY5" fmla="*/ 10799763 h 10799763"/>
+              <a:gd name="connsiteX0" fmla="*/ 0 w 1349830"/>
+              <a:gd name="connsiteY0" fmla="*/ 10799763 h 10799763"/>
+              <a:gd name="connsiteX1" fmla="*/ 0 w 1349830"/>
+              <a:gd name="connsiteY1" fmla="*/ 0 h 10799763"/>
+              <a:gd name="connsiteX2" fmla="*/ 300797 w 1349830"/>
+              <a:gd name="connsiteY2" fmla="*/ 6060000 h 10799763"/>
+              <a:gd name="connsiteX3" fmla="*/ 468339 w 1349830"/>
+              <a:gd name="connsiteY3" fmla="*/ 8682884 h 10799763"/>
+              <a:gd name="connsiteX4" fmla="*/ 1349830 w 1349830"/>
+              <a:gd name="connsiteY4" fmla="*/ 10799763 h 10799763"/>
+              <a:gd name="connsiteX5" fmla="*/ 0 w 1349830"/>
+              <a:gd name="connsiteY5" fmla="*/ 10799763 h 10799763"/>
+              <a:gd name="connsiteX0" fmla="*/ 0 w 1349830"/>
+              <a:gd name="connsiteY0" fmla="*/ 10799763 h 10799763"/>
+              <a:gd name="connsiteX1" fmla="*/ 0 w 1349830"/>
+              <a:gd name="connsiteY1" fmla="*/ 0 h 10799763"/>
+              <a:gd name="connsiteX2" fmla="*/ 273504 w 1349830"/>
+              <a:gd name="connsiteY2" fmla="*/ 6073647 h 10799763"/>
+              <a:gd name="connsiteX3" fmla="*/ 468339 w 1349830"/>
+              <a:gd name="connsiteY3" fmla="*/ 8682884 h 10799763"/>
+              <a:gd name="connsiteX4" fmla="*/ 1349830 w 1349830"/>
+              <a:gd name="connsiteY4" fmla="*/ 10799763 h 10799763"/>
+              <a:gd name="connsiteX5" fmla="*/ 0 w 1349830"/>
+              <a:gd name="connsiteY5" fmla="*/ 10799763 h 10799763"/>
+              <a:gd name="connsiteX0" fmla="*/ 0 w 1349830"/>
+              <a:gd name="connsiteY0" fmla="*/ 10799763 h 10799763"/>
+              <a:gd name="connsiteX1" fmla="*/ 0 w 1349830"/>
+              <a:gd name="connsiteY1" fmla="*/ 0 h 10799763"/>
+              <a:gd name="connsiteX2" fmla="*/ 273504 w 1349830"/>
+              <a:gd name="connsiteY2" fmla="*/ 6073647 h 10799763"/>
+              <a:gd name="connsiteX3" fmla="*/ 468339 w 1349830"/>
+              <a:gd name="connsiteY3" fmla="*/ 8682884 h 10799763"/>
+              <a:gd name="connsiteX4" fmla="*/ 1349830 w 1349830"/>
+              <a:gd name="connsiteY4" fmla="*/ 10799763 h 10799763"/>
+              <a:gd name="connsiteX5" fmla="*/ 0 w 1349830"/>
+              <a:gd name="connsiteY5" fmla="*/ 10799763 h 10799763"/>
+            </a:gdLst>
+            <a:ahLst/>
+            <a:cxnLst>
+              <a:cxn ang="0">
+                <a:pos x="connsiteX0" y="connsiteY0"/>
+              </a:cxn>
+              <a:cxn ang="0">
+                <a:pos x="connsiteX1" y="connsiteY1"/>
+              </a:cxn>
+              <a:cxn ang="0">
+                <a:pos x="connsiteX2" y="connsiteY2"/>
+              </a:cxn>
+              <a:cxn ang="0">
+                <a:pos x="connsiteX3" y="connsiteY3"/>
+              </a:cxn>
+              <a:cxn ang="0">
+                <a:pos x="connsiteX4" y="connsiteY4"/>
+              </a:cxn>
+              <a:cxn ang="0">
+                <a:pos x="connsiteX5" y="connsiteY5"/>
+              </a:cxn>
+            </a:cxnLst>
+            <a:rect l="l" t="t" r="r" b="b"/>
+            <a:pathLst>
+              <a:path w="1349830" h="10799763">
+                <a:moveTo>
+                  <a:pt x="0" y="10799763"/>
+                </a:moveTo>
+                <a:lnTo>
+                  <a:pt x="0" y="0"/>
+                </a:lnTo>
+                <a:cubicBezTo>
+                  <a:pt x="244642" y="1983905"/>
+                  <a:pt x="274522" y="3994206"/>
+                  <a:pt x="273504" y="6073647"/>
+                </a:cubicBezTo>
+                <a:cubicBezTo>
+                  <a:pt x="320735" y="7212936"/>
+                  <a:pt x="270990" y="7789254"/>
+                  <a:pt x="468339" y="8682884"/>
+                </a:cubicBezTo>
+                <a:cubicBezTo>
+                  <a:pt x="725778" y="9948068"/>
+                  <a:pt x="1092393" y="10094137"/>
+                  <a:pt x="1349830" y="10799763"/>
+                </a:cubicBezTo>
+                <a:lnTo>
+                  <a:pt x="0" y="10799763"/>
+                </a:lnTo>
+                <a:close/>
+              </a:path>
+            </a:pathLst>
+          </a:custGeom>
+          <a:gradFill flip="none" rotWithShape="1">
+            <a:gsLst>
+              <a:gs pos="0">
+                <a:srgbClr val="DEA900"/>
+              </a:gs>
+              <a:gs pos="34000">
+                <a:srgbClr val="FDAD08"/>
+              </a:gs>
+              <a:gs pos="68000">
+                <a:srgbClr val="FDBE41"/>
+              </a:gs>
+              <a:gs pos="100000">
+                <a:srgbClr val="FFDA65"/>
+              </a:gs>
+            </a:gsLst>
+            <a:lin ang="2700000" scaled="1"/>
+            <a:tileRect/>
+          </a:gradFill>
+          <a:ln>
+            <a:noFill/>
+          </a:ln>
+          <a:scene3d>
+            <a:camera prst="orthographicFront"/>
+            <a:lightRig rig="threePt" dir="t"/>
+          </a:scene3d>
+          <a:sp3d>
+            <a:bevelT/>
+          </a:sp3d>
+        </p:spPr>
+        <p:style>
+          <a:lnRef idx="2">
+            <a:schemeClr val="accent1">
+              <a:shade val="50000"/>
+            </a:schemeClr>
+          </a:lnRef>
+          <a:fillRef idx="1">
+            <a:schemeClr val="accent1"/>
+          </a:fillRef>
+          <a:effectRef idx="0">
+            <a:schemeClr val="accent1"/>
+          </a:effectRef>
+          <a:fontRef idx="minor">
+            <a:schemeClr val="lt1"/>
+          </a:fontRef>
+        </p:style>
+        <p:txBody>
+          <a:bodyPr rtlCol="0" anchor="ctr"/>
+          <a:lstStyle/>
+          <a:p>
+            <a:pPr algn="ctr"/>
+            <a:endParaRPr lang="pt-BR"/>
+          </a:p>
+        </p:txBody>
+      </p:sp>
+      <p:pic>
+        <p:nvPicPr>
+          <p:cNvPr id="44" name="Imagem 43">
+            <a:extLst>
+              <a:ext uri="{FF2B5EF4-FFF2-40B4-BE49-F238E27FC236}">
+                <a16:creationId xmlns:a16="http://schemas.microsoft.com/office/drawing/2014/main" id="{AC92BC92-0334-4708-810F-520EA6F74C81}"/>
+              </a:ext>
+            </a:extLst>
+          </p:cNvPr>
+          <p:cNvPicPr>
+            <a:picLocks noChangeAspect="1"/>
+          </p:cNvPicPr>
+          <p:nvPr/>
+        </p:nvPicPr>
+        <p:blipFill>
+          <a:blip r:embed="rId4">
+            <a:extLst>
+              <a:ext uri="{28A0092B-C50C-407E-A947-70E740481C1C}">
+                <a14:useLocalDpi xmlns:a14="http://schemas.microsoft.com/office/drawing/2010/main" val="0"/>
+              </a:ext>
+            </a:extLst>
+          </a:blip>
+          <a:stretch>
+            <a:fillRect/>
+          </a:stretch>
+        </p:blipFill>
+        <p:spPr>
+          <a:xfrm>
+            <a:off x="0" y="59613"/>
+            <a:ext cx="1800000" cy="2116555"/>
+          </a:xfrm>
+          <a:prstGeom prst="rect">
+            <a:avLst/>
+          </a:prstGeom>
+        </p:spPr>
+      </p:pic>
+      <p:sp>
+        <p:nvSpPr>
+          <p:cNvPr id="47" name="Triângulo isósceles 1">
+            <a:extLst>
+              <a:ext uri="{FF2B5EF4-FFF2-40B4-BE49-F238E27FC236}">
+                <a16:creationId xmlns:a16="http://schemas.microsoft.com/office/drawing/2014/main" id="{68CFE998-EC0C-4AAF-AAA5-279CE12A4425}"/>
+              </a:ext>
+            </a:extLst>
+          </p:cNvPr>
+          <p:cNvSpPr/>
+          <p:nvPr/>
+        </p:nvSpPr>
+        <p:spPr>
+          <a:xfrm rot="16200000">
+            <a:off x="4724966" y="4783786"/>
+            <a:ext cx="1349830" cy="10799763"/>
+          </a:xfrm>
+          <a:custGeom>
+            <a:avLst/>
+            <a:gdLst>
+              <a:gd name="connsiteX0" fmla="*/ 0 w 1349830"/>
+              <a:gd name="connsiteY0" fmla="*/ 10799763 h 10799763"/>
+              <a:gd name="connsiteX1" fmla="*/ 0 w 1349830"/>
+              <a:gd name="connsiteY1" fmla="*/ 0 h 10799763"/>
+              <a:gd name="connsiteX2" fmla="*/ 1349830 w 1349830"/>
+              <a:gd name="connsiteY2" fmla="*/ 10799763 h 10799763"/>
+              <a:gd name="connsiteX3" fmla="*/ 0 w 1349830"/>
+              <a:gd name="connsiteY3" fmla="*/ 10799763 h 10799763"/>
+              <a:gd name="connsiteX0" fmla="*/ 0 w 1349830"/>
+              <a:gd name="connsiteY0" fmla="*/ 10799763 h 10799763"/>
+              <a:gd name="connsiteX1" fmla="*/ 0 w 1349830"/>
+              <a:gd name="connsiteY1" fmla="*/ 0 h 10799763"/>
+              <a:gd name="connsiteX2" fmla="*/ 433141 w 1349830"/>
+              <a:gd name="connsiteY2" fmla="*/ 6060000 h 10799763"/>
+              <a:gd name="connsiteX3" fmla="*/ 1349830 w 1349830"/>
+              <a:gd name="connsiteY3" fmla="*/ 10799763 h 10799763"/>
+              <a:gd name="connsiteX4" fmla="*/ 0 w 1349830"/>
+              <a:gd name="connsiteY4" fmla="*/ 10799763 h 10799763"/>
+              <a:gd name="connsiteX0" fmla="*/ 0 w 1349830"/>
+              <a:gd name="connsiteY0" fmla="*/ 10799763 h 10799763"/>
+              <a:gd name="connsiteX1" fmla="*/ 0 w 1349830"/>
+              <a:gd name="connsiteY1" fmla="*/ 0 h 10799763"/>
+              <a:gd name="connsiteX2" fmla="*/ 433141 w 1349830"/>
+              <a:gd name="connsiteY2" fmla="*/ 6060000 h 10799763"/>
+              <a:gd name="connsiteX3" fmla="*/ 577519 w 1349830"/>
+              <a:gd name="connsiteY3" fmla="*/ 8682884 h 10799763"/>
+              <a:gd name="connsiteX4" fmla="*/ 1349830 w 1349830"/>
+              <a:gd name="connsiteY4" fmla="*/ 10799763 h 10799763"/>
+              <a:gd name="connsiteX5" fmla="*/ 0 w 1349830"/>
+              <a:gd name="connsiteY5" fmla="*/ 10799763 h 10799763"/>
+              <a:gd name="connsiteX0" fmla="*/ 0 w 1349830"/>
+              <a:gd name="connsiteY0" fmla="*/ 10799763 h 10799763"/>
+              <a:gd name="connsiteX1" fmla="*/ 0 w 1349830"/>
+              <a:gd name="connsiteY1" fmla="*/ 0 h 10799763"/>
+              <a:gd name="connsiteX2" fmla="*/ 300797 w 1349830"/>
+              <a:gd name="connsiteY2" fmla="*/ 6060000 h 10799763"/>
+              <a:gd name="connsiteX3" fmla="*/ 577519 w 1349830"/>
+              <a:gd name="connsiteY3" fmla="*/ 8682884 h 10799763"/>
+              <a:gd name="connsiteX4" fmla="*/ 1349830 w 1349830"/>
+              <a:gd name="connsiteY4" fmla="*/ 10799763 h 10799763"/>
+              <a:gd name="connsiteX5" fmla="*/ 0 w 1349830"/>
+              <a:gd name="connsiteY5" fmla="*/ 10799763 h 10799763"/>
+              <a:gd name="connsiteX0" fmla="*/ 0 w 1349830"/>
+              <a:gd name="connsiteY0" fmla="*/ 10799763 h 10799763"/>
+              <a:gd name="connsiteX1" fmla="*/ 0 w 1349830"/>
+              <a:gd name="connsiteY1" fmla="*/ 0 h 10799763"/>
+              <a:gd name="connsiteX2" fmla="*/ 300797 w 1349830"/>
+              <a:gd name="connsiteY2" fmla="*/ 6060000 h 10799763"/>
+              <a:gd name="connsiteX3" fmla="*/ 577519 w 1349830"/>
+              <a:gd name="connsiteY3" fmla="*/ 8682884 h 10799763"/>
+              <a:gd name="connsiteX4" fmla="*/ 1349830 w 1349830"/>
+              <a:gd name="connsiteY4" fmla="*/ 10799763 h 10799763"/>
+              <a:gd name="connsiteX5" fmla="*/ 0 w 1349830"/>
+              <a:gd name="connsiteY5" fmla="*/ 10799763 h 10799763"/>
+              <a:gd name="connsiteX0" fmla="*/ 0 w 1349830"/>
+              <a:gd name="connsiteY0" fmla="*/ 10799763 h 10799763"/>
+              <a:gd name="connsiteX1" fmla="*/ 0 w 1349830"/>
+              <a:gd name="connsiteY1" fmla="*/ 0 h 10799763"/>
+              <a:gd name="connsiteX2" fmla="*/ 300797 w 1349830"/>
+              <a:gd name="connsiteY2" fmla="*/ 6060000 h 10799763"/>
+              <a:gd name="connsiteX3" fmla="*/ 577519 w 1349830"/>
+              <a:gd name="connsiteY3" fmla="*/ 8682884 h 10799763"/>
+              <a:gd name="connsiteX4" fmla="*/ 1349830 w 1349830"/>
+              <a:gd name="connsiteY4" fmla="*/ 10799763 h 10799763"/>
+              <a:gd name="connsiteX5" fmla="*/ 0 w 1349830"/>
+              <a:gd name="connsiteY5" fmla="*/ 10799763 h 10799763"/>
+              <a:gd name="connsiteX0" fmla="*/ 0 w 1349830"/>
+              <a:gd name="connsiteY0" fmla="*/ 10799763 h 10799763"/>
+              <a:gd name="connsiteX1" fmla="*/ 0 w 1349830"/>
+              <a:gd name="connsiteY1" fmla="*/ 0 h 10799763"/>
+              <a:gd name="connsiteX2" fmla="*/ 300797 w 1349830"/>
+              <a:gd name="connsiteY2" fmla="*/ 6060000 h 10799763"/>
+              <a:gd name="connsiteX3" fmla="*/ 577519 w 1349830"/>
+              <a:gd name="connsiteY3" fmla="*/ 8682884 h 10799763"/>
+              <a:gd name="connsiteX4" fmla="*/ 1349830 w 1349830"/>
+              <a:gd name="connsiteY4" fmla="*/ 10799763 h 10799763"/>
+              <a:gd name="connsiteX5" fmla="*/ 0 w 1349830"/>
+              <a:gd name="connsiteY5" fmla="*/ 10799763 h 10799763"/>
+              <a:gd name="connsiteX0" fmla="*/ 0 w 1349830"/>
+              <a:gd name="connsiteY0" fmla="*/ 10799763 h 10799763"/>
+              <a:gd name="connsiteX1" fmla="*/ 0 w 1349830"/>
+              <a:gd name="connsiteY1" fmla="*/ 0 h 10799763"/>
+              <a:gd name="connsiteX2" fmla="*/ 300797 w 1349830"/>
+              <a:gd name="connsiteY2" fmla="*/ 6060000 h 10799763"/>
+              <a:gd name="connsiteX3" fmla="*/ 577519 w 1349830"/>
+              <a:gd name="connsiteY3" fmla="*/ 8682884 h 10799763"/>
+              <a:gd name="connsiteX4" fmla="*/ 1349830 w 1349830"/>
+              <a:gd name="connsiteY4" fmla="*/ 10799763 h 10799763"/>
+              <a:gd name="connsiteX5" fmla="*/ 0 w 1349830"/>
+              <a:gd name="connsiteY5" fmla="*/ 10799763 h 10799763"/>
+              <a:gd name="connsiteX0" fmla="*/ 0 w 1349830"/>
+              <a:gd name="connsiteY0" fmla="*/ 10799763 h 10799763"/>
+              <a:gd name="connsiteX1" fmla="*/ 0 w 1349830"/>
+              <a:gd name="connsiteY1" fmla="*/ 0 h 10799763"/>
+              <a:gd name="connsiteX2" fmla="*/ 300797 w 1349830"/>
+              <a:gd name="connsiteY2" fmla="*/ 6060000 h 10799763"/>
+              <a:gd name="connsiteX3" fmla="*/ 577519 w 1349830"/>
+              <a:gd name="connsiteY3" fmla="*/ 8682884 h 10799763"/>
+              <a:gd name="connsiteX4" fmla="*/ 1349830 w 1349830"/>
+              <a:gd name="connsiteY4" fmla="*/ 10799763 h 10799763"/>
+              <a:gd name="connsiteX5" fmla="*/ 0 w 1349830"/>
+              <a:gd name="connsiteY5" fmla="*/ 10799763 h 10799763"/>
+              <a:gd name="connsiteX0" fmla="*/ 0 w 1349830"/>
+              <a:gd name="connsiteY0" fmla="*/ 10799763 h 10799763"/>
+              <a:gd name="connsiteX1" fmla="*/ 0 w 1349830"/>
+              <a:gd name="connsiteY1" fmla="*/ 0 h 10799763"/>
+              <a:gd name="connsiteX2" fmla="*/ 300797 w 1349830"/>
+              <a:gd name="connsiteY2" fmla="*/ 6060000 h 10799763"/>
+              <a:gd name="connsiteX3" fmla="*/ 468339 w 1349830"/>
+              <a:gd name="connsiteY3" fmla="*/ 8682884 h 10799763"/>
+              <a:gd name="connsiteX4" fmla="*/ 1349830 w 1349830"/>
+              <a:gd name="connsiteY4" fmla="*/ 10799763 h 10799763"/>
+              <a:gd name="connsiteX5" fmla="*/ 0 w 1349830"/>
+              <a:gd name="connsiteY5" fmla="*/ 10799763 h 10799763"/>
+              <a:gd name="connsiteX0" fmla="*/ 0 w 1349830"/>
+              <a:gd name="connsiteY0" fmla="*/ 10799763 h 10799763"/>
+              <a:gd name="connsiteX1" fmla="*/ 0 w 1349830"/>
+              <a:gd name="connsiteY1" fmla="*/ 0 h 10799763"/>
+              <a:gd name="connsiteX2" fmla="*/ 273504 w 1349830"/>
+              <a:gd name="connsiteY2" fmla="*/ 6073647 h 10799763"/>
+              <a:gd name="connsiteX3" fmla="*/ 468339 w 1349830"/>
+              <a:gd name="connsiteY3" fmla="*/ 8682884 h 10799763"/>
+              <a:gd name="connsiteX4" fmla="*/ 1349830 w 1349830"/>
+              <a:gd name="connsiteY4" fmla="*/ 10799763 h 10799763"/>
+              <a:gd name="connsiteX5" fmla="*/ 0 w 1349830"/>
+              <a:gd name="connsiteY5" fmla="*/ 10799763 h 10799763"/>
+              <a:gd name="connsiteX0" fmla="*/ 0 w 1349830"/>
+              <a:gd name="connsiteY0" fmla="*/ 10799763 h 10799763"/>
+              <a:gd name="connsiteX1" fmla="*/ 0 w 1349830"/>
+              <a:gd name="connsiteY1" fmla="*/ 0 h 10799763"/>
+              <a:gd name="connsiteX2" fmla="*/ 273504 w 1349830"/>
+              <a:gd name="connsiteY2" fmla="*/ 6073647 h 10799763"/>
+              <a:gd name="connsiteX3" fmla="*/ 468339 w 1349830"/>
+              <a:gd name="connsiteY3" fmla="*/ 8682884 h 10799763"/>
+              <a:gd name="connsiteX4" fmla="*/ 1349830 w 1349830"/>
+              <a:gd name="connsiteY4" fmla="*/ 10799763 h 10799763"/>
+              <a:gd name="connsiteX5" fmla="*/ 0 w 1349830"/>
+              <a:gd name="connsiteY5" fmla="*/ 10799763 h 10799763"/>
+            </a:gdLst>
+            <a:ahLst/>
+            <a:cxnLst>
+              <a:cxn ang="0">
+                <a:pos x="connsiteX0" y="connsiteY0"/>
+              </a:cxn>
+              <a:cxn ang="0">
+                <a:pos x="connsiteX1" y="connsiteY1"/>
+              </a:cxn>
+              <a:cxn ang="0">
+                <a:pos x="connsiteX2" y="connsiteY2"/>
+              </a:cxn>
+              <a:cxn ang="0">
+                <a:pos x="connsiteX3" y="connsiteY3"/>
+              </a:cxn>
+              <a:cxn ang="0">
+                <a:pos x="connsiteX4" y="connsiteY4"/>
+              </a:cxn>
+              <a:cxn ang="0">
+                <a:pos x="connsiteX5" y="connsiteY5"/>
+              </a:cxn>
+            </a:cxnLst>
+            <a:rect l="l" t="t" r="r" b="b"/>
+            <a:pathLst>
+              <a:path w="1349830" h="10799763">
+                <a:moveTo>
+                  <a:pt x="0" y="10799763"/>
+                </a:moveTo>
+                <a:lnTo>
+                  <a:pt x="0" y="0"/>
+                </a:lnTo>
+                <a:cubicBezTo>
+                  <a:pt x="244642" y="1983905"/>
+                  <a:pt x="274522" y="3994206"/>
+                  <a:pt x="273504" y="6073647"/>
+                </a:cubicBezTo>
+                <a:cubicBezTo>
+                  <a:pt x="320735" y="7212936"/>
+                  <a:pt x="270990" y="7789254"/>
+                  <a:pt x="468339" y="8682884"/>
+                </a:cubicBezTo>
+                <a:cubicBezTo>
+                  <a:pt x="725778" y="9948068"/>
+                  <a:pt x="1092393" y="10094137"/>
+                  <a:pt x="1349830" y="10799763"/>
+                </a:cubicBezTo>
+                <a:lnTo>
+                  <a:pt x="0" y="10799763"/>
+                </a:lnTo>
+                <a:close/>
+              </a:path>
+            </a:pathLst>
+          </a:custGeom>
+          <a:gradFill flip="none" rotWithShape="1">
+            <a:gsLst>
+              <a:gs pos="0">
+                <a:srgbClr val="DEA900"/>
+              </a:gs>
+              <a:gs pos="34000">
+                <a:srgbClr val="FDAD08"/>
+              </a:gs>
+              <a:gs pos="68000">
+                <a:srgbClr val="FDBE41"/>
+              </a:gs>
+              <a:gs pos="100000">
+                <a:srgbClr val="FFDA65"/>
+              </a:gs>
+            </a:gsLst>
+            <a:lin ang="2700000" scaled="1"/>
+            <a:tileRect/>
+          </a:gradFill>
+          <a:ln>
+            <a:noFill/>
+          </a:ln>
+          <a:scene3d>
+            <a:camera prst="orthographicFront"/>
+            <a:lightRig rig="threePt" dir="t"/>
+          </a:scene3d>
+          <a:sp3d>
+            <a:bevelT/>
+          </a:sp3d>
+        </p:spPr>
+        <p:style>
+          <a:lnRef idx="2">
+            <a:schemeClr val="accent1">
+              <a:shade val="50000"/>
+            </a:schemeClr>
+          </a:lnRef>
+          <a:fillRef idx="1">
+            <a:schemeClr val="accent1"/>
+          </a:fillRef>
+          <a:effectRef idx="0">
+            <a:schemeClr val="accent1"/>
+          </a:effectRef>
+          <a:fontRef idx="minor">
+            <a:schemeClr val="lt1"/>
+          </a:fontRef>
+        </p:style>
+        <p:txBody>
+          <a:bodyPr rtlCol="0" anchor="ctr"/>
+          <a:lstStyle/>
+          <a:p>
+            <a:pPr algn="ctr"/>
+            <a:endParaRPr lang="pt-BR"/>
+          </a:p>
+        </p:txBody>
+      </p:sp>
+      <p:sp>
+        <p:nvSpPr>
+          <p:cNvPr id="15" name="Retângulo 14">
+            <a:extLst>
+              <a:ext uri="{FF2B5EF4-FFF2-40B4-BE49-F238E27FC236}">
+                <a16:creationId xmlns:a16="http://schemas.microsoft.com/office/drawing/2014/main" id="{861C7C90-5748-4EB6-AB27-09D92E92DA21}"/>
+              </a:ext>
+            </a:extLst>
+          </p:cNvPr>
+          <p:cNvSpPr/>
+          <p:nvPr/>
+        </p:nvSpPr>
+        <p:spPr>
+          <a:xfrm>
+            <a:off x="931650" y="193340"/>
+            <a:ext cx="10736463" cy="1569660"/>
+          </a:xfrm>
+          <a:prstGeom prst="rect">
+            <a:avLst/>
+          </a:prstGeom>
+          <a:noFill/>
+        </p:spPr>
+        <p:txBody>
+          <a:bodyPr wrap="square" lIns="91440" tIns="45720" rIns="91440" bIns="45720">
+            <a:spAutoFit/>
+          </a:bodyPr>
+          <a:lstStyle/>
+          <a:p>
+            <a:pPr algn="ctr"/>
+            <a:r>
+              <a:rPr lang="pt-BR" sz="9600" b="0" cap="none" spc="0" dirty="0">
+                <a:ln w="38100">
+                  <a:solidFill>
+                    <a:schemeClr val="bg1"/>
+                  </a:solidFill>
+                </a:ln>
+                <a:solidFill>
+                  <a:srgbClr val="00B050"/>
+                </a:solidFill>
+                <a:effectLst>
+                  <a:outerShdw blurRad="38100" dist="19050" dir="2700000" algn="tl" rotWithShape="0">
+                    <a:schemeClr val="dk1">
+                      <a:alpha val="40000"/>
+                    </a:schemeClr>
+                  </a:outerShdw>
+                </a:effectLst>
+                <a:latin typeface="Exo 2 Extra Bold" panose="00000900000000000000" pitchFamily="50" charset="0"/>
+              </a:rPr>
+              <a:t>Liga Principal</a:t>
+            </a:r>
+          </a:p>
+        </p:txBody>
+      </p:sp>
+      <p:sp>
+        <p:nvSpPr>
+          <p:cNvPr id="18" name="Retângulo 17">
+            <a:extLst>
+              <a:ext uri="{FF2B5EF4-FFF2-40B4-BE49-F238E27FC236}">
+                <a16:creationId xmlns:a16="http://schemas.microsoft.com/office/drawing/2014/main" id="{F6DB3AFB-FC09-4ACF-A353-83560CA9E36E}"/>
+              </a:ext>
+            </a:extLst>
+          </p:cNvPr>
+          <p:cNvSpPr/>
+          <p:nvPr/>
+        </p:nvSpPr>
+        <p:spPr>
+          <a:xfrm>
+            <a:off x="5544896" y="1598457"/>
+            <a:ext cx="5016297" cy="830997"/>
+          </a:xfrm>
+          <a:prstGeom prst="rect">
+            <a:avLst/>
+          </a:prstGeom>
+          <a:noFill/>
+        </p:spPr>
+        <p:txBody>
+          <a:bodyPr wrap="square" lIns="91440" tIns="45720" rIns="91440" bIns="45720">
+            <a:spAutoFit/>
+          </a:bodyPr>
+          <a:lstStyle/>
+          <a:p>
+            <a:pPr algn="ctr"/>
+            <a:r>
+              <a:rPr lang="pt-BR" sz="4800" b="0" cap="none" spc="0" dirty="0">
+                <a:ln w="0">
+                  <a:noFill/>
+                </a:ln>
+                <a:solidFill>
+                  <a:schemeClr val="bg1"/>
+                </a:solidFill>
+                <a:effectLst>
+                  <a:outerShdw blurRad="38100" dist="19050" dir="2700000" algn="tl" rotWithShape="0">
+                    <a:schemeClr val="dk1">
+                      <a:alpha val="40000"/>
+                    </a:schemeClr>
+                  </a:outerShdw>
+                </a:effectLst>
+                <a:latin typeface="Exo 2 Extra Bold" panose="00000900000000000000" pitchFamily="50" charset="0"/>
+              </a:rPr>
+              <a:t>Mata-mata #01</a:t>
+            </a:r>
+          </a:p>
+        </p:txBody>
+      </p:sp>
+      <p:pic>
+        <p:nvPicPr>
+          <p:cNvPr id="2" name="Imagem 1">
+            <a:extLst>
+              <a:ext uri="{FF2B5EF4-FFF2-40B4-BE49-F238E27FC236}">
+                <a16:creationId xmlns:a16="http://schemas.microsoft.com/office/drawing/2014/main" id="{94F5ABD2-01C6-4600-8555-3C368B26B187}"/>
+              </a:ext>
+            </a:extLst>
+          </p:cNvPr>
+          <p:cNvPicPr>
+            <a:picLocks noChangeAspect="1"/>
+          </p:cNvPicPr>
+          <p:nvPr/>
+        </p:nvPicPr>
+        <p:blipFill>
+          <a:blip r:embed="rId5"/>
+          <a:stretch>
+            <a:fillRect/>
+          </a:stretch>
+        </p:blipFill>
+        <p:spPr>
+          <a:xfrm>
+            <a:off x="841937" y="2532610"/>
+            <a:ext cx="9154806" cy="7200000"/>
+          </a:xfrm>
+          <a:prstGeom prst="rect">
+            <a:avLst/>
+          </a:prstGeom>
+        </p:spPr>
+      </p:pic>
+    </p:spTree>
+    <p:extLst>
+      <p:ext uri="{BB962C8B-B14F-4D97-AF65-F5344CB8AC3E}">
+        <p14:creationId xmlns:p14="http://schemas.microsoft.com/office/powerpoint/2010/main" val="3764943898"/>
+      </p:ext>
+    </p:extLst>
+  </p:cSld>
+  <p:clrMapOvr>
+    <a:masterClrMapping/>
+  </p:clrMapOvr>
+</p:sld>
+</file>
+
+<file path=ppt/slides/slide7.xml><?xml version="1.0" encoding="utf-8"?>
+<p:sld xmlns:a="http://schemas.openxmlformats.org/drawingml/2006/main" xmlns:r="http://schemas.openxmlformats.org/officeDocument/2006/relationships" xmlns:p="http://schemas.openxmlformats.org/presentationml/2006/main">
+  <p:cSld>
+    <p:bg>
+      <p:bgPr>
+        <a:solidFill>
+          <a:schemeClr val="bg1"/>
+        </a:solidFill>
+        <a:effectLst/>
+      </p:bgPr>
+    </p:bg>
+    <p:spTree>
+      <p:nvGrpSpPr>
+        <p:cNvPr id="1" name=""/>
+        <p:cNvGrpSpPr/>
+        <p:nvPr/>
+      </p:nvGrpSpPr>
+      <p:grpSpPr>
+        <a:xfrm>
+          <a:off x="0" y="0"/>
+          <a:ext cx="0" cy="0"/>
+          <a:chOff x="0" y="0"/>
+          <a:chExt cx="0" cy="0"/>
+        </a:xfrm>
+      </p:grpSpPr>
+      <p:sp>
+        <p:nvSpPr>
+          <p:cNvPr id="13" name="Rectangle 9">
+            <a:extLst>
+              <a:ext uri="{FF2B5EF4-FFF2-40B4-BE49-F238E27FC236}">
+                <a16:creationId xmlns:a16="http://schemas.microsoft.com/office/drawing/2014/main" id="{0BABF38A-8A0D-492E-BD20-6CF4D46B50BD}"/>
+              </a:ext>
+              <a:ext uri="{C183D7F6-B498-43B3-948B-1728B52AA6E4}">
+                <adec:decorative xmlns:adec="http://schemas.microsoft.com/office/drawing/2017/decorative" val="1"/>
+              </a:ext>
+            </a:extLst>
+          </p:cNvPr>
+          <p:cNvSpPr>
+            <a:spLocks noGrp="1" noRot="1" noChangeAspect="1" noMove="1" noResize="1" noEditPoints="1" noAdjustHandles="1" noChangeArrowheads="1" noChangeShapeType="1" noTextEdit="1"/>
+          </p:cNvSpPr>
+          <p:nvPr>
+            <p:extLst>
+              <p:ext uri="{386F3935-93C4-4BCD-93E2-E3B085C9AB24}">
+                <p16:designElem xmlns:p16="http://schemas.microsoft.com/office/powerpoint/2015/main" val="1"/>
+              </p:ext>
+            </p:extLst>
+          </p:nvPr>
+        </p:nvSpPr>
+        <p:spPr>
+          <a:xfrm>
+            <a:off x="-1" y="2362448"/>
+            <a:ext cx="10799763" cy="6074870"/>
+          </a:xfrm>
+          <a:prstGeom prst="rect">
+            <a:avLst/>
+          </a:prstGeom>
+          <a:solidFill>
+            <a:schemeClr val="bg2">
+              <a:lumMod val="90000"/>
+              <a:alpha val="70000"/>
+            </a:schemeClr>
+          </a:solidFill>
+          <a:ln>
+            <a:noFill/>
+          </a:ln>
+        </p:spPr>
+        <p:style>
+          <a:lnRef idx="2">
+            <a:schemeClr val="accent1">
+              <a:shade val="50000"/>
+            </a:schemeClr>
+          </a:lnRef>
+          <a:fillRef idx="1">
+            <a:schemeClr val="accent1"/>
+          </a:fillRef>
+          <a:effectRef idx="0">
+            <a:schemeClr val="accent1"/>
+          </a:effectRef>
+          <a:fontRef idx="minor">
+            <a:schemeClr val="lt1"/>
+          </a:fontRef>
+        </p:style>
+        <p:txBody>
+          <a:bodyPr rtlCol="0" anchor="ctr"/>
+          <a:lstStyle/>
+          <a:p>
+            <a:pPr marL="0" marR="0" lvl="0" indent="0" algn="ctr" defTabSz="914400" rtl="0" eaLnBrk="1" fontAlgn="auto" latinLnBrk="0" hangingPunct="1">
+              <a:lnSpc>
+                <a:spcPct val="100000"/>
+              </a:lnSpc>
+              <a:spcBef>
+                <a:spcPts val="0"/>
+              </a:spcBef>
+              <a:spcAft>
+                <a:spcPts val="0"/>
+              </a:spcAft>
+              <a:buClrTx/>
+              <a:buSzTx/>
+              <a:buFontTx/>
+              <a:buNone/>
+              <a:tabLst/>
+              <a:defRPr/>
+            </a:pPr>
+            <a:endParaRPr kumimoji="0" lang="en-US" sz="1594" b="0" i="0" u="none" strike="noStrike" kern="1200" cap="none" spc="0" normalizeH="0" baseline="0" noProof="0" dirty="0">
+              <a:ln>
+                <a:noFill/>
+              </a:ln>
+              <a:solidFill>
+                <a:prstClr val="black">
+                  <a:lumMod val="65000"/>
+                  <a:lumOff val="35000"/>
+                </a:prstClr>
+              </a:solidFill>
+              <a:effectLst/>
+              <a:uLnTx/>
+              <a:uFillTx/>
+              <a:latin typeface="AvenirNext LT Pro Medium" panose="020B0504020202020204" pitchFamily="34" charset="0"/>
+              <a:ea typeface="+mn-ea"/>
+              <a:cs typeface="+mn-cs"/>
+            </a:endParaRPr>
+          </a:p>
+        </p:txBody>
+      </p:sp>
+      <p:pic>
+        <p:nvPicPr>
+          <p:cNvPr id="12" name="Picture 11">
+            <a:extLst>
+              <a:ext uri="{FF2B5EF4-FFF2-40B4-BE49-F238E27FC236}">
+                <a16:creationId xmlns:a16="http://schemas.microsoft.com/office/drawing/2014/main" id="{BC526B7A-4801-4FD1-95C8-03AF22629E87}"/>
+              </a:ext>
+              <a:ext uri="{C183D7F6-B498-43B3-948B-1728B52AA6E4}">
+                <adec:decorative xmlns:adec="http://schemas.microsoft.com/office/drawing/2017/decorative" val="1"/>
+              </a:ext>
+            </a:extLst>
+          </p:cNvPr>
+          <p:cNvPicPr>
+            <a:picLocks noGrp="1" noRot="1" noChangeAspect="1" noMove="1" noResize="1" noEditPoints="1" noAdjustHandles="1" noChangeArrowheads="1" noChangeShapeType="1" noCrop="1"/>
+          </p:cNvPicPr>
+          <p:nvPr>
+            <p:extLst>
+              <p:ext uri="{386F3935-93C4-4BCD-93E2-E3B085C9AB24}">
+                <p16:designElem xmlns:p16="http://schemas.microsoft.com/office/powerpoint/2015/main" val="1"/>
+              </p:ext>
+            </p:extLst>
+          </p:nvPr>
+        </p:nvPicPr>
+        <p:blipFill>
+          <a:blip r:embed="rId2">
+            <a:alphaModFix amt="10000"/>
+            <a:extLst>
+              <a:ext uri="{28A0092B-C50C-407E-A947-70E740481C1C}">
+                <a14:useLocalDpi xmlns:a14="http://schemas.microsoft.com/office/drawing/2010/main" val="0"/>
+              </a:ext>
+            </a:extLst>
+          </a:blip>
+          <a:stretch>
+            <a:fillRect/>
+          </a:stretch>
+        </p:blipFill>
+        <p:spPr>
+          <a:xfrm>
+            <a:off x="7559833" y="2362448"/>
+            <a:ext cx="3237282" cy="4052877"/>
+          </a:xfrm>
+          <a:prstGeom prst="rect">
+            <a:avLst/>
+          </a:prstGeom>
+        </p:spPr>
+      </p:pic>
+      <p:sp useBgFill="1">
+        <p:nvSpPr>
+          <p:cNvPr id="14" name="Rectangle 13">
+            <a:extLst>
+              <a:ext uri="{FF2B5EF4-FFF2-40B4-BE49-F238E27FC236}">
+                <a16:creationId xmlns:a16="http://schemas.microsoft.com/office/drawing/2014/main" id="{37FDDF72-DE39-4F99-A3C1-DD9D7815D7DB}"/>
+              </a:ext>
+              <a:ext uri="{C183D7F6-B498-43B3-948B-1728B52AA6E4}">
+                <adec:decorative xmlns:adec="http://schemas.microsoft.com/office/drawing/2017/decorative" val="1"/>
+              </a:ext>
+            </a:extLst>
+          </p:cNvPr>
+          <p:cNvSpPr>
+            <a:spLocks noGrp="1" noRot="1" noChangeAspect="1" noMove="1" noResize="1" noEditPoints="1" noAdjustHandles="1" noChangeArrowheads="1" noChangeShapeType="1" noTextEdit="1"/>
+          </p:cNvSpPr>
+          <p:nvPr>
+            <p:extLst>
+              <p:ext uri="{386F3935-93C4-4BCD-93E2-E3B085C9AB24}">
+                <p16:designElem xmlns:p16="http://schemas.microsoft.com/office/powerpoint/2015/main" val="1"/>
+              </p:ext>
+            </p:extLst>
+          </p:nvPr>
+        </p:nvSpPr>
+        <p:spPr>
+          <a:xfrm>
+            <a:off x="-1" y="2362448"/>
+            <a:ext cx="10799763" cy="6074866"/>
+          </a:xfrm>
+          <a:prstGeom prst="rect">
+            <a:avLst/>
+          </a:prstGeom>
+          <a:ln>
+            <a:noFill/>
+          </a:ln>
+        </p:spPr>
+        <p:style>
+          <a:lnRef idx="2">
+            <a:schemeClr val="accent1">
+              <a:shade val="50000"/>
+            </a:schemeClr>
+          </a:lnRef>
+          <a:fillRef idx="1">
+            <a:schemeClr val="accent1"/>
+          </a:fillRef>
+          <a:effectRef idx="0">
+            <a:schemeClr val="accent1"/>
+          </a:effectRef>
+          <a:fontRef idx="minor">
+            <a:schemeClr val="lt1"/>
+          </a:fontRef>
+        </p:style>
+        <p:txBody>
+          <a:bodyPr rtlCol="0" anchor="ctr"/>
+          <a:lstStyle/>
+          <a:p>
+            <a:pPr marL="0" marR="0" lvl="0" indent="0" algn="ctr" defTabSz="914400" rtl="0" eaLnBrk="1" fontAlgn="auto" latinLnBrk="0" hangingPunct="1">
+              <a:lnSpc>
+                <a:spcPct val="100000"/>
+              </a:lnSpc>
+              <a:spcBef>
+                <a:spcPts val="0"/>
+              </a:spcBef>
+              <a:spcAft>
+                <a:spcPts val="0"/>
+              </a:spcAft>
+              <a:buClrTx/>
+              <a:buSzTx/>
+              <a:buFontTx/>
+              <a:buNone/>
+              <a:tabLst/>
+              <a:defRPr/>
+            </a:pPr>
+            <a:endParaRPr kumimoji="0" lang="en-US" sz="1594" b="0" i="0" u="none" strike="noStrike" kern="1200" cap="none" spc="0" normalizeH="0" baseline="0" noProof="0" dirty="0">
+              <a:ln>
+                <a:noFill/>
+              </a:ln>
+              <a:solidFill>
+                <a:prstClr val="black">
+                  <a:lumMod val="65000"/>
+                  <a:lumOff val="35000"/>
+                </a:prstClr>
+              </a:solidFill>
+              <a:effectLst/>
+              <a:uLnTx/>
+              <a:uFillTx/>
+              <a:latin typeface="AvenirNext LT Pro Medium" panose="020B0504020202020204" pitchFamily="34" charset="0"/>
+              <a:ea typeface="+mn-ea"/>
+              <a:cs typeface="+mn-cs"/>
+            </a:endParaRPr>
+          </a:p>
+        </p:txBody>
+      </p:sp>
+      <p:sp>
+        <p:nvSpPr>
+          <p:cNvPr id="16" name="Rectangle 15">
+            <a:extLst>
+              <a:ext uri="{FF2B5EF4-FFF2-40B4-BE49-F238E27FC236}">
+                <a16:creationId xmlns:a16="http://schemas.microsoft.com/office/drawing/2014/main" id="{5E4ECE80-3AD1-450C-B62A-98788F193948}"/>
+              </a:ext>
+              <a:ext uri="{C183D7F6-B498-43B3-948B-1728B52AA6E4}">
+                <adec:decorative xmlns:adec="http://schemas.microsoft.com/office/drawing/2017/decorative" val="1"/>
+              </a:ext>
+            </a:extLst>
+          </p:cNvPr>
+          <p:cNvSpPr>
+            <a:spLocks noGrp="1" noRot="1" noChangeAspect="1" noMove="1" noResize="1" noEditPoints="1" noAdjustHandles="1" noChangeArrowheads="1" noChangeShapeType="1" noTextEdit="1"/>
+          </p:cNvSpPr>
+          <p:nvPr>
+            <p:extLst>
+              <p:ext uri="{386F3935-93C4-4BCD-93E2-E3B085C9AB24}">
+                <p16:designElem xmlns:p16="http://schemas.microsoft.com/office/powerpoint/2015/main" val="1"/>
+              </p:ext>
+            </p:extLst>
+          </p:nvPr>
+        </p:nvSpPr>
+        <p:spPr>
+          <a:xfrm>
+            <a:off x="-1" y="2362448"/>
+            <a:ext cx="10799763" cy="6074866"/>
+          </a:xfrm>
+          <a:prstGeom prst="rect">
+            <a:avLst/>
+          </a:prstGeom>
+          <a:solidFill>
+            <a:srgbClr val="000000"/>
+          </a:solidFill>
+          <a:ln>
+            <a:noFill/>
+          </a:ln>
+        </p:spPr>
+        <p:style>
+          <a:lnRef idx="2">
+            <a:schemeClr val="accent1">
+              <a:shade val="50000"/>
+            </a:schemeClr>
+          </a:lnRef>
+          <a:fillRef idx="1">
+            <a:schemeClr val="accent1"/>
+          </a:fillRef>
+          <a:effectRef idx="0">
+            <a:schemeClr val="accent1"/>
+          </a:effectRef>
+          <a:fontRef idx="minor">
+            <a:schemeClr val="lt1"/>
+          </a:fontRef>
+        </p:style>
+        <p:txBody>
+          <a:bodyPr rtlCol="0" anchor="ctr"/>
+          <a:lstStyle/>
+          <a:p>
+            <a:pPr marL="0" marR="0" lvl="0" indent="0" algn="ctr" defTabSz="914400" rtl="0" eaLnBrk="1" fontAlgn="auto" latinLnBrk="0" hangingPunct="1">
+              <a:lnSpc>
+                <a:spcPct val="100000"/>
+              </a:lnSpc>
+              <a:spcBef>
+                <a:spcPts val="0"/>
+              </a:spcBef>
+              <a:spcAft>
+                <a:spcPts val="0"/>
+              </a:spcAft>
+              <a:buClrTx/>
+              <a:buSzTx/>
+              <a:buFontTx/>
+              <a:buNone/>
+              <a:tabLst/>
+              <a:defRPr/>
+            </a:pPr>
+            <a:endParaRPr kumimoji="0" lang="en-US" sz="1594" b="0" i="0" u="none" strike="noStrike" kern="1200" cap="none" spc="0" normalizeH="0" baseline="0" noProof="0" dirty="0">
+              <a:ln>
+                <a:noFill/>
+              </a:ln>
+              <a:solidFill>
+                <a:prstClr val="black">
+                  <a:lumMod val="65000"/>
+                  <a:lumOff val="35000"/>
+                </a:prstClr>
+              </a:solidFill>
+              <a:effectLst/>
+              <a:uLnTx/>
+              <a:uFillTx/>
+              <a:latin typeface="AvenirNext LT Pro Medium" panose="020B0504020202020204" pitchFamily="34" charset="0"/>
+              <a:ea typeface="+mn-ea"/>
+              <a:cs typeface="+mn-cs"/>
+            </a:endParaRPr>
+          </a:p>
+        </p:txBody>
+      </p:sp>
+      <p:pic>
+        <p:nvPicPr>
+          <p:cNvPr id="5" name="Imagem 4">
+            <a:extLst>
+              <a:ext uri="{FF2B5EF4-FFF2-40B4-BE49-F238E27FC236}">
+                <a16:creationId xmlns:a16="http://schemas.microsoft.com/office/drawing/2014/main" id="{F1433EF1-FB6D-4913-96C9-08F0B1B3CA7A}"/>
+              </a:ext>
+            </a:extLst>
+          </p:cNvPr>
+          <p:cNvPicPr>
+            <a:picLocks noChangeAspect="1"/>
+          </p:cNvPicPr>
+          <p:nvPr/>
+        </p:nvPicPr>
+        <p:blipFill rotWithShape="1">
+          <a:blip r:embed="rId3">
+            <a:alphaModFix/>
+            <a:extLst>
+              <a:ext uri="{28A0092B-C50C-407E-A947-70E740481C1C}">
+                <a14:useLocalDpi xmlns:a14="http://schemas.microsoft.com/office/drawing/2010/main" val="0"/>
+              </a:ext>
+            </a:extLst>
+          </a:blip>
+          <a:srcRect l="21682" t="7086" r="22004" b="8663"/>
+          <a:stretch/>
+        </p:blipFill>
+        <p:spPr>
+          <a:xfrm>
+            <a:off x="0" y="793"/>
+            <a:ext cx="10814236" cy="10799763"/>
+          </a:xfrm>
+          <a:prstGeom prst="rect">
+            <a:avLst/>
+          </a:prstGeom>
+        </p:spPr>
+      </p:pic>
+      <p:sp>
+        <p:nvSpPr>
+          <p:cNvPr id="6" name="Retângulo 5">
+            <a:extLst>
+              <a:ext uri="{FF2B5EF4-FFF2-40B4-BE49-F238E27FC236}">
+                <a16:creationId xmlns:a16="http://schemas.microsoft.com/office/drawing/2014/main" id="{CA38338D-CD96-464B-85A1-D00A3CBDF55D}"/>
+              </a:ext>
+            </a:extLst>
+          </p:cNvPr>
+          <p:cNvSpPr/>
+          <p:nvPr/>
+        </p:nvSpPr>
+        <p:spPr>
+          <a:xfrm>
+            <a:off x="-17121" y="-790"/>
+            <a:ext cx="10831358" cy="10799760"/>
+          </a:xfrm>
+          <a:prstGeom prst="rect">
+            <a:avLst/>
+          </a:prstGeom>
+          <a:solidFill>
+            <a:schemeClr val="tx1">
+              <a:alpha val="67000"/>
+            </a:schemeClr>
+          </a:solidFill>
+          <a:ln>
+            <a:noFill/>
+          </a:ln>
+        </p:spPr>
+        <p:style>
+          <a:lnRef idx="2">
+            <a:schemeClr val="accent1">
+              <a:shade val="50000"/>
+            </a:schemeClr>
+          </a:lnRef>
+          <a:fillRef idx="1">
+            <a:schemeClr val="accent1"/>
+          </a:fillRef>
+          <a:effectRef idx="0">
+            <a:schemeClr val="accent1"/>
+          </a:effectRef>
+          <a:fontRef idx="minor">
+            <a:schemeClr val="lt1"/>
+          </a:fontRef>
+        </p:style>
+        <p:txBody>
+          <a:bodyPr rtlCol="0" anchor="ctr"/>
+          <a:lstStyle/>
+          <a:p>
+            <a:pPr marL="0" marR="0" lvl="0" indent="0" algn="ctr" defTabSz="914400" rtl="0" eaLnBrk="1" fontAlgn="auto" latinLnBrk="0" hangingPunct="1">
+              <a:lnSpc>
+                <a:spcPct val="100000"/>
+              </a:lnSpc>
+              <a:spcBef>
+                <a:spcPts val="0"/>
+              </a:spcBef>
+              <a:spcAft>
+                <a:spcPts val="0"/>
+              </a:spcAft>
+              <a:buClrTx/>
+              <a:buSzTx/>
+              <a:buFontTx/>
+              <a:buNone/>
+              <a:tabLst/>
+              <a:defRPr/>
+            </a:pPr>
+            <a:endParaRPr kumimoji="0" lang="pt-BR" sz="2000" b="0" i="0" u="none" strike="noStrike" kern="1200" cap="none" spc="0" normalizeH="0" baseline="0" noProof="0" dirty="0">
+              <a:ln>
+                <a:noFill/>
+              </a:ln>
+              <a:solidFill>
+                <a:prstClr val="white"/>
+              </a:solidFill>
+              <a:effectLst/>
+              <a:uLnTx/>
+              <a:uFillTx/>
+              <a:latin typeface="Avenir Next LT Pro"/>
+              <a:ea typeface="+mn-ea"/>
+              <a:cs typeface="+mn-cs"/>
+            </a:endParaRPr>
+          </a:p>
+        </p:txBody>
+      </p:sp>
+      <p:sp>
+        <p:nvSpPr>
+          <p:cNvPr id="41" name="Triângulo isósceles 1">
+            <a:extLst>
+              <a:ext uri="{FF2B5EF4-FFF2-40B4-BE49-F238E27FC236}">
+                <a16:creationId xmlns:a16="http://schemas.microsoft.com/office/drawing/2014/main" id="{D3957D18-6373-4C37-BDC6-1080B31CB35C}"/>
+              </a:ext>
+            </a:extLst>
+          </p:cNvPr>
+          <p:cNvSpPr/>
+          <p:nvPr/>
+        </p:nvSpPr>
+        <p:spPr>
+          <a:xfrm rot="5400000">
+            <a:off x="4724967" y="-4724966"/>
+            <a:ext cx="1349830" cy="10799763"/>
+          </a:xfrm>
+          <a:custGeom>
+            <a:avLst/>
+            <a:gdLst>
+              <a:gd name="connsiteX0" fmla="*/ 0 w 1349830"/>
+              <a:gd name="connsiteY0" fmla="*/ 10799763 h 10799763"/>
+              <a:gd name="connsiteX1" fmla="*/ 0 w 1349830"/>
+              <a:gd name="connsiteY1" fmla="*/ 0 h 10799763"/>
+              <a:gd name="connsiteX2" fmla="*/ 1349830 w 1349830"/>
+              <a:gd name="connsiteY2" fmla="*/ 10799763 h 10799763"/>
+              <a:gd name="connsiteX3" fmla="*/ 0 w 1349830"/>
+              <a:gd name="connsiteY3" fmla="*/ 10799763 h 10799763"/>
+              <a:gd name="connsiteX0" fmla="*/ 0 w 1349830"/>
+              <a:gd name="connsiteY0" fmla="*/ 10799763 h 10799763"/>
+              <a:gd name="connsiteX1" fmla="*/ 0 w 1349830"/>
+              <a:gd name="connsiteY1" fmla="*/ 0 h 10799763"/>
+              <a:gd name="connsiteX2" fmla="*/ 433141 w 1349830"/>
+              <a:gd name="connsiteY2" fmla="*/ 6060000 h 10799763"/>
+              <a:gd name="connsiteX3" fmla="*/ 1349830 w 1349830"/>
+              <a:gd name="connsiteY3" fmla="*/ 10799763 h 10799763"/>
+              <a:gd name="connsiteX4" fmla="*/ 0 w 1349830"/>
+              <a:gd name="connsiteY4" fmla="*/ 10799763 h 10799763"/>
+              <a:gd name="connsiteX0" fmla="*/ 0 w 1349830"/>
+              <a:gd name="connsiteY0" fmla="*/ 10799763 h 10799763"/>
+              <a:gd name="connsiteX1" fmla="*/ 0 w 1349830"/>
+              <a:gd name="connsiteY1" fmla="*/ 0 h 10799763"/>
+              <a:gd name="connsiteX2" fmla="*/ 433141 w 1349830"/>
+              <a:gd name="connsiteY2" fmla="*/ 6060000 h 10799763"/>
+              <a:gd name="connsiteX3" fmla="*/ 577519 w 1349830"/>
+              <a:gd name="connsiteY3" fmla="*/ 8682884 h 10799763"/>
+              <a:gd name="connsiteX4" fmla="*/ 1349830 w 1349830"/>
+              <a:gd name="connsiteY4" fmla="*/ 10799763 h 10799763"/>
+              <a:gd name="connsiteX5" fmla="*/ 0 w 1349830"/>
+              <a:gd name="connsiteY5" fmla="*/ 10799763 h 10799763"/>
+              <a:gd name="connsiteX0" fmla="*/ 0 w 1349830"/>
+              <a:gd name="connsiteY0" fmla="*/ 10799763 h 10799763"/>
+              <a:gd name="connsiteX1" fmla="*/ 0 w 1349830"/>
+              <a:gd name="connsiteY1" fmla="*/ 0 h 10799763"/>
+              <a:gd name="connsiteX2" fmla="*/ 300797 w 1349830"/>
+              <a:gd name="connsiteY2" fmla="*/ 6060000 h 10799763"/>
+              <a:gd name="connsiteX3" fmla="*/ 577519 w 1349830"/>
+              <a:gd name="connsiteY3" fmla="*/ 8682884 h 10799763"/>
+              <a:gd name="connsiteX4" fmla="*/ 1349830 w 1349830"/>
+              <a:gd name="connsiteY4" fmla="*/ 10799763 h 10799763"/>
+              <a:gd name="connsiteX5" fmla="*/ 0 w 1349830"/>
+              <a:gd name="connsiteY5" fmla="*/ 10799763 h 10799763"/>
+              <a:gd name="connsiteX0" fmla="*/ 0 w 1349830"/>
+              <a:gd name="connsiteY0" fmla="*/ 10799763 h 10799763"/>
+              <a:gd name="connsiteX1" fmla="*/ 0 w 1349830"/>
+              <a:gd name="connsiteY1" fmla="*/ 0 h 10799763"/>
+              <a:gd name="connsiteX2" fmla="*/ 300797 w 1349830"/>
+              <a:gd name="connsiteY2" fmla="*/ 6060000 h 10799763"/>
+              <a:gd name="connsiteX3" fmla="*/ 577519 w 1349830"/>
+              <a:gd name="connsiteY3" fmla="*/ 8682884 h 10799763"/>
+              <a:gd name="connsiteX4" fmla="*/ 1349830 w 1349830"/>
+              <a:gd name="connsiteY4" fmla="*/ 10799763 h 10799763"/>
+              <a:gd name="connsiteX5" fmla="*/ 0 w 1349830"/>
+              <a:gd name="connsiteY5" fmla="*/ 10799763 h 10799763"/>
+              <a:gd name="connsiteX0" fmla="*/ 0 w 1349830"/>
+              <a:gd name="connsiteY0" fmla="*/ 10799763 h 10799763"/>
+              <a:gd name="connsiteX1" fmla="*/ 0 w 1349830"/>
+              <a:gd name="connsiteY1" fmla="*/ 0 h 10799763"/>
+              <a:gd name="connsiteX2" fmla="*/ 300797 w 1349830"/>
+              <a:gd name="connsiteY2" fmla="*/ 6060000 h 10799763"/>
+              <a:gd name="connsiteX3" fmla="*/ 577519 w 1349830"/>
+              <a:gd name="connsiteY3" fmla="*/ 8682884 h 10799763"/>
+              <a:gd name="connsiteX4" fmla="*/ 1349830 w 1349830"/>
+              <a:gd name="connsiteY4" fmla="*/ 10799763 h 10799763"/>
+              <a:gd name="connsiteX5" fmla="*/ 0 w 1349830"/>
+              <a:gd name="connsiteY5" fmla="*/ 10799763 h 10799763"/>
+              <a:gd name="connsiteX0" fmla="*/ 0 w 1349830"/>
+              <a:gd name="connsiteY0" fmla="*/ 10799763 h 10799763"/>
+              <a:gd name="connsiteX1" fmla="*/ 0 w 1349830"/>
+              <a:gd name="connsiteY1" fmla="*/ 0 h 10799763"/>
+              <a:gd name="connsiteX2" fmla="*/ 300797 w 1349830"/>
+              <a:gd name="connsiteY2" fmla="*/ 6060000 h 10799763"/>
+              <a:gd name="connsiteX3" fmla="*/ 577519 w 1349830"/>
+              <a:gd name="connsiteY3" fmla="*/ 8682884 h 10799763"/>
+              <a:gd name="connsiteX4" fmla="*/ 1349830 w 1349830"/>
+              <a:gd name="connsiteY4" fmla="*/ 10799763 h 10799763"/>
+              <a:gd name="connsiteX5" fmla="*/ 0 w 1349830"/>
+              <a:gd name="connsiteY5" fmla="*/ 10799763 h 10799763"/>
+              <a:gd name="connsiteX0" fmla="*/ 0 w 1349830"/>
+              <a:gd name="connsiteY0" fmla="*/ 10799763 h 10799763"/>
+              <a:gd name="connsiteX1" fmla="*/ 0 w 1349830"/>
+              <a:gd name="connsiteY1" fmla="*/ 0 h 10799763"/>
+              <a:gd name="connsiteX2" fmla="*/ 300797 w 1349830"/>
+              <a:gd name="connsiteY2" fmla="*/ 6060000 h 10799763"/>
+              <a:gd name="connsiteX3" fmla="*/ 577519 w 1349830"/>
+              <a:gd name="connsiteY3" fmla="*/ 8682884 h 10799763"/>
+              <a:gd name="connsiteX4" fmla="*/ 1349830 w 1349830"/>
+              <a:gd name="connsiteY4" fmla="*/ 10799763 h 10799763"/>
+              <a:gd name="connsiteX5" fmla="*/ 0 w 1349830"/>
+              <a:gd name="connsiteY5" fmla="*/ 10799763 h 10799763"/>
+              <a:gd name="connsiteX0" fmla="*/ 0 w 1349830"/>
+              <a:gd name="connsiteY0" fmla="*/ 10799763 h 10799763"/>
+              <a:gd name="connsiteX1" fmla="*/ 0 w 1349830"/>
+              <a:gd name="connsiteY1" fmla="*/ 0 h 10799763"/>
+              <a:gd name="connsiteX2" fmla="*/ 300797 w 1349830"/>
+              <a:gd name="connsiteY2" fmla="*/ 6060000 h 10799763"/>
+              <a:gd name="connsiteX3" fmla="*/ 577519 w 1349830"/>
+              <a:gd name="connsiteY3" fmla="*/ 8682884 h 10799763"/>
+              <a:gd name="connsiteX4" fmla="*/ 1349830 w 1349830"/>
+              <a:gd name="connsiteY4" fmla="*/ 10799763 h 10799763"/>
+              <a:gd name="connsiteX5" fmla="*/ 0 w 1349830"/>
+              <a:gd name="connsiteY5" fmla="*/ 10799763 h 10799763"/>
+              <a:gd name="connsiteX0" fmla="*/ 0 w 1349830"/>
+              <a:gd name="connsiteY0" fmla="*/ 10799763 h 10799763"/>
+              <a:gd name="connsiteX1" fmla="*/ 0 w 1349830"/>
+              <a:gd name="connsiteY1" fmla="*/ 0 h 10799763"/>
+              <a:gd name="connsiteX2" fmla="*/ 300797 w 1349830"/>
+              <a:gd name="connsiteY2" fmla="*/ 6060000 h 10799763"/>
+              <a:gd name="connsiteX3" fmla="*/ 468339 w 1349830"/>
+              <a:gd name="connsiteY3" fmla="*/ 8682884 h 10799763"/>
+              <a:gd name="connsiteX4" fmla="*/ 1349830 w 1349830"/>
+              <a:gd name="connsiteY4" fmla="*/ 10799763 h 10799763"/>
+              <a:gd name="connsiteX5" fmla="*/ 0 w 1349830"/>
+              <a:gd name="connsiteY5" fmla="*/ 10799763 h 10799763"/>
+              <a:gd name="connsiteX0" fmla="*/ 0 w 1349830"/>
+              <a:gd name="connsiteY0" fmla="*/ 10799763 h 10799763"/>
+              <a:gd name="connsiteX1" fmla="*/ 0 w 1349830"/>
+              <a:gd name="connsiteY1" fmla="*/ 0 h 10799763"/>
+              <a:gd name="connsiteX2" fmla="*/ 273504 w 1349830"/>
+              <a:gd name="connsiteY2" fmla="*/ 6073647 h 10799763"/>
+              <a:gd name="connsiteX3" fmla="*/ 468339 w 1349830"/>
+              <a:gd name="connsiteY3" fmla="*/ 8682884 h 10799763"/>
+              <a:gd name="connsiteX4" fmla="*/ 1349830 w 1349830"/>
+              <a:gd name="connsiteY4" fmla="*/ 10799763 h 10799763"/>
+              <a:gd name="connsiteX5" fmla="*/ 0 w 1349830"/>
+              <a:gd name="connsiteY5" fmla="*/ 10799763 h 10799763"/>
+              <a:gd name="connsiteX0" fmla="*/ 0 w 1349830"/>
+              <a:gd name="connsiteY0" fmla="*/ 10799763 h 10799763"/>
+              <a:gd name="connsiteX1" fmla="*/ 0 w 1349830"/>
+              <a:gd name="connsiteY1" fmla="*/ 0 h 10799763"/>
+              <a:gd name="connsiteX2" fmla="*/ 273504 w 1349830"/>
+              <a:gd name="connsiteY2" fmla="*/ 6073647 h 10799763"/>
+              <a:gd name="connsiteX3" fmla="*/ 468339 w 1349830"/>
+              <a:gd name="connsiteY3" fmla="*/ 8682884 h 10799763"/>
+              <a:gd name="connsiteX4" fmla="*/ 1349830 w 1349830"/>
+              <a:gd name="connsiteY4" fmla="*/ 10799763 h 10799763"/>
+              <a:gd name="connsiteX5" fmla="*/ 0 w 1349830"/>
+              <a:gd name="connsiteY5" fmla="*/ 10799763 h 10799763"/>
+            </a:gdLst>
+            <a:ahLst/>
+            <a:cxnLst>
+              <a:cxn ang="0">
+                <a:pos x="connsiteX0" y="connsiteY0"/>
+              </a:cxn>
+              <a:cxn ang="0">
+                <a:pos x="connsiteX1" y="connsiteY1"/>
+              </a:cxn>
+              <a:cxn ang="0">
+                <a:pos x="connsiteX2" y="connsiteY2"/>
+              </a:cxn>
+              <a:cxn ang="0">
+                <a:pos x="connsiteX3" y="connsiteY3"/>
+              </a:cxn>
+              <a:cxn ang="0">
+                <a:pos x="connsiteX4" y="connsiteY4"/>
+              </a:cxn>
+              <a:cxn ang="0">
+                <a:pos x="connsiteX5" y="connsiteY5"/>
+              </a:cxn>
+            </a:cxnLst>
+            <a:rect l="l" t="t" r="r" b="b"/>
+            <a:pathLst>
+              <a:path w="1349830" h="10799763">
+                <a:moveTo>
+                  <a:pt x="0" y="10799763"/>
+                </a:moveTo>
+                <a:lnTo>
+                  <a:pt x="0" y="0"/>
+                </a:lnTo>
+                <a:cubicBezTo>
+                  <a:pt x="244642" y="1983905"/>
+                  <a:pt x="274522" y="3994206"/>
+                  <a:pt x="273504" y="6073647"/>
+                </a:cubicBezTo>
+                <a:cubicBezTo>
+                  <a:pt x="320735" y="7212936"/>
+                  <a:pt x="270990" y="7789254"/>
+                  <a:pt x="468339" y="8682884"/>
+                </a:cubicBezTo>
+                <a:cubicBezTo>
+                  <a:pt x="725778" y="9948068"/>
+                  <a:pt x="1092393" y="10094137"/>
+                  <a:pt x="1349830" y="10799763"/>
+                </a:cubicBezTo>
+                <a:lnTo>
+                  <a:pt x="0" y="10799763"/>
+                </a:lnTo>
+                <a:close/>
+              </a:path>
+            </a:pathLst>
+          </a:custGeom>
+          <a:gradFill flip="none" rotWithShape="1">
+            <a:gsLst>
+              <a:gs pos="0">
+                <a:srgbClr val="DEA900"/>
+              </a:gs>
+              <a:gs pos="34000">
+                <a:srgbClr val="FDAD08"/>
+              </a:gs>
+              <a:gs pos="68000">
+                <a:srgbClr val="FDBE41"/>
+              </a:gs>
+              <a:gs pos="100000">
+                <a:srgbClr val="FFDA65"/>
+              </a:gs>
+            </a:gsLst>
+            <a:lin ang="2700000" scaled="1"/>
+            <a:tileRect/>
+          </a:gradFill>
+          <a:ln>
+            <a:noFill/>
+          </a:ln>
+          <a:scene3d>
+            <a:camera prst="orthographicFront"/>
+            <a:lightRig rig="threePt" dir="t"/>
+          </a:scene3d>
+          <a:sp3d>
+            <a:bevelT/>
+          </a:sp3d>
+        </p:spPr>
+        <p:style>
+          <a:lnRef idx="2">
+            <a:schemeClr val="accent1">
+              <a:shade val="50000"/>
+            </a:schemeClr>
+          </a:lnRef>
+          <a:fillRef idx="1">
+            <a:schemeClr val="accent1"/>
+          </a:fillRef>
+          <a:effectRef idx="0">
+            <a:schemeClr val="accent1"/>
+          </a:effectRef>
+          <a:fontRef idx="minor">
+            <a:schemeClr val="lt1"/>
+          </a:fontRef>
+        </p:style>
+        <p:txBody>
+          <a:bodyPr rtlCol="0" anchor="ctr"/>
+          <a:lstStyle/>
+          <a:p>
+            <a:pPr algn="ctr"/>
+            <a:endParaRPr lang="pt-BR"/>
+          </a:p>
+        </p:txBody>
+      </p:sp>
+      <p:pic>
+        <p:nvPicPr>
+          <p:cNvPr id="44" name="Imagem 43">
+            <a:extLst>
+              <a:ext uri="{FF2B5EF4-FFF2-40B4-BE49-F238E27FC236}">
+                <a16:creationId xmlns:a16="http://schemas.microsoft.com/office/drawing/2014/main" id="{AC92BC92-0334-4708-810F-520EA6F74C81}"/>
+              </a:ext>
+            </a:extLst>
+          </p:cNvPr>
+          <p:cNvPicPr>
+            <a:picLocks noChangeAspect="1"/>
+          </p:cNvPicPr>
+          <p:nvPr/>
+        </p:nvPicPr>
+        <p:blipFill>
+          <a:blip r:embed="rId4">
+            <a:extLst>
+              <a:ext uri="{28A0092B-C50C-407E-A947-70E740481C1C}">
+                <a14:useLocalDpi xmlns:a14="http://schemas.microsoft.com/office/drawing/2010/main" val="0"/>
+              </a:ext>
+            </a:extLst>
+          </a:blip>
+          <a:stretch>
+            <a:fillRect/>
+          </a:stretch>
+        </p:blipFill>
+        <p:spPr>
+          <a:xfrm>
+            <a:off x="0" y="59613"/>
+            <a:ext cx="1800000" cy="2116555"/>
+          </a:xfrm>
+          <a:prstGeom prst="rect">
+            <a:avLst/>
+          </a:prstGeom>
+        </p:spPr>
+      </p:pic>
+      <p:sp>
+        <p:nvSpPr>
+          <p:cNvPr id="47" name="Triângulo isósceles 1">
+            <a:extLst>
+              <a:ext uri="{FF2B5EF4-FFF2-40B4-BE49-F238E27FC236}">
+                <a16:creationId xmlns:a16="http://schemas.microsoft.com/office/drawing/2014/main" id="{68CFE998-EC0C-4AAF-AAA5-279CE12A4425}"/>
+              </a:ext>
+            </a:extLst>
+          </p:cNvPr>
+          <p:cNvSpPr/>
+          <p:nvPr/>
+        </p:nvSpPr>
+        <p:spPr>
+          <a:xfrm rot="16200000">
+            <a:off x="4724966" y="4783786"/>
+            <a:ext cx="1349830" cy="10799763"/>
+          </a:xfrm>
+          <a:custGeom>
+            <a:avLst/>
+            <a:gdLst>
+              <a:gd name="connsiteX0" fmla="*/ 0 w 1349830"/>
+              <a:gd name="connsiteY0" fmla="*/ 10799763 h 10799763"/>
+              <a:gd name="connsiteX1" fmla="*/ 0 w 1349830"/>
+              <a:gd name="connsiteY1" fmla="*/ 0 h 10799763"/>
+              <a:gd name="connsiteX2" fmla="*/ 1349830 w 1349830"/>
+              <a:gd name="connsiteY2" fmla="*/ 10799763 h 10799763"/>
+              <a:gd name="connsiteX3" fmla="*/ 0 w 1349830"/>
+              <a:gd name="connsiteY3" fmla="*/ 10799763 h 10799763"/>
+              <a:gd name="connsiteX0" fmla="*/ 0 w 1349830"/>
+              <a:gd name="connsiteY0" fmla="*/ 10799763 h 10799763"/>
+              <a:gd name="connsiteX1" fmla="*/ 0 w 1349830"/>
+              <a:gd name="connsiteY1" fmla="*/ 0 h 10799763"/>
+              <a:gd name="connsiteX2" fmla="*/ 433141 w 1349830"/>
+              <a:gd name="connsiteY2" fmla="*/ 6060000 h 10799763"/>
+              <a:gd name="connsiteX3" fmla="*/ 1349830 w 1349830"/>
+              <a:gd name="connsiteY3" fmla="*/ 10799763 h 10799763"/>
+              <a:gd name="connsiteX4" fmla="*/ 0 w 1349830"/>
+              <a:gd name="connsiteY4" fmla="*/ 10799763 h 10799763"/>
+              <a:gd name="connsiteX0" fmla="*/ 0 w 1349830"/>
+              <a:gd name="connsiteY0" fmla="*/ 10799763 h 10799763"/>
+              <a:gd name="connsiteX1" fmla="*/ 0 w 1349830"/>
+              <a:gd name="connsiteY1" fmla="*/ 0 h 10799763"/>
+              <a:gd name="connsiteX2" fmla="*/ 433141 w 1349830"/>
+              <a:gd name="connsiteY2" fmla="*/ 6060000 h 10799763"/>
+              <a:gd name="connsiteX3" fmla="*/ 577519 w 1349830"/>
+              <a:gd name="connsiteY3" fmla="*/ 8682884 h 10799763"/>
+              <a:gd name="connsiteX4" fmla="*/ 1349830 w 1349830"/>
+              <a:gd name="connsiteY4" fmla="*/ 10799763 h 10799763"/>
+              <a:gd name="connsiteX5" fmla="*/ 0 w 1349830"/>
+              <a:gd name="connsiteY5" fmla="*/ 10799763 h 10799763"/>
+              <a:gd name="connsiteX0" fmla="*/ 0 w 1349830"/>
+              <a:gd name="connsiteY0" fmla="*/ 10799763 h 10799763"/>
+              <a:gd name="connsiteX1" fmla="*/ 0 w 1349830"/>
+              <a:gd name="connsiteY1" fmla="*/ 0 h 10799763"/>
+              <a:gd name="connsiteX2" fmla="*/ 300797 w 1349830"/>
+              <a:gd name="connsiteY2" fmla="*/ 6060000 h 10799763"/>
+              <a:gd name="connsiteX3" fmla="*/ 577519 w 1349830"/>
+              <a:gd name="connsiteY3" fmla="*/ 8682884 h 10799763"/>
+              <a:gd name="connsiteX4" fmla="*/ 1349830 w 1349830"/>
+              <a:gd name="connsiteY4" fmla="*/ 10799763 h 10799763"/>
+              <a:gd name="connsiteX5" fmla="*/ 0 w 1349830"/>
+              <a:gd name="connsiteY5" fmla="*/ 10799763 h 10799763"/>
+              <a:gd name="connsiteX0" fmla="*/ 0 w 1349830"/>
+              <a:gd name="connsiteY0" fmla="*/ 10799763 h 10799763"/>
+              <a:gd name="connsiteX1" fmla="*/ 0 w 1349830"/>
+              <a:gd name="connsiteY1" fmla="*/ 0 h 10799763"/>
+              <a:gd name="connsiteX2" fmla="*/ 300797 w 1349830"/>
+              <a:gd name="connsiteY2" fmla="*/ 6060000 h 10799763"/>
+              <a:gd name="connsiteX3" fmla="*/ 577519 w 1349830"/>
+              <a:gd name="connsiteY3" fmla="*/ 8682884 h 10799763"/>
+              <a:gd name="connsiteX4" fmla="*/ 1349830 w 1349830"/>
+              <a:gd name="connsiteY4" fmla="*/ 10799763 h 10799763"/>
+              <a:gd name="connsiteX5" fmla="*/ 0 w 1349830"/>
+              <a:gd name="connsiteY5" fmla="*/ 10799763 h 10799763"/>
+              <a:gd name="connsiteX0" fmla="*/ 0 w 1349830"/>
+              <a:gd name="connsiteY0" fmla="*/ 10799763 h 10799763"/>
+              <a:gd name="connsiteX1" fmla="*/ 0 w 1349830"/>
+              <a:gd name="connsiteY1" fmla="*/ 0 h 10799763"/>
+              <a:gd name="connsiteX2" fmla="*/ 300797 w 1349830"/>
+              <a:gd name="connsiteY2" fmla="*/ 6060000 h 10799763"/>
+              <a:gd name="connsiteX3" fmla="*/ 577519 w 1349830"/>
+              <a:gd name="connsiteY3" fmla="*/ 8682884 h 10799763"/>
+              <a:gd name="connsiteX4" fmla="*/ 1349830 w 1349830"/>
+              <a:gd name="connsiteY4" fmla="*/ 10799763 h 10799763"/>
+              <a:gd name="connsiteX5" fmla="*/ 0 w 1349830"/>
+              <a:gd name="connsiteY5" fmla="*/ 10799763 h 10799763"/>
+              <a:gd name="connsiteX0" fmla="*/ 0 w 1349830"/>
+              <a:gd name="connsiteY0" fmla="*/ 10799763 h 10799763"/>
+              <a:gd name="connsiteX1" fmla="*/ 0 w 1349830"/>
+              <a:gd name="connsiteY1" fmla="*/ 0 h 10799763"/>
+              <a:gd name="connsiteX2" fmla="*/ 300797 w 1349830"/>
+              <a:gd name="connsiteY2" fmla="*/ 6060000 h 10799763"/>
+              <a:gd name="connsiteX3" fmla="*/ 577519 w 1349830"/>
+              <a:gd name="connsiteY3" fmla="*/ 8682884 h 10799763"/>
+              <a:gd name="connsiteX4" fmla="*/ 1349830 w 1349830"/>
+              <a:gd name="connsiteY4" fmla="*/ 10799763 h 10799763"/>
+              <a:gd name="connsiteX5" fmla="*/ 0 w 1349830"/>
+              <a:gd name="connsiteY5" fmla="*/ 10799763 h 10799763"/>
+              <a:gd name="connsiteX0" fmla="*/ 0 w 1349830"/>
+              <a:gd name="connsiteY0" fmla="*/ 10799763 h 10799763"/>
+              <a:gd name="connsiteX1" fmla="*/ 0 w 1349830"/>
+              <a:gd name="connsiteY1" fmla="*/ 0 h 10799763"/>
+              <a:gd name="connsiteX2" fmla="*/ 300797 w 1349830"/>
+              <a:gd name="connsiteY2" fmla="*/ 6060000 h 10799763"/>
+              <a:gd name="connsiteX3" fmla="*/ 577519 w 1349830"/>
+              <a:gd name="connsiteY3" fmla="*/ 8682884 h 10799763"/>
+              <a:gd name="connsiteX4" fmla="*/ 1349830 w 1349830"/>
+              <a:gd name="connsiteY4" fmla="*/ 10799763 h 10799763"/>
+              <a:gd name="connsiteX5" fmla="*/ 0 w 1349830"/>
+              <a:gd name="connsiteY5" fmla="*/ 10799763 h 10799763"/>
+              <a:gd name="connsiteX0" fmla="*/ 0 w 1349830"/>
+              <a:gd name="connsiteY0" fmla="*/ 10799763 h 10799763"/>
+              <a:gd name="connsiteX1" fmla="*/ 0 w 1349830"/>
+              <a:gd name="connsiteY1" fmla="*/ 0 h 10799763"/>
+              <a:gd name="connsiteX2" fmla="*/ 300797 w 1349830"/>
+              <a:gd name="connsiteY2" fmla="*/ 6060000 h 10799763"/>
+              <a:gd name="connsiteX3" fmla="*/ 577519 w 1349830"/>
+              <a:gd name="connsiteY3" fmla="*/ 8682884 h 10799763"/>
+              <a:gd name="connsiteX4" fmla="*/ 1349830 w 1349830"/>
+              <a:gd name="connsiteY4" fmla="*/ 10799763 h 10799763"/>
+              <a:gd name="connsiteX5" fmla="*/ 0 w 1349830"/>
+              <a:gd name="connsiteY5" fmla="*/ 10799763 h 10799763"/>
+              <a:gd name="connsiteX0" fmla="*/ 0 w 1349830"/>
+              <a:gd name="connsiteY0" fmla="*/ 10799763 h 10799763"/>
+              <a:gd name="connsiteX1" fmla="*/ 0 w 1349830"/>
+              <a:gd name="connsiteY1" fmla="*/ 0 h 10799763"/>
+              <a:gd name="connsiteX2" fmla="*/ 300797 w 1349830"/>
+              <a:gd name="connsiteY2" fmla="*/ 6060000 h 10799763"/>
+              <a:gd name="connsiteX3" fmla="*/ 468339 w 1349830"/>
+              <a:gd name="connsiteY3" fmla="*/ 8682884 h 10799763"/>
+              <a:gd name="connsiteX4" fmla="*/ 1349830 w 1349830"/>
+              <a:gd name="connsiteY4" fmla="*/ 10799763 h 10799763"/>
+              <a:gd name="connsiteX5" fmla="*/ 0 w 1349830"/>
+              <a:gd name="connsiteY5" fmla="*/ 10799763 h 10799763"/>
+              <a:gd name="connsiteX0" fmla="*/ 0 w 1349830"/>
+              <a:gd name="connsiteY0" fmla="*/ 10799763 h 10799763"/>
+              <a:gd name="connsiteX1" fmla="*/ 0 w 1349830"/>
+              <a:gd name="connsiteY1" fmla="*/ 0 h 10799763"/>
+              <a:gd name="connsiteX2" fmla="*/ 273504 w 1349830"/>
+              <a:gd name="connsiteY2" fmla="*/ 6073647 h 10799763"/>
+              <a:gd name="connsiteX3" fmla="*/ 468339 w 1349830"/>
+              <a:gd name="connsiteY3" fmla="*/ 8682884 h 10799763"/>
+              <a:gd name="connsiteX4" fmla="*/ 1349830 w 1349830"/>
+              <a:gd name="connsiteY4" fmla="*/ 10799763 h 10799763"/>
+              <a:gd name="connsiteX5" fmla="*/ 0 w 1349830"/>
+              <a:gd name="connsiteY5" fmla="*/ 10799763 h 10799763"/>
+              <a:gd name="connsiteX0" fmla="*/ 0 w 1349830"/>
+              <a:gd name="connsiteY0" fmla="*/ 10799763 h 10799763"/>
+              <a:gd name="connsiteX1" fmla="*/ 0 w 1349830"/>
+              <a:gd name="connsiteY1" fmla="*/ 0 h 10799763"/>
+              <a:gd name="connsiteX2" fmla="*/ 273504 w 1349830"/>
+              <a:gd name="connsiteY2" fmla="*/ 6073647 h 10799763"/>
+              <a:gd name="connsiteX3" fmla="*/ 468339 w 1349830"/>
+              <a:gd name="connsiteY3" fmla="*/ 8682884 h 10799763"/>
+              <a:gd name="connsiteX4" fmla="*/ 1349830 w 1349830"/>
+              <a:gd name="connsiteY4" fmla="*/ 10799763 h 10799763"/>
+              <a:gd name="connsiteX5" fmla="*/ 0 w 1349830"/>
+              <a:gd name="connsiteY5" fmla="*/ 10799763 h 10799763"/>
+            </a:gdLst>
+            <a:ahLst/>
+            <a:cxnLst>
+              <a:cxn ang="0">
+                <a:pos x="connsiteX0" y="connsiteY0"/>
+              </a:cxn>
+              <a:cxn ang="0">
+                <a:pos x="connsiteX1" y="connsiteY1"/>
+              </a:cxn>
+              <a:cxn ang="0">
+                <a:pos x="connsiteX2" y="connsiteY2"/>
+              </a:cxn>
+              <a:cxn ang="0">
+                <a:pos x="connsiteX3" y="connsiteY3"/>
+              </a:cxn>
+              <a:cxn ang="0">
+                <a:pos x="connsiteX4" y="connsiteY4"/>
+              </a:cxn>
+              <a:cxn ang="0">
+                <a:pos x="connsiteX5" y="connsiteY5"/>
+              </a:cxn>
+            </a:cxnLst>
+            <a:rect l="l" t="t" r="r" b="b"/>
+            <a:pathLst>
+              <a:path w="1349830" h="10799763">
+                <a:moveTo>
+                  <a:pt x="0" y="10799763"/>
+                </a:moveTo>
+                <a:lnTo>
+                  <a:pt x="0" y="0"/>
+                </a:lnTo>
+                <a:cubicBezTo>
+                  <a:pt x="244642" y="1983905"/>
+                  <a:pt x="274522" y="3994206"/>
+                  <a:pt x="273504" y="6073647"/>
+                </a:cubicBezTo>
+                <a:cubicBezTo>
+                  <a:pt x="320735" y="7212936"/>
+                  <a:pt x="270990" y="7789254"/>
+                  <a:pt x="468339" y="8682884"/>
+                </a:cubicBezTo>
+                <a:cubicBezTo>
+                  <a:pt x="725778" y="9948068"/>
+                  <a:pt x="1092393" y="10094137"/>
+                  <a:pt x="1349830" y="10799763"/>
+                </a:cubicBezTo>
+                <a:lnTo>
+                  <a:pt x="0" y="10799763"/>
+                </a:lnTo>
+                <a:close/>
+              </a:path>
+            </a:pathLst>
+          </a:custGeom>
+          <a:gradFill flip="none" rotWithShape="1">
+            <a:gsLst>
+              <a:gs pos="0">
+                <a:srgbClr val="DEA900"/>
+              </a:gs>
+              <a:gs pos="34000">
+                <a:srgbClr val="FDAD08"/>
+              </a:gs>
+              <a:gs pos="68000">
+                <a:srgbClr val="FDBE41"/>
+              </a:gs>
+              <a:gs pos="100000">
+                <a:srgbClr val="FFDA65"/>
+              </a:gs>
+            </a:gsLst>
+            <a:lin ang="2700000" scaled="1"/>
+            <a:tileRect/>
+          </a:gradFill>
+          <a:ln>
+            <a:noFill/>
+          </a:ln>
+          <a:scene3d>
+            <a:camera prst="orthographicFront"/>
+            <a:lightRig rig="threePt" dir="t"/>
+          </a:scene3d>
+          <a:sp3d>
+            <a:bevelT/>
+          </a:sp3d>
+        </p:spPr>
+        <p:style>
+          <a:lnRef idx="2">
+            <a:schemeClr val="accent1">
+              <a:shade val="50000"/>
+            </a:schemeClr>
+          </a:lnRef>
+          <a:fillRef idx="1">
+            <a:schemeClr val="accent1"/>
+          </a:fillRef>
+          <a:effectRef idx="0">
+            <a:schemeClr val="accent1"/>
+          </a:effectRef>
+          <a:fontRef idx="minor">
+            <a:schemeClr val="lt1"/>
+          </a:fontRef>
+        </p:style>
+        <p:txBody>
+          <a:bodyPr rtlCol="0" anchor="ctr"/>
+          <a:lstStyle/>
+          <a:p>
+            <a:pPr algn="ctr"/>
+            <a:endParaRPr lang="pt-BR"/>
+          </a:p>
+        </p:txBody>
+      </p:sp>
+      <p:sp>
+        <p:nvSpPr>
+          <p:cNvPr id="15" name="Retângulo 14">
+            <a:extLst>
+              <a:ext uri="{FF2B5EF4-FFF2-40B4-BE49-F238E27FC236}">
+                <a16:creationId xmlns:a16="http://schemas.microsoft.com/office/drawing/2014/main" id="{861C7C90-5748-4EB6-AB27-09D92E92DA21}"/>
+              </a:ext>
+            </a:extLst>
+          </p:cNvPr>
+          <p:cNvSpPr/>
+          <p:nvPr/>
+        </p:nvSpPr>
+        <p:spPr>
+          <a:xfrm>
+            <a:off x="931650" y="193340"/>
+            <a:ext cx="10736463" cy="1569660"/>
+          </a:xfrm>
+          <a:prstGeom prst="rect">
+            <a:avLst/>
+          </a:prstGeom>
+          <a:noFill/>
+        </p:spPr>
+        <p:txBody>
+          <a:bodyPr wrap="square" lIns="91440" tIns="45720" rIns="91440" bIns="45720">
+            <a:spAutoFit/>
+          </a:bodyPr>
+          <a:lstStyle/>
+          <a:p>
+            <a:pPr algn="ctr"/>
+            <a:r>
+              <a:rPr lang="pt-BR" sz="9600" b="0" cap="none" spc="0" dirty="0">
+                <a:ln w="38100">
+                  <a:solidFill>
+                    <a:schemeClr val="bg1"/>
+                  </a:solidFill>
+                </a:ln>
+                <a:solidFill>
+                  <a:srgbClr val="00B050"/>
+                </a:solidFill>
+                <a:effectLst>
+                  <a:outerShdw blurRad="38100" dist="19050" dir="2700000" algn="tl" rotWithShape="0">
+                    <a:schemeClr val="dk1">
+                      <a:alpha val="40000"/>
+                    </a:schemeClr>
+                  </a:outerShdw>
+                </a:effectLst>
+                <a:latin typeface="Exo 2 Extra Bold" panose="00000900000000000000" pitchFamily="50" charset="0"/>
+              </a:rPr>
+              <a:t>Liga Principal</a:t>
+            </a:r>
+          </a:p>
+        </p:txBody>
+      </p:sp>
+      <p:sp>
+        <p:nvSpPr>
+          <p:cNvPr id="18" name="Retângulo 17">
+            <a:extLst>
+              <a:ext uri="{FF2B5EF4-FFF2-40B4-BE49-F238E27FC236}">
+                <a16:creationId xmlns:a16="http://schemas.microsoft.com/office/drawing/2014/main" id="{F6DB3AFB-FC09-4ACF-A353-83560CA9E36E}"/>
+              </a:ext>
+            </a:extLst>
+          </p:cNvPr>
+          <p:cNvSpPr/>
+          <p:nvPr/>
+        </p:nvSpPr>
+        <p:spPr>
+          <a:xfrm>
+            <a:off x="5544896" y="1598457"/>
+            <a:ext cx="5016297" cy="830997"/>
+          </a:xfrm>
+          <a:prstGeom prst="rect">
+            <a:avLst/>
+          </a:prstGeom>
+          <a:noFill/>
+        </p:spPr>
+        <p:txBody>
+          <a:bodyPr wrap="square" lIns="91440" tIns="45720" rIns="91440" bIns="45720">
+            <a:spAutoFit/>
+          </a:bodyPr>
+          <a:lstStyle/>
+          <a:p>
+            <a:pPr algn="ctr"/>
+            <a:r>
+              <a:rPr lang="pt-BR" sz="4800" b="0" cap="none" spc="0" dirty="0">
+                <a:ln w="0">
+                  <a:noFill/>
+                </a:ln>
+                <a:solidFill>
+                  <a:schemeClr val="bg1"/>
+                </a:solidFill>
+                <a:effectLst>
+                  <a:outerShdw blurRad="38100" dist="19050" dir="2700000" algn="tl" rotWithShape="0">
+                    <a:schemeClr val="dk1">
+                      <a:alpha val="40000"/>
+                    </a:schemeClr>
+                  </a:outerShdw>
+                </a:effectLst>
+                <a:latin typeface="Exo 2 Extra Bold" panose="00000900000000000000" pitchFamily="50" charset="0"/>
+              </a:rPr>
+              <a:t>Mata-mata #01</a:t>
+            </a:r>
+          </a:p>
+        </p:txBody>
+      </p:sp>
+      <p:pic>
+        <p:nvPicPr>
+          <p:cNvPr id="2" name="Imagem 1">
+            <a:extLst>
+              <a:ext uri="{FF2B5EF4-FFF2-40B4-BE49-F238E27FC236}">
+                <a16:creationId xmlns:a16="http://schemas.microsoft.com/office/drawing/2014/main" id="{C2927A04-6BBB-4384-B707-F1B5CB5DD7AD}"/>
+              </a:ext>
+            </a:extLst>
+          </p:cNvPr>
+          <p:cNvPicPr>
+            <a:picLocks noChangeAspect="1"/>
+          </p:cNvPicPr>
+          <p:nvPr/>
+        </p:nvPicPr>
+        <p:blipFill>
+          <a:blip r:embed="rId5"/>
+          <a:stretch>
+            <a:fillRect/>
+          </a:stretch>
+        </p:blipFill>
+        <p:spPr>
+          <a:xfrm>
+            <a:off x="2377342" y="3791832"/>
+            <a:ext cx="6083995" cy="3240000"/>
+          </a:xfrm>
+          <a:prstGeom prst="rect">
+            <a:avLst/>
+          </a:prstGeom>
+        </p:spPr>
+      </p:pic>
+    </p:spTree>
+    <p:extLst>
+      <p:ext uri="{BB962C8B-B14F-4D97-AF65-F5344CB8AC3E}">
+        <p14:creationId xmlns:p14="http://schemas.microsoft.com/office/powerpoint/2010/main" val="895674492"/>
+      </p:ext>
+    </p:extLst>
+  </p:cSld>
+  <p:clrMapOvr>
+    <a:masterClrMapping/>
+  </p:clrMapOvr>
+</p:sld>
+</file>
+
+<file path=ppt/slides/slide8.xml><?xml version="1.0" encoding="utf-8"?>
+<p:sld xmlns:a="http://schemas.openxmlformats.org/drawingml/2006/main" xmlns:r="http://schemas.openxmlformats.org/officeDocument/2006/relationships" xmlns:p="http://schemas.openxmlformats.org/presentationml/2006/main">
+  <p:cSld>
+    <p:bg>
+      <p:bgPr>
+        <a:solidFill>
+          <a:schemeClr val="bg1"/>
+        </a:solidFill>
+        <a:effectLst/>
+      </p:bgPr>
+    </p:bg>
+    <p:spTree>
+      <p:nvGrpSpPr>
+        <p:cNvPr id="1" name=""/>
+        <p:cNvGrpSpPr/>
+        <p:nvPr/>
+      </p:nvGrpSpPr>
+      <p:grpSpPr>
+        <a:xfrm>
+          <a:off x="0" y="0"/>
+          <a:ext cx="0" cy="0"/>
+          <a:chOff x="0" y="0"/>
+          <a:chExt cx="0" cy="0"/>
+        </a:xfrm>
+      </p:grpSpPr>
+      <p:sp>
+        <p:nvSpPr>
+          <p:cNvPr id="13" name="Rectangle 9">
+            <a:extLst>
+              <a:ext uri="{FF2B5EF4-FFF2-40B4-BE49-F238E27FC236}">
+                <a16:creationId xmlns:a16="http://schemas.microsoft.com/office/drawing/2014/main" id="{0BABF38A-8A0D-492E-BD20-6CF4D46B50BD}"/>
+              </a:ext>
+              <a:ext uri="{C183D7F6-B498-43B3-948B-1728B52AA6E4}">
+                <adec:decorative xmlns:adec="http://schemas.microsoft.com/office/drawing/2017/decorative" val="1"/>
+              </a:ext>
+            </a:extLst>
+          </p:cNvPr>
+          <p:cNvSpPr>
+            <a:spLocks noGrp="1" noRot="1" noChangeAspect="1" noMove="1" noResize="1" noEditPoints="1" noAdjustHandles="1" noChangeArrowheads="1" noChangeShapeType="1" noTextEdit="1"/>
+          </p:cNvSpPr>
+          <p:nvPr>
+            <p:extLst>
+              <p:ext uri="{386F3935-93C4-4BCD-93E2-E3B085C9AB24}">
+                <p16:designElem xmlns:p16="http://schemas.microsoft.com/office/powerpoint/2015/main" val="1"/>
+              </p:ext>
+            </p:extLst>
+          </p:nvPr>
+        </p:nvSpPr>
+        <p:spPr>
+          <a:xfrm>
+            <a:off x="-1" y="2362448"/>
+            <a:ext cx="10799763" cy="6074870"/>
+          </a:xfrm>
+          <a:prstGeom prst="rect">
+            <a:avLst/>
+          </a:prstGeom>
+          <a:solidFill>
+            <a:schemeClr val="bg2">
+              <a:lumMod val="90000"/>
+              <a:alpha val="70000"/>
+            </a:schemeClr>
+          </a:solidFill>
+          <a:ln>
+            <a:noFill/>
+          </a:ln>
+        </p:spPr>
+        <p:style>
+          <a:lnRef idx="2">
+            <a:schemeClr val="accent1">
+              <a:shade val="50000"/>
+            </a:schemeClr>
+          </a:lnRef>
+          <a:fillRef idx="1">
+            <a:schemeClr val="accent1"/>
+          </a:fillRef>
+          <a:effectRef idx="0">
+            <a:schemeClr val="accent1"/>
+          </a:effectRef>
+          <a:fontRef idx="minor">
+            <a:schemeClr val="lt1"/>
+          </a:fontRef>
+        </p:style>
+        <p:txBody>
+          <a:bodyPr rtlCol="0" anchor="ctr"/>
+          <a:lstStyle/>
+          <a:p>
+            <a:pPr marL="0" marR="0" lvl="0" indent="0" algn="ctr" defTabSz="914400" rtl="0" eaLnBrk="1" fontAlgn="auto" latinLnBrk="0" hangingPunct="1">
+              <a:lnSpc>
+                <a:spcPct val="100000"/>
+              </a:lnSpc>
+              <a:spcBef>
+                <a:spcPts val="0"/>
+              </a:spcBef>
+              <a:spcAft>
+                <a:spcPts val="0"/>
+              </a:spcAft>
+              <a:buClrTx/>
+              <a:buSzTx/>
+              <a:buFontTx/>
+              <a:buNone/>
+              <a:tabLst/>
+              <a:defRPr/>
+            </a:pPr>
+            <a:endParaRPr kumimoji="0" lang="en-US" sz="1594" b="0" i="0" u="none" strike="noStrike" kern="1200" cap="none" spc="0" normalizeH="0" baseline="0" noProof="0" dirty="0">
+              <a:ln>
+                <a:noFill/>
+              </a:ln>
+              <a:solidFill>
+                <a:prstClr val="black">
+                  <a:lumMod val="65000"/>
+                  <a:lumOff val="35000"/>
+                </a:prstClr>
+              </a:solidFill>
+              <a:effectLst/>
+              <a:uLnTx/>
+              <a:uFillTx/>
+              <a:latin typeface="AvenirNext LT Pro Medium" panose="020B0504020202020204" pitchFamily="34" charset="0"/>
+              <a:ea typeface="+mn-ea"/>
+              <a:cs typeface="+mn-cs"/>
+            </a:endParaRPr>
+          </a:p>
+        </p:txBody>
+      </p:sp>
+      <p:pic>
+        <p:nvPicPr>
+          <p:cNvPr id="12" name="Picture 11">
+            <a:extLst>
+              <a:ext uri="{FF2B5EF4-FFF2-40B4-BE49-F238E27FC236}">
+                <a16:creationId xmlns:a16="http://schemas.microsoft.com/office/drawing/2014/main" id="{BC526B7A-4801-4FD1-95C8-03AF22629E87}"/>
+              </a:ext>
+              <a:ext uri="{C183D7F6-B498-43B3-948B-1728B52AA6E4}">
+                <adec:decorative xmlns:adec="http://schemas.microsoft.com/office/drawing/2017/decorative" val="1"/>
+              </a:ext>
+            </a:extLst>
+          </p:cNvPr>
+          <p:cNvPicPr>
+            <a:picLocks noGrp="1" noRot="1" noChangeAspect="1" noMove="1" noResize="1" noEditPoints="1" noAdjustHandles="1" noChangeArrowheads="1" noChangeShapeType="1" noCrop="1"/>
+          </p:cNvPicPr>
+          <p:nvPr>
+            <p:extLst>
+              <p:ext uri="{386F3935-93C4-4BCD-93E2-E3B085C9AB24}">
+                <p16:designElem xmlns:p16="http://schemas.microsoft.com/office/powerpoint/2015/main" val="1"/>
+              </p:ext>
+            </p:extLst>
+          </p:nvPr>
+        </p:nvPicPr>
+        <p:blipFill>
+          <a:blip r:embed="rId2">
+            <a:alphaModFix amt="10000"/>
+            <a:extLst>
+              <a:ext uri="{28A0092B-C50C-407E-A947-70E740481C1C}">
+                <a14:useLocalDpi xmlns:a14="http://schemas.microsoft.com/office/drawing/2010/main" val="0"/>
+              </a:ext>
+            </a:extLst>
+          </a:blip>
+          <a:stretch>
+            <a:fillRect/>
+          </a:stretch>
+        </p:blipFill>
+        <p:spPr>
+          <a:xfrm>
+            <a:off x="7559833" y="2362448"/>
+            <a:ext cx="3237282" cy="4052877"/>
+          </a:xfrm>
+          <a:prstGeom prst="rect">
+            <a:avLst/>
+          </a:prstGeom>
+        </p:spPr>
+      </p:pic>
+      <p:sp useBgFill="1">
+        <p:nvSpPr>
+          <p:cNvPr id="14" name="Rectangle 13">
+            <a:extLst>
+              <a:ext uri="{FF2B5EF4-FFF2-40B4-BE49-F238E27FC236}">
+                <a16:creationId xmlns:a16="http://schemas.microsoft.com/office/drawing/2014/main" id="{37FDDF72-DE39-4F99-A3C1-DD9D7815D7DB}"/>
+              </a:ext>
+              <a:ext uri="{C183D7F6-B498-43B3-948B-1728B52AA6E4}">
+                <adec:decorative xmlns:adec="http://schemas.microsoft.com/office/drawing/2017/decorative" val="1"/>
+              </a:ext>
+            </a:extLst>
+          </p:cNvPr>
+          <p:cNvSpPr>
+            <a:spLocks noGrp="1" noRot="1" noChangeAspect="1" noMove="1" noResize="1" noEditPoints="1" noAdjustHandles="1" noChangeArrowheads="1" noChangeShapeType="1" noTextEdit="1"/>
+          </p:cNvSpPr>
+          <p:nvPr>
+            <p:extLst>
+              <p:ext uri="{386F3935-93C4-4BCD-93E2-E3B085C9AB24}">
+                <p16:designElem xmlns:p16="http://schemas.microsoft.com/office/powerpoint/2015/main" val="1"/>
+              </p:ext>
+            </p:extLst>
+          </p:nvPr>
+        </p:nvSpPr>
+        <p:spPr>
+          <a:xfrm>
+            <a:off x="-1" y="2362448"/>
+            <a:ext cx="10799763" cy="6074866"/>
+          </a:xfrm>
+          <a:prstGeom prst="rect">
+            <a:avLst/>
+          </a:prstGeom>
+          <a:ln>
+            <a:noFill/>
+          </a:ln>
+        </p:spPr>
+        <p:style>
+          <a:lnRef idx="2">
+            <a:schemeClr val="accent1">
+              <a:shade val="50000"/>
+            </a:schemeClr>
+          </a:lnRef>
+          <a:fillRef idx="1">
+            <a:schemeClr val="accent1"/>
+          </a:fillRef>
+          <a:effectRef idx="0">
+            <a:schemeClr val="accent1"/>
+          </a:effectRef>
+          <a:fontRef idx="minor">
+            <a:schemeClr val="lt1"/>
+          </a:fontRef>
+        </p:style>
+        <p:txBody>
+          <a:bodyPr rtlCol="0" anchor="ctr"/>
+          <a:lstStyle/>
+          <a:p>
+            <a:pPr marL="0" marR="0" lvl="0" indent="0" algn="ctr" defTabSz="914400" rtl="0" eaLnBrk="1" fontAlgn="auto" latinLnBrk="0" hangingPunct="1">
+              <a:lnSpc>
+                <a:spcPct val="100000"/>
+              </a:lnSpc>
+              <a:spcBef>
+                <a:spcPts val="0"/>
+              </a:spcBef>
+              <a:spcAft>
+                <a:spcPts val="0"/>
+              </a:spcAft>
+              <a:buClrTx/>
+              <a:buSzTx/>
+              <a:buFontTx/>
+              <a:buNone/>
+              <a:tabLst/>
+              <a:defRPr/>
+            </a:pPr>
+            <a:endParaRPr kumimoji="0" lang="en-US" sz="1594" b="0" i="0" u="none" strike="noStrike" kern="1200" cap="none" spc="0" normalizeH="0" baseline="0" noProof="0" dirty="0">
+              <a:ln>
+                <a:noFill/>
+              </a:ln>
+              <a:solidFill>
+                <a:prstClr val="black">
+                  <a:lumMod val="65000"/>
+                  <a:lumOff val="35000"/>
+                </a:prstClr>
+              </a:solidFill>
+              <a:effectLst/>
+              <a:uLnTx/>
+              <a:uFillTx/>
+              <a:latin typeface="AvenirNext LT Pro Medium" panose="020B0504020202020204" pitchFamily="34" charset="0"/>
+              <a:ea typeface="+mn-ea"/>
+              <a:cs typeface="+mn-cs"/>
+            </a:endParaRPr>
+          </a:p>
+        </p:txBody>
+      </p:sp>
+      <p:sp>
+        <p:nvSpPr>
+          <p:cNvPr id="16" name="Rectangle 15">
+            <a:extLst>
+              <a:ext uri="{FF2B5EF4-FFF2-40B4-BE49-F238E27FC236}">
+                <a16:creationId xmlns:a16="http://schemas.microsoft.com/office/drawing/2014/main" id="{5E4ECE80-3AD1-450C-B62A-98788F193948}"/>
+              </a:ext>
+              <a:ext uri="{C183D7F6-B498-43B3-948B-1728B52AA6E4}">
+                <adec:decorative xmlns:adec="http://schemas.microsoft.com/office/drawing/2017/decorative" val="1"/>
+              </a:ext>
+            </a:extLst>
+          </p:cNvPr>
+          <p:cNvSpPr>
+            <a:spLocks noGrp="1" noRot="1" noChangeAspect="1" noMove="1" noResize="1" noEditPoints="1" noAdjustHandles="1" noChangeArrowheads="1" noChangeShapeType="1" noTextEdit="1"/>
+          </p:cNvSpPr>
+          <p:nvPr>
+            <p:extLst>
+              <p:ext uri="{386F3935-93C4-4BCD-93E2-E3B085C9AB24}">
+                <p16:designElem xmlns:p16="http://schemas.microsoft.com/office/powerpoint/2015/main" val="1"/>
+              </p:ext>
+            </p:extLst>
+          </p:nvPr>
+        </p:nvSpPr>
+        <p:spPr>
+          <a:xfrm>
+            <a:off x="-1" y="2362448"/>
+            <a:ext cx="10799763" cy="6074866"/>
+          </a:xfrm>
+          <a:prstGeom prst="rect">
+            <a:avLst/>
+          </a:prstGeom>
+          <a:solidFill>
+            <a:srgbClr val="000000"/>
+          </a:solidFill>
+          <a:ln>
+            <a:noFill/>
+          </a:ln>
+        </p:spPr>
+        <p:style>
+          <a:lnRef idx="2">
+            <a:schemeClr val="accent1">
+              <a:shade val="50000"/>
+            </a:schemeClr>
+          </a:lnRef>
+          <a:fillRef idx="1">
+            <a:schemeClr val="accent1"/>
+          </a:fillRef>
+          <a:effectRef idx="0">
+            <a:schemeClr val="accent1"/>
+          </a:effectRef>
+          <a:fontRef idx="minor">
+            <a:schemeClr val="lt1"/>
+          </a:fontRef>
+        </p:style>
+        <p:txBody>
+          <a:bodyPr rtlCol="0" anchor="ctr"/>
+          <a:lstStyle/>
+          <a:p>
+            <a:pPr marL="0" marR="0" lvl="0" indent="0" algn="ctr" defTabSz="914400" rtl="0" eaLnBrk="1" fontAlgn="auto" latinLnBrk="0" hangingPunct="1">
+              <a:lnSpc>
+                <a:spcPct val="100000"/>
+              </a:lnSpc>
+              <a:spcBef>
+                <a:spcPts val="0"/>
+              </a:spcBef>
+              <a:spcAft>
+                <a:spcPts val="0"/>
+              </a:spcAft>
+              <a:buClrTx/>
+              <a:buSzTx/>
+              <a:buFontTx/>
+              <a:buNone/>
+              <a:tabLst/>
+              <a:defRPr/>
+            </a:pPr>
+            <a:endParaRPr kumimoji="0" lang="en-US" sz="1594" b="0" i="0" u="none" strike="noStrike" kern="1200" cap="none" spc="0" normalizeH="0" baseline="0" noProof="0" dirty="0">
+              <a:ln>
+                <a:noFill/>
+              </a:ln>
+              <a:solidFill>
+                <a:prstClr val="black">
+                  <a:lumMod val="65000"/>
+                  <a:lumOff val="35000"/>
+                </a:prstClr>
+              </a:solidFill>
+              <a:effectLst/>
+              <a:uLnTx/>
+              <a:uFillTx/>
+              <a:latin typeface="AvenirNext LT Pro Medium" panose="020B0504020202020204" pitchFamily="34" charset="0"/>
+              <a:ea typeface="+mn-ea"/>
+              <a:cs typeface="+mn-cs"/>
+            </a:endParaRPr>
+          </a:p>
+        </p:txBody>
+      </p:sp>
+      <p:pic>
+        <p:nvPicPr>
+          <p:cNvPr id="5" name="Imagem 4">
+            <a:extLst>
+              <a:ext uri="{FF2B5EF4-FFF2-40B4-BE49-F238E27FC236}">
+                <a16:creationId xmlns:a16="http://schemas.microsoft.com/office/drawing/2014/main" id="{F1433EF1-FB6D-4913-96C9-08F0B1B3CA7A}"/>
+              </a:ext>
+            </a:extLst>
+          </p:cNvPr>
+          <p:cNvPicPr>
+            <a:picLocks noChangeAspect="1"/>
+          </p:cNvPicPr>
+          <p:nvPr/>
+        </p:nvPicPr>
+        <p:blipFill rotWithShape="1">
+          <a:blip r:embed="rId3">
+            <a:alphaModFix/>
+            <a:extLst>
+              <a:ext uri="{28A0092B-C50C-407E-A947-70E740481C1C}">
+                <a14:useLocalDpi xmlns:a14="http://schemas.microsoft.com/office/drawing/2010/main" val="0"/>
+              </a:ext>
+            </a:extLst>
+          </a:blip>
+          <a:srcRect l="21682" t="7086" r="22004" b="8663"/>
+          <a:stretch/>
+        </p:blipFill>
+        <p:spPr>
+          <a:xfrm>
+            <a:off x="0" y="793"/>
+            <a:ext cx="10814236" cy="10799763"/>
+          </a:xfrm>
+          <a:prstGeom prst="rect">
+            <a:avLst/>
+          </a:prstGeom>
+        </p:spPr>
+      </p:pic>
+      <p:sp>
+        <p:nvSpPr>
+          <p:cNvPr id="6" name="Retângulo 5">
+            <a:extLst>
+              <a:ext uri="{FF2B5EF4-FFF2-40B4-BE49-F238E27FC236}">
+                <a16:creationId xmlns:a16="http://schemas.microsoft.com/office/drawing/2014/main" id="{CA38338D-CD96-464B-85A1-D00A3CBDF55D}"/>
+              </a:ext>
+            </a:extLst>
+          </p:cNvPr>
+          <p:cNvSpPr/>
+          <p:nvPr/>
+        </p:nvSpPr>
+        <p:spPr>
+          <a:xfrm>
+            <a:off x="-1" y="-790"/>
+            <a:ext cx="10814237" cy="10799760"/>
+          </a:xfrm>
+          <a:prstGeom prst="rect">
+            <a:avLst/>
+          </a:prstGeom>
+          <a:solidFill>
+            <a:schemeClr val="tx1">
+              <a:alpha val="67000"/>
+            </a:schemeClr>
+          </a:solidFill>
+          <a:ln>
+            <a:noFill/>
+          </a:ln>
+        </p:spPr>
+        <p:style>
+          <a:lnRef idx="2">
+            <a:schemeClr val="accent1">
+              <a:shade val="50000"/>
+            </a:schemeClr>
+          </a:lnRef>
+          <a:fillRef idx="1">
+            <a:schemeClr val="accent1"/>
+          </a:fillRef>
+          <a:effectRef idx="0">
+            <a:schemeClr val="accent1"/>
+          </a:effectRef>
+          <a:fontRef idx="minor">
+            <a:schemeClr val="lt1"/>
+          </a:fontRef>
+        </p:style>
+        <p:txBody>
+          <a:bodyPr rtlCol="0" anchor="ctr"/>
+          <a:lstStyle/>
+          <a:p>
+            <a:pPr marL="0" marR="0" lvl="0" indent="0" algn="ctr" defTabSz="914400" rtl="0" eaLnBrk="1" fontAlgn="auto" latinLnBrk="0" hangingPunct="1">
+              <a:lnSpc>
+                <a:spcPct val="100000"/>
+              </a:lnSpc>
+              <a:spcBef>
+                <a:spcPts val="0"/>
+              </a:spcBef>
+              <a:spcAft>
+                <a:spcPts val="0"/>
+              </a:spcAft>
+              <a:buClrTx/>
+              <a:buSzTx/>
+              <a:buFontTx/>
+              <a:buNone/>
+              <a:tabLst/>
+              <a:defRPr/>
+            </a:pPr>
+            <a:endParaRPr kumimoji="0" lang="pt-BR" sz="2000" b="0" i="0" u="none" strike="noStrike" kern="1200" cap="none" spc="0" normalizeH="0" baseline="0" noProof="0" dirty="0">
+              <a:ln>
+                <a:noFill/>
+              </a:ln>
+              <a:solidFill>
+                <a:prstClr val="white"/>
+              </a:solidFill>
+              <a:effectLst/>
+              <a:uLnTx/>
+              <a:uFillTx/>
+              <a:latin typeface="Avenir Next LT Pro"/>
+              <a:ea typeface="+mn-ea"/>
+              <a:cs typeface="+mn-cs"/>
+            </a:endParaRPr>
+          </a:p>
+        </p:txBody>
+      </p:sp>
+      <p:sp>
+        <p:nvSpPr>
+          <p:cNvPr id="41" name="Triângulo isósceles 1">
+            <a:extLst>
+              <a:ext uri="{FF2B5EF4-FFF2-40B4-BE49-F238E27FC236}">
+                <a16:creationId xmlns:a16="http://schemas.microsoft.com/office/drawing/2014/main" id="{D3957D18-6373-4C37-BDC6-1080B31CB35C}"/>
+              </a:ext>
+            </a:extLst>
+          </p:cNvPr>
+          <p:cNvSpPr/>
+          <p:nvPr/>
+        </p:nvSpPr>
+        <p:spPr>
+          <a:xfrm rot="5400000">
+            <a:off x="4724967" y="-4724966"/>
+            <a:ext cx="1349830" cy="10799763"/>
+          </a:xfrm>
+          <a:custGeom>
+            <a:avLst/>
+            <a:gdLst>
+              <a:gd name="connsiteX0" fmla="*/ 0 w 1349830"/>
+              <a:gd name="connsiteY0" fmla="*/ 10799763 h 10799763"/>
+              <a:gd name="connsiteX1" fmla="*/ 0 w 1349830"/>
+              <a:gd name="connsiteY1" fmla="*/ 0 h 10799763"/>
+              <a:gd name="connsiteX2" fmla="*/ 1349830 w 1349830"/>
+              <a:gd name="connsiteY2" fmla="*/ 10799763 h 10799763"/>
+              <a:gd name="connsiteX3" fmla="*/ 0 w 1349830"/>
+              <a:gd name="connsiteY3" fmla="*/ 10799763 h 10799763"/>
+              <a:gd name="connsiteX0" fmla="*/ 0 w 1349830"/>
+              <a:gd name="connsiteY0" fmla="*/ 10799763 h 10799763"/>
+              <a:gd name="connsiteX1" fmla="*/ 0 w 1349830"/>
+              <a:gd name="connsiteY1" fmla="*/ 0 h 10799763"/>
+              <a:gd name="connsiteX2" fmla="*/ 433141 w 1349830"/>
+              <a:gd name="connsiteY2" fmla="*/ 6060000 h 10799763"/>
+              <a:gd name="connsiteX3" fmla="*/ 1349830 w 1349830"/>
+              <a:gd name="connsiteY3" fmla="*/ 10799763 h 10799763"/>
+              <a:gd name="connsiteX4" fmla="*/ 0 w 1349830"/>
+              <a:gd name="connsiteY4" fmla="*/ 10799763 h 10799763"/>
+              <a:gd name="connsiteX0" fmla="*/ 0 w 1349830"/>
+              <a:gd name="connsiteY0" fmla="*/ 10799763 h 10799763"/>
+              <a:gd name="connsiteX1" fmla="*/ 0 w 1349830"/>
+              <a:gd name="connsiteY1" fmla="*/ 0 h 10799763"/>
+              <a:gd name="connsiteX2" fmla="*/ 433141 w 1349830"/>
+              <a:gd name="connsiteY2" fmla="*/ 6060000 h 10799763"/>
+              <a:gd name="connsiteX3" fmla="*/ 577519 w 1349830"/>
+              <a:gd name="connsiteY3" fmla="*/ 8682884 h 10799763"/>
+              <a:gd name="connsiteX4" fmla="*/ 1349830 w 1349830"/>
+              <a:gd name="connsiteY4" fmla="*/ 10799763 h 10799763"/>
+              <a:gd name="connsiteX5" fmla="*/ 0 w 1349830"/>
+              <a:gd name="connsiteY5" fmla="*/ 10799763 h 10799763"/>
+              <a:gd name="connsiteX0" fmla="*/ 0 w 1349830"/>
+              <a:gd name="connsiteY0" fmla="*/ 10799763 h 10799763"/>
+              <a:gd name="connsiteX1" fmla="*/ 0 w 1349830"/>
+              <a:gd name="connsiteY1" fmla="*/ 0 h 10799763"/>
+              <a:gd name="connsiteX2" fmla="*/ 300797 w 1349830"/>
+              <a:gd name="connsiteY2" fmla="*/ 6060000 h 10799763"/>
+              <a:gd name="connsiteX3" fmla="*/ 577519 w 1349830"/>
+              <a:gd name="connsiteY3" fmla="*/ 8682884 h 10799763"/>
+              <a:gd name="connsiteX4" fmla="*/ 1349830 w 1349830"/>
+              <a:gd name="connsiteY4" fmla="*/ 10799763 h 10799763"/>
+              <a:gd name="connsiteX5" fmla="*/ 0 w 1349830"/>
+              <a:gd name="connsiteY5" fmla="*/ 10799763 h 10799763"/>
+              <a:gd name="connsiteX0" fmla="*/ 0 w 1349830"/>
+              <a:gd name="connsiteY0" fmla="*/ 10799763 h 10799763"/>
+              <a:gd name="connsiteX1" fmla="*/ 0 w 1349830"/>
+              <a:gd name="connsiteY1" fmla="*/ 0 h 10799763"/>
+              <a:gd name="connsiteX2" fmla="*/ 300797 w 1349830"/>
+              <a:gd name="connsiteY2" fmla="*/ 6060000 h 10799763"/>
+              <a:gd name="connsiteX3" fmla="*/ 577519 w 1349830"/>
+              <a:gd name="connsiteY3" fmla="*/ 8682884 h 10799763"/>
+              <a:gd name="connsiteX4" fmla="*/ 1349830 w 1349830"/>
+              <a:gd name="connsiteY4" fmla="*/ 10799763 h 10799763"/>
+              <a:gd name="connsiteX5" fmla="*/ 0 w 1349830"/>
+              <a:gd name="connsiteY5" fmla="*/ 10799763 h 10799763"/>
+              <a:gd name="connsiteX0" fmla="*/ 0 w 1349830"/>
+              <a:gd name="connsiteY0" fmla="*/ 10799763 h 10799763"/>
+              <a:gd name="connsiteX1" fmla="*/ 0 w 1349830"/>
+              <a:gd name="connsiteY1" fmla="*/ 0 h 10799763"/>
+              <a:gd name="connsiteX2" fmla="*/ 300797 w 1349830"/>
+              <a:gd name="connsiteY2" fmla="*/ 6060000 h 10799763"/>
+              <a:gd name="connsiteX3" fmla="*/ 577519 w 1349830"/>
+              <a:gd name="connsiteY3" fmla="*/ 8682884 h 10799763"/>
+              <a:gd name="connsiteX4" fmla="*/ 1349830 w 1349830"/>
+              <a:gd name="connsiteY4" fmla="*/ 10799763 h 10799763"/>
+              <a:gd name="connsiteX5" fmla="*/ 0 w 1349830"/>
+              <a:gd name="connsiteY5" fmla="*/ 10799763 h 10799763"/>
+              <a:gd name="connsiteX0" fmla="*/ 0 w 1349830"/>
+              <a:gd name="connsiteY0" fmla="*/ 10799763 h 10799763"/>
+              <a:gd name="connsiteX1" fmla="*/ 0 w 1349830"/>
+              <a:gd name="connsiteY1" fmla="*/ 0 h 10799763"/>
+              <a:gd name="connsiteX2" fmla="*/ 300797 w 1349830"/>
+              <a:gd name="connsiteY2" fmla="*/ 6060000 h 10799763"/>
+              <a:gd name="connsiteX3" fmla="*/ 577519 w 1349830"/>
+              <a:gd name="connsiteY3" fmla="*/ 8682884 h 10799763"/>
+              <a:gd name="connsiteX4" fmla="*/ 1349830 w 1349830"/>
+              <a:gd name="connsiteY4" fmla="*/ 10799763 h 10799763"/>
+              <a:gd name="connsiteX5" fmla="*/ 0 w 1349830"/>
+              <a:gd name="connsiteY5" fmla="*/ 10799763 h 10799763"/>
+              <a:gd name="connsiteX0" fmla="*/ 0 w 1349830"/>
+              <a:gd name="connsiteY0" fmla="*/ 10799763 h 10799763"/>
+              <a:gd name="connsiteX1" fmla="*/ 0 w 1349830"/>
+              <a:gd name="connsiteY1" fmla="*/ 0 h 10799763"/>
+              <a:gd name="connsiteX2" fmla="*/ 300797 w 1349830"/>
+              <a:gd name="connsiteY2" fmla="*/ 6060000 h 10799763"/>
+              <a:gd name="connsiteX3" fmla="*/ 577519 w 1349830"/>
+              <a:gd name="connsiteY3" fmla="*/ 8682884 h 10799763"/>
+              <a:gd name="connsiteX4" fmla="*/ 1349830 w 1349830"/>
+              <a:gd name="connsiteY4" fmla="*/ 10799763 h 10799763"/>
+              <a:gd name="connsiteX5" fmla="*/ 0 w 1349830"/>
+              <a:gd name="connsiteY5" fmla="*/ 10799763 h 10799763"/>
+              <a:gd name="connsiteX0" fmla="*/ 0 w 1349830"/>
+              <a:gd name="connsiteY0" fmla="*/ 10799763 h 10799763"/>
+              <a:gd name="connsiteX1" fmla="*/ 0 w 1349830"/>
+              <a:gd name="connsiteY1" fmla="*/ 0 h 10799763"/>
+              <a:gd name="connsiteX2" fmla="*/ 300797 w 1349830"/>
+              <a:gd name="connsiteY2" fmla="*/ 6060000 h 10799763"/>
+              <a:gd name="connsiteX3" fmla="*/ 577519 w 1349830"/>
+              <a:gd name="connsiteY3" fmla="*/ 8682884 h 10799763"/>
+              <a:gd name="connsiteX4" fmla="*/ 1349830 w 1349830"/>
+              <a:gd name="connsiteY4" fmla="*/ 10799763 h 10799763"/>
+              <a:gd name="connsiteX5" fmla="*/ 0 w 1349830"/>
+              <a:gd name="connsiteY5" fmla="*/ 10799763 h 10799763"/>
+              <a:gd name="connsiteX0" fmla="*/ 0 w 1349830"/>
+              <a:gd name="connsiteY0" fmla="*/ 10799763 h 10799763"/>
+              <a:gd name="connsiteX1" fmla="*/ 0 w 1349830"/>
+              <a:gd name="connsiteY1" fmla="*/ 0 h 10799763"/>
+              <a:gd name="connsiteX2" fmla="*/ 300797 w 1349830"/>
+              <a:gd name="connsiteY2" fmla="*/ 6060000 h 10799763"/>
+              <a:gd name="connsiteX3" fmla="*/ 468339 w 1349830"/>
+              <a:gd name="connsiteY3" fmla="*/ 8682884 h 10799763"/>
+              <a:gd name="connsiteX4" fmla="*/ 1349830 w 1349830"/>
+              <a:gd name="connsiteY4" fmla="*/ 10799763 h 10799763"/>
+              <a:gd name="connsiteX5" fmla="*/ 0 w 1349830"/>
+              <a:gd name="connsiteY5" fmla="*/ 10799763 h 10799763"/>
+              <a:gd name="connsiteX0" fmla="*/ 0 w 1349830"/>
+              <a:gd name="connsiteY0" fmla="*/ 10799763 h 10799763"/>
+              <a:gd name="connsiteX1" fmla="*/ 0 w 1349830"/>
+              <a:gd name="connsiteY1" fmla="*/ 0 h 10799763"/>
+              <a:gd name="connsiteX2" fmla="*/ 273504 w 1349830"/>
+              <a:gd name="connsiteY2" fmla="*/ 6073647 h 10799763"/>
+              <a:gd name="connsiteX3" fmla="*/ 468339 w 1349830"/>
+              <a:gd name="connsiteY3" fmla="*/ 8682884 h 10799763"/>
+              <a:gd name="connsiteX4" fmla="*/ 1349830 w 1349830"/>
+              <a:gd name="connsiteY4" fmla="*/ 10799763 h 10799763"/>
+              <a:gd name="connsiteX5" fmla="*/ 0 w 1349830"/>
+              <a:gd name="connsiteY5" fmla="*/ 10799763 h 10799763"/>
+              <a:gd name="connsiteX0" fmla="*/ 0 w 1349830"/>
+              <a:gd name="connsiteY0" fmla="*/ 10799763 h 10799763"/>
+              <a:gd name="connsiteX1" fmla="*/ 0 w 1349830"/>
+              <a:gd name="connsiteY1" fmla="*/ 0 h 10799763"/>
+              <a:gd name="connsiteX2" fmla="*/ 273504 w 1349830"/>
+              <a:gd name="connsiteY2" fmla="*/ 6073647 h 10799763"/>
+              <a:gd name="connsiteX3" fmla="*/ 468339 w 1349830"/>
+              <a:gd name="connsiteY3" fmla="*/ 8682884 h 10799763"/>
+              <a:gd name="connsiteX4" fmla="*/ 1349830 w 1349830"/>
+              <a:gd name="connsiteY4" fmla="*/ 10799763 h 10799763"/>
+              <a:gd name="connsiteX5" fmla="*/ 0 w 1349830"/>
+              <a:gd name="connsiteY5" fmla="*/ 10799763 h 10799763"/>
+            </a:gdLst>
+            <a:ahLst/>
+            <a:cxnLst>
+              <a:cxn ang="0">
+                <a:pos x="connsiteX0" y="connsiteY0"/>
+              </a:cxn>
+              <a:cxn ang="0">
+                <a:pos x="connsiteX1" y="connsiteY1"/>
+              </a:cxn>
+              <a:cxn ang="0">
+                <a:pos x="connsiteX2" y="connsiteY2"/>
+              </a:cxn>
+              <a:cxn ang="0">
+                <a:pos x="connsiteX3" y="connsiteY3"/>
+              </a:cxn>
+              <a:cxn ang="0">
+                <a:pos x="connsiteX4" y="connsiteY4"/>
+              </a:cxn>
+              <a:cxn ang="0">
+                <a:pos x="connsiteX5" y="connsiteY5"/>
+              </a:cxn>
+            </a:cxnLst>
+            <a:rect l="l" t="t" r="r" b="b"/>
+            <a:pathLst>
+              <a:path w="1349830" h="10799763">
+                <a:moveTo>
+                  <a:pt x="0" y="10799763"/>
+                </a:moveTo>
+                <a:lnTo>
+                  <a:pt x="0" y="0"/>
+                </a:lnTo>
+                <a:cubicBezTo>
+                  <a:pt x="244642" y="1983905"/>
+                  <a:pt x="274522" y="3994206"/>
+                  <a:pt x="273504" y="6073647"/>
+                </a:cubicBezTo>
+                <a:cubicBezTo>
+                  <a:pt x="320735" y="7212936"/>
+                  <a:pt x="270990" y="7789254"/>
+                  <a:pt x="468339" y="8682884"/>
+                </a:cubicBezTo>
+                <a:cubicBezTo>
+                  <a:pt x="725778" y="9948068"/>
+                  <a:pt x="1092393" y="10094137"/>
+                  <a:pt x="1349830" y="10799763"/>
+                </a:cubicBezTo>
+                <a:lnTo>
+                  <a:pt x="0" y="10799763"/>
+                </a:lnTo>
+                <a:close/>
+              </a:path>
+            </a:pathLst>
+          </a:custGeom>
+          <a:gradFill flip="none" rotWithShape="1">
+            <a:gsLst>
+              <a:gs pos="0">
+                <a:srgbClr val="DEA900"/>
+              </a:gs>
+              <a:gs pos="34000">
+                <a:srgbClr val="FDAD08"/>
+              </a:gs>
+              <a:gs pos="68000">
+                <a:srgbClr val="FDBE41"/>
+              </a:gs>
+              <a:gs pos="100000">
+                <a:srgbClr val="FFDA65"/>
+              </a:gs>
+            </a:gsLst>
+            <a:lin ang="2700000" scaled="1"/>
+            <a:tileRect/>
+          </a:gradFill>
+          <a:ln>
+            <a:noFill/>
+          </a:ln>
+          <a:scene3d>
+            <a:camera prst="orthographicFront"/>
+            <a:lightRig rig="threePt" dir="t"/>
+          </a:scene3d>
+          <a:sp3d>
+            <a:bevelT/>
+          </a:sp3d>
+        </p:spPr>
+        <p:style>
+          <a:lnRef idx="2">
+            <a:schemeClr val="accent1">
+              <a:shade val="50000"/>
+            </a:schemeClr>
+          </a:lnRef>
+          <a:fillRef idx="1">
+            <a:schemeClr val="accent1"/>
+          </a:fillRef>
+          <a:effectRef idx="0">
+            <a:schemeClr val="accent1"/>
+          </a:effectRef>
+          <a:fontRef idx="minor">
+            <a:schemeClr val="lt1"/>
+          </a:fontRef>
+        </p:style>
+        <p:txBody>
+          <a:bodyPr rtlCol="0" anchor="ctr"/>
+          <a:lstStyle/>
+          <a:p>
+            <a:pPr algn="ctr"/>
+            <a:endParaRPr lang="pt-BR"/>
+          </a:p>
+        </p:txBody>
+      </p:sp>
+      <p:pic>
+        <p:nvPicPr>
+          <p:cNvPr id="44" name="Imagem 43">
+            <a:extLst>
+              <a:ext uri="{FF2B5EF4-FFF2-40B4-BE49-F238E27FC236}">
+                <a16:creationId xmlns:a16="http://schemas.microsoft.com/office/drawing/2014/main" id="{AC92BC92-0334-4708-810F-520EA6F74C81}"/>
+              </a:ext>
+            </a:extLst>
+          </p:cNvPr>
+          <p:cNvPicPr>
+            <a:picLocks noChangeAspect="1"/>
+          </p:cNvPicPr>
+          <p:nvPr/>
+        </p:nvPicPr>
+        <p:blipFill>
+          <a:blip r:embed="rId4">
+            <a:extLst>
+              <a:ext uri="{28A0092B-C50C-407E-A947-70E740481C1C}">
+                <a14:useLocalDpi xmlns:a14="http://schemas.microsoft.com/office/drawing/2010/main" val="0"/>
+              </a:ext>
+            </a:extLst>
+          </a:blip>
+          <a:stretch>
+            <a:fillRect/>
+          </a:stretch>
+        </p:blipFill>
+        <p:spPr>
+          <a:xfrm>
+            <a:off x="0" y="59613"/>
+            <a:ext cx="1800000" cy="2116555"/>
+          </a:xfrm>
+          <a:prstGeom prst="rect">
+            <a:avLst/>
+          </a:prstGeom>
+        </p:spPr>
+      </p:pic>
+      <p:sp>
+        <p:nvSpPr>
+          <p:cNvPr id="47" name="Triângulo isósceles 1">
+            <a:extLst>
+              <a:ext uri="{FF2B5EF4-FFF2-40B4-BE49-F238E27FC236}">
+                <a16:creationId xmlns:a16="http://schemas.microsoft.com/office/drawing/2014/main" id="{68CFE998-EC0C-4AAF-AAA5-279CE12A4425}"/>
+              </a:ext>
+            </a:extLst>
+          </p:cNvPr>
+          <p:cNvSpPr/>
+          <p:nvPr/>
+        </p:nvSpPr>
+        <p:spPr>
+          <a:xfrm rot="16200000">
+            <a:off x="4724966" y="4783786"/>
+            <a:ext cx="1349830" cy="10799763"/>
+          </a:xfrm>
+          <a:custGeom>
+            <a:avLst/>
+            <a:gdLst>
+              <a:gd name="connsiteX0" fmla="*/ 0 w 1349830"/>
+              <a:gd name="connsiteY0" fmla="*/ 10799763 h 10799763"/>
+              <a:gd name="connsiteX1" fmla="*/ 0 w 1349830"/>
+              <a:gd name="connsiteY1" fmla="*/ 0 h 10799763"/>
+              <a:gd name="connsiteX2" fmla="*/ 1349830 w 1349830"/>
+              <a:gd name="connsiteY2" fmla="*/ 10799763 h 10799763"/>
+              <a:gd name="connsiteX3" fmla="*/ 0 w 1349830"/>
+              <a:gd name="connsiteY3" fmla="*/ 10799763 h 10799763"/>
+              <a:gd name="connsiteX0" fmla="*/ 0 w 1349830"/>
+              <a:gd name="connsiteY0" fmla="*/ 10799763 h 10799763"/>
+              <a:gd name="connsiteX1" fmla="*/ 0 w 1349830"/>
+              <a:gd name="connsiteY1" fmla="*/ 0 h 10799763"/>
+              <a:gd name="connsiteX2" fmla="*/ 433141 w 1349830"/>
+              <a:gd name="connsiteY2" fmla="*/ 6060000 h 10799763"/>
+              <a:gd name="connsiteX3" fmla="*/ 1349830 w 1349830"/>
+              <a:gd name="connsiteY3" fmla="*/ 10799763 h 10799763"/>
+              <a:gd name="connsiteX4" fmla="*/ 0 w 1349830"/>
+              <a:gd name="connsiteY4" fmla="*/ 10799763 h 10799763"/>
+              <a:gd name="connsiteX0" fmla="*/ 0 w 1349830"/>
+              <a:gd name="connsiteY0" fmla="*/ 10799763 h 10799763"/>
+              <a:gd name="connsiteX1" fmla="*/ 0 w 1349830"/>
+              <a:gd name="connsiteY1" fmla="*/ 0 h 10799763"/>
+              <a:gd name="connsiteX2" fmla="*/ 433141 w 1349830"/>
+              <a:gd name="connsiteY2" fmla="*/ 6060000 h 10799763"/>
+              <a:gd name="connsiteX3" fmla="*/ 577519 w 1349830"/>
+              <a:gd name="connsiteY3" fmla="*/ 8682884 h 10799763"/>
+              <a:gd name="connsiteX4" fmla="*/ 1349830 w 1349830"/>
+              <a:gd name="connsiteY4" fmla="*/ 10799763 h 10799763"/>
+              <a:gd name="connsiteX5" fmla="*/ 0 w 1349830"/>
+              <a:gd name="connsiteY5" fmla="*/ 10799763 h 10799763"/>
+              <a:gd name="connsiteX0" fmla="*/ 0 w 1349830"/>
+              <a:gd name="connsiteY0" fmla="*/ 10799763 h 10799763"/>
+              <a:gd name="connsiteX1" fmla="*/ 0 w 1349830"/>
+              <a:gd name="connsiteY1" fmla="*/ 0 h 10799763"/>
+              <a:gd name="connsiteX2" fmla="*/ 300797 w 1349830"/>
+              <a:gd name="connsiteY2" fmla="*/ 6060000 h 10799763"/>
+              <a:gd name="connsiteX3" fmla="*/ 577519 w 1349830"/>
+              <a:gd name="connsiteY3" fmla="*/ 8682884 h 10799763"/>
+              <a:gd name="connsiteX4" fmla="*/ 1349830 w 1349830"/>
+              <a:gd name="connsiteY4" fmla="*/ 10799763 h 10799763"/>
+              <a:gd name="connsiteX5" fmla="*/ 0 w 1349830"/>
+              <a:gd name="connsiteY5" fmla="*/ 10799763 h 10799763"/>
+              <a:gd name="connsiteX0" fmla="*/ 0 w 1349830"/>
+              <a:gd name="connsiteY0" fmla="*/ 10799763 h 10799763"/>
+              <a:gd name="connsiteX1" fmla="*/ 0 w 1349830"/>
+              <a:gd name="connsiteY1" fmla="*/ 0 h 10799763"/>
+              <a:gd name="connsiteX2" fmla="*/ 300797 w 1349830"/>
+              <a:gd name="connsiteY2" fmla="*/ 6060000 h 10799763"/>
+              <a:gd name="connsiteX3" fmla="*/ 577519 w 1349830"/>
+              <a:gd name="connsiteY3" fmla="*/ 8682884 h 10799763"/>
+              <a:gd name="connsiteX4" fmla="*/ 1349830 w 1349830"/>
+              <a:gd name="connsiteY4" fmla="*/ 10799763 h 10799763"/>
+              <a:gd name="connsiteX5" fmla="*/ 0 w 1349830"/>
+              <a:gd name="connsiteY5" fmla="*/ 10799763 h 10799763"/>
+              <a:gd name="connsiteX0" fmla="*/ 0 w 1349830"/>
+              <a:gd name="connsiteY0" fmla="*/ 10799763 h 10799763"/>
+              <a:gd name="connsiteX1" fmla="*/ 0 w 1349830"/>
+              <a:gd name="connsiteY1" fmla="*/ 0 h 10799763"/>
+              <a:gd name="connsiteX2" fmla="*/ 300797 w 1349830"/>
+              <a:gd name="connsiteY2" fmla="*/ 6060000 h 10799763"/>
+              <a:gd name="connsiteX3" fmla="*/ 577519 w 1349830"/>
+              <a:gd name="connsiteY3" fmla="*/ 8682884 h 10799763"/>
+              <a:gd name="connsiteX4" fmla="*/ 1349830 w 1349830"/>
+              <a:gd name="connsiteY4" fmla="*/ 10799763 h 10799763"/>
+              <a:gd name="connsiteX5" fmla="*/ 0 w 1349830"/>
+              <a:gd name="connsiteY5" fmla="*/ 10799763 h 10799763"/>
+              <a:gd name="connsiteX0" fmla="*/ 0 w 1349830"/>
+              <a:gd name="connsiteY0" fmla="*/ 10799763 h 10799763"/>
+              <a:gd name="connsiteX1" fmla="*/ 0 w 1349830"/>
+              <a:gd name="connsiteY1" fmla="*/ 0 h 10799763"/>
+              <a:gd name="connsiteX2" fmla="*/ 300797 w 1349830"/>
+              <a:gd name="connsiteY2" fmla="*/ 6060000 h 10799763"/>
+              <a:gd name="connsiteX3" fmla="*/ 577519 w 1349830"/>
+              <a:gd name="connsiteY3" fmla="*/ 8682884 h 10799763"/>
+              <a:gd name="connsiteX4" fmla="*/ 1349830 w 1349830"/>
+              <a:gd name="connsiteY4" fmla="*/ 10799763 h 10799763"/>
+              <a:gd name="connsiteX5" fmla="*/ 0 w 1349830"/>
+              <a:gd name="connsiteY5" fmla="*/ 10799763 h 10799763"/>
+              <a:gd name="connsiteX0" fmla="*/ 0 w 1349830"/>
+              <a:gd name="connsiteY0" fmla="*/ 10799763 h 10799763"/>
+              <a:gd name="connsiteX1" fmla="*/ 0 w 1349830"/>
+              <a:gd name="connsiteY1" fmla="*/ 0 h 10799763"/>
+              <a:gd name="connsiteX2" fmla="*/ 300797 w 1349830"/>
+              <a:gd name="connsiteY2" fmla="*/ 6060000 h 10799763"/>
+              <a:gd name="connsiteX3" fmla="*/ 577519 w 1349830"/>
+              <a:gd name="connsiteY3" fmla="*/ 8682884 h 10799763"/>
+              <a:gd name="connsiteX4" fmla="*/ 1349830 w 1349830"/>
+              <a:gd name="connsiteY4" fmla="*/ 10799763 h 10799763"/>
+              <a:gd name="connsiteX5" fmla="*/ 0 w 1349830"/>
+              <a:gd name="connsiteY5" fmla="*/ 10799763 h 10799763"/>
+              <a:gd name="connsiteX0" fmla="*/ 0 w 1349830"/>
+              <a:gd name="connsiteY0" fmla="*/ 10799763 h 10799763"/>
+              <a:gd name="connsiteX1" fmla="*/ 0 w 1349830"/>
+              <a:gd name="connsiteY1" fmla="*/ 0 h 10799763"/>
+              <a:gd name="connsiteX2" fmla="*/ 300797 w 1349830"/>
+              <a:gd name="connsiteY2" fmla="*/ 6060000 h 10799763"/>
+              <a:gd name="connsiteX3" fmla="*/ 577519 w 1349830"/>
+              <a:gd name="connsiteY3" fmla="*/ 8682884 h 10799763"/>
+              <a:gd name="connsiteX4" fmla="*/ 1349830 w 1349830"/>
+              <a:gd name="connsiteY4" fmla="*/ 10799763 h 10799763"/>
+              <a:gd name="connsiteX5" fmla="*/ 0 w 1349830"/>
+              <a:gd name="connsiteY5" fmla="*/ 10799763 h 10799763"/>
+              <a:gd name="connsiteX0" fmla="*/ 0 w 1349830"/>
+              <a:gd name="connsiteY0" fmla="*/ 10799763 h 10799763"/>
+              <a:gd name="connsiteX1" fmla="*/ 0 w 1349830"/>
+              <a:gd name="connsiteY1" fmla="*/ 0 h 10799763"/>
+              <a:gd name="connsiteX2" fmla="*/ 300797 w 1349830"/>
+              <a:gd name="connsiteY2" fmla="*/ 6060000 h 10799763"/>
+              <a:gd name="connsiteX3" fmla="*/ 468339 w 1349830"/>
+              <a:gd name="connsiteY3" fmla="*/ 8682884 h 10799763"/>
+              <a:gd name="connsiteX4" fmla="*/ 1349830 w 1349830"/>
+              <a:gd name="connsiteY4" fmla="*/ 10799763 h 10799763"/>
+              <a:gd name="connsiteX5" fmla="*/ 0 w 1349830"/>
+              <a:gd name="connsiteY5" fmla="*/ 10799763 h 10799763"/>
+              <a:gd name="connsiteX0" fmla="*/ 0 w 1349830"/>
+              <a:gd name="connsiteY0" fmla="*/ 10799763 h 10799763"/>
+              <a:gd name="connsiteX1" fmla="*/ 0 w 1349830"/>
+              <a:gd name="connsiteY1" fmla="*/ 0 h 10799763"/>
+              <a:gd name="connsiteX2" fmla="*/ 273504 w 1349830"/>
+              <a:gd name="connsiteY2" fmla="*/ 6073647 h 10799763"/>
+              <a:gd name="connsiteX3" fmla="*/ 468339 w 1349830"/>
+              <a:gd name="connsiteY3" fmla="*/ 8682884 h 10799763"/>
+              <a:gd name="connsiteX4" fmla="*/ 1349830 w 1349830"/>
+              <a:gd name="connsiteY4" fmla="*/ 10799763 h 10799763"/>
+              <a:gd name="connsiteX5" fmla="*/ 0 w 1349830"/>
+              <a:gd name="connsiteY5" fmla="*/ 10799763 h 10799763"/>
+              <a:gd name="connsiteX0" fmla="*/ 0 w 1349830"/>
+              <a:gd name="connsiteY0" fmla="*/ 10799763 h 10799763"/>
+              <a:gd name="connsiteX1" fmla="*/ 0 w 1349830"/>
+              <a:gd name="connsiteY1" fmla="*/ 0 h 10799763"/>
+              <a:gd name="connsiteX2" fmla="*/ 273504 w 1349830"/>
+              <a:gd name="connsiteY2" fmla="*/ 6073647 h 10799763"/>
+              <a:gd name="connsiteX3" fmla="*/ 468339 w 1349830"/>
+              <a:gd name="connsiteY3" fmla="*/ 8682884 h 10799763"/>
+              <a:gd name="connsiteX4" fmla="*/ 1349830 w 1349830"/>
+              <a:gd name="connsiteY4" fmla="*/ 10799763 h 10799763"/>
+              <a:gd name="connsiteX5" fmla="*/ 0 w 1349830"/>
+              <a:gd name="connsiteY5" fmla="*/ 10799763 h 10799763"/>
+            </a:gdLst>
+            <a:ahLst/>
+            <a:cxnLst>
+              <a:cxn ang="0">
+                <a:pos x="connsiteX0" y="connsiteY0"/>
+              </a:cxn>
+              <a:cxn ang="0">
+                <a:pos x="connsiteX1" y="connsiteY1"/>
+              </a:cxn>
+              <a:cxn ang="0">
+                <a:pos x="connsiteX2" y="connsiteY2"/>
+              </a:cxn>
+              <a:cxn ang="0">
+                <a:pos x="connsiteX3" y="connsiteY3"/>
+              </a:cxn>
+              <a:cxn ang="0">
+                <a:pos x="connsiteX4" y="connsiteY4"/>
+              </a:cxn>
+              <a:cxn ang="0">
+                <a:pos x="connsiteX5" y="connsiteY5"/>
+              </a:cxn>
+            </a:cxnLst>
+            <a:rect l="l" t="t" r="r" b="b"/>
+            <a:pathLst>
+              <a:path w="1349830" h="10799763">
+                <a:moveTo>
+                  <a:pt x="0" y="10799763"/>
+                </a:moveTo>
+                <a:lnTo>
+                  <a:pt x="0" y="0"/>
+                </a:lnTo>
+                <a:cubicBezTo>
+                  <a:pt x="244642" y="1983905"/>
+                  <a:pt x="274522" y="3994206"/>
+                  <a:pt x="273504" y="6073647"/>
+                </a:cubicBezTo>
+                <a:cubicBezTo>
+                  <a:pt x="320735" y="7212936"/>
+                  <a:pt x="270990" y="7789254"/>
+                  <a:pt x="468339" y="8682884"/>
+                </a:cubicBezTo>
+                <a:cubicBezTo>
+                  <a:pt x="725778" y="9948068"/>
+                  <a:pt x="1092393" y="10094137"/>
+                  <a:pt x="1349830" y="10799763"/>
+                </a:cubicBezTo>
+                <a:lnTo>
+                  <a:pt x="0" y="10799763"/>
+                </a:lnTo>
+                <a:close/>
+              </a:path>
+            </a:pathLst>
+          </a:custGeom>
+          <a:gradFill flip="none" rotWithShape="1">
+            <a:gsLst>
+              <a:gs pos="0">
+                <a:srgbClr val="DEA900"/>
+              </a:gs>
+              <a:gs pos="34000">
+                <a:srgbClr val="FDAD08"/>
+              </a:gs>
+              <a:gs pos="68000">
+                <a:srgbClr val="FDBE41"/>
+              </a:gs>
+              <a:gs pos="100000">
+                <a:srgbClr val="FFDA65"/>
+              </a:gs>
+            </a:gsLst>
+            <a:lin ang="2700000" scaled="1"/>
+            <a:tileRect/>
+          </a:gradFill>
+          <a:ln>
+            <a:noFill/>
+          </a:ln>
+          <a:scene3d>
+            <a:camera prst="orthographicFront"/>
+            <a:lightRig rig="threePt" dir="t"/>
+          </a:scene3d>
+          <a:sp3d>
+            <a:bevelT/>
+          </a:sp3d>
+        </p:spPr>
+        <p:style>
+          <a:lnRef idx="2">
+            <a:schemeClr val="accent1">
+              <a:shade val="50000"/>
+            </a:schemeClr>
+          </a:lnRef>
+          <a:fillRef idx="1">
+            <a:schemeClr val="accent1"/>
+          </a:fillRef>
+          <a:effectRef idx="0">
+            <a:schemeClr val="accent1"/>
+          </a:effectRef>
+          <a:fontRef idx="minor">
+            <a:schemeClr val="lt1"/>
+          </a:fontRef>
+        </p:style>
+        <p:txBody>
+          <a:bodyPr rtlCol="0" anchor="ctr"/>
+          <a:lstStyle/>
+          <a:p>
+            <a:pPr algn="ctr"/>
+            <a:endParaRPr lang="pt-BR"/>
+          </a:p>
+        </p:txBody>
+      </p:sp>
+      <p:sp>
+        <p:nvSpPr>
           <p:cNvPr id="53" name="Retângulo 52">
             <a:extLst>
               <a:ext uri="{FF2B5EF4-FFF2-40B4-BE49-F238E27FC236}">
@@ -8240,7 +12996,7 @@
                 </a:effectLst>
                 <a:latin typeface="Exo 2 Extra Bold" panose="00000900000000000000" pitchFamily="50" charset="0"/>
               </a:rPr>
-              <a:t>Rodada #02</a:t>
+              <a:t>Rodada #03</a:t>
             </a:r>
           </a:p>
         </p:txBody>
@@ -8303,7 +13059,7 @@
           <p:cNvPr id="2" name="Imagem 1">
             <a:extLst>
               <a:ext uri="{FF2B5EF4-FFF2-40B4-BE49-F238E27FC236}">
-                <a16:creationId xmlns:a16="http://schemas.microsoft.com/office/drawing/2014/main" id="{9A8107A5-6E0A-4916-89FE-52DF87B2937C}"/>
+                <a16:creationId xmlns:a16="http://schemas.microsoft.com/office/drawing/2014/main" id="{087DAD95-DF52-41EE-82B6-2D693AED71BE}"/>
               </a:ext>
             </a:extLst>
           </p:cNvPr>
@@ -8320,7 +13076,7 @@
         </p:blipFill>
         <p:spPr>
           <a:xfrm>
-            <a:off x="1800424" y="1793398"/>
+            <a:off x="1798045" y="1855950"/>
             <a:ext cx="7218867" cy="8280000"/>
           </a:xfrm>
           <a:prstGeom prst="rect">

--- a/Informativos.pptx
+++ b/Informativos.pptx
@@ -293,7 +293,7 @@
             <a:fld id="{11A6662E-FAF4-44BC-88B5-85A7CBFB6D30}" type="datetime1">
               <a:rPr lang="en-US" smtClean="0"/>
               <a:pPr/>
-              <a:t>6/18/2021</a:t>
+              <a:t>6/22/2021</a:t>
             </a:fld>
             <a:endParaRPr lang="en-US" dirty="0"/>
           </a:p>
@@ -520,7 +520,7 @@
           <a:p>
             <a:fld id="{4C559632-1575-4E14-B53B-3DC3D5ED3947}" type="datetime1">
               <a:rPr lang="en-US" smtClean="0"/>
-              <a:t>6/18/2021</a:t>
+              <a:t>6/22/2021</a:t>
             </a:fld>
             <a:endParaRPr lang="en-US"/>
           </a:p>
@@ -728,7 +728,7 @@
           <a:p>
             <a:fld id="{CC4A6868-2568-4CC9-B302-F37117B01A6E}" type="datetime1">
               <a:rPr lang="en-US" smtClean="0"/>
-              <a:t>6/18/2021</a:t>
+              <a:t>6/22/2021</a:t>
             </a:fld>
             <a:endParaRPr lang="en-US"/>
           </a:p>
@@ -933,7 +933,7 @@
           <a:p>
             <a:fld id="{0055F08A-1E71-4B2B-BB49-E743F2903911}" type="datetime1">
               <a:rPr lang="en-US" smtClean="0"/>
-              <a:t>6/18/2021</a:t>
+              <a:t>6/22/2021</a:t>
             </a:fld>
             <a:endParaRPr lang="en-US" dirty="0"/>
           </a:p>
@@ -1207,7 +1207,7 @@
           <a:p>
             <a:fld id="{15417D9E-721A-44BB-8863-9873FE64DA75}" type="datetime1">
               <a:rPr lang="en-US" smtClean="0"/>
-              <a:t>6/18/2021</a:t>
+              <a:t>6/22/2021</a:t>
             </a:fld>
             <a:endParaRPr lang="en-US"/>
           </a:p>
@@ -1480,7 +1480,7 @@
           <a:p>
             <a:fld id="{5F31DA2F-80B8-49CF-99FB-5ABCA53A607A}" type="datetime1">
               <a:rPr lang="en-US" smtClean="0"/>
-              <a:t>6/18/2021</a:t>
+              <a:t>6/22/2021</a:t>
             </a:fld>
             <a:endParaRPr lang="en-US"/>
           </a:p>
@@ -1895,7 +1895,7 @@
           <a:p>
             <a:fld id="{28852172-E6C9-4B6C-929A-A9DE3837BBF1}" type="datetime1">
               <a:rPr lang="en-US" smtClean="0"/>
-              <a:t>6/18/2021</a:t>
+              <a:t>6/22/2021</a:t>
             </a:fld>
             <a:endParaRPr lang="en-US"/>
           </a:p>
@@ -2047,7 +2047,7 @@
           <a:p>
             <a:fld id="{3AB41CFF-90C9-47B3-9DA1-F2BF8D839F7E}" type="datetime1">
               <a:rPr lang="en-US" smtClean="0"/>
-              <a:t>6/18/2021</a:t>
+              <a:t>6/22/2021</a:t>
             </a:fld>
             <a:endParaRPr lang="en-US"/>
           </a:p>
@@ -2160,7 +2160,7 @@
           <a:p>
             <a:fld id="{F06048FA-06AB-4884-A69B-986B96E68A24}" type="datetime1">
               <a:rPr lang="en-US" smtClean="0"/>
-              <a:t>6/18/2021</a:t>
+              <a:t>6/22/2021</a:t>
             </a:fld>
             <a:endParaRPr lang="en-US"/>
           </a:p>
@@ -2471,7 +2471,7 @@
           <a:p>
             <a:fld id="{50DB7ABA-0172-4F9C-889D-567164F66BCD}" type="datetime1">
               <a:rPr lang="en-US" smtClean="0"/>
-              <a:t>6/18/2021</a:t>
+              <a:t>6/22/2021</a:t>
             </a:fld>
             <a:endParaRPr lang="en-US"/>
           </a:p>
@@ -2762,7 +2762,7 @@
           <a:p>
             <a:fld id="{78AC6A5B-8AE7-4A41-B5A7-9ADC6686DC18}" type="datetime1">
               <a:rPr lang="en-US" smtClean="0"/>
-              <a:t>6/18/2021</a:t>
+              <a:t>6/22/2021</a:t>
             </a:fld>
             <a:endParaRPr lang="en-US"/>
           </a:p>
@@ -3071,7 +3071,7 @@
             <a:fld id="{57E0CF6C-748E-4B7A-BC8B-3011EF78ED13}" type="datetime1">
               <a:rPr lang="en-US" smtClean="0"/>
               <a:pPr/>
-              <a:t>6/18/2021</a:t>
+              <a:t>6/22/2021</a:t>
             </a:fld>
             <a:endParaRPr lang="en-US" dirty="0"/>
           </a:p>
@@ -4673,17 +4673,17 @@
                 </a:effectLst>
                 <a:latin typeface="Exo 2 Extra Bold" panose="00000900000000000000" pitchFamily="50" charset="0"/>
               </a:rPr>
-              <a:t>Rodada #03</a:t>
+              <a:t>Rodada #05</a:t>
             </a:r>
           </a:p>
         </p:txBody>
       </p:sp>
       <p:pic>
         <p:nvPicPr>
-          <p:cNvPr id="2" name="Imagem 1">
-            <a:extLst>
-              <a:ext uri="{FF2B5EF4-FFF2-40B4-BE49-F238E27FC236}">
-                <a16:creationId xmlns:a16="http://schemas.microsoft.com/office/drawing/2014/main" id="{2C2672D8-FF46-4132-85D6-965710AC033E}"/>
+          <p:cNvPr id="3" name="Imagem 2">
+            <a:extLst>
+              <a:ext uri="{FF2B5EF4-FFF2-40B4-BE49-F238E27FC236}">
+                <a16:creationId xmlns:a16="http://schemas.microsoft.com/office/drawing/2014/main" id="{D5E639A8-271A-4FFD-9DE3-4C37894A5EA4}"/>
               </a:ext>
             </a:extLst>
           </p:cNvPr>
@@ -4700,7 +4700,7 @@
         </p:blipFill>
         <p:spPr>
           <a:xfrm>
-            <a:off x="961782" y="2534971"/>
+            <a:off x="957308" y="2545199"/>
             <a:ext cx="8899620" cy="7200000"/>
           </a:xfrm>
           <a:prstGeom prst="rect">
@@ -5808,7 +5808,7 @@
                 </a:effectLst>
                 <a:latin typeface="Exo 2 Extra Bold" panose="00000900000000000000" pitchFamily="50" charset="0"/>
               </a:rPr>
-              <a:t>Rodada #03</a:t>
+              <a:t>Rodada #05</a:t>
             </a:r>
           </a:p>
         </p:txBody>
@@ -5868,10 +5868,10 @@
       </p:sp>
       <p:pic>
         <p:nvPicPr>
-          <p:cNvPr id="2" name="Imagem 1">
-            <a:extLst>
-              <a:ext uri="{FF2B5EF4-FFF2-40B4-BE49-F238E27FC236}">
-                <a16:creationId xmlns:a16="http://schemas.microsoft.com/office/drawing/2014/main" id="{92A7BDCC-DB63-4F00-987E-C52BD8E1D677}"/>
+          <p:cNvPr id="3" name="Imagem 2">
+            <a:extLst>
+              <a:ext uri="{FF2B5EF4-FFF2-40B4-BE49-F238E27FC236}">
+                <a16:creationId xmlns:a16="http://schemas.microsoft.com/office/drawing/2014/main" id="{C0878F29-E8E5-42A1-8E2C-859C5C0073C2}"/>
               </a:ext>
             </a:extLst>
           </p:cNvPr>
@@ -5888,7 +5888,7 @@
         </p:blipFill>
         <p:spPr>
           <a:xfrm>
-            <a:off x="2043638" y="2545199"/>
+            <a:off x="2049384" y="2528701"/>
             <a:ext cx="6726960" cy="7200000"/>
           </a:xfrm>
           <a:prstGeom prst="rect">
@@ -6996,7 +6996,7 @@
                 </a:effectLst>
                 <a:latin typeface="Exo 2 Extra Bold" panose="00000900000000000000" pitchFamily="50" charset="0"/>
               </a:rPr>
-              <a:t>Rodada #03</a:t>
+              <a:t>Rodada #05</a:t>
             </a:r>
           </a:p>
         </p:txBody>
@@ -7056,10 +7056,10 @@
       </p:sp>
       <p:pic>
         <p:nvPicPr>
-          <p:cNvPr id="2" name="Imagem 1">
-            <a:extLst>
-              <a:ext uri="{FF2B5EF4-FFF2-40B4-BE49-F238E27FC236}">
-                <a16:creationId xmlns:a16="http://schemas.microsoft.com/office/drawing/2014/main" id="{4889E0CA-4678-41EC-B11A-6C843FC8AD98}"/>
+          <p:cNvPr id="7" name="Imagem 6">
+            <a:extLst>
+              <a:ext uri="{FF2B5EF4-FFF2-40B4-BE49-F238E27FC236}">
+                <a16:creationId xmlns:a16="http://schemas.microsoft.com/office/drawing/2014/main" id="{D9FC07D8-2779-4CC3-A01B-DACCC53D1209}"/>
               </a:ext>
             </a:extLst>
           </p:cNvPr>
@@ -7076,7 +7076,7 @@
         </p:blipFill>
         <p:spPr>
           <a:xfrm>
-            <a:off x="2429998" y="2532110"/>
+            <a:off x="2434231" y="2561124"/>
             <a:ext cx="5970583" cy="2160000"/>
           </a:xfrm>
           <a:prstGeom prst="rect">
@@ -7086,10 +7086,10 @@
       </p:pic>
       <p:pic>
         <p:nvPicPr>
-          <p:cNvPr id="3" name="Imagem 2">
-            <a:extLst>
-              <a:ext uri="{FF2B5EF4-FFF2-40B4-BE49-F238E27FC236}">
-                <a16:creationId xmlns:a16="http://schemas.microsoft.com/office/drawing/2014/main" id="{E637CFF4-4816-4D41-A930-91FF1D6B51F9}"/>
+          <p:cNvPr id="8" name="Imagem 7">
+            <a:extLst>
+              <a:ext uri="{FF2B5EF4-FFF2-40B4-BE49-F238E27FC236}">
+                <a16:creationId xmlns:a16="http://schemas.microsoft.com/office/drawing/2014/main" id="{4F4227B3-9D0A-453E-9AA5-7B17549B3BFC}"/>
               </a:ext>
             </a:extLst>
           </p:cNvPr>
@@ -7106,7 +7106,7 @@
         </p:blipFill>
         <p:spPr>
           <a:xfrm>
-            <a:off x="2428029" y="5103219"/>
+            <a:off x="2434227" y="5102426"/>
             <a:ext cx="5970583" cy="2160000"/>
           </a:xfrm>
           <a:prstGeom prst="rect">
@@ -7116,10 +7116,10 @@
       </p:pic>
       <p:pic>
         <p:nvPicPr>
-          <p:cNvPr id="4" name="Imagem 3">
-            <a:extLst>
-              <a:ext uri="{FF2B5EF4-FFF2-40B4-BE49-F238E27FC236}">
-                <a16:creationId xmlns:a16="http://schemas.microsoft.com/office/drawing/2014/main" id="{5E371A92-45BE-48BA-B797-248C6188A2D1}"/>
+          <p:cNvPr id="9" name="Imagem 8">
+            <a:extLst>
+              <a:ext uri="{FF2B5EF4-FFF2-40B4-BE49-F238E27FC236}">
+                <a16:creationId xmlns:a16="http://schemas.microsoft.com/office/drawing/2014/main" id="{B46F2017-2FF2-4EDE-A118-C3C582FA93B7}"/>
               </a:ext>
             </a:extLst>
           </p:cNvPr>
@@ -7136,7 +7136,7 @@
         </p:blipFill>
         <p:spPr>
           <a:xfrm>
-            <a:off x="1759079" y="7696980"/>
+            <a:off x="1746266" y="7696980"/>
             <a:ext cx="7329711" cy="2160000"/>
           </a:xfrm>
           <a:prstGeom prst="rect">
@@ -12996,7 +12996,7 @@
                 </a:effectLst>
                 <a:latin typeface="Exo 2 Extra Bold" panose="00000900000000000000" pitchFamily="50" charset="0"/>
               </a:rPr>
-              <a:t>Rodada #03</a:t>
+              <a:t>Rodada #05</a:t>
             </a:r>
           </a:p>
         </p:txBody>
@@ -13056,10 +13056,10 @@
       </p:sp>
       <p:pic>
         <p:nvPicPr>
-          <p:cNvPr id="2" name="Imagem 1">
-            <a:extLst>
-              <a:ext uri="{FF2B5EF4-FFF2-40B4-BE49-F238E27FC236}">
-                <a16:creationId xmlns:a16="http://schemas.microsoft.com/office/drawing/2014/main" id="{087DAD95-DF52-41EE-82B6-2D693AED71BE}"/>
+          <p:cNvPr id="3" name="Imagem 2">
+            <a:extLst>
+              <a:ext uri="{FF2B5EF4-FFF2-40B4-BE49-F238E27FC236}">
+                <a16:creationId xmlns:a16="http://schemas.microsoft.com/office/drawing/2014/main" id="{BF731923-7B61-4001-A806-839AC1E49310}"/>
               </a:ext>
             </a:extLst>
           </p:cNvPr>
@@ -13076,7 +13076,7 @@
         </p:blipFill>
         <p:spPr>
           <a:xfrm>
-            <a:off x="1798045" y="1855950"/>
+            <a:off x="1798050" y="2035037"/>
             <a:ext cx="7218867" cy="8280000"/>
           </a:xfrm>
           <a:prstGeom prst="rect">

--- a/Informativos.pptx
+++ b/Informativos.pptx
@@ -293,7 +293,7 @@
             <a:fld id="{11A6662E-FAF4-44BC-88B5-85A7CBFB6D30}" type="datetime1">
               <a:rPr lang="en-US" smtClean="0"/>
               <a:pPr/>
-              <a:t>6/22/2021</a:t>
+              <a:t>6/29/2021</a:t>
             </a:fld>
             <a:endParaRPr lang="en-US" dirty="0"/>
           </a:p>
@@ -520,7 +520,7 @@
           <a:p>
             <a:fld id="{4C559632-1575-4E14-B53B-3DC3D5ED3947}" type="datetime1">
               <a:rPr lang="en-US" smtClean="0"/>
-              <a:t>6/22/2021</a:t>
+              <a:t>6/29/2021</a:t>
             </a:fld>
             <a:endParaRPr lang="en-US"/>
           </a:p>
@@ -728,7 +728,7 @@
           <a:p>
             <a:fld id="{CC4A6868-2568-4CC9-B302-F37117B01A6E}" type="datetime1">
               <a:rPr lang="en-US" smtClean="0"/>
-              <a:t>6/22/2021</a:t>
+              <a:t>6/29/2021</a:t>
             </a:fld>
             <a:endParaRPr lang="en-US"/>
           </a:p>
@@ -933,7 +933,7 @@
           <a:p>
             <a:fld id="{0055F08A-1E71-4B2B-BB49-E743F2903911}" type="datetime1">
               <a:rPr lang="en-US" smtClean="0"/>
-              <a:t>6/22/2021</a:t>
+              <a:t>6/29/2021</a:t>
             </a:fld>
             <a:endParaRPr lang="en-US" dirty="0"/>
           </a:p>
@@ -1207,7 +1207,7 @@
           <a:p>
             <a:fld id="{15417D9E-721A-44BB-8863-9873FE64DA75}" type="datetime1">
               <a:rPr lang="en-US" smtClean="0"/>
-              <a:t>6/22/2021</a:t>
+              <a:t>6/29/2021</a:t>
             </a:fld>
             <a:endParaRPr lang="en-US"/>
           </a:p>
@@ -1480,7 +1480,7 @@
           <a:p>
             <a:fld id="{5F31DA2F-80B8-49CF-99FB-5ABCA53A607A}" type="datetime1">
               <a:rPr lang="en-US" smtClean="0"/>
-              <a:t>6/22/2021</a:t>
+              <a:t>6/29/2021</a:t>
             </a:fld>
             <a:endParaRPr lang="en-US"/>
           </a:p>
@@ -1895,7 +1895,7 @@
           <a:p>
             <a:fld id="{28852172-E6C9-4B6C-929A-A9DE3837BBF1}" type="datetime1">
               <a:rPr lang="en-US" smtClean="0"/>
-              <a:t>6/22/2021</a:t>
+              <a:t>6/29/2021</a:t>
             </a:fld>
             <a:endParaRPr lang="en-US"/>
           </a:p>
@@ -2047,7 +2047,7 @@
           <a:p>
             <a:fld id="{3AB41CFF-90C9-47B3-9DA1-F2BF8D839F7E}" type="datetime1">
               <a:rPr lang="en-US" smtClean="0"/>
-              <a:t>6/22/2021</a:t>
+              <a:t>6/29/2021</a:t>
             </a:fld>
             <a:endParaRPr lang="en-US"/>
           </a:p>
@@ -2160,7 +2160,7 @@
           <a:p>
             <a:fld id="{F06048FA-06AB-4884-A69B-986B96E68A24}" type="datetime1">
               <a:rPr lang="en-US" smtClean="0"/>
-              <a:t>6/22/2021</a:t>
+              <a:t>6/29/2021</a:t>
             </a:fld>
             <a:endParaRPr lang="en-US"/>
           </a:p>
@@ -2471,7 +2471,7 @@
           <a:p>
             <a:fld id="{50DB7ABA-0172-4F9C-889D-567164F66BCD}" type="datetime1">
               <a:rPr lang="en-US" smtClean="0"/>
-              <a:t>6/22/2021</a:t>
+              <a:t>6/29/2021</a:t>
             </a:fld>
             <a:endParaRPr lang="en-US"/>
           </a:p>
@@ -2762,7 +2762,7 @@
           <a:p>
             <a:fld id="{78AC6A5B-8AE7-4A41-B5A7-9ADC6686DC18}" type="datetime1">
               <a:rPr lang="en-US" smtClean="0"/>
-              <a:t>6/22/2021</a:t>
+              <a:t>6/29/2021</a:t>
             </a:fld>
             <a:endParaRPr lang="en-US"/>
           </a:p>
@@ -3071,7 +3071,7 @@
             <a:fld id="{57E0CF6C-748E-4B7A-BC8B-3011EF78ED13}" type="datetime1">
               <a:rPr lang="en-US" smtClean="0"/>
               <a:pPr/>
-              <a:t>6/22/2021</a:t>
+              <a:t>6/29/2021</a:t>
             </a:fld>
             <a:endParaRPr lang="en-US" dirty="0"/>
           </a:p>
@@ -4273,42 +4273,6 @@
           </a:p>
         </p:txBody>
       </p:sp>
-      <p:pic>
-        <p:nvPicPr>
-          <p:cNvPr id="44" name="Imagem 43">
-            <a:extLst>
-              <a:ext uri="{FF2B5EF4-FFF2-40B4-BE49-F238E27FC236}">
-                <a16:creationId xmlns:a16="http://schemas.microsoft.com/office/drawing/2014/main" id="{AC92BC92-0334-4708-810F-520EA6F74C81}"/>
-              </a:ext>
-            </a:extLst>
-          </p:cNvPr>
-          <p:cNvPicPr>
-            <a:picLocks noChangeAspect="1"/>
-          </p:cNvPicPr>
-          <p:nvPr/>
-        </p:nvPicPr>
-        <p:blipFill>
-          <a:blip r:embed="rId4">
-            <a:extLst>
-              <a:ext uri="{28A0092B-C50C-407E-A947-70E740481C1C}">
-                <a14:useLocalDpi xmlns:a14="http://schemas.microsoft.com/office/drawing/2010/main" val="0"/>
-              </a:ext>
-            </a:extLst>
-          </a:blip>
-          <a:stretch>
-            <a:fillRect/>
-          </a:stretch>
-        </p:blipFill>
-        <p:spPr>
-          <a:xfrm>
-            <a:off x="0" y="59613"/>
-            <a:ext cx="1800000" cy="2116555"/>
-          </a:xfrm>
-          <a:prstGeom prst="rect">
-            <a:avLst/>
-          </a:prstGeom>
-        </p:spPr>
-      </p:pic>
       <p:sp>
         <p:nvSpPr>
           <p:cNvPr id="47" name="Triângulo isósceles 1">
@@ -4673,17 +4637,53 @@
                 </a:effectLst>
                 <a:latin typeface="Exo 2 Extra Bold" panose="00000900000000000000" pitchFamily="50" charset="0"/>
               </a:rPr>
-              <a:t>Rodada #05</a:t>
+              <a:t>Rodada #07</a:t>
             </a:r>
           </a:p>
         </p:txBody>
       </p:sp>
       <p:pic>
         <p:nvPicPr>
+          <p:cNvPr id="15" name="Imagem 14">
+            <a:extLst>
+              <a:ext uri="{FF2B5EF4-FFF2-40B4-BE49-F238E27FC236}">
+                <a16:creationId xmlns:a16="http://schemas.microsoft.com/office/drawing/2014/main" id="{780D6AE4-2B31-43CF-8A3B-9ACC73C32FE9}"/>
+              </a:ext>
+            </a:extLst>
+          </p:cNvPr>
+          <p:cNvPicPr>
+            <a:picLocks noChangeAspect="1"/>
+          </p:cNvPicPr>
+          <p:nvPr/>
+        </p:nvPicPr>
+        <p:blipFill>
+          <a:blip r:embed="rId4">
+            <a:extLst>
+              <a:ext uri="{28A0092B-C50C-407E-A947-70E740481C1C}">
+                <a14:useLocalDpi xmlns:a14="http://schemas.microsoft.com/office/drawing/2010/main" val="0"/>
+              </a:ext>
+            </a:extLst>
+          </a:blip>
+          <a:stretch>
+            <a:fillRect/>
+          </a:stretch>
+        </p:blipFill>
+        <p:spPr>
+          <a:xfrm>
+            <a:off x="0" y="61200"/>
+            <a:ext cx="1800000" cy="1888175"/>
+          </a:xfrm>
+          <a:prstGeom prst="rect">
+            <a:avLst/>
+          </a:prstGeom>
+        </p:spPr>
+      </p:pic>
+      <p:pic>
+        <p:nvPicPr>
           <p:cNvPr id="3" name="Imagem 2">
             <a:extLst>
               <a:ext uri="{FF2B5EF4-FFF2-40B4-BE49-F238E27FC236}">
-                <a16:creationId xmlns:a16="http://schemas.microsoft.com/office/drawing/2014/main" id="{D5E639A8-271A-4FFD-9DE3-4C37894A5EA4}"/>
+                <a16:creationId xmlns:a16="http://schemas.microsoft.com/office/drawing/2014/main" id="{43164E6D-9C4F-4529-AB66-67B23710AFFD}"/>
               </a:ext>
             </a:extLst>
           </p:cNvPr>
@@ -4700,7 +4700,7 @@
         </p:blipFill>
         <p:spPr>
           <a:xfrm>
-            <a:off x="957308" y="2545199"/>
+            <a:off x="957308" y="2531971"/>
             <a:ext cx="8899620" cy="7200000"/>
           </a:xfrm>
           <a:prstGeom prst="rect">
@@ -5461,42 +5461,6 @@
           </a:p>
         </p:txBody>
       </p:sp>
-      <p:pic>
-        <p:nvPicPr>
-          <p:cNvPr id="44" name="Imagem 43">
-            <a:extLst>
-              <a:ext uri="{FF2B5EF4-FFF2-40B4-BE49-F238E27FC236}">
-                <a16:creationId xmlns:a16="http://schemas.microsoft.com/office/drawing/2014/main" id="{AC92BC92-0334-4708-810F-520EA6F74C81}"/>
-              </a:ext>
-            </a:extLst>
-          </p:cNvPr>
-          <p:cNvPicPr>
-            <a:picLocks noChangeAspect="1"/>
-          </p:cNvPicPr>
-          <p:nvPr/>
-        </p:nvPicPr>
-        <p:blipFill>
-          <a:blip r:embed="rId4">
-            <a:extLst>
-              <a:ext uri="{28A0092B-C50C-407E-A947-70E740481C1C}">
-                <a14:useLocalDpi xmlns:a14="http://schemas.microsoft.com/office/drawing/2010/main" val="0"/>
-              </a:ext>
-            </a:extLst>
-          </a:blip>
-          <a:stretch>
-            <a:fillRect/>
-          </a:stretch>
-        </p:blipFill>
-        <p:spPr>
-          <a:xfrm>
-            <a:off x="0" y="59613"/>
-            <a:ext cx="1800000" cy="2116555"/>
-          </a:xfrm>
-          <a:prstGeom prst="rect">
-            <a:avLst/>
-          </a:prstGeom>
-        </p:spPr>
-      </p:pic>
       <p:sp>
         <p:nvSpPr>
           <p:cNvPr id="47" name="Triângulo isósceles 1">
@@ -5808,7 +5772,7 @@
                 </a:effectLst>
                 <a:latin typeface="Exo 2 Extra Bold" panose="00000900000000000000" pitchFamily="50" charset="0"/>
               </a:rPr>
-              <a:t>Rodada #05</a:t>
+              <a:t>Rodada #07</a:t>
             </a:r>
           </a:p>
         </p:txBody>
@@ -5868,10 +5832,46 @@
       </p:sp>
       <p:pic>
         <p:nvPicPr>
+          <p:cNvPr id="17" name="Imagem 16">
+            <a:extLst>
+              <a:ext uri="{FF2B5EF4-FFF2-40B4-BE49-F238E27FC236}">
+                <a16:creationId xmlns:a16="http://schemas.microsoft.com/office/drawing/2014/main" id="{41B6C58E-3955-4CF1-BD15-62AD99A75155}"/>
+              </a:ext>
+            </a:extLst>
+          </p:cNvPr>
+          <p:cNvPicPr>
+            <a:picLocks noChangeAspect="1"/>
+          </p:cNvPicPr>
+          <p:nvPr/>
+        </p:nvPicPr>
+        <p:blipFill>
+          <a:blip r:embed="rId4">
+            <a:extLst>
+              <a:ext uri="{28A0092B-C50C-407E-A947-70E740481C1C}">
+                <a14:useLocalDpi xmlns:a14="http://schemas.microsoft.com/office/drawing/2010/main" val="0"/>
+              </a:ext>
+            </a:extLst>
+          </a:blip>
+          <a:stretch>
+            <a:fillRect/>
+          </a:stretch>
+        </p:blipFill>
+        <p:spPr>
+          <a:xfrm>
+            <a:off x="0" y="61200"/>
+            <a:ext cx="1800000" cy="1888175"/>
+          </a:xfrm>
+          <a:prstGeom prst="rect">
+            <a:avLst/>
+          </a:prstGeom>
+        </p:spPr>
+      </p:pic>
+      <p:pic>
+        <p:nvPicPr>
           <p:cNvPr id="3" name="Imagem 2">
             <a:extLst>
               <a:ext uri="{FF2B5EF4-FFF2-40B4-BE49-F238E27FC236}">
-                <a16:creationId xmlns:a16="http://schemas.microsoft.com/office/drawing/2014/main" id="{C0878F29-E8E5-42A1-8E2C-859C5C0073C2}"/>
+                <a16:creationId xmlns:a16="http://schemas.microsoft.com/office/drawing/2014/main" id="{DEAD237A-2A24-4E9A-8D0C-62056E61FBF2}"/>
               </a:ext>
             </a:extLst>
           </p:cNvPr>
@@ -5888,8 +5888,8 @@
         </p:blipFill>
         <p:spPr>
           <a:xfrm>
-            <a:off x="2049384" y="2528701"/>
-            <a:ext cx="6726960" cy="7200000"/>
+            <a:off x="962346" y="3698980"/>
+            <a:ext cx="8892000" cy="3397536"/>
           </a:xfrm>
           <a:prstGeom prst="rect">
             <a:avLst/>
@@ -6649,42 +6649,6 @@
           </a:p>
         </p:txBody>
       </p:sp>
-      <p:pic>
-        <p:nvPicPr>
-          <p:cNvPr id="44" name="Imagem 43">
-            <a:extLst>
-              <a:ext uri="{FF2B5EF4-FFF2-40B4-BE49-F238E27FC236}">
-                <a16:creationId xmlns:a16="http://schemas.microsoft.com/office/drawing/2014/main" id="{AC92BC92-0334-4708-810F-520EA6F74C81}"/>
-              </a:ext>
-            </a:extLst>
-          </p:cNvPr>
-          <p:cNvPicPr>
-            <a:picLocks noChangeAspect="1"/>
-          </p:cNvPicPr>
-          <p:nvPr/>
-        </p:nvPicPr>
-        <p:blipFill>
-          <a:blip r:embed="rId4">
-            <a:extLst>
-              <a:ext uri="{28A0092B-C50C-407E-A947-70E740481C1C}">
-                <a14:useLocalDpi xmlns:a14="http://schemas.microsoft.com/office/drawing/2010/main" val="0"/>
-              </a:ext>
-            </a:extLst>
-          </a:blip>
-          <a:stretch>
-            <a:fillRect/>
-          </a:stretch>
-        </p:blipFill>
-        <p:spPr>
-          <a:xfrm>
-            <a:off x="0" y="59613"/>
-            <a:ext cx="1800000" cy="2116555"/>
-          </a:xfrm>
-          <a:prstGeom prst="rect">
-            <a:avLst/>
-          </a:prstGeom>
-        </p:spPr>
-      </p:pic>
       <p:sp>
         <p:nvSpPr>
           <p:cNvPr id="47" name="Triângulo isósceles 1">
@@ -6996,7 +6960,7 @@
                 </a:effectLst>
                 <a:latin typeface="Exo 2 Extra Bold" panose="00000900000000000000" pitchFamily="50" charset="0"/>
               </a:rPr>
-              <a:t>Rodada #05</a:t>
+              <a:t>Rodada #07</a:t>
             </a:r>
           </a:p>
         </p:txBody>
@@ -7056,10 +7020,46 @@
       </p:sp>
       <p:pic>
         <p:nvPicPr>
+          <p:cNvPr id="19" name="Imagem 18">
+            <a:extLst>
+              <a:ext uri="{FF2B5EF4-FFF2-40B4-BE49-F238E27FC236}">
+                <a16:creationId xmlns:a16="http://schemas.microsoft.com/office/drawing/2014/main" id="{1FE13F54-9C78-4AD5-B4B4-41C042591C2F}"/>
+              </a:ext>
+            </a:extLst>
+          </p:cNvPr>
+          <p:cNvPicPr>
+            <a:picLocks noChangeAspect="1"/>
+          </p:cNvPicPr>
+          <p:nvPr/>
+        </p:nvPicPr>
+        <p:blipFill>
+          <a:blip r:embed="rId4">
+            <a:extLst>
+              <a:ext uri="{28A0092B-C50C-407E-A947-70E740481C1C}">
+                <a14:useLocalDpi xmlns:a14="http://schemas.microsoft.com/office/drawing/2010/main" val="0"/>
+              </a:ext>
+            </a:extLst>
+          </a:blip>
+          <a:stretch>
+            <a:fillRect/>
+          </a:stretch>
+        </p:blipFill>
+        <p:spPr>
+          <a:xfrm>
+            <a:off x="0" y="61200"/>
+            <a:ext cx="1800000" cy="1888175"/>
+          </a:xfrm>
+          <a:prstGeom prst="rect">
+            <a:avLst/>
+          </a:prstGeom>
+        </p:spPr>
+      </p:pic>
+      <p:pic>
+        <p:nvPicPr>
           <p:cNvPr id="7" name="Imagem 6">
             <a:extLst>
               <a:ext uri="{FF2B5EF4-FFF2-40B4-BE49-F238E27FC236}">
-                <a16:creationId xmlns:a16="http://schemas.microsoft.com/office/drawing/2014/main" id="{D9FC07D8-2779-4CC3-A01B-DACCC53D1209}"/>
+                <a16:creationId xmlns:a16="http://schemas.microsoft.com/office/drawing/2014/main" id="{9D31D214-9205-4450-8B72-36F0A777EC56}"/>
               </a:ext>
             </a:extLst>
           </p:cNvPr>
@@ -7076,7 +7076,7 @@
         </p:blipFill>
         <p:spPr>
           <a:xfrm>
-            <a:off x="2434231" y="2561124"/>
+            <a:off x="2429301" y="2561124"/>
             <a:ext cx="5970583" cy="2160000"/>
           </a:xfrm>
           <a:prstGeom prst="rect">
@@ -7086,10 +7086,10 @@
       </p:pic>
       <p:pic>
         <p:nvPicPr>
-          <p:cNvPr id="8" name="Imagem 7">
-            <a:extLst>
-              <a:ext uri="{FF2B5EF4-FFF2-40B4-BE49-F238E27FC236}">
-                <a16:creationId xmlns:a16="http://schemas.microsoft.com/office/drawing/2014/main" id="{4F4227B3-9D0A-453E-9AA5-7B17549B3BFC}"/>
+          <p:cNvPr id="9" name="Imagem 8">
+            <a:extLst>
+              <a:ext uri="{FF2B5EF4-FFF2-40B4-BE49-F238E27FC236}">
+                <a16:creationId xmlns:a16="http://schemas.microsoft.com/office/drawing/2014/main" id="{10A9A248-4166-4001-A7A5-656362EFAD8D}"/>
               </a:ext>
             </a:extLst>
           </p:cNvPr>
@@ -7106,8 +7106,8 @@
         </p:blipFill>
         <p:spPr>
           <a:xfrm>
-            <a:off x="2434227" y="5102426"/>
-            <a:ext cx="5970583" cy="2160000"/>
+            <a:off x="1745815" y="7696980"/>
+            <a:ext cx="7329711" cy="2160000"/>
           </a:xfrm>
           <a:prstGeom prst="rect">
             <a:avLst/>
@@ -7116,10 +7116,10 @@
       </p:pic>
       <p:pic>
         <p:nvPicPr>
-          <p:cNvPr id="9" name="Imagem 8">
-            <a:extLst>
-              <a:ext uri="{FF2B5EF4-FFF2-40B4-BE49-F238E27FC236}">
-                <a16:creationId xmlns:a16="http://schemas.microsoft.com/office/drawing/2014/main" id="{B46F2017-2FF2-4EDE-A118-C3C582FA93B7}"/>
+          <p:cNvPr id="10" name="Imagem 9">
+            <a:extLst>
+              <a:ext uri="{FF2B5EF4-FFF2-40B4-BE49-F238E27FC236}">
+                <a16:creationId xmlns:a16="http://schemas.microsoft.com/office/drawing/2014/main" id="{F30DC84A-F68F-4501-8994-CBDCBB74E924}"/>
               </a:ext>
             </a:extLst>
           </p:cNvPr>
@@ -7136,8 +7136,8 @@
         </p:blipFill>
         <p:spPr>
           <a:xfrm>
-            <a:off x="1746266" y="7696980"/>
-            <a:ext cx="7329711" cy="2160000"/>
+            <a:off x="2427593" y="5057459"/>
+            <a:ext cx="5970583" cy="2160000"/>
           </a:xfrm>
           <a:prstGeom prst="rect">
             <a:avLst/>
@@ -7897,42 +7897,6 @@
           </a:p>
         </p:txBody>
       </p:sp>
-      <p:pic>
-        <p:nvPicPr>
-          <p:cNvPr id="44" name="Imagem 43">
-            <a:extLst>
-              <a:ext uri="{FF2B5EF4-FFF2-40B4-BE49-F238E27FC236}">
-                <a16:creationId xmlns:a16="http://schemas.microsoft.com/office/drawing/2014/main" id="{AC92BC92-0334-4708-810F-520EA6F74C81}"/>
-              </a:ext>
-            </a:extLst>
-          </p:cNvPr>
-          <p:cNvPicPr>
-            <a:picLocks noChangeAspect="1"/>
-          </p:cNvPicPr>
-          <p:nvPr/>
-        </p:nvPicPr>
-        <p:blipFill>
-          <a:blip r:embed="rId4">
-            <a:extLst>
-              <a:ext uri="{28A0092B-C50C-407E-A947-70E740481C1C}">
-                <a14:useLocalDpi xmlns:a14="http://schemas.microsoft.com/office/drawing/2010/main" val="0"/>
-              </a:ext>
-            </a:extLst>
-          </a:blip>
-          <a:stretch>
-            <a:fillRect/>
-          </a:stretch>
-        </p:blipFill>
-        <p:spPr>
-          <a:xfrm>
-            <a:off x="0" y="59613"/>
-            <a:ext cx="1800000" cy="2116555"/>
-          </a:xfrm>
-          <a:prstGeom prst="rect">
-            <a:avLst/>
-          </a:prstGeom>
-        </p:spPr>
-      </p:pic>
       <p:sp>
         <p:nvSpPr>
           <p:cNvPr id="47" name="Triângulo isósceles 1">
@@ -8317,7 +8281,7 @@
           <p:nvPr/>
         </p:nvPicPr>
         <p:blipFill>
-          <a:blip r:embed="rId5"/>
+          <a:blip r:embed="rId4"/>
           <a:stretch>
             <a:fillRect/>
           </a:stretch>
@@ -8326,6 +8290,42 @@
           <a:xfrm>
             <a:off x="841937" y="2532606"/>
             <a:ext cx="9154806" cy="7200000"/>
+          </a:xfrm>
+          <a:prstGeom prst="rect">
+            <a:avLst/>
+          </a:prstGeom>
+        </p:spPr>
+      </p:pic>
+      <p:pic>
+        <p:nvPicPr>
+          <p:cNvPr id="17" name="Imagem 16">
+            <a:extLst>
+              <a:ext uri="{FF2B5EF4-FFF2-40B4-BE49-F238E27FC236}">
+                <a16:creationId xmlns:a16="http://schemas.microsoft.com/office/drawing/2014/main" id="{C79AE0AC-FD8F-4E91-B677-CB7CD644FEF2}"/>
+              </a:ext>
+            </a:extLst>
+          </p:cNvPr>
+          <p:cNvPicPr>
+            <a:picLocks noChangeAspect="1"/>
+          </p:cNvPicPr>
+          <p:nvPr/>
+        </p:nvPicPr>
+        <p:blipFill>
+          <a:blip r:embed="rId5">
+            <a:extLst>
+              <a:ext uri="{28A0092B-C50C-407E-A947-70E740481C1C}">
+                <a14:useLocalDpi xmlns:a14="http://schemas.microsoft.com/office/drawing/2010/main" val="0"/>
+              </a:ext>
+            </a:extLst>
+          </a:blip>
+          <a:stretch>
+            <a:fillRect/>
+          </a:stretch>
+        </p:blipFill>
+        <p:spPr>
+          <a:xfrm>
+            <a:off x="0" y="61200"/>
+            <a:ext cx="1800000" cy="1888175"/>
           </a:xfrm>
           <a:prstGeom prst="rect">
             <a:avLst/>
@@ -9085,42 +9085,6 @@
           </a:p>
         </p:txBody>
       </p:sp>
-      <p:pic>
-        <p:nvPicPr>
-          <p:cNvPr id="44" name="Imagem 43">
-            <a:extLst>
-              <a:ext uri="{FF2B5EF4-FFF2-40B4-BE49-F238E27FC236}">
-                <a16:creationId xmlns:a16="http://schemas.microsoft.com/office/drawing/2014/main" id="{AC92BC92-0334-4708-810F-520EA6F74C81}"/>
-              </a:ext>
-            </a:extLst>
-          </p:cNvPr>
-          <p:cNvPicPr>
-            <a:picLocks noChangeAspect="1"/>
-          </p:cNvPicPr>
-          <p:nvPr/>
-        </p:nvPicPr>
-        <p:blipFill>
-          <a:blip r:embed="rId4">
-            <a:extLst>
-              <a:ext uri="{28A0092B-C50C-407E-A947-70E740481C1C}">
-                <a14:useLocalDpi xmlns:a14="http://schemas.microsoft.com/office/drawing/2010/main" val="0"/>
-              </a:ext>
-            </a:extLst>
-          </a:blip>
-          <a:stretch>
-            <a:fillRect/>
-          </a:stretch>
-        </p:blipFill>
-        <p:spPr>
-          <a:xfrm>
-            <a:off x="0" y="59613"/>
-            <a:ext cx="1800000" cy="2116555"/>
-          </a:xfrm>
-          <a:prstGeom prst="rect">
-            <a:avLst/>
-          </a:prstGeom>
-        </p:spPr>
-      </p:pic>
       <p:sp>
         <p:nvSpPr>
           <p:cNvPr id="47" name="Triângulo isósceles 1">
@@ -9505,7 +9469,7 @@
           <p:nvPr/>
         </p:nvPicPr>
         <p:blipFill>
-          <a:blip r:embed="rId5"/>
+          <a:blip r:embed="rId4"/>
           <a:stretch>
             <a:fillRect/>
           </a:stretch>
@@ -9514,6 +9478,42 @@
           <a:xfrm>
             <a:off x="829232" y="2535505"/>
             <a:ext cx="9154806" cy="7200000"/>
+          </a:xfrm>
+          <a:prstGeom prst="rect">
+            <a:avLst/>
+          </a:prstGeom>
+        </p:spPr>
+      </p:pic>
+      <p:pic>
+        <p:nvPicPr>
+          <p:cNvPr id="17" name="Imagem 16">
+            <a:extLst>
+              <a:ext uri="{FF2B5EF4-FFF2-40B4-BE49-F238E27FC236}">
+                <a16:creationId xmlns:a16="http://schemas.microsoft.com/office/drawing/2014/main" id="{A0C9A1A9-149D-474C-AE6F-78964D0C38DE}"/>
+              </a:ext>
+            </a:extLst>
+          </p:cNvPr>
+          <p:cNvPicPr>
+            <a:picLocks noChangeAspect="1"/>
+          </p:cNvPicPr>
+          <p:nvPr/>
+        </p:nvPicPr>
+        <p:blipFill>
+          <a:blip r:embed="rId5">
+            <a:extLst>
+              <a:ext uri="{28A0092B-C50C-407E-A947-70E740481C1C}">
+                <a14:useLocalDpi xmlns:a14="http://schemas.microsoft.com/office/drawing/2010/main" val="0"/>
+              </a:ext>
+            </a:extLst>
+          </a:blip>
+          <a:stretch>
+            <a:fillRect/>
+          </a:stretch>
+        </p:blipFill>
+        <p:spPr>
+          <a:xfrm>
+            <a:off x="0" y="61200"/>
+            <a:ext cx="1800000" cy="1888175"/>
           </a:xfrm>
           <a:prstGeom prst="rect">
             <a:avLst/>
@@ -10273,42 +10273,6 @@
           </a:p>
         </p:txBody>
       </p:sp>
-      <p:pic>
-        <p:nvPicPr>
-          <p:cNvPr id="44" name="Imagem 43">
-            <a:extLst>
-              <a:ext uri="{FF2B5EF4-FFF2-40B4-BE49-F238E27FC236}">
-                <a16:creationId xmlns:a16="http://schemas.microsoft.com/office/drawing/2014/main" id="{AC92BC92-0334-4708-810F-520EA6F74C81}"/>
-              </a:ext>
-            </a:extLst>
-          </p:cNvPr>
-          <p:cNvPicPr>
-            <a:picLocks noChangeAspect="1"/>
-          </p:cNvPicPr>
-          <p:nvPr/>
-        </p:nvPicPr>
-        <p:blipFill>
-          <a:blip r:embed="rId4">
-            <a:extLst>
-              <a:ext uri="{28A0092B-C50C-407E-A947-70E740481C1C}">
-                <a14:useLocalDpi xmlns:a14="http://schemas.microsoft.com/office/drawing/2010/main" val="0"/>
-              </a:ext>
-            </a:extLst>
-          </a:blip>
-          <a:stretch>
-            <a:fillRect/>
-          </a:stretch>
-        </p:blipFill>
-        <p:spPr>
-          <a:xfrm>
-            <a:off x="0" y="59613"/>
-            <a:ext cx="1800000" cy="2116555"/>
-          </a:xfrm>
-          <a:prstGeom prst="rect">
-            <a:avLst/>
-          </a:prstGeom>
-        </p:spPr>
-      </p:pic>
       <p:sp>
         <p:nvSpPr>
           <p:cNvPr id="47" name="Triângulo isósceles 1">
@@ -10693,7 +10657,7 @@
           <p:nvPr/>
         </p:nvPicPr>
         <p:blipFill>
-          <a:blip r:embed="rId5"/>
+          <a:blip r:embed="rId4"/>
           <a:stretch>
             <a:fillRect/>
           </a:stretch>
@@ -10702,6 +10666,42 @@
           <a:xfrm>
             <a:off x="841937" y="2532610"/>
             <a:ext cx="9154806" cy="7200000"/>
+          </a:xfrm>
+          <a:prstGeom prst="rect">
+            <a:avLst/>
+          </a:prstGeom>
+        </p:spPr>
+      </p:pic>
+      <p:pic>
+        <p:nvPicPr>
+          <p:cNvPr id="17" name="Imagem 16">
+            <a:extLst>
+              <a:ext uri="{FF2B5EF4-FFF2-40B4-BE49-F238E27FC236}">
+                <a16:creationId xmlns:a16="http://schemas.microsoft.com/office/drawing/2014/main" id="{3BF67165-EE2F-404F-977E-0FBE1B346F84}"/>
+              </a:ext>
+            </a:extLst>
+          </p:cNvPr>
+          <p:cNvPicPr>
+            <a:picLocks noChangeAspect="1"/>
+          </p:cNvPicPr>
+          <p:nvPr/>
+        </p:nvPicPr>
+        <p:blipFill>
+          <a:blip r:embed="rId5">
+            <a:extLst>
+              <a:ext uri="{28A0092B-C50C-407E-A947-70E740481C1C}">
+                <a14:useLocalDpi xmlns:a14="http://schemas.microsoft.com/office/drawing/2010/main" val="0"/>
+              </a:ext>
+            </a:extLst>
+          </a:blip>
+          <a:stretch>
+            <a:fillRect/>
+          </a:stretch>
+        </p:blipFill>
+        <p:spPr>
+          <a:xfrm>
+            <a:off x="0" y="61200"/>
+            <a:ext cx="1800000" cy="1888175"/>
           </a:xfrm>
           <a:prstGeom prst="rect">
             <a:avLst/>
@@ -11461,42 +11461,6 @@
           </a:p>
         </p:txBody>
       </p:sp>
-      <p:pic>
-        <p:nvPicPr>
-          <p:cNvPr id="44" name="Imagem 43">
-            <a:extLst>
-              <a:ext uri="{FF2B5EF4-FFF2-40B4-BE49-F238E27FC236}">
-                <a16:creationId xmlns:a16="http://schemas.microsoft.com/office/drawing/2014/main" id="{AC92BC92-0334-4708-810F-520EA6F74C81}"/>
-              </a:ext>
-            </a:extLst>
-          </p:cNvPr>
-          <p:cNvPicPr>
-            <a:picLocks noChangeAspect="1"/>
-          </p:cNvPicPr>
-          <p:nvPr/>
-        </p:nvPicPr>
-        <p:blipFill>
-          <a:blip r:embed="rId4">
-            <a:extLst>
-              <a:ext uri="{28A0092B-C50C-407E-A947-70E740481C1C}">
-                <a14:useLocalDpi xmlns:a14="http://schemas.microsoft.com/office/drawing/2010/main" val="0"/>
-              </a:ext>
-            </a:extLst>
-          </a:blip>
-          <a:stretch>
-            <a:fillRect/>
-          </a:stretch>
-        </p:blipFill>
-        <p:spPr>
-          <a:xfrm>
-            <a:off x="0" y="59613"/>
-            <a:ext cx="1800000" cy="2116555"/>
-          </a:xfrm>
-          <a:prstGeom prst="rect">
-            <a:avLst/>
-          </a:prstGeom>
-        </p:spPr>
-      </p:pic>
       <p:sp>
         <p:nvSpPr>
           <p:cNvPr id="47" name="Triângulo isósceles 1">
@@ -11881,7 +11845,7 @@
           <p:nvPr/>
         </p:nvPicPr>
         <p:blipFill>
-          <a:blip r:embed="rId5"/>
+          <a:blip r:embed="rId4"/>
           <a:stretch>
             <a:fillRect/>
           </a:stretch>
@@ -11890,6 +11854,42 @@
           <a:xfrm>
             <a:off x="2377342" y="3791832"/>
             <a:ext cx="6083995" cy="3240000"/>
+          </a:xfrm>
+          <a:prstGeom prst="rect">
+            <a:avLst/>
+          </a:prstGeom>
+        </p:spPr>
+      </p:pic>
+      <p:pic>
+        <p:nvPicPr>
+          <p:cNvPr id="17" name="Imagem 16">
+            <a:extLst>
+              <a:ext uri="{FF2B5EF4-FFF2-40B4-BE49-F238E27FC236}">
+                <a16:creationId xmlns:a16="http://schemas.microsoft.com/office/drawing/2014/main" id="{F20FE730-254D-4805-8D5B-1F408097E5A8}"/>
+              </a:ext>
+            </a:extLst>
+          </p:cNvPr>
+          <p:cNvPicPr>
+            <a:picLocks noChangeAspect="1"/>
+          </p:cNvPicPr>
+          <p:nvPr/>
+        </p:nvPicPr>
+        <p:blipFill>
+          <a:blip r:embed="rId5">
+            <a:extLst>
+              <a:ext uri="{28A0092B-C50C-407E-A947-70E740481C1C}">
+                <a14:useLocalDpi xmlns:a14="http://schemas.microsoft.com/office/drawing/2010/main" val="0"/>
+              </a:ext>
+            </a:extLst>
+          </a:blip>
+          <a:stretch>
+            <a:fillRect/>
+          </a:stretch>
+        </p:blipFill>
+        <p:spPr>
+          <a:xfrm>
+            <a:off x="0" y="61200"/>
+            <a:ext cx="1800000" cy="1888175"/>
           </a:xfrm>
           <a:prstGeom prst="rect">
             <a:avLst/>
@@ -12649,42 +12649,6 @@
           </a:p>
         </p:txBody>
       </p:sp>
-      <p:pic>
-        <p:nvPicPr>
-          <p:cNvPr id="44" name="Imagem 43">
-            <a:extLst>
-              <a:ext uri="{FF2B5EF4-FFF2-40B4-BE49-F238E27FC236}">
-                <a16:creationId xmlns:a16="http://schemas.microsoft.com/office/drawing/2014/main" id="{AC92BC92-0334-4708-810F-520EA6F74C81}"/>
-              </a:ext>
-            </a:extLst>
-          </p:cNvPr>
-          <p:cNvPicPr>
-            <a:picLocks noChangeAspect="1"/>
-          </p:cNvPicPr>
-          <p:nvPr/>
-        </p:nvPicPr>
-        <p:blipFill>
-          <a:blip r:embed="rId4">
-            <a:extLst>
-              <a:ext uri="{28A0092B-C50C-407E-A947-70E740481C1C}">
-                <a14:useLocalDpi xmlns:a14="http://schemas.microsoft.com/office/drawing/2010/main" val="0"/>
-              </a:ext>
-            </a:extLst>
-          </a:blip>
-          <a:stretch>
-            <a:fillRect/>
-          </a:stretch>
-        </p:blipFill>
-        <p:spPr>
-          <a:xfrm>
-            <a:off x="0" y="59613"/>
-            <a:ext cx="1800000" cy="2116555"/>
-          </a:xfrm>
-          <a:prstGeom prst="rect">
-            <a:avLst/>
-          </a:prstGeom>
-        </p:spPr>
-      </p:pic>
       <p:sp>
         <p:nvSpPr>
           <p:cNvPr id="47" name="Triângulo isósceles 1">
@@ -12996,7 +12960,7 @@
                 </a:effectLst>
                 <a:latin typeface="Exo 2 Extra Bold" panose="00000900000000000000" pitchFamily="50" charset="0"/>
               </a:rPr>
-              <a:t>Rodada #05</a:t>
+              <a:t>Rodada #07</a:t>
             </a:r>
           </a:p>
         </p:txBody>
@@ -13056,10 +13020,46 @@
       </p:sp>
       <p:pic>
         <p:nvPicPr>
-          <p:cNvPr id="3" name="Imagem 2">
-            <a:extLst>
-              <a:ext uri="{FF2B5EF4-FFF2-40B4-BE49-F238E27FC236}">
-                <a16:creationId xmlns:a16="http://schemas.microsoft.com/office/drawing/2014/main" id="{BF731923-7B61-4001-A806-839AC1E49310}"/>
+          <p:cNvPr id="17" name="Imagem 16">
+            <a:extLst>
+              <a:ext uri="{FF2B5EF4-FFF2-40B4-BE49-F238E27FC236}">
+                <a16:creationId xmlns:a16="http://schemas.microsoft.com/office/drawing/2014/main" id="{759A7F32-A444-4475-883F-60A755F1AFAA}"/>
+              </a:ext>
+            </a:extLst>
+          </p:cNvPr>
+          <p:cNvPicPr>
+            <a:picLocks noChangeAspect="1"/>
+          </p:cNvPicPr>
+          <p:nvPr/>
+        </p:nvPicPr>
+        <p:blipFill>
+          <a:blip r:embed="rId4">
+            <a:extLst>
+              <a:ext uri="{28A0092B-C50C-407E-A947-70E740481C1C}">
+                <a14:useLocalDpi xmlns:a14="http://schemas.microsoft.com/office/drawing/2010/main" val="0"/>
+              </a:ext>
+            </a:extLst>
+          </a:blip>
+          <a:stretch>
+            <a:fillRect/>
+          </a:stretch>
+        </p:blipFill>
+        <p:spPr>
+          <a:xfrm>
+            <a:off x="0" y="61200"/>
+            <a:ext cx="1800000" cy="1888175"/>
+          </a:xfrm>
+          <a:prstGeom prst="rect">
+            <a:avLst/>
+          </a:prstGeom>
+        </p:spPr>
+      </p:pic>
+      <p:pic>
+        <p:nvPicPr>
+          <p:cNvPr id="4" name="Imagem 3">
+            <a:extLst>
+              <a:ext uri="{FF2B5EF4-FFF2-40B4-BE49-F238E27FC236}">
+                <a16:creationId xmlns:a16="http://schemas.microsoft.com/office/drawing/2014/main" id="{681BA79A-C016-4841-8153-ADE96E80FE4F}"/>
               </a:ext>
             </a:extLst>
           </p:cNvPr>
@@ -13076,8 +13076,8 @@
         </p:blipFill>
         <p:spPr>
           <a:xfrm>
-            <a:off x="1798050" y="2035037"/>
-            <a:ext cx="7218867" cy="8280000"/>
+            <a:off x="1591511" y="1966423"/>
+            <a:ext cx="7662867" cy="8280000"/>
           </a:xfrm>
           <a:prstGeom prst="rect">
             <a:avLst/>

--- a/Informativos.pptx
+++ b/Informativos.pptx
@@ -8,11 +8,12 @@
     <p:sldId id="263" r:id="rId2"/>
     <p:sldId id="266" r:id="rId3"/>
     <p:sldId id="265" r:id="rId4"/>
-    <p:sldId id="267" r:id="rId5"/>
-    <p:sldId id="270" r:id="rId6"/>
-    <p:sldId id="268" r:id="rId7"/>
-    <p:sldId id="269" r:id="rId8"/>
-    <p:sldId id="264" r:id="rId9"/>
+    <p:sldId id="271" r:id="rId5"/>
+    <p:sldId id="267" r:id="rId6"/>
+    <p:sldId id="270" r:id="rId7"/>
+    <p:sldId id="268" r:id="rId8"/>
+    <p:sldId id="269" r:id="rId9"/>
+    <p:sldId id="264" r:id="rId10"/>
   </p:sldIdLst>
   <p:sldSz cx="10799763" cy="10799763"/>
   <p:notesSz cx="6858000" cy="9144000"/>
@@ -293,7 +294,7 @@
             <a:fld id="{11A6662E-FAF4-44BC-88B5-85A7CBFB6D30}" type="datetime1">
               <a:rPr lang="en-US" smtClean="0"/>
               <a:pPr/>
-              <a:t>6/29/2021</a:t>
+              <a:t>7/2/2021</a:t>
             </a:fld>
             <a:endParaRPr lang="en-US" dirty="0"/>
           </a:p>
@@ -520,7 +521,7 @@
           <a:p>
             <a:fld id="{4C559632-1575-4E14-B53B-3DC3D5ED3947}" type="datetime1">
               <a:rPr lang="en-US" smtClean="0"/>
-              <a:t>6/29/2021</a:t>
+              <a:t>7/2/2021</a:t>
             </a:fld>
             <a:endParaRPr lang="en-US"/>
           </a:p>
@@ -728,7 +729,7 @@
           <a:p>
             <a:fld id="{CC4A6868-2568-4CC9-B302-F37117B01A6E}" type="datetime1">
               <a:rPr lang="en-US" smtClean="0"/>
-              <a:t>6/29/2021</a:t>
+              <a:t>7/2/2021</a:t>
             </a:fld>
             <a:endParaRPr lang="en-US"/>
           </a:p>
@@ -933,7 +934,7 @@
           <a:p>
             <a:fld id="{0055F08A-1E71-4B2B-BB49-E743F2903911}" type="datetime1">
               <a:rPr lang="en-US" smtClean="0"/>
-              <a:t>6/29/2021</a:t>
+              <a:t>7/2/2021</a:t>
             </a:fld>
             <a:endParaRPr lang="en-US" dirty="0"/>
           </a:p>
@@ -1207,7 +1208,7 @@
           <a:p>
             <a:fld id="{15417D9E-721A-44BB-8863-9873FE64DA75}" type="datetime1">
               <a:rPr lang="en-US" smtClean="0"/>
-              <a:t>6/29/2021</a:t>
+              <a:t>7/2/2021</a:t>
             </a:fld>
             <a:endParaRPr lang="en-US"/>
           </a:p>
@@ -1480,7 +1481,7 @@
           <a:p>
             <a:fld id="{5F31DA2F-80B8-49CF-99FB-5ABCA53A607A}" type="datetime1">
               <a:rPr lang="en-US" smtClean="0"/>
-              <a:t>6/29/2021</a:t>
+              <a:t>7/2/2021</a:t>
             </a:fld>
             <a:endParaRPr lang="en-US"/>
           </a:p>
@@ -1895,7 +1896,7 @@
           <a:p>
             <a:fld id="{28852172-E6C9-4B6C-929A-A9DE3837BBF1}" type="datetime1">
               <a:rPr lang="en-US" smtClean="0"/>
-              <a:t>6/29/2021</a:t>
+              <a:t>7/2/2021</a:t>
             </a:fld>
             <a:endParaRPr lang="en-US"/>
           </a:p>
@@ -2047,7 +2048,7 @@
           <a:p>
             <a:fld id="{3AB41CFF-90C9-47B3-9DA1-F2BF8D839F7E}" type="datetime1">
               <a:rPr lang="en-US" smtClean="0"/>
-              <a:t>6/29/2021</a:t>
+              <a:t>7/2/2021</a:t>
             </a:fld>
             <a:endParaRPr lang="en-US"/>
           </a:p>
@@ -2160,7 +2161,7 @@
           <a:p>
             <a:fld id="{F06048FA-06AB-4884-A69B-986B96E68A24}" type="datetime1">
               <a:rPr lang="en-US" smtClean="0"/>
-              <a:t>6/29/2021</a:t>
+              <a:t>7/2/2021</a:t>
             </a:fld>
             <a:endParaRPr lang="en-US"/>
           </a:p>
@@ -2471,7 +2472,7 @@
           <a:p>
             <a:fld id="{50DB7ABA-0172-4F9C-889D-567164F66BCD}" type="datetime1">
               <a:rPr lang="en-US" smtClean="0"/>
-              <a:t>6/29/2021</a:t>
+              <a:t>7/2/2021</a:t>
             </a:fld>
             <a:endParaRPr lang="en-US"/>
           </a:p>
@@ -2762,7 +2763,7 @@
           <a:p>
             <a:fld id="{78AC6A5B-8AE7-4A41-B5A7-9ADC6686DC18}" type="datetime1">
               <a:rPr lang="en-US" smtClean="0"/>
-              <a:t>6/29/2021</a:t>
+              <a:t>7/2/2021</a:t>
             </a:fld>
             <a:endParaRPr lang="en-US"/>
           </a:p>
@@ -3071,7 +3072,7 @@
             <a:fld id="{57E0CF6C-748E-4B7A-BC8B-3011EF78ED13}" type="datetime1">
               <a:rPr lang="en-US" smtClean="0"/>
               <a:pPr/>
-              <a:t>6/29/2021</a:t>
+              <a:t>7/2/2021</a:t>
             </a:fld>
             <a:endParaRPr lang="en-US" dirty="0"/>
           </a:p>
@@ -4637,7 +4638,7 @@
                 </a:effectLst>
                 <a:latin typeface="Exo 2 Extra Bold" panose="00000900000000000000" pitchFamily="50" charset="0"/>
               </a:rPr>
-              <a:t>Rodada #07</a:t>
+              <a:t>Rodada #08</a:t>
             </a:r>
           </a:p>
         </p:txBody>
@@ -4680,10 +4681,10 @@
       </p:pic>
       <p:pic>
         <p:nvPicPr>
-          <p:cNvPr id="3" name="Imagem 2">
-            <a:extLst>
-              <a:ext uri="{FF2B5EF4-FFF2-40B4-BE49-F238E27FC236}">
-                <a16:creationId xmlns:a16="http://schemas.microsoft.com/office/drawing/2014/main" id="{43164E6D-9C4F-4529-AB66-67B23710AFFD}"/>
+          <p:cNvPr id="2" name="Imagem 1">
+            <a:extLst>
+              <a:ext uri="{FF2B5EF4-FFF2-40B4-BE49-F238E27FC236}">
+                <a16:creationId xmlns:a16="http://schemas.microsoft.com/office/drawing/2014/main" id="{4EFC4FD3-18E5-4002-A498-98FD08CAA8BF}"/>
               </a:ext>
             </a:extLst>
           </p:cNvPr>
@@ -4700,7 +4701,7 @@
         </p:blipFill>
         <p:spPr>
           <a:xfrm>
-            <a:off x="957308" y="2531971"/>
+            <a:off x="962581" y="2532092"/>
             <a:ext cx="8899620" cy="7200000"/>
           </a:xfrm>
           <a:prstGeom prst="rect">
@@ -5772,7 +5773,7 @@
                 </a:effectLst>
                 <a:latin typeface="Exo 2 Extra Bold" panose="00000900000000000000" pitchFamily="50" charset="0"/>
               </a:rPr>
-              <a:t>Rodada #07</a:t>
+              <a:t>Rodada #08</a:t>
             </a:r>
           </a:p>
         </p:txBody>
@@ -5868,10 +5869,10 @@
       </p:pic>
       <p:pic>
         <p:nvPicPr>
-          <p:cNvPr id="3" name="Imagem 2">
-            <a:extLst>
-              <a:ext uri="{FF2B5EF4-FFF2-40B4-BE49-F238E27FC236}">
-                <a16:creationId xmlns:a16="http://schemas.microsoft.com/office/drawing/2014/main" id="{DEAD237A-2A24-4E9A-8D0C-62056E61FBF2}"/>
+          <p:cNvPr id="2" name="Imagem 1">
+            <a:extLst>
+              <a:ext uri="{FF2B5EF4-FFF2-40B4-BE49-F238E27FC236}">
+                <a16:creationId xmlns:a16="http://schemas.microsoft.com/office/drawing/2014/main" id="{3ADE026B-88F2-4EF6-A23C-DB215ECBA394}"/>
               </a:ext>
             </a:extLst>
           </p:cNvPr>
@@ -5888,8 +5889,8 @@
         </p:blipFill>
         <p:spPr>
           <a:xfrm>
-            <a:off x="962346" y="3698980"/>
-            <a:ext cx="8892000" cy="3397536"/>
+            <a:off x="965346" y="3720131"/>
+            <a:ext cx="8892000" cy="3397607"/>
           </a:xfrm>
           <a:prstGeom prst="rect">
             <a:avLst/>
@@ -6960,7 +6961,7 @@
                 </a:effectLst>
                 <a:latin typeface="Exo 2 Extra Bold" panose="00000900000000000000" pitchFamily="50" charset="0"/>
               </a:rPr>
-              <a:t>Rodada #07</a:t>
+              <a:t>Rodada #08</a:t>
             </a:r>
           </a:p>
         </p:txBody>
@@ -7056,10 +7057,10 @@
       </p:pic>
       <p:pic>
         <p:nvPicPr>
-          <p:cNvPr id="7" name="Imagem 6">
-            <a:extLst>
-              <a:ext uri="{FF2B5EF4-FFF2-40B4-BE49-F238E27FC236}">
-                <a16:creationId xmlns:a16="http://schemas.microsoft.com/office/drawing/2014/main" id="{9D31D214-9205-4450-8B72-36F0A777EC56}"/>
+          <p:cNvPr id="2" name="Imagem 1">
+            <a:extLst>
+              <a:ext uri="{FF2B5EF4-FFF2-40B4-BE49-F238E27FC236}">
+                <a16:creationId xmlns:a16="http://schemas.microsoft.com/office/drawing/2014/main" id="{E9BEE3C6-1D6C-4AE5-BF1A-2FBCC4E378EC}"/>
               </a:ext>
             </a:extLst>
           </p:cNvPr>
@@ -7076,7 +7077,7 @@
         </p:blipFill>
         <p:spPr>
           <a:xfrm>
-            <a:off x="2429301" y="2561124"/>
+            <a:off x="2430788" y="2561124"/>
             <a:ext cx="5970583" cy="2160000"/>
           </a:xfrm>
           <a:prstGeom prst="rect">
@@ -7086,10 +7087,10 @@
       </p:pic>
       <p:pic>
         <p:nvPicPr>
-          <p:cNvPr id="9" name="Imagem 8">
-            <a:extLst>
-              <a:ext uri="{FF2B5EF4-FFF2-40B4-BE49-F238E27FC236}">
-                <a16:creationId xmlns:a16="http://schemas.microsoft.com/office/drawing/2014/main" id="{10A9A248-4166-4001-A7A5-656362EFAD8D}"/>
+          <p:cNvPr id="3" name="Imagem 2">
+            <a:extLst>
+              <a:ext uri="{FF2B5EF4-FFF2-40B4-BE49-F238E27FC236}">
+                <a16:creationId xmlns:a16="http://schemas.microsoft.com/office/drawing/2014/main" id="{CC759F07-590C-48FF-BF62-5E3BB134BAA6}"/>
               </a:ext>
             </a:extLst>
           </p:cNvPr>
@@ -7106,8 +7107,8 @@
         </p:blipFill>
         <p:spPr>
           <a:xfrm>
-            <a:off x="1745815" y="7696980"/>
-            <a:ext cx="7329711" cy="2160000"/>
+            <a:off x="2424084" y="5057459"/>
+            <a:ext cx="5970583" cy="2160000"/>
           </a:xfrm>
           <a:prstGeom prst="rect">
             <a:avLst/>
@@ -7116,10 +7117,10 @@
       </p:pic>
       <p:pic>
         <p:nvPicPr>
-          <p:cNvPr id="10" name="Imagem 9">
-            <a:extLst>
-              <a:ext uri="{FF2B5EF4-FFF2-40B4-BE49-F238E27FC236}">
-                <a16:creationId xmlns:a16="http://schemas.microsoft.com/office/drawing/2014/main" id="{F30DC84A-F68F-4501-8994-CBDCBB74E924}"/>
+          <p:cNvPr id="4" name="Imagem 3">
+            <a:extLst>
+              <a:ext uri="{FF2B5EF4-FFF2-40B4-BE49-F238E27FC236}">
+                <a16:creationId xmlns:a16="http://schemas.microsoft.com/office/drawing/2014/main" id="{06805D66-3D4F-4AF8-BCAA-27DFE73406C1}"/>
               </a:ext>
             </a:extLst>
           </p:cNvPr>
@@ -7136,8 +7137,8 @@
         </p:blipFill>
         <p:spPr>
           <a:xfrm>
-            <a:off x="2427593" y="5057459"/>
-            <a:ext cx="5970583" cy="2160000"/>
+            <a:off x="1740923" y="7696980"/>
+            <a:ext cx="7329711" cy="2160000"/>
           </a:xfrm>
           <a:prstGeom prst="rect">
             <a:avLst/>
@@ -8164,6 +8165,57 @@
       </p:sp>
       <p:sp>
         <p:nvSpPr>
+          <p:cNvPr id="53" name="Retângulo 52">
+            <a:extLst>
+              <a:ext uri="{FF2B5EF4-FFF2-40B4-BE49-F238E27FC236}">
+                <a16:creationId xmlns:a16="http://schemas.microsoft.com/office/drawing/2014/main" id="{F101E0BF-8A68-40B9-BC26-35C299182F52}"/>
+              </a:ext>
+            </a:extLst>
+          </p:cNvPr>
+          <p:cNvSpPr/>
+          <p:nvPr/>
+        </p:nvSpPr>
+        <p:spPr>
+          <a:xfrm>
+            <a:off x="6331476" y="1590268"/>
+            <a:ext cx="4499881" cy="830997"/>
+          </a:xfrm>
+          <a:prstGeom prst="rect">
+            <a:avLst/>
+          </a:prstGeom>
+          <a:noFill/>
+        </p:spPr>
+        <p:txBody>
+          <a:bodyPr wrap="square" lIns="91440" tIns="45720" rIns="91440" bIns="45720">
+            <a:spAutoFit/>
+          </a:bodyPr>
+          <a:lstStyle/>
+          <a:p>
+            <a:pPr algn="ctr"/>
+            <a:r>
+              <a:rPr lang="pt-BR" sz="4800" b="0" cap="none" spc="0" dirty="0">
+                <a:ln w="0">
+                  <a:noFill/>
+                </a:ln>
+                <a:solidFill>
+                  <a:schemeClr val="bg1"/>
+                </a:solidFill>
+                <a:effectLst>
+                  <a:outerShdw blurRad="38100" dist="19050" dir="2700000" algn="tl" rotWithShape="0">
+                    <a:schemeClr val="dk1">
+                      <a:alpha val="40000"/>
+                    </a:schemeClr>
+                  </a:outerShdw>
+                </a:effectLst>
+                <a:latin typeface="Exo 2 Extra Bold" panose="00000900000000000000" pitchFamily="50" charset="0"/>
+              </a:rPr>
+              <a:t>Rodada #08</a:t>
+            </a:r>
+          </a:p>
+        </p:txBody>
+      </p:sp>
+      <p:sp>
+        <p:nvSpPr>
           <p:cNvPr id="15" name="Retângulo 14">
             <a:extLst>
               <a:ext uri="{FF2B5EF4-FFF2-40B4-BE49-F238E27FC236}">
@@ -8215,63 +8267,12 @@
           </a:p>
         </p:txBody>
       </p:sp>
-      <p:sp>
-        <p:nvSpPr>
-          <p:cNvPr id="18" name="Retângulo 17">
-            <a:extLst>
-              <a:ext uri="{FF2B5EF4-FFF2-40B4-BE49-F238E27FC236}">
-                <a16:creationId xmlns:a16="http://schemas.microsoft.com/office/drawing/2014/main" id="{F6DB3AFB-FC09-4ACF-A353-83560CA9E36E}"/>
-              </a:ext>
-            </a:extLst>
-          </p:cNvPr>
-          <p:cNvSpPr/>
-          <p:nvPr/>
-        </p:nvSpPr>
-        <p:spPr>
-          <a:xfrm>
-            <a:off x="5544896" y="1598457"/>
-            <a:ext cx="5016297" cy="830997"/>
-          </a:xfrm>
-          <a:prstGeom prst="rect">
-            <a:avLst/>
-          </a:prstGeom>
-          <a:noFill/>
-        </p:spPr>
-        <p:txBody>
-          <a:bodyPr wrap="square" lIns="91440" tIns="45720" rIns="91440" bIns="45720">
-            <a:spAutoFit/>
-          </a:bodyPr>
-          <a:lstStyle/>
-          <a:p>
-            <a:pPr algn="ctr"/>
-            <a:r>
-              <a:rPr lang="pt-BR" sz="4800" b="0" cap="none" spc="0" dirty="0">
-                <a:ln w="0">
-                  <a:noFill/>
-                </a:ln>
-                <a:solidFill>
-                  <a:schemeClr val="bg1"/>
-                </a:solidFill>
-                <a:effectLst>
-                  <a:outerShdw blurRad="38100" dist="19050" dir="2700000" algn="tl" rotWithShape="0">
-                    <a:schemeClr val="dk1">
-                      <a:alpha val="40000"/>
-                    </a:schemeClr>
-                  </a:outerShdw>
-                </a:effectLst>
-                <a:latin typeface="Exo 2 Extra Bold" panose="00000900000000000000" pitchFamily="50" charset="0"/>
-              </a:rPr>
-              <a:t>Mata-mata #01</a:t>
-            </a:r>
-          </a:p>
-        </p:txBody>
-      </p:sp>
       <p:pic>
         <p:nvPicPr>
-          <p:cNvPr id="10" name="Imagem 9">
-            <a:extLst>
-              <a:ext uri="{FF2B5EF4-FFF2-40B4-BE49-F238E27FC236}">
-                <a16:creationId xmlns:a16="http://schemas.microsoft.com/office/drawing/2014/main" id="{E03D4E8C-DCF7-47B8-ABA1-A21BA3119A52}"/>
+          <p:cNvPr id="19" name="Imagem 18">
+            <a:extLst>
+              <a:ext uri="{FF2B5EF4-FFF2-40B4-BE49-F238E27FC236}">
+                <a16:creationId xmlns:a16="http://schemas.microsoft.com/office/drawing/2014/main" id="{1FE13F54-9C78-4AD5-B4B4-41C042591C2F}"/>
               </a:ext>
             </a:extLst>
           </p:cNvPr>
@@ -8281,37 +8282,7 @@
           <p:nvPr/>
         </p:nvPicPr>
         <p:blipFill>
-          <a:blip r:embed="rId4"/>
-          <a:stretch>
-            <a:fillRect/>
-          </a:stretch>
-        </p:blipFill>
-        <p:spPr>
-          <a:xfrm>
-            <a:off x="841937" y="2532606"/>
-            <a:ext cx="9154806" cy="7200000"/>
-          </a:xfrm>
-          <a:prstGeom prst="rect">
-            <a:avLst/>
-          </a:prstGeom>
-        </p:spPr>
-      </p:pic>
-      <p:pic>
-        <p:nvPicPr>
-          <p:cNvPr id="17" name="Imagem 16">
-            <a:extLst>
-              <a:ext uri="{FF2B5EF4-FFF2-40B4-BE49-F238E27FC236}">
-                <a16:creationId xmlns:a16="http://schemas.microsoft.com/office/drawing/2014/main" id="{C79AE0AC-FD8F-4E91-B677-CB7CD644FEF2}"/>
-              </a:ext>
-            </a:extLst>
-          </p:cNvPr>
-          <p:cNvPicPr>
-            <a:picLocks noChangeAspect="1"/>
-          </p:cNvPicPr>
-          <p:nvPr/>
-        </p:nvPicPr>
-        <p:blipFill>
-          <a:blip r:embed="rId5">
+          <a:blip r:embed="rId4">
             <a:extLst>
               <a:ext uri="{28A0092B-C50C-407E-A947-70E740481C1C}">
                 <a14:useLocalDpi xmlns:a14="http://schemas.microsoft.com/office/drawing/2010/main" val="0"/>
@@ -8332,10 +8303,70 @@
           </a:prstGeom>
         </p:spPr>
       </p:pic>
+      <p:pic>
+        <p:nvPicPr>
+          <p:cNvPr id="2" name="Imagem 1">
+            <a:extLst>
+              <a:ext uri="{FF2B5EF4-FFF2-40B4-BE49-F238E27FC236}">
+                <a16:creationId xmlns:a16="http://schemas.microsoft.com/office/drawing/2014/main" id="{5009A9C6-FDB8-43E5-B745-65806CBD6982}"/>
+              </a:ext>
+            </a:extLst>
+          </p:cNvPr>
+          <p:cNvPicPr>
+            <a:picLocks noChangeAspect="1"/>
+          </p:cNvPicPr>
+          <p:nvPr/>
+        </p:nvPicPr>
+        <p:blipFill>
+          <a:blip r:embed="rId5"/>
+          <a:stretch>
+            <a:fillRect/>
+          </a:stretch>
+        </p:blipFill>
+        <p:spPr>
+          <a:xfrm>
+            <a:off x="1804059" y="2527142"/>
+            <a:ext cx="7200000" cy="2938611"/>
+          </a:xfrm>
+          <a:prstGeom prst="rect">
+            <a:avLst/>
+          </a:prstGeom>
+        </p:spPr>
+      </p:pic>
+      <p:pic>
+        <p:nvPicPr>
+          <p:cNvPr id="3" name="Imagem 2">
+            <a:extLst>
+              <a:ext uri="{FF2B5EF4-FFF2-40B4-BE49-F238E27FC236}">
+                <a16:creationId xmlns:a16="http://schemas.microsoft.com/office/drawing/2014/main" id="{1978F445-4689-4602-936C-07C1A3AE802E}"/>
+              </a:ext>
+            </a:extLst>
+          </p:cNvPr>
+          <p:cNvPicPr>
+            <a:picLocks noChangeAspect="1"/>
+          </p:cNvPicPr>
+          <p:nvPr/>
+        </p:nvPicPr>
+        <p:blipFill>
+          <a:blip r:embed="rId6"/>
+          <a:stretch>
+            <a:fillRect/>
+          </a:stretch>
+        </p:blipFill>
+        <p:spPr>
+          <a:xfrm>
+            <a:off x="1807118" y="5838363"/>
+            <a:ext cx="7200000" cy="2938617"/>
+          </a:xfrm>
+          <a:prstGeom prst="rect">
+            <a:avLst/>
+          </a:prstGeom>
+        </p:spPr>
+      </p:pic>
     </p:spTree>
     <p:extLst>
       <p:ext uri="{BB962C8B-B14F-4D97-AF65-F5344CB8AC3E}">
-        <p14:creationId xmlns:p14="http://schemas.microsoft.com/office/powerpoint/2010/main" val="4108237140"/>
+        <p14:creationId xmlns:p14="http://schemas.microsoft.com/office/powerpoint/2010/main" val="1848359851"/>
       </p:ext>
     </p:extLst>
   </p:cSld>
@@ -9449,17 +9480,17 @@
                 </a:effectLst>
                 <a:latin typeface="Exo 2 Extra Bold" panose="00000900000000000000" pitchFamily="50" charset="0"/>
               </a:rPr>
-              <a:t>Mata-mata #01</a:t>
+              <a:t>Mata-mata #02</a:t>
             </a:r>
           </a:p>
         </p:txBody>
       </p:sp>
       <p:pic>
         <p:nvPicPr>
-          <p:cNvPr id="2" name="Imagem 1">
-            <a:extLst>
-              <a:ext uri="{FF2B5EF4-FFF2-40B4-BE49-F238E27FC236}">
-                <a16:creationId xmlns:a16="http://schemas.microsoft.com/office/drawing/2014/main" id="{C4304A04-4FEF-41EC-9176-0082112A4717}"/>
+          <p:cNvPr id="17" name="Imagem 16">
+            <a:extLst>
+              <a:ext uri="{FF2B5EF4-FFF2-40B4-BE49-F238E27FC236}">
+                <a16:creationId xmlns:a16="http://schemas.microsoft.com/office/drawing/2014/main" id="{C79AE0AC-FD8F-4E91-B677-CB7CD644FEF2}"/>
               </a:ext>
             </a:extLst>
           </p:cNvPr>
@@ -9469,37 +9500,7 @@
           <p:nvPr/>
         </p:nvPicPr>
         <p:blipFill>
-          <a:blip r:embed="rId4"/>
-          <a:stretch>
-            <a:fillRect/>
-          </a:stretch>
-        </p:blipFill>
-        <p:spPr>
-          <a:xfrm>
-            <a:off x="829232" y="2535505"/>
-            <a:ext cx="9154806" cy="7200000"/>
-          </a:xfrm>
-          <a:prstGeom prst="rect">
-            <a:avLst/>
-          </a:prstGeom>
-        </p:spPr>
-      </p:pic>
-      <p:pic>
-        <p:nvPicPr>
-          <p:cNvPr id="17" name="Imagem 16">
-            <a:extLst>
-              <a:ext uri="{FF2B5EF4-FFF2-40B4-BE49-F238E27FC236}">
-                <a16:creationId xmlns:a16="http://schemas.microsoft.com/office/drawing/2014/main" id="{A0C9A1A9-149D-474C-AE6F-78964D0C38DE}"/>
-              </a:ext>
-            </a:extLst>
-          </p:cNvPr>
-          <p:cNvPicPr>
-            <a:picLocks noChangeAspect="1"/>
-          </p:cNvPicPr>
-          <p:nvPr/>
-        </p:nvPicPr>
-        <p:blipFill>
-          <a:blip r:embed="rId5">
+          <a:blip r:embed="rId4">
             <a:extLst>
               <a:ext uri="{28A0092B-C50C-407E-A947-70E740481C1C}">
                 <a14:useLocalDpi xmlns:a14="http://schemas.microsoft.com/office/drawing/2010/main" val="0"/>
@@ -9520,10 +9521,40 @@
           </a:prstGeom>
         </p:spPr>
       </p:pic>
+      <p:pic>
+        <p:nvPicPr>
+          <p:cNvPr id="2" name="Imagem 1">
+            <a:extLst>
+              <a:ext uri="{FF2B5EF4-FFF2-40B4-BE49-F238E27FC236}">
+                <a16:creationId xmlns:a16="http://schemas.microsoft.com/office/drawing/2014/main" id="{5C51E643-511C-4C62-965C-3279F9FFDE20}"/>
+              </a:ext>
+            </a:extLst>
+          </p:cNvPr>
+          <p:cNvPicPr>
+            <a:picLocks noChangeAspect="1"/>
+          </p:cNvPicPr>
+          <p:nvPr/>
+        </p:nvPicPr>
+        <p:blipFill>
+          <a:blip r:embed="rId5"/>
+          <a:stretch>
+            <a:fillRect/>
+          </a:stretch>
+        </p:blipFill>
+        <p:spPr>
+          <a:xfrm>
+            <a:off x="837654" y="2536691"/>
+            <a:ext cx="9154806" cy="7200000"/>
+          </a:xfrm>
+          <a:prstGeom prst="rect">
+            <a:avLst/>
+          </a:prstGeom>
+        </p:spPr>
+      </p:pic>
     </p:spTree>
     <p:extLst>
       <p:ext uri="{BB962C8B-B14F-4D97-AF65-F5344CB8AC3E}">
-        <p14:creationId xmlns:p14="http://schemas.microsoft.com/office/powerpoint/2010/main" val="1574535254"/>
+        <p14:creationId xmlns:p14="http://schemas.microsoft.com/office/powerpoint/2010/main" val="4108237140"/>
       </p:ext>
     </p:extLst>
   </p:cSld>
@@ -10637,17 +10668,17 @@
                 </a:effectLst>
                 <a:latin typeface="Exo 2 Extra Bold" panose="00000900000000000000" pitchFamily="50" charset="0"/>
               </a:rPr>
-              <a:t>Mata-mata #01</a:t>
+              <a:t>Mata-mata #02</a:t>
             </a:r>
           </a:p>
         </p:txBody>
       </p:sp>
       <p:pic>
         <p:nvPicPr>
-          <p:cNvPr id="2" name="Imagem 1">
-            <a:extLst>
-              <a:ext uri="{FF2B5EF4-FFF2-40B4-BE49-F238E27FC236}">
-                <a16:creationId xmlns:a16="http://schemas.microsoft.com/office/drawing/2014/main" id="{94F5ABD2-01C6-4600-8555-3C368B26B187}"/>
+          <p:cNvPr id="17" name="Imagem 16">
+            <a:extLst>
+              <a:ext uri="{FF2B5EF4-FFF2-40B4-BE49-F238E27FC236}">
+                <a16:creationId xmlns:a16="http://schemas.microsoft.com/office/drawing/2014/main" id="{A0C9A1A9-149D-474C-AE6F-78964D0C38DE}"/>
               </a:ext>
             </a:extLst>
           </p:cNvPr>
@@ -10657,37 +10688,7 @@
           <p:nvPr/>
         </p:nvPicPr>
         <p:blipFill>
-          <a:blip r:embed="rId4"/>
-          <a:stretch>
-            <a:fillRect/>
-          </a:stretch>
-        </p:blipFill>
-        <p:spPr>
-          <a:xfrm>
-            <a:off x="841937" y="2532610"/>
-            <a:ext cx="9154806" cy="7200000"/>
-          </a:xfrm>
-          <a:prstGeom prst="rect">
-            <a:avLst/>
-          </a:prstGeom>
-        </p:spPr>
-      </p:pic>
-      <p:pic>
-        <p:nvPicPr>
-          <p:cNvPr id="17" name="Imagem 16">
-            <a:extLst>
-              <a:ext uri="{FF2B5EF4-FFF2-40B4-BE49-F238E27FC236}">
-                <a16:creationId xmlns:a16="http://schemas.microsoft.com/office/drawing/2014/main" id="{3BF67165-EE2F-404F-977E-0FBE1B346F84}"/>
-              </a:ext>
-            </a:extLst>
-          </p:cNvPr>
-          <p:cNvPicPr>
-            <a:picLocks noChangeAspect="1"/>
-          </p:cNvPicPr>
-          <p:nvPr/>
-        </p:nvPicPr>
-        <p:blipFill>
-          <a:blip r:embed="rId5">
+          <a:blip r:embed="rId4">
             <a:extLst>
               <a:ext uri="{28A0092B-C50C-407E-A947-70E740481C1C}">
                 <a14:useLocalDpi xmlns:a14="http://schemas.microsoft.com/office/drawing/2010/main" val="0"/>
@@ -10708,10 +10709,40 @@
           </a:prstGeom>
         </p:spPr>
       </p:pic>
+      <p:pic>
+        <p:nvPicPr>
+          <p:cNvPr id="3" name="Imagem 2">
+            <a:extLst>
+              <a:ext uri="{FF2B5EF4-FFF2-40B4-BE49-F238E27FC236}">
+                <a16:creationId xmlns:a16="http://schemas.microsoft.com/office/drawing/2014/main" id="{4F2F2C9B-7EA5-47AB-ABD4-041B31724298}"/>
+              </a:ext>
+            </a:extLst>
+          </p:cNvPr>
+          <p:cNvPicPr>
+            <a:picLocks noChangeAspect="1"/>
+          </p:cNvPicPr>
+          <p:nvPr/>
+        </p:nvPicPr>
+        <p:blipFill>
+          <a:blip r:embed="rId5"/>
+          <a:stretch>
+            <a:fillRect/>
+          </a:stretch>
+        </p:blipFill>
+        <p:spPr>
+          <a:xfrm>
+            <a:off x="841937" y="2528041"/>
+            <a:ext cx="9154806" cy="7200000"/>
+          </a:xfrm>
+          <a:prstGeom prst="rect">
+            <a:avLst/>
+          </a:prstGeom>
+        </p:spPr>
+      </p:pic>
     </p:spTree>
     <p:extLst>
       <p:ext uri="{BB962C8B-B14F-4D97-AF65-F5344CB8AC3E}">
-        <p14:creationId xmlns:p14="http://schemas.microsoft.com/office/powerpoint/2010/main" val="3764943898"/>
+        <p14:creationId xmlns:p14="http://schemas.microsoft.com/office/powerpoint/2010/main" val="1574535254"/>
       </p:ext>
     </p:extLst>
   </p:cSld>
@@ -11825,17 +11856,17 @@
                 </a:effectLst>
                 <a:latin typeface="Exo 2 Extra Bold" panose="00000900000000000000" pitchFamily="50" charset="0"/>
               </a:rPr>
-              <a:t>Mata-mata #01</a:t>
+              <a:t>Mata-mata #02</a:t>
             </a:r>
           </a:p>
         </p:txBody>
       </p:sp>
       <p:pic>
         <p:nvPicPr>
-          <p:cNvPr id="2" name="Imagem 1">
-            <a:extLst>
-              <a:ext uri="{FF2B5EF4-FFF2-40B4-BE49-F238E27FC236}">
-                <a16:creationId xmlns:a16="http://schemas.microsoft.com/office/drawing/2014/main" id="{C2927A04-6BBB-4384-B707-F1B5CB5DD7AD}"/>
+          <p:cNvPr id="17" name="Imagem 16">
+            <a:extLst>
+              <a:ext uri="{FF2B5EF4-FFF2-40B4-BE49-F238E27FC236}">
+                <a16:creationId xmlns:a16="http://schemas.microsoft.com/office/drawing/2014/main" id="{3BF67165-EE2F-404F-977E-0FBE1B346F84}"/>
               </a:ext>
             </a:extLst>
           </p:cNvPr>
@@ -11845,37 +11876,7 @@
           <p:nvPr/>
         </p:nvPicPr>
         <p:blipFill>
-          <a:blip r:embed="rId4"/>
-          <a:stretch>
-            <a:fillRect/>
-          </a:stretch>
-        </p:blipFill>
-        <p:spPr>
-          <a:xfrm>
-            <a:off x="2377342" y="3791832"/>
-            <a:ext cx="6083995" cy="3240000"/>
-          </a:xfrm>
-          <a:prstGeom prst="rect">
-            <a:avLst/>
-          </a:prstGeom>
-        </p:spPr>
-      </p:pic>
-      <p:pic>
-        <p:nvPicPr>
-          <p:cNvPr id="17" name="Imagem 16">
-            <a:extLst>
-              <a:ext uri="{FF2B5EF4-FFF2-40B4-BE49-F238E27FC236}">
-                <a16:creationId xmlns:a16="http://schemas.microsoft.com/office/drawing/2014/main" id="{F20FE730-254D-4805-8D5B-1F408097E5A8}"/>
-              </a:ext>
-            </a:extLst>
-          </p:cNvPr>
-          <p:cNvPicPr>
-            <a:picLocks noChangeAspect="1"/>
-          </p:cNvPicPr>
-          <p:nvPr/>
-        </p:nvPicPr>
-        <p:blipFill>
-          <a:blip r:embed="rId5">
+          <a:blip r:embed="rId4">
             <a:extLst>
               <a:ext uri="{28A0092B-C50C-407E-A947-70E740481C1C}">
                 <a14:useLocalDpi xmlns:a14="http://schemas.microsoft.com/office/drawing/2010/main" val="0"/>
@@ -11896,10 +11897,40 @@
           </a:prstGeom>
         </p:spPr>
       </p:pic>
+      <p:pic>
+        <p:nvPicPr>
+          <p:cNvPr id="3" name="Imagem 2">
+            <a:extLst>
+              <a:ext uri="{FF2B5EF4-FFF2-40B4-BE49-F238E27FC236}">
+                <a16:creationId xmlns:a16="http://schemas.microsoft.com/office/drawing/2014/main" id="{D20729FF-EA93-448A-8941-95593E7857A8}"/>
+              </a:ext>
+            </a:extLst>
+          </p:cNvPr>
+          <p:cNvPicPr>
+            <a:picLocks noChangeAspect="1"/>
+          </p:cNvPicPr>
+          <p:nvPr/>
+        </p:nvPicPr>
+        <p:blipFill>
+          <a:blip r:embed="rId5"/>
+          <a:stretch>
+            <a:fillRect/>
+          </a:stretch>
+        </p:blipFill>
+        <p:spPr>
+          <a:xfrm>
+            <a:off x="829715" y="2532606"/>
+            <a:ext cx="9154806" cy="7200000"/>
+          </a:xfrm>
+          <a:prstGeom prst="rect">
+            <a:avLst/>
+          </a:prstGeom>
+        </p:spPr>
+      </p:pic>
     </p:spTree>
     <p:extLst>
       <p:ext uri="{BB962C8B-B14F-4D97-AF65-F5344CB8AC3E}">
-        <p14:creationId xmlns:p14="http://schemas.microsoft.com/office/powerpoint/2010/main" val="895674492"/>
+        <p14:creationId xmlns:p14="http://schemas.microsoft.com/office/powerpoint/2010/main" val="3764943898"/>
       </p:ext>
     </p:extLst>
   </p:cSld>
@@ -12315,8 +12346,8 @@
         </p:nvSpPr>
         <p:spPr>
           <a:xfrm>
-            <a:off x="-1" y="-790"/>
-            <a:ext cx="10814237" cy="10799760"/>
+            <a:off x="-17121" y="-790"/>
+            <a:ext cx="10831358" cy="10799760"/>
           </a:xfrm>
           <a:prstGeom prst="rect">
             <a:avLst/>
@@ -12916,6 +12947,1194 @@
       </p:sp>
       <p:sp>
         <p:nvSpPr>
+          <p:cNvPr id="15" name="Retângulo 14">
+            <a:extLst>
+              <a:ext uri="{FF2B5EF4-FFF2-40B4-BE49-F238E27FC236}">
+                <a16:creationId xmlns:a16="http://schemas.microsoft.com/office/drawing/2014/main" id="{861C7C90-5748-4EB6-AB27-09D92E92DA21}"/>
+              </a:ext>
+            </a:extLst>
+          </p:cNvPr>
+          <p:cNvSpPr/>
+          <p:nvPr/>
+        </p:nvSpPr>
+        <p:spPr>
+          <a:xfrm>
+            <a:off x="931650" y="193340"/>
+            <a:ext cx="10736463" cy="1569660"/>
+          </a:xfrm>
+          <a:prstGeom prst="rect">
+            <a:avLst/>
+          </a:prstGeom>
+          <a:noFill/>
+        </p:spPr>
+        <p:txBody>
+          <a:bodyPr wrap="square" lIns="91440" tIns="45720" rIns="91440" bIns="45720">
+            <a:spAutoFit/>
+          </a:bodyPr>
+          <a:lstStyle/>
+          <a:p>
+            <a:pPr algn="ctr"/>
+            <a:r>
+              <a:rPr lang="pt-BR" sz="9600" b="0" cap="none" spc="0" dirty="0">
+                <a:ln w="38100">
+                  <a:solidFill>
+                    <a:schemeClr val="bg1"/>
+                  </a:solidFill>
+                </a:ln>
+                <a:solidFill>
+                  <a:srgbClr val="00B050"/>
+                </a:solidFill>
+                <a:effectLst>
+                  <a:outerShdw blurRad="38100" dist="19050" dir="2700000" algn="tl" rotWithShape="0">
+                    <a:schemeClr val="dk1">
+                      <a:alpha val="40000"/>
+                    </a:schemeClr>
+                  </a:outerShdw>
+                </a:effectLst>
+                <a:latin typeface="Exo 2 Extra Bold" panose="00000900000000000000" pitchFamily="50" charset="0"/>
+              </a:rPr>
+              <a:t>Liga Principal</a:t>
+            </a:r>
+          </a:p>
+        </p:txBody>
+      </p:sp>
+      <p:sp>
+        <p:nvSpPr>
+          <p:cNvPr id="18" name="Retângulo 17">
+            <a:extLst>
+              <a:ext uri="{FF2B5EF4-FFF2-40B4-BE49-F238E27FC236}">
+                <a16:creationId xmlns:a16="http://schemas.microsoft.com/office/drawing/2014/main" id="{F6DB3AFB-FC09-4ACF-A353-83560CA9E36E}"/>
+              </a:ext>
+            </a:extLst>
+          </p:cNvPr>
+          <p:cNvSpPr/>
+          <p:nvPr/>
+        </p:nvSpPr>
+        <p:spPr>
+          <a:xfrm>
+            <a:off x="5544896" y="1598457"/>
+            <a:ext cx="5016297" cy="830997"/>
+          </a:xfrm>
+          <a:prstGeom prst="rect">
+            <a:avLst/>
+          </a:prstGeom>
+          <a:noFill/>
+        </p:spPr>
+        <p:txBody>
+          <a:bodyPr wrap="square" lIns="91440" tIns="45720" rIns="91440" bIns="45720">
+            <a:spAutoFit/>
+          </a:bodyPr>
+          <a:lstStyle/>
+          <a:p>
+            <a:pPr algn="ctr"/>
+            <a:r>
+              <a:rPr lang="pt-BR" sz="4800" b="0" cap="none" spc="0" dirty="0">
+                <a:ln w="0">
+                  <a:noFill/>
+                </a:ln>
+                <a:solidFill>
+                  <a:schemeClr val="bg1"/>
+                </a:solidFill>
+                <a:effectLst>
+                  <a:outerShdw blurRad="38100" dist="19050" dir="2700000" algn="tl" rotWithShape="0">
+                    <a:schemeClr val="dk1">
+                      <a:alpha val="40000"/>
+                    </a:schemeClr>
+                  </a:outerShdw>
+                </a:effectLst>
+                <a:latin typeface="Exo 2 Extra Bold" panose="00000900000000000000" pitchFamily="50" charset="0"/>
+              </a:rPr>
+              <a:t>Mata-mata #02</a:t>
+            </a:r>
+          </a:p>
+        </p:txBody>
+      </p:sp>
+      <p:pic>
+        <p:nvPicPr>
+          <p:cNvPr id="17" name="Imagem 16">
+            <a:extLst>
+              <a:ext uri="{FF2B5EF4-FFF2-40B4-BE49-F238E27FC236}">
+                <a16:creationId xmlns:a16="http://schemas.microsoft.com/office/drawing/2014/main" id="{F20FE730-254D-4805-8D5B-1F408097E5A8}"/>
+              </a:ext>
+            </a:extLst>
+          </p:cNvPr>
+          <p:cNvPicPr>
+            <a:picLocks noChangeAspect="1"/>
+          </p:cNvPicPr>
+          <p:nvPr/>
+        </p:nvPicPr>
+        <p:blipFill>
+          <a:blip r:embed="rId4">
+            <a:extLst>
+              <a:ext uri="{28A0092B-C50C-407E-A947-70E740481C1C}">
+                <a14:useLocalDpi xmlns:a14="http://schemas.microsoft.com/office/drawing/2010/main" val="0"/>
+              </a:ext>
+            </a:extLst>
+          </a:blip>
+          <a:stretch>
+            <a:fillRect/>
+          </a:stretch>
+        </p:blipFill>
+        <p:spPr>
+          <a:xfrm>
+            <a:off x="0" y="61200"/>
+            <a:ext cx="1800000" cy="1888175"/>
+          </a:xfrm>
+          <a:prstGeom prst="rect">
+            <a:avLst/>
+          </a:prstGeom>
+        </p:spPr>
+      </p:pic>
+      <p:pic>
+        <p:nvPicPr>
+          <p:cNvPr id="3" name="Imagem 2">
+            <a:extLst>
+              <a:ext uri="{FF2B5EF4-FFF2-40B4-BE49-F238E27FC236}">
+                <a16:creationId xmlns:a16="http://schemas.microsoft.com/office/drawing/2014/main" id="{D991D303-FEAE-41F4-A66E-6082125B2714}"/>
+              </a:ext>
+            </a:extLst>
+          </p:cNvPr>
+          <p:cNvPicPr>
+            <a:picLocks noChangeAspect="1"/>
+          </p:cNvPicPr>
+          <p:nvPr/>
+        </p:nvPicPr>
+        <p:blipFill>
+          <a:blip r:embed="rId5"/>
+          <a:stretch>
+            <a:fillRect/>
+          </a:stretch>
+        </p:blipFill>
+        <p:spPr>
+          <a:xfrm>
+            <a:off x="1806723" y="3498414"/>
+            <a:ext cx="7200000" cy="3834373"/>
+          </a:xfrm>
+          <a:prstGeom prst="rect">
+            <a:avLst/>
+          </a:prstGeom>
+        </p:spPr>
+      </p:pic>
+    </p:spTree>
+    <p:extLst>
+      <p:ext uri="{BB962C8B-B14F-4D97-AF65-F5344CB8AC3E}">
+        <p14:creationId xmlns:p14="http://schemas.microsoft.com/office/powerpoint/2010/main" val="895674492"/>
+      </p:ext>
+    </p:extLst>
+  </p:cSld>
+  <p:clrMapOvr>
+    <a:masterClrMapping/>
+  </p:clrMapOvr>
+</p:sld>
+</file>
+
+<file path=ppt/slides/slide9.xml><?xml version="1.0" encoding="utf-8"?>
+<p:sld xmlns:a="http://schemas.openxmlformats.org/drawingml/2006/main" xmlns:r="http://schemas.openxmlformats.org/officeDocument/2006/relationships" xmlns:p="http://schemas.openxmlformats.org/presentationml/2006/main">
+  <p:cSld>
+    <p:bg>
+      <p:bgPr>
+        <a:solidFill>
+          <a:schemeClr val="bg1"/>
+        </a:solidFill>
+        <a:effectLst/>
+      </p:bgPr>
+    </p:bg>
+    <p:spTree>
+      <p:nvGrpSpPr>
+        <p:cNvPr id="1" name=""/>
+        <p:cNvGrpSpPr/>
+        <p:nvPr/>
+      </p:nvGrpSpPr>
+      <p:grpSpPr>
+        <a:xfrm>
+          <a:off x="0" y="0"/>
+          <a:ext cx="0" cy="0"/>
+          <a:chOff x="0" y="0"/>
+          <a:chExt cx="0" cy="0"/>
+        </a:xfrm>
+      </p:grpSpPr>
+      <p:sp>
+        <p:nvSpPr>
+          <p:cNvPr id="13" name="Rectangle 9">
+            <a:extLst>
+              <a:ext uri="{FF2B5EF4-FFF2-40B4-BE49-F238E27FC236}">
+                <a16:creationId xmlns:a16="http://schemas.microsoft.com/office/drawing/2014/main" id="{0BABF38A-8A0D-492E-BD20-6CF4D46B50BD}"/>
+              </a:ext>
+              <a:ext uri="{C183D7F6-B498-43B3-948B-1728B52AA6E4}">
+                <adec:decorative xmlns:adec="http://schemas.microsoft.com/office/drawing/2017/decorative" val="1"/>
+              </a:ext>
+            </a:extLst>
+          </p:cNvPr>
+          <p:cNvSpPr>
+            <a:spLocks noGrp="1" noRot="1" noChangeAspect="1" noMove="1" noResize="1" noEditPoints="1" noAdjustHandles="1" noChangeArrowheads="1" noChangeShapeType="1" noTextEdit="1"/>
+          </p:cNvSpPr>
+          <p:nvPr>
+            <p:extLst>
+              <p:ext uri="{386F3935-93C4-4BCD-93E2-E3B085C9AB24}">
+                <p16:designElem xmlns:p16="http://schemas.microsoft.com/office/powerpoint/2015/main" val="1"/>
+              </p:ext>
+            </p:extLst>
+          </p:nvPr>
+        </p:nvSpPr>
+        <p:spPr>
+          <a:xfrm>
+            <a:off x="-1" y="2362448"/>
+            <a:ext cx="10799763" cy="6074870"/>
+          </a:xfrm>
+          <a:prstGeom prst="rect">
+            <a:avLst/>
+          </a:prstGeom>
+          <a:solidFill>
+            <a:schemeClr val="bg2">
+              <a:lumMod val="90000"/>
+              <a:alpha val="70000"/>
+            </a:schemeClr>
+          </a:solidFill>
+          <a:ln>
+            <a:noFill/>
+          </a:ln>
+        </p:spPr>
+        <p:style>
+          <a:lnRef idx="2">
+            <a:schemeClr val="accent1">
+              <a:shade val="50000"/>
+            </a:schemeClr>
+          </a:lnRef>
+          <a:fillRef idx="1">
+            <a:schemeClr val="accent1"/>
+          </a:fillRef>
+          <a:effectRef idx="0">
+            <a:schemeClr val="accent1"/>
+          </a:effectRef>
+          <a:fontRef idx="minor">
+            <a:schemeClr val="lt1"/>
+          </a:fontRef>
+        </p:style>
+        <p:txBody>
+          <a:bodyPr rtlCol="0" anchor="ctr"/>
+          <a:lstStyle/>
+          <a:p>
+            <a:pPr marL="0" marR="0" lvl="0" indent="0" algn="ctr" defTabSz="914400" rtl="0" eaLnBrk="1" fontAlgn="auto" latinLnBrk="0" hangingPunct="1">
+              <a:lnSpc>
+                <a:spcPct val="100000"/>
+              </a:lnSpc>
+              <a:spcBef>
+                <a:spcPts val="0"/>
+              </a:spcBef>
+              <a:spcAft>
+                <a:spcPts val="0"/>
+              </a:spcAft>
+              <a:buClrTx/>
+              <a:buSzTx/>
+              <a:buFontTx/>
+              <a:buNone/>
+              <a:tabLst/>
+              <a:defRPr/>
+            </a:pPr>
+            <a:endParaRPr kumimoji="0" lang="en-US" sz="1594" b="0" i="0" u="none" strike="noStrike" kern="1200" cap="none" spc="0" normalizeH="0" baseline="0" noProof="0" dirty="0">
+              <a:ln>
+                <a:noFill/>
+              </a:ln>
+              <a:solidFill>
+                <a:prstClr val="black">
+                  <a:lumMod val="65000"/>
+                  <a:lumOff val="35000"/>
+                </a:prstClr>
+              </a:solidFill>
+              <a:effectLst/>
+              <a:uLnTx/>
+              <a:uFillTx/>
+              <a:latin typeface="AvenirNext LT Pro Medium" panose="020B0504020202020204" pitchFamily="34" charset="0"/>
+              <a:ea typeface="+mn-ea"/>
+              <a:cs typeface="+mn-cs"/>
+            </a:endParaRPr>
+          </a:p>
+        </p:txBody>
+      </p:sp>
+      <p:pic>
+        <p:nvPicPr>
+          <p:cNvPr id="12" name="Picture 11">
+            <a:extLst>
+              <a:ext uri="{FF2B5EF4-FFF2-40B4-BE49-F238E27FC236}">
+                <a16:creationId xmlns:a16="http://schemas.microsoft.com/office/drawing/2014/main" id="{BC526B7A-4801-4FD1-95C8-03AF22629E87}"/>
+              </a:ext>
+              <a:ext uri="{C183D7F6-B498-43B3-948B-1728B52AA6E4}">
+                <adec:decorative xmlns:adec="http://schemas.microsoft.com/office/drawing/2017/decorative" val="1"/>
+              </a:ext>
+            </a:extLst>
+          </p:cNvPr>
+          <p:cNvPicPr>
+            <a:picLocks noGrp="1" noRot="1" noChangeAspect="1" noMove="1" noResize="1" noEditPoints="1" noAdjustHandles="1" noChangeArrowheads="1" noChangeShapeType="1" noCrop="1"/>
+          </p:cNvPicPr>
+          <p:nvPr>
+            <p:extLst>
+              <p:ext uri="{386F3935-93C4-4BCD-93E2-E3B085C9AB24}">
+                <p16:designElem xmlns:p16="http://schemas.microsoft.com/office/powerpoint/2015/main" val="1"/>
+              </p:ext>
+            </p:extLst>
+          </p:nvPr>
+        </p:nvPicPr>
+        <p:blipFill>
+          <a:blip r:embed="rId2">
+            <a:alphaModFix amt="10000"/>
+            <a:extLst>
+              <a:ext uri="{28A0092B-C50C-407E-A947-70E740481C1C}">
+                <a14:useLocalDpi xmlns:a14="http://schemas.microsoft.com/office/drawing/2010/main" val="0"/>
+              </a:ext>
+            </a:extLst>
+          </a:blip>
+          <a:stretch>
+            <a:fillRect/>
+          </a:stretch>
+        </p:blipFill>
+        <p:spPr>
+          <a:xfrm>
+            <a:off x="7559833" y="2362448"/>
+            <a:ext cx="3237282" cy="4052877"/>
+          </a:xfrm>
+          <a:prstGeom prst="rect">
+            <a:avLst/>
+          </a:prstGeom>
+        </p:spPr>
+      </p:pic>
+      <p:sp useBgFill="1">
+        <p:nvSpPr>
+          <p:cNvPr id="14" name="Rectangle 13">
+            <a:extLst>
+              <a:ext uri="{FF2B5EF4-FFF2-40B4-BE49-F238E27FC236}">
+                <a16:creationId xmlns:a16="http://schemas.microsoft.com/office/drawing/2014/main" id="{37FDDF72-DE39-4F99-A3C1-DD9D7815D7DB}"/>
+              </a:ext>
+              <a:ext uri="{C183D7F6-B498-43B3-948B-1728B52AA6E4}">
+                <adec:decorative xmlns:adec="http://schemas.microsoft.com/office/drawing/2017/decorative" val="1"/>
+              </a:ext>
+            </a:extLst>
+          </p:cNvPr>
+          <p:cNvSpPr>
+            <a:spLocks noGrp="1" noRot="1" noChangeAspect="1" noMove="1" noResize="1" noEditPoints="1" noAdjustHandles="1" noChangeArrowheads="1" noChangeShapeType="1" noTextEdit="1"/>
+          </p:cNvSpPr>
+          <p:nvPr>
+            <p:extLst>
+              <p:ext uri="{386F3935-93C4-4BCD-93E2-E3B085C9AB24}">
+                <p16:designElem xmlns:p16="http://schemas.microsoft.com/office/powerpoint/2015/main" val="1"/>
+              </p:ext>
+            </p:extLst>
+          </p:nvPr>
+        </p:nvSpPr>
+        <p:spPr>
+          <a:xfrm>
+            <a:off x="-1" y="2362448"/>
+            <a:ext cx="10799763" cy="6074866"/>
+          </a:xfrm>
+          <a:prstGeom prst="rect">
+            <a:avLst/>
+          </a:prstGeom>
+          <a:ln>
+            <a:noFill/>
+          </a:ln>
+        </p:spPr>
+        <p:style>
+          <a:lnRef idx="2">
+            <a:schemeClr val="accent1">
+              <a:shade val="50000"/>
+            </a:schemeClr>
+          </a:lnRef>
+          <a:fillRef idx="1">
+            <a:schemeClr val="accent1"/>
+          </a:fillRef>
+          <a:effectRef idx="0">
+            <a:schemeClr val="accent1"/>
+          </a:effectRef>
+          <a:fontRef idx="minor">
+            <a:schemeClr val="lt1"/>
+          </a:fontRef>
+        </p:style>
+        <p:txBody>
+          <a:bodyPr rtlCol="0" anchor="ctr"/>
+          <a:lstStyle/>
+          <a:p>
+            <a:pPr marL="0" marR="0" lvl="0" indent="0" algn="ctr" defTabSz="914400" rtl="0" eaLnBrk="1" fontAlgn="auto" latinLnBrk="0" hangingPunct="1">
+              <a:lnSpc>
+                <a:spcPct val="100000"/>
+              </a:lnSpc>
+              <a:spcBef>
+                <a:spcPts val="0"/>
+              </a:spcBef>
+              <a:spcAft>
+                <a:spcPts val="0"/>
+              </a:spcAft>
+              <a:buClrTx/>
+              <a:buSzTx/>
+              <a:buFontTx/>
+              <a:buNone/>
+              <a:tabLst/>
+              <a:defRPr/>
+            </a:pPr>
+            <a:endParaRPr kumimoji="0" lang="en-US" sz="1594" b="0" i="0" u="none" strike="noStrike" kern="1200" cap="none" spc="0" normalizeH="0" baseline="0" noProof="0" dirty="0">
+              <a:ln>
+                <a:noFill/>
+              </a:ln>
+              <a:solidFill>
+                <a:prstClr val="black">
+                  <a:lumMod val="65000"/>
+                  <a:lumOff val="35000"/>
+                </a:prstClr>
+              </a:solidFill>
+              <a:effectLst/>
+              <a:uLnTx/>
+              <a:uFillTx/>
+              <a:latin typeface="AvenirNext LT Pro Medium" panose="020B0504020202020204" pitchFamily="34" charset="0"/>
+              <a:ea typeface="+mn-ea"/>
+              <a:cs typeface="+mn-cs"/>
+            </a:endParaRPr>
+          </a:p>
+        </p:txBody>
+      </p:sp>
+      <p:sp>
+        <p:nvSpPr>
+          <p:cNvPr id="16" name="Rectangle 15">
+            <a:extLst>
+              <a:ext uri="{FF2B5EF4-FFF2-40B4-BE49-F238E27FC236}">
+                <a16:creationId xmlns:a16="http://schemas.microsoft.com/office/drawing/2014/main" id="{5E4ECE80-3AD1-450C-B62A-98788F193948}"/>
+              </a:ext>
+              <a:ext uri="{C183D7F6-B498-43B3-948B-1728B52AA6E4}">
+                <adec:decorative xmlns:adec="http://schemas.microsoft.com/office/drawing/2017/decorative" val="1"/>
+              </a:ext>
+            </a:extLst>
+          </p:cNvPr>
+          <p:cNvSpPr>
+            <a:spLocks noGrp="1" noRot="1" noChangeAspect="1" noMove="1" noResize="1" noEditPoints="1" noAdjustHandles="1" noChangeArrowheads="1" noChangeShapeType="1" noTextEdit="1"/>
+          </p:cNvSpPr>
+          <p:nvPr>
+            <p:extLst>
+              <p:ext uri="{386F3935-93C4-4BCD-93E2-E3B085C9AB24}">
+                <p16:designElem xmlns:p16="http://schemas.microsoft.com/office/powerpoint/2015/main" val="1"/>
+              </p:ext>
+            </p:extLst>
+          </p:nvPr>
+        </p:nvSpPr>
+        <p:spPr>
+          <a:xfrm>
+            <a:off x="-1" y="2362448"/>
+            <a:ext cx="10799763" cy="6074866"/>
+          </a:xfrm>
+          <a:prstGeom prst="rect">
+            <a:avLst/>
+          </a:prstGeom>
+          <a:solidFill>
+            <a:srgbClr val="000000"/>
+          </a:solidFill>
+          <a:ln>
+            <a:noFill/>
+          </a:ln>
+        </p:spPr>
+        <p:style>
+          <a:lnRef idx="2">
+            <a:schemeClr val="accent1">
+              <a:shade val="50000"/>
+            </a:schemeClr>
+          </a:lnRef>
+          <a:fillRef idx="1">
+            <a:schemeClr val="accent1"/>
+          </a:fillRef>
+          <a:effectRef idx="0">
+            <a:schemeClr val="accent1"/>
+          </a:effectRef>
+          <a:fontRef idx="minor">
+            <a:schemeClr val="lt1"/>
+          </a:fontRef>
+        </p:style>
+        <p:txBody>
+          <a:bodyPr rtlCol="0" anchor="ctr"/>
+          <a:lstStyle/>
+          <a:p>
+            <a:pPr marL="0" marR="0" lvl="0" indent="0" algn="ctr" defTabSz="914400" rtl="0" eaLnBrk="1" fontAlgn="auto" latinLnBrk="0" hangingPunct="1">
+              <a:lnSpc>
+                <a:spcPct val="100000"/>
+              </a:lnSpc>
+              <a:spcBef>
+                <a:spcPts val="0"/>
+              </a:spcBef>
+              <a:spcAft>
+                <a:spcPts val="0"/>
+              </a:spcAft>
+              <a:buClrTx/>
+              <a:buSzTx/>
+              <a:buFontTx/>
+              <a:buNone/>
+              <a:tabLst/>
+              <a:defRPr/>
+            </a:pPr>
+            <a:endParaRPr kumimoji="0" lang="en-US" sz="1594" b="0" i="0" u="none" strike="noStrike" kern="1200" cap="none" spc="0" normalizeH="0" baseline="0" noProof="0" dirty="0">
+              <a:ln>
+                <a:noFill/>
+              </a:ln>
+              <a:solidFill>
+                <a:prstClr val="black">
+                  <a:lumMod val="65000"/>
+                  <a:lumOff val="35000"/>
+                </a:prstClr>
+              </a:solidFill>
+              <a:effectLst/>
+              <a:uLnTx/>
+              <a:uFillTx/>
+              <a:latin typeface="AvenirNext LT Pro Medium" panose="020B0504020202020204" pitchFamily="34" charset="0"/>
+              <a:ea typeface="+mn-ea"/>
+              <a:cs typeface="+mn-cs"/>
+            </a:endParaRPr>
+          </a:p>
+        </p:txBody>
+      </p:sp>
+      <p:pic>
+        <p:nvPicPr>
+          <p:cNvPr id="5" name="Imagem 4">
+            <a:extLst>
+              <a:ext uri="{FF2B5EF4-FFF2-40B4-BE49-F238E27FC236}">
+                <a16:creationId xmlns:a16="http://schemas.microsoft.com/office/drawing/2014/main" id="{F1433EF1-FB6D-4913-96C9-08F0B1B3CA7A}"/>
+              </a:ext>
+            </a:extLst>
+          </p:cNvPr>
+          <p:cNvPicPr>
+            <a:picLocks noChangeAspect="1"/>
+          </p:cNvPicPr>
+          <p:nvPr/>
+        </p:nvPicPr>
+        <p:blipFill rotWithShape="1">
+          <a:blip r:embed="rId3">
+            <a:alphaModFix/>
+            <a:extLst>
+              <a:ext uri="{28A0092B-C50C-407E-A947-70E740481C1C}">
+                <a14:useLocalDpi xmlns:a14="http://schemas.microsoft.com/office/drawing/2010/main" val="0"/>
+              </a:ext>
+            </a:extLst>
+          </a:blip>
+          <a:srcRect l="21682" t="7086" r="22004" b="8663"/>
+          <a:stretch/>
+        </p:blipFill>
+        <p:spPr>
+          <a:xfrm>
+            <a:off x="0" y="793"/>
+            <a:ext cx="10814236" cy="10799763"/>
+          </a:xfrm>
+          <a:prstGeom prst="rect">
+            <a:avLst/>
+          </a:prstGeom>
+        </p:spPr>
+      </p:pic>
+      <p:sp>
+        <p:nvSpPr>
+          <p:cNvPr id="6" name="Retângulo 5">
+            <a:extLst>
+              <a:ext uri="{FF2B5EF4-FFF2-40B4-BE49-F238E27FC236}">
+                <a16:creationId xmlns:a16="http://schemas.microsoft.com/office/drawing/2014/main" id="{CA38338D-CD96-464B-85A1-D00A3CBDF55D}"/>
+              </a:ext>
+            </a:extLst>
+          </p:cNvPr>
+          <p:cNvSpPr/>
+          <p:nvPr/>
+        </p:nvSpPr>
+        <p:spPr>
+          <a:xfrm>
+            <a:off x="-1" y="-790"/>
+            <a:ext cx="10814237" cy="10799760"/>
+          </a:xfrm>
+          <a:prstGeom prst="rect">
+            <a:avLst/>
+          </a:prstGeom>
+          <a:solidFill>
+            <a:schemeClr val="tx1">
+              <a:alpha val="67000"/>
+            </a:schemeClr>
+          </a:solidFill>
+          <a:ln>
+            <a:noFill/>
+          </a:ln>
+        </p:spPr>
+        <p:style>
+          <a:lnRef idx="2">
+            <a:schemeClr val="accent1">
+              <a:shade val="50000"/>
+            </a:schemeClr>
+          </a:lnRef>
+          <a:fillRef idx="1">
+            <a:schemeClr val="accent1"/>
+          </a:fillRef>
+          <a:effectRef idx="0">
+            <a:schemeClr val="accent1"/>
+          </a:effectRef>
+          <a:fontRef idx="minor">
+            <a:schemeClr val="lt1"/>
+          </a:fontRef>
+        </p:style>
+        <p:txBody>
+          <a:bodyPr rtlCol="0" anchor="ctr"/>
+          <a:lstStyle/>
+          <a:p>
+            <a:pPr marL="0" marR="0" lvl="0" indent="0" algn="ctr" defTabSz="914400" rtl="0" eaLnBrk="1" fontAlgn="auto" latinLnBrk="0" hangingPunct="1">
+              <a:lnSpc>
+                <a:spcPct val="100000"/>
+              </a:lnSpc>
+              <a:spcBef>
+                <a:spcPts val="0"/>
+              </a:spcBef>
+              <a:spcAft>
+                <a:spcPts val="0"/>
+              </a:spcAft>
+              <a:buClrTx/>
+              <a:buSzTx/>
+              <a:buFontTx/>
+              <a:buNone/>
+              <a:tabLst/>
+              <a:defRPr/>
+            </a:pPr>
+            <a:endParaRPr kumimoji="0" lang="pt-BR" sz="2000" b="0" i="0" u="none" strike="noStrike" kern="1200" cap="none" spc="0" normalizeH="0" baseline="0" noProof="0" dirty="0">
+              <a:ln>
+                <a:noFill/>
+              </a:ln>
+              <a:solidFill>
+                <a:prstClr val="white"/>
+              </a:solidFill>
+              <a:effectLst/>
+              <a:uLnTx/>
+              <a:uFillTx/>
+              <a:latin typeface="Avenir Next LT Pro"/>
+              <a:ea typeface="+mn-ea"/>
+              <a:cs typeface="+mn-cs"/>
+            </a:endParaRPr>
+          </a:p>
+        </p:txBody>
+      </p:sp>
+      <p:sp>
+        <p:nvSpPr>
+          <p:cNvPr id="41" name="Triângulo isósceles 1">
+            <a:extLst>
+              <a:ext uri="{FF2B5EF4-FFF2-40B4-BE49-F238E27FC236}">
+                <a16:creationId xmlns:a16="http://schemas.microsoft.com/office/drawing/2014/main" id="{D3957D18-6373-4C37-BDC6-1080B31CB35C}"/>
+              </a:ext>
+            </a:extLst>
+          </p:cNvPr>
+          <p:cNvSpPr/>
+          <p:nvPr/>
+        </p:nvSpPr>
+        <p:spPr>
+          <a:xfrm rot="5400000">
+            <a:off x="4724967" y="-4724966"/>
+            <a:ext cx="1349830" cy="10799763"/>
+          </a:xfrm>
+          <a:custGeom>
+            <a:avLst/>
+            <a:gdLst>
+              <a:gd name="connsiteX0" fmla="*/ 0 w 1349830"/>
+              <a:gd name="connsiteY0" fmla="*/ 10799763 h 10799763"/>
+              <a:gd name="connsiteX1" fmla="*/ 0 w 1349830"/>
+              <a:gd name="connsiteY1" fmla="*/ 0 h 10799763"/>
+              <a:gd name="connsiteX2" fmla="*/ 1349830 w 1349830"/>
+              <a:gd name="connsiteY2" fmla="*/ 10799763 h 10799763"/>
+              <a:gd name="connsiteX3" fmla="*/ 0 w 1349830"/>
+              <a:gd name="connsiteY3" fmla="*/ 10799763 h 10799763"/>
+              <a:gd name="connsiteX0" fmla="*/ 0 w 1349830"/>
+              <a:gd name="connsiteY0" fmla="*/ 10799763 h 10799763"/>
+              <a:gd name="connsiteX1" fmla="*/ 0 w 1349830"/>
+              <a:gd name="connsiteY1" fmla="*/ 0 h 10799763"/>
+              <a:gd name="connsiteX2" fmla="*/ 433141 w 1349830"/>
+              <a:gd name="connsiteY2" fmla="*/ 6060000 h 10799763"/>
+              <a:gd name="connsiteX3" fmla="*/ 1349830 w 1349830"/>
+              <a:gd name="connsiteY3" fmla="*/ 10799763 h 10799763"/>
+              <a:gd name="connsiteX4" fmla="*/ 0 w 1349830"/>
+              <a:gd name="connsiteY4" fmla="*/ 10799763 h 10799763"/>
+              <a:gd name="connsiteX0" fmla="*/ 0 w 1349830"/>
+              <a:gd name="connsiteY0" fmla="*/ 10799763 h 10799763"/>
+              <a:gd name="connsiteX1" fmla="*/ 0 w 1349830"/>
+              <a:gd name="connsiteY1" fmla="*/ 0 h 10799763"/>
+              <a:gd name="connsiteX2" fmla="*/ 433141 w 1349830"/>
+              <a:gd name="connsiteY2" fmla="*/ 6060000 h 10799763"/>
+              <a:gd name="connsiteX3" fmla="*/ 577519 w 1349830"/>
+              <a:gd name="connsiteY3" fmla="*/ 8682884 h 10799763"/>
+              <a:gd name="connsiteX4" fmla="*/ 1349830 w 1349830"/>
+              <a:gd name="connsiteY4" fmla="*/ 10799763 h 10799763"/>
+              <a:gd name="connsiteX5" fmla="*/ 0 w 1349830"/>
+              <a:gd name="connsiteY5" fmla="*/ 10799763 h 10799763"/>
+              <a:gd name="connsiteX0" fmla="*/ 0 w 1349830"/>
+              <a:gd name="connsiteY0" fmla="*/ 10799763 h 10799763"/>
+              <a:gd name="connsiteX1" fmla="*/ 0 w 1349830"/>
+              <a:gd name="connsiteY1" fmla="*/ 0 h 10799763"/>
+              <a:gd name="connsiteX2" fmla="*/ 300797 w 1349830"/>
+              <a:gd name="connsiteY2" fmla="*/ 6060000 h 10799763"/>
+              <a:gd name="connsiteX3" fmla="*/ 577519 w 1349830"/>
+              <a:gd name="connsiteY3" fmla="*/ 8682884 h 10799763"/>
+              <a:gd name="connsiteX4" fmla="*/ 1349830 w 1349830"/>
+              <a:gd name="connsiteY4" fmla="*/ 10799763 h 10799763"/>
+              <a:gd name="connsiteX5" fmla="*/ 0 w 1349830"/>
+              <a:gd name="connsiteY5" fmla="*/ 10799763 h 10799763"/>
+              <a:gd name="connsiteX0" fmla="*/ 0 w 1349830"/>
+              <a:gd name="connsiteY0" fmla="*/ 10799763 h 10799763"/>
+              <a:gd name="connsiteX1" fmla="*/ 0 w 1349830"/>
+              <a:gd name="connsiteY1" fmla="*/ 0 h 10799763"/>
+              <a:gd name="connsiteX2" fmla="*/ 300797 w 1349830"/>
+              <a:gd name="connsiteY2" fmla="*/ 6060000 h 10799763"/>
+              <a:gd name="connsiteX3" fmla="*/ 577519 w 1349830"/>
+              <a:gd name="connsiteY3" fmla="*/ 8682884 h 10799763"/>
+              <a:gd name="connsiteX4" fmla="*/ 1349830 w 1349830"/>
+              <a:gd name="connsiteY4" fmla="*/ 10799763 h 10799763"/>
+              <a:gd name="connsiteX5" fmla="*/ 0 w 1349830"/>
+              <a:gd name="connsiteY5" fmla="*/ 10799763 h 10799763"/>
+              <a:gd name="connsiteX0" fmla="*/ 0 w 1349830"/>
+              <a:gd name="connsiteY0" fmla="*/ 10799763 h 10799763"/>
+              <a:gd name="connsiteX1" fmla="*/ 0 w 1349830"/>
+              <a:gd name="connsiteY1" fmla="*/ 0 h 10799763"/>
+              <a:gd name="connsiteX2" fmla="*/ 300797 w 1349830"/>
+              <a:gd name="connsiteY2" fmla="*/ 6060000 h 10799763"/>
+              <a:gd name="connsiteX3" fmla="*/ 577519 w 1349830"/>
+              <a:gd name="connsiteY3" fmla="*/ 8682884 h 10799763"/>
+              <a:gd name="connsiteX4" fmla="*/ 1349830 w 1349830"/>
+              <a:gd name="connsiteY4" fmla="*/ 10799763 h 10799763"/>
+              <a:gd name="connsiteX5" fmla="*/ 0 w 1349830"/>
+              <a:gd name="connsiteY5" fmla="*/ 10799763 h 10799763"/>
+              <a:gd name="connsiteX0" fmla="*/ 0 w 1349830"/>
+              <a:gd name="connsiteY0" fmla="*/ 10799763 h 10799763"/>
+              <a:gd name="connsiteX1" fmla="*/ 0 w 1349830"/>
+              <a:gd name="connsiteY1" fmla="*/ 0 h 10799763"/>
+              <a:gd name="connsiteX2" fmla="*/ 300797 w 1349830"/>
+              <a:gd name="connsiteY2" fmla="*/ 6060000 h 10799763"/>
+              <a:gd name="connsiteX3" fmla="*/ 577519 w 1349830"/>
+              <a:gd name="connsiteY3" fmla="*/ 8682884 h 10799763"/>
+              <a:gd name="connsiteX4" fmla="*/ 1349830 w 1349830"/>
+              <a:gd name="connsiteY4" fmla="*/ 10799763 h 10799763"/>
+              <a:gd name="connsiteX5" fmla="*/ 0 w 1349830"/>
+              <a:gd name="connsiteY5" fmla="*/ 10799763 h 10799763"/>
+              <a:gd name="connsiteX0" fmla="*/ 0 w 1349830"/>
+              <a:gd name="connsiteY0" fmla="*/ 10799763 h 10799763"/>
+              <a:gd name="connsiteX1" fmla="*/ 0 w 1349830"/>
+              <a:gd name="connsiteY1" fmla="*/ 0 h 10799763"/>
+              <a:gd name="connsiteX2" fmla="*/ 300797 w 1349830"/>
+              <a:gd name="connsiteY2" fmla="*/ 6060000 h 10799763"/>
+              <a:gd name="connsiteX3" fmla="*/ 577519 w 1349830"/>
+              <a:gd name="connsiteY3" fmla="*/ 8682884 h 10799763"/>
+              <a:gd name="connsiteX4" fmla="*/ 1349830 w 1349830"/>
+              <a:gd name="connsiteY4" fmla="*/ 10799763 h 10799763"/>
+              <a:gd name="connsiteX5" fmla="*/ 0 w 1349830"/>
+              <a:gd name="connsiteY5" fmla="*/ 10799763 h 10799763"/>
+              <a:gd name="connsiteX0" fmla="*/ 0 w 1349830"/>
+              <a:gd name="connsiteY0" fmla="*/ 10799763 h 10799763"/>
+              <a:gd name="connsiteX1" fmla="*/ 0 w 1349830"/>
+              <a:gd name="connsiteY1" fmla="*/ 0 h 10799763"/>
+              <a:gd name="connsiteX2" fmla="*/ 300797 w 1349830"/>
+              <a:gd name="connsiteY2" fmla="*/ 6060000 h 10799763"/>
+              <a:gd name="connsiteX3" fmla="*/ 577519 w 1349830"/>
+              <a:gd name="connsiteY3" fmla="*/ 8682884 h 10799763"/>
+              <a:gd name="connsiteX4" fmla="*/ 1349830 w 1349830"/>
+              <a:gd name="connsiteY4" fmla="*/ 10799763 h 10799763"/>
+              <a:gd name="connsiteX5" fmla="*/ 0 w 1349830"/>
+              <a:gd name="connsiteY5" fmla="*/ 10799763 h 10799763"/>
+              <a:gd name="connsiteX0" fmla="*/ 0 w 1349830"/>
+              <a:gd name="connsiteY0" fmla="*/ 10799763 h 10799763"/>
+              <a:gd name="connsiteX1" fmla="*/ 0 w 1349830"/>
+              <a:gd name="connsiteY1" fmla="*/ 0 h 10799763"/>
+              <a:gd name="connsiteX2" fmla="*/ 300797 w 1349830"/>
+              <a:gd name="connsiteY2" fmla="*/ 6060000 h 10799763"/>
+              <a:gd name="connsiteX3" fmla="*/ 468339 w 1349830"/>
+              <a:gd name="connsiteY3" fmla="*/ 8682884 h 10799763"/>
+              <a:gd name="connsiteX4" fmla="*/ 1349830 w 1349830"/>
+              <a:gd name="connsiteY4" fmla="*/ 10799763 h 10799763"/>
+              <a:gd name="connsiteX5" fmla="*/ 0 w 1349830"/>
+              <a:gd name="connsiteY5" fmla="*/ 10799763 h 10799763"/>
+              <a:gd name="connsiteX0" fmla="*/ 0 w 1349830"/>
+              <a:gd name="connsiteY0" fmla="*/ 10799763 h 10799763"/>
+              <a:gd name="connsiteX1" fmla="*/ 0 w 1349830"/>
+              <a:gd name="connsiteY1" fmla="*/ 0 h 10799763"/>
+              <a:gd name="connsiteX2" fmla="*/ 273504 w 1349830"/>
+              <a:gd name="connsiteY2" fmla="*/ 6073647 h 10799763"/>
+              <a:gd name="connsiteX3" fmla="*/ 468339 w 1349830"/>
+              <a:gd name="connsiteY3" fmla="*/ 8682884 h 10799763"/>
+              <a:gd name="connsiteX4" fmla="*/ 1349830 w 1349830"/>
+              <a:gd name="connsiteY4" fmla="*/ 10799763 h 10799763"/>
+              <a:gd name="connsiteX5" fmla="*/ 0 w 1349830"/>
+              <a:gd name="connsiteY5" fmla="*/ 10799763 h 10799763"/>
+              <a:gd name="connsiteX0" fmla="*/ 0 w 1349830"/>
+              <a:gd name="connsiteY0" fmla="*/ 10799763 h 10799763"/>
+              <a:gd name="connsiteX1" fmla="*/ 0 w 1349830"/>
+              <a:gd name="connsiteY1" fmla="*/ 0 h 10799763"/>
+              <a:gd name="connsiteX2" fmla="*/ 273504 w 1349830"/>
+              <a:gd name="connsiteY2" fmla="*/ 6073647 h 10799763"/>
+              <a:gd name="connsiteX3" fmla="*/ 468339 w 1349830"/>
+              <a:gd name="connsiteY3" fmla="*/ 8682884 h 10799763"/>
+              <a:gd name="connsiteX4" fmla="*/ 1349830 w 1349830"/>
+              <a:gd name="connsiteY4" fmla="*/ 10799763 h 10799763"/>
+              <a:gd name="connsiteX5" fmla="*/ 0 w 1349830"/>
+              <a:gd name="connsiteY5" fmla="*/ 10799763 h 10799763"/>
+            </a:gdLst>
+            <a:ahLst/>
+            <a:cxnLst>
+              <a:cxn ang="0">
+                <a:pos x="connsiteX0" y="connsiteY0"/>
+              </a:cxn>
+              <a:cxn ang="0">
+                <a:pos x="connsiteX1" y="connsiteY1"/>
+              </a:cxn>
+              <a:cxn ang="0">
+                <a:pos x="connsiteX2" y="connsiteY2"/>
+              </a:cxn>
+              <a:cxn ang="0">
+                <a:pos x="connsiteX3" y="connsiteY3"/>
+              </a:cxn>
+              <a:cxn ang="0">
+                <a:pos x="connsiteX4" y="connsiteY4"/>
+              </a:cxn>
+              <a:cxn ang="0">
+                <a:pos x="connsiteX5" y="connsiteY5"/>
+              </a:cxn>
+            </a:cxnLst>
+            <a:rect l="l" t="t" r="r" b="b"/>
+            <a:pathLst>
+              <a:path w="1349830" h="10799763">
+                <a:moveTo>
+                  <a:pt x="0" y="10799763"/>
+                </a:moveTo>
+                <a:lnTo>
+                  <a:pt x="0" y="0"/>
+                </a:lnTo>
+                <a:cubicBezTo>
+                  <a:pt x="244642" y="1983905"/>
+                  <a:pt x="274522" y="3994206"/>
+                  <a:pt x="273504" y="6073647"/>
+                </a:cubicBezTo>
+                <a:cubicBezTo>
+                  <a:pt x="320735" y="7212936"/>
+                  <a:pt x="270990" y="7789254"/>
+                  <a:pt x="468339" y="8682884"/>
+                </a:cubicBezTo>
+                <a:cubicBezTo>
+                  <a:pt x="725778" y="9948068"/>
+                  <a:pt x="1092393" y="10094137"/>
+                  <a:pt x="1349830" y="10799763"/>
+                </a:cubicBezTo>
+                <a:lnTo>
+                  <a:pt x="0" y="10799763"/>
+                </a:lnTo>
+                <a:close/>
+              </a:path>
+            </a:pathLst>
+          </a:custGeom>
+          <a:gradFill flip="none" rotWithShape="1">
+            <a:gsLst>
+              <a:gs pos="0">
+                <a:srgbClr val="DEA900"/>
+              </a:gs>
+              <a:gs pos="34000">
+                <a:srgbClr val="FDAD08"/>
+              </a:gs>
+              <a:gs pos="68000">
+                <a:srgbClr val="FDBE41"/>
+              </a:gs>
+              <a:gs pos="100000">
+                <a:srgbClr val="FFDA65"/>
+              </a:gs>
+            </a:gsLst>
+            <a:lin ang="2700000" scaled="1"/>
+            <a:tileRect/>
+          </a:gradFill>
+          <a:ln>
+            <a:noFill/>
+          </a:ln>
+          <a:scene3d>
+            <a:camera prst="orthographicFront"/>
+            <a:lightRig rig="threePt" dir="t"/>
+          </a:scene3d>
+          <a:sp3d>
+            <a:bevelT/>
+          </a:sp3d>
+        </p:spPr>
+        <p:style>
+          <a:lnRef idx="2">
+            <a:schemeClr val="accent1">
+              <a:shade val="50000"/>
+            </a:schemeClr>
+          </a:lnRef>
+          <a:fillRef idx="1">
+            <a:schemeClr val="accent1"/>
+          </a:fillRef>
+          <a:effectRef idx="0">
+            <a:schemeClr val="accent1"/>
+          </a:effectRef>
+          <a:fontRef idx="minor">
+            <a:schemeClr val="lt1"/>
+          </a:fontRef>
+        </p:style>
+        <p:txBody>
+          <a:bodyPr rtlCol="0" anchor="ctr"/>
+          <a:lstStyle/>
+          <a:p>
+            <a:pPr algn="ctr"/>
+            <a:endParaRPr lang="pt-BR"/>
+          </a:p>
+        </p:txBody>
+      </p:sp>
+      <p:sp>
+        <p:nvSpPr>
+          <p:cNvPr id="47" name="Triângulo isósceles 1">
+            <a:extLst>
+              <a:ext uri="{FF2B5EF4-FFF2-40B4-BE49-F238E27FC236}">
+                <a16:creationId xmlns:a16="http://schemas.microsoft.com/office/drawing/2014/main" id="{68CFE998-EC0C-4AAF-AAA5-279CE12A4425}"/>
+              </a:ext>
+            </a:extLst>
+          </p:cNvPr>
+          <p:cNvSpPr/>
+          <p:nvPr/>
+        </p:nvSpPr>
+        <p:spPr>
+          <a:xfrm rot="16200000">
+            <a:off x="4724966" y="4783786"/>
+            <a:ext cx="1349830" cy="10799763"/>
+          </a:xfrm>
+          <a:custGeom>
+            <a:avLst/>
+            <a:gdLst>
+              <a:gd name="connsiteX0" fmla="*/ 0 w 1349830"/>
+              <a:gd name="connsiteY0" fmla="*/ 10799763 h 10799763"/>
+              <a:gd name="connsiteX1" fmla="*/ 0 w 1349830"/>
+              <a:gd name="connsiteY1" fmla="*/ 0 h 10799763"/>
+              <a:gd name="connsiteX2" fmla="*/ 1349830 w 1349830"/>
+              <a:gd name="connsiteY2" fmla="*/ 10799763 h 10799763"/>
+              <a:gd name="connsiteX3" fmla="*/ 0 w 1349830"/>
+              <a:gd name="connsiteY3" fmla="*/ 10799763 h 10799763"/>
+              <a:gd name="connsiteX0" fmla="*/ 0 w 1349830"/>
+              <a:gd name="connsiteY0" fmla="*/ 10799763 h 10799763"/>
+              <a:gd name="connsiteX1" fmla="*/ 0 w 1349830"/>
+              <a:gd name="connsiteY1" fmla="*/ 0 h 10799763"/>
+              <a:gd name="connsiteX2" fmla="*/ 433141 w 1349830"/>
+              <a:gd name="connsiteY2" fmla="*/ 6060000 h 10799763"/>
+              <a:gd name="connsiteX3" fmla="*/ 1349830 w 1349830"/>
+              <a:gd name="connsiteY3" fmla="*/ 10799763 h 10799763"/>
+              <a:gd name="connsiteX4" fmla="*/ 0 w 1349830"/>
+              <a:gd name="connsiteY4" fmla="*/ 10799763 h 10799763"/>
+              <a:gd name="connsiteX0" fmla="*/ 0 w 1349830"/>
+              <a:gd name="connsiteY0" fmla="*/ 10799763 h 10799763"/>
+              <a:gd name="connsiteX1" fmla="*/ 0 w 1349830"/>
+              <a:gd name="connsiteY1" fmla="*/ 0 h 10799763"/>
+              <a:gd name="connsiteX2" fmla="*/ 433141 w 1349830"/>
+              <a:gd name="connsiteY2" fmla="*/ 6060000 h 10799763"/>
+              <a:gd name="connsiteX3" fmla="*/ 577519 w 1349830"/>
+              <a:gd name="connsiteY3" fmla="*/ 8682884 h 10799763"/>
+              <a:gd name="connsiteX4" fmla="*/ 1349830 w 1349830"/>
+              <a:gd name="connsiteY4" fmla="*/ 10799763 h 10799763"/>
+              <a:gd name="connsiteX5" fmla="*/ 0 w 1349830"/>
+              <a:gd name="connsiteY5" fmla="*/ 10799763 h 10799763"/>
+              <a:gd name="connsiteX0" fmla="*/ 0 w 1349830"/>
+              <a:gd name="connsiteY0" fmla="*/ 10799763 h 10799763"/>
+              <a:gd name="connsiteX1" fmla="*/ 0 w 1349830"/>
+              <a:gd name="connsiteY1" fmla="*/ 0 h 10799763"/>
+              <a:gd name="connsiteX2" fmla="*/ 300797 w 1349830"/>
+              <a:gd name="connsiteY2" fmla="*/ 6060000 h 10799763"/>
+              <a:gd name="connsiteX3" fmla="*/ 577519 w 1349830"/>
+              <a:gd name="connsiteY3" fmla="*/ 8682884 h 10799763"/>
+              <a:gd name="connsiteX4" fmla="*/ 1349830 w 1349830"/>
+              <a:gd name="connsiteY4" fmla="*/ 10799763 h 10799763"/>
+              <a:gd name="connsiteX5" fmla="*/ 0 w 1349830"/>
+              <a:gd name="connsiteY5" fmla="*/ 10799763 h 10799763"/>
+              <a:gd name="connsiteX0" fmla="*/ 0 w 1349830"/>
+              <a:gd name="connsiteY0" fmla="*/ 10799763 h 10799763"/>
+              <a:gd name="connsiteX1" fmla="*/ 0 w 1349830"/>
+              <a:gd name="connsiteY1" fmla="*/ 0 h 10799763"/>
+              <a:gd name="connsiteX2" fmla="*/ 300797 w 1349830"/>
+              <a:gd name="connsiteY2" fmla="*/ 6060000 h 10799763"/>
+              <a:gd name="connsiteX3" fmla="*/ 577519 w 1349830"/>
+              <a:gd name="connsiteY3" fmla="*/ 8682884 h 10799763"/>
+              <a:gd name="connsiteX4" fmla="*/ 1349830 w 1349830"/>
+              <a:gd name="connsiteY4" fmla="*/ 10799763 h 10799763"/>
+              <a:gd name="connsiteX5" fmla="*/ 0 w 1349830"/>
+              <a:gd name="connsiteY5" fmla="*/ 10799763 h 10799763"/>
+              <a:gd name="connsiteX0" fmla="*/ 0 w 1349830"/>
+              <a:gd name="connsiteY0" fmla="*/ 10799763 h 10799763"/>
+              <a:gd name="connsiteX1" fmla="*/ 0 w 1349830"/>
+              <a:gd name="connsiteY1" fmla="*/ 0 h 10799763"/>
+              <a:gd name="connsiteX2" fmla="*/ 300797 w 1349830"/>
+              <a:gd name="connsiteY2" fmla="*/ 6060000 h 10799763"/>
+              <a:gd name="connsiteX3" fmla="*/ 577519 w 1349830"/>
+              <a:gd name="connsiteY3" fmla="*/ 8682884 h 10799763"/>
+              <a:gd name="connsiteX4" fmla="*/ 1349830 w 1349830"/>
+              <a:gd name="connsiteY4" fmla="*/ 10799763 h 10799763"/>
+              <a:gd name="connsiteX5" fmla="*/ 0 w 1349830"/>
+              <a:gd name="connsiteY5" fmla="*/ 10799763 h 10799763"/>
+              <a:gd name="connsiteX0" fmla="*/ 0 w 1349830"/>
+              <a:gd name="connsiteY0" fmla="*/ 10799763 h 10799763"/>
+              <a:gd name="connsiteX1" fmla="*/ 0 w 1349830"/>
+              <a:gd name="connsiteY1" fmla="*/ 0 h 10799763"/>
+              <a:gd name="connsiteX2" fmla="*/ 300797 w 1349830"/>
+              <a:gd name="connsiteY2" fmla="*/ 6060000 h 10799763"/>
+              <a:gd name="connsiteX3" fmla="*/ 577519 w 1349830"/>
+              <a:gd name="connsiteY3" fmla="*/ 8682884 h 10799763"/>
+              <a:gd name="connsiteX4" fmla="*/ 1349830 w 1349830"/>
+              <a:gd name="connsiteY4" fmla="*/ 10799763 h 10799763"/>
+              <a:gd name="connsiteX5" fmla="*/ 0 w 1349830"/>
+              <a:gd name="connsiteY5" fmla="*/ 10799763 h 10799763"/>
+              <a:gd name="connsiteX0" fmla="*/ 0 w 1349830"/>
+              <a:gd name="connsiteY0" fmla="*/ 10799763 h 10799763"/>
+              <a:gd name="connsiteX1" fmla="*/ 0 w 1349830"/>
+              <a:gd name="connsiteY1" fmla="*/ 0 h 10799763"/>
+              <a:gd name="connsiteX2" fmla="*/ 300797 w 1349830"/>
+              <a:gd name="connsiteY2" fmla="*/ 6060000 h 10799763"/>
+              <a:gd name="connsiteX3" fmla="*/ 577519 w 1349830"/>
+              <a:gd name="connsiteY3" fmla="*/ 8682884 h 10799763"/>
+              <a:gd name="connsiteX4" fmla="*/ 1349830 w 1349830"/>
+              <a:gd name="connsiteY4" fmla="*/ 10799763 h 10799763"/>
+              <a:gd name="connsiteX5" fmla="*/ 0 w 1349830"/>
+              <a:gd name="connsiteY5" fmla="*/ 10799763 h 10799763"/>
+              <a:gd name="connsiteX0" fmla="*/ 0 w 1349830"/>
+              <a:gd name="connsiteY0" fmla="*/ 10799763 h 10799763"/>
+              <a:gd name="connsiteX1" fmla="*/ 0 w 1349830"/>
+              <a:gd name="connsiteY1" fmla="*/ 0 h 10799763"/>
+              <a:gd name="connsiteX2" fmla="*/ 300797 w 1349830"/>
+              <a:gd name="connsiteY2" fmla="*/ 6060000 h 10799763"/>
+              <a:gd name="connsiteX3" fmla="*/ 577519 w 1349830"/>
+              <a:gd name="connsiteY3" fmla="*/ 8682884 h 10799763"/>
+              <a:gd name="connsiteX4" fmla="*/ 1349830 w 1349830"/>
+              <a:gd name="connsiteY4" fmla="*/ 10799763 h 10799763"/>
+              <a:gd name="connsiteX5" fmla="*/ 0 w 1349830"/>
+              <a:gd name="connsiteY5" fmla="*/ 10799763 h 10799763"/>
+              <a:gd name="connsiteX0" fmla="*/ 0 w 1349830"/>
+              <a:gd name="connsiteY0" fmla="*/ 10799763 h 10799763"/>
+              <a:gd name="connsiteX1" fmla="*/ 0 w 1349830"/>
+              <a:gd name="connsiteY1" fmla="*/ 0 h 10799763"/>
+              <a:gd name="connsiteX2" fmla="*/ 300797 w 1349830"/>
+              <a:gd name="connsiteY2" fmla="*/ 6060000 h 10799763"/>
+              <a:gd name="connsiteX3" fmla="*/ 468339 w 1349830"/>
+              <a:gd name="connsiteY3" fmla="*/ 8682884 h 10799763"/>
+              <a:gd name="connsiteX4" fmla="*/ 1349830 w 1349830"/>
+              <a:gd name="connsiteY4" fmla="*/ 10799763 h 10799763"/>
+              <a:gd name="connsiteX5" fmla="*/ 0 w 1349830"/>
+              <a:gd name="connsiteY5" fmla="*/ 10799763 h 10799763"/>
+              <a:gd name="connsiteX0" fmla="*/ 0 w 1349830"/>
+              <a:gd name="connsiteY0" fmla="*/ 10799763 h 10799763"/>
+              <a:gd name="connsiteX1" fmla="*/ 0 w 1349830"/>
+              <a:gd name="connsiteY1" fmla="*/ 0 h 10799763"/>
+              <a:gd name="connsiteX2" fmla="*/ 273504 w 1349830"/>
+              <a:gd name="connsiteY2" fmla="*/ 6073647 h 10799763"/>
+              <a:gd name="connsiteX3" fmla="*/ 468339 w 1349830"/>
+              <a:gd name="connsiteY3" fmla="*/ 8682884 h 10799763"/>
+              <a:gd name="connsiteX4" fmla="*/ 1349830 w 1349830"/>
+              <a:gd name="connsiteY4" fmla="*/ 10799763 h 10799763"/>
+              <a:gd name="connsiteX5" fmla="*/ 0 w 1349830"/>
+              <a:gd name="connsiteY5" fmla="*/ 10799763 h 10799763"/>
+              <a:gd name="connsiteX0" fmla="*/ 0 w 1349830"/>
+              <a:gd name="connsiteY0" fmla="*/ 10799763 h 10799763"/>
+              <a:gd name="connsiteX1" fmla="*/ 0 w 1349830"/>
+              <a:gd name="connsiteY1" fmla="*/ 0 h 10799763"/>
+              <a:gd name="connsiteX2" fmla="*/ 273504 w 1349830"/>
+              <a:gd name="connsiteY2" fmla="*/ 6073647 h 10799763"/>
+              <a:gd name="connsiteX3" fmla="*/ 468339 w 1349830"/>
+              <a:gd name="connsiteY3" fmla="*/ 8682884 h 10799763"/>
+              <a:gd name="connsiteX4" fmla="*/ 1349830 w 1349830"/>
+              <a:gd name="connsiteY4" fmla="*/ 10799763 h 10799763"/>
+              <a:gd name="connsiteX5" fmla="*/ 0 w 1349830"/>
+              <a:gd name="connsiteY5" fmla="*/ 10799763 h 10799763"/>
+            </a:gdLst>
+            <a:ahLst/>
+            <a:cxnLst>
+              <a:cxn ang="0">
+                <a:pos x="connsiteX0" y="connsiteY0"/>
+              </a:cxn>
+              <a:cxn ang="0">
+                <a:pos x="connsiteX1" y="connsiteY1"/>
+              </a:cxn>
+              <a:cxn ang="0">
+                <a:pos x="connsiteX2" y="connsiteY2"/>
+              </a:cxn>
+              <a:cxn ang="0">
+                <a:pos x="connsiteX3" y="connsiteY3"/>
+              </a:cxn>
+              <a:cxn ang="0">
+                <a:pos x="connsiteX4" y="connsiteY4"/>
+              </a:cxn>
+              <a:cxn ang="0">
+                <a:pos x="connsiteX5" y="connsiteY5"/>
+              </a:cxn>
+            </a:cxnLst>
+            <a:rect l="l" t="t" r="r" b="b"/>
+            <a:pathLst>
+              <a:path w="1349830" h="10799763">
+                <a:moveTo>
+                  <a:pt x="0" y="10799763"/>
+                </a:moveTo>
+                <a:lnTo>
+                  <a:pt x="0" y="0"/>
+                </a:lnTo>
+                <a:cubicBezTo>
+                  <a:pt x="244642" y="1983905"/>
+                  <a:pt x="274522" y="3994206"/>
+                  <a:pt x="273504" y="6073647"/>
+                </a:cubicBezTo>
+                <a:cubicBezTo>
+                  <a:pt x="320735" y="7212936"/>
+                  <a:pt x="270990" y="7789254"/>
+                  <a:pt x="468339" y="8682884"/>
+                </a:cubicBezTo>
+                <a:cubicBezTo>
+                  <a:pt x="725778" y="9948068"/>
+                  <a:pt x="1092393" y="10094137"/>
+                  <a:pt x="1349830" y="10799763"/>
+                </a:cubicBezTo>
+                <a:lnTo>
+                  <a:pt x="0" y="10799763"/>
+                </a:lnTo>
+                <a:close/>
+              </a:path>
+            </a:pathLst>
+          </a:custGeom>
+          <a:gradFill flip="none" rotWithShape="1">
+            <a:gsLst>
+              <a:gs pos="0">
+                <a:srgbClr val="DEA900"/>
+              </a:gs>
+              <a:gs pos="34000">
+                <a:srgbClr val="FDAD08"/>
+              </a:gs>
+              <a:gs pos="68000">
+                <a:srgbClr val="FDBE41"/>
+              </a:gs>
+              <a:gs pos="100000">
+                <a:srgbClr val="FFDA65"/>
+              </a:gs>
+            </a:gsLst>
+            <a:lin ang="2700000" scaled="1"/>
+            <a:tileRect/>
+          </a:gradFill>
+          <a:ln>
+            <a:noFill/>
+          </a:ln>
+          <a:scene3d>
+            <a:camera prst="orthographicFront"/>
+            <a:lightRig rig="threePt" dir="t"/>
+          </a:scene3d>
+          <a:sp3d>
+            <a:bevelT/>
+          </a:sp3d>
+        </p:spPr>
+        <p:style>
+          <a:lnRef idx="2">
+            <a:schemeClr val="accent1">
+              <a:shade val="50000"/>
+            </a:schemeClr>
+          </a:lnRef>
+          <a:fillRef idx="1">
+            <a:schemeClr val="accent1"/>
+          </a:fillRef>
+          <a:effectRef idx="0">
+            <a:schemeClr val="accent1"/>
+          </a:effectRef>
+          <a:fontRef idx="minor">
+            <a:schemeClr val="lt1"/>
+          </a:fontRef>
+        </p:style>
+        <p:txBody>
+          <a:bodyPr rtlCol="0" anchor="ctr"/>
+          <a:lstStyle/>
+          <a:p>
+            <a:pPr algn="ctr"/>
+            <a:endParaRPr lang="pt-BR"/>
+          </a:p>
+        </p:txBody>
+      </p:sp>
+      <p:sp>
+        <p:nvSpPr>
           <p:cNvPr id="53" name="Retângulo 52">
             <a:extLst>
               <a:ext uri="{FF2B5EF4-FFF2-40B4-BE49-F238E27FC236}">
@@ -12960,7 +14179,7 @@
                 </a:effectLst>
                 <a:latin typeface="Exo 2 Extra Bold" panose="00000900000000000000" pitchFamily="50" charset="0"/>
               </a:rPr>
-              <a:t>Rodada #07</a:t>
+              <a:t>Rodada #08</a:t>
             </a:r>
           </a:p>
         </p:txBody>
@@ -13056,10 +14275,10 @@
       </p:pic>
       <p:pic>
         <p:nvPicPr>
-          <p:cNvPr id="4" name="Imagem 3">
-            <a:extLst>
-              <a:ext uri="{FF2B5EF4-FFF2-40B4-BE49-F238E27FC236}">
-                <a16:creationId xmlns:a16="http://schemas.microsoft.com/office/drawing/2014/main" id="{681BA79A-C016-4841-8153-ADE96E80FE4F}"/>
+          <p:cNvPr id="2" name="Imagem 1">
+            <a:extLst>
+              <a:ext uri="{FF2B5EF4-FFF2-40B4-BE49-F238E27FC236}">
+                <a16:creationId xmlns:a16="http://schemas.microsoft.com/office/drawing/2014/main" id="{0975DB42-01F2-44C9-ABC7-F086FE746E56}"/>
               </a:ext>
             </a:extLst>
           </p:cNvPr>
@@ -13076,8 +14295,8 @@
         </p:blipFill>
         <p:spPr>
           <a:xfrm>
-            <a:off x="1591511" y="1966423"/>
-            <a:ext cx="7662867" cy="8280000"/>
+            <a:off x="1814133" y="2014748"/>
+            <a:ext cx="7218867" cy="8280000"/>
           </a:xfrm>
           <a:prstGeom prst="rect">
             <a:avLst/>

--- a/Informativos.pptx
+++ b/Informativos.pptx
@@ -294,7 +294,7 @@
             <a:fld id="{11A6662E-FAF4-44BC-88B5-85A7CBFB6D30}" type="datetime1">
               <a:rPr lang="en-US" smtClean="0"/>
               <a:pPr/>
-              <a:t>7/2/2021</a:t>
+              <a:t>7/5/2021</a:t>
             </a:fld>
             <a:endParaRPr lang="en-US" dirty="0"/>
           </a:p>
@@ -521,7 +521,7 @@
           <a:p>
             <a:fld id="{4C559632-1575-4E14-B53B-3DC3D5ED3947}" type="datetime1">
               <a:rPr lang="en-US" smtClean="0"/>
-              <a:t>7/2/2021</a:t>
+              <a:t>7/5/2021</a:t>
             </a:fld>
             <a:endParaRPr lang="en-US"/>
           </a:p>
@@ -729,7 +729,7 @@
           <a:p>
             <a:fld id="{CC4A6868-2568-4CC9-B302-F37117B01A6E}" type="datetime1">
               <a:rPr lang="en-US" smtClean="0"/>
-              <a:t>7/2/2021</a:t>
+              <a:t>7/5/2021</a:t>
             </a:fld>
             <a:endParaRPr lang="en-US"/>
           </a:p>
@@ -934,7 +934,7 @@
           <a:p>
             <a:fld id="{0055F08A-1E71-4B2B-BB49-E743F2903911}" type="datetime1">
               <a:rPr lang="en-US" smtClean="0"/>
-              <a:t>7/2/2021</a:t>
+              <a:t>7/5/2021</a:t>
             </a:fld>
             <a:endParaRPr lang="en-US" dirty="0"/>
           </a:p>
@@ -1208,7 +1208,7 @@
           <a:p>
             <a:fld id="{15417D9E-721A-44BB-8863-9873FE64DA75}" type="datetime1">
               <a:rPr lang="en-US" smtClean="0"/>
-              <a:t>7/2/2021</a:t>
+              <a:t>7/5/2021</a:t>
             </a:fld>
             <a:endParaRPr lang="en-US"/>
           </a:p>
@@ -1481,7 +1481,7 @@
           <a:p>
             <a:fld id="{5F31DA2F-80B8-49CF-99FB-5ABCA53A607A}" type="datetime1">
               <a:rPr lang="en-US" smtClean="0"/>
-              <a:t>7/2/2021</a:t>
+              <a:t>7/5/2021</a:t>
             </a:fld>
             <a:endParaRPr lang="en-US"/>
           </a:p>
@@ -1896,7 +1896,7 @@
           <a:p>
             <a:fld id="{28852172-E6C9-4B6C-929A-A9DE3837BBF1}" type="datetime1">
               <a:rPr lang="en-US" smtClean="0"/>
-              <a:t>7/2/2021</a:t>
+              <a:t>7/5/2021</a:t>
             </a:fld>
             <a:endParaRPr lang="en-US"/>
           </a:p>
@@ -2048,7 +2048,7 @@
           <a:p>
             <a:fld id="{3AB41CFF-90C9-47B3-9DA1-F2BF8D839F7E}" type="datetime1">
               <a:rPr lang="en-US" smtClean="0"/>
-              <a:t>7/2/2021</a:t>
+              <a:t>7/5/2021</a:t>
             </a:fld>
             <a:endParaRPr lang="en-US"/>
           </a:p>
@@ -2161,7 +2161,7 @@
           <a:p>
             <a:fld id="{F06048FA-06AB-4884-A69B-986B96E68A24}" type="datetime1">
               <a:rPr lang="en-US" smtClean="0"/>
-              <a:t>7/2/2021</a:t>
+              <a:t>7/5/2021</a:t>
             </a:fld>
             <a:endParaRPr lang="en-US"/>
           </a:p>
@@ -2472,7 +2472,7 @@
           <a:p>
             <a:fld id="{50DB7ABA-0172-4F9C-889D-567164F66BCD}" type="datetime1">
               <a:rPr lang="en-US" smtClean="0"/>
-              <a:t>7/2/2021</a:t>
+              <a:t>7/5/2021</a:t>
             </a:fld>
             <a:endParaRPr lang="en-US"/>
           </a:p>
@@ -2763,7 +2763,7 @@
           <a:p>
             <a:fld id="{78AC6A5B-8AE7-4A41-B5A7-9ADC6686DC18}" type="datetime1">
               <a:rPr lang="en-US" smtClean="0"/>
-              <a:t>7/2/2021</a:t>
+              <a:t>7/5/2021</a:t>
             </a:fld>
             <a:endParaRPr lang="en-US"/>
           </a:p>
@@ -3072,7 +3072,7 @@
             <a:fld id="{57E0CF6C-748E-4B7A-BC8B-3011EF78ED13}" type="datetime1">
               <a:rPr lang="en-US" smtClean="0"/>
               <a:pPr/>
-              <a:t>7/2/2021</a:t>
+              <a:t>7/5/2021</a:t>
             </a:fld>
             <a:endParaRPr lang="en-US" dirty="0"/>
           </a:p>
@@ -4681,10 +4681,10 @@
       </p:pic>
       <p:pic>
         <p:nvPicPr>
-          <p:cNvPr id="2" name="Imagem 1">
-            <a:extLst>
-              <a:ext uri="{FF2B5EF4-FFF2-40B4-BE49-F238E27FC236}">
-                <a16:creationId xmlns:a16="http://schemas.microsoft.com/office/drawing/2014/main" id="{4EFC4FD3-18E5-4002-A498-98FD08CAA8BF}"/>
+          <p:cNvPr id="3" name="Imagem 2">
+            <a:extLst>
+              <a:ext uri="{FF2B5EF4-FFF2-40B4-BE49-F238E27FC236}">
+                <a16:creationId xmlns:a16="http://schemas.microsoft.com/office/drawing/2014/main" id="{D09655E4-A8D7-48EA-A787-7B3599DFD1DB}"/>
               </a:ext>
             </a:extLst>
           </p:cNvPr>
@@ -4701,7 +4701,7 @@
         </p:blipFill>
         <p:spPr>
           <a:xfrm>
-            <a:off x="962581" y="2532092"/>
+            <a:off x="962346" y="2537010"/>
             <a:ext cx="8899620" cy="7200000"/>
           </a:xfrm>
           <a:prstGeom prst="rect">
@@ -5869,10 +5869,10 @@
       </p:pic>
       <p:pic>
         <p:nvPicPr>
-          <p:cNvPr id="2" name="Imagem 1">
-            <a:extLst>
-              <a:ext uri="{FF2B5EF4-FFF2-40B4-BE49-F238E27FC236}">
-                <a16:creationId xmlns:a16="http://schemas.microsoft.com/office/drawing/2014/main" id="{3ADE026B-88F2-4EF6-A23C-DB215ECBA394}"/>
+          <p:cNvPr id="3" name="Imagem 2">
+            <a:extLst>
+              <a:ext uri="{FF2B5EF4-FFF2-40B4-BE49-F238E27FC236}">
+                <a16:creationId xmlns:a16="http://schemas.microsoft.com/office/drawing/2014/main" id="{9AF01E60-A85C-4830-9E3D-1F1B0409816C}"/>
               </a:ext>
             </a:extLst>
           </p:cNvPr>
@@ -5889,8 +5889,8 @@
         </p:blipFill>
         <p:spPr>
           <a:xfrm>
-            <a:off x="965346" y="3720131"/>
-            <a:ext cx="8892000" cy="3397607"/>
+            <a:off x="965375" y="3201203"/>
+            <a:ext cx="8892000" cy="4417575"/>
           </a:xfrm>
           <a:prstGeom prst="rect">
             <a:avLst/>
@@ -7057,10 +7057,10 @@
       </p:pic>
       <p:pic>
         <p:nvPicPr>
-          <p:cNvPr id="2" name="Imagem 1">
-            <a:extLst>
-              <a:ext uri="{FF2B5EF4-FFF2-40B4-BE49-F238E27FC236}">
-                <a16:creationId xmlns:a16="http://schemas.microsoft.com/office/drawing/2014/main" id="{E9BEE3C6-1D6C-4AE5-BF1A-2FBCC4E378EC}"/>
+          <p:cNvPr id="7" name="Imagem 6">
+            <a:extLst>
+              <a:ext uri="{FF2B5EF4-FFF2-40B4-BE49-F238E27FC236}">
+                <a16:creationId xmlns:a16="http://schemas.microsoft.com/office/drawing/2014/main" id="{1DCD0566-4B1A-41D6-88F3-9ADD4756AFB8}"/>
               </a:ext>
             </a:extLst>
           </p:cNvPr>
@@ -7077,7 +7077,7 @@
         </p:blipFill>
         <p:spPr>
           <a:xfrm>
-            <a:off x="2430788" y="2561124"/>
+            <a:off x="2436810" y="2561124"/>
             <a:ext cx="5970583" cy="2160000"/>
           </a:xfrm>
           <a:prstGeom prst="rect">
@@ -7087,10 +7087,10 @@
       </p:pic>
       <p:pic>
         <p:nvPicPr>
-          <p:cNvPr id="3" name="Imagem 2">
-            <a:extLst>
-              <a:ext uri="{FF2B5EF4-FFF2-40B4-BE49-F238E27FC236}">
-                <a16:creationId xmlns:a16="http://schemas.microsoft.com/office/drawing/2014/main" id="{CC759F07-590C-48FF-BF62-5E3BB134BAA6}"/>
+          <p:cNvPr id="8" name="Imagem 7">
+            <a:extLst>
+              <a:ext uri="{FF2B5EF4-FFF2-40B4-BE49-F238E27FC236}">
+                <a16:creationId xmlns:a16="http://schemas.microsoft.com/office/drawing/2014/main" id="{5F5DA5BE-486D-4F36-A9C7-BAC2F40A550B}"/>
               </a:ext>
             </a:extLst>
           </p:cNvPr>
@@ -7107,7 +7107,7 @@
         </p:blipFill>
         <p:spPr>
           <a:xfrm>
-            <a:off x="2424084" y="5057459"/>
+            <a:off x="2424500" y="5057459"/>
             <a:ext cx="5970583" cy="2160000"/>
           </a:xfrm>
           <a:prstGeom prst="rect">
@@ -7117,10 +7117,10 @@
       </p:pic>
       <p:pic>
         <p:nvPicPr>
-          <p:cNvPr id="4" name="Imagem 3">
-            <a:extLst>
-              <a:ext uri="{FF2B5EF4-FFF2-40B4-BE49-F238E27FC236}">
-                <a16:creationId xmlns:a16="http://schemas.microsoft.com/office/drawing/2014/main" id="{06805D66-3D4F-4AF8-BCAA-27DFE73406C1}"/>
+          <p:cNvPr id="9" name="Imagem 8">
+            <a:extLst>
+              <a:ext uri="{FF2B5EF4-FFF2-40B4-BE49-F238E27FC236}">
+                <a16:creationId xmlns:a16="http://schemas.microsoft.com/office/drawing/2014/main" id="{863D3D41-D290-4D34-8084-6B9188A0733E}"/>
               </a:ext>
             </a:extLst>
           </p:cNvPr>
@@ -7137,7 +7137,7 @@
         </p:blipFill>
         <p:spPr>
           <a:xfrm>
-            <a:off x="1740923" y="7696980"/>
+            <a:off x="1757245" y="7696980"/>
             <a:ext cx="7329711" cy="2160000"/>
           </a:xfrm>
           <a:prstGeom prst="rect">
@@ -14275,10 +14275,10 @@
       </p:pic>
       <p:pic>
         <p:nvPicPr>
-          <p:cNvPr id="2" name="Imagem 1">
-            <a:extLst>
-              <a:ext uri="{FF2B5EF4-FFF2-40B4-BE49-F238E27FC236}">
-                <a16:creationId xmlns:a16="http://schemas.microsoft.com/office/drawing/2014/main" id="{0975DB42-01F2-44C9-ABC7-F086FE746E56}"/>
+          <p:cNvPr id="3" name="Imagem 2">
+            <a:extLst>
+              <a:ext uri="{FF2B5EF4-FFF2-40B4-BE49-F238E27FC236}">
+                <a16:creationId xmlns:a16="http://schemas.microsoft.com/office/drawing/2014/main" id="{961E6213-CB36-4AB9-A8F0-6AA69F0BF6FA}"/>
               </a:ext>
             </a:extLst>
           </p:cNvPr>
@@ -14287,16 +14287,15 @@
           </p:cNvPicPr>
           <p:nvPr/>
         </p:nvPicPr>
-        <p:blipFill>
+        <p:blipFill rotWithShape="1">
           <a:blip r:embed="rId5"/>
-          <a:stretch>
-            <a:fillRect/>
-          </a:stretch>
+          <a:srcRect t="5167"/>
+          <a:stretch/>
         </p:blipFill>
         <p:spPr>
           <a:xfrm>
-            <a:off x="1814133" y="2014748"/>
-            <a:ext cx="7218867" cy="8280000"/>
+            <a:off x="1601041" y="2008490"/>
+            <a:ext cx="7612151" cy="8280000"/>
           </a:xfrm>
           <a:prstGeom prst="rect">
             <a:avLst/>

--- a/Informativos.pptx
+++ b/Informativos.pptx
@@ -294,7 +294,7 @@
             <a:fld id="{11A6662E-FAF4-44BC-88B5-85A7CBFB6D30}" type="datetime1">
               <a:rPr lang="en-US" smtClean="0"/>
               <a:pPr/>
-              <a:t>7/5/2021</a:t>
+              <a:t>7/12/2021</a:t>
             </a:fld>
             <a:endParaRPr lang="en-US" dirty="0"/>
           </a:p>
@@ -521,7 +521,7 @@
           <a:p>
             <a:fld id="{4C559632-1575-4E14-B53B-3DC3D5ED3947}" type="datetime1">
               <a:rPr lang="en-US" smtClean="0"/>
-              <a:t>7/5/2021</a:t>
+              <a:t>7/12/2021</a:t>
             </a:fld>
             <a:endParaRPr lang="en-US"/>
           </a:p>
@@ -729,7 +729,7 @@
           <a:p>
             <a:fld id="{CC4A6868-2568-4CC9-B302-F37117B01A6E}" type="datetime1">
               <a:rPr lang="en-US" smtClean="0"/>
-              <a:t>7/5/2021</a:t>
+              <a:t>7/12/2021</a:t>
             </a:fld>
             <a:endParaRPr lang="en-US"/>
           </a:p>
@@ -934,7 +934,7 @@
           <a:p>
             <a:fld id="{0055F08A-1E71-4B2B-BB49-E743F2903911}" type="datetime1">
               <a:rPr lang="en-US" smtClean="0"/>
-              <a:t>7/5/2021</a:t>
+              <a:t>7/12/2021</a:t>
             </a:fld>
             <a:endParaRPr lang="en-US" dirty="0"/>
           </a:p>
@@ -1208,7 +1208,7 @@
           <a:p>
             <a:fld id="{15417D9E-721A-44BB-8863-9873FE64DA75}" type="datetime1">
               <a:rPr lang="en-US" smtClean="0"/>
-              <a:t>7/5/2021</a:t>
+              <a:t>7/12/2021</a:t>
             </a:fld>
             <a:endParaRPr lang="en-US"/>
           </a:p>
@@ -1481,7 +1481,7 @@
           <a:p>
             <a:fld id="{5F31DA2F-80B8-49CF-99FB-5ABCA53A607A}" type="datetime1">
               <a:rPr lang="en-US" smtClean="0"/>
-              <a:t>7/5/2021</a:t>
+              <a:t>7/12/2021</a:t>
             </a:fld>
             <a:endParaRPr lang="en-US"/>
           </a:p>
@@ -1896,7 +1896,7 @@
           <a:p>
             <a:fld id="{28852172-E6C9-4B6C-929A-A9DE3837BBF1}" type="datetime1">
               <a:rPr lang="en-US" smtClean="0"/>
-              <a:t>7/5/2021</a:t>
+              <a:t>7/12/2021</a:t>
             </a:fld>
             <a:endParaRPr lang="en-US"/>
           </a:p>
@@ -2048,7 +2048,7 @@
           <a:p>
             <a:fld id="{3AB41CFF-90C9-47B3-9DA1-F2BF8D839F7E}" type="datetime1">
               <a:rPr lang="en-US" smtClean="0"/>
-              <a:t>7/5/2021</a:t>
+              <a:t>7/12/2021</a:t>
             </a:fld>
             <a:endParaRPr lang="en-US"/>
           </a:p>
@@ -2161,7 +2161,7 @@
           <a:p>
             <a:fld id="{F06048FA-06AB-4884-A69B-986B96E68A24}" type="datetime1">
               <a:rPr lang="en-US" smtClean="0"/>
-              <a:t>7/5/2021</a:t>
+              <a:t>7/12/2021</a:t>
             </a:fld>
             <a:endParaRPr lang="en-US"/>
           </a:p>
@@ -2472,7 +2472,7 @@
           <a:p>
             <a:fld id="{50DB7ABA-0172-4F9C-889D-567164F66BCD}" type="datetime1">
               <a:rPr lang="en-US" smtClean="0"/>
-              <a:t>7/5/2021</a:t>
+              <a:t>7/12/2021</a:t>
             </a:fld>
             <a:endParaRPr lang="en-US"/>
           </a:p>
@@ -2763,7 +2763,7 @@
           <a:p>
             <a:fld id="{78AC6A5B-8AE7-4A41-B5A7-9ADC6686DC18}" type="datetime1">
               <a:rPr lang="en-US" smtClean="0"/>
-              <a:t>7/5/2021</a:t>
+              <a:t>7/12/2021</a:t>
             </a:fld>
             <a:endParaRPr lang="en-US"/>
           </a:p>
@@ -3072,7 +3072,7 @@
             <a:fld id="{57E0CF6C-748E-4B7A-BC8B-3011EF78ED13}" type="datetime1">
               <a:rPr lang="en-US" smtClean="0"/>
               <a:pPr/>
-              <a:t>7/5/2021</a:t>
+              <a:t>7/12/2021</a:t>
             </a:fld>
             <a:endParaRPr lang="en-US" dirty="0"/>
           </a:p>
@@ -4638,8 +4638,43 @@
                 </a:effectLst>
                 <a:latin typeface="Exo 2 Extra Bold" panose="00000900000000000000" pitchFamily="50" charset="0"/>
               </a:rPr>
-              <a:t>Rodada #08</a:t>
+              <a:t>Rodada #</a:t>
             </a:r>
+            <a:r>
+              <a:rPr lang="pt-BR" sz="4800" dirty="0">
+                <a:ln w="0">
+                  <a:noFill/>
+                </a:ln>
+                <a:solidFill>
+                  <a:schemeClr val="bg1"/>
+                </a:solidFill>
+                <a:effectLst>
+                  <a:outerShdw blurRad="38100" dist="19050" dir="2700000" algn="tl" rotWithShape="0">
+                    <a:schemeClr val="dk1">
+                      <a:alpha val="40000"/>
+                    </a:schemeClr>
+                  </a:outerShdw>
+                </a:effectLst>
+                <a:latin typeface="Exo 2 Extra Bold" panose="00000900000000000000" pitchFamily="50" charset="0"/>
+              </a:rPr>
+              <a:t>11</a:t>
+            </a:r>
+            <a:endParaRPr lang="pt-BR" sz="4800" b="0" cap="none" spc="0" dirty="0">
+              <a:ln w="0">
+                <a:noFill/>
+              </a:ln>
+              <a:solidFill>
+                <a:schemeClr val="bg1"/>
+              </a:solidFill>
+              <a:effectLst>
+                <a:outerShdw blurRad="38100" dist="19050" dir="2700000" algn="tl" rotWithShape="0">
+                  <a:schemeClr val="dk1">
+                    <a:alpha val="40000"/>
+                  </a:schemeClr>
+                </a:outerShdw>
+              </a:effectLst>
+              <a:latin typeface="Exo 2 Extra Bold" panose="00000900000000000000" pitchFamily="50" charset="0"/>
+            </a:endParaRPr>
           </a:p>
         </p:txBody>
       </p:sp>
@@ -4684,7 +4719,7 @@
           <p:cNvPr id="3" name="Imagem 2">
             <a:extLst>
               <a:ext uri="{FF2B5EF4-FFF2-40B4-BE49-F238E27FC236}">
-                <a16:creationId xmlns:a16="http://schemas.microsoft.com/office/drawing/2014/main" id="{D09655E4-A8D7-48EA-A787-7B3599DFD1DB}"/>
+                <a16:creationId xmlns:a16="http://schemas.microsoft.com/office/drawing/2014/main" id="{DCAB87F8-D404-4387-A1A8-FC218CC2C775}"/>
               </a:ext>
             </a:extLst>
           </p:cNvPr>
@@ -4701,7 +4736,7 @@
         </p:blipFill>
         <p:spPr>
           <a:xfrm>
-            <a:off x="962346" y="2537010"/>
+            <a:off x="962585" y="2526233"/>
             <a:ext cx="8899620" cy="7200000"/>
           </a:xfrm>
           <a:prstGeom prst="rect">
@@ -5773,8 +5808,43 @@
                 </a:effectLst>
                 <a:latin typeface="Exo 2 Extra Bold" panose="00000900000000000000" pitchFamily="50" charset="0"/>
               </a:rPr>
-              <a:t>Rodada #08</a:t>
+              <a:t>Rodada #</a:t>
             </a:r>
+            <a:r>
+              <a:rPr lang="pt-BR" sz="4800" dirty="0">
+                <a:ln w="0">
+                  <a:noFill/>
+                </a:ln>
+                <a:solidFill>
+                  <a:schemeClr val="bg1"/>
+                </a:solidFill>
+                <a:effectLst>
+                  <a:outerShdw blurRad="38100" dist="19050" dir="2700000" algn="tl" rotWithShape="0">
+                    <a:schemeClr val="dk1">
+                      <a:alpha val="40000"/>
+                    </a:schemeClr>
+                  </a:outerShdw>
+                </a:effectLst>
+                <a:latin typeface="Exo 2 Extra Bold" panose="00000900000000000000" pitchFamily="50" charset="0"/>
+              </a:rPr>
+              <a:t>11</a:t>
+            </a:r>
+            <a:endParaRPr lang="pt-BR" sz="4800" b="0" cap="none" spc="0" dirty="0">
+              <a:ln w="0">
+                <a:noFill/>
+              </a:ln>
+              <a:solidFill>
+                <a:schemeClr val="bg1"/>
+              </a:solidFill>
+              <a:effectLst>
+                <a:outerShdw blurRad="38100" dist="19050" dir="2700000" algn="tl" rotWithShape="0">
+                  <a:schemeClr val="dk1">
+                    <a:alpha val="40000"/>
+                  </a:schemeClr>
+                </a:outerShdw>
+              </a:effectLst>
+              <a:latin typeface="Exo 2 Extra Bold" panose="00000900000000000000" pitchFamily="50" charset="0"/>
+            </a:endParaRPr>
           </a:p>
         </p:txBody>
       </p:sp>
@@ -5872,7 +5942,7 @@
           <p:cNvPr id="3" name="Imagem 2">
             <a:extLst>
               <a:ext uri="{FF2B5EF4-FFF2-40B4-BE49-F238E27FC236}">
-                <a16:creationId xmlns:a16="http://schemas.microsoft.com/office/drawing/2014/main" id="{9AF01E60-A85C-4830-9E3D-1F1B0409816C}"/>
+                <a16:creationId xmlns:a16="http://schemas.microsoft.com/office/drawing/2014/main" id="{3C558932-FE97-4593-8FD8-EA46C5FA45C9}"/>
               </a:ext>
             </a:extLst>
           </p:cNvPr>
@@ -5889,7 +5959,7 @@
         </p:blipFill>
         <p:spPr>
           <a:xfrm>
-            <a:off x="965375" y="3201203"/>
+            <a:off x="965372" y="3178581"/>
             <a:ext cx="8892000" cy="4417575"/>
           </a:xfrm>
           <a:prstGeom prst="rect">
@@ -6961,8 +7031,43 @@
                 </a:effectLst>
                 <a:latin typeface="Exo 2 Extra Bold" panose="00000900000000000000" pitchFamily="50" charset="0"/>
               </a:rPr>
-              <a:t>Rodada #08</a:t>
+              <a:t>Rodada #</a:t>
             </a:r>
+            <a:r>
+              <a:rPr lang="pt-BR" sz="4800" dirty="0">
+                <a:ln w="0">
+                  <a:noFill/>
+                </a:ln>
+                <a:solidFill>
+                  <a:schemeClr val="bg1"/>
+                </a:solidFill>
+                <a:effectLst>
+                  <a:outerShdw blurRad="38100" dist="19050" dir="2700000" algn="tl" rotWithShape="0">
+                    <a:schemeClr val="dk1">
+                      <a:alpha val="40000"/>
+                    </a:schemeClr>
+                  </a:outerShdw>
+                </a:effectLst>
+                <a:latin typeface="Exo 2 Extra Bold" panose="00000900000000000000" pitchFamily="50" charset="0"/>
+              </a:rPr>
+              <a:t>11</a:t>
+            </a:r>
+            <a:endParaRPr lang="pt-BR" sz="4800" b="0" cap="none" spc="0" dirty="0">
+              <a:ln w="0">
+                <a:noFill/>
+              </a:ln>
+              <a:solidFill>
+                <a:schemeClr val="bg1"/>
+              </a:solidFill>
+              <a:effectLst>
+                <a:outerShdw blurRad="38100" dist="19050" dir="2700000" algn="tl" rotWithShape="0">
+                  <a:schemeClr val="dk1">
+                    <a:alpha val="40000"/>
+                  </a:schemeClr>
+                </a:outerShdw>
+              </a:effectLst>
+              <a:latin typeface="Exo 2 Extra Bold" panose="00000900000000000000" pitchFamily="50" charset="0"/>
+            </a:endParaRPr>
           </a:p>
         </p:txBody>
       </p:sp>
@@ -7060,7 +7165,7 @@
           <p:cNvPr id="7" name="Imagem 6">
             <a:extLst>
               <a:ext uri="{FF2B5EF4-FFF2-40B4-BE49-F238E27FC236}">
-                <a16:creationId xmlns:a16="http://schemas.microsoft.com/office/drawing/2014/main" id="{1DCD0566-4B1A-41D6-88F3-9ADD4756AFB8}"/>
+                <a16:creationId xmlns:a16="http://schemas.microsoft.com/office/drawing/2014/main" id="{1213C863-B1E2-4938-B6C3-9410D034C46C}"/>
               </a:ext>
             </a:extLst>
           </p:cNvPr>
@@ -7077,8 +7182,8 @@
         </p:blipFill>
         <p:spPr>
           <a:xfrm>
-            <a:off x="2436810" y="2561124"/>
-            <a:ext cx="5970583" cy="2160000"/>
+            <a:off x="1758635" y="7696980"/>
+            <a:ext cx="7329711" cy="2160000"/>
           </a:xfrm>
           <a:prstGeom prst="rect">
             <a:avLst/>
@@ -7090,7 +7195,7 @@
           <p:cNvPr id="8" name="Imagem 7">
             <a:extLst>
               <a:ext uri="{FF2B5EF4-FFF2-40B4-BE49-F238E27FC236}">
-                <a16:creationId xmlns:a16="http://schemas.microsoft.com/office/drawing/2014/main" id="{5F5DA5BE-486D-4F36-A9C7-BAC2F40A550B}"/>
+                <a16:creationId xmlns:a16="http://schemas.microsoft.com/office/drawing/2014/main" id="{14EC31F1-8A3A-404F-B3F5-6592500CA0A5}"/>
               </a:ext>
             </a:extLst>
           </p:cNvPr>
@@ -7107,7 +7212,7 @@
         </p:blipFill>
         <p:spPr>
           <a:xfrm>
-            <a:off x="2424500" y="5057459"/>
+            <a:off x="2434467" y="5030672"/>
             <a:ext cx="5970583" cy="2160000"/>
           </a:xfrm>
           <a:prstGeom prst="rect">
@@ -7120,7 +7225,7 @@
           <p:cNvPr id="9" name="Imagem 8">
             <a:extLst>
               <a:ext uri="{FF2B5EF4-FFF2-40B4-BE49-F238E27FC236}">
-                <a16:creationId xmlns:a16="http://schemas.microsoft.com/office/drawing/2014/main" id="{863D3D41-D290-4D34-8084-6B9188A0733E}"/>
+                <a16:creationId xmlns:a16="http://schemas.microsoft.com/office/drawing/2014/main" id="{49B227FF-4474-4BCA-BED9-DE5111588F62}"/>
               </a:ext>
             </a:extLst>
           </p:cNvPr>
@@ -7137,8 +7242,8 @@
         </p:blipFill>
         <p:spPr>
           <a:xfrm>
-            <a:off x="1757245" y="7696980"/>
-            <a:ext cx="7329711" cy="2160000"/>
+            <a:off x="2431959" y="2530197"/>
+            <a:ext cx="5970583" cy="2160000"/>
           </a:xfrm>
           <a:prstGeom prst="rect">
             <a:avLst/>
@@ -14179,8 +14284,43 @@
                 </a:effectLst>
                 <a:latin typeface="Exo 2 Extra Bold" panose="00000900000000000000" pitchFamily="50" charset="0"/>
               </a:rPr>
-              <a:t>Rodada #08</a:t>
+              <a:t>Rodada #</a:t>
             </a:r>
+            <a:r>
+              <a:rPr lang="pt-BR" sz="4800" dirty="0">
+                <a:ln w="0">
+                  <a:noFill/>
+                </a:ln>
+                <a:solidFill>
+                  <a:schemeClr val="bg1"/>
+                </a:solidFill>
+                <a:effectLst>
+                  <a:outerShdw blurRad="38100" dist="19050" dir="2700000" algn="tl" rotWithShape="0">
+                    <a:schemeClr val="dk1">
+                      <a:alpha val="40000"/>
+                    </a:schemeClr>
+                  </a:outerShdw>
+                </a:effectLst>
+                <a:latin typeface="Exo 2 Extra Bold" panose="00000900000000000000" pitchFamily="50" charset="0"/>
+              </a:rPr>
+              <a:t>11</a:t>
+            </a:r>
+            <a:endParaRPr lang="pt-BR" sz="4800" b="0" cap="none" spc="0" dirty="0">
+              <a:ln w="0">
+                <a:noFill/>
+              </a:ln>
+              <a:solidFill>
+                <a:schemeClr val="bg1"/>
+              </a:solidFill>
+              <a:effectLst>
+                <a:outerShdw blurRad="38100" dist="19050" dir="2700000" algn="tl" rotWithShape="0">
+                  <a:schemeClr val="dk1">
+                    <a:alpha val="40000"/>
+                  </a:schemeClr>
+                </a:outerShdw>
+              </a:effectLst>
+              <a:latin typeface="Exo 2 Extra Bold" panose="00000900000000000000" pitchFamily="50" charset="0"/>
+            </a:endParaRPr>
           </a:p>
         </p:txBody>
       </p:sp>
@@ -14275,10 +14415,10 @@
       </p:pic>
       <p:pic>
         <p:nvPicPr>
-          <p:cNvPr id="3" name="Imagem 2">
-            <a:extLst>
-              <a:ext uri="{FF2B5EF4-FFF2-40B4-BE49-F238E27FC236}">
-                <a16:creationId xmlns:a16="http://schemas.microsoft.com/office/drawing/2014/main" id="{961E6213-CB36-4AB9-A8F0-6AA69F0BF6FA}"/>
+          <p:cNvPr id="2" name="Imagem 1">
+            <a:extLst>
+              <a:ext uri="{FF2B5EF4-FFF2-40B4-BE49-F238E27FC236}">
+                <a16:creationId xmlns:a16="http://schemas.microsoft.com/office/drawing/2014/main" id="{B80131F7-5959-437C-9725-410B44A4EF92}"/>
               </a:ext>
             </a:extLst>
           </p:cNvPr>
@@ -14287,15 +14427,16 @@
           </p:cNvPicPr>
           <p:nvPr/>
         </p:nvPicPr>
-        <p:blipFill rotWithShape="1">
+        <p:blipFill>
           <a:blip r:embed="rId5"/>
-          <a:srcRect t="5167"/>
-          <a:stretch/>
+          <a:stretch>
+            <a:fillRect/>
+          </a:stretch>
         </p:blipFill>
         <p:spPr>
           <a:xfrm>
-            <a:off x="1601041" y="2008490"/>
-            <a:ext cx="7612151" cy="8280000"/>
+            <a:off x="1590196" y="2032109"/>
+            <a:ext cx="7662867" cy="8280000"/>
           </a:xfrm>
           <a:prstGeom prst="rect">
             <a:avLst/>

--- a/Informativos.pptx
+++ b/Informativos.pptx
@@ -294,7 +294,7 @@
             <a:fld id="{11A6662E-FAF4-44BC-88B5-85A7CBFB6D30}" type="datetime1">
               <a:rPr lang="en-US" smtClean="0"/>
               <a:pPr/>
-              <a:t>7/12/2021</a:t>
+              <a:t>7/27/2021</a:t>
             </a:fld>
             <a:endParaRPr lang="en-US" dirty="0"/>
           </a:p>
@@ -521,7 +521,7 @@
           <a:p>
             <a:fld id="{4C559632-1575-4E14-B53B-3DC3D5ED3947}" type="datetime1">
               <a:rPr lang="en-US" smtClean="0"/>
-              <a:t>7/12/2021</a:t>
+              <a:t>7/27/2021</a:t>
             </a:fld>
             <a:endParaRPr lang="en-US"/>
           </a:p>
@@ -729,7 +729,7 @@
           <a:p>
             <a:fld id="{CC4A6868-2568-4CC9-B302-F37117B01A6E}" type="datetime1">
               <a:rPr lang="en-US" smtClean="0"/>
-              <a:t>7/12/2021</a:t>
+              <a:t>7/27/2021</a:t>
             </a:fld>
             <a:endParaRPr lang="en-US"/>
           </a:p>
@@ -934,7 +934,7 @@
           <a:p>
             <a:fld id="{0055F08A-1E71-4B2B-BB49-E743F2903911}" type="datetime1">
               <a:rPr lang="en-US" smtClean="0"/>
-              <a:t>7/12/2021</a:t>
+              <a:t>7/27/2021</a:t>
             </a:fld>
             <a:endParaRPr lang="en-US" dirty="0"/>
           </a:p>
@@ -1208,7 +1208,7 @@
           <a:p>
             <a:fld id="{15417D9E-721A-44BB-8863-9873FE64DA75}" type="datetime1">
               <a:rPr lang="en-US" smtClean="0"/>
-              <a:t>7/12/2021</a:t>
+              <a:t>7/27/2021</a:t>
             </a:fld>
             <a:endParaRPr lang="en-US"/>
           </a:p>
@@ -1481,7 +1481,7 @@
           <a:p>
             <a:fld id="{5F31DA2F-80B8-49CF-99FB-5ABCA53A607A}" type="datetime1">
               <a:rPr lang="en-US" smtClean="0"/>
-              <a:t>7/12/2021</a:t>
+              <a:t>7/27/2021</a:t>
             </a:fld>
             <a:endParaRPr lang="en-US"/>
           </a:p>
@@ -1896,7 +1896,7 @@
           <a:p>
             <a:fld id="{28852172-E6C9-4B6C-929A-A9DE3837BBF1}" type="datetime1">
               <a:rPr lang="en-US" smtClean="0"/>
-              <a:t>7/12/2021</a:t>
+              <a:t>7/27/2021</a:t>
             </a:fld>
             <a:endParaRPr lang="en-US"/>
           </a:p>
@@ -2048,7 +2048,7 @@
           <a:p>
             <a:fld id="{3AB41CFF-90C9-47B3-9DA1-F2BF8D839F7E}" type="datetime1">
               <a:rPr lang="en-US" smtClean="0"/>
-              <a:t>7/12/2021</a:t>
+              <a:t>7/27/2021</a:t>
             </a:fld>
             <a:endParaRPr lang="en-US"/>
           </a:p>
@@ -2161,7 +2161,7 @@
           <a:p>
             <a:fld id="{F06048FA-06AB-4884-A69B-986B96E68A24}" type="datetime1">
               <a:rPr lang="en-US" smtClean="0"/>
-              <a:t>7/12/2021</a:t>
+              <a:t>7/27/2021</a:t>
             </a:fld>
             <a:endParaRPr lang="en-US"/>
           </a:p>
@@ -2472,7 +2472,7 @@
           <a:p>
             <a:fld id="{50DB7ABA-0172-4F9C-889D-567164F66BCD}" type="datetime1">
               <a:rPr lang="en-US" smtClean="0"/>
-              <a:t>7/12/2021</a:t>
+              <a:t>7/27/2021</a:t>
             </a:fld>
             <a:endParaRPr lang="en-US"/>
           </a:p>
@@ -2763,7 +2763,7 @@
           <a:p>
             <a:fld id="{78AC6A5B-8AE7-4A41-B5A7-9ADC6686DC18}" type="datetime1">
               <a:rPr lang="en-US" smtClean="0"/>
-              <a:t>7/12/2021</a:t>
+              <a:t>7/27/2021</a:t>
             </a:fld>
             <a:endParaRPr lang="en-US"/>
           </a:p>
@@ -3072,7 +3072,7 @@
             <a:fld id="{57E0CF6C-748E-4B7A-BC8B-3011EF78ED13}" type="datetime1">
               <a:rPr lang="en-US" smtClean="0"/>
               <a:pPr/>
-              <a:t>7/12/2021</a:t>
+              <a:t>7/27/2021</a:t>
             </a:fld>
             <a:endParaRPr lang="en-US" dirty="0"/>
           </a:p>
@@ -4657,7 +4657,7 @@
                 </a:effectLst>
                 <a:latin typeface="Exo 2 Extra Bold" panose="00000900000000000000" pitchFamily="50" charset="0"/>
               </a:rPr>
-              <a:t>11</a:t>
+              <a:t>13</a:t>
             </a:r>
             <a:endParaRPr lang="pt-BR" sz="4800" b="0" cap="none" spc="0" dirty="0">
               <a:ln w="0">
@@ -4719,7 +4719,7 @@
           <p:cNvPr id="3" name="Imagem 2">
             <a:extLst>
               <a:ext uri="{FF2B5EF4-FFF2-40B4-BE49-F238E27FC236}">
-                <a16:creationId xmlns:a16="http://schemas.microsoft.com/office/drawing/2014/main" id="{DCAB87F8-D404-4387-A1A8-FC218CC2C775}"/>
+                <a16:creationId xmlns:a16="http://schemas.microsoft.com/office/drawing/2014/main" id="{E4D3738E-8778-48AF-B54B-CB1400E6CF9B}"/>
               </a:ext>
             </a:extLst>
           </p:cNvPr>
@@ -4736,7 +4736,7 @@
         </p:blipFill>
         <p:spPr>
           <a:xfrm>
-            <a:off x="962585" y="2526233"/>
+            <a:off x="961782" y="2525175"/>
             <a:ext cx="8899620" cy="7200000"/>
           </a:xfrm>
           <a:prstGeom prst="rect">
@@ -5827,7 +5827,7 @@
                 </a:effectLst>
                 <a:latin typeface="Exo 2 Extra Bold" panose="00000900000000000000" pitchFamily="50" charset="0"/>
               </a:rPr>
-              <a:t>11</a:t>
+              <a:t>13</a:t>
             </a:r>
             <a:endParaRPr lang="pt-BR" sz="4800" b="0" cap="none" spc="0" dirty="0">
               <a:ln w="0">
@@ -5942,7 +5942,7 @@
           <p:cNvPr id="3" name="Imagem 2">
             <a:extLst>
               <a:ext uri="{FF2B5EF4-FFF2-40B4-BE49-F238E27FC236}">
-                <a16:creationId xmlns:a16="http://schemas.microsoft.com/office/drawing/2014/main" id="{3C558932-FE97-4593-8FD8-EA46C5FA45C9}"/>
+                <a16:creationId xmlns:a16="http://schemas.microsoft.com/office/drawing/2014/main" id="{4809BA09-ED6B-4878-B8D0-BE30C6804940}"/>
               </a:ext>
             </a:extLst>
           </p:cNvPr>
@@ -5959,7 +5959,7 @@
         </p:blipFill>
         <p:spPr>
           <a:xfrm>
-            <a:off x="965372" y="3178581"/>
+            <a:off x="961118" y="3200829"/>
             <a:ext cx="8892000" cy="4417575"/>
           </a:xfrm>
           <a:prstGeom prst="rect">
@@ -7050,7 +7050,7 @@
                 </a:effectLst>
                 <a:latin typeface="Exo 2 Extra Bold" panose="00000900000000000000" pitchFamily="50" charset="0"/>
               </a:rPr>
-              <a:t>11</a:t>
+              <a:t>13</a:t>
             </a:r>
             <a:endParaRPr lang="pt-BR" sz="4800" b="0" cap="none" spc="0" dirty="0">
               <a:ln w="0">
@@ -7165,7 +7165,7 @@
           <p:cNvPr id="7" name="Imagem 6">
             <a:extLst>
               <a:ext uri="{FF2B5EF4-FFF2-40B4-BE49-F238E27FC236}">
-                <a16:creationId xmlns:a16="http://schemas.microsoft.com/office/drawing/2014/main" id="{1213C863-B1E2-4938-B6C3-9410D034C46C}"/>
+                <a16:creationId xmlns:a16="http://schemas.microsoft.com/office/drawing/2014/main" id="{BEFA9633-5D99-4E51-9ABA-36B6D9563DB4}"/>
               </a:ext>
             </a:extLst>
           </p:cNvPr>
@@ -7182,8 +7182,8 @@
         </p:blipFill>
         <p:spPr>
           <a:xfrm>
-            <a:off x="1758635" y="7696980"/>
-            <a:ext cx="7329711" cy="2160000"/>
+            <a:off x="2438090" y="2527025"/>
+            <a:ext cx="5970583" cy="2160000"/>
           </a:xfrm>
           <a:prstGeom prst="rect">
             <a:avLst/>
@@ -7195,7 +7195,7 @@
           <p:cNvPr id="8" name="Imagem 7">
             <a:extLst>
               <a:ext uri="{FF2B5EF4-FFF2-40B4-BE49-F238E27FC236}">
-                <a16:creationId xmlns:a16="http://schemas.microsoft.com/office/drawing/2014/main" id="{14EC31F1-8A3A-404F-B3F5-6592500CA0A5}"/>
+                <a16:creationId xmlns:a16="http://schemas.microsoft.com/office/drawing/2014/main" id="{5AD5F0A3-9720-421C-BBFF-0FCDB59A1999}"/>
               </a:ext>
             </a:extLst>
           </p:cNvPr>
@@ -7212,7 +7212,7 @@
         </p:blipFill>
         <p:spPr>
           <a:xfrm>
-            <a:off x="2434467" y="5030672"/>
+            <a:off x="2435814" y="5020936"/>
             <a:ext cx="5970583" cy="2160000"/>
           </a:xfrm>
           <a:prstGeom prst="rect">
@@ -7225,7 +7225,7 @@
           <p:cNvPr id="9" name="Imagem 8">
             <a:extLst>
               <a:ext uri="{FF2B5EF4-FFF2-40B4-BE49-F238E27FC236}">
-                <a16:creationId xmlns:a16="http://schemas.microsoft.com/office/drawing/2014/main" id="{49B227FF-4474-4BCA-BED9-DE5111588F62}"/>
+                <a16:creationId xmlns:a16="http://schemas.microsoft.com/office/drawing/2014/main" id="{1C4AC4F6-A1BE-4DD2-B643-2F2ACE537817}"/>
               </a:ext>
             </a:extLst>
           </p:cNvPr>
@@ -7242,8 +7242,8 @@
         </p:blipFill>
         <p:spPr>
           <a:xfrm>
-            <a:off x="2431959" y="2530197"/>
-            <a:ext cx="5970583" cy="2160000"/>
+            <a:off x="1749583" y="7696980"/>
+            <a:ext cx="7329711" cy="2160000"/>
           </a:xfrm>
           <a:prstGeom prst="rect">
             <a:avLst/>
@@ -8314,8 +8314,43 @@
                 </a:effectLst>
                 <a:latin typeface="Exo 2 Extra Bold" panose="00000900000000000000" pitchFamily="50" charset="0"/>
               </a:rPr>
-              <a:t>Rodada #08</a:t>
+              <a:t>Rodada #</a:t>
             </a:r>
+            <a:r>
+              <a:rPr lang="pt-BR" sz="4800" dirty="0">
+                <a:ln w="0">
+                  <a:noFill/>
+                </a:ln>
+                <a:solidFill>
+                  <a:schemeClr val="bg1"/>
+                </a:solidFill>
+                <a:effectLst>
+                  <a:outerShdw blurRad="38100" dist="19050" dir="2700000" algn="tl" rotWithShape="0">
+                    <a:schemeClr val="dk1">
+                      <a:alpha val="40000"/>
+                    </a:schemeClr>
+                  </a:outerShdw>
+                </a:effectLst>
+                <a:latin typeface="Exo 2 Extra Bold" panose="00000900000000000000" pitchFamily="50" charset="0"/>
+              </a:rPr>
+              <a:t>13</a:t>
+            </a:r>
+            <a:endParaRPr lang="pt-BR" sz="4800" b="0" cap="none" spc="0" dirty="0">
+              <a:ln w="0">
+                <a:noFill/>
+              </a:ln>
+              <a:solidFill>
+                <a:schemeClr val="bg1"/>
+              </a:solidFill>
+              <a:effectLst>
+                <a:outerShdw blurRad="38100" dist="19050" dir="2700000" algn="tl" rotWithShape="0">
+                  <a:schemeClr val="dk1">
+                    <a:alpha val="40000"/>
+                  </a:schemeClr>
+                </a:outerShdw>
+              </a:effectLst>
+              <a:latin typeface="Exo 2 Extra Bold" panose="00000900000000000000" pitchFamily="50" charset="0"/>
+            </a:endParaRPr>
           </a:p>
         </p:txBody>
       </p:sp>
@@ -8410,10 +8445,10 @@
       </p:pic>
       <p:pic>
         <p:nvPicPr>
-          <p:cNvPr id="2" name="Imagem 1">
-            <a:extLst>
-              <a:ext uri="{FF2B5EF4-FFF2-40B4-BE49-F238E27FC236}">
-                <a16:creationId xmlns:a16="http://schemas.microsoft.com/office/drawing/2014/main" id="{5009A9C6-FDB8-43E5-B745-65806CBD6982}"/>
+          <p:cNvPr id="7" name="Imagem 6">
+            <a:extLst>
+              <a:ext uri="{FF2B5EF4-FFF2-40B4-BE49-F238E27FC236}">
+                <a16:creationId xmlns:a16="http://schemas.microsoft.com/office/drawing/2014/main" id="{A6A70580-A372-4C46-ADDB-B0D63A9C3285}"/>
               </a:ext>
             </a:extLst>
           </p:cNvPr>
@@ -8430,8 +8465,8 @@
         </p:blipFill>
         <p:spPr>
           <a:xfrm>
-            <a:off x="1804059" y="2527142"/>
-            <a:ext cx="7200000" cy="2938611"/>
+            <a:off x="1665607" y="2881359"/>
+            <a:ext cx="7560000" cy="905819"/>
           </a:xfrm>
           <a:prstGeom prst="rect">
             <a:avLst/>
@@ -8440,10 +8475,10 @@
       </p:pic>
       <p:pic>
         <p:nvPicPr>
-          <p:cNvPr id="3" name="Imagem 2">
-            <a:extLst>
-              <a:ext uri="{FF2B5EF4-FFF2-40B4-BE49-F238E27FC236}">
-                <a16:creationId xmlns:a16="http://schemas.microsoft.com/office/drawing/2014/main" id="{1978F445-4689-4602-936C-07C1A3AE802E}"/>
+          <p:cNvPr id="8" name="Imagem 7">
+            <a:extLst>
+              <a:ext uri="{FF2B5EF4-FFF2-40B4-BE49-F238E27FC236}">
+                <a16:creationId xmlns:a16="http://schemas.microsoft.com/office/drawing/2014/main" id="{CC9C18BC-19E2-4B20-9462-76EA795C57B0}"/>
               </a:ext>
             </a:extLst>
           </p:cNvPr>
@@ -8460,8 +8495,68 @@
         </p:blipFill>
         <p:spPr>
           <a:xfrm>
-            <a:off x="1807118" y="5838363"/>
-            <a:ext cx="7200000" cy="2938617"/>
+            <a:off x="1627118" y="3930661"/>
+            <a:ext cx="7560000" cy="1667240"/>
+          </a:xfrm>
+          <a:prstGeom prst="rect">
+            <a:avLst/>
+          </a:prstGeom>
+        </p:spPr>
+      </p:pic>
+      <p:pic>
+        <p:nvPicPr>
+          <p:cNvPr id="9" name="Imagem 8">
+            <a:extLst>
+              <a:ext uri="{FF2B5EF4-FFF2-40B4-BE49-F238E27FC236}">
+                <a16:creationId xmlns:a16="http://schemas.microsoft.com/office/drawing/2014/main" id="{53564F8B-A26D-45C6-BCCA-04ABDABD9576}"/>
+              </a:ext>
+            </a:extLst>
+          </p:cNvPr>
+          <p:cNvPicPr>
+            <a:picLocks noChangeAspect="1"/>
+          </p:cNvPicPr>
+          <p:nvPr/>
+        </p:nvPicPr>
+        <p:blipFill>
+          <a:blip r:embed="rId7"/>
+          <a:stretch>
+            <a:fillRect/>
+          </a:stretch>
+        </p:blipFill>
+        <p:spPr>
+          <a:xfrm>
+            <a:off x="1632270" y="6481364"/>
+            <a:ext cx="7560000" cy="905768"/>
+          </a:xfrm>
+          <a:prstGeom prst="rect">
+            <a:avLst/>
+          </a:prstGeom>
+        </p:spPr>
+      </p:pic>
+      <p:pic>
+        <p:nvPicPr>
+          <p:cNvPr id="10" name="Imagem 9">
+            <a:extLst>
+              <a:ext uri="{FF2B5EF4-FFF2-40B4-BE49-F238E27FC236}">
+                <a16:creationId xmlns:a16="http://schemas.microsoft.com/office/drawing/2014/main" id="{D7255BBD-BC3E-4D92-A89C-060B52AC9F01}"/>
+              </a:ext>
+            </a:extLst>
+          </p:cNvPr>
+          <p:cNvPicPr>
+            <a:picLocks noChangeAspect="1"/>
+          </p:cNvPicPr>
+          <p:nvPr/>
+        </p:nvPicPr>
+        <p:blipFill>
+          <a:blip r:embed="rId8"/>
+          <a:stretch>
+            <a:fillRect/>
+          </a:stretch>
+        </p:blipFill>
+        <p:spPr>
+          <a:xfrm>
+            <a:off x="1665607" y="7624951"/>
+            <a:ext cx="7560000" cy="1667230"/>
           </a:xfrm>
           <a:prstGeom prst="rect">
             <a:avLst/>
@@ -9585,7 +9680,7 @@
                 </a:effectLst>
                 <a:latin typeface="Exo 2 Extra Bold" panose="00000900000000000000" pitchFamily="50" charset="0"/>
               </a:rPr>
-              <a:t>Mata-mata #02</a:t>
+              <a:t>Mata-mata #03</a:t>
             </a:r>
           </a:p>
         </p:txBody>
@@ -9628,10 +9723,10 @@
       </p:pic>
       <p:pic>
         <p:nvPicPr>
-          <p:cNvPr id="2" name="Imagem 1">
-            <a:extLst>
-              <a:ext uri="{FF2B5EF4-FFF2-40B4-BE49-F238E27FC236}">
-                <a16:creationId xmlns:a16="http://schemas.microsoft.com/office/drawing/2014/main" id="{5C51E643-511C-4C62-965C-3279F9FFDE20}"/>
+          <p:cNvPr id="3" name="Imagem 2">
+            <a:extLst>
+              <a:ext uri="{FF2B5EF4-FFF2-40B4-BE49-F238E27FC236}">
+                <a16:creationId xmlns:a16="http://schemas.microsoft.com/office/drawing/2014/main" id="{2CF56CE1-31C9-40A4-9A18-B6F4E83DF013}"/>
               </a:ext>
             </a:extLst>
           </p:cNvPr>
@@ -9648,7 +9743,7 @@
         </p:blipFill>
         <p:spPr>
           <a:xfrm>
-            <a:off x="837654" y="2536691"/>
+            <a:off x="842801" y="2532606"/>
             <a:ext cx="9154806" cy="7200000"/>
           </a:xfrm>
           <a:prstGeom prst="rect">
@@ -10773,7 +10868,7 @@
                 </a:effectLst>
                 <a:latin typeface="Exo 2 Extra Bold" panose="00000900000000000000" pitchFamily="50" charset="0"/>
               </a:rPr>
-              <a:t>Mata-mata #02</a:t>
+              <a:t>Mata-mata #03</a:t>
             </a:r>
           </a:p>
         </p:txBody>
@@ -10816,10 +10911,10 @@
       </p:pic>
       <p:pic>
         <p:nvPicPr>
-          <p:cNvPr id="3" name="Imagem 2">
-            <a:extLst>
-              <a:ext uri="{FF2B5EF4-FFF2-40B4-BE49-F238E27FC236}">
-                <a16:creationId xmlns:a16="http://schemas.microsoft.com/office/drawing/2014/main" id="{4F2F2C9B-7EA5-47AB-ABD4-041B31724298}"/>
+          <p:cNvPr id="2" name="Imagem 1">
+            <a:extLst>
+              <a:ext uri="{FF2B5EF4-FFF2-40B4-BE49-F238E27FC236}">
+                <a16:creationId xmlns:a16="http://schemas.microsoft.com/office/drawing/2014/main" id="{16080018-2448-497C-8C66-2CEB238DA358}"/>
               </a:ext>
             </a:extLst>
           </p:cNvPr>
@@ -10836,7 +10931,7 @@
         </p:blipFill>
         <p:spPr>
           <a:xfrm>
-            <a:off x="841937" y="2528041"/>
+            <a:off x="837654" y="2536691"/>
             <a:ext cx="9154806" cy="7200000"/>
           </a:xfrm>
           <a:prstGeom prst="rect">
@@ -11961,7 +12056,7 @@
                 </a:effectLst>
                 <a:latin typeface="Exo 2 Extra Bold" panose="00000900000000000000" pitchFamily="50" charset="0"/>
               </a:rPr>
-              <a:t>Mata-mata #02</a:t>
+              <a:t>Mata-mata #03</a:t>
             </a:r>
           </a:p>
         </p:txBody>
@@ -12004,10 +12099,10 @@
       </p:pic>
       <p:pic>
         <p:nvPicPr>
-          <p:cNvPr id="3" name="Imagem 2">
-            <a:extLst>
-              <a:ext uri="{FF2B5EF4-FFF2-40B4-BE49-F238E27FC236}">
-                <a16:creationId xmlns:a16="http://schemas.microsoft.com/office/drawing/2014/main" id="{D20729FF-EA93-448A-8941-95593E7857A8}"/>
+          <p:cNvPr id="2" name="Imagem 1">
+            <a:extLst>
+              <a:ext uri="{FF2B5EF4-FFF2-40B4-BE49-F238E27FC236}">
+                <a16:creationId xmlns:a16="http://schemas.microsoft.com/office/drawing/2014/main" id="{F3496441-5BA0-4FBC-BC1D-44B5847E826C}"/>
               </a:ext>
             </a:extLst>
           </p:cNvPr>
@@ -12024,7 +12119,7 @@
         </p:blipFill>
         <p:spPr>
           <a:xfrm>
-            <a:off x="829715" y="2532606"/>
+            <a:off x="843720" y="2525175"/>
             <a:ext cx="9154806" cy="7200000"/>
           </a:xfrm>
           <a:prstGeom prst="rect">
@@ -13149,7 +13244,7 @@
                 </a:effectLst>
                 <a:latin typeface="Exo 2 Extra Bold" panose="00000900000000000000" pitchFamily="50" charset="0"/>
               </a:rPr>
-              <a:t>Mata-mata #02</a:t>
+              <a:t>Mata-mata #03</a:t>
             </a:r>
           </a:p>
         </p:txBody>
@@ -13192,10 +13287,10 @@
       </p:pic>
       <p:pic>
         <p:nvPicPr>
-          <p:cNvPr id="3" name="Imagem 2">
-            <a:extLst>
-              <a:ext uri="{FF2B5EF4-FFF2-40B4-BE49-F238E27FC236}">
-                <a16:creationId xmlns:a16="http://schemas.microsoft.com/office/drawing/2014/main" id="{D991D303-FEAE-41F4-A66E-6082125B2714}"/>
+          <p:cNvPr id="2" name="Imagem 1">
+            <a:extLst>
+              <a:ext uri="{FF2B5EF4-FFF2-40B4-BE49-F238E27FC236}">
+                <a16:creationId xmlns:a16="http://schemas.microsoft.com/office/drawing/2014/main" id="{9B7F074B-0750-4FC6-9B35-124CB3761881}"/>
               </a:ext>
             </a:extLst>
           </p:cNvPr>
@@ -13212,7 +13307,7 @@
         </p:blipFill>
         <p:spPr>
           <a:xfrm>
-            <a:off x="1806723" y="3498414"/>
+            <a:off x="1806725" y="3477635"/>
             <a:ext cx="7200000" cy="3834373"/>
           </a:xfrm>
           <a:prstGeom prst="rect">
@@ -14303,7 +14398,7 @@
                 </a:effectLst>
                 <a:latin typeface="Exo 2 Extra Bold" panose="00000900000000000000" pitchFamily="50" charset="0"/>
               </a:rPr>
-              <a:t>11</a:t>
+              <a:t>13</a:t>
             </a:r>
             <a:endParaRPr lang="pt-BR" sz="4800" b="0" cap="none" spc="0" dirty="0">
               <a:ln w="0">
@@ -14418,7 +14513,7 @@
           <p:cNvPr id="2" name="Imagem 1">
             <a:extLst>
               <a:ext uri="{FF2B5EF4-FFF2-40B4-BE49-F238E27FC236}">
-                <a16:creationId xmlns:a16="http://schemas.microsoft.com/office/drawing/2014/main" id="{B80131F7-5959-437C-9725-410B44A4EF92}"/>
+                <a16:creationId xmlns:a16="http://schemas.microsoft.com/office/drawing/2014/main" id="{16245504-293A-46AC-8CAC-6C12871D0036}"/>
               </a:ext>
             </a:extLst>
           </p:cNvPr>
@@ -14435,8 +14530,8 @@
         </p:blipFill>
         <p:spPr>
           <a:xfrm>
-            <a:off x="1590196" y="2032109"/>
-            <a:ext cx="7662867" cy="8280000"/>
+            <a:off x="1798042" y="2014255"/>
+            <a:ext cx="7218867" cy="8280000"/>
           </a:xfrm>
           <a:prstGeom prst="rect">
             <a:avLst/>

--- a/Informativos.pptx
+++ b/Informativos.pptx
@@ -294,7 +294,7 @@
             <a:fld id="{11A6662E-FAF4-44BC-88B5-85A7CBFB6D30}" type="datetime1">
               <a:rPr lang="en-US" smtClean="0"/>
               <a:pPr/>
-              <a:t>7/27/2021</a:t>
+              <a:t>8/10/2021</a:t>
             </a:fld>
             <a:endParaRPr lang="en-US" dirty="0"/>
           </a:p>
@@ -521,7 +521,7 @@
           <a:p>
             <a:fld id="{4C559632-1575-4E14-B53B-3DC3D5ED3947}" type="datetime1">
               <a:rPr lang="en-US" smtClean="0"/>
-              <a:t>7/27/2021</a:t>
+              <a:t>8/10/2021</a:t>
             </a:fld>
             <a:endParaRPr lang="en-US"/>
           </a:p>
@@ -729,7 +729,7 @@
           <a:p>
             <a:fld id="{CC4A6868-2568-4CC9-B302-F37117B01A6E}" type="datetime1">
               <a:rPr lang="en-US" smtClean="0"/>
-              <a:t>7/27/2021</a:t>
+              <a:t>8/10/2021</a:t>
             </a:fld>
             <a:endParaRPr lang="en-US"/>
           </a:p>
@@ -934,7 +934,7 @@
           <a:p>
             <a:fld id="{0055F08A-1E71-4B2B-BB49-E743F2903911}" type="datetime1">
               <a:rPr lang="en-US" smtClean="0"/>
-              <a:t>7/27/2021</a:t>
+              <a:t>8/10/2021</a:t>
             </a:fld>
             <a:endParaRPr lang="en-US" dirty="0"/>
           </a:p>
@@ -1208,7 +1208,7 @@
           <a:p>
             <a:fld id="{15417D9E-721A-44BB-8863-9873FE64DA75}" type="datetime1">
               <a:rPr lang="en-US" smtClean="0"/>
-              <a:t>7/27/2021</a:t>
+              <a:t>8/10/2021</a:t>
             </a:fld>
             <a:endParaRPr lang="en-US"/>
           </a:p>
@@ -1481,7 +1481,7 @@
           <a:p>
             <a:fld id="{5F31DA2F-80B8-49CF-99FB-5ABCA53A607A}" type="datetime1">
               <a:rPr lang="en-US" smtClean="0"/>
-              <a:t>7/27/2021</a:t>
+              <a:t>8/10/2021</a:t>
             </a:fld>
             <a:endParaRPr lang="en-US"/>
           </a:p>
@@ -1896,7 +1896,7 @@
           <a:p>
             <a:fld id="{28852172-E6C9-4B6C-929A-A9DE3837BBF1}" type="datetime1">
               <a:rPr lang="en-US" smtClean="0"/>
-              <a:t>7/27/2021</a:t>
+              <a:t>8/10/2021</a:t>
             </a:fld>
             <a:endParaRPr lang="en-US"/>
           </a:p>
@@ -2048,7 +2048,7 @@
           <a:p>
             <a:fld id="{3AB41CFF-90C9-47B3-9DA1-F2BF8D839F7E}" type="datetime1">
               <a:rPr lang="en-US" smtClean="0"/>
-              <a:t>7/27/2021</a:t>
+              <a:t>8/10/2021</a:t>
             </a:fld>
             <a:endParaRPr lang="en-US"/>
           </a:p>
@@ -2161,7 +2161,7 @@
           <a:p>
             <a:fld id="{F06048FA-06AB-4884-A69B-986B96E68A24}" type="datetime1">
               <a:rPr lang="en-US" smtClean="0"/>
-              <a:t>7/27/2021</a:t>
+              <a:t>8/10/2021</a:t>
             </a:fld>
             <a:endParaRPr lang="en-US"/>
           </a:p>
@@ -2472,7 +2472,7 @@
           <a:p>
             <a:fld id="{50DB7ABA-0172-4F9C-889D-567164F66BCD}" type="datetime1">
               <a:rPr lang="en-US" smtClean="0"/>
-              <a:t>7/27/2021</a:t>
+              <a:t>8/10/2021</a:t>
             </a:fld>
             <a:endParaRPr lang="en-US"/>
           </a:p>
@@ -2763,7 +2763,7 @@
           <a:p>
             <a:fld id="{78AC6A5B-8AE7-4A41-B5A7-9ADC6686DC18}" type="datetime1">
               <a:rPr lang="en-US" smtClean="0"/>
-              <a:t>7/27/2021</a:t>
+              <a:t>8/10/2021</a:t>
             </a:fld>
             <a:endParaRPr lang="en-US"/>
           </a:p>
@@ -3072,7 +3072,7 @@
             <a:fld id="{57E0CF6C-748E-4B7A-BC8B-3011EF78ED13}" type="datetime1">
               <a:rPr lang="en-US" smtClean="0"/>
               <a:pPr/>
-              <a:t>7/27/2021</a:t>
+              <a:t>8/10/2021</a:t>
             </a:fld>
             <a:endParaRPr lang="en-US" dirty="0"/>
           </a:p>
@@ -4657,7 +4657,7 @@
                 </a:effectLst>
                 <a:latin typeface="Exo 2 Extra Bold" panose="00000900000000000000" pitchFamily="50" charset="0"/>
               </a:rPr>
-              <a:t>13</a:t>
+              <a:t>15</a:t>
             </a:r>
             <a:endParaRPr lang="pt-BR" sz="4800" b="0" cap="none" spc="0" dirty="0">
               <a:ln w="0">
@@ -4719,7 +4719,7 @@
           <p:cNvPr id="3" name="Imagem 2">
             <a:extLst>
               <a:ext uri="{FF2B5EF4-FFF2-40B4-BE49-F238E27FC236}">
-                <a16:creationId xmlns:a16="http://schemas.microsoft.com/office/drawing/2014/main" id="{E4D3738E-8778-48AF-B54B-CB1400E6CF9B}"/>
+                <a16:creationId xmlns:a16="http://schemas.microsoft.com/office/drawing/2014/main" id="{23FEE708-40F0-44DE-BE4E-85965C1067A9}"/>
               </a:ext>
             </a:extLst>
           </p:cNvPr>
@@ -4736,8 +4736,8 @@
         </p:blipFill>
         <p:spPr>
           <a:xfrm>
-            <a:off x="961782" y="2525175"/>
-            <a:ext cx="8899620" cy="7200000"/>
+            <a:off x="961772" y="2528701"/>
+            <a:ext cx="8899639" cy="7200000"/>
           </a:xfrm>
           <a:prstGeom prst="rect">
             <a:avLst/>
@@ -5827,7 +5827,7 @@
                 </a:effectLst>
                 <a:latin typeface="Exo 2 Extra Bold" panose="00000900000000000000" pitchFamily="50" charset="0"/>
               </a:rPr>
-              <a:t>13</a:t>
+              <a:t>15</a:t>
             </a:r>
             <a:endParaRPr lang="pt-BR" sz="4800" b="0" cap="none" spc="0" dirty="0">
               <a:ln w="0">
@@ -5942,7 +5942,7 @@
           <p:cNvPr id="3" name="Imagem 2">
             <a:extLst>
               <a:ext uri="{FF2B5EF4-FFF2-40B4-BE49-F238E27FC236}">
-                <a16:creationId xmlns:a16="http://schemas.microsoft.com/office/drawing/2014/main" id="{4809BA09-ED6B-4878-B8D0-BE30C6804940}"/>
+                <a16:creationId xmlns:a16="http://schemas.microsoft.com/office/drawing/2014/main" id="{E2F109B9-05A1-4292-864C-3589ED76DF2F}"/>
               </a:ext>
             </a:extLst>
           </p:cNvPr>
@@ -5959,8 +5959,8 @@
         </p:blipFill>
         <p:spPr>
           <a:xfrm>
-            <a:off x="961118" y="3200829"/>
-            <a:ext cx="8892000" cy="4417575"/>
+            <a:off x="965372" y="2699504"/>
+            <a:ext cx="8892000" cy="5437505"/>
           </a:xfrm>
           <a:prstGeom prst="rect">
             <a:avLst/>
@@ -7050,7 +7050,7 @@
                 </a:effectLst>
                 <a:latin typeface="Exo 2 Extra Bold" panose="00000900000000000000" pitchFamily="50" charset="0"/>
               </a:rPr>
-              <a:t>13</a:t>
+              <a:t>15</a:t>
             </a:r>
             <a:endParaRPr lang="pt-BR" sz="4800" b="0" cap="none" spc="0" dirty="0">
               <a:ln w="0">
@@ -7165,7 +7165,7 @@
           <p:cNvPr id="7" name="Imagem 6">
             <a:extLst>
               <a:ext uri="{FF2B5EF4-FFF2-40B4-BE49-F238E27FC236}">
-                <a16:creationId xmlns:a16="http://schemas.microsoft.com/office/drawing/2014/main" id="{BEFA9633-5D99-4E51-9ABA-36B6D9563DB4}"/>
+                <a16:creationId xmlns:a16="http://schemas.microsoft.com/office/drawing/2014/main" id="{4D659E67-C807-4BC1-8DB5-DE37607A569D}"/>
               </a:ext>
             </a:extLst>
           </p:cNvPr>
@@ -7182,7 +7182,7 @@
         </p:blipFill>
         <p:spPr>
           <a:xfrm>
-            <a:off x="2438090" y="2527025"/>
+            <a:off x="2438090" y="2525439"/>
             <a:ext cx="5970583" cy="2160000"/>
           </a:xfrm>
           <a:prstGeom prst="rect">
@@ -7195,7 +7195,7 @@
           <p:cNvPr id="8" name="Imagem 7">
             <a:extLst>
               <a:ext uri="{FF2B5EF4-FFF2-40B4-BE49-F238E27FC236}">
-                <a16:creationId xmlns:a16="http://schemas.microsoft.com/office/drawing/2014/main" id="{5AD5F0A3-9720-421C-BBFF-0FCDB59A1999}"/>
+                <a16:creationId xmlns:a16="http://schemas.microsoft.com/office/drawing/2014/main" id="{1488E3B6-269D-4FD9-86CF-33D21063C836}"/>
               </a:ext>
             </a:extLst>
           </p:cNvPr>
@@ -7212,7 +7212,7 @@
         </p:blipFill>
         <p:spPr>
           <a:xfrm>
-            <a:off x="2435814" y="5020936"/>
+            <a:off x="2423477" y="5040236"/>
             <a:ext cx="5970583" cy="2160000"/>
           </a:xfrm>
           <a:prstGeom prst="rect">
@@ -7225,7 +7225,7 @@
           <p:cNvPr id="9" name="Imagem 8">
             <a:extLst>
               <a:ext uri="{FF2B5EF4-FFF2-40B4-BE49-F238E27FC236}">
-                <a16:creationId xmlns:a16="http://schemas.microsoft.com/office/drawing/2014/main" id="{1C4AC4F6-A1BE-4DD2-B643-2F2ACE537817}"/>
+                <a16:creationId xmlns:a16="http://schemas.microsoft.com/office/drawing/2014/main" id="{659C546B-E064-4566-96E0-FB11082C3AF8}"/>
               </a:ext>
             </a:extLst>
           </p:cNvPr>
@@ -7242,7 +7242,7 @@
         </p:blipFill>
         <p:spPr>
           <a:xfrm>
-            <a:off x="1749583" y="7696980"/>
+            <a:off x="1750887" y="7679189"/>
             <a:ext cx="7329711" cy="2160000"/>
           </a:xfrm>
           <a:prstGeom prst="rect">
@@ -8333,7 +8333,7 @@
                 </a:effectLst>
                 <a:latin typeface="Exo 2 Extra Bold" panose="00000900000000000000" pitchFamily="50" charset="0"/>
               </a:rPr>
-              <a:t>13</a:t>
+              <a:t>15</a:t>
             </a:r>
             <a:endParaRPr lang="pt-BR" sz="4800" b="0" cap="none" spc="0" dirty="0">
               <a:ln w="0">
@@ -14398,7 +14398,7 @@
                 </a:effectLst>
                 <a:latin typeface="Exo 2 Extra Bold" panose="00000900000000000000" pitchFamily="50" charset="0"/>
               </a:rPr>
-              <a:t>13</a:t>
+              <a:t>15</a:t>
             </a:r>
             <a:endParaRPr lang="pt-BR" sz="4800" b="0" cap="none" spc="0" dirty="0">
               <a:ln w="0">
@@ -14513,7 +14513,7 @@
           <p:cNvPr id="2" name="Imagem 1">
             <a:extLst>
               <a:ext uri="{FF2B5EF4-FFF2-40B4-BE49-F238E27FC236}">
-                <a16:creationId xmlns:a16="http://schemas.microsoft.com/office/drawing/2014/main" id="{16245504-293A-46AC-8CAC-6C12871D0036}"/>
+                <a16:creationId xmlns:a16="http://schemas.microsoft.com/office/drawing/2014/main" id="{CD01449A-4972-495C-A377-2393845CCAA5}"/>
               </a:ext>
             </a:extLst>
           </p:cNvPr>
@@ -14530,8 +14530,8 @@
         </p:blipFill>
         <p:spPr>
           <a:xfrm>
-            <a:off x="1798042" y="2014255"/>
-            <a:ext cx="7218867" cy="8280000"/>
+            <a:off x="1590196" y="2011328"/>
+            <a:ext cx="7662867" cy="8280000"/>
           </a:xfrm>
           <a:prstGeom prst="rect">
             <a:avLst/>

--- a/Informativos.pptx
+++ b/Informativos.pptx
@@ -294,7 +294,7 @@
             <a:fld id="{11A6662E-FAF4-44BC-88B5-85A7CBFB6D30}" type="datetime1">
               <a:rPr lang="en-US" smtClean="0"/>
               <a:pPr/>
-              <a:t>8/10/2021</a:t>
+              <a:t>8/17/2021</a:t>
             </a:fld>
             <a:endParaRPr lang="en-US" dirty="0"/>
           </a:p>
@@ -521,7 +521,7 @@
           <a:p>
             <a:fld id="{4C559632-1575-4E14-B53B-3DC3D5ED3947}" type="datetime1">
               <a:rPr lang="en-US" smtClean="0"/>
-              <a:t>8/10/2021</a:t>
+              <a:t>8/17/2021</a:t>
             </a:fld>
             <a:endParaRPr lang="en-US"/>
           </a:p>
@@ -729,7 +729,7 @@
           <a:p>
             <a:fld id="{CC4A6868-2568-4CC9-B302-F37117B01A6E}" type="datetime1">
               <a:rPr lang="en-US" smtClean="0"/>
-              <a:t>8/10/2021</a:t>
+              <a:t>8/17/2021</a:t>
             </a:fld>
             <a:endParaRPr lang="en-US"/>
           </a:p>
@@ -934,7 +934,7 @@
           <a:p>
             <a:fld id="{0055F08A-1E71-4B2B-BB49-E743F2903911}" type="datetime1">
               <a:rPr lang="en-US" smtClean="0"/>
-              <a:t>8/10/2021</a:t>
+              <a:t>8/17/2021</a:t>
             </a:fld>
             <a:endParaRPr lang="en-US" dirty="0"/>
           </a:p>
@@ -1208,7 +1208,7 @@
           <a:p>
             <a:fld id="{15417D9E-721A-44BB-8863-9873FE64DA75}" type="datetime1">
               <a:rPr lang="en-US" smtClean="0"/>
-              <a:t>8/10/2021</a:t>
+              <a:t>8/17/2021</a:t>
             </a:fld>
             <a:endParaRPr lang="en-US"/>
           </a:p>
@@ -1481,7 +1481,7 @@
           <a:p>
             <a:fld id="{5F31DA2F-80B8-49CF-99FB-5ABCA53A607A}" type="datetime1">
               <a:rPr lang="en-US" smtClean="0"/>
-              <a:t>8/10/2021</a:t>
+              <a:t>8/17/2021</a:t>
             </a:fld>
             <a:endParaRPr lang="en-US"/>
           </a:p>
@@ -1896,7 +1896,7 @@
           <a:p>
             <a:fld id="{28852172-E6C9-4B6C-929A-A9DE3837BBF1}" type="datetime1">
               <a:rPr lang="en-US" smtClean="0"/>
-              <a:t>8/10/2021</a:t>
+              <a:t>8/17/2021</a:t>
             </a:fld>
             <a:endParaRPr lang="en-US"/>
           </a:p>
@@ -2048,7 +2048,7 @@
           <a:p>
             <a:fld id="{3AB41CFF-90C9-47B3-9DA1-F2BF8D839F7E}" type="datetime1">
               <a:rPr lang="en-US" smtClean="0"/>
-              <a:t>8/10/2021</a:t>
+              <a:t>8/17/2021</a:t>
             </a:fld>
             <a:endParaRPr lang="en-US"/>
           </a:p>
@@ -2161,7 +2161,7 @@
           <a:p>
             <a:fld id="{F06048FA-06AB-4884-A69B-986B96E68A24}" type="datetime1">
               <a:rPr lang="en-US" smtClean="0"/>
-              <a:t>8/10/2021</a:t>
+              <a:t>8/17/2021</a:t>
             </a:fld>
             <a:endParaRPr lang="en-US"/>
           </a:p>
@@ -2472,7 +2472,7 @@
           <a:p>
             <a:fld id="{50DB7ABA-0172-4F9C-889D-567164F66BCD}" type="datetime1">
               <a:rPr lang="en-US" smtClean="0"/>
-              <a:t>8/10/2021</a:t>
+              <a:t>8/17/2021</a:t>
             </a:fld>
             <a:endParaRPr lang="en-US"/>
           </a:p>
@@ -2763,7 +2763,7 @@
           <a:p>
             <a:fld id="{78AC6A5B-8AE7-4A41-B5A7-9ADC6686DC18}" type="datetime1">
               <a:rPr lang="en-US" smtClean="0"/>
-              <a:t>8/10/2021</a:t>
+              <a:t>8/17/2021</a:t>
             </a:fld>
             <a:endParaRPr lang="en-US"/>
           </a:p>
@@ -3072,7 +3072,7 @@
             <a:fld id="{57E0CF6C-748E-4B7A-BC8B-3011EF78ED13}" type="datetime1">
               <a:rPr lang="en-US" smtClean="0"/>
               <a:pPr/>
-              <a:t>8/10/2021</a:t>
+              <a:t>8/17/2021</a:t>
             </a:fld>
             <a:endParaRPr lang="en-US" dirty="0"/>
           </a:p>
@@ -4657,7 +4657,7 @@
                 </a:effectLst>
                 <a:latin typeface="Exo 2 Extra Bold" panose="00000900000000000000" pitchFamily="50" charset="0"/>
               </a:rPr>
-              <a:t>15</a:t>
+              <a:t>16</a:t>
             </a:r>
             <a:endParaRPr lang="pt-BR" sz="4800" b="0" cap="none" spc="0" dirty="0">
               <a:ln w="0">
@@ -4716,10 +4716,10 @@
       </p:pic>
       <p:pic>
         <p:nvPicPr>
-          <p:cNvPr id="3" name="Imagem 2">
-            <a:extLst>
-              <a:ext uri="{FF2B5EF4-FFF2-40B4-BE49-F238E27FC236}">
-                <a16:creationId xmlns:a16="http://schemas.microsoft.com/office/drawing/2014/main" id="{23FEE708-40F0-44DE-BE4E-85965C1067A9}"/>
+          <p:cNvPr id="2" name="Imagem 1">
+            <a:extLst>
+              <a:ext uri="{FF2B5EF4-FFF2-40B4-BE49-F238E27FC236}">
+                <a16:creationId xmlns:a16="http://schemas.microsoft.com/office/drawing/2014/main" id="{A4C474C0-09CB-4160-B56C-55E312DA130E}"/>
               </a:ext>
             </a:extLst>
           </p:cNvPr>
@@ -4736,8 +4736,8 @@
         </p:blipFill>
         <p:spPr>
           <a:xfrm>
-            <a:off x="961772" y="2528701"/>
-            <a:ext cx="8899639" cy="7200000"/>
+            <a:off x="961782" y="2540087"/>
+            <a:ext cx="8899620" cy="7200000"/>
           </a:xfrm>
           <a:prstGeom prst="rect">
             <a:avLst/>
@@ -5827,7 +5827,7 @@
                 </a:effectLst>
                 <a:latin typeface="Exo 2 Extra Bold" panose="00000900000000000000" pitchFamily="50" charset="0"/>
               </a:rPr>
-              <a:t>15</a:t>
+              <a:t>16</a:t>
             </a:r>
             <a:endParaRPr lang="pt-BR" sz="4800" b="0" cap="none" spc="0" dirty="0">
               <a:ln w="0">
@@ -5939,10 +5939,10 @@
       </p:pic>
       <p:pic>
         <p:nvPicPr>
-          <p:cNvPr id="3" name="Imagem 2">
-            <a:extLst>
-              <a:ext uri="{FF2B5EF4-FFF2-40B4-BE49-F238E27FC236}">
-                <a16:creationId xmlns:a16="http://schemas.microsoft.com/office/drawing/2014/main" id="{E2F109B9-05A1-4292-864C-3589ED76DF2F}"/>
+          <p:cNvPr id="2" name="Imagem 1">
+            <a:extLst>
+              <a:ext uri="{FF2B5EF4-FFF2-40B4-BE49-F238E27FC236}">
+                <a16:creationId xmlns:a16="http://schemas.microsoft.com/office/drawing/2014/main" id="{3666E3B5-4751-479E-9CF6-6AF64ABBEBB4}"/>
               </a:ext>
             </a:extLst>
           </p:cNvPr>
@@ -5959,8 +5959,8 @@
         </p:blipFill>
         <p:spPr>
           <a:xfrm>
-            <a:off x="965372" y="2699504"/>
-            <a:ext cx="8892000" cy="5437505"/>
+            <a:off x="1090063" y="2766573"/>
+            <a:ext cx="8640000" cy="5283406"/>
           </a:xfrm>
           <a:prstGeom prst="rect">
             <a:avLst/>
@@ -7050,7 +7050,7 @@
                 </a:effectLst>
                 <a:latin typeface="Exo 2 Extra Bold" panose="00000900000000000000" pitchFamily="50" charset="0"/>
               </a:rPr>
-              <a:t>15</a:t>
+              <a:t>16</a:t>
             </a:r>
             <a:endParaRPr lang="pt-BR" sz="4800" b="0" cap="none" spc="0" dirty="0">
               <a:ln w="0">
@@ -7162,10 +7162,10 @@
       </p:pic>
       <p:pic>
         <p:nvPicPr>
-          <p:cNvPr id="7" name="Imagem 6">
-            <a:extLst>
-              <a:ext uri="{FF2B5EF4-FFF2-40B4-BE49-F238E27FC236}">
-                <a16:creationId xmlns:a16="http://schemas.microsoft.com/office/drawing/2014/main" id="{4D659E67-C807-4BC1-8DB5-DE37607A569D}"/>
+          <p:cNvPr id="2" name="Imagem 1">
+            <a:extLst>
+              <a:ext uri="{FF2B5EF4-FFF2-40B4-BE49-F238E27FC236}">
+                <a16:creationId xmlns:a16="http://schemas.microsoft.com/office/drawing/2014/main" id="{0445EA62-854A-4826-9BC4-D02AF9B12F5F}"/>
               </a:ext>
             </a:extLst>
           </p:cNvPr>
@@ -7182,7 +7182,7 @@
         </p:blipFill>
         <p:spPr>
           <a:xfrm>
-            <a:off x="2438090" y="2525439"/>
+            <a:off x="2422509" y="2525439"/>
             <a:ext cx="5970583" cy="2160000"/>
           </a:xfrm>
           <a:prstGeom prst="rect">
@@ -7192,10 +7192,10 @@
       </p:pic>
       <p:pic>
         <p:nvPicPr>
-          <p:cNvPr id="8" name="Imagem 7">
-            <a:extLst>
-              <a:ext uri="{FF2B5EF4-FFF2-40B4-BE49-F238E27FC236}">
-                <a16:creationId xmlns:a16="http://schemas.microsoft.com/office/drawing/2014/main" id="{1488E3B6-269D-4FD9-86CF-33D21063C836}"/>
+          <p:cNvPr id="3" name="Imagem 2">
+            <a:extLst>
+              <a:ext uri="{FF2B5EF4-FFF2-40B4-BE49-F238E27FC236}">
+                <a16:creationId xmlns:a16="http://schemas.microsoft.com/office/drawing/2014/main" id="{F5325030-E4D4-4ACF-BE82-6548546A4A92}"/>
               </a:ext>
             </a:extLst>
           </p:cNvPr>
@@ -7212,7 +7212,7 @@
         </p:blipFill>
         <p:spPr>
           <a:xfrm>
-            <a:off x="2423477" y="5040236"/>
+            <a:off x="2437673" y="5034324"/>
             <a:ext cx="5970583" cy="2160000"/>
           </a:xfrm>
           <a:prstGeom prst="rect">
@@ -7222,10 +7222,10 @@
       </p:pic>
       <p:pic>
         <p:nvPicPr>
-          <p:cNvPr id="9" name="Imagem 8">
-            <a:extLst>
-              <a:ext uri="{FF2B5EF4-FFF2-40B4-BE49-F238E27FC236}">
-                <a16:creationId xmlns:a16="http://schemas.microsoft.com/office/drawing/2014/main" id="{659C546B-E064-4566-96E0-FB11082C3AF8}"/>
+          <p:cNvPr id="4" name="Imagem 3">
+            <a:extLst>
+              <a:ext uri="{FF2B5EF4-FFF2-40B4-BE49-F238E27FC236}">
+                <a16:creationId xmlns:a16="http://schemas.microsoft.com/office/drawing/2014/main" id="{B6C1C71D-7ACD-4AB0-9D9F-7EB8C96D253C}"/>
               </a:ext>
             </a:extLst>
           </p:cNvPr>
@@ -7242,7 +7242,7 @@
         </p:blipFill>
         <p:spPr>
           <a:xfrm>
-            <a:off x="1750887" y="7679189"/>
+            <a:off x="1752221" y="7679189"/>
             <a:ext cx="7329711" cy="2160000"/>
           </a:xfrm>
           <a:prstGeom prst="rect">
@@ -14398,7 +14398,7 @@
                 </a:effectLst>
                 <a:latin typeface="Exo 2 Extra Bold" panose="00000900000000000000" pitchFamily="50" charset="0"/>
               </a:rPr>
-              <a:t>15</a:t>
+              <a:t>16</a:t>
             </a:r>
             <a:endParaRPr lang="pt-BR" sz="4800" b="0" cap="none" spc="0" dirty="0">
               <a:ln w="0">
@@ -14510,10 +14510,10 @@
       </p:pic>
       <p:pic>
         <p:nvPicPr>
-          <p:cNvPr id="2" name="Imagem 1">
-            <a:extLst>
-              <a:ext uri="{FF2B5EF4-FFF2-40B4-BE49-F238E27FC236}">
-                <a16:creationId xmlns:a16="http://schemas.microsoft.com/office/drawing/2014/main" id="{CD01449A-4972-495C-A377-2393845CCAA5}"/>
+          <p:cNvPr id="3" name="Imagem 2">
+            <a:extLst>
+              <a:ext uri="{FF2B5EF4-FFF2-40B4-BE49-F238E27FC236}">
+                <a16:creationId xmlns:a16="http://schemas.microsoft.com/office/drawing/2014/main" id="{845C074E-BB1E-4B31-95B5-D8BC5BA209DA}"/>
               </a:ext>
             </a:extLst>
           </p:cNvPr>
@@ -14530,7 +14530,7 @@
         </p:blipFill>
         <p:spPr>
           <a:xfrm>
-            <a:off x="1590196" y="2011328"/>
+            <a:off x="1584058" y="1990939"/>
             <a:ext cx="7662867" cy="8280000"/>
           </a:xfrm>
           <a:prstGeom prst="rect">

--- a/Informativos.pptx
+++ b/Informativos.pptx
@@ -294,7 +294,7 @@
             <a:fld id="{11A6662E-FAF4-44BC-88B5-85A7CBFB6D30}" type="datetime1">
               <a:rPr lang="en-US" smtClean="0"/>
               <a:pPr/>
-              <a:t>8/17/2021</a:t>
+              <a:t>8/24/2021</a:t>
             </a:fld>
             <a:endParaRPr lang="en-US" dirty="0"/>
           </a:p>
@@ -521,7 +521,7 @@
           <a:p>
             <a:fld id="{4C559632-1575-4E14-B53B-3DC3D5ED3947}" type="datetime1">
               <a:rPr lang="en-US" smtClean="0"/>
-              <a:t>8/17/2021</a:t>
+              <a:t>8/24/2021</a:t>
             </a:fld>
             <a:endParaRPr lang="en-US"/>
           </a:p>
@@ -729,7 +729,7 @@
           <a:p>
             <a:fld id="{CC4A6868-2568-4CC9-B302-F37117B01A6E}" type="datetime1">
               <a:rPr lang="en-US" smtClean="0"/>
-              <a:t>8/17/2021</a:t>
+              <a:t>8/24/2021</a:t>
             </a:fld>
             <a:endParaRPr lang="en-US"/>
           </a:p>
@@ -934,7 +934,7 @@
           <a:p>
             <a:fld id="{0055F08A-1E71-4B2B-BB49-E743F2903911}" type="datetime1">
               <a:rPr lang="en-US" smtClean="0"/>
-              <a:t>8/17/2021</a:t>
+              <a:t>8/24/2021</a:t>
             </a:fld>
             <a:endParaRPr lang="en-US" dirty="0"/>
           </a:p>
@@ -1208,7 +1208,7 @@
           <a:p>
             <a:fld id="{15417D9E-721A-44BB-8863-9873FE64DA75}" type="datetime1">
               <a:rPr lang="en-US" smtClean="0"/>
-              <a:t>8/17/2021</a:t>
+              <a:t>8/24/2021</a:t>
             </a:fld>
             <a:endParaRPr lang="en-US"/>
           </a:p>
@@ -1481,7 +1481,7 @@
           <a:p>
             <a:fld id="{5F31DA2F-80B8-49CF-99FB-5ABCA53A607A}" type="datetime1">
               <a:rPr lang="en-US" smtClean="0"/>
-              <a:t>8/17/2021</a:t>
+              <a:t>8/24/2021</a:t>
             </a:fld>
             <a:endParaRPr lang="en-US"/>
           </a:p>
@@ -1896,7 +1896,7 @@
           <a:p>
             <a:fld id="{28852172-E6C9-4B6C-929A-A9DE3837BBF1}" type="datetime1">
               <a:rPr lang="en-US" smtClean="0"/>
-              <a:t>8/17/2021</a:t>
+              <a:t>8/24/2021</a:t>
             </a:fld>
             <a:endParaRPr lang="en-US"/>
           </a:p>
@@ -2048,7 +2048,7 @@
           <a:p>
             <a:fld id="{3AB41CFF-90C9-47B3-9DA1-F2BF8D839F7E}" type="datetime1">
               <a:rPr lang="en-US" smtClean="0"/>
-              <a:t>8/17/2021</a:t>
+              <a:t>8/24/2021</a:t>
             </a:fld>
             <a:endParaRPr lang="en-US"/>
           </a:p>
@@ -2161,7 +2161,7 @@
           <a:p>
             <a:fld id="{F06048FA-06AB-4884-A69B-986B96E68A24}" type="datetime1">
               <a:rPr lang="en-US" smtClean="0"/>
-              <a:t>8/17/2021</a:t>
+              <a:t>8/24/2021</a:t>
             </a:fld>
             <a:endParaRPr lang="en-US"/>
           </a:p>
@@ -2472,7 +2472,7 @@
           <a:p>
             <a:fld id="{50DB7ABA-0172-4F9C-889D-567164F66BCD}" type="datetime1">
               <a:rPr lang="en-US" smtClean="0"/>
-              <a:t>8/17/2021</a:t>
+              <a:t>8/24/2021</a:t>
             </a:fld>
             <a:endParaRPr lang="en-US"/>
           </a:p>
@@ -2763,7 +2763,7 @@
           <a:p>
             <a:fld id="{78AC6A5B-8AE7-4A41-B5A7-9ADC6686DC18}" type="datetime1">
               <a:rPr lang="en-US" smtClean="0"/>
-              <a:t>8/17/2021</a:t>
+              <a:t>8/24/2021</a:t>
             </a:fld>
             <a:endParaRPr lang="en-US"/>
           </a:p>
@@ -3072,7 +3072,7 @@
             <a:fld id="{57E0CF6C-748E-4B7A-BC8B-3011EF78ED13}" type="datetime1">
               <a:rPr lang="en-US" smtClean="0"/>
               <a:pPr/>
-              <a:t>8/17/2021</a:t>
+              <a:t>8/24/2021</a:t>
             </a:fld>
             <a:endParaRPr lang="en-US" dirty="0"/>
           </a:p>
@@ -4657,7 +4657,7 @@
                 </a:effectLst>
                 <a:latin typeface="Exo 2 Extra Bold" panose="00000900000000000000" pitchFamily="50" charset="0"/>
               </a:rPr>
-              <a:t>16</a:t>
+              <a:t>17</a:t>
             </a:r>
             <a:endParaRPr lang="pt-BR" sz="4800" b="0" cap="none" spc="0" dirty="0">
               <a:ln w="0">
@@ -4716,10 +4716,10 @@
       </p:pic>
       <p:pic>
         <p:nvPicPr>
-          <p:cNvPr id="2" name="Imagem 1">
-            <a:extLst>
-              <a:ext uri="{FF2B5EF4-FFF2-40B4-BE49-F238E27FC236}">
-                <a16:creationId xmlns:a16="http://schemas.microsoft.com/office/drawing/2014/main" id="{A4C474C0-09CB-4160-B56C-55E312DA130E}"/>
+          <p:cNvPr id="3" name="Imagem 2">
+            <a:extLst>
+              <a:ext uri="{FF2B5EF4-FFF2-40B4-BE49-F238E27FC236}">
+                <a16:creationId xmlns:a16="http://schemas.microsoft.com/office/drawing/2014/main" id="{29AD2489-0EF4-491A-BE60-597BDDDB947B}"/>
               </a:ext>
             </a:extLst>
           </p:cNvPr>
@@ -4736,7 +4736,7 @@
         </p:blipFill>
         <p:spPr>
           <a:xfrm>
-            <a:off x="961782" y="2540087"/>
+            <a:off x="962585" y="2532095"/>
             <a:ext cx="8899620" cy="7200000"/>
           </a:xfrm>
           <a:prstGeom prst="rect">
@@ -5827,7 +5827,7 @@
                 </a:effectLst>
                 <a:latin typeface="Exo 2 Extra Bold" panose="00000900000000000000" pitchFamily="50" charset="0"/>
               </a:rPr>
-              <a:t>16</a:t>
+              <a:t>17</a:t>
             </a:r>
             <a:endParaRPr lang="pt-BR" sz="4800" b="0" cap="none" spc="0" dirty="0">
               <a:ln w="0">
@@ -5939,10 +5939,10 @@
       </p:pic>
       <p:pic>
         <p:nvPicPr>
-          <p:cNvPr id="2" name="Imagem 1">
-            <a:extLst>
-              <a:ext uri="{FF2B5EF4-FFF2-40B4-BE49-F238E27FC236}">
-                <a16:creationId xmlns:a16="http://schemas.microsoft.com/office/drawing/2014/main" id="{3666E3B5-4751-479E-9CF6-6AF64ABBEBB4}"/>
+          <p:cNvPr id="3" name="Imagem 2">
+            <a:extLst>
+              <a:ext uri="{FF2B5EF4-FFF2-40B4-BE49-F238E27FC236}">
+                <a16:creationId xmlns:a16="http://schemas.microsoft.com/office/drawing/2014/main" id="{110C94BF-FA28-4E41-AA39-0779B182DA55}"/>
               </a:ext>
             </a:extLst>
           </p:cNvPr>
@@ -5959,8 +5959,8 @@
         </p:blipFill>
         <p:spPr>
           <a:xfrm>
-            <a:off x="1090063" y="2766573"/>
-            <a:ext cx="8640000" cy="5283406"/>
+            <a:off x="1090065" y="2761852"/>
+            <a:ext cx="8640000" cy="5283381"/>
           </a:xfrm>
           <a:prstGeom prst="rect">
             <a:avLst/>
@@ -7050,7 +7050,7 @@
                 </a:effectLst>
                 <a:latin typeface="Exo 2 Extra Bold" panose="00000900000000000000" pitchFamily="50" charset="0"/>
               </a:rPr>
-              <a:t>16</a:t>
+              <a:t>17</a:t>
             </a:r>
             <a:endParaRPr lang="pt-BR" sz="4800" b="0" cap="none" spc="0" dirty="0">
               <a:ln w="0">
@@ -7162,10 +7162,10 @@
       </p:pic>
       <p:pic>
         <p:nvPicPr>
-          <p:cNvPr id="2" name="Imagem 1">
-            <a:extLst>
-              <a:ext uri="{FF2B5EF4-FFF2-40B4-BE49-F238E27FC236}">
-                <a16:creationId xmlns:a16="http://schemas.microsoft.com/office/drawing/2014/main" id="{0445EA62-854A-4826-9BC4-D02AF9B12F5F}"/>
+          <p:cNvPr id="4" name="Imagem 3">
+            <a:extLst>
+              <a:ext uri="{FF2B5EF4-FFF2-40B4-BE49-F238E27FC236}">
+                <a16:creationId xmlns:a16="http://schemas.microsoft.com/office/drawing/2014/main" id="{B6C1C71D-7ACD-4AB0-9D9F-7EB8C96D253C}"/>
               </a:ext>
             </a:extLst>
           </p:cNvPr>
@@ -7182,8 +7182,8 @@
         </p:blipFill>
         <p:spPr>
           <a:xfrm>
-            <a:off x="2422509" y="2525439"/>
-            <a:ext cx="5970583" cy="2160000"/>
+            <a:off x="1752221" y="7679189"/>
+            <a:ext cx="7329711" cy="2160000"/>
           </a:xfrm>
           <a:prstGeom prst="rect">
             <a:avLst/>
@@ -7192,10 +7192,10 @@
       </p:pic>
       <p:pic>
         <p:nvPicPr>
-          <p:cNvPr id="3" name="Imagem 2">
-            <a:extLst>
-              <a:ext uri="{FF2B5EF4-FFF2-40B4-BE49-F238E27FC236}">
-                <a16:creationId xmlns:a16="http://schemas.microsoft.com/office/drawing/2014/main" id="{F5325030-E4D4-4ACF-BE82-6548546A4A92}"/>
+          <p:cNvPr id="7" name="Imagem 6">
+            <a:extLst>
+              <a:ext uri="{FF2B5EF4-FFF2-40B4-BE49-F238E27FC236}">
+                <a16:creationId xmlns:a16="http://schemas.microsoft.com/office/drawing/2014/main" id="{4CDF807D-AE7D-4785-A250-F2F0FF2310AB}"/>
               </a:ext>
             </a:extLst>
           </p:cNvPr>
@@ -7212,7 +7212,7 @@
         </p:blipFill>
         <p:spPr>
           <a:xfrm>
-            <a:off x="2437673" y="5034324"/>
+            <a:off x="2436619" y="2525439"/>
             <a:ext cx="5970583" cy="2160000"/>
           </a:xfrm>
           <a:prstGeom prst="rect">
@@ -7222,10 +7222,10 @@
       </p:pic>
       <p:pic>
         <p:nvPicPr>
-          <p:cNvPr id="4" name="Imagem 3">
-            <a:extLst>
-              <a:ext uri="{FF2B5EF4-FFF2-40B4-BE49-F238E27FC236}">
-                <a16:creationId xmlns:a16="http://schemas.microsoft.com/office/drawing/2014/main" id="{B6C1C71D-7ACD-4AB0-9D9F-7EB8C96D253C}"/>
+          <p:cNvPr id="8" name="Imagem 7">
+            <a:extLst>
+              <a:ext uri="{FF2B5EF4-FFF2-40B4-BE49-F238E27FC236}">
+                <a16:creationId xmlns:a16="http://schemas.microsoft.com/office/drawing/2014/main" id="{1F305036-7DBA-400C-821F-8F758636B1EE}"/>
               </a:ext>
             </a:extLst>
           </p:cNvPr>
@@ -7242,8 +7242,8 @@
         </p:blipFill>
         <p:spPr>
           <a:xfrm>
-            <a:off x="1752221" y="7679189"/>
-            <a:ext cx="7329711" cy="2160000"/>
+            <a:off x="2425499" y="5034324"/>
+            <a:ext cx="5970583" cy="2160000"/>
           </a:xfrm>
           <a:prstGeom prst="rect">
             <a:avLst/>
@@ -8333,7 +8333,7 @@
                 </a:effectLst>
                 <a:latin typeface="Exo 2 Extra Bold" panose="00000900000000000000" pitchFamily="50" charset="0"/>
               </a:rPr>
-              <a:t>15</a:t>
+              <a:t>17</a:t>
             </a:r>
             <a:endParaRPr lang="pt-BR" sz="4800" b="0" cap="none" spc="0" dirty="0">
               <a:ln w="0">
@@ -14398,7 +14398,7 @@
                 </a:effectLst>
                 <a:latin typeface="Exo 2 Extra Bold" panose="00000900000000000000" pitchFamily="50" charset="0"/>
               </a:rPr>
-              <a:t>16</a:t>
+              <a:t>17</a:t>
             </a:r>
             <a:endParaRPr lang="pt-BR" sz="4800" b="0" cap="none" spc="0" dirty="0">
               <a:ln w="0">
@@ -14510,10 +14510,10 @@
       </p:pic>
       <p:pic>
         <p:nvPicPr>
-          <p:cNvPr id="3" name="Imagem 2">
-            <a:extLst>
-              <a:ext uri="{FF2B5EF4-FFF2-40B4-BE49-F238E27FC236}">
-                <a16:creationId xmlns:a16="http://schemas.microsoft.com/office/drawing/2014/main" id="{845C074E-BB1E-4B31-95B5-D8BC5BA209DA}"/>
+          <p:cNvPr id="2" name="Imagem 1">
+            <a:extLst>
+              <a:ext uri="{FF2B5EF4-FFF2-40B4-BE49-F238E27FC236}">
+                <a16:creationId xmlns:a16="http://schemas.microsoft.com/office/drawing/2014/main" id="{DE88F561-A16E-419F-8DF1-ED64F0BB24C9}"/>
               </a:ext>
             </a:extLst>
           </p:cNvPr>
@@ -14530,7 +14530,7 @@
         </p:blipFill>
         <p:spPr>
           <a:xfrm>
-            <a:off x="1584058" y="1990939"/>
+            <a:off x="1590197" y="1990548"/>
             <a:ext cx="7662867" cy="8280000"/>
           </a:xfrm>
           <a:prstGeom prst="rect">

--- a/Informativos.pptx
+++ b/Informativos.pptx
@@ -294,7 +294,7 @@
             <a:fld id="{11A6662E-FAF4-44BC-88B5-85A7CBFB6D30}" type="datetime1">
               <a:rPr lang="en-US" smtClean="0"/>
               <a:pPr/>
-              <a:t>8/24/2021</a:t>
+              <a:t>8/31/2021</a:t>
             </a:fld>
             <a:endParaRPr lang="en-US" dirty="0"/>
           </a:p>
@@ -521,7 +521,7 @@
           <a:p>
             <a:fld id="{4C559632-1575-4E14-B53B-3DC3D5ED3947}" type="datetime1">
               <a:rPr lang="en-US" smtClean="0"/>
-              <a:t>8/24/2021</a:t>
+              <a:t>8/31/2021</a:t>
             </a:fld>
             <a:endParaRPr lang="en-US"/>
           </a:p>
@@ -729,7 +729,7 @@
           <a:p>
             <a:fld id="{CC4A6868-2568-4CC9-B302-F37117B01A6E}" type="datetime1">
               <a:rPr lang="en-US" smtClean="0"/>
-              <a:t>8/24/2021</a:t>
+              <a:t>8/31/2021</a:t>
             </a:fld>
             <a:endParaRPr lang="en-US"/>
           </a:p>
@@ -934,7 +934,7 @@
           <a:p>
             <a:fld id="{0055F08A-1E71-4B2B-BB49-E743F2903911}" type="datetime1">
               <a:rPr lang="en-US" smtClean="0"/>
-              <a:t>8/24/2021</a:t>
+              <a:t>8/31/2021</a:t>
             </a:fld>
             <a:endParaRPr lang="en-US" dirty="0"/>
           </a:p>
@@ -1208,7 +1208,7 @@
           <a:p>
             <a:fld id="{15417D9E-721A-44BB-8863-9873FE64DA75}" type="datetime1">
               <a:rPr lang="en-US" smtClean="0"/>
-              <a:t>8/24/2021</a:t>
+              <a:t>8/31/2021</a:t>
             </a:fld>
             <a:endParaRPr lang="en-US"/>
           </a:p>
@@ -1481,7 +1481,7 @@
           <a:p>
             <a:fld id="{5F31DA2F-80B8-49CF-99FB-5ABCA53A607A}" type="datetime1">
               <a:rPr lang="en-US" smtClean="0"/>
-              <a:t>8/24/2021</a:t>
+              <a:t>8/31/2021</a:t>
             </a:fld>
             <a:endParaRPr lang="en-US"/>
           </a:p>
@@ -1896,7 +1896,7 @@
           <a:p>
             <a:fld id="{28852172-E6C9-4B6C-929A-A9DE3837BBF1}" type="datetime1">
               <a:rPr lang="en-US" smtClean="0"/>
-              <a:t>8/24/2021</a:t>
+              <a:t>8/31/2021</a:t>
             </a:fld>
             <a:endParaRPr lang="en-US"/>
           </a:p>
@@ -2048,7 +2048,7 @@
           <a:p>
             <a:fld id="{3AB41CFF-90C9-47B3-9DA1-F2BF8D839F7E}" type="datetime1">
               <a:rPr lang="en-US" smtClean="0"/>
-              <a:t>8/24/2021</a:t>
+              <a:t>8/31/2021</a:t>
             </a:fld>
             <a:endParaRPr lang="en-US"/>
           </a:p>
@@ -2161,7 +2161,7 @@
           <a:p>
             <a:fld id="{F06048FA-06AB-4884-A69B-986B96E68A24}" type="datetime1">
               <a:rPr lang="en-US" smtClean="0"/>
-              <a:t>8/24/2021</a:t>
+              <a:t>8/31/2021</a:t>
             </a:fld>
             <a:endParaRPr lang="en-US"/>
           </a:p>
@@ -2472,7 +2472,7 @@
           <a:p>
             <a:fld id="{50DB7ABA-0172-4F9C-889D-567164F66BCD}" type="datetime1">
               <a:rPr lang="en-US" smtClean="0"/>
-              <a:t>8/24/2021</a:t>
+              <a:t>8/31/2021</a:t>
             </a:fld>
             <a:endParaRPr lang="en-US"/>
           </a:p>
@@ -2763,7 +2763,7 @@
           <a:p>
             <a:fld id="{78AC6A5B-8AE7-4A41-B5A7-9ADC6686DC18}" type="datetime1">
               <a:rPr lang="en-US" smtClean="0"/>
-              <a:t>8/24/2021</a:t>
+              <a:t>8/31/2021</a:t>
             </a:fld>
             <a:endParaRPr lang="en-US"/>
           </a:p>
@@ -3072,7 +3072,7 @@
             <a:fld id="{57E0CF6C-748E-4B7A-BC8B-3011EF78ED13}" type="datetime1">
               <a:rPr lang="en-US" smtClean="0"/>
               <a:pPr/>
-              <a:t>8/24/2021</a:t>
+              <a:t>8/31/2021</a:t>
             </a:fld>
             <a:endParaRPr lang="en-US" dirty="0"/>
           </a:p>
@@ -4657,7 +4657,7 @@
                 </a:effectLst>
                 <a:latin typeface="Exo 2 Extra Bold" panose="00000900000000000000" pitchFamily="50" charset="0"/>
               </a:rPr>
-              <a:t>17</a:t>
+              <a:t>18</a:t>
             </a:r>
             <a:endParaRPr lang="pt-BR" sz="4800" b="0" cap="none" spc="0" dirty="0">
               <a:ln w="0">
@@ -4716,10 +4716,10 @@
       </p:pic>
       <p:pic>
         <p:nvPicPr>
-          <p:cNvPr id="3" name="Imagem 2">
-            <a:extLst>
-              <a:ext uri="{FF2B5EF4-FFF2-40B4-BE49-F238E27FC236}">
-                <a16:creationId xmlns:a16="http://schemas.microsoft.com/office/drawing/2014/main" id="{29AD2489-0EF4-491A-BE60-597BDDDB947B}"/>
+          <p:cNvPr id="2" name="Imagem 1">
+            <a:extLst>
+              <a:ext uri="{FF2B5EF4-FFF2-40B4-BE49-F238E27FC236}">
+                <a16:creationId xmlns:a16="http://schemas.microsoft.com/office/drawing/2014/main" id="{783B081B-3D68-4419-A7A5-990DDEAF1857}"/>
               </a:ext>
             </a:extLst>
           </p:cNvPr>
@@ -4736,8 +4736,8 @@
         </p:blipFill>
         <p:spPr>
           <a:xfrm>
-            <a:off x="962585" y="2532095"/>
-            <a:ext cx="8899620" cy="7200000"/>
+            <a:off x="968979" y="2525175"/>
+            <a:ext cx="8899616" cy="7200000"/>
           </a:xfrm>
           <a:prstGeom prst="rect">
             <a:avLst/>
@@ -5827,7 +5827,7 @@
                 </a:effectLst>
                 <a:latin typeface="Exo 2 Extra Bold" panose="00000900000000000000" pitchFamily="50" charset="0"/>
               </a:rPr>
-              <a:t>17</a:t>
+              <a:t>18</a:t>
             </a:r>
             <a:endParaRPr lang="pt-BR" sz="4800" b="0" cap="none" spc="0" dirty="0">
               <a:ln w="0">
@@ -5939,10 +5939,10 @@
       </p:pic>
       <p:pic>
         <p:nvPicPr>
-          <p:cNvPr id="3" name="Imagem 2">
-            <a:extLst>
-              <a:ext uri="{FF2B5EF4-FFF2-40B4-BE49-F238E27FC236}">
-                <a16:creationId xmlns:a16="http://schemas.microsoft.com/office/drawing/2014/main" id="{110C94BF-FA28-4E41-AA39-0779B182DA55}"/>
+          <p:cNvPr id="2" name="Imagem 1">
+            <a:extLst>
+              <a:ext uri="{FF2B5EF4-FFF2-40B4-BE49-F238E27FC236}">
+                <a16:creationId xmlns:a16="http://schemas.microsoft.com/office/drawing/2014/main" id="{94A5C84B-F923-479C-93C0-1DBE2EA297FF}"/>
               </a:ext>
             </a:extLst>
           </p:cNvPr>
@@ -5959,7 +5959,7 @@
         </p:blipFill>
         <p:spPr>
           <a:xfrm>
-            <a:off x="1090065" y="2761852"/>
+            <a:off x="1087118" y="2800643"/>
             <a:ext cx="8640000" cy="5283381"/>
           </a:xfrm>
           <a:prstGeom prst="rect">
@@ -7050,7 +7050,7 @@
                 </a:effectLst>
                 <a:latin typeface="Exo 2 Extra Bold" panose="00000900000000000000" pitchFamily="50" charset="0"/>
               </a:rPr>
-              <a:t>17</a:t>
+              <a:t>18</a:t>
             </a:r>
             <a:endParaRPr lang="pt-BR" sz="4800" b="0" cap="none" spc="0" dirty="0">
               <a:ln w="0">
@@ -7162,10 +7162,10 @@
       </p:pic>
       <p:pic>
         <p:nvPicPr>
-          <p:cNvPr id="4" name="Imagem 3">
-            <a:extLst>
-              <a:ext uri="{FF2B5EF4-FFF2-40B4-BE49-F238E27FC236}">
-                <a16:creationId xmlns:a16="http://schemas.microsoft.com/office/drawing/2014/main" id="{B6C1C71D-7ACD-4AB0-9D9F-7EB8C96D253C}"/>
+          <p:cNvPr id="2" name="Imagem 1">
+            <a:extLst>
+              <a:ext uri="{FF2B5EF4-FFF2-40B4-BE49-F238E27FC236}">
+                <a16:creationId xmlns:a16="http://schemas.microsoft.com/office/drawing/2014/main" id="{9D9ACBAD-B12C-4175-AD41-7629E2D33B79}"/>
               </a:ext>
             </a:extLst>
           </p:cNvPr>
@@ -7182,8 +7182,8 @@
         </p:blipFill>
         <p:spPr>
           <a:xfrm>
-            <a:off x="1752221" y="7679189"/>
-            <a:ext cx="7329711" cy="2160000"/>
+            <a:off x="2438093" y="2523853"/>
+            <a:ext cx="5970583" cy="2160000"/>
           </a:xfrm>
           <a:prstGeom prst="rect">
             <a:avLst/>
@@ -7192,10 +7192,10 @@
       </p:pic>
       <p:pic>
         <p:nvPicPr>
-          <p:cNvPr id="7" name="Imagem 6">
-            <a:extLst>
-              <a:ext uri="{FF2B5EF4-FFF2-40B4-BE49-F238E27FC236}">
-                <a16:creationId xmlns:a16="http://schemas.microsoft.com/office/drawing/2014/main" id="{4CDF807D-AE7D-4785-A250-F2F0FF2310AB}"/>
+          <p:cNvPr id="3" name="Imagem 2">
+            <a:extLst>
+              <a:ext uri="{FF2B5EF4-FFF2-40B4-BE49-F238E27FC236}">
+                <a16:creationId xmlns:a16="http://schemas.microsoft.com/office/drawing/2014/main" id="{DE3D636F-060A-414C-A2D7-5AE43B4E237D}"/>
               </a:ext>
             </a:extLst>
           </p:cNvPr>
@@ -7212,7 +7212,7 @@
         </p:blipFill>
         <p:spPr>
           <a:xfrm>
-            <a:off x="2436619" y="2525439"/>
+            <a:off x="2421841" y="5038132"/>
             <a:ext cx="5970583" cy="2160000"/>
           </a:xfrm>
           <a:prstGeom prst="rect">
@@ -7222,10 +7222,10 @@
       </p:pic>
       <p:pic>
         <p:nvPicPr>
-          <p:cNvPr id="8" name="Imagem 7">
-            <a:extLst>
-              <a:ext uri="{FF2B5EF4-FFF2-40B4-BE49-F238E27FC236}">
-                <a16:creationId xmlns:a16="http://schemas.microsoft.com/office/drawing/2014/main" id="{1F305036-7DBA-400C-821F-8F758636B1EE}"/>
+          <p:cNvPr id="9" name="Imagem 8">
+            <a:extLst>
+              <a:ext uri="{FF2B5EF4-FFF2-40B4-BE49-F238E27FC236}">
+                <a16:creationId xmlns:a16="http://schemas.microsoft.com/office/drawing/2014/main" id="{B79E3CE6-F8F3-4272-A765-D3ED36EEA2D7}"/>
               </a:ext>
             </a:extLst>
           </p:cNvPr>
@@ -7242,8 +7242,8 @@
         </p:blipFill>
         <p:spPr>
           <a:xfrm>
-            <a:off x="2425499" y="5034324"/>
-            <a:ext cx="5970583" cy="2160000"/>
+            <a:off x="1755974" y="7679850"/>
+            <a:ext cx="7329711" cy="2160000"/>
           </a:xfrm>
           <a:prstGeom prst="rect">
             <a:avLst/>
@@ -8333,7 +8333,7 @@
                 </a:effectLst>
                 <a:latin typeface="Exo 2 Extra Bold" panose="00000900000000000000" pitchFamily="50" charset="0"/>
               </a:rPr>
-              <a:t>17</a:t>
+              <a:t>18</a:t>
             </a:r>
             <a:endParaRPr lang="pt-BR" sz="4800" b="0" cap="none" spc="0" dirty="0">
               <a:ln w="0">
@@ -8465,7 +8465,7 @@
         </p:blipFill>
         <p:spPr>
           <a:xfrm>
-            <a:off x="1665607" y="2881359"/>
+            <a:off x="1665607" y="2278687"/>
             <a:ext cx="7560000" cy="905819"/>
           </a:xfrm>
           <a:prstGeom prst="rect">
@@ -8475,10 +8475,10 @@
       </p:pic>
       <p:pic>
         <p:nvPicPr>
-          <p:cNvPr id="8" name="Imagem 7">
-            <a:extLst>
-              <a:ext uri="{FF2B5EF4-FFF2-40B4-BE49-F238E27FC236}">
-                <a16:creationId xmlns:a16="http://schemas.microsoft.com/office/drawing/2014/main" id="{CC9C18BC-19E2-4B20-9462-76EA795C57B0}"/>
+          <p:cNvPr id="9" name="Imagem 8">
+            <a:extLst>
+              <a:ext uri="{FF2B5EF4-FFF2-40B4-BE49-F238E27FC236}">
+                <a16:creationId xmlns:a16="http://schemas.microsoft.com/office/drawing/2014/main" id="{53564F8B-A26D-45C6-BCCA-04ABDABD9576}"/>
               </a:ext>
             </a:extLst>
           </p:cNvPr>
@@ -8495,8 +8495,8 @@
         </p:blipFill>
         <p:spPr>
           <a:xfrm>
-            <a:off x="1627118" y="3930661"/>
-            <a:ext cx="7560000" cy="1667240"/>
+            <a:off x="1632270" y="4985073"/>
+            <a:ext cx="7560000" cy="905768"/>
           </a:xfrm>
           <a:prstGeom prst="rect">
             <a:avLst/>
@@ -8505,10 +8505,10 @@
       </p:pic>
       <p:pic>
         <p:nvPicPr>
-          <p:cNvPr id="9" name="Imagem 8">
-            <a:extLst>
-              <a:ext uri="{FF2B5EF4-FFF2-40B4-BE49-F238E27FC236}">
-                <a16:creationId xmlns:a16="http://schemas.microsoft.com/office/drawing/2014/main" id="{53564F8B-A26D-45C6-BCCA-04ABDABD9576}"/>
+          <p:cNvPr id="2" name="Imagem 1">
+            <a:extLst>
+              <a:ext uri="{FF2B5EF4-FFF2-40B4-BE49-F238E27FC236}">
+                <a16:creationId xmlns:a16="http://schemas.microsoft.com/office/drawing/2014/main" id="{3A1A0D66-FEA1-430B-9514-D89315F83E77}"/>
               </a:ext>
             </a:extLst>
           </p:cNvPr>
@@ -8525,8 +8525,8 @@
         </p:blipFill>
         <p:spPr>
           <a:xfrm>
-            <a:off x="1632270" y="6481364"/>
-            <a:ext cx="7560000" cy="905768"/>
+            <a:off x="1624048" y="3323722"/>
+            <a:ext cx="7560000" cy="1667284"/>
           </a:xfrm>
           <a:prstGeom prst="rect">
             <a:avLst/>
@@ -8535,10 +8535,10 @@
       </p:pic>
       <p:pic>
         <p:nvPicPr>
-          <p:cNvPr id="10" name="Imagem 9">
-            <a:extLst>
-              <a:ext uri="{FF2B5EF4-FFF2-40B4-BE49-F238E27FC236}">
-                <a16:creationId xmlns:a16="http://schemas.microsoft.com/office/drawing/2014/main" id="{D7255BBD-BC3E-4D92-A89C-060B52AC9F01}"/>
+          <p:cNvPr id="4" name="Imagem 3">
+            <a:extLst>
+              <a:ext uri="{FF2B5EF4-FFF2-40B4-BE49-F238E27FC236}">
+                <a16:creationId xmlns:a16="http://schemas.microsoft.com/office/drawing/2014/main" id="{3FF9DC68-6029-4BF6-863D-6FDBE4BA103C}"/>
               </a:ext>
             </a:extLst>
           </p:cNvPr>
@@ -8555,8 +8555,68 @@
         </p:blipFill>
         <p:spPr>
           <a:xfrm>
-            <a:off x="1665607" y="7624951"/>
-            <a:ext cx="7560000" cy="1667230"/>
+            <a:off x="1633746" y="7769175"/>
+            <a:ext cx="7560000" cy="942791"/>
+          </a:xfrm>
+          <a:prstGeom prst="rect">
+            <a:avLst/>
+          </a:prstGeom>
+        </p:spPr>
+      </p:pic>
+      <p:pic>
+        <p:nvPicPr>
+          <p:cNvPr id="11" name="Imagem 10">
+            <a:extLst>
+              <a:ext uri="{FF2B5EF4-FFF2-40B4-BE49-F238E27FC236}">
+                <a16:creationId xmlns:a16="http://schemas.microsoft.com/office/drawing/2014/main" id="{4B8EB345-4B02-4B27-B0F0-CBB9629B49C9}"/>
+              </a:ext>
+            </a:extLst>
+          </p:cNvPr>
+          <p:cNvPicPr>
+            <a:picLocks noChangeAspect="1"/>
+          </p:cNvPicPr>
+          <p:nvPr/>
+        </p:nvPicPr>
+        <p:blipFill>
+          <a:blip r:embed="rId9"/>
+          <a:stretch>
+            <a:fillRect/>
+          </a:stretch>
+        </p:blipFill>
+        <p:spPr>
+          <a:xfrm>
+            <a:off x="1624043" y="8568791"/>
+            <a:ext cx="7560000" cy="1735336"/>
+          </a:xfrm>
+          <a:prstGeom prst="rect">
+            <a:avLst/>
+          </a:prstGeom>
+        </p:spPr>
+      </p:pic>
+      <p:pic>
+        <p:nvPicPr>
+          <p:cNvPr id="17" name="Imagem 16">
+            <a:extLst>
+              <a:ext uri="{FF2B5EF4-FFF2-40B4-BE49-F238E27FC236}">
+                <a16:creationId xmlns:a16="http://schemas.microsoft.com/office/drawing/2014/main" id="{132123A6-E2FA-40D4-8DEE-2A3406A1E575}"/>
+              </a:ext>
+            </a:extLst>
+          </p:cNvPr>
+          <p:cNvPicPr>
+            <a:picLocks noChangeAspect="1"/>
+          </p:cNvPicPr>
+          <p:nvPr/>
+        </p:nvPicPr>
+        <p:blipFill>
+          <a:blip r:embed="rId10"/>
+          <a:stretch>
+            <a:fillRect/>
+          </a:stretch>
+        </p:blipFill>
+        <p:spPr>
+          <a:xfrm>
+            <a:off x="1643349" y="6128633"/>
+            <a:ext cx="7560000" cy="1667284"/>
           </a:xfrm>
           <a:prstGeom prst="rect">
             <a:avLst/>
@@ -9680,7 +9740,7 @@
                 </a:effectLst>
                 <a:latin typeface="Exo 2 Extra Bold" panose="00000900000000000000" pitchFamily="50" charset="0"/>
               </a:rPr>
-              <a:t>Mata-mata #03</a:t>
+              <a:t>Mata-mata #04</a:t>
             </a:r>
           </a:p>
         </p:txBody>
@@ -9723,10 +9783,10 @@
       </p:pic>
       <p:pic>
         <p:nvPicPr>
-          <p:cNvPr id="3" name="Imagem 2">
-            <a:extLst>
-              <a:ext uri="{FF2B5EF4-FFF2-40B4-BE49-F238E27FC236}">
-                <a16:creationId xmlns:a16="http://schemas.microsoft.com/office/drawing/2014/main" id="{2CF56CE1-31C9-40A4-9A18-B6F4E83DF013}"/>
+          <p:cNvPr id="2" name="Imagem 1">
+            <a:extLst>
+              <a:ext uri="{FF2B5EF4-FFF2-40B4-BE49-F238E27FC236}">
+                <a16:creationId xmlns:a16="http://schemas.microsoft.com/office/drawing/2014/main" id="{81F4603C-0507-488B-8651-8DB0151FE123}"/>
               </a:ext>
             </a:extLst>
           </p:cNvPr>
@@ -9743,8 +9803,8 @@
         </p:blipFill>
         <p:spPr>
           <a:xfrm>
-            <a:off x="842801" y="2532606"/>
-            <a:ext cx="9154806" cy="7200000"/>
+            <a:off x="841935" y="2532606"/>
+            <a:ext cx="9154810" cy="7200000"/>
           </a:xfrm>
           <a:prstGeom prst="rect">
             <a:avLst/>
@@ -10868,7 +10928,7 @@
                 </a:effectLst>
                 <a:latin typeface="Exo 2 Extra Bold" panose="00000900000000000000" pitchFamily="50" charset="0"/>
               </a:rPr>
-              <a:t>Mata-mata #03</a:t>
+              <a:t>Mata-mata #04</a:t>
             </a:r>
           </a:p>
         </p:txBody>
@@ -10911,10 +10971,10 @@
       </p:pic>
       <p:pic>
         <p:nvPicPr>
-          <p:cNvPr id="2" name="Imagem 1">
-            <a:extLst>
-              <a:ext uri="{FF2B5EF4-FFF2-40B4-BE49-F238E27FC236}">
-                <a16:creationId xmlns:a16="http://schemas.microsoft.com/office/drawing/2014/main" id="{16080018-2448-497C-8C66-2CEB238DA358}"/>
+          <p:cNvPr id="3" name="Imagem 2">
+            <a:extLst>
+              <a:ext uri="{FF2B5EF4-FFF2-40B4-BE49-F238E27FC236}">
+                <a16:creationId xmlns:a16="http://schemas.microsoft.com/office/drawing/2014/main" id="{4217FA63-B34A-4098-BA4C-D552D1C17F3B}"/>
               </a:ext>
             </a:extLst>
           </p:cNvPr>
@@ -10931,8 +10991,8 @@
         </p:blipFill>
         <p:spPr>
           <a:xfrm>
-            <a:off x="837654" y="2536691"/>
-            <a:ext cx="9154806" cy="7200000"/>
+            <a:off x="829233" y="2536691"/>
+            <a:ext cx="9154810" cy="7200000"/>
           </a:xfrm>
           <a:prstGeom prst="rect">
             <a:avLst/>
@@ -12056,7 +12116,7 @@
                 </a:effectLst>
                 <a:latin typeface="Exo 2 Extra Bold" panose="00000900000000000000" pitchFamily="50" charset="0"/>
               </a:rPr>
-              <a:t>Mata-mata #03</a:t>
+              <a:t>Mata-mata #04</a:t>
             </a:r>
           </a:p>
         </p:txBody>
@@ -12099,10 +12159,10 @@
       </p:pic>
       <p:pic>
         <p:nvPicPr>
-          <p:cNvPr id="2" name="Imagem 1">
-            <a:extLst>
-              <a:ext uri="{FF2B5EF4-FFF2-40B4-BE49-F238E27FC236}">
-                <a16:creationId xmlns:a16="http://schemas.microsoft.com/office/drawing/2014/main" id="{F3496441-5BA0-4FBC-BC1D-44B5847E826C}"/>
+          <p:cNvPr id="3" name="Imagem 2">
+            <a:extLst>
+              <a:ext uri="{FF2B5EF4-FFF2-40B4-BE49-F238E27FC236}">
+                <a16:creationId xmlns:a16="http://schemas.microsoft.com/office/drawing/2014/main" id="{CFDC9F12-BB92-4B67-9AF1-EEF9129E65A2}"/>
               </a:ext>
             </a:extLst>
           </p:cNvPr>
@@ -12119,8 +12179,8 @@
         </p:blipFill>
         <p:spPr>
           <a:xfrm>
-            <a:off x="843720" y="2525175"/>
-            <a:ext cx="9154806" cy="7200000"/>
+            <a:off x="842799" y="2526233"/>
+            <a:ext cx="9154810" cy="7200000"/>
           </a:xfrm>
           <a:prstGeom prst="rect">
             <a:avLst/>
@@ -13244,7 +13304,7 @@
                 </a:effectLst>
                 <a:latin typeface="Exo 2 Extra Bold" panose="00000900000000000000" pitchFamily="50" charset="0"/>
               </a:rPr>
-              <a:t>Mata-mata #03</a:t>
+              <a:t>Mata-mata #04</a:t>
             </a:r>
           </a:p>
         </p:txBody>
@@ -13287,10 +13347,10 @@
       </p:pic>
       <p:pic>
         <p:nvPicPr>
-          <p:cNvPr id="2" name="Imagem 1">
-            <a:extLst>
-              <a:ext uri="{FF2B5EF4-FFF2-40B4-BE49-F238E27FC236}">
-                <a16:creationId xmlns:a16="http://schemas.microsoft.com/office/drawing/2014/main" id="{9B7F074B-0750-4FC6-9B35-124CB3761881}"/>
+          <p:cNvPr id="3" name="Imagem 2">
+            <a:extLst>
+              <a:ext uri="{FF2B5EF4-FFF2-40B4-BE49-F238E27FC236}">
+                <a16:creationId xmlns:a16="http://schemas.microsoft.com/office/drawing/2014/main" id="{0B44FC68-6DE4-496F-BAF5-395083DCC5CE}"/>
               </a:ext>
             </a:extLst>
           </p:cNvPr>
@@ -13307,8 +13367,8 @@
         </p:blipFill>
         <p:spPr>
           <a:xfrm>
-            <a:off x="1806725" y="3477635"/>
-            <a:ext cx="7200000" cy="3834373"/>
+            <a:off x="1817357" y="3486705"/>
+            <a:ext cx="7200000" cy="3834327"/>
           </a:xfrm>
           <a:prstGeom prst="rect">
             <a:avLst/>
@@ -14398,7 +14458,7 @@
                 </a:effectLst>
                 <a:latin typeface="Exo 2 Extra Bold" panose="00000900000000000000" pitchFamily="50" charset="0"/>
               </a:rPr>
-              <a:t>17</a:t>
+              <a:t>18</a:t>
             </a:r>
             <a:endParaRPr lang="pt-BR" sz="4800" b="0" cap="none" spc="0" dirty="0">
               <a:ln w="0">
@@ -14510,10 +14570,10 @@
       </p:pic>
       <p:pic>
         <p:nvPicPr>
-          <p:cNvPr id="2" name="Imagem 1">
-            <a:extLst>
-              <a:ext uri="{FF2B5EF4-FFF2-40B4-BE49-F238E27FC236}">
-                <a16:creationId xmlns:a16="http://schemas.microsoft.com/office/drawing/2014/main" id="{DE88F561-A16E-419F-8DF1-ED64F0BB24C9}"/>
+          <p:cNvPr id="3" name="Imagem 2">
+            <a:extLst>
+              <a:ext uri="{FF2B5EF4-FFF2-40B4-BE49-F238E27FC236}">
+                <a16:creationId xmlns:a16="http://schemas.microsoft.com/office/drawing/2014/main" id="{BC81589D-77AC-45B0-91E8-113A36A17403}"/>
               </a:ext>
             </a:extLst>
           </p:cNvPr>
@@ -14530,8 +14590,8 @@
         </p:blipFill>
         <p:spPr>
           <a:xfrm>
-            <a:off x="1590197" y="1990548"/>
-            <a:ext cx="7662867" cy="8280000"/>
+            <a:off x="1587332" y="2023414"/>
+            <a:ext cx="7662850" cy="8280000"/>
           </a:xfrm>
           <a:prstGeom prst="rect">
             <a:avLst/>

--- a/Informativos.pptx
+++ b/Informativos.pptx
@@ -294,7 +294,7 @@
             <a:fld id="{11A6662E-FAF4-44BC-88B5-85A7CBFB6D30}" type="datetime1">
               <a:rPr lang="en-US" smtClean="0"/>
               <a:pPr/>
-              <a:t>8/31/2021</a:t>
+              <a:t>9/8/2021</a:t>
             </a:fld>
             <a:endParaRPr lang="en-US" dirty="0"/>
           </a:p>
@@ -521,7 +521,7 @@
           <a:p>
             <a:fld id="{4C559632-1575-4E14-B53B-3DC3D5ED3947}" type="datetime1">
               <a:rPr lang="en-US" smtClean="0"/>
-              <a:t>8/31/2021</a:t>
+              <a:t>9/8/2021</a:t>
             </a:fld>
             <a:endParaRPr lang="en-US"/>
           </a:p>
@@ -729,7 +729,7 @@
           <a:p>
             <a:fld id="{CC4A6868-2568-4CC9-B302-F37117B01A6E}" type="datetime1">
               <a:rPr lang="en-US" smtClean="0"/>
-              <a:t>8/31/2021</a:t>
+              <a:t>9/8/2021</a:t>
             </a:fld>
             <a:endParaRPr lang="en-US"/>
           </a:p>
@@ -934,7 +934,7 @@
           <a:p>
             <a:fld id="{0055F08A-1E71-4B2B-BB49-E743F2903911}" type="datetime1">
               <a:rPr lang="en-US" smtClean="0"/>
-              <a:t>8/31/2021</a:t>
+              <a:t>9/8/2021</a:t>
             </a:fld>
             <a:endParaRPr lang="en-US" dirty="0"/>
           </a:p>
@@ -1208,7 +1208,7 @@
           <a:p>
             <a:fld id="{15417D9E-721A-44BB-8863-9873FE64DA75}" type="datetime1">
               <a:rPr lang="en-US" smtClean="0"/>
-              <a:t>8/31/2021</a:t>
+              <a:t>9/8/2021</a:t>
             </a:fld>
             <a:endParaRPr lang="en-US"/>
           </a:p>
@@ -1481,7 +1481,7 @@
           <a:p>
             <a:fld id="{5F31DA2F-80B8-49CF-99FB-5ABCA53A607A}" type="datetime1">
               <a:rPr lang="en-US" smtClean="0"/>
-              <a:t>8/31/2021</a:t>
+              <a:t>9/8/2021</a:t>
             </a:fld>
             <a:endParaRPr lang="en-US"/>
           </a:p>
@@ -1896,7 +1896,7 @@
           <a:p>
             <a:fld id="{28852172-E6C9-4B6C-929A-A9DE3837BBF1}" type="datetime1">
               <a:rPr lang="en-US" smtClean="0"/>
-              <a:t>8/31/2021</a:t>
+              <a:t>9/8/2021</a:t>
             </a:fld>
             <a:endParaRPr lang="en-US"/>
           </a:p>
@@ -2048,7 +2048,7 @@
           <a:p>
             <a:fld id="{3AB41CFF-90C9-47B3-9DA1-F2BF8D839F7E}" type="datetime1">
               <a:rPr lang="en-US" smtClean="0"/>
-              <a:t>8/31/2021</a:t>
+              <a:t>9/8/2021</a:t>
             </a:fld>
             <a:endParaRPr lang="en-US"/>
           </a:p>
@@ -2161,7 +2161,7 @@
           <a:p>
             <a:fld id="{F06048FA-06AB-4884-A69B-986B96E68A24}" type="datetime1">
               <a:rPr lang="en-US" smtClean="0"/>
-              <a:t>8/31/2021</a:t>
+              <a:t>9/8/2021</a:t>
             </a:fld>
             <a:endParaRPr lang="en-US"/>
           </a:p>
@@ -2472,7 +2472,7 @@
           <a:p>
             <a:fld id="{50DB7ABA-0172-4F9C-889D-567164F66BCD}" type="datetime1">
               <a:rPr lang="en-US" smtClean="0"/>
-              <a:t>8/31/2021</a:t>
+              <a:t>9/8/2021</a:t>
             </a:fld>
             <a:endParaRPr lang="en-US"/>
           </a:p>
@@ -2763,7 +2763,7 @@
           <a:p>
             <a:fld id="{78AC6A5B-8AE7-4A41-B5A7-9ADC6686DC18}" type="datetime1">
               <a:rPr lang="en-US" smtClean="0"/>
-              <a:t>8/31/2021</a:t>
+              <a:t>9/8/2021</a:t>
             </a:fld>
             <a:endParaRPr lang="en-US"/>
           </a:p>
@@ -3072,7 +3072,7 @@
             <a:fld id="{57E0CF6C-748E-4B7A-BC8B-3011EF78ED13}" type="datetime1">
               <a:rPr lang="en-US" smtClean="0"/>
               <a:pPr/>
-              <a:t>8/31/2021</a:t>
+              <a:t>9/8/2021</a:t>
             </a:fld>
             <a:endParaRPr lang="en-US" dirty="0"/>
           </a:p>
@@ -4657,7 +4657,7 @@
                 </a:effectLst>
                 <a:latin typeface="Exo 2 Extra Bold" panose="00000900000000000000" pitchFamily="50" charset="0"/>
               </a:rPr>
-              <a:t>18</a:t>
+              <a:t>19</a:t>
             </a:r>
             <a:endParaRPr lang="pt-BR" sz="4800" b="0" cap="none" spc="0" dirty="0">
               <a:ln w="0">
@@ -4716,10 +4716,10 @@
       </p:pic>
       <p:pic>
         <p:nvPicPr>
-          <p:cNvPr id="2" name="Imagem 1">
-            <a:extLst>
-              <a:ext uri="{FF2B5EF4-FFF2-40B4-BE49-F238E27FC236}">
-                <a16:creationId xmlns:a16="http://schemas.microsoft.com/office/drawing/2014/main" id="{783B081B-3D68-4419-A7A5-990DDEAF1857}"/>
+          <p:cNvPr id="3" name="Imagem 2">
+            <a:extLst>
+              <a:ext uri="{FF2B5EF4-FFF2-40B4-BE49-F238E27FC236}">
+                <a16:creationId xmlns:a16="http://schemas.microsoft.com/office/drawing/2014/main" id="{5E4F31E3-F002-4A66-B356-42AA420341B5}"/>
               </a:ext>
             </a:extLst>
           </p:cNvPr>
@@ -4736,8 +4736,8 @@
         </p:blipFill>
         <p:spPr>
           <a:xfrm>
-            <a:off x="968979" y="2525175"/>
-            <a:ext cx="8899616" cy="7200000"/>
+            <a:off x="969530" y="2538227"/>
+            <a:ext cx="8899620" cy="7200000"/>
           </a:xfrm>
           <a:prstGeom prst="rect">
             <a:avLst/>
@@ -5827,7 +5827,7 @@
                 </a:effectLst>
                 <a:latin typeface="Exo 2 Extra Bold" panose="00000900000000000000" pitchFamily="50" charset="0"/>
               </a:rPr>
-              <a:t>18</a:t>
+              <a:t>19</a:t>
             </a:r>
             <a:endParaRPr lang="pt-BR" sz="4800" b="0" cap="none" spc="0" dirty="0">
               <a:ln w="0">
@@ -5939,10 +5939,10 @@
       </p:pic>
       <p:pic>
         <p:nvPicPr>
-          <p:cNvPr id="2" name="Imagem 1">
-            <a:extLst>
-              <a:ext uri="{FF2B5EF4-FFF2-40B4-BE49-F238E27FC236}">
-                <a16:creationId xmlns:a16="http://schemas.microsoft.com/office/drawing/2014/main" id="{94A5C84B-F923-479C-93C0-1DBE2EA297FF}"/>
+          <p:cNvPr id="3" name="Imagem 2">
+            <a:extLst>
+              <a:ext uri="{FF2B5EF4-FFF2-40B4-BE49-F238E27FC236}">
+                <a16:creationId xmlns:a16="http://schemas.microsoft.com/office/drawing/2014/main" id="{B6E7E9F0-2523-4383-852C-F8FB1B6F27A4}"/>
               </a:ext>
             </a:extLst>
           </p:cNvPr>
@@ -5959,8 +5959,8 @@
         </p:blipFill>
         <p:spPr>
           <a:xfrm>
-            <a:off x="1087118" y="2800643"/>
-            <a:ext cx="8640000" cy="5283381"/>
+            <a:off x="1100662" y="2542901"/>
+            <a:ext cx="8640000" cy="6274511"/>
           </a:xfrm>
           <a:prstGeom prst="rect">
             <a:avLst/>
@@ -7050,7 +7050,7 @@
                 </a:effectLst>
                 <a:latin typeface="Exo 2 Extra Bold" panose="00000900000000000000" pitchFamily="50" charset="0"/>
               </a:rPr>
-              <a:t>18</a:t>
+              <a:t>19</a:t>
             </a:r>
             <a:endParaRPr lang="pt-BR" sz="4800" b="0" cap="none" spc="0" dirty="0">
               <a:ln w="0">
@@ -7162,10 +7162,10 @@
       </p:pic>
       <p:pic>
         <p:nvPicPr>
-          <p:cNvPr id="2" name="Imagem 1">
-            <a:extLst>
-              <a:ext uri="{FF2B5EF4-FFF2-40B4-BE49-F238E27FC236}">
-                <a16:creationId xmlns:a16="http://schemas.microsoft.com/office/drawing/2014/main" id="{9D9ACBAD-B12C-4175-AD41-7629E2D33B79}"/>
+          <p:cNvPr id="9" name="Imagem 8">
+            <a:extLst>
+              <a:ext uri="{FF2B5EF4-FFF2-40B4-BE49-F238E27FC236}">
+                <a16:creationId xmlns:a16="http://schemas.microsoft.com/office/drawing/2014/main" id="{B79E3CE6-F8F3-4272-A765-D3ED36EEA2D7}"/>
               </a:ext>
             </a:extLst>
           </p:cNvPr>
@@ -7182,8 +7182,8 @@
         </p:blipFill>
         <p:spPr>
           <a:xfrm>
-            <a:off x="2438093" y="2523853"/>
-            <a:ext cx="5970583" cy="2160000"/>
+            <a:off x="1755974" y="7679850"/>
+            <a:ext cx="7329711" cy="2160000"/>
           </a:xfrm>
           <a:prstGeom prst="rect">
             <a:avLst/>
@@ -7192,10 +7192,10 @@
       </p:pic>
       <p:pic>
         <p:nvPicPr>
-          <p:cNvPr id="3" name="Imagem 2">
-            <a:extLst>
-              <a:ext uri="{FF2B5EF4-FFF2-40B4-BE49-F238E27FC236}">
-                <a16:creationId xmlns:a16="http://schemas.microsoft.com/office/drawing/2014/main" id="{DE3D636F-060A-414C-A2D7-5AE43B4E237D}"/>
+          <p:cNvPr id="4" name="Imagem 3">
+            <a:extLst>
+              <a:ext uri="{FF2B5EF4-FFF2-40B4-BE49-F238E27FC236}">
+                <a16:creationId xmlns:a16="http://schemas.microsoft.com/office/drawing/2014/main" id="{3139D088-A5AF-429F-AE30-857BC5E438E8}"/>
               </a:ext>
             </a:extLst>
           </p:cNvPr>
@@ -7212,7 +7212,7 @@
         </p:blipFill>
         <p:spPr>
           <a:xfrm>
-            <a:off x="2421841" y="5038132"/>
+            <a:off x="2432193" y="2523853"/>
             <a:ext cx="5970583" cy="2160000"/>
           </a:xfrm>
           <a:prstGeom prst="rect">
@@ -7222,10 +7222,10 @@
       </p:pic>
       <p:pic>
         <p:nvPicPr>
-          <p:cNvPr id="9" name="Imagem 8">
-            <a:extLst>
-              <a:ext uri="{FF2B5EF4-FFF2-40B4-BE49-F238E27FC236}">
-                <a16:creationId xmlns:a16="http://schemas.microsoft.com/office/drawing/2014/main" id="{B79E3CE6-F8F3-4272-A765-D3ED36EEA2D7}"/>
+          <p:cNvPr id="7" name="Imagem 6">
+            <a:extLst>
+              <a:ext uri="{FF2B5EF4-FFF2-40B4-BE49-F238E27FC236}">
+                <a16:creationId xmlns:a16="http://schemas.microsoft.com/office/drawing/2014/main" id="{DD252C08-1C2B-42B3-90F0-30FAD62B8C54}"/>
               </a:ext>
             </a:extLst>
           </p:cNvPr>
@@ -7242,8 +7242,8 @@
         </p:blipFill>
         <p:spPr>
           <a:xfrm>
-            <a:off x="1755974" y="7679850"/>
-            <a:ext cx="7329711" cy="2160000"/>
+            <a:off x="2432191" y="5038132"/>
+            <a:ext cx="5970583" cy="2160000"/>
           </a:xfrm>
           <a:prstGeom prst="rect">
             <a:avLst/>
@@ -14458,7 +14458,7 @@
                 </a:effectLst>
                 <a:latin typeface="Exo 2 Extra Bold" panose="00000900000000000000" pitchFamily="50" charset="0"/>
               </a:rPr>
-              <a:t>18</a:t>
+              <a:t>19</a:t>
             </a:r>
             <a:endParaRPr lang="pt-BR" sz="4800" b="0" cap="none" spc="0" dirty="0">
               <a:ln w="0">
@@ -14570,10 +14570,10 @@
       </p:pic>
       <p:pic>
         <p:nvPicPr>
-          <p:cNvPr id="3" name="Imagem 2">
-            <a:extLst>
-              <a:ext uri="{FF2B5EF4-FFF2-40B4-BE49-F238E27FC236}">
-                <a16:creationId xmlns:a16="http://schemas.microsoft.com/office/drawing/2014/main" id="{BC81589D-77AC-45B0-91E8-113A36A17403}"/>
+          <p:cNvPr id="2" name="Imagem 1">
+            <a:extLst>
+              <a:ext uri="{FF2B5EF4-FFF2-40B4-BE49-F238E27FC236}">
+                <a16:creationId xmlns:a16="http://schemas.microsoft.com/office/drawing/2014/main" id="{71B744B3-5B62-4539-B4A1-8EF5D31F50A5}"/>
               </a:ext>
             </a:extLst>
           </p:cNvPr>
@@ -14590,8 +14590,8 @@
         </p:blipFill>
         <p:spPr>
           <a:xfrm>
-            <a:off x="1587332" y="2023414"/>
-            <a:ext cx="7662850" cy="8280000"/>
+            <a:off x="1592180" y="2097876"/>
+            <a:ext cx="7662867" cy="8280000"/>
           </a:xfrm>
           <a:prstGeom prst="rect">
             <a:avLst/>

--- a/Informativos.pptx
+++ b/Informativos.pptx
@@ -294,7 +294,7 @@
             <a:fld id="{11A6662E-FAF4-44BC-88B5-85A7CBFB6D30}" type="datetime1">
               <a:rPr lang="en-US" smtClean="0"/>
               <a:pPr/>
-              <a:t>9/8/2021</a:t>
+              <a:t>9/14/2021</a:t>
             </a:fld>
             <a:endParaRPr lang="en-US" dirty="0"/>
           </a:p>
@@ -521,7 +521,7 @@
           <a:p>
             <a:fld id="{4C559632-1575-4E14-B53B-3DC3D5ED3947}" type="datetime1">
               <a:rPr lang="en-US" smtClean="0"/>
-              <a:t>9/8/2021</a:t>
+              <a:t>9/14/2021</a:t>
             </a:fld>
             <a:endParaRPr lang="en-US"/>
           </a:p>
@@ -729,7 +729,7 @@
           <a:p>
             <a:fld id="{CC4A6868-2568-4CC9-B302-F37117B01A6E}" type="datetime1">
               <a:rPr lang="en-US" smtClean="0"/>
-              <a:t>9/8/2021</a:t>
+              <a:t>9/14/2021</a:t>
             </a:fld>
             <a:endParaRPr lang="en-US"/>
           </a:p>
@@ -934,7 +934,7 @@
           <a:p>
             <a:fld id="{0055F08A-1E71-4B2B-BB49-E743F2903911}" type="datetime1">
               <a:rPr lang="en-US" smtClean="0"/>
-              <a:t>9/8/2021</a:t>
+              <a:t>9/14/2021</a:t>
             </a:fld>
             <a:endParaRPr lang="en-US" dirty="0"/>
           </a:p>
@@ -1208,7 +1208,7 @@
           <a:p>
             <a:fld id="{15417D9E-721A-44BB-8863-9873FE64DA75}" type="datetime1">
               <a:rPr lang="en-US" smtClean="0"/>
-              <a:t>9/8/2021</a:t>
+              <a:t>9/14/2021</a:t>
             </a:fld>
             <a:endParaRPr lang="en-US"/>
           </a:p>
@@ -1481,7 +1481,7 @@
           <a:p>
             <a:fld id="{5F31DA2F-80B8-49CF-99FB-5ABCA53A607A}" type="datetime1">
               <a:rPr lang="en-US" smtClean="0"/>
-              <a:t>9/8/2021</a:t>
+              <a:t>9/14/2021</a:t>
             </a:fld>
             <a:endParaRPr lang="en-US"/>
           </a:p>
@@ -1896,7 +1896,7 @@
           <a:p>
             <a:fld id="{28852172-E6C9-4B6C-929A-A9DE3837BBF1}" type="datetime1">
               <a:rPr lang="en-US" smtClean="0"/>
-              <a:t>9/8/2021</a:t>
+              <a:t>9/14/2021</a:t>
             </a:fld>
             <a:endParaRPr lang="en-US"/>
           </a:p>
@@ -2048,7 +2048,7 @@
           <a:p>
             <a:fld id="{3AB41CFF-90C9-47B3-9DA1-F2BF8D839F7E}" type="datetime1">
               <a:rPr lang="en-US" smtClean="0"/>
-              <a:t>9/8/2021</a:t>
+              <a:t>9/14/2021</a:t>
             </a:fld>
             <a:endParaRPr lang="en-US"/>
           </a:p>
@@ -2161,7 +2161,7 @@
           <a:p>
             <a:fld id="{F06048FA-06AB-4884-A69B-986B96E68A24}" type="datetime1">
               <a:rPr lang="en-US" smtClean="0"/>
-              <a:t>9/8/2021</a:t>
+              <a:t>9/14/2021</a:t>
             </a:fld>
             <a:endParaRPr lang="en-US"/>
           </a:p>
@@ -2472,7 +2472,7 @@
           <a:p>
             <a:fld id="{50DB7ABA-0172-4F9C-889D-567164F66BCD}" type="datetime1">
               <a:rPr lang="en-US" smtClean="0"/>
-              <a:t>9/8/2021</a:t>
+              <a:t>9/14/2021</a:t>
             </a:fld>
             <a:endParaRPr lang="en-US"/>
           </a:p>
@@ -2763,7 +2763,7 @@
           <a:p>
             <a:fld id="{78AC6A5B-8AE7-4A41-B5A7-9ADC6686DC18}" type="datetime1">
               <a:rPr lang="en-US" smtClean="0"/>
-              <a:t>9/8/2021</a:t>
+              <a:t>9/14/2021</a:t>
             </a:fld>
             <a:endParaRPr lang="en-US"/>
           </a:p>
@@ -3072,7 +3072,7 @@
             <a:fld id="{57E0CF6C-748E-4B7A-BC8B-3011EF78ED13}" type="datetime1">
               <a:rPr lang="en-US" smtClean="0"/>
               <a:pPr/>
-              <a:t>9/8/2021</a:t>
+              <a:t>9/14/2021</a:t>
             </a:fld>
             <a:endParaRPr lang="en-US" dirty="0"/>
           </a:p>
@@ -4638,43 +4638,8 @@
                 </a:effectLst>
                 <a:latin typeface="Exo 2 Extra Bold" panose="00000900000000000000" pitchFamily="50" charset="0"/>
               </a:rPr>
-              <a:t>Rodada #</a:t>
+              <a:t>Rodada #20</a:t>
             </a:r>
-            <a:r>
-              <a:rPr lang="pt-BR" sz="4800" dirty="0">
-                <a:ln w="0">
-                  <a:noFill/>
-                </a:ln>
-                <a:solidFill>
-                  <a:schemeClr val="bg1"/>
-                </a:solidFill>
-                <a:effectLst>
-                  <a:outerShdw blurRad="38100" dist="19050" dir="2700000" algn="tl" rotWithShape="0">
-                    <a:schemeClr val="dk1">
-                      <a:alpha val="40000"/>
-                    </a:schemeClr>
-                  </a:outerShdw>
-                </a:effectLst>
-                <a:latin typeface="Exo 2 Extra Bold" panose="00000900000000000000" pitchFamily="50" charset="0"/>
-              </a:rPr>
-              <a:t>19</a:t>
-            </a:r>
-            <a:endParaRPr lang="pt-BR" sz="4800" b="0" cap="none" spc="0" dirty="0">
-              <a:ln w="0">
-                <a:noFill/>
-              </a:ln>
-              <a:solidFill>
-                <a:schemeClr val="bg1"/>
-              </a:solidFill>
-              <a:effectLst>
-                <a:outerShdw blurRad="38100" dist="19050" dir="2700000" algn="tl" rotWithShape="0">
-                  <a:schemeClr val="dk1">
-                    <a:alpha val="40000"/>
-                  </a:schemeClr>
-                </a:outerShdw>
-              </a:effectLst>
-              <a:latin typeface="Exo 2 Extra Bold" panose="00000900000000000000" pitchFamily="50" charset="0"/>
-            </a:endParaRPr>
           </a:p>
         </p:txBody>
       </p:sp>
@@ -4716,10 +4681,10 @@
       </p:pic>
       <p:pic>
         <p:nvPicPr>
-          <p:cNvPr id="3" name="Imagem 2">
-            <a:extLst>
-              <a:ext uri="{FF2B5EF4-FFF2-40B4-BE49-F238E27FC236}">
-                <a16:creationId xmlns:a16="http://schemas.microsoft.com/office/drawing/2014/main" id="{5E4F31E3-F002-4A66-B356-42AA420341B5}"/>
+          <p:cNvPr id="2" name="Imagem 1">
+            <a:extLst>
+              <a:ext uri="{FF2B5EF4-FFF2-40B4-BE49-F238E27FC236}">
+                <a16:creationId xmlns:a16="http://schemas.microsoft.com/office/drawing/2014/main" id="{C8E1C79B-B999-48FD-ACE6-99377514C2D9}"/>
               </a:ext>
             </a:extLst>
           </p:cNvPr>
@@ -4736,8 +4701,8 @@
         </p:blipFill>
         <p:spPr>
           <a:xfrm>
-            <a:off x="969530" y="2538227"/>
-            <a:ext cx="8899620" cy="7200000"/>
+            <a:off x="962582" y="2538227"/>
+            <a:ext cx="8899649" cy="7200000"/>
           </a:xfrm>
           <a:prstGeom prst="rect">
             <a:avLst/>
@@ -5808,43 +5773,8 @@
                 </a:effectLst>
                 <a:latin typeface="Exo 2 Extra Bold" panose="00000900000000000000" pitchFamily="50" charset="0"/>
               </a:rPr>
-              <a:t>Rodada #</a:t>
+              <a:t>Rodada #20</a:t>
             </a:r>
-            <a:r>
-              <a:rPr lang="pt-BR" sz="4800" dirty="0">
-                <a:ln w="0">
-                  <a:noFill/>
-                </a:ln>
-                <a:solidFill>
-                  <a:schemeClr val="bg1"/>
-                </a:solidFill>
-                <a:effectLst>
-                  <a:outerShdw blurRad="38100" dist="19050" dir="2700000" algn="tl" rotWithShape="0">
-                    <a:schemeClr val="dk1">
-                      <a:alpha val="40000"/>
-                    </a:schemeClr>
-                  </a:outerShdw>
-                </a:effectLst>
-                <a:latin typeface="Exo 2 Extra Bold" panose="00000900000000000000" pitchFamily="50" charset="0"/>
-              </a:rPr>
-              <a:t>19</a:t>
-            </a:r>
-            <a:endParaRPr lang="pt-BR" sz="4800" b="0" cap="none" spc="0" dirty="0">
-              <a:ln w="0">
-                <a:noFill/>
-              </a:ln>
-              <a:solidFill>
-                <a:schemeClr val="bg1"/>
-              </a:solidFill>
-              <a:effectLst>
-                <a:outerShdw blurRad="38100" dist="19050" dir="2700000" algn="tl" rotWithShape="0">
-                  <a:schemeClr val="dk1">
-                    <a:alpha val="40000"/>
-                  </a:schemeClr>
-                </a:outerShdw>
-              </a:effectLst>
-              <a:latin typeface="Exo 2 Extra Bold" panose="00000900000000000000" pitchFamily="50" charset="0"/>
-            </a:endParaRPr>
           </a:p>
         </p:txBody>
       </p:sp>
@@ -5939,10 +5869,10 @@
       </p:pic>
       <p:pic>
         <p:nvPicPr>
-          <p:cNvPr id="3" name="Imagem 2">
-            <a:extLst>
-              <a:ext uri="{FF2B5EF4-FFF2-40B4-BE49-F238E27FC236}">
-                <a16:creationId xmlns:a16="http://schemas.microsoft.com/office/drawing/2014/main" id="{B6E7E9F0-2523-4383-852C-F8FB1B6F27A4}"/>
+          <p:cNvPr id="2" name="Imagem 1">
+            <a:extLst>
+              <a:ext uri="{FF2B5EF4-FFF2-40B4-BE49-F238E27FC236}">
+                <a16:creationId xmlns:a16="http://schemas.microsoft.com/office/drawing/2014/main" id="{FF32DF57-3F38-4957-B8D1-D255DF7771AB}"/>
               </a:ext>
             </a:extLst>
           </p:cNvPr>
@@ -5959,8 +5889,8 @@
         </p:blipFill>
         <p:spPr>
           <a:xfrm>
-            <a:off x="1100662" y="2542901"/>
-            <a:ext cx="8640000" cy="6274511"/>
+            <a:off x="1087118" y="2528041"/>
+            <a:ext cx="8640000" cy="6274454"/>
           </a:xfrm>
           <a:prstGeom prst="rect">
             <a:avLst/>
@@ -7031,43 +6961,8 @@
                 </a:effectLst>
                 <a:latin typeface="Exo 2 Extra Bold" panose="00000900000000000000" pitchFamily="50" charset="0"/>
               </a:rPr>
-              <a:t>Rodada #</a:t>
+              <a:t>Rodada #20</a:t>
             </a:r>
-            <a:r>
-              <a:rPr lang="pt-BR" sz="4800" dirty="0">
-                <a:ln w="0">
-                  <a:noFill/>
-                </a:ln>
-                <a:solidFill>
-                  <a:schemeClr val="bg1"/>
-                </a:solidFill>
-                <a:effectLst>
-                  <a:outerShdw blurRad="38100" dist="19050" dir="2700000" algn="tl" rotWithShape="0">
-                    <a:schemeClr val="dk1">
-                      <a:alpha val="40000"/>
-                    </a:schemeClr>
-                  </a:outerShdw>
-                </a:effectLst>
-                <a:latin typeface="Exo 2 Extra Bold" panose="00000900000000000000" pitchFamily="50" charset="0"/>
-              </a:rPr>
-              <a:t>19</a:t>
-            </a:r>
-            <a:endParaRPr lang="pt-BR" sz="4800" b="0" cap="none" spc="0" dirty="0">
-              <a:ln w="0">
-                <a:noFill/>
-              </a:ln>
-              <a:solidFill>
-                <a:schemeClr val="bg1"/>
-              </a:solidFill>
-              <a:effectLst>
-                <a:outerShdw blurRad="38100" dist="19050" dir="2700000" algn="tl" rotWithShape="0">
-                  <a:schemeClr val="dk1">
-                    <a:alpha val="40000"/>
-                  </a:schemeClr>
-                </a:outerShdw>
-              </a:effectLst>
-              <a:latin typeface="Exo 2 Extra Bold" panose="00000900000000000000" pitchFamily="50" charset="0"/>
-            </a:endParaRPr>
           </a:p>
         </p:txBody>
       </p:sp>
@@ -7192,10 +7087,10 @@
       </p:pic>
       <p:pic>
         <p:nvPicPr>
-          <p:cNvPr id="4" name="Imagem 3">
-            <a:extLst>
-              <a:ext uri="{FF2B5EF4-FFF2-40B4-BE49-F238E27FC236}">
-                <a16:creationId xmlns:a16="http://schemas.microsoft.com/office/drawing/2014/main" id="{3139D088-A5AF-429F-AE30-857BC5E438E8}"/>
+          <p:cNvPr id="2" name="Imagem 1">
+            <a:extLst>
+              <a:ext uri="{FF2B5EF4-FFF2-40B4-BE49-F238E27FC236}">
+                <a16:creationId xmlns:a16="http://schemas.microsoft.com/office/drawing/2014/main" id="{039BF9EF-F3F1-4E85-9E1A-AB03906B88F8}"/>
               </a:ext>
             </a:extLst>
           </p:cNvPr>
@@ -7212,7 +7107,7 @@
         </p:blipFill>
         <p:spPr>
           <a:xfrm>
-            <a:off x="2432193" y="2523853"/>
+            <a:off x="2420967" y="2523853"/>
             <a:ext cx="5970583" cy="2160000"/>
           </a:xfrm>
           <a:prstGeom prst="rect">
@@ -7222,10 +7117,10 @@
       </p:pic>
       <p:pic>
         <p:nvPicPr>
-          <p:cNvPr id="7" name="Imagem 6">
-            <a:extLst>
-              <a:ext uri="{FF2B5EF4-FFF2-40B4-BE49-F238E27FC236}">
-                <a16:creationId xmlns:a16="http://schemas.microsoft.com/office/drawing/2014/main" id="{DD252C08-1C2B-42B3-90F0-30FAD62B8C54}"/>
+          <p:cNvPr id="3" name="Imagem 2">
+            <a:extLst>
+              <a:ext uri="{FF2B5EF4-FFF2-40B4-BE49-F238E27FC236}">
+                <a16:creationId xmlns:a16="http://schemas.microsoft.com/office/drawing/2014/main" id="{79D0CE5F-E550-4550-970B-808496BFFA8C}"/>
               </a:ext>
             </a:extLst>
           </p:cNvPr>
@@ -7242,7 +7137,7 @@
         </p:blipFill>
         <p:spPr>
           <a:xfrm>
-            <a:off x="2432191" y="5038132"/>
+            <a:off x="2418182" y="5038132"/>
             <a:ext cx="5970583" cy="2160000"/>
           </a:xfrm>
           <a:prstGeom prst="rect">
@@ -8314,43 +8209,8 @@
                 </a:effectLst>
                 <a:latin typeface="Exo 2 Extra Bold" panose="00000900000000000000" pitchFamily="50" charset="0"/>
               </a:rPr>
-              <a:t>Rodada #</a:t>
+              <a:t>Rodada #20</a:t>
             </a:r>
-            <a:r>
-              <a:rPr lang="pt-BR" sz="4800" dirty="0">
-                <a:ln w="0">
-                  <a:noFill/>
-                </a:ln>
-                <a:solidFill>
-                  <a:schemeClr val="bg1"/>
-                </a:solidFill>
-                <a:effectLst>
-                  <a:outerShdw blurRad="38100" dist="19050" dir="2700000" algn="tl" rotWithShape="0">
-                    <a:schemeClr val="dk1">
-                      <a:alpha val="40000"/>
-                    </a:schemeClr>
-                  </a:outerShdw>
-                </a:effectLst>
-                <a:latin typeface="Exo 2 Extra Bold" panose="00000900000000000000" pitchFamily="50" charset="0"/>
-              </a:rPr>
-              <a:t>18</a:t>
-            </a:r>
-            <a:endParaRPr lang="pt-BR" sz="4800" b="0" cap="none" spc="0" dirty="0">
-              <a:ln w="0">
-                <a:noFill/>
-              </a:ln>
-              <a:solidFill>
-                <a:schemeClr val="bg1"/>
-              </a:solidFill>
-              <a:effectLst>
-                <a:outerShdw blurRad="38100" dist="19050" dir="2700000" algn="tl" rotWithShape="0">
-                  <a:schemeClr val="dk1">
-                    <a:alpha val="40000"/>
-                  </a:schemeClr>
-                </a:outerShdw>
-              </a:effectLst>
-              <a:latin typeface="Exo 2 Extra Bold" panose="00000900000000000000" pitchFamily="50" charset="0"/>
-            </a:endParaRPr>
           </a:p>
         </p:txBody>
       </p:sp>
@@ -14439,43 +14299,8 @@
                 </a:effectLst>
                 <a:latin typeface="Exo 2 Extra Bold" panose="00000900000000000000" pitchFamily="50" charset="0"/>
               </a:rPr>
-              <a:t>Rodada #</a:t>
+              <a:t>Rodada #20</a:t>
             </a:r>
-            <a:r>
-              <a:rPr lang="pt-BR" sz="4800" dirty="0">
-                <a:ln w="0">
-                  <a:noFill/>
-                </a:ln>
-                <a:solidFill>
-                  <a:schemeClr val="bg1"/>
-                </a:solidFill>
-                <a:effectLst>
-                  <a:outerShdw blurRad="38100" dist="19050" dir="2700000" algn="tl" rotWithShape="0">
-                    <a:schemeClr val="dk1">
-                      <a:alpha val="40000"/>
-                    </a:schemeClr>
-                  </a:outerShdw>
-                </a:effectLst>
-                <a:latin typeface="Exo 2 Extra Bold" panose="00000900000000000000" pitchFamily="50" charset="0"/>
-              </a:rPr>
-              <a:t>19</a:t>
-            </a:r>
-            <a:endParaRPr lang="pt-BR" sz="4800" b="0" cap="none" spc="0" dirty="0">
-              <a:ln w="0">
-                <a:noFill/>
-              </a:ln>
-              <a:solidFill>
-                <a:schemeClr val="bg1"/>
-              </a:solidFill>
-              <a:effectLst>
-                <a:outerShdw blurRad="38100" dist="19050" dir="2700000" algn="tl" rotWithShape="0">
-                  <a:schemeClr val="dk1">
-                    <a:alpha val="40000"/>
-                  </a:schemeClr>
-                </a:outerShdw>
-              </a:effectLst>
-              <a:latin typeface="Exo 2 Extra Bold" panose="00000900000000000000" pitchFamily="50" charset="0"/>
-            </a:endParaRPr>
           </a:p>
         </p:txBody>
       </p:sp>
@@ -14570,10 +14395,10 @@
       </p:pic>
       <p:pic>
         <p:nvPicPr>
-          <p:cNvPr id="2" name="Imagem 1">
-            <a:extLst>
-              <a:ext uri="{FF2B5EF4-FFF2-40B4-BE49-F238E27FC236}">
-                <a16:creationId xmlns:a16="http://schemas.microsoft.com/office/drawing/2014/main" id="{71B744B3-5B62-4539-B4A1-8EF5D31F50A5}"/>
+          <p:cNvPr id="3" name="Imagem 2">
+            <a:extLst>
+              <a:ext uri="{FF2B5EF4-FFF2-40B4-BE49-F238E27FC236}">
+                <a16:creationId xmlns:a16="http://schemas.microsoft.com/office/drawing/2014/main" id="{3BB1D825-6961-4FC5-9C09-ACB6DC710C6F}"/>
               </a:ext>
             </a:extLst>
           </p:cNvPr>
@@ -14590,8 +14415,8 @@
         </p:blipFill>
         <p:spPr>
           <a:xfrm>
-            <a:off x="1592180" y="2097876"/>
-            <a:ext cx="7662867" cy="8280000"/>
+            <a:off x="1584077" y="2011721"/>
+            <a:ext cx="7662850" cy="8280000"/>
           </a:xfrm>
           <a:prstGeom prst="rect">
             <a:avLst/>

--- a/Informativos.pptx
+++ b/Informativos.pptx
@@ -294,7 +294,7 @@
             <a:fld id="{11A6662E-FAF4-44BC-88B5-85A7CBFB6D30}" type="datetime1">
               <a:rPr lang="en-US" smtClean="0"/>
               <a:pPr/>
-              <a:t>9/14/2021</a:t>
+              <a:t>9/21/2021</a:t>
             </a:fld>
             <a:endParaRPr lang="en-US" dirty="0"/>
           </a:p>
@@ -521,7 +521,7 @@
           <a:p>
             <a:fld id="{4C559632-1575-4E14-B53B-3DC3D5ED3947}" type="datetime1">
               <a:rPr lang="en-US" smtClean="0"/>
-              <a:t>9/14/2021</a:t>
+              <a:t>9/21/2021</a:t>
             </a:fld>
             <a:endParaRPr lang="en-US"/>
           </a:p>
@@ -729,7 +729,7 @@
           <a:p>
             <a:fld id="{CC4A6868-2568-4CC9-B302-F37117B01A6E}" type="datetime1">
               <a:rPr lang="en-US" smtClean="0"/>
-              <a:t>9/14/2021</a:t>
+              <a:t>9/21/2021</a:t>
             </a:fld>
             <a:endParaRPr lang="en-US"/>
           </a:p>
@@ -934,7 +934,7 @@
           <a:p>
             <a:fld id="{0055F08A-1E71-4B2B-BB49-E743F2903911}" type="datetime1">
               <a:rPr lang="en-US" smtClean="0"/>
-              <a:t>9/14/2021</a:t>
+              <a:t>9/21/2021</a:t>
             </a:fld>
             <a:endParaRPr lang="en-US" dirty="0"/>
           </a:p>
@@ -1208,7 +1208,7 @@
           <a:p>
             <a:fld id="{15417D9E-721A-44BB-8863-9873FE64DA75}" type="datetime1">
               <a:rPr lang="en-US" smtClean="0"/>
-              <a:t>9/14/2021</a:t>
+              <a:t>9/21/2021</a:t>
             </a:fld>
             <a:endParaRPr lang="en-US"/>
           </a:p>
@@ -1481,7 +1481,7 @@
           <a:p>
             <a:fld id="{5F31DA2F-80B8-49CF-99FB-5ABCA53A607A}" type="datetime1">
               <a:rPr lang="en-US" smtClean="0"/>
-              <a:t>9/14/2021</a:t>
+              <a:t>9/21/2021</a:t>
             </a:fld>
             <a:endParaRPr lang="en-US"/>
           </a:p>
@@ -1896,7 +1896,7 @@
           <a:p>
             <a:fld id="{28852172-E6C9-4B6C-929A-A9DE3837BBF1}" type="datetime1">
               <a:rPr lang="en-US" smtClean="0"/>
-              <a:t>9/14/2021</a:t>
+              <a:t>9/21/2021</a:t>
             </a:fld>
             <a:endParaRPr lang="en-US"/>
           </a:p>
@@ -2048,7 +2048,7 @@
           <a:p>
             <a:fld id="{3AB41CFF-90C9-47B3-9DA1-F2BF8D839F7E}" type="datetime1">
               <a:rPr lang="en-US" smtClean="0"/>
-              <a:t>9/14/2021</a:t>
+              <a:t>9/21/2021</a:t>
             </a:fld>
             <a:endParaRPr lang="en-US"/>
           </a:p>
@@ -2161,7 +2161,7 @@
           <a:p>
             <a:fld id="{F06048FA-06AB-4884-A69B-986B96E68A24}" type="datetime1">
               <a:rPr lang="en-US" smtClean="0"/>
-              <a:t>9/14/2021</a:t>
+              <a:t>9/21/2021</a:t>
             </a:fld>
             <a:endParaRPr lang="en-US"/>
           </a:p>
@@ -2472,7 +2472,7 @@
           <a:p>
             <a:fld id="{50DB7ABA-0172-4F9C-889D-567164F66BCD}" type="datetime1">
               <a:rPr lang="en-US" smtClean="0"/>
-              <a:t>9/14/2021</a:t>
+              <a:t>9/21/2021</a:t>
             </a:fld>
             <a:endParaRPr lang="en-US"/>
           </a:p>
@@ -2763,7 +2763,7 @@
           <a:p>
             <a:fld id="{78AC6A5B-8AE7-4A41-B5A7-9ADC6686DC18}" type="datetime1">
               <a:rPr lang="en-US" smtClean="0"/>
-              <a:t>9/14/2021</a:t>
+              <a:t>9/21/2021</a:t>
             </a:fld>
             <a:endParaRPr lang="en-US"/>
           </a:p>
@@ -3072,7 +3072,7 @@
             <a:fld id="{57E0CF6C-748E-4B7A-BC8B-3011EF78ED13}" type="datetime1">
               <a:rPr lang="en-US" smtClean="0"/>
               <a:pPr/>
-              <a:t>9/14/2021</a:t>
+              <a:t>9/21/2021</a:t>
             </a:fld>
             <a:endParaRPr lang="en-US" dirty="0"/>
           </a:p>
@@ -4638,7 +4638,7 @@
                 </a:effectLst>
                 <a:latin typeface="Exo 2 Extra Bold" panose="00000900000000000000" pitchFamily="50" charset="0"/>
               </a:rPr>
-              <a:t>Rodada #20</a:t>
+              <a:t>Rodada #21</a:t>
             </a:r>
           </a:p>
         </p:txBody>
@@ -4681,10 +4681,10 @@
       </p:pic>
       <p:pic>
         <p:nvPicPr>
-          <p:cNvPr id="2" name="Imagem 1">
-            <a:extLst>
-              <a:ext uri="{FF2B5EF4-FFF2-40B4-BE49-F238E27FC236}">
-                <a16:creationId xmlns:a16="http://schemas.microsoft.com/office/drawing/2014/main" id="{C8E1C79B-B999-48FD-ACE6-99377514C2D9}"/>
+          <p:cNvPr id="3" name="Imagem 2">
+            <a:extLst>
+              <a:ext uri="{FF2B5EF4-FFF2-40B4-BE49-F238E27FC236}">
+                <a16:creationId xmlns:a16="http://schemas.microsoft.com/office/drawing/2014/main" id="{8C0CCEF6-7C1A-409C-897E-2214F82469D2}"/>
               </a:ext>
             </a:extLst>
           </p:cNvPr>
@@ -4701,8 +4701,8 @@
         </p:blipFill>
         <p:spPr>
           <a:xfrm>
-            <a:off x="962582" y="2538227"/>
-            <a:ext cx="8899649" cy="7200000"/>
+            <a:off x="1267118" y="2526233"/>
+            <a:ext cx="8280000" cy="6698712"/>
           </a:xfrm>
           <a:prstGeom prst="rect">
             <a:avLst/>
@@ -5773,7 +5773,7 @@
                 </a:effectLst>
                 <a:latin typeface="Exo 2 Extra Bold" panose="00000900000000000000" pitchFamily="50" charset="0"/>
               </a:rPr>
-              <a:t>Rodada #20</a:t>
+              <a:t>Rodada #21</a:t>
             </a:r>
           </a:p>
         </p:txBody>
@@ -5869,10 +5869,10 @@
       </p:pic>
       <p:pic>
         <p:nvPicPr>
-          <p:cNvPr id="2" name="Imagem 1">
-            <a:extLst>
-              <a:ext uri="{FF2B5EF4-FFF2-40B4-BE49-F238E27FC236}">
-                <a16:creationId xmlns:a16="http://schemas.microsoft.com/office/drawing/2014/main" id="{FF32DF57-3F38-4957-B8D1-D255DF7771AB}"/>
+          <p:cNvPr id="3" name="Imagem 2">
+            <a:extLst>
+              <a:ext uri="{FF2B5EF4-FFF2-40B4-BE49-F238E27FC236}">
+                <a16:creationId xmlns:a16="http://schemas.microsoft.com/office/drawing/2014/main" id="{58F8CDBF-FB71-4C3C-B704-60F99C40DB61}"/>
               </a:ext>
             </a:extLst>
           </p:cNvPr>
@@ -5889,8 +5889,8 @@
         </p:blipFill>
         <p:spPr>
           <a:xfrm>
-            <a:off x="1087118" y="2528041"/>
-            <a:ext cx="8640000" cy="6274454"/>
+            <a:off x="1087118" y="2268777"/>
+            <a:ext cx="8640000" cy="6274511"/>
           </a:xfrm>
           <a:prstGeom prst="rect">
             <a:avLst/>
@@ -6961,7 +6961,7 @@
                 </a:effectLst>
                 <a:latin typeface="Exo 2 Extra Bold" panose="00000900000000000000" pitchFamily="50" charset="0"/>
               </a:rPr>
-              <a:t>Rodada #20</a:t>
+              <a:t>Rodada #21</a:t>
             </a:r>
           </a:p>
         </p:txBody>
@@ -7087,10 +7087,10 @@
       </p:pic>
       <p:pic>
         <p:nvPicPr>
-          <p:cNvPr id="2" name="Imagem 1">
-            <a:extLst>
-              <a:ext uri="{FF2B5EF4-FFF2-40B4-BE49-F238E27FC236}">
-                <a16:creationId xmlns:a16="http://schemas.microsoft.com/office/drawing/2014/main" id="{039BF9EF-F3F1-4E85-9E1A-AB03906B88F8}"/>
+          <p:cNvPr id="4" name="Imagem 3">
+            <a:extLst>
+              <a:ext uri="{FF2B5EF4-FFF2-40B4-BE49-F238E27FC236}">
+                <a16:creationId xmlns:a16="http://schemas.microsoft.com/office/drawing/2014/main" id="{15A7CC05-3338-4811-A1B9-AAC045CCFB65}"/>
               </a:ext>
             </a:extLst>
           </p:cNvPr>
@@ -7107,7 +7107,7 @@
         </p:blipFill>
         <p:spPr>
           <a:xfrm>
-            <a:off x="2420967" y="2523853"/>
+            <a:off x="2422508" y="2523853"/>
             <a:ext cx="5970583" cy="2160000"/>
           </a:xfrm>
           <a:prstGeom prst="rect">
@@ -7117,10 +7117,10 @@
       </p:pic>
       <p:pic>
         <p:nvPicPr>
-          <p:cNvPr id="3" name="Imagem 2">
-            <a:extLst>
-              <a:ext uri="{FF2B5EF4-FFF2-40B4-BE49-F238E27FC236}">
-                <a16:creationId xmlns:a16="http://schemas.microsoft.com/office/drawing/2014/main" id="{79D0CE5F-E550-4550-970B-808496BFFA8C}"/>
+          <p:cNvPr id="7" name="Imagem 6">
+            <a:extLst>
+              <a:ext uri="{FF2B5EF4-FFF2-40B4-BE49-F238E27FC236}">
+                <a16:creationId xmlns:a16="http://schemas.microsoft.com/office/drawing/2014/main" id="{36A1F40F-4674-4D91-B212-D0BFFCCBEDA8}"/>
               </a:ext>
             </a:extLst>
           </p:cNvPr>
@@ -7137,7 +7137,7 @@
         </p:blipFill>
         <p:spPr>
           <a:xfrm>
-            <a:off x="2418182" y="5038132"/>
+            <a:off x="2436620" y="5035910"/>
             <a:ext cx="5970583" cy="2160000"/>
           </a:xfrm>
           <a:prstGeom prst="rect">
@@ -14267,7 +14267,7 @@
         </p:nvSpPr>
         <p:spPr>
           <a:xfrm>
-            <a:off x="6726821" y="1266879"/>
+            <a:off x="6643693" y="1266879"/>
             <a:ext cx="4499881" cy="830997"/>
           </a:xfrm>
           <a:prstGeom prst="rect">
@@ -14299,7 +14299,7 @@
                 </a:effectLst>
                 <a:latin typeface="Exo 2 Extra Bold" panose="00000900000000000000" pitchFamily="50" charset="0"/>
               </a:rPr>
-              <a:t>Rodada #20</a:t>
+              <a:t>Rodada #21</a:t>
             </a:r>
           </a:p>
         </p:txBody>
@@ -14395,10 +14395,10 @@
       </p:pic>
       <p:pic>
         <p:nvPicPr>
-          <p:cNvPr id="3" name="Imagem 2">
-            <a:extLst>
-              <a:ext uri="{FF2B5EF4-FFF2-40B4-BE49-F238E27FC236}">
-                <a16:creationId xmlns:a16="http://schemas.microsoft.com/office/drawing/2014/main" id="{3BB1D825-6961-4FC5-9C09-ACB6DC710C6F}"/>
+          <p:cNvPr id="2" name="Imagem 1">
+            <a:extLst>
+              <a:ext uri="{FF2B5EF4-FFF2-40B4-BE49-F238E27FC236}">
+                <a16:creationId xmlns:a16="http://schemas.microsoft.com/office/drawing/2014/main" id="{4BA7339A-27A6-4225-AE7D-2EF1165D8A35}"/>
               </a:ext>
             </a:extLst>
           </p:cNvPr>
@@ -14415,8 +14415,8 @@
         </p:blipFill>
         <p:spPr>
           <a:xfrm>
-            <a:off x="1584077" y="2011721"/>
-            <a:ext cx="7662850" cy="8280000"/>
+            <a:off x="1584056" y="2038012"/>
+            <a:ext cx="7662868" cy="8280000"/>
           </a:xfrm>
           <a:prstGeom prst="rect">
             <a:avLst/>

--- a/Informativos.pptx
+++ b/Informativos.pptx
@@ -294,7 +294,7 @@
             <a:fld id="{11A6662E-FAF4-44BC-88B5-85A7CBFB6D30}" type="datetime1">
               <a:rPr lang="en-US" smtClean="0"/>
               <a:pPr/>
-              <a:t>9/21/2021</a:t>
+              <a:t>9/28/2021</a:t>
             </a:fld>
             <a:endParaRPr lang="en-US" dirty="0"/>
           </a:p>
@@ -521,7 +521,7 @@
           <a:p>
             <a:fld id="{4C559632-1575-4E14-B53B-3DC3D5ED3947}" type="datetime1">
               <a:rPr lang="en-US" smtClean="0"/>
-              <a:t>9/21/2021</a:t>
+              <a:t>9/28/2021</a:t>
             </a:fld>
             <a:endParaRPr lang="en-US"/>
           </a:p>
@@ -729,7 +729,7 @@
           <a:p>
             <a:fld id="{CC4A6868-2568-4CC9-B302-F37117B01A6E}" type="datetime1">
               <a:rPr lang="en-US" smtClean="0"/>
-              <a:t>9/21/2021</a:t>
+              <a:t>9/28/2021</a:t>
             </a:fld>
             <a:endParaRPr lang="en-US"/>
           </a:p>
@@ -934,7 +934,7 @@
           <a:p>
             <a:fld id="{0055F08A-1E71-4B2B-BB49-E743F2903911}" type="datetime1">
               <a:rPr lang="en-US" smtClean="0"/>
-              <a:t>9/21/2021</a:t>
+              <a:t>9/28/2021</a:t>
             </a:fld>
             <a:endParaRPr lang="en-US" dirty="0"/>
           </a:p>
@@ -1208,7 +1208,7 @@
           <a:p>
             <a:fld id="{15417D9E-721A-44BB-8863-9873FE64DA75}" type="datetime1">
               <a:rPr lang="en-US" smtClean="0"/>
-              <a:t>9/21/2021</a:t>
+              <a:t>9/28/2021</a:t>
             </a:fld>
             <a:endParaRPr lang="en-US"/>
           </a:p>
@@ -1481,7 +1481,7 @@
           <a:p>
             <a:fld id="{5F31DA2F-80B8-49CF-99FB-5ABCA53A607A}" type="datetime1">
               <a:rPr lang="en-US" smtClean="0"/>
-              <a:t>9/21/2021</a:t>
+              <a:t>9/28/2021</a:t>
             </a:fld>
             <a:endParaRPr lang="en-US"/>
           </a:p>
@@ -1896,7 +1896,7 @@
           <a:p>
             <a:fld id="{28852172-E6C9-4B6C-929A-A9DE3837BBF1}" type="datetime1">
               <a:rPr lang="en-US" smtClean="0"/>
-              <a:t>9/21/2021</a:t>
+              <a:t>9/28/2021</a:t>
             </a:fld>
             <a:endParaRPr lang="en-US"/>
           </a:p>
@@ -2048,7 +2048,7 @@
           <a:p>
             <a:fld id="{3AB41CFF-90C9-47B3-9DA1-F2BF8D839F7E}" type="datetime1">
               <a:rPr lang="en-US" smtClean="0"/>
-              <a:t>9/21/2021</a:t>
+              <a:t>9/28/2021</a:t>
             </a:fld>
             <a:endParaRPr lang="en-US"/>
           </a:p>
@@ -2161,7 +2161,7 @@
           <a:p>
             <a:fld id="{F06048FA-06AB-4884-A69B-986B96E68A24}" type="datetime1">
               <a:rPr lang="en-US" smtClean="0"/>
-              <a:t>9/21/2021</a:t>
+              <a:t>9/28/2021</a:t>
             </a:fld>
             <a:endParaRPr lang="en-US"/>
           </a:p>
@@ -2472,7 +2472,7 @@
           <a:p>
             <a:fld id="{50DB7ABA-0172-4F9C-889D-567164F66BCD}" type="datetime1">
               <a:rPr lang="en-US" smtClean="0"/>
-              <a:t>9/21/2021</a:t>
+              <a:t>9/28/2021</a:t>
             </a:fld>
             <a:endParaRPr lang="en-US"/>
           </a:p>
@@ -2763,7 +2763,7 @@
           <a:p>
             <a:fld id="{78AC6A5B-8AE7-4A41-B5A7-9ADC6686DC18}" type="datetime1">
               <a:rPr lang="en-US" smtClean="0"/>
-              <a:t>9/21/2021</a:t>
+              <a:t>9/28/2021</a:t>
             </a:fld>
             <a:endParaRPr lang="en-US"/>
           </a:p>
@@ -3072,7 +3072,7 @@
             <a:fld id="{57E0CF6C-748E-4B7A-BC8B-3011EF78ED13}" type="datetime1">
               <a:rPr lang="en-US" smtClean="0"/>
               <a:pPr/>
-              <a:t>9/21/2021</a:t>
+              <a:t>9/28/2021</a:t>
             </a:fld>
             <a:endParaRPr lang="en-US" dirty="0"/>
           </a:p>
@@ -4638,7 +4638,7 @@
                 </a:effectLst>
                 <a:latin typeface="Exo 2 Extra Bold" panose="00000900000000000000" pitchFamily="50" charset="0"/>
               </a:rPr>
-              <a:t>Rodada #21</a:t>
+              <a:t>Rodada #22</a:t>
             </a:r>
           </a:p>
         </p:txBody>
@@ -4681,10 +4681,10 @@
       </p:pic>
       <p:pic>
         <p:nvPicPr>
-          <p:cNvPr id="3" name="Imagem 2">
-            <a:extLst>
-              <a:ext uri="{FF2B5EF4-FFF2-40B4-BE49-F238E27FC236}">
-                <a16:creationId xmlns:a16="http://schemas.microsoft.com/office/drawing/2014/main" id="{8C0CCEF6-7C1A-409C-897E-2214F82469D2}"/>
+          <p:cNvPr id="2" name="Imagem 1">
+            <a:extLst>
+              <a:ext uri="{FF2B5EF4-FFF2-40B4-BE49-F238E27FC236}">
+                <a16:creationId xmlns:a16="http://schemas.microsoft.com/office/drawing/2014/main" id="{18B54743-757A-4A90-8BAC-8D5C48AE29A6}"/>
               </a:ext>
             </a:extLst>
           </p:cNvPr>
@@ -4701,8 +4701,8 @@
         </p:blipFill>
         <p:spPr>
           <a:xfrm>
-            <a:off x="1267118" y="2526233"/>
-            <a:ext cx="8280000" cy="6698712"/>
+            <a:off x="1279340" y="2526233"/>
+            <a:ext cx="8280000" cy="6698709"/>
           </a:xfrm>
           <a:prstGeom prst="rect">
             <a:avLst/>
@@ -5773,7 +5773,7 @@
                 </a:effectLst>
                 <a:latin typeface="Exo 2 Extra Bold" panose="00000900000000000000" pitchFamily="50" charset="0"/>
               </a:rPr>
-              <a:t>Rodada #21</a:t>
+              <a:t>Rodada #22</a:t>
             </a:r>
           </a:p>
         </p:txBody>
@@ -5869,10 +5869,10 @@
       </p:pic>
       <p:pic>
         <p:nvPicPr>
-          <p:cNvPr id="3" name="Imagem 2">
-            <a:extLst>
-              <a:ext uri="{FF2B5EF4-FFF2-40B4-BE49-F238E27FC236}">
-                <a16:creationId xmlns:a16="http://schemas.microsoft.com/office/drawing/2014/main" id="{58F8CDBF-FB71-4C3C-B704-60F99C40DB61}"/>
+          <p:cNvPr id="2" name="Imagem 1">
+            <a:extLst>
+              <a:ext uri="{FF2B5EF4-FFF2-40B4-BE49-F238E27FC236}">
+                <a16:creationId xmlns:a16="http://schemas.microsoft.com/office/drawing/2014/main" id="{1ED36489-2F11-48DA-A5AB-FD390A20F711}"/>
               </a:ext>
             </a:extLst>
           </p:cNvPr>
@@ -5889,8 +5889,8 @@
         </p:blipFill>
         <p:spPr>
           <a:xfrm>
-            <a:off x="1087118" y="2268777"/>
-            <a:ext cx="8640000" cy="6274511"/>
+            <a:off x="1100662" y="2282939"/>
+            <a:ext cx="8640000" cy="6274454"/>
           </a:xfrm>
           <a:prstGeom prst="rect">
             <a:avLst/>
@@ -6961,7 +6961,7 @@
                 </a:effectLst>
                 <a:latin typeface="Exo 2 Extra Bold" panose="00000900000000000000" pitchFamily="50" charset="0"/>
               </a:rPr>
-              <a:t>Rodada #21</a:t>
+              <a:t>Rodada #22</a:t>
             </a:r>
           </a:p>
         </p:txBody>
@@ -7087,10 +7087,10 @@
       </p:pic>
       <p:pic>
         <p:nvPicPr>
-          <p:cNvPr id="4" name="Imagem 3">
-            <a:extLst>
-              <a:ext uri="{FF2B5EF4-FFF2-40B4-BE49-F238E27FC236}">
-                <a16:creationId xmlns:a16="http://schemas.microsoft.com/office/drawing/2014/main" id="{15A7CC05-3338-4811-A1B9-AAC045CCFB65}"/>
+          <p:cNvPr id="2" name="Imagem 1">
+            <a:extLst>
+              <a:ext uri="{FF2B5EF4-FFF2-40B4-BE49-F238E27FC236}">
+                <a16:creationId xmlns:a16="http://schemas.microsoft.com/office/drawing/2014/main" id="{C8E7B6A8-487A-4AFC-BBC1-E7F682DDD742}"/>
               </a:ext>
             </a:extLst>
           </p:cNvPr>
@@ -7107,7 +7107,7 @@
         </p:blipFill>
         <p:spPr>
           <a:xfrm>
-            <a:off x="2422508" y="2523853"/>
+            <a:off x="2432193" y="2522267"/>
             <a:ext cx="5970583" cy="2160000"/>
           </a:xfrm>
           <a:prstGeom prst="rect">
@@ -7117,10 +7117,10 @@
       </p:pic>
       <p:pic>
         <p:nvPicPr>
-          <p:cNvPr id="7" name="Imagem 6">
-            <a:extLst>
-              <a:ext uri="{FF2B5EF4-FFF2-40B4-BE49-F238E27FC236}">
-                <a16:creationId xmlns:a16="http://schemas.microsoft.com/office/drawing/2014/main" id="{36A1F40F-4674-4D91-B212-D0BFFCCBEDA8}"/>
+          <p:cNvPr id="3" name="Imagem 2">
+            <a:extLst>
+              <a:ext uri="{FF2B5EF4-FFF2-40B4-BE49-F238E27FC236}">
+                <a16:creationId xmlns:a16="http://schemas.microsoft.com/office/drawing/2014/main" id="{58BDBEB4-8534-4E03-899C-C5554529F6DA}"/>
               </a:ext>
             </a:extLst>
           </p:cNvPr>
@@ -7137,7 +7137,7 @@
         </p:blipFill>
         <p:spPr>
           <a:xfrm>
-            <a:off x="2436620" y="5035910"/>
+            <a:off x="2436312" y="5035910"/>
             <a:ext cx="5970583" cy="2160000"/>
           </a:xfrm>
           <a:prstGeom prst="rect">
@@ -14299,7 +14299,7 @@
                 </a:effectLst>
                 <a:latin typeface="Exo 2 Extra Bold" panose="00000900000000000000" pitchFamily="50" charset="0"/>
               </a:rPr>
-              <a:t>Rodada #21</a:t>
+              <a:t>Rodada #22</a:t>
             </a:r>
           </a:p>
         </p:txBody>
@@ -14395,10 +14395,10 @@
       </p:pic>
       <p:pic>
         <p:nvPicPr>
-          <p:cNvPr id="2" name="Imagem 1">
-            <a:extLst>
-              <a:ext uri="{FF2B5EF4-FFF2-40B4-BE49-F238E27FC236}">
-                <a16:creationId xmlns:a16="http://schemas.microsoft.com/office/drawing/2014/main" id="{4BA7339A-27A6-4225-AE7D-2EF1165D8A35}"/>
+          <p:cNvPr id="3" name="Imagem 2">
+            <a:extLst>
+              <a:ext uri="{FF2B5EF4-FFF2-40B4-BE49-F238E27FC236}">
+                <a16:creationId xmlns:a16="http://schemas.microsoft.com/office/drawing/2014/main" id="{A6510902-C826-4861-AF51-D69B42B5844F}"/>
               </a:ext>
             </a:extLst>
           </p:cNvPr>
@@ -14415,8 +14415,8 @@
         </p:blipFill>
         <p:spPr>
           <a:xfrm>
-            <a:off x="1584056" y="2038012"/>
-            <a:ext cx="7662868" cy="8280000"/>
+            <a:off x="1576728" y="2056312"/>
+            <a:ext cx="7662850" cy="8280000"/>
           </a:xfrm>
           <a:prstGeom prst="rect">
             <a:avLst/>

--- a/Informativos.pptx
+++ b/Informativos.pptx
@@ -294,7 +294,7 @@
             <a:fld id="{11A6662E-FAF4-44BC-88B5-85A7CBFB6D30}" type="datetime1">
               <a:rPr lang="en-US" smtClean="0"/>
               <a:pPr/>
-              <a:t>9/28/2021</a:t>
+              <a:t>10/4/2021</a:t>
             </a:fld>
             <a:endParaRPr lang="en-US" dirty="0"/>
           </a:p>
@@ -521,7 +521,7 @@
           <a:p>
             <a:fld id="{4C559632-1575-4E14-B53B-3DC3D5ED3947}" type="datetime1">
               <a:rPr lang="en-US" smtClean="0"/>
-              <a:t>9/28/2021</a:t>
+              <a:t>10/4/2021</a:t>
             </a:fld>
             <a:endParaRPr lang="en-US"/>
           </a:p>
@@ -729,7 +729,7 @@
           <a:p>
             <a:fld id="{CC4A6868-2568-4CC9-B302-F37117B01A6E}" type="datetime1">
               <a:rPr lang="en-US" smtClean="0"/>
-              <a:t>9/28/2021</a:t>
+              <a:t>10/4/2021</a:t>
             </a:fld>
             <a:endParaRPr lang="en-US"/>
           </a:p>
@@ -934,7 +934,7 @@
           <a:p>
             <a:fld id="{0055F08A-1E71-4B2B-BB49-E743F2903911}" type="datetime1">
               <a:rPr lang="en-US" smtClean="0"/>
-              <a:t>9/28/2021</a:t>
+              <a:t>10/4/2021</a:t>
             </a:fld>
             <a:endParaRPr lang="en-US" dirty="0"/>
           </a:p>
@@ -1208,7 +1208,7 @@
           <a:p>
             <a:fld id="{15417D9E-721A-44BB-8863-9873FE64DA75}" type="datetime1">
               <a:rPr lang="en-US" smtClean="0"/>
-              <a:t>9/28/2021</a:t>
+              <a:t>10/4/2021</a:t>
             </a:fld>
             <a:endParaRPr lang="en-US"/>
           </a:p>
@@ -1481,7 +1481,7 @@
           <a:p>
             <a:fld id="{5F31DA2F-80B8-49CF-99FB-5ABCA53A607A}" type="datetime1">
               <a:rPr lang="en-US" smtClean="0"/>
-              <a:t>9/28/2021</a:t>
+              <a:t>10/4/2021</a:t>
             </a:fld>
             <a:endParaRPr lang="en-US"/>
           </a:p>
@@ -1896,7 +1896,7 @@
           <a:p>
             <a:fld id="{28852172-E6C9-4B6C-929A-A9DE3837BBF1}" type="datetime1">
               <a:rPr lang="en-US" smtClean="0"/>
-              <a:t>9/28/2021</a:t>
+              <a:t>10/4/2021</a:t>
             </a:fld>
             <a:endParaRPr lang="en-US"/>
           </a:p>
@@ -2048,7 +2048,7 @@
           <a:p>
             <a:fld id="{3AB41CFF-90C9-47B3-9DA1-F2BF8D839F7E}" type="datetime1">
               <a:rPr lang="en-US" smtClean="0"/>
-              <a:t>9/28/2021</a:t>
+              <a:t>10/4/2021</a:t>
             </a:fld>
             <a:endParaRPr lang="en-US"/>
           </a:p>
@@ -2161,7 +2161,7 @@
           <a:p>
             <a:fld id="{F06048FA-06AB-4884-A69B-986B96E68A24}" type="datetime1">
               <a:rPr lang="en-US" smtClean="0"/>
-              <a:t>9/28/2021</a:t>
+              <a:t>10/4/2021</a:t>
             </a:fld>
             <a:endParaRPr lang="en-US"/>
           </a:p>
@@ -2472,7 +2472,7 @@
           <a:p>
             <a:fld id="{50DB7ABA-0172-4F9C-889D-567164F66BCD}" type="datetime1">
               <a:rPr lang="en-US" smtClean="0"/>
-              <a:t>9/28/2021</a:t>
+              <a:t>10/4/2021</a:t>
             </a:fld>
             <a:endParaRPr lang="en-US"/>
           </a:p>
@@ -2763,7 +2763,7 @@
           <a:p>
             <a:fld id="{78AC6A5B-8AE7-4A41-B5A7-9ADC6686DC18}" type="datetime1">
               <a:rPr lang="en-US" smtClean="0"/>
-              <a:t>9/28/2021</a:t>
+              <a:t>10/4/2021</a:t>
             </a:fld>
             <a:endParaRPr lang="en-US"/>
           </a:p>
@@ -3072,7 +3072,7 @@
             <a:fld id="{57E0CF6C-748E-4B7A-BC8B-3011EF78ED13}" type="datetime1">
               <a:rPr lang="en-US" smtClean="0"/>
               <a:pPr/>
-              <a:t>9/28/2021</a:t>
+              <a:t>10/4/2021</a:t>
             </a:fld>
             <a:endParaRPr lang="en-US" dirty="0"/>
           </a:p>
@@ -4638,7 +4638,7 @@
                 </a:effectLst>
                 <a:latin typeface="Exo 2 Extra Bold" panose="00000900000000000000" pitchFamily="50" charset="0"/>
               </a:rPr>
-              <a:t>Rodada #22</a:t>
+              <a:t>Rodada #23</a:t>
             </a:r>
           </a:p>
         </p:txBody>
@@ -4681,10 +4681,10 @@
       </p:pic>
       <p:pic>
         <p:nvPicPr>
-          <p:cNvPr id="2" name="Imagem 1">
-            <a:extLst>
-              <a:ext uri="{FF2B5EF4-FFF2-40B4-BE49-F238E27FC236}">
-                <a16:creationId xmlns:a16="http://schemas.microsoft.com/office/drawing/2014/main" id="{18B54743-757A-4A90-8BAC-8D5C48AE29A6}"/>
+          <p:cNvPr id="4" name="Imagem 3">
+            <a:extLst>
+              <a:ext uri="{FF2B5EF4-FFF2-40B4-BE49-F238E27FC236}">
+                <a16:creationId xmlns:a16="http://schemas.microsoft.com/office/drawing/2014/main" id="{0D318626-563E-4633-AE98-E09A3E2918CE}"/>
               </a:ext>
             </a:extLst>
           </p:cNvPr>
@@ -4701,8 +4701,8 @@
         </p:blipFill>
         <p:spPr>
           <a:xfrm>
-            <a:off x="1279340" y="2526233"/>
-            <a:ext cx="8280000" cy="6698709"/>
+            <a:off x="1259894" y="2521894"/>
+            <a:ext cx="8280000" cy="6711047"/>
           </a:xfrm>
           <a:prstGeom prst="rect">
             <a:avLst/>
@@ -5773,7 +5773,7 @@
                 </a:effectLst>
                 <a:latin typeface="Exo 2 Extra Bold" panose="00000900000000000000" pitchFamily="50" charset="0"/>
               </a:rPr>
-              <a:t>Rodada #22</a:t>
+              <a:t>Rodada #23</a:t>
             </a:r>
           </a:p>
         </p:txBody>
@@ -5869,10 +5869,10 @@
       </p:pic>
       <p:pic>
         <p:nvPicPr>
-          <p:cNvPr id="2" name="Imagem 1">
-            <a:extLst>
-              <a:ext uri="{FF2B5EF4-FFF2-40B4-BE49-F238E27FC236}">
-                <a16:creationId xmlns:a16="http://schemas.microsoft.com/office/drawing/2014/main" id="{1ED36489-2F11-48DA-A5AB-FD390A20F711}"/>
+          <p:cNvPr id="4" name="Imagem 3">
+            <a:extLst>
+              <a:ext uri="{FF2B5EF4-FFF2-40B4-BE49-F238E27FC236}">
+                <a16:creationId xmlns:a16="http://schemas.microsoft.com/office/drawing/2014/main" id="{D81D3683-8C13-4C0E-8D04-F5552EDB088B}"/>
               </a:ext>
             </a:extLst>
           </p:cNvPr>
@@ -5889,8 +5889,8 @@
         </p:blipFill>
         <p:spPr>
           <a:xfrm>
-            <a:off x="1100662" y="2282939"/>
-            <a:ext cx="8640000" cy="6274454"/>
+            <a:off x="1087636" y="2551882"/>
+            <a:ext cx="8640000" cy="7278904"/>
           </a:xfrm>
           <a:prstGeom prst="rect">
             <a:avLst/>
@@ -6961,7 +6961,7 @@
                 </a:effectLst>
                 <a:latin typeface="Exo 2 Extra Bold" panose="00000900000000000000" pitchFamily="50" charset="0"/>
               </a:rPr>
-              <a:t>Rodada #22</a:t>
+              <a:t>Rodada #23</a:t>
             </a:r>
           </a:p>
         </p:txBody>
@@ -8209,7 +8209,7 @@
                 </a:effectLst>
                 <a:latin typeface="Exo 2 Extra Bold" panose="00000900000000000000" pitchFamily="50" charset="0"/>
               </a:rPr>
-              <a:t>Rodada #20</a:t>
+              <a:t>Rodada #23</a:t>
             </a:r>
           </a:p>
         </p:txBody>
@@ -9584,6 +9584,25 @@
           <a:p>
             <a:pPr algn="ctr"/>
             <a:r>
+              <a:rPr lang="pt-BR" sz="4800" b="0" cap="none" spc="0" dirty="0" err="1">
+                <a:ln w="0">
+                  <a:noFill/>
+                </a:ln>
+                <a:solidFill>
+                  <a:schemeClr val="bg1"/>
+                </a:solidFill>
+                <a:effectLst>
+                  <a:outerShdw blurRad="38100" dist="19050" dir="2700000" algn="tl" rotWithShape="0">
+                    <a:schemeClr val="dk1">
+                      <a:alpha val="40000"/>
+                    </a:schemeClr>
+                  </a:outerShdw>
+                </a:effectLst>
+                <a:latin typeface="Exo 2 Extra Bold" panose="00000900000000000000" pitchFamily="50" charset="0"/>
+              </a:rPr>
+              <a:t>Mata-mata</a:t>
+            </a:r>
+            <a:r>
               <a:rPr lang="pt-BR" sz="4800" b="0" cap="none" spc="0" dirty="0">
                 <a:ln w="0">
                   <a:noFill/>
@@ -9600,8 +9619,43 @@
                 </a:effectLst>
                 <a:latin typeface="Exo 2 Extra Bold" panose="00000900000000000000" pitchFamily="50" charset="0"/>
               </a:rPr>
-              <a:t>Mata-mata #04</a:t>
+              <a:t> #</a:t>
             </a:r>
+            <a:r>
+              <a:rPr lang="pt-BR" sz="4800" dirty="0">
+                <a:ln w="0">
+                  <a:noFill/>
+                </a:ln>
+                <a:solidFill>
+                  <a:schemeClr val="bg1"/>
+                </a:solidFill>
+                <a:effectLst>
+                  <a:outerShdw blurRad="38100" dist="19050" dir="2700000" algn="tl" rotWithShape="0">
+                    <a:schemeClr val="dk1">
+                      <a:alpha val="40000"/>
+                    </a:schemeClr>
+                  </a:outerShdw>
+                </a:effectLst>
+                <a:latin typeface="Exo 2 Extra Bold" panose="00000900000000000000" pitchFamily="50" charset="0"/>
+              </a:rPr>
+              <a:t>5</a:t>
+            </a:r>
+            <a:endParaRPr lang="pt-BR" sz="4800" b="0" cap="none" spc="0" dirty="0">
+              <a:ln w="0">
+                <a:noFill/>
+              </a:ln>
+              <a:solidFill>
+                <a:schemeClr val="bg1"/>
+              </a:solidFill>
+              <a:effectLst>
+                <a:outerShdw blurRad="38100" dist="19050" dir="2700000" algn="tl" rotWithShape="0">
+                  <a:schemeClr val="dk1">
+                    <a:alpha val="40000"/>
+                  </a:schemeClr>
+                </a:outerShdw>
+              </a:effectLst>
+              <a:latin typeface="Exo 2 Extra Bold" panose="00000900000000000000" pitchFamily="50" charset="0"/>
+            </a:endParaRPr>
           </a:p>
         </p:txBody>
       </p:sp>
@@ -10788,7 +10842,7 @@
                 </a:effectLst>
                 <a:latin typeface="Exo 2 Extra Bold" panose="00000900000000000000" pitchFamily="50" charset="0"/>
               </a:rPr>
-              <a:t>Mata-mata #04</a:t>
+              <a:t>Mata-mata #05</a:t>
             </a:r>
           </a:p>
         </p:txBody>
@@ -11976,7 +12030,7 @@
                 </a:effectLst>
                 <a:latin typeface="Exo 2 Extra Bold" panose="00000900000000000000" pitchFamily="50" charset="0"/>
               </a:rPr>
-              <a:t>Mata-mata #04</a:t>
+              <a:t>Mata-mata #05</a:t>
             </a:r>
           </a:p>
         </p:txBody>
@@ -13164,7 +13218,7 @@
                 </a:effectLst>
                 <a:latin typeface="Exo 2 Extra Bold" panose="00000900000000000000" pitchFamily="50" charset="0"/>
               </a:rPr>
-              <a:t>Mata-mata #04</a:t>
+              <a:t>Mata-mata #05</a:t>
             </a:r>
           </a:p>
         </p:txBody>
@@ -14299,7 +14353,7 @@
                 </a:effectLst>
                 <a:latin typeface="Exo 2 Extra Bold" panose="00000900000000000000" pitchFamily="50" charset="0"/>
               </a:rPr>
-              <a:t>Rodada #22</a:t>
+              <a:t>Rodada #23</a:t>
             </a:r>
           </a:p>
         </p:txBody>

--- a/Informativos.pptx
+++ b/Informativos.pptx
@@ -294,7 +294,7 @@
             <a:fld id="{11A6662E-FAF4-44BC-88B5-85A7CBFB6D30}" type="datetime1">
               <a:rPr lang="en-US" smtClean="0"/>
               <a:pPr/>
-              <a:t>10/4/2021</a:t>
+              <a:t>10/5/2021</a:t>
             </a:fld>
             <a:endParaRPr lang="en-US" dirty="0"/>
           </a:p>
@@ -521,7 +521,7 @@
           <a:p>
             <a:fld id="{4C559632-1575-4E14-B53B-3DC3D5ED3947}" type="datetime1">
               <a:rPr lang="en-US" smtClean="0"/>
-              <a:t>10/4/2021</a:t>
+              <a:t>10/5/2021</a:t>
             </a:fld>
             <a:endParaRPr lang="en-US"/>
           </a:p>
@@ -729,7 +729,7 @@
           <a:p>
             <a:fld id="{CC4A6868-2568-4CC9-B302-F37117B01A6E}" type="datetime1">
               <a:rPr lang="en-US" smtClean="0"/>
-              <a:t>10/4/2021</a:t>
+              <a:t>10/5/2021</a:t>
             </a:fld>
             <a:endParaRPr lang="en-US"/>
           </a:p>
@@ -934,7 +934,7 @@
           <a:p>
             <a:fld id="{0055F08A-1E71-4B2B-BB49-E743F2903911}" type="datetime1">
               <a:rPr lang="en-US" smtClean="0"/>
-              <a:t>10/4/2021</a:t>
+              <a:t>10/5/2021</a:t>
             </a:fld>
             <a:endParaRPr lang="en-US" dirty="0"/>
           </a:p>
@@ -1208,7 +1208,7 @@
           <a:p>
             <a:fld id="{15417D9E-721A-44BB-8863-9873FE64DA75}" type="datetime1">
               <a:rPr lang="en-US" smtClean="0"/>
-              <a:t>10/4/2021</a:t>
+              <a:t>10/5/2021</a:t>
             </a:fld>
             <a:endParaRPr lang="en-US"/>
           </a:p>
@@ -1481,7 +1481,7 @@
           <a:p>
             <a:fld id="{5F31DA2F-80B8-49CF-99FB-5ABCA53A607A}" type="datetime1">
               <a:rPr lang="en-US" smtClean="0"/>
-              <a:t>10/4/2021</a:t>
+              <a:t>10/5/2021</a:t>
             </a:fld>
             <a:endParaRPr lang="en-US"/>
           </a:p>
@@ -1896,7 +1896,7 @@
           <a:p>
             <a:fld id="{28852172-E6C9-4B6C-929A-A9DE3837BBF1}" type="datetime1">
               <a:rPr lang="en-US" smtClean="0"/>
-              <a:t>10/4/2021</a:t>
+              <a:t>10/5/2021</a:t>
             </a:fld>
             <a:endParaRPr lang="en-US"/>
           </a:p>
@@ -2048,7 +2048,7 @@
           <a:p>
             <a:fld id="{3AB41CFF-90C9-47B3-9DA1-F2BF8D839F7E}" type="datetime1">
               <a:rPr lang="en-US" smtClean="0"/>
-              <a:t>10/4/2021</a:t>
+              <a:t>10/5/2021</a:t>
             </a:fld>
             <a:endParaRPr lang="en-US"/>
           </a:p>
@@ -2161,7 +2161,7 @@
           <a:p>
             <a:fld id="{F06048FA-06AB-4884-A69B-986B96E68A24}" type="datetime1">
               <a:rPr lang="en-US" smtClean="0"/>
-              <a:t>10/4/2021</a:t>
+              <a:t>10/5/2021</a:t>
             </a:fld>
             <a:endParaRPr lang="en-US"/>
           </a:p>
@@ -2472,7 +2472,7 @@
           <a:p>
             <a:fld id="{50DB7ABA-0172-4F9C-889D-567164F66BCD}" type="datetime1">
               <a:rPr lang="en-US" smtClean="0"/>
-              <a:t>10/4/2021</a:t>
+              <a:t>10/5/2021</a:t>
             </a:fld>
             <a:endParaRPr lang="en-US"/>
           </a:p>
@@ -2763,7 +2763,7 @@
           <a:p>
             <a:fld id="{78AC6A5B-8AE7-4A41-B5A7-9ADC6686DC18}" type="datetime1">
               <a:rPr lang="en-US" smtClean="0"/>
-              <a:t>10/4/2021</a:t>
+              <a:t>10/5/2021</a:t>
             </a:fld>
             <a:endParaRPr lang="en-US"/>
           </a:p>
@@ -3072,7 +3072,7 @@
             <a:fld id="{57E0CF6C-748E-4B7A-BC8B-3011EF78ED13}" type="datetime1">
               <a:rPr lang="en-US" smtClean="0"/>
               <a:pPr/>
-              <a:t>10/4/2021</a:t>
+              <a:t>10/5/2021</a:t>
             </a:fld>
             <a:endParaRPr lang="en-US" dirty="0"/>
           </a:p>
@@ -7057,10 +7057,10 @@
       </p:pic>
       <p:pic>
         <p:nvPicPr>
-          <p:cNvPr id="9" name="Imagem 8">
-            <a:extLst>
-              <a:ext uri="{FF2B5EF4-FFF2-40B4-BE49-F238E27FC236}">
-                <a16:creationId xmlns:a16="http://schemas.microsoft.com/office/drawing/2014/main" id="{B79E3CE6-F8F3-4272-A765-D3ED36EEA2D7}"/>
+          <p:cNvPr id="7" name="Imagem 6">
+            <a:extLst>
+              <a:ext uri="{FF2B5EF4-FFF2-40B4-BE49-F238E27FC236}">
+                <a16:creationId xmlns:a16="http://schemas.microsoft.com/office/drawing/2014/main" id="{32415763-B282-4408-A417-5477CEA8CBE8}"/>
               </a:ext>
             </a:extLst>
           </p:cNvPr>
@@ -7077,8 +7077,8 @@
         </p:blipFill>
         <p:spPr>
           <a:xfrm>
-            <a:off x="1755974" y="7679850"/>
-            <a:ext cx="7329711" cy="2160000"/>
+            <a:off x="2434119" y="2522267"/>
+            <a:ext cx="5959572" cy="2160000"/>
           </a:xfrm>
           <a:prstGeom prst="rect">
             <a:avLst/>
@@ -7087,10 +7087,10 @@
       </p:pic>
       <p:pic>
         <p:nvPicPr>
-          <p:cNvPr id="2" name="Imagem 1">
-            <a:extLst>
-              <a:ext uri="{FF2B5EF4-FFF2-40B4-BE49-F238E27FC236}">
-                <a16:creationId xmlns:a16="http://schemas.microsoft.com/office/drawing/2014/main" id="{C8E7B6A8-487A-4AFC-BBC1-E7F682DDD742}"/>
+          <p:cNvPr id="10" name="Imagem 9">
+            <a:extLst>
+              <a:ext uri="{FF2B5EF4-FFF2-40B4-BE49-F238E27FC236}">
+                <a16:creationId xmlns:a16="http://schemas.microsoft.com/office/drawing/2014/main" id="{5498A8FD-0EAA-4212-B1BF-13DE2C27DEF6}"/>
               </a:ext>
             </a:extLst>
           </p:cNvPr>
@@ -7107,8 +7107,8 @@
         </p:blipFill>
         <p:spPr>
           <a:xfrm>
-            <a:off x="2432193" y="2522267"/>
-            <a:ext cx="5970583" cy="2160000"/>
+            <a:off x="2437840" y="5039145"/>
+            <a:ext cx="5959572" cy="2160000"/>
           </a:xfrm>
           <a:prstGeom prst="rect">
             <a:avLst/>
@@ -7117,10 +7117,10 @@
       </p:pic>
       <p:pic>
         <p:nvPicPr>
-          <p:cNvPr id="3" name="Imagem 2">
-            <a:extLst>
-              <a:ext uri="{FF2B5EF4-FFF2-40B4-BE49-F238E27FC236}">
-                <a16:creationId xmlns:a16="http://schemas.microsoft.com/office/drawing/2014/main" id="{58BDBEB4-8534-4E03-899C-C5554529F6DA}"/>
+          <p:cNvPr id="17" name="Imagem 16">
+            <a:extLst>
+              <a:ext uri="{FF2B5EF4-FFF2-40B4-BE49-F238E27FC236}">
+                <a16:creationId xmlns:a16="http://schemas.microsoft.com/office/drawing/2014/main" id="{E0A76AB3-4510-43D6-B644-7680879941C1}"/>
               </a:ext>
             </a:extLst>
           </p:cNvPr>
@@ -7137,8 +7137,8 @@
         </p:blipFill>
         <p:spPr>
           <a:xfrm>
-            <a:off x="2436312" y="5035910"/>
-            <a:ext cx="5970583" cy="2160000"/>
+            <a:off x="1759989" y="7678526"/>
+            <a:ext cx="7316214" cy="2160000"/>
           </a:xfrm>
           <a:prstGeom prst="rect">
             <a:avLst/>
@@ -8325,7 +8325,7 @@
         </p:blipFill>
         <p:spPr>
           <a:xfrm>
-            <a:off x="1665607" y="2278687"/>
+            <a:off x="1624043" y="3400903"/>
             <a:ext cx="7560000" cy="905819"/>
           </a:xfrm>
           <a:prstGeom prst="rect">
@@ -8355,7 +8355,7 @@
         </p:blipFill>
         <p:spPr>
           <a:xfrm>
-            <a:off x="1632270" y="4985073"/>
+            <a:off x="1590706" y="6107289"/>
             <a:ext cx="7560000" cy="905768"/>
           </a:xfrm>
           <a:prstGeom prst="rect">
@@ -8365,10 +8365,10 @@
       </p:pic>
       <p:pic>
         <p:nvPicPr>
-          <p:cNvPr id="2" name="Imagem 1">
-            <a:extLst>
-              <a:ext uri="{FF2B5EF4-FFF2-40B4-BE49-F238E27FC236}">
-                <a16:creationId xmlns:a16="http://schemas.microsoft.com/office/drawing/2014/main" id="{3A1A0D66-FEA1-430B-9514-D89315F83E77}"/>
+          <p:cNvPr id="8" name="Imagem 7">
+            <a:extLst>
+              <a:ext uri="{FF2B5EF4-FFF2-40B4-BE49-F238E27FC236}">
+                <a16:creationId xmlns:a16="http://schemas.microsoft.com/office/drawing/2014/main" id="{9F5EDE94-85BC-4EA6-861D-8A69D4ADA5FD}"/>
               </a:ext>
             </a:extLst>
           </p:cNvPr>
@@ -8385,8 +8385,8 @@
         </p:blipFill>
         <p:spPr>
           <a:xfrm>
-            <a:off x="1624048" y="3323722"/>
-            <a:ext cx="7560000" cy="1667284"/>
+            <a:off x="1624447" y="4214264"/>
+            <a:ext cx="7560000" cy="1670359"/>
           </a:xfrm>
           <a:prstGeom prst="rect">
             <a:avLst/>
@@ -8395,10 +8395,10 @@
       </p:pic>
       <p:pic>
         <p:nvPicPr>
-          <p:cNvPr id="4" name="Imagem 3">
-            <a:extLst>
-              <a:ext uri="{FF2B5EF4-FFF2-40B4-BE49-F238E27FC236}">
-                <a16:creationId xmlns:a16="http://schemas.microsoft.com/office/drawing/2014/main" id="{3FF9DC68-6029-4BF6-863D-6FDBE4BA103C}"/>
+          <p:cNvPr id="18" name="Imagem 17">
+            <a:extLst>
+              <a:ext uri="{FF2B5EF4-FFF2-40B4-BE49-F238E27FC236}">
+                <a16:creationId xmlns:a16="http://schemas.microsoft.com/office/drawing/2014/main" id="{E500D798-DE25-452F-B503-5E332E294936}"/>
               </a:ext>
             </a:extLst>
           </p:cNvPr>
@@ -8415,68 +8415,8 @@
         </p:blipFill>
         <p:spPr>
           <a:xfrm>
-            <a:off x="1633746" y="7769175"/>
-            <a:ext cx="7560000" cy="942791"/>
-          </a:xfrm>
-          <a:prstGeom prst="rect">
-            <a:avLst/>
-          </a:prstGeom>
-        </p:spPr>
-      </p:pic>
-      <p:pic>
-        <p:nvPicPr>
-          <p:cNvPr id="11" name="Imagem 10">
-            <a:extLst>
-              <a:ext uri="{FF2B5EF4-FFF2-40B4-BE49-F238E27FC236}">
-                <a16:creationId xmlns:a16="http://schemas.microsoft.com/office/drawing/2014/main" id="{4B8EB345-4B02-4B27-B0F0-CBB9629B49C9}"/>
-              </a:ext>
-            </a:extLst>
-          </p:cNvPr>
-          <p:cNvPicPr>
-            <a:picLocks noChangeAspect="1"/>
-          </p:cNvPicPr>
-          <p:nvPr/>
-        </p:nvPicPr>
-        <p:blipFill>
-          <a:blip r:embed="rId9"/>
-          <a:stretch>
-            <a:fillRect/>
-          </a:stretch>
-        </p:blipFill>
-        <p:spPr>
-          <a:xfrm>
-            <a:off x="1624043" y="8568791"/>
-            <a:ext cx="7560000" cy="1735336"/>
-          </a:xfrm>
-          <a:prstGeom prst="rect">
-            <a:avLst/>
-          </a:prstGeom>
-        </p:spPr>
-      </p:pic>
-      <p:pic>
-        <p:nvPicPr>
-          <p:cNvPr id="17" name="Imagem 16">
-            <a:extLst>
-              <a:ext uri="{FF2B5EF4-FFF2-40B4-BE49-F238E27FC236}">
-                <a16:creationId xmlns:a16="http://schemas.microsoft.com/office/drawing/2014/main" id="{132123A6-E2FA-40D4-8DEE-2A3406A1E575}"/>
-              </a:ext>
-            </a:extLst>
-          </p:cNvPr>
-          <p:cNvPicPr>
-            <a:picLocks noChangeAspect="1"/>
-          </p:cNvPicPr>
-          <p:nvPr/>
-        </p:nvPicPr>
-        <p:blipFill>
-          <a:blip r:embed="rId10"/>
-          <a:stretch>
-            <a:fillRect/>
-          </a:stretch>
-        </p:blipFill>
-        <p:spPr>
-          <a:xfrm>
-            <a:off x="1643349" y="6128633"/>
-            <a:ext cx="7560000" cy="1667284"/>
+            <a:off x="1633867" y="6979097"/>
+            <a:ext cx="7560000" cy="1670359"/>
           </a:xfrm>
           <a:prstGeom prst="rect">
             <a:avLst/>
@@ -9697,10 +9637,10 @@
       </p:pic>
       <p:pic>
         <p:nvPicPr>
-          <p:cNvPr id="2" name="Imagem 1">
-            <a:extLst>
-              <a:ext uri="{FF2B5EF4-FFF2-40B4-BE49-F238E27FC236}">
-                <a16:creationId xmlns:a16="http://schemas.microsoft.com/office/drawing/2014/main" id="{81F4603C-0507-488B-8651-8DB0151FE123}"/>
+          <p:cNvPr id="4" name="Imagem 3">
+            <a:extLst>
+              <a:ext uri="{FF2B5EF4-FFF2-40B4-BE49-F238E27FC236}">
+                <a16:creationId xmlns:a16="http://schemas.microsoft.com/office/drawing/2014/main" id="{64C8E94D-02E8-4945-84CB-6633BE59230D}"/>
               </a:ext>
             </a:extLst>
           </p:cNvPr>
@@ -9717,8 +9657,8 @@
         </p:blipFill>
         <p:spPr>
           <a:xfrm>
-            <a:off x="841935" y="2532606"/>
-            <a:ext cx="9154810" cy="7200000"/>
+            <a:off x="844038" y="2548823"/>
+            <a:ext cx="9137954" cy="7200000"/>
           </a:xfrm>
           <a:prstGeom prst="rect">
             <a:avLst/>
@@ -10885,10 +10825,10 @@
       </p:pic>
       <p:pic>
         <p:nvPicPr>
-          <p:cNvPr id="3" name="Imagem 2">
-            <a:extLst>
-              <a:ext uri="{FF2B5EF4-FFF2-40B4-BE49-F238E27FC236}">
-                <a16:creationId xmlns:a16="http://schemas.microsoft.com/office/drawing/2014/main" id="{4217FA63-B34A-4098-BA4C-D552D1C17F3B}"/>
+          <p:cNvPr id="4" name="Imagem 3">
+            <a:extLst>
+              <a:ext uri="{FF2B5EF4-FFF2-40B4-BE49-F238E27FC236}">
+                <a16:creationId xmlns:a16="http://schemas.microsoft.com/office/drawing/2014/main" id="{70027576-4DC1-4F51-A971-C333CACDBA78}"/>
               </a:ext>
             </a:extLst>
           </p:cNvPr>
@@ -10905,8 +10845,8 @@
         </p:blipFill>
         <p:spPr>
           <a:xfrm>
-            <a:off x="829233" y="2536691"/>
-            <a:ext cx="9154810" cy="7200000"/>
+            <a:off x="842216" y="2535105"/>
+            <a:ext cx="9137954" cy="7200000"/>
           </a:xfrm>
           <a:prstGeom prst="rect">
             <a:avLst/>
@@ -12073,10 +12013,10 @@
       </p:pic>
       <p:pic>
         <p:nvPicPr>
-          <p:cNvPr id="3" name="Imagem 2">
-            <a:extLst>
-              <a:ext uri="{FF2B5EF4-FFF2-40B4-BE49-F238E27FC236}">
-                <a16:creationId xmlns:a16="http://schemas.microsoft.com/office/drawing/2014/main" id="{CFDC9F12-BB92-4B67-9AF1-EEF9129E65A2}"/>
+          <p:cNvPr id="4" name="Imagem 3">
+            <a:extLst>
+              <a:ext uri="{FF2B5EF4-FFF2-40B4-BE49-F238E27FC236}">
+                <a16:creationId xmlns:a16="http://schemas.microsoft.com/office/drawing/2014/main" id="{CD2BCE72-83CD-4733-98EE-7A28E0187790}"/>
               </a:ext>
             </a:extLst>
           </p:cNvPr>
@@ -12093,8 +12033,8 @@
         </p:blipFill>
         <p:spPr>
           <a:xfrm>
-            <a:off x="842799" y="2526233"/>
-            <a:ext cx="9154810" cy="7200000"/>
+            <a:off x="850670" y="2524647"/>
+            <a:ext cx="9137954" cy="7200000"/>
           </a:xfrm>
           <a:prstGeom prst="rect">
             <a:avLst/>
@@ -13261,10 +13201,10 @@
       </p:pic>
       <p:pic>
         <p:nvPicPr>
-          <p:cNvPr id="3" name="Imagem 2">
-            <a:extLst>
-              <a:ext uri="{FF2B5EF4-FFF2-40B4-BE49-F238E27FC236}">
-                <a16:creationId xmlns:a16="http://schemas.microsoft.com/office/drawing/2014/main" id="{0B44FC68-6DE4-496F-BAF5-395083DCC5CE}"/>
+          <p:cNvPr id="4" name="Imagem 3">
+            <a:extLst>
+              <a:ext uri="{FF2B5EF4-FFF2-40B4-BE49-F238E27FC236}">
+                <a16:creationId xmlns:a16="http://schemas.microsoft.com/office/drawing/2014/main" id="{3EAD3565-A6B3-454D-A81D-C2EF473EB171}"/>
               </a:ext>
             </a:extLst>
           </p:cNvPr>
@@ -13281,8 +13221,8 @@
         </p:blipFill>
         <p:spPr>
           <a:xfrm>
-            <a:off x="1817357" y="3486705"/>
-            <a:ext cx="7200000" cy="3834327"/>
+            <a:off x="1807048" y="3497327"/>
+            <a:ext cx="7200000" cy="3841399"/>
           </a:xfrm>
           <a:prstGeom prst="rect">
             <a:avLst/>
@@ -14449,10 +14389,10 @@
       </p:pic>
       <p:pic>
         <p:nvPicPr>
-          <p:cNvPr id="3" name="Imagem 2">
-            <a:extLst>
-              <a:ext uri="{FF2B5EF4-FFF2-40B4-BE49-F238E27FC236}">
-                <a16:creationId xmlns:a16="http://schemas.microsoft.com/office/drawing/2014/main" id="{A6510902-C826-4861-AF51-D69B42B5844F}"/>
+          <p:cNvPr id="4" name="Imagem 3">
+            <a:extLst>
+              <a:ext uri="{FF2B5EF4-FFF2-40B4-BE49-F238E27FC236}">
+                <a16:creationId xmlns:a16="http://schemas.microsoft.com/office/drawing/2014/main" id="{F02E0C00-0EDA-4DDC-8D8A-5DAC2B2B9F7C}"/>
               </a:ext>
             </a:extLst>
           </p:cNvPr>
@@ -14469,8 +14409,8 @@
         </p:blipFill>
         <p:spPr>
           <a:xfrm>
-            <a:off x="1576728" y="2056312"/>
-            <a:ext cx="7662850" cy="8280000"/>
+            <a:off x="1590920" y="1985774"/>
+            <a:ext cx="7648742" cy="8280000"/>
           </a:xfrm>
           <a:prstGeom prst="rect">
             <a:avLst/>

--- a/Informativos.pptx
+++ b/Informativos.pptx
@@ -294,7 +294,7 @@
             <a:fld id="{11A6662E-FAF4-44BC-88B5-85A7CBFB6D30}" type="datetime1">
               <a:rPr lang="en-US" smtClean="0"/>
               <a:pPr/>
-              <a:t>10/5/2021</a:t>
+              <a:t>10/8/2021</a:t>
             </a:fld>
             <a:endParaRPr lang="en-US" dirty="0"/>
           </a:p>
@@ -521,7 +521,7 @@
           <a:p>
             <a:fld id="{4C559632-1575-4E14-B53B-3DC3D5ED3947}" type="datetime1">
               <a:rPr lang="en-US" smtClean="0"/>
-              <a:t>10/5/2021</a:t>
+              <a:t>10/8/2021</a:t>
             </a:fld>
             <a:endParaRPr lang="en-US"/>
           </a:p>
@@ -729,7 +729,7 @@
           <a:p>
             <a:fld id="{CC4A6868-2568-4CC9-B302-F37117B01A6E}" type="datetime1">
               <a:rPr lang="en-US" smtClean="0"/>
-              <a:t>10/5/2021</a:t>
+              <a:t>10/8/2021</a:t>
             </a:fld>
             <a:endParaRPr lang="en-US"/>
           </a:p>
@@ -934,7 +934,7 @@
           <a:p>
             <a:fld id="{0055F08A-1E71-4B2B-BB49-E743F2903911}" type="datetime1">
               <a:rPr lang="en-US" smtClean="0"/>
-              <a:t>10/5/2021</a:t>
+              <a:t>10/8/2021</a:t>
             </a:fld>
             <a:endParaRPr lang="en-US" dirty="0"/>
           </a:p>
@@ -1208,7 +1208,7 @@
           <a:p>
             <a:fld id="{15417D9E-721A-44BB-8863-9873FE64DA75}" type="datetime1">
               <a:rPr lang="en-US" smtClean="0"/>
-              <a:t>10/5/2021</a:t>
+              <a:t>10/8/2021</a:t>
             </a:fld>
             <a:endParaRPr lang="en-US"/>
           </a:p>
@@ -1481,7 +1481,7 @@
           <a:p>
             <a:fld id="{5F31DA2F-80B8-49CF-99FB-5ABCA53A607A}" type="datetime1">
               <a:rPr lang="en-US" smtClean="0"/>
-              <a:t>10/5/2021</a:t>
+              <a:t>10/8/2021</a:t>
             </a:fld>
             <a:endParaRPr lang="en-US"/>
           </a:p>
@@ -1896,7 +1896,7 @@
           <a:p>
             <a:fld id="{28852172-E6C9-4B6C-929A-A9DE3837BBF1}" type="datetime1">
               <a:rPr lang="en-US" smtClean="0"/>
-              <a:t>10/5/2021</a:t>
+              <a:t>10/8/2021</a:t>
             </a:fld>
             <a:endParaRPr lang="en-US"/>
           </a:p>
@@ -2048,7 +2048,7 @@
           <a:p>
             <a:fld id="{3AB41CFF-90C9-47B3-9DA1-F2BF8D839F7E}" type="datetime1">
               <a:rPr lang="en-US" smtClean="0"/>
-              <a:t>10/5/2021</a:t>
+              <a:t>10/8/2021</a:t>
             </a:fld>
             <a:endParaRPr lang="en-US"/>
           </a:p>
@@ -2161,7 +2161,7 @@
           <a:p>
             <a:fld id="{F06048FA-06AB-4884-A69B-986B96E68A24}" type="datetime1">
               <a:rPr lang="en-US" smtClean="0"/>
-              <a:t>10/5/2021</a:t>
+              <a:t>10/8/2021</a:t>
             </a:fld>
             <a:endParaRPr lang="en-US"/>
           </a:p>
@@ -2472,7 +2472,7 @@
           <a:p>
             <a:fld id="{50DB7ABA-0172-4F9C-889D-567164F66BCD}" type="datetime1">
               <a:rPr lang="en-US" smtClean="0"/>
-              <a:t>10/5/2021</a:t>
+              <a:t>10/8/2021</a:t>
             </a:fld>
             <a:endParaRPr lang="en-US"/>
           </a:p>
@@ -2763,7 +2763,7 @@
           <a:p>
             <a:fld id="{78AC6A5B-8AE7-4A41-B5A7-9ADC6686DC18}" type="datetime1">
               <a:rPr lang="en-US" smtClean="0"/>
-              <a:t>10/5/2021</a:t>
+              <a:t>10/8/2021</a:t>
             </a:fld>
             <a:endParaRPr lang="en-US"/>
           </a:p>
@@ -3072,7 +3072,7 @@
             <a:fld id="{57E0CF6C-748E-4B7A-BC8B-3011EF78ED13}" type="datetime1">
               <a:rPr lang="en-US" smtClean="0"/>
               <a:pPr/>
-              <a:t>10/5/2021</a:t>
+              <a:t>10/8/2021</a:t>
             </a:fld>
             <a:endParaRPr lang="en-US" dirty="0"/>
           </a:p>
@@ -4638,7 +4638,7 @@
                 </a:effectLst>
                 <a:latin typeface="Exo 2 Extra Bold" panose="00000900000000000000" pitchFamily="50" charset="0"/>
               </a:rPr>
-              <a:t>Rodada #23</a:t>
+              <a:t>Rodada #24</a:t>
             </a:r>
           </a:p>
         </p:txBody>
@@ -4681,10 +4681,10 @@
       </p:pic>
       <p:pic>
         <p:nvPicPr>
-          <p:cNvPr id="4" name="Imagem 3">
-            <a:extLst>
-              <a:ext uri="{FF2B5EF4-FFF2-40B4-BE49-F238E27FC236}">
-                <a16:creationId xmlns:a16="http://schemas.microsoft.com/office/drawing/2014/main" id="{0D318626-563E-4633-AE98-E09A3E2918CE}"/>
+          <p:cNvPr id="3" name="Imagem 2">
+            <a:extLst>
+              <a:ext uri="{FF2B5EF4-FFF2-40B4-BE49-F238E27FC236}">
+                <a16:creationId xmlns:a16="http://schemas.microsoft.com/office/drawing/2014/main" id="{F19BD948-41D5-45ED-BA64-28A6A3F719A5}"/>
               </a:ext>
             </a:extLst>
           </p:cNvPr>
@@ -4701,7 +4701,7 @@
         </p:blipFill>
         <p:spPr>
           <a:xfrm>
-            <a:off x="1259894" y="2521894"/>
+            <a:off x="1267636" y="2551891"/>
             <a:ext cx="8280000" cy="6711047"/>
           </a:xfrm>
           <a:prstGeom prst="rect">
@@ -5773,7 +5773,7 @@
                 </a:effectLst>
                 <a:latin typeface="Exo 2 Extra Bold" panose="00000900000000000000" pitchFamily="50" charset="0"/>
               </a:rPr>
-              <a:t>Rodada #23</a:t>
+              <a:t>Rodada #24</a:t>
             </a:r>
           </a:p>
         </p:txBody>
@@ -5869,10 +5869,10 @@
       </p:pic>
       <p:pic>
         <p:nvPicPr>
-          <p:cNvPr id="4" name="Imagem 3">
-            <a:extLst>
-              <a:ext uri="{FF2B5EF4-FFF2-40B4-BE49-F238E27FC236}">
-                <a16:creationId xmlns:a16="http://schemas.microsoft.com/office/drawing/2014/main" id="{D81D3683-8C13-4C0E-8D04-F5552EDB088B}"/>
+          <p:cNvPr id="3" name="Imagem 2">
+            <a:extLst>
+              <a:ext uri="{FF2B5EF4-FFF2-40B4-BE49-F238E27FC236}">
+                <a16:creationId xmlns:a16="http://schemas.microsoft.com/office/drawing/2014/main" id="{15A7CA40-1E81-4FE9-BD67-59225D3A8C78}"/>
               </a:ext>
             </a:extLst>
           </p:cNvPr>
@@ -5889,7 +5889,7 @@
         </p:blipFill>
         <p:spPr>
           <a:xfrm>
-            <a:off x="1087636" y="2551882"/>
+            <a:off x="1087636" y="2377713"/>
             <a:ext cx="8640000" cy="7278904"/>
           </a:xfrm>
           <a:prstGeom prst="rect">
@@ -6961,7 +6961,7 @@
                 </a:effectLst>
                 <a:latin typeface="Exo 2 Extra Bold" panose="00000900000000000000" pitchFamily="50" charset="0"/>
               </a:rPr>
-              <a:t>Rodada #23</a:t>
+              <a:t>Rodada #24</a:t>
             </a:r>
           </a:p>
         </p:txBody>
@@ -7057,10 +7057,10 @@
       </p:pic>
       <p:pic>
         <p:nvPicPr>
-          <p:cNvPr id="7" name="Imagem 6">
-            <a:extLst>
-              <a:ext uri="{FF2B5EF4-FFF2-40B4-BE49-F238E27FC236}">
-                <a16:creationId xmlns:a16="http://schemas.microsoft.com/office/drawing/2014/main" id="{32415763-B282-4408-A417-5477CEA8CBE8}"/>
+          <p:cNvPr id="17" name="Imagem 16">
+            <a:extLst>
+              <a:ext uri="{FF2B5EF4-FFF2-40B4-BE49-F238E27FC236}">
+                <a16:creationId xmlns:a16="http://schemas.microsoft.com/office/drawing/2014/main" id="{E0A76AB3-4510-43D6-B644-7680879941C1}"/>
               </a:ext>
             </a:extLst>
           </p:cNvPr>
@@ -7077,8 +7077,8 @@
         </p:blipFill>
         <p:spPr>
           <a:xfrm>
-            <a:off x="2434119" y="2522267"/>
-            <a:ext cx="5959572" cy="2160000"/>
+            <a:off x="1759989" y="7678526"/>
+            <a:ext cx="7316214" cy="2160000"/>
           </a:xfrm>
           <a:prstGeom prst="rect">
             <a:avLst/>
@@ -7087,10 +7087,10 @@
       </p:pic>
       <p:pic>
         <p:nvPicPr>
-          <p:cNvPr id="10" name="Imagem 9">
-            <a:extLst>
-              <a:ext uri="{FF2B5EF4-FFF2-40B4-BE49-F238E27FC236}">
-                <a16:creationId xmlns:a16="http://schemas.microsoft.com/office/drawing/2014/main" id="{5498A8FD-0EAA-4212-B1BF-13DE2C27DEF6}"/>
+          <p:cNvPr id="3" name="Imagem 2">
+            <a:extLst>
+              <a:ext uri="{FF2B5EF4-FFF2-40B4-BE49-F238E27FC236}">
+                <a16:creationId xmlns:a16="http://schemas.microsoft.com/office/drawing/2014/main" id="{059DCDC8-CCFB-4563-8B88-658F2E9899D2}"/>
               </a:ext>
             </a:extLst>
           </p:cNvPr>
@@ -7107,7 +7107,7 @@
         </p:blipFill>
         <p:spPr>
           <a:xfrm>
-            <a:off x="2437840" y="5039145"/>
+            <a:off x="2438410" y="2518301"/>
             <a:ext cx="5959572" cy="2160000"/>
           </a:xfrm>
           <a:prstGeom prst="rect">
@@ -7117,10 +7117,10 @@
       </p:pic>
       <p:pic>
         <p:nvPicPr>
-          <p:cNvPr id="17" name="Imagem 16">
-            <a:extLst>
-              <a:ext uri="{FF2B5EF4-FFF2-40B4-BE49-F238E27FC236}">
-                <a16:creationId xmlns:a16="http://schemas.microsoft.com/office/drawing/2014/main" id="{E0A76AB3-4510-43D6-B644-7680879941C1}"/>
+          <p:cNvPr id="8" name="Imagem 7">
+            <a:extLst>
+              <a:ext uri="{FF2B5EF4-FFF2-40B4-BE49-F238E27FC236}">
+                <a16:creationId xmlns:a16="http://schemas.microsoft.com/office/drawing/2014/main" id="{CDB835D8-6260-465F-9808-617A717835E8}"/>
               </a:ext>
             </a:extLst>
           </p:cNvPr>
@@ -7137,8 +7137,8 @@
         </p:blipFill>
         <p:spPr>
           <a:xfrm>
-            <a:off x="1759989" y="7678526"/>
-            <a:ext cx="7316214" cy="2160000"/>
+            <a:off x="2429353" y="5034159"/>
+            <a:ext cx="5959572" cy="2160000"/>
           </a:xfrm>
           <a:prstGeom prst="rect">
             <a:avLst/>
@@ -14293,7 +14293,7 @@
                 </a:effectLst>
                 <a:latin typeface="Exo 2 Extra Bold" panose="00000900000000000000" pitchFamily="50" charset="0"/>
               </a:rPr>
-              <a:t>Rodada #23</a:t>
+              <a:t>Rodada #24</a:t>
             </a:r>
           </a:p>
         </p:txBody>
@@ -14389,10 +14389,10 @@
       </p:pic>
       <p:pic>
         <p:nvPicPr>
-          <p:cNvPr id="4" name="Imagem 3">
-            <a:extLst>
-              <a:ext uri="{FF2B5EF4-FFF2-40B4-BE49-F238E27FC236}">
-                <a16:creationId xmlns:a16="http://schemas.microsoft.com/office/drawing/2014/main" id="{F02E0C00-0EDA-4DDC-8D8A-5DAC2B2B9F7C}"/>
+          <p:cNvPr id="3" name="Imagem 2">
+            <a:extLst>
+              <a:ext uri="{FF2B5EF4-FFF2-40B4-BE49-F238E27FC236}">
+                <a16:creationId xmlns:a16="http://schemas.microsoft.com/office/drawing/2014/main" id="{DEA1BC03-437E-4D79-A9B4-A6B92786C5EF}"/>
               </a:ext>
             </a:extLst>
           </p:cNvPr>
@@ -14409,8 +14409,8 @@
         </p:blipFill>
         <p:spPr>
           <a:xfrm>
-            <a:off x="1590920" y="1985774"/>
-            <a:ext cx="7648742" cy="8280000"/>
+            <a:off x="1595070" y="2014073"/>
+            <a:ext cx="7648717" cy="8280000"/>
           </a:xfrm>
           <a:prstGeom prst="rect">
             <a:avLst/>

--- a/Informativos.pptx
+++ b/Informativos.pptx
@@ -294,7 +294,7 @@
             <a:fld id="{11A6662E-FAF4-44BC-88B5-85A7CBFB6D30}" type="datetime1">
               <a:rPr lang="en-US" smtClean="0"/>
               <a:pPr/>
-              <a:t>10/8/2021</a:t>
+              <a:t>10/11/2021</a:t>
             </a:fld>
             <a:endParaRPr lang="en-US" dirty="0"/>
           </a:p>
@@ -521,7 +521,7 @@
           <a:p>
             <a:fld id="{4C559632-1575-4E14-B53B-3DC3D5ED3947}" type="datetime1">
               <a:rPr lang="en-US" smtClean="0"/>
-              <a:t>10/8/2021</a:t>
+              <a:t>10/11/2021</a:t>
             </a:fld>
             <a:endParaRPr lang="en-US"/>
           </a:p>
@@ -729,7 +729,7 @@
           <a:p>
             <a:fld id="{CC4A6868-2568-4CC9-B302-F37117B01A6E}" type="datetime1">
               <a:rPr lang="en-US" smtClean="0"/>
-              <a:t>10/8/2021</a:t>
+              <a:t>10/11/2021</a:t>
             </a:fld>
             <a:endParaRPr lang="en-US"/>
           </a:p>
@@ -934,7 +934,7 @@
           <a:p>
             <a:fld id="{0055F08A-1E71-4B2B-BB49-E743F2903911}" type="datetime1">
               <a:rPr lang="en-US" smtClean="0"/>
-              <a:t>10/8/2021</a:t>
+              <a:t>10/11/2021</a:t>
             </a:fld>
             <a:endParaRPr lang="en-US" dirty="0"/>
           </a:p>
@@ -1208,7 +1208,7 @@
           <a:p>
             <a:fld id="{15417D9E-721A-44BB-8863-9873FE64DA75}" type="datetime1">
               <a:rPr lang="en-US" smtClean="0"/>
-              <a:t>10/8/2021</a:t>
+              <a:t>10/11/2021</a:t>
             </a:fld>
             <a:endParaRPr lang="en-US"/>
           </a:p>
@@ -1481,7 +1481,7 @@
           <a:p>
             <a:fld id="{5F31DA2F-80B8-49CF-99FB-5ABCA53A607A}" type="datetime1">
               <a:rPr lang="en-US" smtClean="0"/>
-              <a:t>10/8/2021</a:t>
+              <a:t>10/11/2021</a:t>
             </a:fld>
             <a:endParaRPr lang="en-US"/>
           </a:p>
@@ -1896,7 +1896,7 @@
           <a:p>
             <a:fld id="{28852172-E6C9-4B6C-929A-A9DE3837BBF1}" type="datetime1">
               <a:rPr lang="en-US" smtClean="0"/>
-              <a:t>10/8/2021</a:t>
+              <a:t>10/11/2021</a:t>
             </a:fld>
             <a:endParaRPr lang="en-US"/>
           </a:p>
@@ -2048,7 +2048,7 @@
           <a:p>
             <a:fld id="{3AB41CFF-90C9-47B3-9DA1-F2BF8D839F7E}" type="datetime1">
               <a:rPr lang="en-US" smtClean="0"/>
-              <a:t>10/8/2021</a:t>
+              <a:t>10/11/2021</a:t>
             </a:fld>
             <a:endParaRPr lang="en-US"/>
           </a:p>
@@ -2161,7 +2161,7 @@
           <a:p>
             <a:fld id="{F06048FA-06AB-4884-A69B-986B96E68A24}" type="datetime1">
               <a:rPr lang="en-US" smtClean="0"/>
-              <a:t>10/8/2021</a:t>
+              <a:t>10/11/2021</a:t>
             </a:fld>
             <a:endParaRPr lang="en-US"/>
           </a:p>
@@ -2472,7 +2472,7 @@
           <a:p>
             <a:fld id="{50DB7ABA-0172-4F9C-889D-567164F66BCD}" type="datetime1">
               <a:rPr lang="en-US" smtClean="0"/>
-              <a:t>10/8/2021</a:t>
+              <a:t>10/11/2021</a:t>
             </a:fld>
             <a:endParaRPr lang="en-US"/>
           </a:p>
@@ -2763,7 +2763,7 @@
           <a:p>
             <a:fld id="{78AC6A5B-8AE7-4A41-B5A7-9ADC6686DC18}" type="datetime1">
               <a:rPr lang="en-US" smtClean="0"/>
-              <a:t>10/8/2021</a:t>
+              <a:t>10/11/2021</a:t>
             </a:fld>
             <a:endParaRPr lang="en-US"/>
           </a:p>
@@ -3072,7 +3072,7 @@
             <a:fld id="{57E0CF6C-748E-4B7A-BC8B-3011EF78ED13}" type="datetime1">
               <a:rPr lang="en-US" smtClean="0"/>
               <a:pPr/>
-              <a:t>10/8/2021</a:t>
+              <a:t>10/11/2021</a:t>
             </a:fld>
             <a:endParaRPr lang="en-US" dirty="0"/>
           </a:p>
@@ -4638,7 +4638,7 @@
                 </a:effectLst>
                 <a:latin typeface="Exo 2 Extra Bold" panose="00000900000000000000" pitchFamily="50" charset="0"/>
               </a:rPr>
-              <a:t>Rodada #24</a:t>
+              <a:t>Rodada #25</a:t>
             </a:r>
           </a:p>
         </p:txBody>
@@ -4681,10 +4681,10 @@
       </p:pic>
       <p:pic>
         <p:nvPicPr>
-          <p:cNvPr id="3" name="Imagem 2">
-            <a:extLst>
-              <a:ext uri="{FF2B5EF4-FFF2-40B4-BE49-F238E27FC236}">
-                <a16:creationId xmlns:a16="http://schemas.microsoft.com/office/drawing/2014/main" id="{F19BD948-41D5-45ED-BA64-28A6A3F719A5}"/>
+          <p:cNvPr id="4" name="Imagem 3">
+            <a:extLst>
+              <a:ext uri="{FF2B5EF4-FFF2-40B4-BE49-F238E27FC236}">
+                <a16:creationId xmlns:a16="http://schemas.microsoft.com/office/drawing/2014/main" id="{224FF322-3E98-4542-82A9-22FB3D4A3203}"/>
               </a:ext>
             </a:extLst>
           </p:cNvPr>
@@ -4701,7 +4701,7 @@
         </p:blipFill>
         <p:spPr>
           <a:xfrm>
-            <a:off x="1267636" y="2551891"/>
+            <a:off x="1272784" y="2549573"/>
             <a:ext cx="8280000" cy="6711047"/>
           </a:xfrm>
           <a:prstGeom prst="rect">
@@ -5773,7 +5773,7 @@
                 </a:effectLst>
                 <a:latin typeface="Exo 2 Extra Bold" panose="00000900000000000000" pitchFamily="50" charset="0"/>
               </a:rPr>
-              <a:t>Rodada #24</a:t>
+              <a:t>Rodada #25</a:t>
             </a:r>
           </a:p>
         </p:txBody>
@@ -5869,10 +5869,10 @@
       </p:pic>
       <p:pic>
         <p:nvPicPr>
-          <p:cNvPr id="3" name="Imagem 2">
-            <a:extLst>
-              <a:ext uri="{FF2B5EF4-FFF2-40B4-BE49-F238E27FC236}">
-                <a16:creationId xmlns:a16="http://schemas.microsoft.com/office/drawing/2014/main" id="{15A7CA40-1E81-4FE9-BD67-59225D3A8C78}"/>
+          <p:cNvPr id="4" name="Imagem 3">
+            <a:extLst>
+              <a:ext uri="{FF2B5EF4-FFF2-40B4-BE49-F238E27FC236}">
+                <a16:creationId xmlns:a16="http://schemas.microsoft.com/office/drawing/2014/main" id="{895AA257-9A92-41C0-B202-51C651D4BCDA}"/>
               </a:ext>
             </a:extLst>
           </p:cNvPr>
@@ -5889,8 +5889,8 @@
         </p:blipFill>
         <p:spPr>
           <a:xfrm>
-            <a:off x="1087636" y="2377713"/>
-            <a:ext cx="8640000" cy="7278904"/>
+            <a:off x="1263748" y="2537155"/>
+            <a:ext cx="8280000" cy="6975616"/>
           </a:xfrm>
           <a:prstGeom prst="rect">
             <a:avLst/>
@@ -6961,7 +6961,7 @@
                 </a:effectLst>
                 <a:latin typeface="Exo 2 Extra Bold" panose="00000900000000000000" pitchFamily="50" charset="0"/>
               </a:rPr>
-              <a:t>Rodada #24</a:t>
+              <a:t>Rodada #25</a:t>
             </a:r>
           </a:p>
         </p:txBody>
@@ -7057,10 +7057,10 @@
       </p:pic>
       <p:pic>
         <p:nvPicPr>
-          <p:cNvPr id="17" name="Imagem 16">
-            <a:extLst>
-              <a:ext uri="{FF2B5EF4-FFF2-40B4-BE49-F238E27FC236}">
-                <a16:creationId xmlns:a16="http://schemas.microsoft.com/office/drawing/2014/main" id="{E0A76AB3-4510-43D6-B644-7680879941C1}"/>
+          <p:cNvPr id="4" name="Imagem 3">
+            <a:extLst>
+              <a:ext uri="{FF2B5EF4-FFF2-40B4-BE49-F238E27FC236}">
+                <a16:creationId xmlns:a16="http://schemas.microsoft.com/office/drawing/2014/main" id="{374F7565-681D-461F-95C9-4DD99078E05C}"/>
               </a:ext>
             </a:extLst>
           </p:cNvPr>
@@ -7077,8 +7077,8 @@
         </p:blipFill>
         <p:spPr>
           <a:xfrm>
-            <a:off x="1759989" y="7678526"/>
-            <a:ext cx="7316214" cy="2160000"/>
+            <a:off x="2440540" y="2518301"/>
+            <a:ext cx="5959579" cy="2160000"/>
           </a:xfrm>
           <a:prstGeom prst="rect">
             <a:avLst/>
@@ -7087,10 +7087,10 @@
       </p:pic>
       <p:pic>
         <p:nvPicPr>
-          <p:cNvPr id="3" name="Imagem 2">
-            <a:extLst>
-              <a:ext uri="{FF2B5EF4-FFF2-40B4-BE49-F238E27FC236}">
-                <a16:creationId xmlns:a16="http://schemas.microsoft.com/office/drawing/2014/main" id="{059DCDC8-CCFB-4563-8B88-658F2E9899D2}"/>
+          <p:cNvPr id="9" name="Imagem 8">
+            <a:extLst>
+              <a:ext uri="{FF2B5EF4-FFF2-40B4-BE49-F238E27FC236}">
+                <a16:creationId xmlns:a16="http://schemas.microsoft.com/office/drawing/2014/main" id="{A042C172-AD63-4E78-AA88-245DBB6F63E6}"/>
               </a:ext>
             </a:extLst>
           </p:cNvPr>
@@ -7107,8 +7107,8 @@
         </p:blipFill>
         <p:spPr>
           <a:xfrm>
-            <a:off x="2438410" y="2518301"/>
-            <a:ext cx="5959572" cy="2160000"/>
+            <a:off x="2427466" y="5034159"/>
+            <a:ext cx="5959579" cy="2160000"/>
           </a:xfrm>
           <a:prstGeom prst="rect">
             <a:avLst/>
@@ -7117,10 +7117,10 @@
       </p:pic>
       <p:pic>
         <p:nvPicPr>
-          <p:cNvPr id="8" name="Imagem 7">
-            <a:extLst>
-              <a:ext uri="{FF2B5EF4-FFF2-40B4-BE49-F238E27FC236}">
-                <a16:creationId xmlns:a16="http://schemas.microsoft.com/office/drawing/2014/main" id="{CDB835D8-6260-465F-9808-617A717835E8}"/>
+          <p:cNvPr id="11" name="Imagem 10">
+            <a:extLst>
+              <a:ext uri="{FF2B5EF4-FFF2-40B4-BE49-F238E27FC236}">
+                <a16:creationId xmlns:a16="http://schemas.microsoft.com/office/drawing/2014/main" id="{CD1377BA-E954-4F53-AC4E-7F917B3F20FD}"/>
               </a:ext>
             </a:extLst>
           </p:cNvPr>
@@ -7137,8 +7137,8 @@
         </p:blipFill>
         <p:spPr>
           <a:xfrm>
-            <a:off x="2429353" y="5034159"/>
-            <a:ext cx="5959572" cy="2160000"/>
+            <a:off x="1751506" y="7678526"/>
+            <a:ext cx="7316211" cy="2160000"/>
           </a:xfrm>
           <a:prstGeom prst="rect">
             <a:avLst/>
@@ -14293,7 +14293,7 @@
                 </a:effectLst>
                 <a:latin typeface="Exo 2 Extra Bold" panose="00000900000000000000" pitchFamily="50" charset="0"/>
               </a:rPr>
-              <a:t>Rodada #24</a:t>
+              <a:t>Rodada #25</a:t>
             </a:r>
           </a:p>
         </p:txBody>
@@ -14389,10 +14389,10 @@
       </p:pic>
       <p:pic>
         <p:nvPicPr>
-          <p:cNvPr id="3" name="Imagem 2">
-            <a:extLst>
-              <a:ext uri="{FF2B5EF4-FFF2-40B4-BE49-F238E27FC236}">
-                <a16:creationId xmlns:a16="http://schemas.microsoft.com/office/drawing/2014/main" id="{DEA1BC03-437E-4D79-A9B4-A6B92786C5EF}"/>
+          <p:cNvPr id="4" name="Imagem 3">
+            <a:extLst>
+              <a:ext uri="{FF2B5EF4-FFF2-40B4-BE49-F238E27FC236}">
+                <a16:creationId xmlns:a16="http://schemas.microsoft.com/office/drawing/2014/main" id="{75F2F7E0-FB64-44FD-BF05-41B9EC979870}"/>
               </a:ext>
             </a:extLst>
           </p:cNvPr>
@@ -14409,8 +14409,8 @@
         </p:blipFill>
         <p:spPr>
           <a:xfrm>
-            <a:off x="1595070" y="2014073"/>
-            <a:ext cx="7648717" cy="8280000"/>
+            <a:off x="1584992" y="2053070"/>
+            <a:ext cx="7648742" cy="8280000"/>
           </a:xfrm>
           <a:prstGeom prst="rect">
             <a:avLst/>

--- a/Informativos.pptx
+++ b/Informativos.pptx
@@ -294,7 +294,7 @@
             <a:fld id="{11A6662E-FAF4-44BC-88B5-85A7CBFB6D30}" type="datetime1">
               <a:rPr lang="en-US" smtClean="0"/>
               <a:pPr/>
-              <a:t>10/11/2021</a:t>
+              <a:t>10/15/2021</a:t>
             </a:fld>
             <a:endParaRPr lang="en-US" dirty="0"/>
           </a:p>
@@ -521,7 +521,7 @@
           <a:p>
             <a:fld id="{4C559632-1575-4E14-B53B-3DC3D5ED3947}" type="datetime1">
               <a:rPr lang="en-US" smtClean="0"/>
-              <a:t>10/11/2021</a:t>
+              <a:t>10/15/2021</a:t>
             </a:fld>
             <a:endParaRPr lang="en-US"/>
           </a:p>
@@ -729,7 +729,7 @@
           <a:p>
             <a:fld id="{CC4A6868-2568-4CC9-B302-F37117B01A6E}" type="datetime1">
               <a:rPr lang="en-US" smtClean="0"/>
-              <a:t>10/11/2021</a:t>
+              <a:t>10/15/2021</a:t>
             </a:fld>
             <a:endParaRPr lang="en-US"/>
           </a:p>
@@ -934,7 +934,7 @@
           <a:p>
             <a:fld id="{0055F08A-1E71-4B2B-BB49-E743F2903911}" type="datetime1">
               <a:rPr lang="en-US" smtClean="0"/>
-              <a:t>10/11/2021</a:t>
+              <a:t>10/15/2021</a:t>
             </a:fld>
             <a:endParaRPr lang="en-US" dirty="0"/>
           </a:p>
@@ -1208,7 +1208,7 @@
           <a:p>
             <a:fld id="{15417D9E-721A-44BB-8863-9873FE64DA75}" type="datetime1">
               <a:rPr lang="en-US" smtClean="0"/>
-              <a:t>10/11/2021</a:t>
+              <a:t>10/15/2021</a:t>
             </a:fld>
             <a:endParaRPr lang="en-US"/>
           </a:p>
@@ -1481,7 +1481,7 @@
           <a:p>
             <a:fld id="{5F31DA2F-80B8-49CF-99FB-5ABCA53A607A}" type="datetime1">
               <a:rPr lang="en-US" smtClean="0"/>
-              <a:t>10/11/2021</a:t>
+              <a:t>10/15/2021</a:t>
             </a:fld>
             <a:endParaRPr lang="en-US"/>
           </a:p>
@@ -1896,7 +1896,7 @@
           <a:p>
             <a:fld id="{28852172-E6C9-4B6C-929A-A9DE3837BBF1}" type="datetime1">
               <a:rPr lang="en-US" smtClean="0"/>
-              <a:t>10/11/2021</a:t>
+              <a:t>10/15/2021</a:t>
             </a:fld>
             <a:endParaRPr lang="en-US"/>
           </a:p>
@@ -2048,7 +2048,7 @@
           <a:p>
             <a:fld id="{3AB41CFF-90C9-47B3-9DA1-F2BF8D839F7E}" type="datetime1">
               <a:rPr lang="en-US" smtClean="0"/>
-              <a:t>10/11/2021</a:t>
+              <a:t>10/15/2021</a:t>
             </a:fld>
             <a:endParaRPr lang="en-US"/>
           </a:p>
@@ -2161,7 +2161,7 @@
           <a:p>
             <a:fld id="{F06048FA-06AB-4884-A69B-986B96E68A24}" type="datetime1">
               <a:rPr lang="en-US" smtClean="0"/>
-              <a:t>10/11/2021</a:t>
+              <a:t>10/15/2021</a:t>
             </a:fld>
             <a:endParaRPr lang="en-US"/>
           </a:p>
@@ -2472,7 +2472,7 @@
           <a:p>
             <a:fld id="{50DB7ABA-0172-4F9C-889D-567164F66BCD}" type="datetime1">
               <a:rPr lang="en-US" smtClean="0"/>
-              <a:t>10/11/2021</a:t>
+              <a:t>10/15/2021</a:t>
             </a:fld>
             <a:endParaRPr lang="en-US"/>
           </a:p>
@@ -2763,7 +2763,7 @@
           <a:p>
             <a:fld id="{78AC6A5B-8AE7-4A41-B5A7-9ADC6686DC18}" type="datetime1">
               <a:rPr lang="en-US" smtClean="0"/>
-              <a:t>10/11/2021</a:t>
+              <a:t>10/15/2021</a:t>
             </a:fld>
             <a:endParaRPr lang="en-US"/>
           </a:p>
@@ -3072,7 +3072,7 @@
             <a:fld id="{57E0CF6C-748E-4B7A-BC8B-3011EF78ED13}" type="datetime1">
               <a:rPr lang="en-US" smtClean="0"/>
               <a:pPr/>
-              <a:t>10/11/2021</a:t>
+              <a:t>10/15/2021</a:t>
             </a:fld>
             <a:endParaRPr lang="en-US" dirty="0"/>
           </a:p>
@@ -4638,7 +4638,7 @@
                 </a:effectLst>
                 <a:latin typeface="Exo 2 Extra Bold" panose="00000900000000000000" pitchFamily="50" charset="0"/>
               </a:rPr>
-              <a:t>Rodada #25</a:t>
+              <a:t>Rodada #26</a:t>
             </a:r>
           </a:p>
         </p:txBody>
@@ -4681,10 +4681,10 @@
       </p:pic>
       <p:pic>
         <p:nvPicPr>
-          <p:cNvPr id="4" name="Imagem 3">
-            <a:extLst>
-              <a:ext uri="{FF2B5EF4-FFF2-40B4-BE49-F238E27FC236}">
-                <a16:creationId xmlns:a16="http://schemas.microsoft.com/office/drawing/2014/main" id="{224FF322-3E98-4542-82A9-22FB3D4A3203}"/>
+          <p:cNvPr id="3" name="Imagem 2">
+            <a:extLst>
+              <a:ext uri="{FF2B5EF4-FFF2-40B4-BE49-F238E27FC236}">
+                <a16:creationId xmlns:a16="http://schemas.microsoft.com/office/drawing/2014/main" id="{33BE3F66-AD52-45A6-AD03-4DB35DD7BEBF}"/>
               </a:ext>
             </a:extLst>
           </p:cNvPr>
@@ -4701,7 +4701,7 @@
         </p:blipFill>
         <p:spPr>
           <a:xfrm>
-            <a:off x="1272784" y="2549573"/>
+            <a:off x="1267118" y="2545010"/>
             <a:ext cx="8280000" cy="6711047"/>
           </a:xfrm>
           <a:prstGeom prst="rect">
@@ -5773,7 +5773,7 @@
                 </a:effectLst>
                 <a:latin typeface="Exo 2 Extra Bold" panose="00000900000000000000" pitchFamily="50" charset="0"/>
               </a:rPr>
-              <a:t>Rodada #25</a:t>
+              <a:t>Rodada #26</a:t>
             </a:r>
           </a:p>
         </p:txBody>
@@ -5869,10 +5869,10 @@
       </p:pic>
       <p:pic>
         <p:nvPicPr>
-          <p:cNvPr id="4" name="Imagem 3">
-            <a:extLst>
-              <a:ext uri="{FF2B5EF4-FFF2-40B4-BE49-F238E27FC236}">
-                <a16:creationId xmlns:a16="http://schemas.microsoft.com/office/drawing/2014/main" id="{895AA257-9A92-41C0-B202-51C651D4BCDA}"/>
+          <p:cNvPr id="3" name="Imagem 2">
+            <a:extLst>
+              <a:ext uri="{FF2B5EF4-FFF2-40B4-BE49-F238E27FC236}">
+                <a16:creationId xmlns:a16="http://schemas.microsoft.com/office/drawing/2014/main" id="{9F0CA754-3ABF-4986-B7C8-7C4A05D1DDFA}"/>
               </a:ext>
             </a:extLst>
           </p:cNvPr>
@@ -5889,7 +5889,7 @@
         </p:blipFill>
         <p:spPr>
           <a:xfrm>
-            <a:off x="1263748" y="2537155"/>
+            <a:off x="1267118" y="2541564"/>
             <a:ext cx="8280000" cy="6975616"/>
           </a:xfrm>
           <a:prstGeom prst="rect">
@@ -6961,7 +6961,7 @@
                 </a:effectLst>
                 <a:latin typeface="Exo 2 Extra Bold" panose="00000900000000000000" pitchFamily="50" charset="0"/>
               </a:rPr>
-              <a:t>Rodada #25</a:t>
+              <a:t>Rodada #26</a:t>
             </a:r>
           </a:p>
         </p:txBody>
@@ -7057,10 +7057,10 @@
       </p:pic>
       <p:pic>
         <p:nvPicPr>
-          <p:cNvPr id="4" name="Imagem 3">
-            <a:extLst>
-              <a:ext uri="{FF2B5EF4-FFF2-40B4-BE49-F238E27FC236}">
-                <a16:creationId xmlns:a16="http://schemas.microsoft.com/office/drawing/2014/main" id="{374F7565-681D-461F-95C9-4DD99078E05C}"/>
+          <p:cNvPr id="11" name="Imagem 10">
+            <a:extLst>
+              <a:ext uri="{FF2B5EF4-FFF2-40B4-BE49-F238E27FC236}">
+                <a16:creationId xmlns:a16="http://schemas.microsoft.com/office/drawing/2014/main" id="{CD1377BA-E954-4F53-AC4E-7F917B3F20FD}"/>
               </a:ext>
             </a:extLst>
           </p:cNvPr>
@@ -7077,8 +7077,8 @@
         </p:blipFill>
         <p:spPr>
           <a:xfrm>
-            <a:off x="2440540" y="2518301"/>
-            <a:ext cx="5959579" cy="2160000"/>
+            <a:off x="1751506" y="7678526"/>
+            <a:ext cx="7316211" cy="2160000"/>
           </a:xfrm>
           <a:prstGeom prst="rect">
             <a:avLst/>
@@ -7087,10 +7087,10 @@
       </p:pic>
       <p:pic>
         <p:nvPicPr>
-          <p:cNvPr id="9" name="Imagem 8">
-            <a:extLst>
-              <a:ext uri="{FF2B5EF4-FFF2-40B4-BE49-F238E27FC236}">
-                <a16:creationId xmlns:a16="http://schemas.microsoft.com/office/drawing/2014/main" id="{A042C172-AD63-4E78-AA88-245DBB6F63E6}"/>
+          <p:cNvPr id="3" name="Imagem 2">
+            <a:extLst>
+              <a:ext uri="{FF2B5EF4-FFF2-40B4-BE49-F238E27FC236}">
+                <a16:creationId xmlns:a16="http://schemas.microsoft.com/office/drawing/2014/main" id="{A13D6134-DB9A-4D8F-B9C2-069E96B3E43D}"/>
               </a:ext>
             </a:extLst>
           </p:cNvPr>
@@ -7107,7 +7107,7 @@
         </p:blipFill>
         <p:spPr>
           <a:xfrm>
-            <a:off x="2427466" y="5034159"/>
+            <a:off x="2427467" y="2518301"/>
             <a:ext cx="5959579" cy="2160000"/>
           </a:xfrm>
           <a:prstGeom prst="rect">
@@ -7117,10 +7117,10 @@
       </p:pic>
       <p:pic>
         <p:nvPicPr>
-          <p:cNvPr id="11" name="Imagem 10">
-            <a:extLst>
-              <a:ext uri="{FF2B5EF4-FFF2-40B4-BE49-F238E27FC236}">
-                <a16:creationId xmlns:a16="http://schemas.microsoft.com/office/drawing/2014/main" id="{CD1377BA-E954-4F53-AC4E-7F917B3F20FD}"/>
+          <p:cNvPr id="8" name="Imagem 7">
+            <a:extLst>
+              <a:ext uri="{FF2B5EF4-FFF2-40B4-BE49-F238E27FC236}">
+                <a16:creationId xmlns:a16="http://schemas.microsoft.com/office/drawing/2014/main" id="{4D710843-70E5-4359-AA66-A24A5481A62B}"/>
               </a:ext>
             </a:extLst>
           </p:cNvPr>
@@ -7137,8 +7137,8 @@
         </p:blipFill>
         <p:spPr>
           <a:xfrm>
-            <a:off x="1751506" y="7678526"/>
-            <a:ext cx="7316211" cy="2160000"/>
+            <a:off x="2426765" y="5031429"/>
+            <a:ext cx="5959579" cy="2160000"/>
           </a:xfrm>
           <a:prstGeom prst="rect">
             <a:avLst/>
@@ -14293,7 +14293,7 @@
                 </a:effectLst>
                 <a:latin typeface="Exo 2 Extra Bold" panose="00000900000000000000" pitchFamily="50" charset="0"/>
               </a:rPr>
-              <a:t>Rodada #25</a:t>
+              <a:t>Rodada #26</a:t>
             </a:r>
           </a:p>
         </p:txBody>
@@ -14389,10 +14389,10 @@
       </p:pic>
       <p:pic>
         <p:nvPicPr>
-          <p:cNvPr id="4" name="Imagem 3">
-            <a:extLst>
-              <a:ext uri="{FF2B5EF4-FFF2-40B4-BE49-F238E27FC236}">
-                <a16:creationId xmlns:a16="http://schemas.microsoft.com/office/drawing/2014/main" id="{75F2F7E0-FB64-44FD-BF05-41B9EC979870}"/>
+          <p:cNvPr id="3" name="Imagem 2">
+            <a:extLst>
+              <a:ext uri="{FF2B5EF4-FFF2-40B4-BE49-F238E27FC236}">
+                <a16:creationId xmlns:a16="http://schemas.microsoft.com/office/drawing/2014/main" id="{D928E782-3559-4E5C-93B6-9D7F4340C813}"/>
               </a:ext>
             </a:extLst>
           </p:cNvPr>
@@ -14409,7 +14409,7 @@
         </p:blipFill>
         <p:spPr>
           <a:xfrm>
-            <a:off x="1584992" y="2053070"/>
+            <a:off x="1584987" y="2031300"/>
             <a:ext cx="7648742" cy="8280000"/>
           </a:xfrm>
           <a:prstGeom prst="rect">

--- a/Informativos.pptx
+++ b/Informativos.pptx
@@ -115,7 +115,7 @@
   <p:extLst>
     <p:ext uri="{EFAFB233-063F-42B5-8137-9DF3F51BA10A}">
       <p15:sldGuideLst xmlns:p15="http://schemas.microsoft.com/office/powerpoint/2012/main">
-        <p15:guide id="1" orient="horz" pos="3402" userDrawn="1">
+        <p15:guide id="1" orient="horz" pos="3424" userDrawn="1">
           <p15:clr>
             <a:srgbClr val="A4A3A4"/>
           </p15:clr>
@@ -294,7 +294,7 @@
             <a:fld id="{11A6662E-FAF4-44BC-88B5-85A7CBFB6D30}" type="datetime1">
               <a:rPr lang="en-US" smtClean="0"/>
               <a:pPr/>
-              <a:t>10/15/2021</a:t>
+              <a:t>10/19/2021</a:t>
             </a:fld>
             <a:endParaRPr lang="en-US" dirty="0"/>
           </a:p>
@@ -521,7 +521,7 @@
           <a:p>
             <a:fld id="{4C559632-1575-4E14-B53B-3DC3D5ED3947}" type="datetime1">
               <a:rPr lang="en-US" smtClean="0"/>
-              <a:t>10/15/2021</a:t>
+              <a:t>10/19/2021</a:t>
             </a:fld>
             <a:endParaRPr lang="en-US"/>
           </a:p>
@@ -729,7 +729,7 @@
           <a:p>
             <a:fld id="{CC4A6868-2568-4CC9-B302-F37117B01A6E}" type="datetime1">
               <a:rPr lang="en-US" smtClean="0"/>
-              <a:t>10/15/2021</a:t>
+              <a:t>10/19/2021</a:t>
             </a:fld>
             <a:endParaRPr lang="en-US"/>
           </a:p>
@@ -934,7 +934,7 @@
           <a:p>
             <a:fld id="{0055F08A-1E71-4B2B-BB49-E743F2903911}" type="datetime1">
               <a:rPr lang="en-US" smtClean="0"/>
-              <a:t>10/15/2021</a:t>
+              <a:t>10/19/2021</a:t>
             </a:fld>
             <a:endParaRPr lang="en-US" dirty="0"/>
           </a:p>
@@ -1208,7 +1208,7 @@
           <a:p>
             <a:fld id="{15417D9E-721A-44BB-8863-9873FE64DA75}" type="datetime1">
               <a:rPr lang="en-US" smtClean="0"/>
-              <a:t>10/15/2021</a:t>
+              <a:t>10/19/2021</a:t>
             </a:fld>
             <a:endParaRPr lang="en-US"/>
           </a:p>
@@ -1481,7 +1481,7 @@
           <a:p>
             <a:fld id="{5F31DA2F-80B8-49CF-99FB-5ABCA53A607A}" type="datetime1">
               <a:rPr lang="en-US" smtClean="0"/>
-              <a:t>10/15/2021</a:t>
+              <a:t>10/19/2021</a:t>
             </a:fld>
             <a:endParaRPr lang="en-US"/>
           </a:p>
@@ -1896,7 +1896,7 @@
           <a:p>
             <a:fld id="{28852172-E6C9-4B6C-929A-A9DE3837BBF1}" type="datetime1">
               <a:rPr lang="en-US" smtClean="0"/>
-              <a:t>10/15/2021</a:t>
+              <a:t>10/19/2021</a:t>
             </a:fld>
             <a:endParaRPr lang="en-US"/>
           </a:p>
@@ -2048,7 +2048,7 @@
           <a:p>
             <a:fld id="{3AB41CFF-90C9-47B3-9DA1-F2BF8D839F7E}" type="datetime1">
               <a:rPr lang="en-US" smtClean="0"/>
-              <a:t>10/15/2021</a:t>
+              <a:t>10/19/2021</a:t>
             </a:fld>
             <a:endParaRPr lang="en-US"/>
           </a:p>
@@ -2161,7 +2161,7 @@
           <a:p>
             <a:fld id="{F06048FA-06AB-4884-A69B-986B96E68A24}" type="datetime1">
               <a:rPr lang="en-US" smtClean="0"/>
-              <a:t>10/15/2021</a:t>
+              <a:t>10/19/2021</a:t>
             </a:fld>
             <a:endParaRPr lang="en-US"/>
           </a:p>
@@ -2472,7 +2472,7 @@
           <a:p>
             <a:fld id="{50DB7ABA-0172-4F9C-889D-567164F66BCD}" type="datetime1">
               <a:rPr lang="en-US" smtClean="0"/>
-              <a:t>10/15/2021</a:t>
+              <a:t>10/19/2021</a:t>
             </a:fld>
             <a:endParaRPr lang="en-US"/>
           </a:p>
@@ -2763,7 +2763,7 @@
           <a:p>
             <a:fld id="{78AC6A5B-8AE7-4A41-B5A7-9ADC6686DC18}" type="datetime1">
               <a:rPr lang="en-US" smtClean="0"/>
-              <a:t>10/15/2021</a:t>
+              <a:t>10/19/2021</a:t>
             </a:fld>
             <a:endParaRPr lang="en-US"/>
           </a:p>
@@ -3072,7 +3072,7 @@
             <a:fld id="{57E0CF6C-748E-4B7A-BC8B-3011EF78ED13}" type="datetime1">
               <a:rPr lang="en-US" smtClean="0"/>
               <a:pPr/>
-              <a:t>10/15/2021</a:t>
+              <a:t>10/19/2021</a:t>
             </a:fld>
             <a:endParaRPr lang="en-US" dirty="0"/>
           </a:p>
@@ -4638,7 +4638,7 @@
                 </a:effectLst>
                 <a:latin typeface="Exo 2 Extra Bold" panose="00000900000000000000" pitchFamily="50" charset="0"/>
               </a:rPr>
-              <a:t>Rodada #26</a:t>
+              <a:t>Rodada #27</a:t>
             </a:r>
           </a:p>
         </p:txBody>
@@ -4681,10 +4681,10 @@
       </p:pic>
       <p:pic>
         <p:nvPicPr>
-          <p:cNvPr id="3" name="Imagem 2">
-            <a:extLst>
-              <a:ext uri="{FF2B5EF4-FFF2-40B4-BE49-F238E27FC236}">
-                <a16:creationId xmlns:a16="http://schemas.microsoft.com/office/drawing/2014/main" id="{33BE3F66-AD52-45A6-AD03-4DB35DD7BEBF}"/>
+          <p:cNvPr id="4" name="Imagem 3">
+            <a:extLst>
+              <a:ext uri="{FF2B5EF4-FFF2-40B4-BE49-F238E27FC236}">
+                <a16:creationId xmlns:a16="http://schemas.microsoft.com/office/drawing/2014/main" id="{0E3EECF5-CDD3-4505-9E95-79296E428AA0}"/>
               </a:ext>
             </a:extLst>
           </p:cNvPr>
@@ -4701,7 +4701,7 @@
         </p:blipFill>
         <p:spPr>
           <a:xfrm>
-            <a:off x="1267118" y="2545010"/>
+            <a:off x="1267118" y="2537010"/>
             <a:ext cx="8280000" cy="6711047"/>
           </a:xfrm>
           <a:prstGeom prst="rect">
@@ -5773,7 +5773,7 @@
                 </a:effectLst>
                 <a:latin typeface="Exo 2 Extra Bold" panose="00000900000000000000" pitchFamily="50" charset="0"/>
               </a:rPr>
-              <a:t>Rodada #26</a:t>
+              <a:t>Rodada #27</a:t>
             </a:r>
           </a:p>
         </p:txBody>
@@ -5869,10 +5869,10 @@
       </p:pic>
       <p:pic>
         <p:nvPicPr>
-          <p:cNvPr id="3" name="Imagem 2">
-            <a:extLst>
-              <a:ext uri="{FF2B5EF4-FFF2-40B4-BE49-F238E27FC236}">
-                <a16:creationId xmlns:a16="http://schemas.microsoft.com/office/drawing/2014/main" id="{9F0CA754-3ABF-4986-B7C8-7C4A05D1DDFA}"/>
+          <p:cNvPr id="4" name="Imagem 3">
+            <a:extLst>
+              <a:ext uri="{FF2B5EF4-FFF2-40B4-BE49-F238E27FC236}">
+                <a16:creationId xmlns:a16="http://schemas.microsoft.com/office/drawing/2014/main" id="{B4F055A1-9CF4-494C-8B10-4E78088C62AA}"/>
               </a:ext>
             </a:extLst>
           </p:cNvPr>
@@ -5889,7 +5889,7 @@
         </p:blipFill>
         <p:spPr>
           <a:xfrm>
-            <a:off x="1267118" y="2541564"/>
+            <a:off x="1267118" y="2527118"/>
             <a:ext cx="8280000" cy="6975616"/>
           </a:xfrm>
           <a:prstGeom prst="rect">
@@ -6961,7 +6961,7 @@
                 </a:effectLst>
                 <a:latin typeface="Exo 2 Extra Bold" panose="00000900000000000000" pitchFamily="50" charset="0"/>
               </a:rPr>
-              <a:t>Rodada #26</a:t>
+              <a:t>Rodada #27</a:t>
             </a:r>
           </a:p>
         </p:txBody>
@@ -7087,10 +7087,10 @@
       </p:pic>
       <p:pic>
         <p:nvPicPr>
-          <p:cNvPr id="3" name="Imagem 2">
-            <a:extLst>
-              <a:ext uri="{FF2B5EF4-FFF2-40B4-BE49-F238E27FC236}">
-                <a16:creationId xmlns:a16="http://schemas.microsoft.com/office/drawing/2014/main" id="{A13D6134-DB9A-4D8F-B9C2-069E96B3E43D}"/>
+          <p:cNvPr id="4" name="Imagem 3">
+            <a:extLst>
+              <a:ext uri="{FF2B5EF4-FFF2-40B4-BE49-F238E27FC236}">
+                <a16:creationId xmlns:a16="http://schemas.microsoft.com/office/drawing/2014/main" id="{241C9788-76C4-4E25-B819-E20BEEE7A33F}"/>
               </a:ext>
             </a:extLst>
           </p:cNvPr>
@@ -7107,7 +7107,7 @@
         </p:blipFill>
         <p:spPr>
           <a:xfrm>
-            <a:off x="2427467" y="2518301"/>
+            <a:off x="2441971" y="2518301"/>
             <a:ext cx="5959579" cy="2160000"/>
           </a:xfrm>
           <a:prstGeom prst="rect">
@@ -7117,10 +7117,10 @@
       </p:pic>
       <p:pic>
         <p:nvPicPr>
-          <p:cNvPr id="8" name="Imagem 7">
-            <a:extLst>
-              <a:ext uri="{FF2B5EF4-FFF2-40B4-BE49-F238E27FC236}">
-                <a16:creationId xmlns:a16="http://schemas.microsoft.com/office/drawing/2014/main" id="{4D710843-70E5-4359-AA66-A24A5481A62B}"/>
+          <p:cNvPr id="9" name="Imagem 8">
+            <a:extLst>
+              <a:ext uri="{FF2B5EF4-FFF2-40B4-BE49-F238E27FC236}">
+                <a16:creationId xmlns:a16="http://schemas.microsoft.com/office/drawing/2014/main" id="{FB34CACF-A155-4947-8276-D41A56CD0FD1}"/>
               </a:ext>
             </a:extLst>
           </p:cNvPr>
@@ -7137,7 +7137,7 @@
         </p:blipFill>
         <p:spPr>
           <a:xfrm>
-            <a:off x="2426765" y="5031429"/>
+            <a:off x="2438068" y="5024774"/>
             <a:ext cx="5959579" cy="2160000"/>
           </a:xfrm>
           <a:prstGeom prst="rect">
@@ -14293,7 +14293,7 @@
                 </a:effectLst>
                 <a:latin typeface="Exo 2 Extra Bold" panose="00000900000000000000" pitchFamily="50" charset="0"/>
               </a:rPr>
-              <a:t>Rodada #26</a:t>
+              <a:t>Rodada #27</a:t>
             </a:r>
           </a:p>
         </p:txBody>
@@ -14389,10 +14389,10 @@
       </p:pic>
       <p:pic>
         <p:nvPicPr>
-          <p:cNvPr id="3" name="Imagem 2">
-            <a:extLst>
-              <a:ext uri="{FF2B5EF4-FFF2-40B4-BE49-F238E27FC236}">
-                <a16:creationId xmlns:a16="http://schemas.microsoft.com/office/drawing/2014/main" id="{D928E782-3559-4E5C-93B6-9D7F4340C813}"/>
+          <p:cNvPr id="4" name="Imagem 3">
+            <a:extLst>
+              <a:ext uri="{FF2B5EF4-FFF2-40B4-BE49-F238E27FC236}">
+                <a16:creationId xmlns:a16="http://schemas.microsoft.com/office/drawing/2014/main" id="{67D36F22-3368-44C4-B55E-DD391B191632}"/>
               </a:ext>
             </a:extLst>
           </p:cNvPr>
@@ -14409,7 +14409,7 @@
         </p:blipFill>
         <p:spPr>
           <a:xfrm>
-            <a:off x="1584987" y="2031300"/>
+            <a:off x="1598181" y="2111486"/>
             <a:ext cx="7648742" cy="8280000"/>
           </a:xfrm>
           <a:prstGeom prst="rect">

--- a/Informativos.pptx
+++ b/Informativos.pptx
@@ -294,7 +294,7 @@
             <a:fld id="{11A6662E-FAF4-44BC-88B5-85A7CBFB6D30}" type="datetime1">
               <a:rPr lang="en-US" smtClean="0"/>
               <a:pPr/>
-              <a:t>10/19/2021</a:t>
+              <a:t>10/26/2021</a:t>
             </a:fld>
             <a:endParaRPr lang="en-US" dirty="0"/>
           </a:p>
@@ -521,7 +521,7 @@
           <a:p>
             <a:fld id="{4C559632-1575-4E14-B53B-3DC3D5ED3947}" type="datetime1">
               <a:rPr lang="en-US" smtClean="0"/>
-              <a:t>10/19/2021</a:t>
+              <a:t>10/26/2021</a:t>
             </a:fld>
             <a:endParaRPr lang="en-US"/>
           </a:p>
@@ -729,7 +729,7 @@
           <a:p>
             <a:fld id="{CC4A6868-2568-4CC9-B302-F37117B01A6E}" type="datetime1">
               <a:rPr lang="en-US" smtClean="0"/>
-              <a:t>10/19/2021</a:t>
+              <a:t>10/26/2021</a:t>
             </a:fld>
             <a:endParaRPr lang="en-US"/>
           </a:p>
@@ -934,7 +934,7 @@
           <a:p>
             <a:fld id="{0055F08A-1E71-4B2B-BB49-E743F2903911}" type="datetime1">
               <a:rPr lang="en-US" smtClean="0"/>
-              <a:t>10/19/2021</a:t>
+              <a:t>10/26/2021</a:t>
             </a:fld>
             <a:endParaRPr lang="en-US" dirty="0"/>
           </a:p>
@@ -1208,7 +1208,7 @@
           <a:p>
             <a:fld id="{15417D9E-721A-44BB-8863-9873FE64DA75}" type="datetime1">
               <a:rPr lang="en-US" smtClean="0"/>
-              <a:t>10/19/2021</a:t>
+              <a:t>10/26/2021</a:t>
             </a:fld>
             <a:endParaRPr lang="en-US"/>
           </a:p>
@@ -1481,7 +1481,7 @@
           <a:p>
             <a:fld id="{5F31DA2F-80B8-49CF-99FB-5ABCA53A607A}" type="datetime1">
               <a:rPr lang="en-US" smtClean="0"/>
-              <a:t>10/19/2021</a:t>
+              <a:t>10/26/2021</a:t>
             </a:fld>
             <a:endParaRPr lang="en-US"/>
           </a:p>
@@ -1896,7 +1896,7 @@
           <a:p>
             <a:fld id="{28852172-E6C9-4B6C-929A-A9DE3837BBF1}" type="datetime1">
               <a:rPr lang="en-US" smtClean="0"/>
-              <a:t>10/19/2021</a:t>
+              <a:t>10/26/2021</a:t>
             </a:fld>
             <a:endParaRPr lang="en-US"/>
           </a:p>
@@ -2048,7 +2048,7 @@
           <a:p>
             <a:fld id="{3AB41CFF-90C9-47B3-9DA1-F2BF8D839F7E}" type="datetime1">
               <a:rPr lang="en-US" smtClean="0"/>
-              <a:t>10/19/2021</a:t>
+              <a:t>10/26/2021</a:t>
             </a:fld>
             <a:endParaRPr lang="en-US"/>
           </a:p>
@@ -2161,7 +2161,7 @@
           <a:p>
             <a:fld id="{F06048FA-06AB-4884-A69B-986B96E68A24}" type="datetime1">
               <a:rPr lang="en-US" smtClean="0"/>
-              <a:t>10/19/2021</a:t>
+              <a:t>10/26/2021</a:t>
             </a:fld>
             <a:endParaRPr lang="en-US"/>
           </a:p>
@@ -2472,7 +2472,7 @@
           <a:p>
             <a:fld id="{50DB7ABA-0172-4F9C-889D-567164F66BCD}" type="datetime1">
               <a:rPr lang="en-US" smtClean="0"/>
-              <a:t>10/19/2021</a:t>
+              <a:t>10/26/2021</a:t>
             </a:fld>
             <a:endParaRPr lang="en-US"/>
           </a:p>
@@ -2763,7 +2763,7 @@
           <a:p>
             <a:fld id="{78AC6A5B-8AE7-4A41-B5A7-9ADC6686DC18}" type="datetime1">
               <a:rPr lang="en-US" smtClean="0"/>
-              <a:t>10/19/2021</a:t>
+              <a:t>10/26/2021</a:t>
             </a:fld>
             <a:endParaRPr lang="en-US"/>
           </a:p>
@@ -3072,7 +3072,7 @@
             <a:fld id="{57E0CF6C-748E-4B7A-BC8B-3011EF78ED13}" type="datetime1">
               <a:rPr lang="en-US" smtClean="0"/>
               <a:pPr/>
-              <a:t>10/19/2021</a:t>
+              <a:t>10/26/2021</a:t>
             </a:fld>
             <a:endParaRPr lang="en-US" dirty="0"/>
           </a:p>
@@ -4638,7 +4638,7 @@
                 </a:effectLst>
                 <a:latin typeface="Exo 2 Extra Bold" panose="00000900000000000000" pitchFamily="50" charset="0"/>
               </a:rPr>
-              <a:t>Rodada #27</a:t>
+              <a:t>Rodada #28</a:t>
             </a:r>
           </a:p>
         </p:txBody>
@@ -4681,10 +4681,10 @@
       </p:pic>
       <p:pic>
         <p:nvPicPr>
-          <p:cNvPr id="4" name="Imagem 3">
-            <a:extLst>
-              <a:ext uri="{FF2B5EF4-FFF2-40B4-BE49-F238E27FC236}">
-                <a16:creationId xmlns:a16="http://schemas.microsoft.com/office/drawing/2014/main" id="{0E3EECF5-CDD3-4505-9E95-79296E428AA0}"/>
+          <p:cNvPr id="3" name="Imagem 2">
+            <a:extLst>
+              <a:ext uri="{FF2B5EF4-FFF2-40B4-BE49-F238E27FC236}">
+                <a16:creationId xmlns:a16="http://schemas.microsoft.com/office/drawing/2014/main" id="{D54BB11F-203A-4704-8354-47B93D0A2B88}"/>
               </a:ext>
             </a:extLst>
           </p:cNvPr>
@@ -4701,7 +4701,7 @@
         </p:blipFill>
         <p:spPr>
           <a:xfrm>
-            <a:off x="1267118" y="2537010"/>
+            <a:off x="1279340" y="2526357"/>
             <a:ext cx="8280000" cy="6711047"/>
           </a:xfrm>
           <a:prstGeom prst="rect">
@@ -5773,7 +5773,7 @@
                 </a:effectLst>
                 <a:latin typeface="Exo 2 Extra Bold" panose="00000900000000000000" pitchFamily="50" charset="0"/>
               </a:rPr>
-              <a:t>Rodada #27</a:t>
+              <a:t>Rodada #28</a:t>
             </a:r>
           </a:p>
         </p:txBody>
@@ -5869,10 +5869,10 @@
       </p:pic>
       <p:pic>
         <p:nvPicPr>
-          <p:cNvPr id="4" name="Imagem 3">
-            <a:extLst>
-              <a:ext uri="{FF2B5EF4-FFF2-40B4-BE49-F238E27FC236}">
-                <a16:creationId xmlns:a16="http://schemas.microsoft.com/office/drawing/2014/main" id="{B4F055A1-9CF4-494C-8B10-4E78088C62AA}"/>
+          <p:cNvPr id="3" name="Imagem 2">
+            <a:extLst>
+              <a:ext uri="{FF2B5EF4-FFF2-40B4-BE49-F238E27FC236}">
+                <a16:creationId xmlns:a16="http://schemas.microsoft.com/office/drawing/2014/main" id="{6A9BE0DF-E4D6-43FA-BDB8-8B870DC6F103}"/>
               </a:ext>
             </a:extLst>
           </p:cNvPr>
@@ -5889,7 +5889,7 @@
         </p:blipFill>
         <p:spPr>
           <a:xfrm>
-            <a:off x="1267118" y="2527118"/>
+            <a:off x="1267118" y="2528041"/>
             <a:ext cx="8280000" cy="6975616"/>
           </a:xfrm>
           <a:prstGeom prst="rect">
@@ -6961,7 +6961,7 @@
                 </a:effectLst>
                 <a:latin typeface="Exo 2 Extra Bold" panose="00000900000000000000" pitchFamily="50" charset="0"/>
               </a:rPr>
-              <a:t>Rodada #27</a:t>
+              <a:t>Rodada #28</a:t>
             </a:r>
           </a:p>
         </p:txBody>
@@ -7087,10 +7087,10 @@
       </p:pic>
       <p:pic>
         <p:nvPicPr>
-          <p:cNvPr id="4" name="Imagem 3">
-            <a:extLst>
-              <a:ext uri="{FF2B5EF4-FFF2-40B4-BE49-F238E27FC236}">
-                <a16:creationId xmlns:a16="http://schemas.microsoft.com/office/drawing/2014/main" id="{241C9788-76C4-4E25-B819-E20BEEE7A33F}"/>
+          <p:cNvPr id="3" name="Imagem 2">
+            <a:extLst>
+              <a:ext uri="{FF2B5EF4-FFF2-40B4-BE49-F238E27FC236}">
+                <a16:creationId xmlns:a16="http://schemas.microsoft.com/office/drawing/2014/main" id="{418B36D1-73B0-4240-AF68-9DA2F34CAF3C}"/>
               </a:ext>
             </a:extLst>
           </p:cNvPr>
@@ -7107,7 +7107,7 @@
         </p:blipFill>
         <p:spPr>
           <a:xfrm>
-            <a:off x="2441971" y="2518301"/>
+            <a:off x="2434719" y="2523035"/>
             <a:ext cx="5959579" cy="2160000"/>
           </a:xfrm>
           <a:prstGeom prst="rect">
@@ -7117,10 +7117,10 @@
       </p:pic>
       <p:pic>
         <p:nvPicPr>
-          <p:cNvPr id="9" name="Imagem 8">
-            <a:extLst>
-              <a:ext uri="{FF2B5EF4-FFF2-40B4-BE49-F238E27FC236}">
-                <a16:creationId xmlns:a16="http://schemas.microsoft.com/office/drawing/2014/main" id="{FB34CACF-A155-4947-8276-D41A56CD0FD1}"/>
+          <p:cNvPr id="8" name="Imagem 7">
+            <a:extLst>
+              <a:ext uri="{FF2B5EF4-FFF2-40B4-BE49-F238E27FC236}">
+                <a16:creationId xmlns:a16="http://schemas.microsoft.com/office/drawing/2014/main" id="{C610F85C-F576-4CFD-876F-A0BB4BB128B8}"/>
               </a:ext>
             </a:extLst>
           </p:cNvPr>
@@ -7137,7 +7137,7 @@
         </p:blipFill>
         <p:spPr>
           <a:xfrm>
-            <a:off x="2438068" y="5024774"/>
+            <a:off x="2428588" y="5036728"/>
             <a:ext cx="5959579" cy="2160000"/>
           </a:xfrm>
           <a:prstGeom prst="rect">
@@ -8209,7 +8209,7 @@
                 </a:effectLst>
                 <a:latin typeface="Exo 2 Extra Bold" panose="00000900000000000000" pitchFamily="50" charset="0"/>
               </a:rPr>
-              <a:t>Rodada #23</a:t>
+              <a:t>Rodada #28</a:t>
             </a:r>
           </a:p>
         </p:txBody>
@@ -8365,10 +8365,10 @@
       </p:pic>
       <p:pic>
         <p:nvPicPr>
-          <p:cNvPr id="8" name="Imagem 7">
-            <a:extLst>
-              <a:ext uri="{FF2B5EF4-FFF2-40B4-BE49-F238E27FC236}">
-                <a16:creationId xmlns:a16="http://schemas.microsoft.com/office/drawing/2014/main" id="{9F5EDE94-85BC-4EA6-861D-8A69D4ADA5FD}"/>
+          <p:cNvPr id="3" name="Imagem 2">
+            <a:extLst>
+              <a:ext uri="{FF2B5EF4-FFF2-40B4-BE49-F238E27FC236}">
+                <a16:creationId xmlns:a16="http://schemas.microsoft.com/office/drawing/2014/main" id="{9D332866-44D0-4DE1-BC52-35A2F21BB138}"/>
               </a:ext>
             </a:extLst>
           </p:cNvPr>
@@ -8385,7 +8385,7 @@
         </p:blipFill>
         <p:spPr>
           <a:xfrm>
-            <a:off x="1624447" y="4214264"/>
+            <a:off x="1635341" y="4216364"/>
             <a:ext cx="7560000" cy="1670359"/>
           </a:xfrm>
           <a:prstGeom prst="rect">
@@ -8395,10 +8395,10 @@
       </p:pic>
       <p:pic>
         <p:nvPicPr>
-          <p:cNvPr id="18" name="Imagem 17">
-            <a:extLst>
-              <a:ext uri="{FF2B5EF4-FFF2-40B4-BE49-F238E27FC236}">
-                <a16:creationId xmlns:a16="http://schemas.microsoft.com/office/drawing/2014/main" id="{E500D798-DE25-452F-B503-5E332E294936}"/>
+          <p:cNvPr id="10" name="Imagem 9">
+            <a:extLst>
+              <a:ext uri="{FF2B5EF4-FFF2-40B4-BE49-F238E27FC236}">
+                <a16:creationId xmlns:a16="http://schemas.microsoft.com/office/drawing/2014/main" id="{F02D1E08-DEAA-410E-85F6-74A45F5176E2}"/>
               </a:ext>
             </a:extLst>
           </p:cNvPr>
@@ -8415,7 +8415,7 @@
         </p:blipFill>
         <p:spPr>
           <a:xfrm>
-            <a:off x="1633867" y="6979097"/>
+            <a:off x="1624383" y="6979097"/>
             <a:ext cx="7560000" cy="1670359"/>
           </a:xfrm>
           <a:prstGeom prst="rect">
@@ -9524,25 +9524,6 @@
           <a:p>
             <a:pPr algn="ctr"/>
             <a:r>
-              <a:rPr lang="pt-BR" sz="4800" b="0" cap="none" spc="0" dirty="0" err="1">
-                <a:ln w="0">
-                  <a:noFill/>
-                </a:ln>
-                <a:solidFill>
-                  <a:schemeClr val="bg1"/>
-                </a:solidFill>
-                <a:effectLst>
-                  <a:outerShdw blurRad="38100" dist="19050" dir="2700000" algn="tl" rotWithShape="0">
-                    <a:schemeClr val="dk1">
-                      <a:alpha val="40000"/>
-                    </a:schemeClr>
-                  </a:outerShdw>
-                </a:effectLst>
-                <a:latin typeface="Exo 2 Extra Bold" panose="00000900000000000000" pitchFamily="50" charset="0"/>
-              </a:rPr>
-              <a:t>Mata-mata</a:t>
-            </a:r>
-            <a:r>
               <a:rPr lang="pt-BR" sz="4800" b="0" cap="none" spc="0" dirty="0">
                 <a:ln w="0">
                   <a:noFill/>
@@ -9559,43 +9540,8 @@
                 </a:effectLst>
                 <a:latin typeface="Exo 2 Extra Bold" panose="00000900000000000000" pitchFamily="50" charset="0"/>
               </a:rPr>
-              <a:t> #</a:t>
+              <a:t>Mata-mata #06</a:t>
             </a:r>
-            <a:r>
-              <a:rPr lang="pt-BR" sz="4800" dirty="0">
-                <a:ln w="0">
-                  <a:noFill/>
-                </a:ln>
-                <a:solidFill>
-                  <a:schemeClr val="bg1"/>
-                </a:solidFill>
-                <a:effectLst>
-                  <a:outerShdw blurRad="38100" dist="19050" dir="2700000" algn="tl" rotWithShape="0">
-                    <a:schemeClr val="dk1">
-                      <a:alpha val="40000"/>
-                    </a:schemeClr>
-                  </a:outerShdw>
-                </a:effectLst>
-                <a:latin typeface="Exo 2 Extra Bold" panose="00000900000000000000" pitchFamily="50" charset="0"/>
-              </a:rPr>
-              <a:t>5</a:t>
-            </a:r>
-            <a:endParaRPr lang="pt-BR" sz="4800" b="0" cap="none" spc="0" dirty="0">
-              <a:ln w="0">
-                <a:noFill/>
-              </a:ln>
-              <a:solidFill>
-                <a:schemeClr val="bg1"/>
-              </a:solidFill>
-              <a:effectLst>
-                <a:outerShdw blurRad="38100" dist="19050" dir="2700000" algn="tl" rotWithShape="0">
-                  <a:schemeClr val="dk1">
-                    <a:alpha val="40000"/>
-                  </a:schemeClr>
-                </a:outerShdw>
-              </a:effectLst>
-              <a:latin typeface="Exo 2 Extra Bold" panose="00000900000000000000" pitchFamily="50" charset="0"/>
-            </a:endParaRPr>
           </a:p>
         </p:txBody>
       </p:sp>
@@ -9637,10 +9583,10 @@
       </p:pic>
       <p:pic>
         <p:nvPicPr>
-          <p:cNvPr id="4" name="Imagem 3">
-            <a:extLst>
-              <a:ext uri="{FF2B5EF4-FFF2-40B4-BE49-F238E27FC236}">
-                <a16:creationId xmlns:a16="http://schemas.microsoft.com/office/drawing/2014/main" id="{64C8E94D-02E8-4945-84CB-6633BE59230D}"/>
+          <p:cNvPr id="3" name="Imagem 2">
+            <a:extLst>
+              <a:ext uri="{FF2B5EF4-FFF2-40B4-BE49-F238E27FC236}">
+                <a16:creationId xmlns:a16="http://schemas.microsoft.com/office/drawing/2014/main" id="{96BAD24B-DDB2-4878-9BBA-79626D8EE5AA}"/>
               </a:ext>
             </a:extLst>
           </p:cNvPr>
@@ -9657,7 +9603,7 @@
         </p:blipFill>
         <p:spPr>
           <a:xfrm>
-            <a:off x="844038" y="2548823"/>
+            <a:off x="850363" y="2511824"/>
             <a:ext cx="9137954" cy="7200000"/>
           </a:xfrm>
           <a:prstGeom prst="rect">
@@ -10782,7 +10728,7 @@
                 </a:effectLst>
                 <a:latin typeface="Exo 2 Extra Bold" panose="00000900000000000000" pitchFamily="50" charset="0"/>
               </a:rPr>
-              <a:t>Mata-mata #05</a:t>
+              <a:t>Mata-mata #06</a:t>
             </a:r>
           </a:p>
         </p:txBody>
@@ -10825,10 +10771,10 @@
       </p:pic>
       <p:pic>
         <p:nvPicPr>
-          <p:cNvPr id="4" name="Imagem 3">
-            <a:extLst>
-              <a:ext uri="{FF2B5EF4-FFF2-40B4-BE49-F238E27FC236}">
-                <a16:creationId xmlns:a16="http://schemas.microsoft.com/office/drawing/2014/main" id="{70027576-4DC1-4F51-A971-C333CACDBA78}"/>
+          <p:cNvPr id="3" name="Imagem 2">
+            <a:extLst>
+              <a:ext uri="{FF2B5EF4-FFF2-40B4-BE49-F238E27FC236}">
+                <a16:creationId xmlns:a16="http://schemas.microsoft.com/office/drawing/2014/main" id="{EEF5B5CA-577F-4E80-9F56-6C932D490AB9}"/>
               </a:ext>
             </a:extLst>
           </p:cNvPr>
@@ -10845,7 +10791,7 @@
         </p:blipFill>
         <p:spPr>
           <a:xfrm>
-            <a:off x="842216" y="2535105"/>
+            <a:off x="851227" y="2512582"/>
             <a:ext cx="9137954" cy="7200000"/>
           </a:xfrm>
           <a:prstGeom prst="rect">
@@ -11970,7 +11916,7 @@
                 </a:effectLst>
                 <a:latin typeface="Exo 2 Extra Bold" panose="00000900000000000000" pitchFamily="50" charset="0"/>
               </a:rPr>
-              <a:t>Mata-mata #05</a:t>
+              <a:t>Mata-mata #06</a:t>
             </a:r>
           </a:p>
         </p:txBody>
@@ -12013,10 +11959,10 @@
       </p:pic>
       <p:pic>
         <p:nvPicPr>
-          <p:cNvPr id="4" name="Imagem 3">
-            <a:extLst>
-              <a:ext uri="{FF2B5EF4-FFF2-40B4-BE49-F238E27FC236}">
-                <a16:creationId xmlns:a16="http://schemas.microsoft.com/office/drawing/2014/main" id="{CD2BCE72-83CD-4733-98EE-7A28E0187790}"/>
+          <p:cNvPr id="3" name="Imagem 2">
+            <a:extLst>
+              <a:ext uri="{FF2B5EF4-FFF2-40B4-BE49-F238E27FC236}">
+                <a16:creationId xmlns:a16="http://schemas.microsoft.com/office/drawing/2014/main" id="{B3EB8631-A424-40D9-97E2-EF43B92DC06A}"/>
               </a:ext>
             </a:extLst>
           </p:cNvPr>
@@ -12033,7 +11979,7 @@
         </p:blipFill>
         <p:spPr>
           <a:xfrm>
-            <a:off x="850670" y="2524647"/>
+            <a:off x="848522" y="2515909"/>
             <a:ext cx="9137954" cy="7200000"/>
           </a:xfrm>
           <a:prstGeom prst="rect">
@@ -13158,7 +13104,7 @@
                 </a:effectLst>
                 <a:latin typeface="Exo 2 Extra Bold" panose="00000900000000000000" pitchFamily="50" charset="0"/>
               </a:rPr>
-              <a:t>Mata-mata #05</a:t>
+              <a:t>Mata-mata #06</a:t>
             </a:r>
           </a:p>
         </p:txBody>
@@ -13201,10 +13147,10 @@
       </p:pic>
       <p:pic>
         <p:nvPicPr>
-          <p:cNvPr id="4" name="Imagem 3">
-            <a:extLst>
-              <a:ext uri="{FF2B5EF4-FFF2-40B4-BE49-F238E27FC236}">
-                <a16:creationId xmlns:a16="http://schemas.microsoft.com/office/drawing/2014/main" id="{3EAD3565-A6B3-454D-A81D-C2EF473EB171}"/>
+          <p:cNvPr id="3" name="Imagem 2">
+            <a:extLst>
+              <a:ext uri="{FF2B5EF4-FFF2-40B4-BE49-F238E27FC236}">
+                <a16:creationId xmlns:a16="http://schemas.microsoft.com/office/drawing/2014/main" id="{B77D639B-3B7A-45CF-98C6-3EB58BF3C1A9}"/>
               </a:ext>
             </a:extLst>
           </p:cNvPr>
@@ -13221,7 +13167,7 @@
         </p:blipFill>
         <p:spPr>
           <a:xfrm>
-            <a:off x="1807048" y="3497327"/>
+            <a:off x="1807118" y="3954387"/>
             <a:ext cx="7200000" cy="3841399"/>
           </a:xfrm>
           <a:prstGeom prst="rect">
@@ -14293,7 +14239,7 @@
                 </a:effectLst>
                 <a:latin typeface="Exo 2 Extra Bold" panose="00000900000000000000" pitchFamily="50" charset="0"/>
               </a:rPr>
-              <a:t>Rodada #27</a:t>
+              <a:t>Rodada #28</a:t>
             </a:r>
           </a:p>
         </p:txBody>
@@ -14389,10 +14335,10 @@
       </p:pic>
       <p:pic>
         <p:nvPicPr>
-          <p:cNvPr id="4" name="Imagem 3">
-            <a:extLst>
-              <a:ext uri="{FF2B5EF4-FFF2-40B4-BE49-F238E27FC236}">
-                <a16:creationId xmlns:a16="http://schemas.microsoft.com/office/drawing/2014/main" id="{67D36F22-3368-44C4-B55E-DD391B191632}"/>
+          <p:cNvPr id="8" name="Imagem 7">
+            <a:extLst>
+              <a:ext uri="{FF2B5EF4-FFF2-40B4-BE49-F238E27FC236}">
+                <a16:creationId xmlns:a16="http://schemas.microsoft.com/office/drawing/2014/main" id="{0B32BB66-8DCC-4E75-A417-B0C30F82362E}"/>
               </a:ext>
             </a:extLst>
           </p:cNvPr>
@@ -14409,7 +14355,7 @@
         </p:blipFill>
         <p:spPr>
           <a:xfrm>
-            <a:off x="1598181" y="2111486"/>
+            <a:off x="1592078" y="2051346"/>
             <a:ext cx="7648742" cy="8280000"/>
           </a:xfrm>
           <a:prstGeom prst="rect">

--- a/Informativos.pptx
+++ b/Informativos.pptx
@@ -294,7 +294,7 @@
             <a:fld id="{11A6662E-FAF4-44BC-88B5-85A7CBFB6D30}" type="datetime1">
               <a:rPr lang="en-US" smtClean="0"/>
               <a:pPr/>
-              <a:t>10/26/2021</a:t>
+              <a:t>11/3/2021</a:t>
             </a:fld>
             <a:endParaRPr lang="en-US" dirty="0"/>
           </a:p>
@@ -521,7 +521,7 @@
           <a:p>
             <a:fld id="{4C559632-1575-4E14-B53B-3DC3D5ED3947}" type="datetime1">
               <a:rPr lang="en-US" smtClean="0"/>
-              <a:t>10/26/2021</a:t>
+              <a:t>11/3/2021</a:t>
             </a:fld>
             <a:endParaRPr lang="en-US"/>
           </a:p>
@@ -729,7 +729,7 @@
           <a:p>
             <a:fld id="{CC4A6868-2568-4CC9-B302-F37117B01A6E}" type="datetime1">
               <a:rPr lang="en-US" smtClean="0"/>
-              <a:t>10/26/2021</a:t>
+              <a:t>11/3/2021</a:t>
             </a:fld>
             <a:endParaRPr lang="en-US"/>
           </a:p>
@@ -934,7 +934,7 @@
           <a:p>
             <a:fld id="{0055F08A-1E71-4B2B-BB49-E743F2903911}" type="datetime1">
               <a:rPr lang="en-US" smtClean="0"/>
-              <a:t>10/26/2021</a:t>
+              <a:t>11/3/2021</a:t>
             </a:fld>
             <a:endParaRPr lang="en-US" dirty="0"/>
           </a:p>
@@ -1208,7 +1208,7 @@
           <a:p>
             <a:fld id="{15417D9E-721A-44BB-8863-9873FE64DA75}" type="datetime1">
               <a:rPr lang="en-US" smtClean="0"/>
-              <a:t>10/26/2021</a:t>
+              <a:t>11/3/2021</a:t>
             </a:fld>
             <a:endParaRPr lang="en-US"/>
           </a:p>
@@ -1481,7 +1481,7 @@
           <a:p>
             <a:fld id="{5F31DA2F-80B8-49CF-99FB-5ABCA53A607A}" type="datetime1">
               <a:rPr lang="en-US" smtClean="0"/>
-              <a:t>10/26/2021</a:t>
+              <a:t>11/3/2021</a:t>
             </a:fld>
             <a:endParaRPr lang="en-US"/>
           </a:p>
@@ -1896,7 +1896,7 @@
           <a:p>
             <a:fld id="{28852172-E6C9-4B6C-929A-A9DE3837BBF1}" type="datetime1">
               <a:rPr lang="en-US" smtClean="0"/>
-              <a:t>10/26/2021</a:t>
+              <a:t>11/3/2021</a:t>
             </a:fld>
             <a:endParaRPr lang="en-US"/>
           </a:p>
@@ -2048,7 +2048,7 @@
           <a:p>
             <a:fld id="{3AB41CFF-90C9-47B3-9DA1-F2BF8D839F7E}" type="datetime1">
               <a:rPr lang="en-US" smtClean="0"/>
-              <a:t>10/26/2021</a:t>
+              <a:t>11/3/2021</a:t>
             </a:fld>
             <a:endParaRPr lang="en-US"/>
           </a:p>
@@ -2161,7 +2161,7 @@
           <a:p>
             <a:fld id="{F06048FA-06AB-4884-A69B-986B96E68A24}" type="datetime1">
               <a:rPr lang="en-US" smtClean="0"/>
-              <a:t>10/26/2021</a:t>
+              <a:t>11/3/2021</a:t>
             </a:fld>
             <a:endParaRPr lang="en-US"/>
           </a:p>
@@ -2472,7 +2472,7 @@
           <a:p>
             <a:fld id="{50DB7ABA-0172-4F9C-889D-567164F66BCD}" type="datetime1">
               <a:rPr lang="en-US" smtClean="0"/>
-              <a:t>10/26/2021</a:t>
+              <a:t>11/3/2021</a:t>
             </a:fld>
             <a:endParaRPr lang="en-US"/>
           </a:p>
@@ -2763,7 +2763,7 @@
           <a:p>
             <a:fld id="{78AC6A5B-8AE7-4A41-B5A7-9ADC6686DC18}" type="datetime1">
               <a:rPr lang="en-US" smtClean="0"/>
-              <a:t>10/26/2021</a:t>
+              <a:t>11/3/2021</a:t>
             </a:fld>
             <a:endParaRPr lang="en-US"/>
           </a:p>
@@ -3072,7 +3072,7 @@
             <a:fld id="{57E0CF6C-748E-4B7A-BC8B-3011EF78ED13}" type="datetime1">
               <a:rPr lang="en-US" smtClean="0"/>
               <a:pPr/>
-              <a:t>10/26/2021</a:t>
+              <a:t>11/3/2021</a:t>
             </a:fld>
             <a:endParaRPr lang="en-US" dirty="0"/>
           </a:p>
@@ -4638,7 +4638,7 @@
                 </a:effectLst>
                 <a:latin typeface="Exo 2 Extra Bold" panose="00000900000000000000" pitchFamily="50" charset="0"/>
               </a:rPr>
-              <a:t>Rodada #28</a:t>
+              <a:t>Rodada #29</a:t>
             </a:r>
           </a:p>
         </p:txBody>
@@ -4681,10 +4681,10 @@
       </p:pic>
       <p:pic>
         <p:nvPicPr>
-          <p:cNvPr id="3" name="Imagem 2">
-            <a:extLst>
-              <a:ext uri="{FF2B5EF4-FFF2-40B4-BE49-F238E27FC236}">
-                <a16:creationId xmlns:a16="http://schemas.microsoft.com/office/drawing/2014/main" id="{D54BB11F-203A-4704-8354-47B93D0A2B88}"/>
+          <p:cNvPr id="4" name="Imagem 3">
+            <a:extLst>
+              <a:ext uri="{FF2B5EF4-FFF2-40B4-BE49-F238E27FC236}">
+                <a16:creationId xmlns:a16="http://schemas.microsoft.com/office/drawing/2014/main" id="{CC4845B8-9509-46E2-A774-55276D4C11C2}"/>
               </a:ext>
             </a:extLst>
           </p:cNvPr>
@@ -4701,7 +4701,7 @@
         </p:blipFill>
         <p:spPr>
           <a:xfrm>
-            <a:off x="1279340" y="2526357"/>
+            <a:off x="1267118" y="2529445"/>
             <a:ext cx="8280000" cy="6711047"/>
           </a:xfrm>
           <a:prstGeom prst="rect">
@@ -5773,7 +5773,7 @@
                 </a:effectLst>
                 <a:latin typeface="Exo 2 Extra Bold" panose="00000900000000000000" pitchFamily="50" charset="0"/>
               </a:rPr>
-              <a:t>Rodada #28</a:t>
+              <a:t>Rodada #29</a:t>
             </a:r>
           </a:p>
         </p:txBody>
@@ -5869,10 +5869,10 @@
       </p:pic>
       <p:pic>
         <p:nvPicPr>
-          <p:cNvPr id="3" name="Imagem 2">
-            <a:extLst>
-              <a:ext uri="{FF2B5EF4-FFF2-40B4-BE49-F238E27FC236}">
-                <a16:creationId xmlns:a16="http://schemas.microsoft.com/office/drawing/2014/main" id="{6A9BE0DF-E4D6-43FA-BDB8-8B870DC6F103}"/>
+          <p:cNvPr id="4" name="Imagem 3">
+            <a:extLst>
+              <a:ext uri="{FF2B5EF4-FFF2-40B4-BE49-F238E27FC236}">
+                <a16:creationId xmlns:a16="http://schemas.microsoft.com/office/drawing/2014/main" id="{38B30D05-52C2-4F25-A37E-1E1E6E5E3F48}"/>
               </a:ext>
             </a:extLst>
           </p:cNvPr>
@@ -5889,7 +5889,7 @@
         </p:blipFill>
         <p:spPr>
           <a:xfrm>
-            <a:off x="1267118" y="2528041"/>
+            <a:off x="1280662" y="2540891"/>
             <a:ext cx="8280000" cy="6975616"/>
           </a:xfrm>
           <a:prstGeom prst="rect">
@@ -6961,7 +6961,7 @@
                 </a:effectLst>
                 <a:latin typeface="Exo 2 Extra Bold" panose="00000900000000000000" pitchFamily="50" charset="0"/>
               </a:rPr>
-              <a:t>Rodada #28</a:t>
+              <a:t>Rodada #29</a:t>
             </a:r>
           </a:p>
         </p:txBody>
@@ -7087,10 +7087,10 @@
       </p:pic>
       <p:pic>
         <p:nvPicPr>
-          <p:cNvPr id="3" name="Imagem 2">
-            <a:extLst>
-              <a:ext uri="{FF2B5EF4-FFF2-40B4-BE49-F238E27FC236}">
-                <a16:creationId xmlns:a16="http://schemas.microsoft.com/office/drawing/2014/main" id="{418B36D1-73B0-4240-AF68-9DA2F34CAF3C}"/>
+          <p:cNvPr id="4" name="Imagem 3">
+            <a:extLst>
+              <a:ext uri="{FF2B5EF4-FFF2-40B4-BE49-F238E27FC236}">
+                <a16:creationId xmlns:a16="http://schemas.microsoft.com/office/drawing/2014/main" id="{707C53EA-AFD1-4C4B-9C48-C2EC88FA8F7D}"/>
               </a:ext>
             </a:extLst>
           </p:cNvPr>
@@ -7107,7 +7107,7 @@
         </p:blipFill>
         <p:spPr>
           <a:xfrm>
-            <a:off x="2434719" y="2523035"/>
+            <a:off x="2425236" y="2523035"/>
             <a:ext cx="5959579" cy="2160000"/>
           </a:xfrm>
           <a:prstGeom prst="rect">
@@ -7117,10 +7117,10 @@
       </p:pic>
       <p:pic>
         <p:nvPicPr>
-          <p:cNvPr id="8" name="Imagem 7">
-            <a:extLst>
-              <a:ext uri="{FF2B5EF4-FFF2-40B4-BE49-F238E27FC236}">
-                <a16:creationId xmlns:a16="http://schemas.microsoft.com/office/drawing/2014/main" id="{C610F85C-F576-4CFD-876F-A0BB4BB128B8}"/>
+          <p:cNvPr id="9" name="Imagem 8">
+            <a:extLst>
+              <a:ext uri="{FF2B5EF4-FFF2-40B4-BE49-F238E27FC236}">
+                <a16:creationId xmlns:a16="http://schemas.microsoft.com/office/drawing/2014/main" id="{2539FAFB-01CD-4209-A78A-4F520701BDBD}"/>
               </a:ext>
             </a:extLst>
           </p:cNvPr>
@@ -7137,7 +7137,7 @@
         </p:blipFill>
         <p:spPr>
           <a:xfrm>
-            <a:off x="2428588" y="5036728"/>
+            <a:off x="2439886" y="5036728"/>
             <a:ext cx="5959579" cy="2160000"/>
           </a:xfrm>
           <a:prstGeom prst="rect">
@@ -14239,7 +14239,7 @@
                 </a:effectLst>
                 <a:latin typeface="Exo 2 Extra Bold" panose="00000900000000000000" pitchFamily="50" charset="0"/>
               </a:rPr>
-              <a:t>Rodada #28</a:t>
+              <a:t>Rodada #29</a:t>
             </a:r>
           </a:p>
         </p:txBody>
@@ -14335,10 +14335,10 @@
       </p:pic>
       <p:pic>
         <p:nvPicPr>
-          <p:cNvPr id="8" name="Imagem 7">
-            <a:extLst>
-              <a:ext uri="{FF2B5EF4-FFF2-40B4-BE49-F238E27FC236}">
-                <a16:creationId xmlns:a16="http://schemas.microsoft.com/office/drawing/2014/main" id="{0B32BB66-8DCC-4E75-A417-B0C30F82362E}"/>
+          <p:cNvPr id="3" name="Imagem 2">
+            <a:extLst>
+              <a:ext uri="{FF2B5EF4-FFF2-40B4-BE49-F238E27FC236}">
+                <a16:creationId xmlns:a16="http://schemas.microsoft.com/office/drawing/2014/main" id="{98373257-5D79-438A-8E5E-B3073FF504FD}"/>
               </a:ext>
             </a:extLst>
           </p:cNvPr>
@@ -14355,7 +14355,7 @@
         </p:blipFill>
         <p:spPr>
           <a:xfrm>
-            <a:off x="1592078" y="2051346"/>
+            <a:off x="1583782" y="2009782"/>
             <a:ext cx="7648742" cy="8280000"/>
           </a:xfrm>
           <a:prstGeom prst="rect">

--- a/Informativos.pptx
+++ b/Informativos.pptx
@@ -294,7 +294,7 @@
             <a:fld id="{11A6662E-FAF4-44BC-88B5-85A7CBFB6D30}" type="datetime1">
               <a:rPr lang="en-US" smtClean="0"/>
               <a:pPr/>
-              <a:t>11/3/2021</a:t>
+              <a:t>11/9/2021</a:t>
             </a:fld>
             <a:endParaRPr lang="en-US" dirty="0"/>
           </a:p>
@@ -521,7 +521,7 @@
           <a:p>
             <a:fld id="{4C559632-1575-4E14-B53B-3DC3D5ED3947}" type="datetime1">
               <a:rPr lang="en-US" smtClean="0"/>
-              <a:t>11/3/2021</a:t>
+              <a:t>11/9/2021</a:t>
             </a:fld>
             <a:endParaRPr lang="en-US"/>
           </a:p>
@@ -729,7 +729,7 @@
           <a:p>
             <a:fld id="{CC4A6868-2568-4CC9-B302-F37117B01A6E}" type="datetime1">
               <a:rPr lang="en-US" smtClean="0"/>
-              <a:t>11/3/2021</a:t>
+              <a:t>11/9/2021</a:t>
             </a:fld>
             <a:endParaRPr lang="en-US"/>
           </a:p>
@@ -934,7 +934,7 @@
           <a:p>
             <a:fld id="{0055F08A-1E71-4B2B-BB49-E743F2903911}" type="datetime1">
               <a:rPr lang="en-US" smtClean="0"/>
-              <a:t>11/3/2021</a:t>
+              <a:t>11/9/2021</a:t>
             </a:fld>
             <a:endParaRPr lang="en-US" dirty="0"/>
           </a:p>
@@ -1208,7 +1208,7 @@
           <a:p>
             <a:fld id="{15417D9E-721A-44BB-8863-9873FE64DA75}" type="datetime1">
               <a:rPr lang="en-US" smtClean="0"/>
-              <a:t>11/3/2021</a:t>
+              <a:t>11/9/2021</a:t>
             </a:fld>
             <a:endParaRPr lang="en-US"/>
           </a:p>
@@ -1481,7 +1481,7 @@
           <a:p>
             <a:fld id="{5F31DA2F-80B8-49CF-99FB-5ABCA53A607A}" type="datetime1">
               <a:rPr lang="en-US" smtClean="0"/>
-              <a:t>11/3/2021</a:t>
+              <a:t>11/9/2021</a:t>
             </a:fld>
             <a:endParaRPr lang="en-US"/>
           </a:p>
@@ -1896,7 +1896,7 @@
           <a:p>
             <a:fld id="{28852172-E6C9-4B6C-929A-A9DE3837BBF1}" type="datetime1">
               <a:rPr lang="en-US" smtClean="0"/>
-              <a:t>11/3/2021</a:t>
+              <a:t>11/9/2021</a:t>
             </a:fld>
             <a:endParaRPr lang="en-US"/>
           </a:p>
@@ -2048,7 +2048,7 @@
           <a:p>
             <a:fld id="{3AB41CFF-90C9-47B3-9DA1-F2BF8D839F7E}" type="datetime1">
               <a:rPr lang="en-US" smtClean="0"/>
-              <a:t>11/3/2021</a:t>
+              <a:t>11/9/2021</a:t>
             </a:fld>
             <a:endParaRPr lang="en-US"/>
           </a:p>
@@ -2161,7 +2161,7 @@
           <a:p>
             <a:fld id="{F06048FA-06AB-4884-A69B-986B96E68A24}" type="datetime1">
               <a:rPr lang="en-US" smtClean="0"/>
-              <a:t>11/3/2021</a:t>
+              <a:t>11/9/2021</a:t>
             </a:fld>
             <a:endParaRPr lang="en-US"/>
           </a:p>
@@ -2472,7 +2472,7 @@
           <a:p>
             <a:fld id="{50DB7ABA-0172-4F9C-889D-567164F66BCD}" type="datetime1">
               <a:rPr lang="en-US" smtClean="0"/>
-              <a:t>11/3/2021</a:t>
+              <a:t>11/9/2021</a:t>
             </a:fld>
             <a:endParaRPr lang="en-US"/>
           </a:p>
@@ -2763,7 +2763,7 @@
           <a:p>
             <a:fld id="{78AC6A5B-8AE7-4A41-B5A7-9ADC6686DC18}" type="datetime1">
               <a:rPr lang="en-US" smtClean="0"/>
-              <a:t>11/3/2021</a:t>
+              <a:t>11/9/2021</a:t>
             </a:fld>
             <a:endParaRPr lang="en-US"/>
           </a:p>
@@ -3072,7 +3072,7 @@
             <a:fld id="{57E0CF6C-748E-4B7A-BC8B-3011EF78ED13}" type="datetime1">
               <a:rPr lang="en-US" smtClean="0"/>
               <a:pPr/>
-              <a:t>11/3/2021</a:t>
+              <a:t>11/9/2021</a:t>
             </a:fld>
             <a:endParaRPr lang="en-US" dirty="0"/>
           </a:p>
@@ -4638,8 +4638,43 @@
                 </a:effectLst>
                 <a:latin typeface="Exo 2 Extra Bold" panose="00000900000000000000" pitchFamily="50" charset="0"/>
               </a:rPr>
-              <a:t>Rodada #29</a:t>
+              <a:t>Rodada #</a:t>
             </a:r>
+            <a:r>
+              <a:rPr lang="pt-BR" sz="4800" dirty="0">
+                <a:ln w="0">
+                  <a:noFill/>
+                </a:ln>
+                <a:solidFill>
+                  <a:schemeClr val="bg1"/>
+                </a:solidFill>
+                <a:effectLst>
+                  <a:outerShdw blurRad="38100" dist="19050" dir="2700000" algn="tl" rotWithShape="0">
+                    <a:schemeClr val="dk1">
+                      <a:alpha val="40000"/>
+                    </a:schemeClr>
+                  </a:outerShdw>
+                </a:effectLst>
+                <a:latin typeface="Exo 2 Extra Bold" panose="00000900000000000000" pitchFamily="50" charset="0"/>
+              </a:rPr>
+              <a:t>30</a:t>
+            </a:r>
+            <a:endParaRPr lang="pt-BR" sz="4800" b="0" cap="none" spc="0" dirty="0">
+              <a:ln w="0">
+                <a:noFill/>
+              </a:ln>
+              <a:solidFill>
+                <a:schemeClr val="bg1"/>
+              </a:solidFill>
+              <a:effectLst>
+                <a:outerShdw blurRad="38100" dist="19050" dir="2700000" algn="tl" rotWithShape="0">
+                  <a:schemeClr val="dk1">
+                    <a:alpha val="40000"/>
+                  </a:schemeClr>
+                </a:outerShdw>
+              </a:effectLst>
+              <a:latin typeface="Exo 2 Extra Bold" panose="00000900000000000000" pitchFamily="50" charset="0"/>
+            </a:endParaRPr>
           </a:p>
         </p:txBody>
       </p:sp>
@@ -4681,10 +4716,10 @@
       </p:pic>
       <p:pic>
         <p:nvPicPr>
-          <p:cNvPr id="4" name="Imagem 3">
-            <a:extLst>
-              <a:ext uri="{FF2B5EF4-FFF2-40B4-BE49-F238E27FC236}">
-                <a16:creationId xmlns:a16="http://schemas.microsoft.com/office/drawing/2014/main" id="{CC4845B8-9509-46E2-A774-55276D4C11C2}"/>
+          <p:cNvPr id="3" name="Imagem 2">
+            <a:extLst>
+              <a:ext uri="{FF2B5EF4-FFF2-40B4-BE49-F238E27FC236}">
+                <a16:creationId xmlns:a16="http://schemas.microsoft.com/office/drawing/2014/main" id="{105C3F1E-CB5B-4051-A71B-85B9FAD025EE}"/>
               </a:ext>
             </a:extLst>
           </p:cNvPr>
@@ -4701,7 +4736,7 @@
         </p:blipFill>
         <p:spPr>
           <a:xfrm>
-            <a:off x="1267118" y="2529445"/>
+            <a:off x="1267118" y="2526233"/>
             <a:ext cx="8280000" cy="6711047"/>
           </a:xfrm>
           <a:prstGeom prst="rect">
@@ -5773,8 +5808,43 @@
                 </a:effectLst>
                 <a:latin typeface="Exo 2 Extra Bold" panose="00000900000000000000" pitchFamily="50" charset="0"/>
               </a:rPr>
-              <a:t>Rodada #29</a:t>
+              <a:t>Rodada #</a:t>
             </a:r>
+            <a:r>
+              <a:rPr lang="pt-BR" sz="4800" dirty="0">
+                <a:ln w="0">
+                  <a:noFill/>
+                </a:ln>
+                <a:solidFill>
+                  <a:schemeClr val="bg1"/>
+                </a:solidFill>
+                <a:effectLst>
+                  <a:outerShdw blurRad="38100" dist="19050" dir="2700000" algn="tl" rotWithShape="0">
+                    <a:schemeClr val="dk1">
+                      <a:alpha val="40000"/>
+                    </a:schemeClr>
+                  </a:outerShdw>
+                </a:effectLst>
+                <a:latin typeface="Exo 2 Extra Bold" panose="00000900000000000000" pitchFamily="50" charset="0"/>
+              </a:rPr>
+              <a:t>30</a:t>
+            </a:r>
+            <a:endParaRPr lang="pt-BR" sz="4800" b="0" cap="none" spc="0" dirty="0">
+              <a:ln w="0">
+                <a:noFill/>
+              </a:ln>
+              <a:solidFill>
+                <a:schemeClr val="bg1"/>
+              </a:solidFill>
+              <a:effectLst>
+                <a:outerShdw blurRad="38100" dist="19050" dir="2700000" algn="tl" rotWithShape="0">
+                  <a:schemeClr val="dk1">
+                    <a:alpha val="40000"/>
+                  </a:schemeClr>
+                </a:outerShdw>
+              </a:effectLst>
+              <a:latin typeface="Exo 2 Extra Bold" panose="00000900000000000000" pitchFamily="50" charset="0"/>
+            </a:endParaRPr>
           </a:p>
         </p:txBody>
       </p:sp>
@@ -5869,10 +5939,10 @@
       </p:pic>
       <p:pic>
         <p:nvPicPr>
-          <p:cNvPr id="4" name="Imagem 3">
-            <a:extLst>
-              <a:ext uri="{FF2B5EF4-FFF2-40B4-BE49-F238E27FC236}">
-                <a16:creationId xmlns:a16="http://schemas.microsoft.com/office/drawing/2014/main" id="{38B30D05-52C2-4F25-A37E-1E1E6E5E3F48}"/>
+          <p:cNvPr id="3" name="Imagem 2">
+            <a:extLst>
+              <a:ext uri="{FF2B5EF4-FFF2-40B4-BE49-F238E27FC236}">
+                <a16:creationId xmlns:a16="http://schemas.microsoft.com/office/drawing/2014/main" id="{E6030CBF-3353-4305-A26B-437C8ABB9FEF}"/>
               </a:ext>
             </a:extLst>
           </p:cNvPr>
@@ -5889,8 +5959,8 @@
         </p:blipFill>
         <p:spPr>
           <a:xfrm>
-            <a:off x="1280662" y="2540891"/>
-            <a:ext cx="8280000" cy="6975616"/>
+            <a:off x="1458630" y="2539382"/>
+            <a:ext cx="7920000" cy="7582465"/>
           </a:xfrm>
           <a:prstGeom prst="rect">
             <a:avLst/>
@@ -6961,8 +7031,43 @@
                 </a:effectLst>
                 <a:latin typeface="Exo 2 Extra Bold" panose="00000900000000000000" pitchFamily="50" charset="0"/>
               </a:rPr>
-              <a:t>Rodada #29</a:t>
+              <a:t>Rodada #</a:t>
             </a:r>
+            <a:r>
+              <a:rPr lang="pt-BR" sz="4800" dirty="0">
+                <a:ln w="0">
+                  <a:noFill/>
+                </a:ln>
+                <a:solidFill>
+                  <a:schemeClr val="bg1"/>
+                </a:solidFill>
+                <a:effectLst>
+                  <a:outerShdw blurRad="38100" dist="19050" dir="2700000" algn="tl" rotWithShape="0">
+                    <a:schemeClr val="dk1">
+                      <a:alpha val="40000"/>
+                    </a:schemeClr>
+                  </a:outerShdw>
+                </a:effectLst>
+                <a:latin typeface="Exo 2 Extra Bold" panose="00000900000000000000" pitchFamily="50" charset="0"/>
+              </a:rPr>
+              <a:t>30</a:t>
+            </a:r>
+            <a:endParaRPr lang="pt-BR" sz="4800" b="0" cap="none" spc="0" dirty="0">
+              <a:ln w="0">
+                <a:noFill/>
+              </a:ln>
+              <a:solidFill>
+                <a:schemeClr val="bg1"/>
+              </a:solidFill>
+              <a:effectLst>
+                <a:outerShdw blurRad="38100" dist="19050" dir="2700000" algn="tl" rotWithShape="0">
+                  <a:schemeClr val="dk1">
+                    <a:alpha val="40000"/>
+                  </a:schemeClr>
+                </a:outerShdw>
+              </a:effectLst>
+              <a:latin typeface="Exo 2 Extra Bold" panose="00000900000000000000" pitchFamily="50" charset="0"/>
+            </a:endParaRPr>
           </a:p>
         </p:txBody>
       </p:sp>
@@ -7087,10 +7192,10 @@
       </p:pic>
       <p:pic>
         <p:nvPicPr>
-          <p:cNvPr id="4" name="Imagem 3">
-            <a:extLst>
-              <a:ext uri="{FF2B5EF4-FFF2-40B4-BE49-F238E27FC236}">
-                <a16:creationId xmlns:a16="http://schemas.microsoft.com/office/drawing/2014/main" id="{707C53EA-AFD1-4C4B-9C48-C2EC88FA8F7D}"/>
+          <p:cNvPr id="3" name="Imagem 2">
+            <a:extLst>
+              <a:ext uri="{FF2B5EF4-FFF2-40B4-BE49-F238E27FC236}">
+                <a16:creationId xmlns:a16="http://schemas.microsoft.com/office/drawing/2014/main" id="{34E52169-857E-4CDF-B5D9-A01E68A6507D}"/>
               </a:ext>
             </a:extLst>
           </p:cNvPr>
@@ -7107,7 +7212,7 @@
         </p:blipFill>
         <p:spPr>
           <a:xfrm>
-            <a:off x="2425236" y="2523035"/>
+            <a:off x="2436534" y="2521449"/>
             <a:ext cx="5959579" cy="2160000"/>
           </a:xfrm>
           <a:prstGeom prst="rect">
@@ -7117,10 +7222,10 @@
       </p:pic>
       <p:pic>
         <p:nvPicPr>
-          <p:cNvPr id="9" name="Imagem 8">
-            <a:extLst>
-              <a:ext uri="{FF2B5EF4-FFF2-40B4-BE49-F238E27FC236}">
-                <a16:creationId xmlns:a16="http://schemas.microsoft.com/office/drawing/2014/main" id="{2539FAFB-01CD-4209-A78A-4F520701BDBD}"/>
+          <p:cNvPr id="8" name="Imagem 7">
+            <a:extLst>
+              <a:ext uri="{FF2B5EF4-FFF2-40B4-BE49-F238E27FC236}">
+                <a16:creationId xmlns:a16="http://schemas.microsoft.com/office/drawing/2014/main" id="{E9CD76CB-425A-4C5E-B7A2-3F2DCFA241CD}"/>
               </a:ext>
             </a:extLst>
           </p:cNvPr>
@@ -7137,7 +7242,7 @@
         </p:blipFill>
         <p:spPr>
           <a:xfrm>
-            <a:off x="2439886" y="5036728"/>
+            <a:off x="2430403" y="5036728"/>
             <a:ext cx="5959579" cy="2160000"/>
           </a:xfrm>
           <a:prstGeom prst="rect">
@@ -14239,8 +14344,43 @@
                 </a:effectLst>
                 <a:latin typeface="Exo 2 Extra Bold" panose="00000900000000000000" pitchFamily="50" charset="0"/>
               </a:rPr>
-              <a:t>Rodada #29</a:t>
+              <a:t>Rodada #</a:t>
             </a:r>
+            <a:r>
+              <a:rPr lang="pt-BR" sz="4800" dirty="0">
+                <a:ln w="0">
+                  <a:noFill/>
+                </a:ln>
+                <a:solidFill>
+                  <a:schemeClr val="bg1"/>
+                </a:solidFill>
+                <a:effectLst>
+                  <a:outerShdw blurRad="38100" dist="19050" dir="2700000" algn="tl" rotWithShape="0">
+                    <a:schemeClr val="dk1">
+                      <a:alpha val="40000"/>
+                    </a:schemeClr>
+                  </a:outerShdw>
+                </a:effectLst>
+                <a:latin typeface="Exo 2 Extra Bold" panose="00000900000000000000" pitchFamily="50" charset="0"/>
+              </a:rPr>
+              <a:t>30</a:t>
+            </a:r>
+            <a:endParaRPr lang="pt-BR" sz="4800" b="0" cap="none" spc="0" dirty="0">
+              <a:ln w="0">
+                <a:noFill/>
+              </a:ln>
+              <a:solidFill>
+                <a:schemeClr val="bg1"/>
+              </a:solidFill>
+              <a:effectLst>
+                <a:outerShdw blurRad="38100" dist="19050" dir="2700000" algn="tl" rotWithShape="0">
+                  <a:schemeClr val="dk1">
+                    <a:alpha val="40000"/>
+                  </a:schemeClr>
+                </a:outerShdw>
+              </a:effectLst>
+              <a:latin typeface="Exo 2 Extra Bold" panose="00000900000000000000" pitchFamily="50" charset="0"/>
+            </a:endParaRPr>
           </a:p>
         </p:txBody>
       </p:sp>
@@ -14335,10 +14475,10 @@
       </p:pic>
       <p:pic>
         <p:nvPicPr>
-          <p:cNvPr id="3" name="Imagem 2">
-            <a:extLst>
-              <a:ext uri="{FF2B5EF4-FFF2-40B4-BE49-F238E27FC236}">
-                <a16:creationId xmlns:a16="http://schemas.microsoft.com/office/drawing/2014/main" id="{98373257-5D79-438A-8E5E-B3073FF504FD}"/>
+          <p:cNvPr id="4" name="Imagem 3">
+            <a:extLst>
+              <a:ext uri="{FF2B5EF4-FFF2-40B4-BE49-F238E27FC236}">
+                <a16:creationId xmlns:a16="http://schemas.microsoft.com/office/drawing/2014/main" id="{C79C417C-7821-4121-B196-041208905205}"/>
               </a:ext>
             </a:extLst>
           </p:cNvPr>
@@ -14355,7 +14495,7 @@
         </p:blipFill>
         <p:spPr>
           <a:xfrm>
-            <a:off x="1583782" y="2009782"/>
+            <a:off x="1592078" y="2028359"/>
             <a:ext cx="7648742" cy="8280000"/>
           </a:xfrm>
           <a:prstGeom prst="rect">

--- a/Informativos.pptx
+++ b/Informativos.pptx
@@ -294,7 +294,7 @@
             <a:fld id="{11A6662E-FAF4-44BC-88B5-85A7CBFB6D30}" type="datetime1">
               <a:rPr lang="en-US" smtClean="0"/>
               <a:pPr/>
-              <a:t>11/9/2021</a:t>
+              <a:t>11/12/2021</a:t>
             </a:fld>
             <a:endParaRPr lang="en-US" dirty="0"/>
           </a:p>
@@ -521,7 +521,7 @@
           <a:p>
             <a:fld id="{4C559632-1575-4E14-B53B-3DC3D5ED3947}" type="datetime1">
               <a:rPr lang="en-US" smtClean="0"/>
-              <a:t>11/9/2021</a:t>
+              <a:t>11/12/2021</a:t>
             </a:fld>
             <a:endParaRPr lang="en-US"/>
           </a:p>
@@ -729,7 +729,7 @@
           <a:p>
             <a:fld id="{CC4A6868-2568-4CC9-B302-F37117B01A6E}" type="datetime1">
               <a:rPr lang="en-US" smtClean="0"/>
-              <a:t>11/9/2021</a:t>
+              <a:t>11/12/2021</a:t>
             </a:fld>
             <a:endParaRPr lang="en-US"/>
           </a:p>
@@ -934,7 +934,7 @@
           <a:p>
             <a:fld id="{0055F08A-1E71-4B2B-BB49-E743F2903911}" type="datetime1">
               <a:rPr lang="en-US" smtClean="0"/>
-              <a:t>11/9/2021</a:t>
+              <a:t>11/12/2021</a:t>
             </a:fld>
             <a:endParaRPr lang="en-US" dirty="0"/>
           </a:p>
@@ -1208,7 +1208,7 @@
           <a:p>
             <a:fld id="{15417D9E-721A-44BB-8863-9873FE64DA75}" type="datetime1">
               <a:rPr lang="en-US" smtClean="0"/>
-              <a:t>11/9/2021</a:t>
+              <a:t>11/12/2021</a:t>
             </a:fld>
             <a:endParaRPr lang="en-US"/>
           </a:p>
@@ -1481,7 +1481,7 @@
           <a:p>
             <a:fld id="{5F31DA2F-80B8-49CF-99FB-5ABCA53A607A}" type="datetime1">
               <a:rPr lang="en-US" smtClean="0"/>
-              <a:t>11/9/2021</a:t>
+              <a:t>11/12/2021</a:t>
             </a:fld>
             <a:endParaRPr lang="en-US"/>
           </a:p>
@@ -1896,7 +1896,7 @@
           <a:p>
             <a:fld id="{28852172-E6C9-4B6C-929A-A9DE3837BBF1}" type="datetime1">
               <a:rPr lang="en-US" smtClean="0"/>
-              <a:t>11/9/2021</a:t>
+              <a:t>11/12/2021</a:t>
             </a:fld>
             <a:endParaRPr lang="en-US"/>
           </a:p>
@@ -2048,7 +2048,7 @@
           <a:p>
             <a:fld id="{3AB41CFF-90C9-47B3-9DA1-F2BF8D839F7E}" type="datetime1">
               <a:rPr lang="en-US" smtClean="0"/>
-              <a:t>11/9/2021</a:t>
+              <a:t>11/12/2021</a:t>
             </a:fld>
             <a:endParaRPr lang="en-US"/>
           </a:p>
@@ -2161,7 +2161,7 @@
           <a:p>
             <a:fld id="{F06048FA-06AB-4884-A69B-986B96E68A24}" type="datetime1">
               <a:rPr lang="en-US" smtClean="0"/>
-              <a:t>11/9/2021</a:t>
+              <a:t>11/12/2021</a:t>
             </a:fld>
             <a:endParaRPr lang="en-US"/>
           </a:p>
@@ -2472,7 +2472,7 @@
           <a:p>
             <a:fld id="{50DB7ABA-0172-4F9C-889D-567164F66BCD}" type="datetime1">
               <a:rPr lang="en-US" smtClean="0"/>
-              <a:t>11/9/2021</a:t>
+              <a:t>11/12/2021</a:t>
             </a:fld>
             <a:endParaRPr lang="en-US"/>
           </a:p>
@@ -2763,7 +2763,7 @@
           <a:p>
             <a:fld id="{78AC6A5B-8AE7-4A41-B5A7-9ADC6686DC18}" type="datetime1">
               <a:rPr lang="en-US" smtClean="0"/>
-              <a:t>11/9/2021</a:t>
+              <a:t>11/12/2021</a:t>
             </a:fld>
             <a:endParaRPr lang="en-US"/>
           </a:p>
@@ -3072,7 +3072,7 @@
             <a:fld id="{57E0CF6C-748E-4B7A-BC8B-3011EF78ED13}" type="datetime1">
               <a:rPr lang="en-US" smtClean="0"/>
               <a:pPr/>
-              <a:t>11/9/2021</a:t>
+              <a:t>11/12/2021</a:t>
             </a:fld>
             <a:endParaRPr lang="en-US" dirty="0"/>
           </a:p>
@@ -4657,7 +4657,7 @@
                 </a:effectLst>
                 <a:latin typeface="Exo 2 Extra Bold" panose="00000900000000000000" pitchFamily="50" charset="0"/>
               </a:rPr>
-              <a:t>30</a:t>
+              <a:t>31</a:t>
             </a:r>
             <a:endParaRPr lang="pt-BR" sz="4800" b="0" cap="none" spc="0" dirty="0">
               <a:ln w="0">
@@ -4716,10 +4716,10 @@
       </p:pic>
       <p:pic>
         <p:nvPicPr>
-          <p:cNvPr id="3" name="Imagem 2">
-            <a:extLst>
-              <a:ext uri="{FF2B5EF4-FFF2-40B4-BE49-F238E27FC236}">
-                <a16:creationId xmlns:a16="http://schemas.microsoft.com/office/drawing/2014/main" id="{105C3F1E-CB5B-4051-A71B-85B9FAD025EE}"/>
+          <p:cNvPr id="4" name="Imagem 3">
+            <a:extLst>
+              <a:ext uri="{FF2B5EF4-FFF2-40B4-BE49-F238E27FC236}">
+                <a16:creationId xmlns:a16="http://schemas.microsoft.com/office/drawing/2014/main" id="{C78B7D6C-B7B3-40DD-955A-04DCD1DF92D8}"/>
               </a:ext>
             </a:extLst>
           </p:cNvPr>
@@ -4736,7 +4736,7 @@
         </p:blipFill>
         <p:spPr>
           <a:xfrm>
-            <a:off x="1267118" y="2526233"/>
+            <a:off x="1267118" y="2542392"/>
             <a:ext cx="8280000" cy="6711047"/>
           </a:xfrm>
           <a:prstGeom prst="rect">
@@ -5827,7 +5827,7 @@
                 </a:effectLst>
                 <a:latin typeface="Exo 2 Extra Bold" panose="00000900000000000000" pitchFamily="50" charset="0"/>
               </a:rPr>
-              <a:t>30</a:t>
+              <a:t>31</a:t>
             </a:r>
             <a:endParaRPr lang="pt-BR" sz="4800" b="0" cap="none" spc="0" dirty="0">
               <a:ln w="0">
@@ -5939,10 +5939,10 @@
       </p:pic>
       <p:pic>
         <p:nvPicPr>
-          <p:cNvPr id="3" name="Imagem 2">
-            <a:extLst>
-              <a:ext uri="{FF2B5EF4-FFF2-40B4-BE49-F238E27FC236}">
-                <a16:creationId xmlns:a16="http://schemas.microsoft.com/office/drawing/2014/main" id="{E6030CBF-3353-4305-A26B-437C8ABB9FEF}"/>
+          <p:cNvPr id="4" name="Imagem 3">
+            <a:extLst>
+              <a:ext uri="{FF2B5EF4-FFF2-40B4-BE49-F238E27FC236}">
+                <a16:creationId xmlns:a16="http://schemas.microsoft.com/office/drawing/2014/main" id="{1C2CA8A9-DE98-4852-B196-E5135B72938F}"/>
               </a:ext>
             </a:extLst>
           </p:cNvPr>
@@ -5959,8 +5959,8 @@
         </p:blipFill>
         <p:spPr>
           <a:xfrm>
-            <a:off x="1458630" y="2539382"/>
-            <a:ext cx="7920000" cy="7582465"/>
+            <a:off x="1445512" y="2527118"/>
+            <a:ext cx="7920000" cy="7582466"/>
           </a:xfrm>
           <a:prstGeom prst="rect">
             <a:avLst/>
@@ -7050,7 +7050,7 @@
                 </a:effectLst>
                 <a:latin typeface="Exo 2 Extra Bold" panose="00000900000000000000" pitchFamily="50" charset="0"/>
               </a:rPr>
-              <a:t>30</a:t>
+              <a:t>31</a:t>
             </a:r>
             <a:endParaRPr lang="pt-BR" sz="4800" b="0" cap="none" spc="0" dirty="0">
               <a:ln w="0">
@@ -7192,10 +7192,10 @@
       </p:pic>
       <p:pic>
         <p:nvPicPr>
-          <p:cNvPr id="3" name="Imagem 2">
-            <a:extLst>
-              <a:ext uri="{FF2B5EF4-FFF2-40B4-BE49-F238E27FC236}">
-                <a16:creationId xmlns:a16="http://schemas.microsoft.com/office/drawing/2014/main" id="{34E52169-857E-4CDF-B5D9-A01E68A6507D}"/>
+          <p:cNvPr id="4" name="Imagem 3">
+            <a:extLst>
+              <a:ext uri="{FF2B5EF4-FFF2-40B4-BE49-F238E27FC236}">
+                <a16:creationId xmlns:a16="http://schemas.microsoft.com/office/drawing/2014/main" id="{0CCA6BD7-84AF-4F7C-B74F-AA3CA96E5239}"/>
               </a:ext>
             </a:extLst>
           </p:cNvPr>
@@ -7212,7 +7212,7 @@
         </p:blipFill>
         <p:spPr>
           <a:xfrm>
-            <a:off x="2436534" y="2521449"/>
+            <a:off x="2427050" y="2521449"/>
             <a:ext cx="5959579" cy="2160000"/>
           </a:xfrm>
           <a:prstGeom prst="rect">
@@ -7222,10 +7222,10 @@
       </p:pic>
       <p:pic>
         <p:nvPicPr>
-          <p:cNvPr id="8" name="Imagem 7">
-            <a:extLst>
-              <a:ext uri="{FF2B5EF4-FFF2-40B4-BE49-F238E27FC236}">
-                <a16:creationId xmlns:a16="http://schemas.microsoft.com/office/drawing/2014/main" id="{E9CD76CB-425A-4C5E-B7A2-3F2DCFA241CD}"/>
+          <p:cNvPr id="9" name="Imagem 8">
+            <a:extLst>
+              <a:ext uri="{FF2B5EF4-FFF2-40B4-BE49-F238E27FC236}">
+                <a16:creationId xmlns:a16="http://schemas.microsoft.com/office/drawing/2014/main" id="{E690AC84-D6B3-47C5-90B1-ABBC1B5EAFDD}"/>
               </a:ext>
             </a:extLst>
           </p:cNvPr>
@@ -7242,7 +7242,7 @@
         </p:blipFill>
         <p:spPr>
           <a:xfrm>
-            <a:off x="2430403" y="5036728"/>
+            <a:off x="2441701" y="5036728"/>
             <a:ext cx="5959579" cy="2160000"/>
           </a:xfrm>
           <a:prstGeom prst="rect">
@@ -14363,7 +14363,7 @@
                 </a:effectLst>
                 <a:latin typeface="Exo 2 Extra Bold" panose="00000900000000000000" pitchFamily="50" charset="0"/>
               </a:rPr>
-              <a:t>30</a:t>
+              <a:t>31</a:t>
             </a:r>
             <a:endParaRPr lang="pt-BR" sz="4800" b="0" cap="none" spc="0" dirty="0">
               <a:ln w="0">
@@ -14475,10 +14475,10 @@
       </p:pic>
       <p:pic>
         <p:nvPicPr>
-          <p:cNvPr id="4" name="Imagem 3">
-            <a:extLst>
-              <a:ext uri="{FF2B5EF4-FFF2-40B4-BE49-F238E27FC236}">
-                <a16:creationId xmlns:a16="http://schemas.microsoft.com/office/drawing/2014/main" id="{C79C417C-7821-4121-B196-041208905205}"/>
+          <p:cNvPr id="3" name="Imagem 2">
+            <a:extLst>
+              <a:ext uri="{FF2B5EF4-FFF2-40B4-BE49-F238E27FC236}">
+                <a16:creationId xmlns:a16="http://schemas.microsoft.com/office/drawing/2014/main" id="{7C00DAC4-8183-4E78-8783-CEF18F5E5392}"/>
               </a:ext>
             </a:extLst>
           </p:cNvPr>
@@ -14495,7 +14495,7 @@
         </p:blipFill>
         <p:spPr>
           <a:xfrm>
-            <a:off x="1592078" y="2028359"/>
+            <a:off x="1591695" y="2056012"/>
             <a:ext cx="7648742" cy="8280000"/>
           </a:xfrm>
           <a:prstGeom prst="rect">

--- a/Informativos.pptx
+++ b/Informativos.pptx
@@ -294,7 +294,7 @@
             <a:fld id="{11A6662E-FAF4-44BC-88B5-85A7CBFB6D30}" type="datetime1">
               <a:rPr lang="en-US" smtClean="0"/>
               <a:pPr/>
-              <a:t>11/12/2021</a:t>
+              <a:t>11/15/2021</a:t>
             </a:fld>
             <a:endParaRPr lang="en-US" dirty="0"/>
           </a:p>
@@ -521,7 +521,7 @@
           <a:p>
             <a:fld id="{4C559632-1575-4E14-B53B-3DC3D5ED3947}" type="datetime1">
               <a:rPr lang="en-US" smtClean="0"/>
-              <a:t>11/12/2021</a:t>
+              <a:t>11/15/2021</a:t>
             </a:fld>
             <a:endParaRPr lang="en-US"/>
           </a:p>
@@ -729,7 +729,7 @@
           <a:p>
             <a:fld id="{CC4A6868-2568-4CC9-B302-F37117B01A6E}" type="datetime1">
               <a:rPr lang="en-US" smtClean="0"/>
-              <a:t>11/12/2021</a:t>
+              <a:t>11/15/2021</a:t>
             </a:fld>
             <a:endParaRPr lang="en-US"/>
           </a:p>
@@ -934,7 +934,7 @@
           <a:p>
             <a:fld id="{0055F08A-1E71-4B2B-BB49-E743F2903911}" type="datetime1">
               <a:rPr lang="en-US" smtClean="0"/>
-              <a:t>11/12/2021</a:t>
+              <a:t>11/15/2021</a:t>
             </a:fld>
             <a:endParaRPr lang="en-US" dirty="0"/>
           </a:p>
@@ -1208,7 +1208,7 @@
           <a:p>
             <a:fld id="{15417D9E-721A-44BB-8863-9873FE64DA75}" type="datetime1">
               <a:rPr lang="en-US" smtClean="0"/>
-              <a:t>11/12/2021</a:t>
+              <a:t>11/15/2021</a:t>
             </a:fld>
             <a:endParaRPr lang="en-US"/>
           </a:p>
@@ -1481,7 +1481,7 @@
           <a:p>
             <a:fld id="{5F31DA2F-80B8-49CF-99FB-5ABCA53A607A}" type="datetime1">
               <a:rPr lang="en-US" smtClean="0"/>
-              <a:t>11/12/2021</a:t>
+              <a:t>11/15/2021</a:t>
             </a:fld>
             <a:endParaRPr lang="en-US"/>
           </a:p>
@@ -1896,7 +1896,7 @@
           <a:p>
             <a:fld id="{28852172-E6C9-4B6C-929A-A9DE3837BBF1}" type="datetime1">
               <a:rPr lang="en-US" smtClean="0"/>
-              <a:t>11/12/2021</a:t>
+              <a:t>11/15/2021</a:t>
             </a:fld>
             <a:endParaRPr lang="en-US"/>
           </a:p>
@@ -2048,7 +2048,7 @@
           <a:p>
             <a:fld id="{3AB41CFF-90C9-47B3-9DA1-F2BF8D839F7E}" type="datetime1">
               <a:rPr lang="en-US" smtClean="0"/>
-              <a:t>11/12/2021</a:t>
+              <a:t>11/15/2021</a:t>
             </a:fld>
             <a:endParaRPr lang="en-US"/>
           </a:p>
@@ -2161,7 +2161,7 @@
           <a:p>
             <a:fld id="{F06048FA-06AB-4884-A69B-986B96E68A24}" type="datetime1">
               <a:rPr lang="en-US" smtClean="0"/>
-              <a:t>11/12/2021</a:t>
+              <a:t>11/15/2021</a:t>
             </a:fld>
             <a:endParaRPr lang="en-US"/>
           </a:p>
@@ -2472,7 +2472,7 @@
           <a:p>
             <a:fld id="{50DB7ABA-0172-4F9C-889D-567164F66BCD}" type="datetime1">
               <a:rPr lang="en-US" smtClean="0"/>
-              <a:t>11/12/2021</a:t>
+              <a:t>11/15/2021</a:t>
             </a:fld>
             <a:endParaRPr lang="en-US"/>
           </a:p>
@@ -2763,7 +2763,7 @@
           <a:p>
             <a:fld id="{78AC6A5B-8AE7-4A41-B5A7-9ADC6686DC18}" type="datetime1">
               <a:rPr lang="en-US" smtClean="0"/>
-              <a:t>11/12/2021</a:t>
+              <a:t>11/15/2021</a:t>
             </a:fld>
             <a:endParaRPr lang="en-US"/>
           </a:p>
@@ -2866,7 +2866,7 @@
                 <a16:creationId xmlns:a16="http://schemas.microsoft.com/office/drawing/2014/main" id="{0BABF38A-8A0D-492E-BD20-6CF4D46B50BD}"/>
               </a:ext>
               <a:ext uri="{C183D7F6-B498-43B3-948B-1728B52AA6E4}">
-                <adec:decorative xmlns:adec="http://schemas.microsoft.com/office/drawing/2017/decorative" val="1"/>
+                <adec:decorative xmlns="" xmlns:adec="http://schemas.microsoft.com/office/drawing/2017/decorative" val="1"/>
               </a:ext>
             </a:extLst>
           </p:cNvPr>
@@ -3072,7 +3072,7 @@
             <a:fld id="{57E0CF6C-748E-4B7A-BC8B-3011EF78ED13}" type="datetime1">
               <a:rPr lang="en-US" smtClean="0"/>
               <a:pPr/>
-              <a:t>11/12/2021</a:t>
+              <a:t>11/15/2021</a:t>
             </a:fld>
             <a:endParaRPr lang="en-US" dirty="0"/>
           </a:p>
@@ -3567,7 +3567,7 @@
                 <a16:creationId xmlns:a16="http://schemas.microsoft.com/office/drawing/2014/main" id="{0BABF38A-8A0D-492E-BD20-6CF4D46B50BD}"/>
               </a:ext>
               <a:ext uri="{C183D7F6-B498-43B3-948B-1728B52AA6E4}">
-                <adec:decorative xmlns:adec="http://schemas.microsoft.com/office/drawing/2017/decorative" val="1"/>
+                <adec:decorative xmlns="" xmlns:adec="http://schemas.microsoft.com/office/drawing/2017/decorative" val="1"/>
               </a:ext>
             </a:extLst>
           </p:cNvPr>
@@ -3665,7 +3665,7 @@
                 <a16:creationId xmlns:a16="http://schemas.microsoft.com/office/drawing/2014/main" id="{BC526B7A-4801-4FD1-95C8-03AF22629E87}"/>
               </a:ext>
               <a:ext uri="{C183D7F6-B498-43B3-948B-1728B52AA6E4}">
-                <adec:decorative xmlns:adec="http://schemas.microsoft.com/office/drawing/2017/decorative" val="1"/>
+                <adec:decorative xmlns="" xmlns:adec="http://schemas.microsoft.com/office/drawing/2017/decorative" val="1"/>
               </a:ext>
             </a:extLst>
           </p:cNvPr>
@@ -3711,7 +3711,7 @@
                 <a16:creationId xmlns:a16="http://schemas.microsoft.com/office/drawing/2014/main" id="{37FDDF72-DE39-4F99-A3C1-DD9D7815D7DB}"/>
               </a:ext>
               <a:ext uri="{C183D7F6-B498-43B3-948B-1728B52AA6E4}">
-                <adec:decorative xmlns:adec="http://schemas.microsoft.com/office/drawing/2017/decorative" val="1"/>
+                <adec:decorative xmlns="" xmlns:adec="http://schemas.microsoft.com/office/drawing/2017/decorative" val="1"/>
               </a:ext>
             </a:extLst>
           </p:cNvPr>
@@ -3803,7 +3803,7 @@
                 <a16:creationId xmlns:a16="http://schemas.microsoft.com/office/drawing/2014/main" id="{5E4ECE80-3AD1-450C-B62A-98788F193948}"/>
               </a:ext>
               <a:ext uri="{C183D7F6-B498-43B3-948B-1728B52AA6E4}">
-                <adec:decorative xmlns:adec="http://schemas.microsoft.com/office/drawing/2017/decorative" val="1"/>
+                <adec:decorative xmlns="" xmlns:adec="http://schemas.microsoft.com/office/drawing/2017/decorative" val="1"/>
               </a:ext>
             </a:extLst>
           </p:cNvPr>
@@ -4641,7 +4641,7 @@
               <a:t>Rodada #</a:t>
             </a:r>
             <a:r>
-              <a:rPr lang="pt-BR" sz="4800" dirty="0">
+              <a:rPr lang="pt-BR" sz="4800" dirty="0" smtClean="0">
                 <a:ln w="0">
                   <a:noFill/>
                 </a:ln>
@@ -4657,7 +4657,7 @@
                 </a:effectLst>
                 <a:latin typeface="Exo 2 Extra Bold" panose="00000900000000000000" pitchFamily="50" charset="0"/>
               </a:rPr>
-              <a:t>31</a:t>
+              <a:t>32</a:t>
             </a:r>
             <a:endParaRPr lang="pt-BR" sz="4800" b="0" cap="none" spc="0" dirty="0">
               <a:ln w="0">
@@ -4693,7 +4693,7 @@
           <p:nvPr/>
         </p:nvPicPr>
         <p:blipFill>
-          <a:blip r:embed="rId4">
+          <a:blip r:embed="rId4" cstate="hqprint">
             <a:extLst>
               <a:ext uri="{28A0092B-C50C-407E-A947-70E740481C1C}">
                 <a14:useLocalDpi xmlns:a14="http://schemas.microsoft.com/office/drawing/2010/main" val="0"/>
@@ -4716,13 +4716,7 @@
       </p:pic>
       <p:pic>
         <p:nvPicPr>
-          <p:cNvPr id="4" name="Imagem 3">
-            <a:extLst>
-              <a:ext uri="{FF2B5EF4-FFF2-40B4-BE49-F238E27FC236}">
-                <a16:creationId xmlns:a16="http://schemas.microsoft.com/office/drawing/2014/main" id="{C78B7D6C-B7B3-40DD-955A-04DCD1DF92D8}"/>
-              </a:ext>
-            </a:extLst>
-          </p:cNvPr>
+          <p:cNvPr id="2" name="Imagem 1"/>
           <p:cNvPicPr>
             <a:picLocks noChangeAspect="1"/>
           </p:cNvPicPr>
@@ -4736,8 +4730,8 @@
         </p:blipFill>
         <p:spPr>
           <a:xfrm>
-            <a:off x="1267118" y="2542392"/>
-            <a:ext cx="8280000" cy="6711047"/>
+            <a:off x="1258558" y="2542754"/>
+            <a:ext cx="8280000" cy="6711308"/>
           </a:xfrm>
           <a:prstGeom prst="rect">
             <a:avLst/>
@@ -4790,7 +4784,7 @@
                 <a16:creationId xmlns:a16="http://schemas.microsoft.com/office/drawing/2014/main" id="{0BABF38A-8A0D-492E-BD20-6CF4D46B50BD}"/>
               </a:ext>
               <a:ext uri="{C183D7F6-B498-43B3-948B-1728B52AA6E4}">
-                <adec:decorative xmlns:adec="http://schemas.microsoft.com/office/drawing/2017/decorative" val="1"/>
+                <adec:decorative xmlns="" xmlns:adec="http://schemas.microsoft.com/office/drawing/2017/decorative" val="1"/>
               </a:ext>
             </a:extLst>
           </p:cNvPr>
@@ -4888,7 +4882,7 @@
                 <a16:creationId xmlns:a16="http://schemas.microsoft.com/office/drawing/2014/main" id="{BC526B7A-4801-4FD1-95C8-03AF22629E87}"/>
               </a:ext>
               <a:ext uri="{C183D7F6-B498-43B3-948B-1728B52AA6E4}">
-                <adec:decorative xmlns:adec="http://schemas.microsoft.com/office/drawing/2017/decorative" val="1"/>
+                <adec:decorative xmlns="" xmlns:adec="http://schemas.microsoft.com/office/drawing/2017/decorative" val="1"/>
               </a:ext>
             </a:extLst>
           </p:cNvPr>
@@ -4934,7 +4928,7 @@
                 <a16:creationId xmlns:a16="http://schemas.microsoft.com/office/drawing/2014/main" id="{37FDDF72-DE39-4F99-A3C1-DD9D7815D7DB}"/>
               </a:ext>
               <a:ext uri="{C183D7F6-B498-43B3-948B-1728B52AA6E4}">
-                <adec:decorative xmlns:adec="http://schemas.microsoft.com/office/drawing/2017/decorative" val="1"/>
+                <adec:decorative xmlns="" xmlns:adec="http://schemas.microsoft.com/office/drawing/2017/decorative" val="1"/>
               </a:ext>
             </a:extLst>
           </p:cNvPr>
@@ -5026,7 +5020,7 @@
                 <a16:creationId xmlns:a16="http://schemas.microsoft.com/office/drawing/2014/main" id="{5E4ECE80-3AD1-450C-B62A-98788F193948}"/>
               </a:ext>
               <a:ext uri="{C183D7F6-B498-43B3-948B-1728B52AA6E4}">
-                <adec:decorative xmlns:adec="http://schemas.microsoft.com/office/drawing/2017/decorative" val="1"/>
+                <adec:decorative xmlns="" xmlns:adec="http://schemas.microsoft.com/office/drawing/2017/decorative" val="1"/>
               </a:ext>
             </a:extLst>
           </p:cNvPr>
@@ -5811,7 +5805,7 @@
               <a:t>Rodada #</a:t>
             </a:r>
             <a:r>
-              <a:rPr lang="pt-BR" sz="4800" dirty="0">
+              <a:rPr lang="pt-BR" sz="4800" dirty="0" smtClean="0">
                 <a:ln w="0">
                   <a:noFill/>
                 </a:ln>
@@ -5827,7 +5821,7 @@
                 </a:effectLst>
                 <a:latin typeface="Exo 2 Extra Bold" panose="00000900000000000000" pitchFamily="50" charset="0"/>
               </a:rPr>
-              <a:t>31</a:t>
+              <a:t>32</a:t>
             </a:r>
             <a:endParaRPr lang="pt-BR" sz="4800" b="0" cap="none" spc="0" dirty="0">
               <a:ln w="0">
@@ -5916,7 +5910,7 @@
           <p:nvPr/>
         </p:nvPicPr>
         <p:blipFill>
-          <a:blip r:embed="rId4">
+          <a:blip r:embed="rId4" cstate="hqprint">
             <a:extLst>
               <a:ext uri="{28A0092B-C50C-407E-A947-70E740481C1C}">
                 <a14:useLocalDpi xmlns:a14="http://schemas.microsoft.com/office/drawing/2010/main" val="0"/>
@@ -5939,13 +5933,7 @@
       </p:pic>
       <p:pic>
         <p:nvPicPr>
-          <p:cNvPr id="4" name="Imagem 3">
-            <a:extLst>
-              <a:ext uri="{FF2B5EF4-FFF2-40B4-BE49-F238E27FC236}">
-                <a16:creationId xmlns:a16="http://schemas.microsoft.com/office/drawing/2014/main" id="{1C2CA8A9-DE98-4852-B196-E5135B72938F}"/>
-              </a:ext>
-            </a:extLst>
-          </p:cNvPr>
+          <p:cNvPr id="2" name="Imagem 1"/>
           <p:cNvPicPr>
             <a:picLocks noChangeAspect="1"/>
           </p:cNvPicPr>
@@ -5959,8 +5947,8 @@
         </p:blipFill>
         <p:spPr>
           <a:xfrm>
-            <a:off x="1445512" y="2527118"/>
-            <a:ext cx="7920000" cy="7582466"/>
+            <a:off x="1798168" y="2542754"/>
+            <a:ext cx="7200000" cy="6893417"/>
           </a:xfrm>
           <a:prstGeom prst="rect">
             <a:avLst/>
@@ -6013,7 +6001,7 @@
                 <a16:creationId xmlns:a16="http://schemas.microsoft.com/office/drawing/2014/main" id="{0BABF38A-8A0D-492E-BD20-6CF4D46B50BD}"/>
               </a:ext>
               <a:ext uri="{C183D7F6-B498-43B3-948B-1728B52AA6E4}">
-                <adec:decorative xmlns:adec="http://schemas.microsoft.com/office/drawing/2017/decorative" val="1"/>
+                <adec:decorative xmlns="" xmlns:adec="http://schemas.microsoft.com/office/drawing/2017/decorative" val="1"/>
               </a:ext>
             </a:extLst>
           </p:cNvPr>
@@ -6111,7 +6099,7 @@
                 <a16:creationId xmlns:a16="http://schemas.microsoft.com/office/drawing/2014/main" id="{BC526B7A-4801-4FD1-95C8-03AF22629E87}"/>
               </a:ext>
               <a:ext uri="{C183D7F6-B498-43B3-948B-1728B52AA6E4}">
-                <adec:decorative xmlns:adec="http://schemas.microsoft.com/office/drawing/2017/decorative" val="1"/>
+                <adec:decorative xmlns="" xmlns:adec="http://schemas.microsoft.com/office/drawing/2017/decorative" val="1"/>
               </a:ext>
             </a:extLst>
           </p:cNvPr>
@@ -6157,7 +6145,7 @@
                 <a16:creationId xmlns:a16="http://schemas.microsoft.com/office/drawing/2014/main" id="{37FDDF72-DE39-4F99-A3C1-DD9D7815D7DB}"/>
               </a:ext>
               <a:ext uri="{C183D7F6-B498-43B3-948B-1728B52AA6E4}">
-                <adec:decorative xmlns:adec="http://schemas.microsoft.com/office/drawing/2017/decorative" val="1"/>
+                <adec:decorative xmlns="" xmlns:adec="http://schemas.microsoft.com/office/drawing/2017/decorative" val="1"/>
               </a:ext>
             </a:extLst>
           </p:cNvPr>
@@ -6249,7 +6237,7 @@
                 <a16:creationId xmlns:a16="http://schemas.microsoft.com/office/drawing/2014/main" id="{5E4ECE80-3AD1-450C-B62A-98788F193948}"/>
               </a:ext>
               <a:ext uri="{C183D7F6-B498-43B3-948B-1728B52AA6E4}">
-                <adec:decorative xmlns:adec="http://schemas.microsoft.com/office/drawing/2017/decorative" val="1"/>
+                <adec:decorative xmlns="" xmlns:adec="http://schemas.microsoft.com/office/drawing/2017/decorative" val="1"/>
               </a:ext>
             </a:extLst>
           </p:cNvPr>
@@ -7034,7 +7022,7 @@
               <a:t>Rodada #</a:t>
             </a:r>
             <a:r>
-              <a:rPr lang="pt-BR" sz="4800" dirty="0">
+              <a:rPr lang="pt-BR" sz="4800" dirty="0" smtClean="0">
                 <a:ln w="0">
                   <a:noFill/>
                 </a:ln>
@@ -7050,7 +7038,7 @@
                 </a:effectLst>
                 <a:latin typeface="Exo 2 Extra Bold" panose="00000900000000000000" pitchFamily="50" charset="0"/>
               </a:rPr>
-              <a:t>31</a:t>
+              <a:t>32</a:t>
             </a:r>
             <a:endParaRPr lang="pt-BR" sz="4800" b="0" cap="none" spc="0" dirty="0">
               <a:ln w="0">
@@ -7139,7 +7127,7 @@
           <p:nvPr/>
         </p:nvPicPr>
         <p:blipFill>
-          <a:blip r:embed="rId4">
+          <a:blip r:embed="rId4" cstate="hqprint">
             <a:extLst>
               <a:ext uri="{28A0092B-C50C-407E-A947-70E740481C1C}">
                 <a14:useLocalDpi xmlns:a14="http://schemas.microsoft.com/office/drawing/2010/main" val="0"/>
@@ -7162,13 +7150,7 @@
       </p:pic>
       <p:pic>
         <p:nvPicPr>
-          <p:cNvPr id="11" name="Imagem 10">
-            <a:extLst>
-              <a:ext uri="{FF2B5EF4-FFF2-40B4-BE49-F238E27FC236}">
-                <a16:creationId xmlns:a16="http://schemas.microsoft.com/office/drawing/2014/main" id="{CD1377BA-E954-4F53-AC4E-7F917B3F20FD}"/>
-              </a:ext>
-            </a:extLst>
-          </p:cNvPr>
+          <p:cNvPr id="2" name="Imagem 1"/>
           <p:cNvPicPr>
             <a:picLocks noChangeAspect="1"/>
           </p:cNvPicPr>
@@ -7182,8 +7164,8 @@
         </p:blipFill>
         <p:spPr>
           <a:xfrm>
-            <a:off x="1751506" y="7678526"/>
-            <a:ext cx="7316211" cy="2160000"/>
+            <a:off x="2422031" y="2521449"/>
+            <a:ext cx="5959350" cy="2160000"/>
           </a:xfrm>
           <a:prstGeom prst="rect">
             <a:avLst/>
@@ -7192,13 +7174,7 @@
       </p:pic>
       <p:pic>
         <p:nvPicPr>
-          <p:cNvPr id="4" name="Imagem 3">
-            <a:extLst>
-              <a:ext uri="{FF2B5EF4-FFF2-40B4-BE49-F238E27FC236}">
-                <a16:creationId xmlns:a16="http://schemas.microsoft.com/office/drawing/2014/main" id="{0CCA6BD7-84AF-4F7C-B74F-AA3CA96E5239}"/>
-              </a:ext>
-            </a:extLst>
-          </p:cNvPr>
+          <p:cNvPr id="3" name="Imagem 2"/>
           <p:cNvPicPr>
             <a:picLocks noChangeAspect="1"/>
           </p:cNvPicPr>
@@ -7212,8 +7188,8 @@
         </p:blipFill>
         <p:spPr>
           <a:xfrm>
-            <a:off x="2427050" y="2521449"/>
-            <a:ext cx="5959579" cy="2160000"/>
+            <a:off x="2420632" y="5038197"/>
+            <a:ext cx="5959350" cy="2160000"/>
           </a:xfrm>
           <a:prstGeom prst="rect">
             <a:avLst/>
@@ -7222,13 +7198,7 @@
       </p:pic>
       <p:pic>
         <p:nvPicPr>
-          <p:cNvPr id="9" name="Imagem 8">
-            <a:extLst>
-              <a:ext uri="{FF2B5EF4-FFF2-40B4-BE49-F238E27FC236}">
-                <a16:creationId xmlns:a16="http://schemas.microsoft.com/office/drawing/2014/main" id="{E690AC84-D6B3-47C5-90B1-ABBC1B5EAFDD}"/>
-              </a:ext>
-            </a:extLst>
-          </p:cNvPr>
+          <p:cNvPr id="7" name="Imagem 6"/>
           <p:cNvPicPr>
             <a:picLocks noChangeAspect="1"/>
           </p:cNvPicPr>
@@ -7242,8 +7212,8 @@
         </p:blipFill>
         <p:spPr>
           <a:xfrm>
-            <a:off x="2441701" y="5036728"/>
-            <a:ext cx="5959579" cy="2160000"/>
+            <a:off x="1750859" y="7676940"/>
+            <a:ext cx="7315929" cy="2160000"/>
           </a:xfrm>
           <a:prstGeom prst="rect">
             <a:avLst/>
@@ -7296,7 +7266,7 @@
                 <a16:creationId xmlns:a16="http://schemas.microsoft.com/office/drawing/2014/main" id="{0BABF38A-8A0D-492E-BD20-6CF4D46B50BD}"/>
               </a:ext>
               <a:ext uri="{C183D7F6-B498-43B3-948B-1728B52AA6E4}">
-                <adec:decorative xmlns:adec="http://schemas.microsoft.com/office/drawing/2017/decorative" val="1"/>
+                <adec:decorative xmlns="" xmlns:adec="http://schemas.microsoft.com/office/drawing/2017/decorative" val="1"/>
               </a:ext>
             </a:extLst>
           </p:cNvPr>
@@ -7394,7 +7364,7 @@
                 <a16:creationId xmlns:a16="http://schemas.microsoft.com/office/drawing/2014/main" id="{BC526B7A-4801-4FD1-95C8-03AF22629E87}"/>
               </a:ext>
               <a:ext uri="{C183D7F6-B498-43B3-948B-1728B52AA6E4}">
-                <adec:decorative xmlns:adec="http://schemas.microsoft.com/office/drawing/2017/decorative" val="1"/>
+                <adec:decorative xmlns="" xmlns:adec="http://schemas.microsoft.com/office/drawing/2017/decorative" val="1"/>
               </a:ext>
             </a:extLst>
           </p:cNvPr>
@@ -7440,7 +7410,7 @@
                 <a16:creationId xmlns:a16="http://schemas.microsoft.com/office/drawing/2014/main" id="{37FDDF72-DE39-4F99-A3C1-DD9D7815D7DB}"/>
               </a:ext>
               <a:ext uri="{C183D7F6-B498-43B3-948B-1728B52AA6E4}">
-                <adec:decorative xmlns:adec="http://schemas.microsoft.com/office/drawing/2017/decorative" val="1"/>
+                <adec:decorative xmlns="" xmlns:adec="http://schemas.microsoft.com/office/drawing/2017/decorative" val="1"/>
               </a:ext>
             </a:extLst>
           </p:cNvPr>
@@ -7532,7 +7502,7 @@
                 <a16:creationId xmlns:a16="http://schemas.microsoft.com/office/drawing/2014/main" id="{5E4ECE80-3AD1-450C-B62A-98788F193948}"/>
               </a:ext>
               <a:ext uri="{C183D7F6-B498-43B3-948B-1728B52AA6E4}">
-                <adec:decorative xmlns:adec="http://schemas.microsoft.com/office/drawing/2017/decorative" val="1"/>
+                <adec:decorative xmlns="" xmlns:adec="http://schemas.microsoft.com/office/drawing/2017/decorative" val="1"/>
               </a:ext>
             </a:extLst>
           </p:cNvPr>
@@ -8387,7 +8357,7 @@
           <p:nvPr/>
         </p:nvPicPr>
         <p:blipFill>
-          <a:blip r:embed="rId4">
+          <a:blip r:embed="rId4" cstate="hqprint">
             <a:extLst>
               <a:ext uri="{28A0092B-C50C-407E-A947-70E740481C1C}">
                 <a14:useLocalDpi xmlns:a14="http://schemas.microsoft.com/office/drawing/2010/main" val="0"/>
@@ -8574,7 +8544,7 @@
                 <a16:creationId xmlns:a16="http://schemas.microsoft.com/office/drawing/2014/main" id="{0BABF38A-8A0D-492E-BD20-6CF4D46B50BD}"/>
               </a:ext>
               <a:ext uri="{C183D7F6-B498-43B3-948B-1728B52AA6E4}">
-                <adec:decorative xmlns:adec="http://schemas.microsoft.com/office/drawing/2017/decorative" val="1"/>
+                <adec:decorative xmlns="" xmlns:adec="http://schemas.microsoft.com/office/drawing/2017/decorative" val="1"/>
               </a:ext>
             </a:extLst>
           </p:cNvPr>
@@ -8672,7 +8642,7 @@
                 <a16:creationId xmlns:a16="http://schemas.microsoft.com/office/drawing/2014/main" id="{BC526B7A-4801-4FD1-95C8-03AF22629E87}"/>
               </a:ext>
               <a:ext uri="{C183D7F6-B498-43B3-948B-1728B52AA6E4}">
-                <adec:decorative xmlns:adec="http://schemas.microsoft.com/office/drawing/2017/decorative" val="1"/>
+                <adec:decorative xmlns="" xmlns:adec="http://schemas.microsoft.com/office/drawing/2017/decorative" val="1"/>
               </a:ext>
             </a:extLst>
           </p:cNvPr>
@@ -8718,7 +8688,7 @@
                 <a16:creationId xmlns:a16="http://schemas.microsoft.com/office/drawing/2014/main" id="{37FDDF72-DE39-4F99-A3C1-DD9D7815D7DB}"/>
               </a:ext>
               <a:ext uri="{C183D7F6-B498-43B3-948B-1728B52AA6E4}">
-                <adec:decorative xmlns:adec="http://schemas.microsoft.com/office/drawing/2017/decorative" val="1"/>
+                <adec:decorative xmlns="" xmlns:adec="http://schemas.microsoft.com/office/drawing/2017/decorative" val="1"/>
               </a:ext>
             </a:extLst>
           </p:cNvPr>
@@ -8810,7 +8780,7 @@
                 <a16:creationId xmlns:a16="http://schemas.microsoft.com/office/drawing/2014/main" id="{5E4ECE80-3AD1-450C-B62A-98788F193948}"/>
               </a:ext>
               <a:ext uri="{C183D7F6-B498-43B3-948B-1728B52AA6E4}">
-                <adec:decorative xmlns:adec="http://schemas.microsoft.com/office/drawing/2017/decorative" val="1"/>
+                <adec:decorative xmlns="" xmlns:adec="http://schemas.microsoft.com/office/drawing/2017/decorative" val="1"/>
               </a:ext>
             </a:extLst>
           </p:cNvPr>
@@ -9665,7 +9635,7 @@
           <p:nvPr/>
         </p:nvPicPr>
         <p:blipFill>
-          <a:blip r:embed="rId4">
+          <a:blip r:embed="rId4" cstate="hqprint">
             <a:extLst>
               <a:ext uri="{28A0092B-C50C-407E-A947-70E740481C1C}">
                 <a14:useLocalDpi xmlns:a14="http://schemas.microsoft.com/office/drawing/2010/main" val="0"/>
@@ -9762,7 +9732,7 @@
                 <a16:creationId xmlns:a16="http://schemas.microsoft.com/office/drawing/2014/main" id="{0BABF38A-8A0D-492E-BD20-6CF4D46B50BD}"/>
               </a:ext>
               <a:ext uri="{C183D7F6-B498-43B3-948B-1728B52AA6E4}">
-                <adec:decorative xmlns:adec="http://schemas.microsoft.com/office/drawing/2017/decorative" val="1"/>
+                <adec:decorative xmlns="" xmlns:adec="http://schemas.microsoft.com/office/drawing/2017/decorative" val="1"/>
               </a:ext>
             </a:extLst>
           </p:cNvPr>
@@ -9860,7 +9830,7 @@
                 <a16:creationId xmlns:a16="http://schemas.microsoft.com/office/drawing/2014/main" id="{BC526B7A-4801-4FD1-95C8-03AF22629E87}"/>
               </a:ext>
               <a:ext uri="{C183D7F6-B498-43B3-948B-1728B52AA6E4}">
-                <adec:decorative xmlns:adec="http://schemas.microsoft.com/office/drawing/2017/decorative" val="1"/>
+                <adec:decorative xmlns="" xmlns:adec="http://schemas.microsoft.com/office/drawing/2017/decorative" val="1"/>
               </a:ext>
             </a:extLst>
           </p:cNvPr>
@@ -9906,7 +9876,7 @@
                 <a16:creationId xmlns:a16="http://schemas.microsoft.com/office/drawing/2014/main" id="{37FDDF72-DE39-4F99-A3C1-DD9D7815D7DB}"/>
               </a:ext>
               <a:ext uri="{C183D7F6-B498-43B3-948B-1728B52AA6E4}">
-                <adec:decorative xmlns:adec="http://schemas.microsoft.com/office/drawing/2017/decorative" val="1"/>
+                <adec:decorative xmlns="" xmlns:adec="http://schemas.microsoft.com/office/drawing/2017/decorative" val="1"/>
               </a:ext>
             </a:extLst>
           </p:cNvPr>
@@ -9998,7 +9968,7 @@
                 <a16:creationId xmlns:a16="http://schemas.microsoft.com/office/drawing/2014/main" id="{5E4ECE80-3AD1-450C-B62A-98788F193948}"/>
               </a:ext>
               <a:ext uri="{C183D7F6-B498-43B3-948B-1728B52AA6E4}">
-                <adec:decorative xmlns:adec="http://schemas.microsoft.com/office/drawing/2017/decorative" val="1"/>
+                <adec:decorative xmlns="" xmlns:adec="http://schemas.microsoft.com/office/drawing/2017/decorative" val="1"/>
               </a:ext>
             </a:extLst>
           </p:cNvPr>
@@ -10853,7 +10823,7 @@
           <p:nvPr/>
         </p:nvPicPr>
         <p:blipFill>
-          <a:blip r:embed="rId4">
+          <a:blip r:embed="rId4" cstate="hqprint">
             <a:extLst>
               <a:ext uri="{28A0092B-C50C-407E-A947-70E740481C1C}">
                 <a14:useLocalDpi xmlns:a14="http://schemas.microsoft.com/office/drawing/2010/main" val="0"/>
@@ -10950,7 +10920,7 @@
                 <a16:creationId xmlns:a16="http://schemas.microsoft.com/office/drawing/2014/main" id="{0BABF38A-8A0D-492E-BD20-6CF4D46B50BD}"/>
               </a:ext>
               <a:ext uri="{C183D7F6-B498-43B3-948B-1728B52AA6E4}">
-                <adec:decorative xmlns:adec="http://schemas.microsoft.com/office/drawing/2017/decorative" val="1"/>
+                <adec:decorative xmlns="" xmlns:adec="http://schemas.microsoft.com/office/drawing/2017/decorative" val="1"/>
               </a:ext>
             </a:extLst>
           </p:cNvPr>
@@ -11048,7 +11018,7 @@
                 <a16:creationId xmlns:a16="http://schemas.microsoft.com/office/drawing/2014/main" id="{BC526B7A-4801-4FD1-95C8-03AF22629E87}"/>
               </a:ext>
               <a:ext uri="{C183D7F6-B498-43B3-948B-1728B52AA6E4}">
-                <adec:decorative xmlns:adec="http://schemas.microsoft.com/office/drawing/2017/decorative" val="1"/>
+                <adec:decorative xmlns="" xmlns:adec="http://schemas.microsoft.com/office/drawing/2017/decorative" val="1"/>
               </a:ext>
             </a:extLst>
           </p:cNvPr>
@@ -11094,7 +11064,7 @@
                 <a16:creationId xmlns:a16="http://schemas.microsoft.com/office/drawing/2014/main" id="{37FDDF72-DE39-4F99-A3C1-DD9D7815D7DB}"/>
               </a:ext>
               <a:ext uri="{C183D7F6-B498-43B3-948B-1728B52AA6E4}">
-                <adec:decorative xmlns:adec="http://schemas.microsoft.com/office/drawing/2017/decorative" val="1"/>
+                <adec:decorative xmlns="" xmlns:adec="http://schemas.microsoft.com/office/drawing/2017/decorative" val="1"/>
               </a:ext>
             </a:extLst>
           </p:cNvPr>
@@ -11186,7 +11156,7 @@
                 <a16:creationId xmlns:a16="http://schemas.microsoft.com/office/drawing/2014/main" id="{5E4ECE80-3AD1-450C-B62A-98788F193948}"/>
               </a:ext>
               <a:ext uri="{C183D7F6-B498-43B3-948B-1728B52AA6E4}">
-                <adec:decorative xmlns:adec="http://schemas.microsoft.com/office/drawing/2017/decorative" val="1"/>
+                <adec:decorative xmlns="" xmlns:adec="http://schemas.microsoft.com/office/drawing/2017/decorative" val="1"/>
               </a:ext>
             </a:extLst>
           </p:cNvPr>
@@ -12041,7 +12011,7 @@
           <p:nvPr/>
         </p:nvPicPr>
         <p:blipFill>
-          <a:blip r:embed="rId4">
+          <a:blip r:embed="rId4" cstate="hqprint">
             <a:extLst>
               <a:ext uri="{28A0092B-C50C-407E-A947-70E740481C1C}">
                 <a14:useLocalDpi xmlns:a14="http://schemas.microsoft.com/office/drawing/2010/main" val="0"/>
@@ -12138,7 +12108,7 @@
                 <a16:creationId xmlns:a16="http://schemas.microsoft.com/office/drawing/2014/main" id="{0BABF38A-8A0D-492E-BD20-6CF4D46B50BD}"/>
               </a:ext>
               <a:ext uri="{C183D7F6-B498-43B3-948B-1728B52AA6E4}">
-                <adec:decorative xmlns:adec="http://schemas.microsoft.com/office/drawing/2017/decorative" val="1"/>
+                <adec:decorative xmlns="" xmlns:adec="http://schemas.microsoft.com/office/drawing/2017/decorative" val="1"/>
               </a:ext>
             </a:extLst>
           </p:cNvPr>
@@ -12236,7 +12206,7 @@
                 <a16:creationId xmlns:a16="http://schemas.microsoft.com/office/drawing/2014/main" id="{BC526B7A-4801-4FD1-95C8-03AF22629E87}"/>
               </a:ext>
               <a:ext uri="{C183D7F6-B498-43B3-948B-1728B52AA6E4}">
-                <adec:decorative xmlns:adec="http://schemas.microsoft.com/office/drawing/2017/decorative" val="1"/>
+                <adec:decorative xmlns="" xmlns:adec="http://schemas.microsoft.com/office/drawing/2017/decorative" val="1"/>
               </a:ext>
             </a:extLst>
           </p:cNvPr>
@@ -12282,7 +12252,7 @@
                 <a16:creationId xmlns:a16="http://schemas.microsoft.com/office/drawing/2014/main" id="{37FDDF72-DE39-4F99-A3C1-DD9D7815D7DB}"/>
               </a:ext>
               <a:ext uri="{C183D7F6-B498-43B3-948B-1728B52AA6E4}">
-                <adec:decorative xmlns:adec="http://schemas.microsoft.com/office/drawing/2017/decorative" val="1"/>
+                <adec:decorative xmlns="" xmlns:adec="http://schemas.microsoft.com/office/drawing/2017/decorative" val="1"/>
               </a:ext>
             </a:extLst>
           </p:cNvPr>
@@ -12374,7 +12344,7 @@
                 <a16:creationId xmlns:a16="http://schemas.microsoft.com/office/drawing/2014/main" id="{5E4ECE80-3AD1-450C-B62A-98788F193948}"/>
               </a:ext>
               <a:ext uri="{C183D7F6-B498-43B3-948B-1728B52AA6E4}">
-                <adec:decorative xmlns:adec="http://schemas.microsoft.com/office/drawing/2017/decorative" val="1"/>
+                <adec:decorative xmlns="" xmlns:adec="http://schemas.microsoft.com/office/drawing/2017/decorative" val="1"/>
               </a:ext>
             </a:extLst>
           </p:cNvPr>
@@ -13229,7 +13199,7 @@
           <p:nvPr/>
         </p:nvPicPr>
         <p:blipFill>
-          <a:blip r:embed="rId4">
+          <a:blip r:embed="rId4" cstate="hqprint">
             <a:extLst>
               <a:ext uri="{28A0092B-C50C-407E-A947-70E740481C1C}">
                 <a14:useLocalDpi xmlns:a14="http://schemas.microsoft.com/office/drawing/2010/main" val="0"/>
@@ -13326,7 +13296,7 @@
                 <a16:creationId xmlns:a16="http://schemas.microsoft.com/office/drawing/2014/main" id="{0BABF38A-8A0D-492E-BD20-6CF4D46B50BD}"/>
               </a:ext>
               <a:ext uri="{C183D7F6-B498-43B3-948B-1728B52AA6E4}">
-                <adec:decorative xmlns:adec="http://schemas.microsoft.com/office/drawing/2017/decorative" val="1"/>
+                <adec:decorative xmlns="" xmlns:adec="http://schemas.microsoft.com/office/drawing/2017/decorative" val="1"/>
               </a:ext>
             </a:extLst>
           </p:cNvPr>
@@ -13424,7 +13394,7 @@
                 <a16:creationId xmlns:a16="http://schemas.microsoft.com/office/drawing/2014/main" id="{BC526B7A-4801-4FD1-95C8-03AF22629E87}"/>
               </a:ext>
               <a:ext uri="{C183D7F6-B498-43B3-948B-1728B52AA6E4}">
-                <adec:decorative xmlns:adec="http://schemas.microsoft.com/office/drawing/2017/decorative" val="1"/>
+                <adec:decorative xmlns="" xmlns:adec="http://schemas.microsoft.com/office/drawing/2017/decorative" val="1"/>
               </a:ext>
             </a:extLst>
           </p:cNvPr>
@@ -13470,7 +13440,7 @@
                 <a16:creationId xmlns:a16="http://schemas.microsoft.com/office/drawing/2014/main" id="{37FDDF72-DE39-4F99-A3C1-DD9D7815D7DB}"/>
               </a:ext>
               <a:ext uri="{C183D7F6-B498-43B3-948B-1728B52AA6E4}">
-                <adec:decorative xmlns:adec="http://schemas.microsoft.com/office/drawing/2017/decorative" val="1"/>
+                <adec:decorative xmlns="" xmlns:adec="http://schemas.microsoft.com/office/drawing/2017/decorative" val="1"/>
               </a:ext>
             </a:extLst>
           </p:cNvPr>
@@ -13562,7 +13532,7 @@
                 <a16:creationId xmlns:a16="http://schemas.microsoft.com/office/drawing/2014/main" id="{5E4ECE80-3AD1-450C-B62A-98788F193948}"/>
               </a:ext>
               <a:ext uri="{C183D7F6-B498-43B3-948B-1728B52AA6E4}">
-                <adec:decorative xmlns:adec="http://schemas.microsoft.com/office/drawing/2017/decorative" val="1"/>
+                <adec:decorative xmlns="" xmlns:adec="http://schemas.microsoft.com/office/drawing/2017/decorative" val="1"/>
               </a:ext>
             </a:extLst>
           </p:cNvPr>
@@ -14344,10 +14314,10 @@
                 </a:effectLst>
                 <a:latin typeface="Exo 2 Extra Bold" panose="00000900000000000000" pitchFamily="50" charset="0"/>
               </a:rPr>
-              <a:t>Rodada #</a:t>
+              <a:t>Rodada </a:t>
             </a:r>
             <a:r>
-              <a:rPr lang="pt-BR" sz="4800" dirty="0">
+              <a:rPr lang="pt-BR" sz="4800" b="0" cap="none" spc="0">
                 <a:ln w="0">
                   <a:noFill/>
                 </a:ln>
@@ -14363,7 +14333,26 @@
                 </a:effectLst>
                 <a:latin typeface="Exo 2 Extra Bold" panose="00000900000000000000" pitchFamily="50" charset="0"/>
               </a:rPr>
-              <a:t>31</a:t>
+              <a:t>#</a:t>
+            </a:r>
+            <a:r>
+              <a:rPr lang="pt-BR" sz="4800" smtClean="0">
+                <a:ln w="0">
+                  <a:noFill/>
+                </a:ln>
+                <a:solidFill>
+                  <a:schemeClr val="bg1"/>
+                </a:solidFill>
+                <a:effectLst>
+                  <a:outerShdw blurRad="38100" dist="19050" dir="2700000" algn="tl" rotWithShape="0">
+                    <a:schemeClr val="dk1">
+                      <a:alpha val="40000"/>
+                    </a:schemeClr>
+                  </a:outerShdw>
+                </a:effectLst>
+                <a:latin typeface="Exo 2 Extra Bold" panose="00000900000000000000" pitchFamily="50" charset="0"/>
+              </a:rPr>
+              <a:t>32</a:t>
             </a:r>
             <a:endParaRPr lang="pt-BR" sz="4800" b="0" cap="none" spc="0" dirty="0">
               <a:ln w="0">
@@ -14452,7 +14441,7 @@
           <p:nvPr/>
         </p:nvPicPr>
         <p:blipFill>
-          <a:blip r:embed="rId4">
+          <a:blip r:embed="rId4" cstate="hqprint">
             <a:extLst>
               <a:ext uri="{28A0092B-C50C-407E-A947-70E740481C1C}">
                 <a14:useLocalDpi xmlns:a14="http://schemas.microsoft.com/office/drawing/2010/main" val="0"/>
@@ -14475,13 +14464,7 @@
       </p:pic>
       <p:pic>
         <p:nvPicPr>
-          <p:cNvPr id="3" name="Imagem 2">
-            <a:extLst>
-              <a:ext uri="{FF2B5EF4-FFF2-40B4-BE49-F238E27FC236}">
-                <a16:creationId xmlns:a16="http://schemas.microsoft.com/office/drawing/2014/main" id="{7C00DAC4-8183-4E78-8783-CEF18F5E5392}"/>
-              </a:ext>
-            </a:extLst>
-          </p:cNvPr>
+          <p:cNvPr id="2" name="Imagem 1"/>
           <p:cNvPicPr>
             <a:picLocks noChangeAspect="1"/>
           </p:cNvPicPr>
@@ -14495,8 +14478,8 @@
         </p:blipFill>
         <p:spPr>
           <a:xfrm>
-            <a:off x="1591695" y="2056012"/>
-            <a:ext cx="7648742" cy="8280000"/>
+            <a:off x="1584222" y="2009782"/>
+            <a:ext cx="7648447" cy="8280000"/>
           </a:xfrm>
           <a:prstGeom prst="rect">
             <a:avLst/>

--- a/Informativos.pptx
+++ b/Informativos.pptx
@@ -294,7 +294,7 @@
             <a:fld id="{11A6662E-FAF4-44BC-88B5-85A7CBFB6D30}" type="datetime1">
               <a:rPr lang="en-US" smtClean="0"/>
               <a:pPr/>
-              <a:t>11/15/2021</a:t>
+              <a:t>11/19/2021</a:t>
             </a:fld>
             <a:endParaRPr lang="en-US" dirty="0"/>
           </a:p>
@@ -521,7 +521,7 @@
           <a:p>
             <a:fld id="{4C559632-1575-4E14-B53B-3DC3D5ED3947}" type="datetime1">
               <a:rPr lang="en-US" smtClean="0"/>
-              <a:t>11/15/2021</a:t>
+              <a:t>11/19/2021</a:t>
             </a:fld>
             <a:endParaRPr lang="en-US"/>
           </a:p>
@@ -729,7 +729,7 @@
           <a:p>
             <a:fld id="{CC4A6868-2568-4CC9-B302-F37117B01A6E}" type="datetime1">
               <a:rPr lang="en-US" smtClean="0"/>
-              <a:t>11/15/2021</a:t>
+              <a:t>11/19/2021</a:t>
             </a:fld>
             <a:endParaRPr lang="en-US"/>
           </a:p>
@@ -934,7 +934,7 @@
           <a:p>
             <a:fld id="{0055F08A-1E71-4B2B-BB49-E743F2903911}" type="datetime1">
               <a:rPr lang="en-US" smtClean="0"/>
-              <a:t>11/15/2021</a:t>
+              <a:t>11/19/2021</a:t>
             </a:fld>
             <a:endParaRPr lang="en-US" dirty="0"/>
           </a:p>
@@ -1208,7 +1208,7 @@
           <a:p>
             <a:fld id="{15417D9E-721A-44BB-8863-9873FE64DA75}" type="datetime1">
               <a:rPr lang="en-US" smtClean="0"/>
-              <a:t>11/15/2021</a:t>
+              <a:t>11/19/2021</a:t>
             </a:fld>
             <a:endParaRPr lang="en-US"/>
           </a:p>
@@ -1481,7 +1481,7 @@
           <a:p>
             <a:fld id="{5F31DA2F-80B8-49CF-99FB-5ABCA53A607A}" type="datetime1">
               <a:rPr lang="en-US" smtClean="0"/>
-              <a:t>11/15/2021</a:t>
+              <a:t>11/19/2021</a:t>
             </a:fld>
             <a:endParaRPr lang="en-US"/>
           </a:p>
@@ -1896,7 +1896,7 @@
           <a:p>
             <a:fld id="{28852172-E6C9-4B6C-929A-A9DE3837BBF1}" type="datetime1">
               <a:rPr lang="en-US" smtClean="0"/>
-              <a:t>11/15/2021</a:t>
+              <a:t>11/19/2021</a:t>
             </a:fld>
             <a:endParaRPr lang="en-US"/>
           </a:p>
@@ -2048,7 +2048,7 @@
           <a:p>
             <a:fld id="{3AB41CFF-90C9-47B3-9DA1-F2BF8D839F7E}" type="datetime1">
               <a:rPr lang="en-US" smtClean="0"/>
-              <a:t>11/15/2021</a:t>
+              <a:t>11/19/2021</a:t>
             </a:fld>
             <a:endParaRPr lang="en-US"/>
           </a:p>
@@ -2161,7 +2161,7 @@
           <a:p>
             <a:fld id="{F06048FA-06AB-4884-A69B-986B96E68A24}" type="datetime1">
               <a:rPr lang="en-US" smtClean="0"/>
-              <a:t>11/15/2021</a:t>
+              <a:t>11/19/2021</a:t>
             </a:fld>
             <a:endParaRPr lang="en-US"/>
           </a:p>
@@ -2472,7 +2472,7 @@
           <a:p>
             <a:fld id="{50DB7ABA-0172-4F9C-889D-567164F66BCD}" type="datetime1">
               <a:rPr lang="en-US" smtClean="0"/>
-              <a:t>11/15/2021</a:t>
+              <a:t>11/19/2021</a:t>
             </a:fld>
             <a:endParaRPr lang="en-US"/>
           </a:p>
@@ -2763,7 +2763,7 @@
           <a:p>
             <a:fld id="{78AC6A5B-8AE7-4A41-B5A7-9ADC6686DC18}" type="datetime1">
               <a:rPr lang="en-US" smtClean="0"/>
-              <a:t>11/15/2021</a:t>
+              <a:t>11/19/2021</a:t>
             </a:fld>
             <a:endParaRPr lang="en-US"/>
           </a:p>
@@ -2866,7 +2866,7 @@
                 <a16:creationId xmlns:a16="http://schemas.microsoft.com/office/drawing/2014/main" id="{0BABF38A-8A0D-492E-BD20-6CF4D46B50BD}"/>
               </a:ext>
               <a:ext uri="{C183D7F6-B498-43B3-948B-1728B52AA6E4}">
-                <adec:decorative xmlns="" xmlns:adec="http://schemas.microsoft.com/office/drawing/2017/decorative" val="1"/>
+                <adec:decorative xmlns:adec="http://schemas.microsoft.com/office/drawing/2017/decorative" val="1"/>
               </a:ext>
             </a:extLst>
           </p:cNvPr>
@@ -3072,7 +3072,7 @@
             <a:fld id="{57E0CF6C-748E-4B7A-BC8B-3011EF78ED13}" type="datetime1">
               <a:rPr lang="en-US" smtClean="0"/>
               <a:pPr/>
-              <a:t>11/15/2021</a:t>
+              <a:t>11/19/2021</a:t>
             </a:fld>
             <a:endParaRPr lang="en-US" dirty="0"/>
           </a:p>
@@ -3567,7 +3567,7 @@
                 <a16:creationId xmlns:a16="http://schemas.microsoft.com/office/drawing/2014/main" id="{0BABF38A-8A0D-492E-BD20-6CF4D46B50BD}"/>
               </a:ext>
               <a:ext uri="{C183D7F6-B498-43B3-948B-1728B52AA6E4}">
-                <adec:decorative xmlns="" xmlns:adec="http://schemas.microsoft.com/office/drawing/2017/decorative" val="1"/>
+                <adec:decorative xmlns:adec="http://schemas.microsoft.com/office/drawing/2017/decorative" val="1"/>
               </a:ext>
             </a:extLst>
           </p:cNvPr>
@@ -3665,7 +3665,7 @@
                 <a16:creationId xmlns:a16="http://schemas.microsoft.com/office/drawing/2014/main" id="{BC526B7A-4801-4FD1-95C8-03AF22629E87}"/>
               </a:ext>
               <a:ext uri="{C183D7F6-B498-43B3-948B-1728B52AA6E4}">
-                <adec:decorative xmlns="" xmlns:adec="http://schemas.microsoft.com/office/drawing/2017/decorative" val="1"/>
+                <adec:decorative xmlns:adec="http://schemas.microsoft.com/office/drawing/2017/decorative" val="1"/>
               </a:ext>
             </a:extLst>
           </p:cNvPr>
@@ -3711,7 +3711,7 @@
                 <a16:creationId xmlns:a16="http://schemas.microsoft.com/office/drawing/2014/main" id="{37FDDF72-DE39-4F99-A3C1-DD9D7815D7DB}"/>
               </a:ext>
               <a:ext uri="{C183D7F6-B498-43B3-948B-1728B52AA6E4}">
-                <adec:decorative xmlns="" xmlns:adec="http://schemas.microsoft.com/office/drawing/2017/decorative" val="1"/>
+                <adec:decorative xmlns:adec="http://schemas.microsoft.com/office/drawing/2017/decorative" val="1"/>
               </a:ext>
             </a:extLst>
           </p:cNvPr>
@@ -3803,7 +3803,7 @@
                 <a16:creationId xmlns:a16="http://schemas.microsoft.com/office/drawing/2014/main" id="{5E4ECE80-3AD1-450C-B62A-98788F193948}"/>
               </a:ext>
               <a:ext uri="{C183D7F6-B498-43B3-948B-1728B52AA6E4}">
-                <adec:decorative xmlns="" xmlns:adec="http://schemas.microsoft.com/office/drawing/2017/decorative" val="1"/>
+                <adec:decorative xmlns:adec="http://schemas.microsoft.com/office/drawing/2017/decorative" val="1"/>
               </a:ext>
             </a:extLst>
           </p:cNvPr>
@@ -4641,7 +4641,7 @@
               <a:t>Rodada #</a:t>
             </a:r>
             <a:r>
-              <a:rPr lang="pt-BR" sz="4800" dirty="0" smtClean="0">
+              <a:rPr lang="pt-BR" sz="4800" dirty="0">
                 <a:ln w="0">
                   <a:noFill/>
                 </a:ln>
@@ -4657,7 +4657,7 @@
                 </a:effectLst>
                 <a:latin typeface="Exo 2 Extra Bold" panose="00000900000000000000" pitchFamily="50" charset="0"/>
               </a:rPr>
-              <a:t>32</a:t>
+              <a:t>33</a:t>
             </a:r>
             <a:endParaRPr lang="pt-BR" sz="4800" b="0" cap="none" spc="0" dirty="0">
               <a:ln w="0">
@@ -4716,7 +4716,13 @@
       </p:pic>
       <p:pic>
         <p:nvPicPr>
-          <p:cNvPr id="2" name="Imagem 1"/>
+          <p:cNvPr id="4" name="Imagem 3">
+            <a:extLst>
+              <a:ext uri="{FF2B5EF4-FFF2-40B4-BE49-F238E27FC236}">
+                <a16:creationId xmlns:a16="http://schemas.microsoft.com/office/drawing/2014/main" id="{D2BEB0DB-BF08-40BB-B257-6FD2B217E9FB}"/>
+              </a:ext>
+            </a:extLst>
+          </p:cNvPr>
           <p:cNvPicPr>
             <a:picLocks noChangeAspect="1"/>
           </p:cNvPicPr>
@@ -4730,8 +4736,8 @@
         </p:blipFill>
         <p:spPr>
           <a:xfrm>
-            <a:off x="1258558" y="2542754"/>
-            <a:ext cx="8280000" cy="6711308"/>
+            <a:off x="1274757" y="2525175"/>
+            <a:ext cx="8280000" cy="6711047"/>
           </a:xfrm>
           <a:prstGeom prst="rect">
             <a:avLst/>
@@ -4784,7 +4790,7 @@
                 <a16:creationId xmlns:a16="http://schemas.microsoft.com/office/drawing/2014/main" id="{0BABF38A-8A0D-492E-BD20-6CF4D46B50BD}"/>
               </a:ext>
               <a:ext uri="{C183D7F6-B498-43B3-948B-1728B52AA6E4}">
-                <adec:decorative xmlns="" xmlns:adec="http://schemas.microsoft.com/office/drawing/2017/decorative" val="1"/>
+                <adec:decorative xmlns:adec="http://schemas.microsoft.com/office/drawing/2017/decorative" val="1"/>
               </a:ext>
             </a:extLst>
           </p:cNvPr>
@@ -4882,7 +4888,7 @@
                 <a16:creationId xmlns:a16="http://schemas.microsoft.com/office/drawing/2014/main" id="{BC526B7A-4801-4FD1-95C8-03AF22629E87}"/>
               </a:ext>
               <a:ext uri="{C183D7F6-B498-43B3-948B-1728B52AA6E4}">
-                <adec:decorative xmlns="" xmlns:adec="http://schemas.microsoft.com/office/drawing/2017/decorative" val="1"/>
+                <adec:decorative xmlns:adec="http://schemas.microsoft.com/office/drawing/2017/decorative" val="1"/>
               </a:ext>
             </a:extLst>
           </p:cNvPr>
@@ -4928,7 +4934,7 @@
                 <a16:creationId xmlns:a16="http://schemas.microsoft.com/office/drawing/2014/main" id="{37FDDF72-DE39-4F99-A3C1-DD9D7815D7DB}"/>
               </a:ext>
               <a:ext uri="{C183D7F6-B498-43B3-948B-1728B52AA6E4}">
-                <adec:decorative xmlns="" xmlns:adec="http://schemas.microsoft.com/office/drawing/2017/decorative" val="1"/>
+                <adec:decorative xmlns:adec="http://schemas.microsoft.com/office/drawing/2017/decorative" val="1"/>
               </a:ext>
             </a:extLst>
           </p:cNvPr>
@@ -5020,7 +5026,7 @@
                 <a16:creationId xmlns:a16="http://schemas.microsoft.com/office/drawing/2014/main" id="{5E4ECE80-3AD1-450C-B62A-98788F193948}"/>
               </a:ext>
               <a:ext uri="{C183D7F6-B498-43B3-948B-1728B52AA6E4}">
-                <adec:decorative xmlns="" xmlns:adec="http://schemas.microsoft.com/office/drawing/2017/decorative" val="1"/>
+                <adec:decorative xmlns:adec="http://schemas.microsoft.com/office/drawing/2017/decorative" val="1"/>
               </a:ext>
             </a:extLst>
           </p:cNvPr>
@@ -5805,7 +5811,7 @@
               <a:t>Rodada #</a:t>
             </a:r>
             <a:r>
-              <a:rPr lang="pt-BR" sz="4800" dirty="0" smtClean="0">
+              <a:rPr lang="pt-BR" sz="4800" dirty="0">
                 <a:ln w="0">
                   <a:noFill/>
                 </a:ln>
@@ -5821,7 +5827,7 @@
                 </a:effectLst>
                 <a:latin typeface="Exo 2 Extra Bold" panose="00000900000000000000" pitchFamily="50" charset="0"/>
               </a:rPr>
-              <a:t>32</a:t>
+              <a:t>33</a:t>
             </a:r>
             <a:endParaRPr lang="pt-BR" sz="4800" b="0" cap="none" spc="0" dirty="0">
               <a:ln w="0">
@@ -5933,7 +5939,13 @@
       </p:pic>
       <p:pic>
         <p:nvPicPr>
-          <p:cNvPr id="2" name="Imagem 1"/>
+          <p:cNvPr id="4" name="Imagem 3">
+            <a:extLst>
+              <a:ext uri="{FF2B5EF4-FFF2-40B4-BE49-F238E27FC236}">
+                <a16:creationId xmlns:a16="http://schemas.microsoft.com/office/drawing/2014/main" id="{9238971A-7CD2-442B-BFE3-6135EC84A213}"/>
+              </a:ext>
+            </a:extLst>
+          </p:cNvPr>
           <p:cNvPicPr>
             <a:picLocks noChangeAspect="1"/>
           </p:cNvPicPr>
@@ -5947,8 +5959,8 @@
         </p:blipFill>
         <p:spPr>
           <a:xfrm>
-            <a:off x="1798168" y="2542754"/>
-            <a:ext cx="7200000" cy="6893417"/>
+            <a:off x="1812218" y="2532469"/>
+            <a:ext cx="7200000" cy="6893151"/>
           </a:xfrm>
           <a:prstGeom prst="rect">
             <a:avLst/>
@@ -6001,7 +6013,7 @@
                 <a16:creationId xmlns:a16="http://schemas.microsoft.com/office/drawing/2014/main" id="{0BABF38A-8A0D-492E-BD20-6CF4D46B50BD}"/>
               </a:ext>
               <a:ext uri="{C183D7F6-B498-43B3-948B-1728B52AA6E4}">
-                <adec:decorative xmlns="" xmlns:adec="http://schemas.microsoft.com/office/drawing/2017/decorative" val="1"/>
+                <adec:decorative xmlns:adec="http://schemas.microsoft.com/office/drawing/2017/decorative" val="1"/>
               </a:ext>
             </a:extLst>
           </p:cNvPr>
@@ -6099,7 +6111,7 @@
                 <a16:creationId xmlns:a16="http://schemas.microsoft.com/office/drawing/2014/main" id="{BC526B7A-4801-4FD1-95C8-03AF22629E87}"/>
               </a:ext>
               <a:ext uri="{C183D7F6-B498-43B3-948B-1728B52AA6E4}">
-                <adec:decorative xmlns="" xmlns:adec="http://schemas.microsoft.com/office/drawing/2017/decorative" val="1"/>
+                <adec:decorative xmlns:adec="http://schemas.microsoft.com/office/drawing/2017/decorative" val="1"/>
               </a:ext>
             </a:extLst>
           </p:cNvPr>
@@ -6145,7 +6157,7 @@
                 <a16:creationId xmlns:a16="http://schemas.microsoft.com/office/drawing/2014/main" id="{37FDDF72-DE39-4F99-A3C1-DD9D7815D7DB}"/>
               </a:ext>
               <a:ext uri="{C183D7F6-B498-43B3-948B-1728B52AA6E4}">
-                <adec:decorative xmlns="" xmlns:adec="http://schemas.microsoft.com/office/drawing/2017/decorative" val="1"/>
+                <adec:decorative xmlns:adec="http://schemas.microsoft.com/office/drawing/2017/decorative" val="1"/>
               </a:ext>
             </a:extLst>
           </p:cNvPr>
@@ -6237,7 +6249,7 @@
                 <a16:creationId xmlns:a16="http://schemas.microsoft.com/office/drawing/2014/main" id="{5E4ECE80-3AD1-450C-B62A-98788F193948}"/>
               </a:ext>
               <a:ext uri="{C183D7F6-B498-43B3-948B-1728B52AA6E4}">
-                <adec:decorative xmlns="" xmlns:adec="http://schemas.microsoft.com/office/drawing/2017/decorative" val="1"/>
+                <adec:decorative xmlns:adec="http://schemas.microsoft.com/office/drawing/2017/decorative" val="1"/>
               </a:ext>
             </a:extLst>
           </p:cNvPr>
@@ -7022,7 +7034,7 @@
               <a:t>Rodada #</a:t>
             </a:r>
             <a:r>
-              <a:rPr lang="pt-BR" sz="4800" dirty="0" smtClean="0">
+              <a:rPr lang="pt-BR" sz="4800" dirty="0">
                 <a:ln w="0">
                   <a:noFill/>
                 </a:ln>
@@ -7038,7 +7050,7 @@
                 </a:effectLst>
                 <a:latin typeface="Exo 2 Extra Bold" panose="00000900000000000000" pitchFamily="50" charset="0"/>
               </a:rPr>
-              <a:t>32</a:t>
+              <a:t>33</a:t>
             </a:r>
             <a:endParaRPr lang="pt-BR" sz="4800" b="0" cap="none" spc="0" dirty="0">
               <a:ln w="0">
@@ -7150,7 +7162,7 @@
       </p:pic>
       <p:pic>
         <p:nvPicPr>
-          <p:cNvPr id="2" name="Imagem 1"/>
+          <p:cNvPr id="7" name="Imagem 6"/>
           <p:cNvPicPr>
             <a:picLocks noChangeAspect="1"/>
           </p:cNvPicPr>
@@ -7164,8 +7176,8 @@
         </p:blipFill>
         <p:spPr>
           <a:xfrm>
-            <a:off x="2422031" y="2521449"/>
-            <a:ext cx="5959350" cy="2160000"/>
+            <a:off x="1750859" y="7676940"/>
+            <a:ext cx="7315929" cy="2160000"/>
           </a:xfrm>
           <a:prstGeom prst="rect">
             <a:avLst/>
@@ -7174,7 +7186,13 @@
       </p:pic>
       <p:pic>
         <p:nvPicPr>
-          <p:cNvPr id="3" name="Imagem 2"/>
+          <p:cNvPr id="8" name="Imagem 7">
+            <a:extLst>
+              <a:ext uri="{FF2B5EF4-FFF2-40B4-BE49-F238E27FC236}">
+                <a16:creationId xmlns:a16="http://schemas.microsoft.com/office/drawing/2014/main" id="{70990A53-77F1-4A31-AA5E-C269F4B27E1B}"/>
+              </a:ext>
+            </a:extLst>
+          </p:cNvPr>
           <p:cNvPicPr>
             <a:picLocks noChangeAspect="1"/>
           </p:cNvPicPr>
@@ -7188,8 +7206,8 @@
         </p:blipFill>
         <p:spPr>
           <a:xfrm>
-            <a:off x="2420632" y="5038197"/>
-            <a:ext cx="5959350" cy="2160000"/>
+            <a:off x="2433100" y="2521449"/>
+            <a:ext cx="5959579" cy="2160000"/>
           </a:xfrm>
           <a:prstGeom prst="rect">
             <a:avLst/>
@@ -7198,7 +7216,13 @@
       </p:pic>
       <p:pic>
         <p:nvPicPr>
-          <p:cNvPr id="7" name="Imagem 6"/>
+          <p:cNvPr id="10" name="Imagem 9">
+            <a:extLst>
+              <a:ext uri="{FF2B5EF4-FFF2-40B4-BE49-F238E27FC236}">
+                <a16:creationId xmlns:a16="http://schemas.microsoft.com/office/drawing/2014/main" id="{E711E36B-2EFA-4287-98F2-A94BF015A832}"/>
+              </a:ext>
+            </a:extLst>
+          </p:cNvPr>
           <p:cNvPicPr>
             <a:picLocks noChangeAspect="1"/>
           </p:cNvPicPr>
@@ -7212,8 +7236,8 @@
         </p:blipFill>
         <p:spPr>
           <a:xfrm>
-            <a:off x="1750859" y="7676940"/>
-            <a:ext cx="7315929" cy="2160000"/>
+            <a:off x="2431703" y="5038197"/>
+            <a:ext cx="5959579" cy="2160000"/>
           </a:xfrm>
           <a:prstGeom prst="rect">
             <a:avLst/>
@@ -7266,7 +7290,7 @@
                 <a16:creationId xmlns:a16="http://schemas.microsoft.com/office/drawing/2014/main" id="{0BABF38A-8A0D-492E-BD20-6CF4D46B50BD}"/>
               </a:ext>
               <a:ext uri="{C183D7F6-B498-43B3-948B-1728B52AA6E4}">
-                <adec:decorative xmlns="" xmlns:adec="http://schemas.microsoft.com/office/drawing/2017/decorative" val="1"/>
+                <adec:decorative xmlns:adec="http://schemas.microsoft.com/office/drawing/2017/decorative" val="1"/>
               </a:ext>
             </a:extLst>
           </p:cNvPr>
@@ -7364,7 +7388,7 @@
                 <a16:creationId xmlns:a16="http://schemas.microsoft.com/office/drawing/2014/main" id="{BC526B7A-4801-4FD1-95C8-03AF22629E87}"/>
               </a:ext>
               <a:ext uri="{C183D7F6-B498-43B3-948B-1728B52AA6E4}">
-                <adec:decorative xmlns="" xmlns:adec="http://schemas.microsoft.com/office/drawing/2017/decorative" val="1"/>
+                <adec:decorative xmlns:adec="http://schemas.microsoft.com/office/drawing/2017/decorative" val="1"/>
               </a:ext>
             </a:extLst>
           </p:cNvPr>
@@ -7410,7 +7434,7 @@
                 <a16:creationId xmlns:a16="http://schemas.microsoft.com/office/drawing/2014/main" id="{37FDDF72-DE39-4F99-A3C1-DD9D7815D7DB}"/>
               </a:ext>
               <a:ext uri="{C183D7F6-B498-43B3-948B-1728B52AA6E4}">
-                <adec:decorative xmlns="" xmlns:adec="http://schemas.microsoft.com/office/drawing/2017/decorative" val="1"/>
+                <adec:decorative xmlns:adec="http://schemas.microsoft.com/office/drawing/2017/decorative" val="1"/>
               </a:ext>
             </a:extLst>
           </p:cNvPr>
@@ -7502,7 +7526,7 @@
                 <a16:creationId xmlns:a16="http://schemas.microsoft.com/office/drawing/2014/main" id="{5E4ECE80-3AD1-450C-B62A-98788F193948}"/>
               </a:ext>
               <a:ext uri="{C183D7F6-B498-43B3-948B-1728B52AA6E4}">
-                <adec:decorative xmlns="" xmlns:adec="http://schemas.microsoft.com/office/drawing/2017/decorative" val="1"/>
+                <adec:decorative xmlns:adec="http://schemas.microsoft.com/office/drawing/2017/decorative" val="1"/>
               </a:ext>
             </a:extLst>
           </p:cNvPr>
@@ -8284,7 +8308,7 @@
                 </a:effectLst>
                 <a:latin typeface="Exo 2 Extra Bold" panose="00000900000000000000" pitchFamily="50" charset="0"/>
               </a:rPr>
-              <a:t>Rodada #28</a:t>
+              <a:t>Rodada #33</a:t>
             </a:r>
           </a:p>
         </p:txBody>
@@ -8440,10 +8464,10 @@
       </p:pic>
       <p:pic>
         <p:nvPicPr>
-          <p:cNvPr id="3" name="Imagem 2">
-            <a:extLst>
-              <a:ext uri="{FF2B5EF4-FFF2-40B4-BE49-F238E27FC236}">
-                <a16:creationId xmlns:a16="http://schemas.microsoft.com/office/drawing/2014/main" id="{9D332866-44D0-4DE1-BC52-35A2F21BB138}"/>
+          <p:cNvPr id="4" name="Imagem 3">
+            <a:extLst>
+              <a:ext uri="{FF2B5EF4-FFF2-40B4-BE49-F238E27FC236}">
+                <a16:creationId xmlns:a16="http://schemas.microsoft.com/office/drawing/2014/main" id="{63BD515B-78A7-41FB-8055-BF6EC072DFF5}"/>
               </a:ext>
             </a:extLst>
           </p:cNvPr>
@@ -8470,10 +8494,10 @@
       </p:pic>
       <p:pic>
         <p:nvPicPr>
-          <p:cNvPr id="10" name="Imagem 9">
-            <a:extLst>
-              <a:ext uri="{FF2B5EF4-FFF2-40B4-BE49-F238E27FC236}">
-                <a16:creationId xmlns:a16="http://schemas.microsoft.com/office/drawing/2014/main" id="{F02D1E08-DEAA-410E-85F6-74A45F5176E2}"/>
+          <p:cNvPr id="11" name="Imagem 10">
+            <a:extLst>
+              <a:ext uri="{FF2B5EF4-FFF2-40B4-BE49-F238E27FC236}">
+                <a16:creationId xmlns:a16="http://schemas.microsoft.com/office/drawing/2014/main" id="{70D465BD-3052-47A2-98EB-69B5B26B3C42}"/>
               </a:ext>
             </a:extLst>
           </p:cNvPr>
@@ -8490,7 +8514,7 @@
         </p:blipFill>
         <p:spPr>
           <a:xfrm>
-            <a:off x="1624383" y="6979097"/>
+            <a:off x="1643570" y="6979097"/>
             <a:ext cx="7560000" cy="1670359"/>
           </a:xfrm>
           <a:prstGeom prst="rect">
@@ -8544,7 +8568,7 @@
                 <a16:creationId xmlns:a16="http://schemas.microsoft.com/office/drawing/2014/main" id="{0BABF38A-8A0D-492E-BD20-6CF4D46B50BD}"/>
               </a:ext>
               <a:ext uri="{C183D7F6-B498-43B3-948B-1728B52AA6E4}">
-                <adec:decorative xmlns="" xmlns:adec="http://schemas.microsoft.com/office/drawing/2017/decorative" val="1"/>
+                <adec:decorative xmlns:adec="http://schemas.microsoft.com/office/drawing/2017/decorative" val="1"/>
               </a:ext>
             </a:extLst>
           </p:cNvPr>
@@ -8642,7 +8666,7 @@
                 <a16:creationId xmlns:a16="http://schemas.microsoft.com/office/drawing/2014/main" id="{BC526B7A-4801-4FD1-95C8-03AF22629E87}"/>
               </a:ext>
               <a:ext uri="{C183D7F6-B498-43B3-948B-1728B52AA6E4}">
-                <adec:decorative xmlns="" xmlns:adec="http://schemas.microsoft.com/office/drawing/2017/decorative" val="1"/>
+                <adec:decorative xmlns:adec="http://schemas.microsoft.com/office/drawing/2017/decorative" val="1"/>
               </a:ext>
             </a:extLst>
           </p:cNvPr>
@@ -8688,7 +8712,7 @@
                 <a16:creationId xmlns:a16="http://schemas.microsoft.com/office/drawing/2014/main" id="{37FDDF72-DE39-4F99-A3C1-DD9D7815D7DB}"/>
               </a:ext>
               <a:ext uri="{C183D7F6-B498-43B3-948B-1728B52AA6E4}">
-                <adec:decorative xmlns="" xmlns:adec="http://schemas.microsoft.com/office/drawing/2017/decorative" val="1"/>
+                <adec:decorative xmlns:adec="http://schemas.microsoft.com/office/drawing/2017/decorative" val="1"/>
               </a:ext>
             </a:extLst>
           </p:cNvPr>
@@ -8780,7 +8804,7 @@
                 <a16:creationId xmlns:a16="http://schemas.microsoft.com/office/drawing/2014/main" id="{5E4ECE80-3AD1-450C-B62A-98788F193948}"/>
               </a:ext>
               <a:ext uri="{C183D7F6-B498-43B3-948B-1728B52AA6E4}">
-                <adec:decorative xmlns="" xmlns:adec="http://schemas.microsoft.com/office/drawing/2017/decorative" val="1"/>
+                <adec:decorative xmlns:adec="http://schemas.microsoft.com/office/drawing/2017/decorative" val="1"/>
               </a:ext>
             </a:extLst>
           </p:cNvPr>
@@ -9615,7 +9639,7 @@
                 </a:effectLst>
                 <a:latin typeface="Exo 2 Extra Bold" panose="00000900000000000000" pitchFamily="50" charset="0"/>
               </a:rPr>
-              <a:t>Mata-mata #06</a:t>
+              <a:t>Mata-mata #07</a:t>
             </a:r>
           </a:p>
         </p:txBody>
@@ -9658,10 +9682,10 @@
       </p:pic>
       <p:pic>
         <p:nvPicPr>
-          <p:cNvPr id="3" name="Imagem 2">
-            <a:extLst>
-              <a:ext uri="{FF2B5EF4-FFF2-40B4-BE49-F238E27FC236}">
-                <a16:creationId xmlns:a16="http://schemas.microsoft.com/office/drawing/2014/main" id="{96BAD24B-DDB2-4878-9BBA-79626D8EE5AA}"/>
+          <p:cNvPr id="4" name="Imagem 3">
+            <a:extLst>
+              <a:ext uri="{FF2B5EF4-FFF2-40B4-BE49-F238E27FC236}">
+                <a16:creationId xmlns:a16="http://schemas.microsoft.com/office/drawing/2014/main" id="{36A6AC5E-88B1-4C46-B4CE-492F7AE9506A}"/>
               </a:ext>
             </a:extLst>
           </p:cNvPr>
@@ -9678,7 +9702,7 @@
         </p:blipFill>
         <p:spPr>
           <a:xfrm>
-            <a:off x="850363" y="2511824"/>
+            <a:off x="854587" y="2507259"/>
             <a:ext cx="9137954" cy="7200000"/>
           </a:xfrm>
           <a:prstGeom prst="rect">
@@ -9732,7 +9756,7 @@
                 <a16:creationId xmlns:a16="http://schemas.microsoft.com/office/drawing/2014/main" id="{0BABF38A-8A0D-492E-BD20-6CF4D46B50BD}"/>
               </a:ext>
               <a:ext uri="{C183D7F6-B498-43B3-948B-1728B52AA6E4}">
-                <adec:decorative xmlns="" xmlns:adec="http://schemas.microsoft.com/office/drawing/2017/decorative" val="1"/>
+                <adec:decorative xmlns:adec="http://schemas.microsoft.com/office/drawing/2017/decorative" val="1"/>
               </a:ext>
             </a:extLst>
           </p:cNvPr>
@@ -9830,7 +9854,7 @@
                 <a16:creationId xmlns:a16="http://schemas.microsoft.com/office/drawing/2014/main" id="{BC526B7A-4801-4FD1-95C8-03AF22629E87}"/>
               </a:ext>
               <a:ext uri="{C183D7F6-B498-43B3-948B-1728B52AA6E4}">
-                <adec:decorative xmlns="" xmlns:adec="http://schemas.microsoft.com/office/drawing/2017/decorative" val="1"/>
+                <adec:decorative xmlns:adec="http://schemas.microsoft.com/office/drawing/2017/decorative" val="1"/>
               </a:ext>
             </a:extLst>
           </p:cNvPr>
@@ -9876,7 +9900,7 @@
                 <a16:creationId xmlns:a16="http://schemas.microsoft.com/office/drawing/2014/main" id="{37FDDF72-DE39-4F99-A3C1-DD9D7815D7DB}"/>
               </a:ext>
               <a:ext uri="{C183D7F6-B498-43B3-948B-1728B52AA6E4}">
-                <adec:decorative xmlns="" xmlns:adec="http://schemas.microsoft.com/office/drawing/2017/decorative" val="1"/>
+                <adec:decorative xmlns:adec="http://schemas.microsoft.com/office/drawing/2017/decorative" val="1"/>
               </a:ext>
             </a:extLst>
           </p:cNvPr>
@@ -9968,7 +9992,7 @@
                 <a16:creationId xmlns:a16="http://schemas.microsoft.com/office/drawing/2014/main" id="{5E4ECE80-3AD1-450C-B62A-98788F193948}"/>
               </a:ext>
               <a:ext uri="{C183D7F6-B498-43B3-948B-1728B52AA6E4}">
-                <adec:decorative xmlns="" xmlns:adec="http://schemas.microsoft.com/office/drawing/2017/decorative" val="1"/>
+                <adec:decorative xmlns:adec="http://schemas.microsoft.com/office/drawing/2017/decorative" val="1"/>
               </a:ext>
             </a:extLst>
           </p:cNvPr>
@@ -10803,7 +10827,7 @@
                 </a:effectLst>
                 <a:latin typeface="Exo 2 Extra Bold" panose="00000900000000000000" pitchFamily="50" charset="0"/>
               </a:rPr>
-              <a:t>Mata-mata #06</a:t>
+              <a:t>Mata-mata #07</a:t>
             </a:r>
           </a:p>
         </p:txBody>
@@ -10846,10 +10870,10 @@
       </p:pic>
       <p:pic>
         <p:nvPicPr>
-          <p:cNvPr id="3" name="Imagem 2">
-            <a:extLst>
-              <a:ext uri="{FF2B5EF4-FFF2-40B4-BE49-F238E27FC236}">
-                <a16:creationId xmlns:a16="http://schemas.microsoft.com/office/drawing/2014/main" id="{EEF5B5CA-577F-4E80-9F56-6C932D490AB9}"/>
+          <p:cNvPr id="4" name="Imagem 3">
+            <a:extLst>
+              <a:ext uri="{FF2B5EF4-FFF2-40B4-BE49-F238E27FC236}">
+                <a16:creationId xmlns:a16="http://schemas.microsoft.com/office/drawing/2014/main" id="{0DD721DD-28E7-42CD-9B3B-E485552B8CB5}"/>
               </a:ext>
             </a:extLst>
           </p:cNvPr>
@@ -10866,7 +10890,7 @@
         </p:blipFill>
         <p:spPr>
           <a:xfrm>
-            <a:off x="851227" y="2512582"/>
+            <a:off x="848522" y="2507259"/>
             <a:ext cx="9137954" cy="7200000"/>
           </a:xfrm>
           <a:prstGeom prst="rect">
@@ -10920,7 +10944,7 @@
                 <a16:creationId xmlns:a16="http://schemas.microsoft.com/office/drawing/2014/main" id="{0BABF38A-8A0D-492E-BD20-6CF4D46B50BD}"/>
               </a:ext>
               <a:ext uri="{C183D7F6-B498-43B3-948B-1728B52AA6E4}">
-                <adec:decorative xmlns="" xmlns:adec="http://schemas.microsoft.com/office/drawing/2017/decorative" val="1"/>
+                <adec:decorative xmlns:adec="http://schemas.microsoft.com/office/drawing/2017/decorative" val="1"/>
               </a:ext>
             </a:extLst>
           </p:cNvPr>
@@ -11018,7 +11042,7 @@
                 <a16:creationId xmlns:a16="http://schemas.microsoft.com/office/drawing/2014/main" id="{BC526B7A-4801-4FD1-95C8-03AF22629E87}"/>
               </a:ext>
               <a:ext uri="{C183D7F6-B498-43B3-948B-1728B52AA6E4}">
-                <adec:decorative xmlns="" xmlns:adec="http://schemas.microsoft.com/office/drawing/2017/decorative" val="1"/>
+                <adec:decorative xmlns:adec="http://schemas.microsoft.com/office/drawing/2017/decorative" val="1"/>
               </a:ext>
             </a:extLst>
           </p:cNvPr>
@@ -11064,7 +11088,7 @@
                 <a16:creationId xmlns:a16="http://schemas.microsoft.com/office/drawing/2014/main" id="{37FDDF72-DE39-4F99-A3C1-DD9D7815D7DB}"/>
               </a:ext>
               <a:ext uri="{C183D7F6-B498-43B3-948B-1728B52AA6E4}">
-                <adec:decorative xmlns="" xmlns:adec="http://schemas.microsoft.com/office/drawing/2017/decorative" val="1"/>
+                <adec:decorative xmlns:adec="http://schemas.microsoft.com/office/drawing/2017/decorative" val="1"/>
               </a:ext>
             </a:extLst>
           </p:cNvPr>
@@ -11156,7 +11180,7 @@
                 <a16:creationId xmlns:a16="http://schemas.microsoft.com/office/drawing/2014/main" id="{5E4ECE80-3AD1-450C-B62A-98788F193948}"/>
               </a:ext>
               <a:ext uri="{C183D7F6-B498-43B3-948B-1728B52AA6E4}">
-                <adec:decorative xmlns="" xmlns:adec="http://schemas.microsoft.com/office/drawing/2017/decorative" val="1"/>
+                <adec:decorative xmlns:adec="http://schemas.microsoft.com/office/drawing/2017/decorative" val="1"/>
               </a:ext>
             </a:extLst>
           </p:cNvPr>
@@ -11991,7 +12015,7 @@
                 </a:effectLst>
                 <a:latin typeface="Exo 2 Extra Bold" panose="00000900000000000000" pitchFamily="50" charset="0"/>
               </a:rPr>
-              <a:t>Mata-mata #06</a:t>
+              <a:t>Mata-mata #07</a:t>
             </a:r>
           </a:p>
         </p:txBody>
@@ -12034,10 +12058,10 @@
       </p:pic>
       <p:pic>
         <p:nvPicPr>
-          <p:cNvPr id="3" name="Imagem 2">
-            <a:extLst>
-              <a:ext uri="{FF2B5EF4-FFF2-40B4-BE49-F238E27FC236}">
-                <a16:creationId xmlns:a16="http://schemas.microsoft.com/office/drawing/2014/main" id="{B3EB8631-A424-40D9-97E2-EF43B92DC06A}"/>
+          <p:cNvPr id="4" name="Imagem 3">
+            <a:extLst>
+              <a:ext uri="{FF2B5EF4-FFF2-40B4-BE49-F238E27FC236}">
+                <a16:creationId xmlns:a16="http://schemas.microsoft.com/office/drawing/2014/main" id="{9F6DE899-F622-41F7-84E3-387F6221E59D}"/>
               </a:ext>
             </a:extLst>
           </p:cNvPr>
@@ -12054,7 +12078,7 @@
         </p:blipFill>
         <p:spPr>
           <a:xfrm>
-            <a:off x="848522" y="2515909"/>
+            <a:off x="837654" y="2511824"/>
             <a:ext cx="9137954" cy="7200000"/>
           </a:xfrm>
           <a:prstGeom prst="rect">
@@ -12108,7 +12132,7 @@
                 <a16:creationId xmlns:a16="http://schemas.microsoft.com/office/drawing/2014/main" id="{0BABF38A-8A0D-492E-BD20-6CF4D46B50BD}"/>
               </a:ext>
               <a:ext uri="{C183D7F6-B498-43B3-948B-1728B52AA6E4}">
-                <adec:decorative xmlns="" xmlns:adec="http://schemas.microsoft.com/office/drawing/2017/decorative" val="1"/>
+                <adec:decorative xmlns:adec="http://schemas.microsoft.com/office/drawing/2017/decorative" val="1"/>
               </a:ext>
             </a:extLst>
           </p:cNvPr>
@@ -12206,7 +12230,7 @@
                 <a16:creationId xmlns:a16="http://schemas.microsoft.com/office/drawing/2014/main" id="{BC526B7A-4801-4FD1-95C8-03AF22629E87}"/>
               </a:ext>
               <a:ext uri="{C183D7F6-B498-43B3-948B-1728B52AA6E4}">
-                <adec:decorative xmlns="" xmlns:adec="http://schemas.microsoft.com/office/drawing/2017/decorative" val="1"/>
+                <adec:decorative xmlns:adec="http://schemas.microsoft.com/office/drawing/2017/decorative" val="1"/>
               </a:ext>
             </a:extLst>
           </p:cNvPr>
@@ -12252,7 +12276,7 @@
                 <a16:creationId xmlns:a16="http://schemas.microsoft.com/office/drawing/2014/main" id="{37FDDF72-DE39-4F99-A3C1-DD9D7815D7DB}"/>
               </a:ext>
               <a:ext uri="{C183D7F6-B498-43B3-948B-1728B52AA6E4}">
-                <adec:decorative xmlns="" xmlns:adec="http://schemas.microsoft.com/office/drawing/2017/decorative" val="1"/>
+                <adec:decorative xmlns:adec="http://schemas.microsoft.com/office/drawing/2017/decorative" val="1"/>
               </a:ext>
             </a:extLst>
           </p:cNvPr>
@@ -12344,7 +12368,7 @@
                 <a16:creationId xmlns:a16="http://schemas.microsoft.com/office/drawing/2014/main" id="{5E4ECE80-3AD1-450C-B62A-98788F193948}"/>
               </a:ext>
               <a:ext uri="{C183D7F6-B498-43B3-948B-1728B52AA6E4}">
-                <adec:decorative xmlns="" xmlns:adec="http://schemas.microsoft.com/office/drawing/2017/decorative" val="1"/>
+                <adec:decorative xmlns:adec="http://schemas.microsoft.com/office/drawing/2017/decorative" val="1"/>
               </a:ext>
             </a:extLst>
           </p:cNvPr>
@@ -13179,7 +13203,7 @@
                 </a:effectLst>
                 <a:latin typeface="Exo 2 Extra Bold" panose="00000900000000000000" pitchFamily="50" charset="0"/>
               </a:rPr>
-              <a:t>Mata-mata #06</a:t>
+              <a:t>Mata-mata #07</a:t>
             </a:r>
           </a:p>
         </p:txBody>
@@ -13222,10 +13246,10 @@
       </p:pic>
       <p:pic>
         <p:nvPicPr>
-          <p:cNvPr id="3" name="Imagem 2">
-            <a:extLst>
-              <a:ext uri="{FF2B5EF4-FFF2-40B4-BE49-F238E27FC236}">
-                <a16:creationId xmlns:a16="http://schemas.microsoft.com/office/drawing/2014/main" id="{B77D639B-3B7A-45CF-98C6-3EB58BF3C1A9}"/>
+          <p:cNvPr id="4" name="Imagem 3">
+            <a:extLst>
+              <a:ext uri="{FF2B5EF4-FFF2-40B4-BE49-F238E27FC236}">
+                <a16:creationId xmlns:a16="http://schemas.microsoft.com/office/drawing/2014/main" id="{0E0263D1-DC7C-4446-91DE-99E742D03565}"/>
               </a:ext>
             </a:extLst>
           </p:cNvPr>
@@ -13242,7 +13266,7 @@
         </p:blipFill>
         <p:spPr>
           <a:xfrm>
-            <a:off x="1807118" y="3954387"/>
+            <a:off x="1819340" y="3538746"/>
             <a:ext cx="7200000" cy="3841399"/>
           </a:xfrm>
           <a:prstGeom prst="rect">
@@ -13296,7 +13320,7 @@
                 <a16:creationId xmlns:a16="http://schemas.microsoft.com/office/drawing/2014/main" id="{0BABF38A-8A0D-492E-BD20-6CF4D46B50BD}"/>
               </a:ext>
               <a:ext uri="{C183D7F6-B498-43B3-948B-1728B52AA6E4}">
-                <adec:decorative xmlns="" xmlns:adec="http://schemas.microsoft.com/office/drawing/2017/decorative" val="1"/>
+                <adec:decorative xmlns:adec="http://schemas.microsoft.com/office/drawing/2017/decorative" val="1"/>
               </a:ext>
             </a:extLst>
           </p:cNvPr>
@@ -13394,7 +13418,7 @@
                 <a16:creationId xmlns:a16="http://schemas.microsoft.com/office/drawing/2014/main" id="{BC526B7A-4801-4FD1-95C8-03AF22629E87}"/>
               </a:ext>
               <a:ext uri="{C183D7F6-B498-43B3-948B-1728B52AA6E4}">
-                <adec:decorative xmlns="" xmlns:adec="http://schemas.microsoft.com/office/drawing/2017/decorative" val="1"/>
+                <adec:decorative xmlns:adec="http://schemas.microsoft.com/office/drawing/2017/decorative" val="1"/>
               </a:ext>
             </a:extLst>
           </p:cNvPr>
@@ -13440,7 +13464,7 @@
                 <a16:creationId xmlns:a16="http://schemas.microsoft.com/office/drawing/2014/main" id="{37FDDF72-DE39-4F99-A3C1-DD9D7815D7DB}"/>
               </a:ext>
               <a:ext uri="{C183D7F6-B498-43B3-948B-1728B52AA6E4}">
-                <adec:decorative xmlns="" xmlns:adec="http://schemas.microsoft.com/office/drawing/2017/decorative" val="1"/>
+                <adec:decorative xmlns:adec="http://schemas.microsoft.com/office/drawing/2017/decorative" val="1"/>
               </a:ext>
             </a:extLst>
           </p:cNvPr>
@@ -13532,7 +13556,7 @@
                 <a16:creationId xmlns:a16="http://schemas.microsoft.com/office/drawing/2014/main" id="{5E4ECE80-3AD1-450C-B62A-98788F193948}"/>
               </a:ext>
               <a:ext uri="{C183D7F6-B498-43B3-948B-1728B52AA6E4}">
-                <adec:decorative xmlns="" xmlns:adec="http://schemas.microsoft.com/office/drawing/2017/decorative" val="1"/>
+                <adec:decorative xmlns:adec="http://schemas.microsoft.com/office/drawing/2017/decorative" val="1"/>
               </a:ext>
             </a:extLst>
           </p:cNvPr>
@@ -14314,10 +14338,10 @@
                 </a:effectLst>
                 <a:latin typeface="Exo 2 Extra Bold" panose="00000900000000000000" pitchFamily="50" charset="0"/>
               </a:rPr>
-              <a:t>Rodada </a:t>
+              <a:t>Rodada #</a:t>
             </a:r>
             <a:r>
-              <a:rPr lang="pt-BR" sz="4800" b="0" cap="none" spc="0">
+              <a:rPr lang="pt-BR" sz="4800" dirty="0">
                 <a:ln w="0">
                   <a:noFill/>
                 </a:ln>
@@ -14333,26 +14357,7 @@
                 </a:effectLst>
                 <a:latin typeface="Exo 2 Extra Bold" panose="00000900000000000000" pitchFamily="50" charset="0"/>
               </a:rPr>
-              <a:t>#</a:t>
-            </a:r>
-            <a:r>
-              <a:rPr lang="pt-BR" sz="4800" smtClean="0">
-                <a:ln w="0">
-                  <a:noFill/>
-                </a:ln>
-                <a:solidFill>
-                  <a:schemeClr val="bg1"/>
-                </a:solidFill>
-                <a:effectLst>
-                  <a:outerShdw blurRad="38100" dist="19050" dir="2700000" algn="tl" rotWithShape="0">
-                    <a:schemeClr val="dk1">
-                      <a:alpha val="40000"/>
-                    </a:schemeClr>
-                  </a:outerShdw>
-                </a:effectLst>
-                <a:latin typeface="Exo 2 Extra Bold" panose="00000900000000000000" pitchFamily="50" charset="0"/>
-              </a:rPr>
-              <a:t>32</a:t>
+              <a:t>33</a:t>
             </a:r>
             <a:endParaRPr lang="pt-BR" sz="4800" b="0" cap="none" spc="0" dirty="0">
               <a:ln w="0">
@@ -14464,7 +14469,13 @@
       </p:pic>
       <p:pic>
         <p:nvPicPr>
-          <p:cNvPr id="2" name="Imagem 1"/>
+          <p:cNvPr id="8" name="Imagem 7">
+            <a:extLst>
+              <a:ext uri="{FF2B5EF4-FFF2-40B4-BE49-F238E27FC236}">
+                <a16:creationId xmlns:a16="http://schemas.microsoft.com/office/drawing/2014/main" id="{AC6FBA44-51A9-4E04-B084-14A4AEF7507F}"/>
+              </a:ext>
+            </a:extLst>
+          </p:cNvPr>
           <p:cNvPicPr>
             <a:picLocks noChangeAspect="1"/>
           </p:cNvPicPr>
@@ -14478,8 +14489,8 @@
         </p:blipFill>
         <p:spPr>
           <a:xfrm>
-            <a:off x="1584222" y="2009782"/>
-            <a:ext cx="7648447" cy="8280000"/>
+            <a:off x="1583782" y="2049756"/>
+            <a:ext cx="7648742" cy="8280000"/>
           </a:xfrm>
           <a:prstGeom prst="rect">
             <a:avLst/>

--- a/Informativos.pptx
+++ b/Informativos.pptx
@@ -294,7 +294,7 @@
             <a:fld id="{11A6662E-FAF4-44BC-88B5-85A7CBFB6D30}" type="datetime1">
               <a:rPr lang="en-US" smtClean="0"/>
               <a:pPr/>
-              <a:t>11/19/2021</a:t>
+              <a:t>11/22/2021</a:t>
             </a:fld>
             <a:endParaRPr lang="en-US" dirty="0"/>
           </a:p>
@@ -521,7 +521,7 @@
           <a:p>
             <a:fld id="{4C559632-1575-4E14-B53B-3DC3D5ED3947}" type="datetime1">
               <a:rPr lang="en-US" smtClean="0"/>
-              <a:t>11/19/2021</a:t>
+              <a:t>11/22/2021</a:t>
             </a:fld>
             <a:endParaRPr lang="en-US"/>
           </a:p>
@@ -729,7 +729,7 @@
           <a:p>
             <a:fld id="{CC4A6868-2568-4CC9-B302-F37117B01A6E}" type="datetime1">
               <a:rPr lang="en-US" smtClean="0"/>
-              <a:t>11/19/2021</a:t>
+              <a:t>11/22/2021</a:t>
             </a:fld>
             <a:endParaRPr lang="en-US"/>
           </a:p>
@@ -934,7 +934,7 @@
           <a:p>
             <a:fld id="{0055F08A-1E71-4B2B-BB49-E743F2903911}" type="datetime1">
               <a:rPr lang="en-US" smtClean="0"/>
-              <a:t>11/19/2021</a:t>
+              <a:t>11/22/2021</a:t>
             </a:fld>
             <a:endParaRPr lang="en-US" dirty="0"/>
           </a:p>
@@ -1208,7 +1208,7 @@
           <a:p>
             <a:fld id="{15417D9E-721A-44BB-8863-9873FE64DA75}" type="datetime1">
               <a:rPr lang="en-US" smtClean="0"/>
-              <a:t>11/19/2021</a:t>
+              <a:t>11/22/2021</a:t>
             </a:fld>
             <a:endParaRPr lang="en-US"/>
           </a:p>
@@ -1481,7 +1481,7 @@
           <a:p>
             <a:fld id="{5F31DA2F-80B8-49CF-99FB-5ABCA53A607A}" type="datetime1">
               <a:rPr lang="en-US" smtClean="0"/>
-              <a:t>11/19/2021</a:t>
+              <a:t>11/22/2021</a:t>
             </a:fld>
             <a:endParaRPr lang="en-US"/>
           </a:p>
@@ -1896,7 +1896,7 @@
           <a:p>
             <a:fld id="{28852172-E6C9-4B6C-929A-A9DE3837BBF1}" type="datetime1">
               <a:rPr lang="en-US" smtClean="0"/>
-              <a:t>11/19/2021</a:t>
+              <a:t>11/22/2021</a:t>
             </a:fld>
             <a:endParaRPr lang="en-US"/>
           </a:p>
@@ -2048,7 +2048,7 @@
           <a:p>
             <a:fld id="{3AB41CFF-90C9-47B3-9DA1-F2BF8D839F7E}" type="datetime1">
               <a:rPr lang="en-US" smtClean="0"/>
-              <a:t>11/19/2021</a:t>
+              <a:t>11/22/2021</a:t>
             </a:fld>
             <a:endParaRPr lang="en-US"/>
           </a:p>
@@ -2161,7 +2161,7 @@
           <a:p>
             <a:fld id="{F06048FA-06AB-4884-A69B-986B96E68A24}" type="datetime1">
               <a:rPr lang="en-US" smtClean="0"/>
-              <a:t>11/19/2021</a:t>
+              <a:t>11/22/2021</a:t>
             </a:fld>
             <a:endParaRPr lang="en-US"/>
           </a:p>
@@ -2472,7 +2472,7 @@
           <a:p>
             <a:fld id="{50DB7ABA-0172-4F9C-889D-567164F66BCD}" type="datetime1">
               <a:rPr lang="en-US" smtClean="0"/>
-              <a:t>11/19/2021</a:t>
+              <a:t>11/22/2021</a:t>
             </a:fld>
             <a:endParaRPr lang="en-US"/>
           </a:p>
@@ -2763,7 +2763,7 @@
           <a:p>
             <a:fld id="{78AC6A5B-8AE7-4A41-B5A7-9ADC6686DC18}" type="datetime1">
               <a:rPr lang="en-US" smtClean="0"/>
-              <a:t>11/19/2021</a:t>
+              <a:t>11/22/2021</a:t>
             </a:fld>
             <a:endParaRPr lang="en-US"/>
           </a:p>
@@ -3072,7 +3072,7 @@
             <a:fld id="{57E0CF6C-748E-4B7A-BC8B-3011EF78ED13}" type="datetime1">
               <a:rPr lang="en-US" smtClean="0"/>
               <a:pPr/>
-              <a:t>11/19/2021</a:t>
+              <a:t>11/22/2021</a:t>
             </a:fld>
             <a:endParaRPr lang="en-US" dirty="0"/>
           </a:p>
@@ -4657,7 +4657,7 @@
                 </a:effectLst>
                 <a:latin typeface="Exo 2 Extra Bold" panose="00000900000000000000" pitchFamily="50" charset="0"/>
               </a:rPr>
-              <a:t>33</a:t>
+              <a:t>34</a:t>
             </a:r>
             <a:endParaRPr lang="pt-BR" sz="4800" b="0" cap="none" spc="0" dirty="0">
               <a:ln w="0">
@@ -4716,10 +4716,10 @@
       </p:pic>
       <p:pic>
         <p:nvPicPr>
-          <p:cNvPr id="4" name="Imagem 3">
-            <a:extLst>
-              <a:ext uri="{FF2B5EF4-FFF2-40B4-BE49-F238E27FC236}">
-                <a16:creationId xmlns:a16="http://schemas.microsoft.com/office/drawing/2014/main" id="{D2BEB0DB-BF08-40BB-B257-6FD2B217E9FB}"/>
+          <p:cNvPr id="3" name="Imagem 2">
+            <a:extLst>
+              <a:ext uri="{FF2B5EF4-FFF2-40B4-BE49-F238E27FC236}">
+                <a16:creationId xmlns:a16="http://schemas.microsoft.com/office/drawing/2014/main" id="{87524A64-8CD1-424B-A121-1948513689AB}"/>
               </a:ext>
             </a:extLst>
           </p:cNvPr>
@@ -4736,7 +4736,7 @@
         </p:blipFill>
         <p:spPr>
           <a:xfrm>
-            <a:off x="1274757" y="2525175"/>
+            <a:off x="1274757" y="2525071"/>
             <a:ext cx="8280000" cy="6711047"/>
           </a:xfrm>
           <a:prstGeom prst="rect">
@@ -5827,7 +5827,7 @@
                 </a:effectLst>
                 <a:latin typeface="Exo 2 Extra Bold" panose="00000900000000000000" pitchFamily="50" charset="0"/>
               </a:rPr>
-              <a:t>33</a:t>
+              <a:t>34</a:t>
             </a:r>
             <a:endParaRPr lang="pt-BR" sz="4800" b="0" cap="none" spc="0" dirty="0">
               <a:ln w="0">
@@ -5939,10 +5939,10 @@
       </p:pic>
       <p:pic>
         <p:nvPicPr>
-          <p:cNvPr id="4" name="Imagem 3">
-            <a:extLst>
-              <a:ext uri="{FF2B5EF4-FFF2-40B4-BE49-F238E27FC236}">
-                <a16:creationId xmlns:a16="http://schemas.microsoft.com/office/drawing/2014/main" id="{9238971A-7CD2-442B-BFE3-6135EC84A213}"/>
+          <p:cNvPr id="3" name="Imagem 2">
+            <a:extLst>
+              <a:ext uri="{FF2B5EF4-FFF2-40B4-BE49-F238E27FC236}">
+                <a16:creationId xmlns:a16="http://schemas.microsoft.com/office/drawing/2014/main" id="{C15D9CA4-B405-4A23-A645-E1379815494F}"/>
               </a:ext>
             </a:extLst>
           </p:cNvPr>
@@ -5959,7 +5959,7 @@
         </p:blipFill>
         <p:spPr>
           <a:xfrm>
-            <a:off x="1812218" y="2532469"/>
+            <a:off x="1820662" y="2539402"/>
             <a:ext cx="7200000" cy="6893151"/>
           </a:xfrm>
           <a:prstGeom prst="rect">
@@ -7050,7 +7050,7 @@
                 </a:effectLst>
                 <a:latin typeface="Exo 2 Extra Bold" panose="00000900000000000000" pitchFamily="50" charset="0"/>
               </a:rPr>
-              <a:t>33</a:t>
+              <a:t>34</a:t>
             </a:r>
             <a:endParaRPr lang="pt-BR" sz="4800" b="0" cap="none" spc="0" dirty="0">
               <a:ln w="0">
@@ -7186,10 +7186,10 @@
       </p:pic>
       <p:pic>
         <p:nvPicPr>
-          <p:cNvPr id="8" name="Imagem 7">
-            <a:extLst>
-              <a:ext uri="{FF2B5EF4-FFF2-40B4-BE49-F238E27FC236}">
-                <a16:creationId xmlns:a16="http://schemas.microsoft.com/office/drawing/2014/main" id="{70990A53-77F1-4A31-AA5E-C269F4B27E1B}"/>
+          <p:cNvPr id="3" name="Imagem 2">
+            <a:extLst>
+              <a:ext uri="{FF2B5EF4-FFF2-40B4-BE49-F238E27FC236}">
+                <a16:creationId xmlns:a16="http://schemas.microsoft.com/office/drawing/2014/main" id="{0DB6CDCA-8CDD-4697-80DA-6AC4430B0BBC}"/>
               </a:ext>
             </a:extLst>
           </p:cNvPr>
@@ -7206,7 +7206,7 @@
         </p:blipFill>
         <p:spPr>
           <a:xfrm>
-            <a:off x="2433100" y="2521449"/>
+            <a:off x="2429972" y="2521449"/>
             <a:ext cx="5959579" cy="2160000"/>
           </a:xfrm>
           <a:prstGeom prst="rect">
@@ -7216,10 +7216,10 @@
       </p:pic>
       <p:pic>
         <p:nvPicPr>
-          <p:cNvPr id="10" name="Imagem 9">
-            <a:extLst>
-              <a:ext uri="{FF2B5EF4-FFF2-40B4-BE49-F238E27FC236}">
-                <a16:creationId xmlns:a16="http://schemas.microsoft.com/office/drawing/2014/main" id="{E711E36B-2EFA-4287-98F2-A94BF015A832}"/>
+          <p:cNvPr id="9" name="Imagem 8">
+            <a:extLst>
+              <a:ext uri="{FF2B5EF4-FFF2-40B4-BE49-F238E27FC236}">
+                <a16:creationId xmlns:a16="http://schemas.microsoft.com/office/drawing/2014/main" id="{1336F8CB-A541-43D7-890F-6F5D0F68CB4D}"/>
               </a:ext>
             </a:extLst>
           </p:cNvPr>
@@ -7236,7 +7236,7 @@
         </p:blipFill>
         <p:spPr>
           <a:xfrm>
-            <a:off x="2431703" y="5038197"/>
+            <a:off x="2443001" y="5038197"/>
             <a:ext cx="5959579" cy="2160000"/>
           </a:xfrm>
           <a:prstGeom prst="rect">
@@ -14357,7 +14357,7 @@
                 </a:effectLst>
                 <a:latin typeface="Exo 2 Extra Bold" panose="00000900000000000000" pitchFamily="50" charset="0"/>
               </a:rPr>
-              <a:t>33</a:t>
+              <a:t>34</a:t>
             </a:r>
             <a:endParaRPr lang="pt-BR" sz="4800" b="0" cap="none" spc="0" dirty="0">
               <a:ln w="0">
@@ -14469,10 +14469,10 @@
       </p:pic>
       <p:pic>
         <p:nvPicPr>
-          <p:cNvPr id="8" name="Imagem 7">
-            <a:extLst>
-              <a:ext uri="{FF2B5EF4-FFF2-40B4-BE49-F238E27FC236}">
-                <a16:creationId xmlns:a16="http://schemas.microsoft.com/office/drawing/2014/main" id="{AC6FBA44-51A9-4E04-B084-14A4AEF7507F}"/>
+          <p:cNvPr id="3" name="Imagem 2">
+            <a:extLst>
+              <a:ext uri="{FF2B5EF4-FFF2-40B4-BE49-F238E27FC236}">
+                <a16:creationId xmlns:a16="http://schemas.microsoft.com/office/drawing/2014/main" id="{1A9D546E-7A31-459F-A56D-98AD8BA8CF7F}"/>
               </a:ext>
             </a:extLst>
           </p:cNvPr>
@@ -14489,7 +14489,7 @@
         </p:blipFill>
         <p:spPr>
           <a:xfrm>
-            <a:off x="1583782" y="2049756"/>
+            <a:off x="1595085" y="2048170"/>
             <a:ext cx="7648742" cy="8280000"/>
           </a:xfrm>
           <a:prstGeom prst="rect">

--- a/Informativos.pptx
+++ b/Informativos.pptx
@@ -294,7 +294,7 @@
             <a:fld id="{11A6662E-FAF4-44BC-88B5-85A7CBFB6D30}" type="datetime1">
               <a:rPr lang="en-US" smtClean="0"/>
               <a:pPr/>
-              <a:t>11/22/2021</a:t>
+              <a:t>11/26/2021</a:t>
             </a:fld>
             <a:endParaRPr lang="en-US" dirty="0"/>
           </a:p>
@@ -521,7 +521,7 @@
           <a:p>
             <a:fld id="{4C559632-1575-4E14-B53B-3DC3D5ED3947}" type="datetime1">
               <a:rPr lang="en-US" smtClean="0"/>
-              <a:t>11/22/2021</a:t>
+              <a:t>11/26/2021</a:t>
             </a:fld>
             <a:endParaRPr lang="en-US"/>
           </a:p>
@@ -729,7 +729,7 @@
           <a:p>
             <a:fld id="{CC4A6868-2568-4CC9-B302-F37117B01A6E}" type="datetime1">
               <a:rPr lang="en-US" smtClean="0"/>
-              <a:t>11/22/2021</a:t>
+              <a:t>11/26/2021</a:t>
             </a:fld>
             <a:endParaRPr lang="en-US"/>
           </a:p>
@@ -934,7 +934,7 @@
           <a:p>
             <a:fld id="{0055F08A-1E71-4B2B-BB49-E743F2903911}" type="datetime1">
               <a:rPr lang="en-US" smtClean="0"/>
-              <a:t>11/22/2021</a:t>
+              <a:t>11/26/2021</a:t>
             </a:fld>
             <a:endParaRPr lang="en-US" dirty="0"/>
           </a:p>
@@ -1208,7 +1208,7 @@
           <a:p>
             <a:fld id="{15417D9E-721A-44BB-8863-9873FE64DA75}" type="datetime1">
               <a:rPr lang="en-US" smtClean="0"/>
-              <a:t>11/22/2021</a:t>
+              <a:t>11/26/2021</a:t>
             </a:fld>
             <a:endParaRPr lang="en-US"/>
           </a:p>
@@ -1481,7 +1481,7 @@
           <a:p>
             <a:fld id="{5F31DA2F-80B8-49CF-99FB-5ABCA53A607A}" type="datetime1">
               <a:rPr lang="en-US" smtClean="0"/>
-              <a:t>11/22/2021</a:t>
+              <a:t>11/26/2021</a:t>
             </a:fld>
             <a:endParaRPr lang="en-US"/>
           </a:p>
@@ -1896,7 +1896,7 @@
           <a:p>
             <a:fld id="{28852172-E6C9-4B6C-929A-A9DE3837BBF1}" type="datetime1">
               <a:rPr lang="en-US" smtClean="0"/>
-              <a:t>11/22/2021</a:t>
+              <a:t>11/26/2021</a:t>
             </a:fld>
             <a:endParaRPr lang="en-US"/>
           </a:p>
@@ -2048,7 +2048,7 @@
           <a:p>
             <a:fld id="{3AB41CFF-90C9-47B3-9DA1-F2BF8D839F7E}" type="datetime1">
               <a:rPr lang="en-US" smtClean="0"/>
-              <a:t>11/22/2021</a:t>
+              <a:t>11/26/2021</a:t>
             </a:fld>
             <a:endParaRPr lang="en-US"/>
           </a:p>
@@ -2161,7 +2161,7 @@
           <a:p>
             <a:fld id="{F06048FA-06AB-4884-A69B-986B96E68A24}" type="datetime1">
               <a:rPr lang="en-US" smtClean="0"/>
-              <a:t>11/22/2021</a:t>
+              <a:t>11/26/2021</a:t>
             </a:fld>
             <a:endParaRPr lang="en-US"/>
           </a:p>
@@ -2472,7 +2472,7 @@
           <a:p>
             <a:fld id="{50DB7ABA-0172-4F9C-889D-567164F66BCD}" type="datetime1">
               <a:rPr lang="en-US" smtClean="0"/>
-              <a:t>11/22/2021</a:t>
+              <a:t>11/26/2021</a:t>
             </a:fld>
             <a:endParaRPr lang="en-US"/>
           </a:p>
@@ -2763,7 +2763,7 @@
           <a:p>
             <a:fld id="{78AC6A5B-8AE7-4A41-B5A7-9ADC6686DC18}" type="datetime1">
               <a:rPr lang="en-US" smtClean="0"/>
-              <a:t>11/22/2021</a:t>
+              <a:t>11/26/2021</a:t>
             </a:fld>
             <a:endParaRPr lang="en-US"/>
           </a:p>
@@ -3072,7 +3072,7 @@
             <a:fld id="{57E0CF6C-748E-4B7A-BC8B-3011EF78ED13}" type="datetime1">
               <a:rPr lang="en-US" smtClean="0"/>
               <a:pPr/>
-              <a:t>11/22/2021</a:t>
+              <a:t>11/26/2021</a:t>
             </a:fld>
             <a:endParaRPr lang="en-US" dirty="0"/>
           </a:p>
@@ -4657,7 +4657,7 @@
                 </a:effectLst>
                 <a:latin typeface="Exo 2 Extra Bold" panose="00000900000000000000" pitchFamily="50" charset="0"/>
               </a:rPr>
-              <a:t>34</a:t>
+              <a:t>35</a:t>
             </a:r>
             <a:endParaRPr lang="pt-BR" sz="4800" b="0" cap="none" spc="0" dirty="0">
               <a:ln w="0">
@@ -4716,10 +4716,10 @@
       </p:pic>
       <p:pic>
         <p:nvPicPr>
-          <p:cNvPr id="3" name="Imagem 2">
-            <a:extLst>
-              <a:ext uri="{FF2B5EF4-FFF2-40B4-BE49-F238E27FC236}">
-                <a16:creationId xmlns:a16="http://schemas.microsoft.com/office/drawing/2014/main" id="{87524A64-8CD1-424B-A121-1948513689AB}"/>
+          <p:cNvPr id="4" name="Imagem 3">
+            <a:extLst>
+              <a:ext uri="{FF2B5EF4-FFF2-40B4-BE49-F238E27FC236}">
+                <a16:creationId xmlns:a16="http://schemas.microsoft.com/office/drawing/2014/main" id="{140888D2-CFAB-489B-8E71-EF425ABF1376}"/>
               </a:ext>
             </a:extLst>
           </p:cNvPr>
@@ -4736,7 +4736,7 @@
         </p:blipFill>
         <p:spPr>
           <a:xfrm>
-            <a:off x="1274757" y="2525071"/>
+            <a:off x="1267118" y="2540012"/>
             <a:ext cx="8280000" cy="6711047"/>
           </a:xfrm>
           <a:prstGeom prst="rect">
@@ -5827,7 +5827,7 @@
                 </a:effectLst>
                 <a:latin typeface="Exo 2 Extra Bold" panose="00000900000000000000" pitchFamily="50" charset="0"/>
               </a:rPr>
-              <a:t>34</a:t>
+              <a:t>35</a:t>
             </a:r>
             <a:endParaRPr lang="pt-BR" sz="4800" b="0" cap="none" spc="0" dirty="0">
               <a:ln w="0">
@@ -5939,10 +5939,10 @@
       </p:pic>
       <p:pic>
         <p:nvPicPr>
-          <p:cNvPr id="3" name="Imagem 2">
-            <a:extLst>
-              <a:ext uri="{FF2B5EF4-FFF2-40B4-BE49-F238E27FC236}">
-                <a16:creationId xmlns:a16="http://schemas.microsoft.com/office/drawing/2014/main" id="{C15D9CA4-B405-4A23-A645-E1379815494F}"/>
+          <p:cNvPr id="4" name="Imagem 3">
+            <a:extLst>
+              <a:ext uri="{FF2B5EF4-FFF2-40B4-BE49-F238E27FC236}">
+                <a16:creationId xmlns:a16="http://schemas.microsoft.com/office/drawing/2014/main" id="{2A5D5A42-5C08-41F0-A53B-A85B8C8D6CC8}"/>
               </a:ext>
             </a:extLst>
           </p:cNvPr>
@@ -5959,7 +5959,7 @@
         </p:blipFill>
         <p:spPr>
           <a:xfrm>
-            <a:off x="1820662" y="2539402"/>
+            <a:off x="1818787" y="2527118"/>
             <a:ext cx="7200000" cy="6893151"/>
           </a:xfrm>
           <a:prstGeom prst="rect">
@@ -7050,7 +7050,7 @@
                 </a:effectLst>
                 <a:latin typeface="Exo 2 Extra Bold" panose="00000900000000000000" pitchFamily="50" charset="0"/>
               </a:rPr>
-              <a:t>34</a:t>
+              <a:t>35</a:t>
             </a:r>
             <a:endParaRPr lang="pt-BR" sz="4800" b="0" cap="none" spc="0" dirty="0">
               <a:ln w="0">
@@ -7186,10 +7186,10 @@
       </p:pic>
       <p:pic>
         <p:nvPicPr>
-          <p:cNvPr id="3" name="Imagem 2">
-            <a:extLst>
-              <a:ext uri="{FF2B5EF4-FFF2-40B4-BE49-F238E27FC236}">
-                <a16:creationId xmlns:a16="http://schemas.microsoft.com/office/drawing/2014/main" id="{0DB6CDCA-8CDD-4697-80DA-6AC4430B0BBC}"/>
+          <p:cNvPr id="4" name="Imagem 3">
+            <a:extLst>
+              <a:ext uri="{FF2B5EF4-FFF2-40B4-BE49-F238E27FC236}">
+                <a16:creationId xmlns:a16="http://schemas.microsoft.com/office/drawing/2014/main" id="{6D142346-7B49-4244-91D4-74283DAC0F5D}"/>
               </a:ext>
             </a:extLst>
           </p:cNvPr>
@@ -7206,7 +7206,7 @@
         </p:blipFill>
         <p:spPr>
           <a:xfrm>
-            <a:off x="2429972" y="2521449"/>
+            <a:off x="2429181" y="2521449"/>
             <a:ext cx="5959579" cy="2160000"/>
           </a:xfrm>
           <a:prstGeom prst="rect">
@@ -7216,10 +7216,10 @@
       </p:pic>
       <p:pic>
         <p:nvPicPr>
-          <p:cNvPr id="9" name="Imagem 8">
-            <a:extLst>
-              <a:ext uri="{FF2B5EF4-FFF2-40B4-BE49-F238E27FC236}">
-                <a16:creationId xmlns:a16="http://schemas.microsoft.com/office/drawing/2014/main" id="{1336F8CB-A541-43D7-890F-6F5D0F68CB4D}"/>
+          <p:cNvPr id="10" name="Imagem 9">
+            <a:extLst>
+              <a:ext uri="{FF2B5EF4-FFF2-40B4-BE49-F238E27FC236}">
+                <a16:creationId xmlns:a16="http://schemas.microsoft.com/office/drawing/2014/main" id="{5446C893-403F-4CD7-B7C2-9FFACD783961}"/>
               </a:ext>
             </a:extLst>
           </p:cNvPr>
@@ -7236,7 +7236,7 @@
         </p:blipFill>
         <p:spPr>
           <a:xfrm>
-            <a:off x="2443001" y="5038197"/>
+            <a:off x="2433518" y="5026645"/>
             <a:ext cx="5959579" cy="2160000"/>
           </a:xfrm>
           <a:prstGeom prst="rect">
@@ -14357,7 +14357,7 @@
                 </a:effectLst>
                 <a:latin typeface="Exo 2 Extra Bold" panose="00000900000000000000" pitchFamily="50" charset="0"/>
               </a:rPr>
-              <a:t>34</a:t>
+              <a:t>35</a:t>
             </a:r>
             <a:endParaRPr lang="pt-BR" sz="4800" b="0" cap="none" spc="0" dirty="0">
               <a:ln w="0">
@@ -14469,10 +14469,10 @@
       </p:pic>
       <p:pic>
         <p:nvPicPr>
-          <p:cNvPr id="3" name="Imagem 2">
-            <a:extLst>
-              <a:ext uri="{FF2B5EF4-FFF2-40B4-BE49-F238E27FC236}">
-                <a16:creationId xmlns:a16="http://schemas.microsoft.com/office/drawing/2014/main" id="{1A9D546E-7A31-459F-A56D-98AD8BA8CF7F}"/>
+          <p:cNvPr id="4" name="Imagem 3">
+            <a:extLst>
+              <a:ext uri="{FF2B5EF4-FFF2-40B4-BE49-F238E27FC236}">
+                <a16:creationId xmlns:a16="http://schemas.microsoft.com/office/drawing/2014/main" id="{AD8FFF2F-9116-438B-9E1D-8EB1CA84A612}"/>
               </a:ext>
             </a:extLst>
           </p:cNvPr>
@@ -14489,7 +14489,7 @@
         </p:blipFill>
         <p:spPr>
           <a:xfrm>
-            <a:off x="1595085" y="2048170"/>
+            <a:off x="1582746" y="2079576"/>
             <a:ext cx="7648742" cy="8280000"/>
           </a:xfrm>
           <a:prstGeom prst="rect">

--- a/Informativos.pptx
+++ b/Informativos.pptx
@@ -294,7 +294,7 @@
             <a:fld id="{11A6662E-FAF4-44BC-88B5-85A7CBFB6D30}" type="datetime1">
               <a:rPr lang="en-US" smtClean="0"/>
               <a:pPr/>
-              <a:t>11/26/2021</a:t>
+              <a:t>12/1/2021</a:t>
             </a:fld>
             <a:endParaRPr lang="en-US" dirty="0"/>
           </a:p>
@@ -521,7 +521,7 @@
           <a:p>
             <a:fld id="{4C559632-1575-4E14-B53B-3DC3D5ED3947}" type="datetime1">
               <a:rPr lang="en-US" smtClean="0"/>
-              <a:t>11/26/2021</a:t>
+              <a:t>12/1/2021</a:t>
             </a:fld>
             <a:endParaRPr lang="en-US"/>
           </a:p>
@@ -729,7 +729,7 @@
           <a:p>
             <a:fld id="{CC4A6868-2568-4CC9-B302-F37117B01A6E}" type="datetime1">
               <a:rPr lang="en-US" smtClean="0"/>
-              <a:t>11/26/2021</a:t>
+              <a:t>12/1/2021</a:t>
             </a:fld>
             <a:endParaRPr lang="en-US"/>
           </a:p>
@@ -934,7 +934,7 @@
           <a:p>
             <a:fld id="{0055F08A-1E71-4B2B-BB49-E743F2903911}" type="datetime1">
               <a:rPr lang="en-US" smtClean="0"/>
-              <a:t>11/26/2021</a:t>
+              <a:t>12/1/2021</a:t>
             </a:fld>
             <a:endParaRPr lang="en-US" dirty="0"/>
           </a:p>
@@ -1208,7 +1208,7 @@
           <a:p>
             <a:fld id="{15417D9E-721A-44BB-8863-9873FE64DA75}" type="datetime1">
               <a:rPr lang="en-US" smtClean="0"/>
-              <a:t>11/26/2021</a:t>
+              <a:t>12/1/2021</a:t>
             </a:fld>
             <a:endParaRPr lang="en-US"/>
           </a:p>
@@ -1481,7 +1481,7 @@
           <a:p>
             <a:fld id="{5F31DA2F-80B8-49CF-99FB-5ABCA53A607A}" type="datetime1">
               <a:rPr lang="en-US" smtClean="0"/>
-              <a:t>11/26/2021</a:t>
+              <a:t>12/1/2021</a:t>
             </a:fld>
             <a:endParaRPr lang="en-US"/>
           </a:p>
@@ -1896,7 +1896,7 @@
           <a:p>
             <a:fld id="{28852172-E6C9-4B6C-929A-A9DE3837BBF1}" type="datetime1">
               <a:rPr lang="en-US" smtClean="0"/>
-              <a:t>11/26/2021</a:t>
+              <a:t>12/1/2021</a:t>
             </a:fld>
             <a:endParaRPr lang="en-US"/>
           </a:p>
@@ -2048,7 +2048,7 @@
           <a:p>
             <a:fld id="{3AB41CFF-90C9-47B3-9DA1-F2BF8D839F7E}" type="datetime1">
               <a:rPr lang="en-US" smtClean="0"/>
-              <a:t>11/26/2021</a:t>
+              <a:t>12/1/2021</a:t>
             </a:fld>
             <a:endParaRPr lang="en-US"/>
           </a:p>
@@ -2161,7 +2161,7 @@
           <a:p>
             <a:fld id="{F06048FA-06AB-4884-A69B-986B96E68A24}" type="datetime1">
               <a:rPr lang="en-US" smtClean="0"/>
-              <a:t>11/26/2021</a:t>
+              <a:t>12/1/2021</a:t>
             </a:fld>
             <a:endParaRPr lang="en-US"/>
           </a:p>
@@ -2472,7 +2472,7 @@
           <a:p>
             <a:fld id="{50DB7ABA-0172-4F9C-889D-567164F66BCD}" type="datetime1">
               <a:rPr lang="en-US" smtClean="0"/>
-              <a:t>11/26/2021</a:t>
+              <a:t>12/1/2021</a:t>
             </a:fld>
             <a:endParaRPr lang="en-US"/>
           </a:p>
@@ -2763,7 +2763,7 @@
           <a:p>
             <a:fld id="{78AC6A5B-8AE7-4A41-B5A7-9ADC6686DC18}" type="datetime1">
               <a:rPr lang="en-US" smtClean="0"/>
-              <a:t>11/26/2021</a:t>
+              <a:t>12/1/2021</a:t>
             </a:fld>
             <a:endParaRPr lang="en-US"/>
           </a:p>
@@ -3072,7 +3072,7 @@
             <a:fld id="{57E0CF6C-748E-4B7A-BC8B-3011EF78ED13}" type="datetime1">
               <a:rPr lang="en-US" smtClean="0"/>
               <a:pPr/>
-              <a:t>11/26/2021</a:t>
+              <a:t>12/1/2021</a:t>
             </a:fld>
             <a:endParaRPr lang="en-US" dirty="0"/>
           </a:p>
@@ -4657,7 +4657,7 @@
                 </a:effectLst>
                 <a:latin typeface="Exo 2 Extra Bold" panose="00000900000000000000" pitchFamily="50" charset="0"/>
               </a:rPr>
-              <a:t>35</a:t>
+              <a:t>36</a:t>
             </a:r>
             <a:endParaRPr lang="pt-BR" sz="4800" b="0" cap="none" spc="0" dirty="0">
               <a:ln w="0">
@@ -4716,10 +4716,10 @@
       </p:pic>
       <p:pic>
         <p:nvPicPr>
-          <p:cNvPr id="4" name="Imagem 3">
-            <a:extLst>
-              <a:ext uri="{FF2B5EF4-FFF2-40B4-BE49-F238E27FC236}">
-                <a16:creationId xmlns:a16="http://schemas.microsoft.com/office/drawing/2014/main" id="{140888D2-CFAB-489B-8E71-EF425ABF1376}"/>
+          <p:cNvPr id="3" name="Imagem 2">
+            <a:extLst>
+              <a:ext uri="{FF2B5EF4-FFF2-40B4-BE49-F238E27FC236}">
+                <a16:creationId xmlns:a16="http://schemas.microsoft.com/office/drawing/2014/main" id="{9D006271-1D0C-4787-BD98-5B2450DF9C73}"/>
               </a:ext>
             </a:extLst>
           </p:cNvPr>
@@ -4736,7 +4736,7 @@
         </p:blipFill>
         <p:spPr>
           <a:xfrm>
-            <a:off x="1267118" y="2540012"/>
+            <a:off x="1278787" y="2533244"/>
             <a:ext cx="8280000" cy="6711047"/>
           </a:xfrm>
           <a:prstGeom prst="rect">
@@ -5808,43 +5808,8 @@
                 </a:effectLst>
                 <a:latin typeface="Exo 2 Extra Bold" panose="00000900000000000000" pitchFamily="50" charset="0"/>
               </a:rPr>
-              <a:t>Rodada #</a:t>
+              <a:t>Rodada #36</a:t>
             </a:r>
-            <a:r>
-              <a:rPr lang="pt-BR" sz="4800" dirty="0">
-                <a:ln w="0">
-                  <a:noFill/>
-                </a:ln>
-                <a:solidFill>
-                  <a:schemeClr val="bg1"/>
-                </a:solidFill>
-                <a:effectLst>
-                  <a:outerShdw blurRad="38100" dist="19050" dir="2700000" algn="tl" rotWithShape="0">
-                    <a:schemeClr val="dk1">
-                      <a:alpha val="40000"/>
-                    </a:schemeClr>
-                  </a:outerShdw>
-                </a:effectLst>
-                <a:latin typeface="Exo 2 Extra Bold" panose="00000900000000000000" pitchFamily="50" charset="0"/>
-              </a:rPr>
-              <a:t>35</a:t>
-            </a:r>
-            <a:endParaRPr lang="pt-BR" sz="4800" b="0" cap="none" spc="0" dirty="0">
-              <a:ln w="0">
-                <a:noFill/>
-              </a:ln>
-              <a:solidFill>
-                <a:schemeClr val="bg1"/>
-              </a:solidFill>
-              <a:effectLst>
-                <a:outerShdw blurRad="38100" dist="19050" dir="2700000" algn="tl" rotWithShape="0">
-                  <a:schemeClr val="dk1">
-                    <a:alpha val="40000"/>
-                  </a:schemeClr>
-                </a:outerShdw>
-              </a:effectLst>
-              <a:latin typeface="Exo 2 Extra Bold" panose="00000900000000000000" pitchFamily="50" charset="0"/>
-            </a:endParaRPr>
           </a:p>
         </p:txBody>
       </p:sp>
@@ -5939,10 +5904,10 @@
       </p:pic>
       <p:pic>
         <p:nvPicPr>
-          <p:cNvPr id="4" name="Imagem 3">
-            <a:extLst>
-              <a:ext uri="{FF2B5EF4-FFF2-40B4-BE49-F238E27FC236}">
-                <a16:creationId xmlns:a16="http://schemas.microsoft.com/office/drawing/2014/main" id="{2A5D5A42-5C08-41F0-A53B-A85B8C8D6CC8}"/>
+          <p:cNvPr id="3" name="Imagem 2">
+            <a:extLst>
+              <a:ext uri="{FF2B5EF4-FFF2-40B4-BE49-F238E27FC236}">
+                <a16:creationId xmlns:a16="http://schemas.microsoft.com/office/drawing/2014/main" id="{0D530872-7559-426F-984D-A5D5FC1F0C3E}"/>
               </a:ext>
             </a:extLst>
           </p:cNvPr>
@@ -5959,7 +5924,7 @@
         </p:blipFill>
         <p:spPr>
           <a:xfrm>
-            <a:off x="1818787" y="2527118"/>
+            <a:off x="1809304" y="2527117"/>
             <a:ext cx="7200000" cy="6893151"/>
           </a:xfrm>
           <a:prstGeom prst="rect">
@@ -7050,7 +7015,7 @@
                 </a:effectLst>
                 <a:latin typeface="Exo 2 Extra Bold" panose="00000900000000000000" pitchFamily="50" charset="0"/>
               </a:rPr>
-              <a:t>35</a:t>
+              <a:t>36</a:t>
             </a:r>
             <a:endParaRPr lang="pt-BR" sz="4800" b="0" cap="none" spc="0" dirty="0">
               <a:ln w="0">
@@ -7186,10 +7151,10 @@
       </p:pic>
       <p:pic>
         <p:nvPicPr>
-          <p:cNvPr id="4" name="Imagem 3">
-            <a:extLst>
-              <a:ext uri="{FF2B5EF4-FFF2-40B4-BE49-F238E27FC236}">
-                <a16:creationId xmlns:a16="http://schemas.microsoft.com/office/drawing/2014/main" id="{6D142346-7B49-4244-91D4-74283DAC0F5D}"/>
+          <p:cNvPr id="3" name="Imagem 2">
+            <a:extLst>
+              <a:ext uri="{FF2B5EF4-FFF2-40B4-BE49-F238E27FC236}">
+                <a16:creationId xmlns:a16="http://schemas.microsoft.com/office/drawing/2014/main" id="{A7758D59-5A46-42CA-A8FC-33917B6C2F15}"/>
               </a:ext>
             </a:extLst>
           </p:cNvPr>
@@ -7206,7 +7171,7 @@
         </p:blipFill>
         <p:spPr>
           <a:xfrm>
-            <a:off x="2429181" y="2521449"/>
+            <a:off x="2428011" y="2523249"/>
             <a:ext cx="5959579" cy="2160000"/>
           </a:xfrm>
           <a:prstGeom prst="rect">
@@ -7216,10 +7181,10 @@
       </p:pic>
       <p:pic>
         <p:nvPicPr>
-          <p:cNvPr id="10" name="Imagem 9">
-            <a:extLst>
-              <a:ext uri="{FF2B5EF4-FFF2-40B4-BE49-F238E27FC236}">
-                <a16:creationId xmlns:a16="http://schemas.microsoft.com/office/drawing/2014/main" id="{5446C893-403F-4CD7-B7C2-9FFACD783961}"/>
+          <p:cNvPr id="9" name="Imagem 8">
+            <a:extLst>
+              <a:ext uri="{FF2B5EF4-FFF2-40B4-BE49-F238E27FC236}">
+                <a16:creationId xmlns:a16="http://schemas.microsoft.com/office/drawing/2014/main" id="{AAF04E28-DDE5-477F-8022-5B320C144F94}"/>
               </a:ext>
             </a:extLst>
           </p:cNvPr>
@@ -7236,7 +7201,7 @@
         </p:blipFill>
         <p:spPr>
           <a:xfrm>
-            <a:off x="2433518" y="5026645"/>
+            <a:off x="2424034" y="5036514"/>
             <a:ext cx="5959579" cy="2160000"/>
           </a:xfrm>
           <a:prstGeom prst="rect">
@@ -14357,7 +14322,7 @@
                 </a:effectLst>
                 <a:latin typeface="Exo 2 Extra Bold" panose="00000900000000000000" pitchFamily="50" charset="0"/>
               </a:rPr>
-              <a:t>35</a:t>
+              <a:t>36</a:t>
             </a:r>
             <a:endParaRPr lang="pt-BR" sz="4800" b="0" cap="none" spc="0" dirty="0">
               <a:ln w="0">
@@ -14469,10 +14434,10 @@
       </p:pic>
       <p:pic>
         <p:nvPicPr>
-          <p:cNvPr id="4" name="Imagem 3">
-            <a:extLst>
-              <a:ext uri="{FF2B5EF4-FFF2-40B4-BE49-F238E27FC236}">
-                <a16:creationId xmlns:a16="http://schemas.microsoft.com/office/drawing/2014/main" id="{AD8FFF2F-9116-438B-9E1D-8EB1CA84A612}"/>
+          <p:cNvPr id="3" name="Imagem 2">
+            <a:extLst>
+              <a:ext uri="{FF2B5EF4-FFF2-40B4-BE49-F238E27FC236}">
+                <a16:creationId xmlns:a16="http://schemas.microsoft.com/office/drawing/2014/main" id="{9CE7F652-C884-427D-A276-FBF3C09BA853}"/>
               </a:ext>
             </a:extLst>
           </p:cNvPr>
@@ -14489,7 +14454,7 @@
         </p:blipFill>
         <p:spPr>
           <a:xfrm>
-            <a:off x="1582746" y="2079576"/>
+            <a:off x="1590920" y="2048119"/>
             <a:ext cx="7648742" cy="8280000"/>
           </a:xfrm>
           <a:prstGeom prst="rect">

--- a/Informativos.pptx
+++ b/Informativos.pptx
@@ -294,7 +294,7 @@
             <a:fld id="{11A6662E-FAF4-44BC-88B5-85A7CBFB6D30}" type="datetime1">
               <a:rPr lang="en-US" smtClean="0"/>
               <a:pPr/>
-              <a:t>12/1/2021</a:t>
+              <a:t>12/8/2021</a:t>
             </a:fld>
             <a:endParaRPr lang="en-US" dirty="0"/>
           </a:p>
@@ -521,7 +521,7 @@
           <a:p>
             <a:fld id="{4C559632-1575-4E14-B53B-3DC3D5ED3947}" type="datetime1">
               <a:rPr lang="en-US" smtClean="0"/>
-              <a:t>12/1/2021</a:t>
+              <a:t>12/8/2021</a:t>
             </a:fld>
             <a:endParaRPr lang="en-US"/>
           </a:p>
@@ -729,7 +729,7 @@
           <a:p>
             <a:fld id="{CC4A6868-2568-4CC9-B302-F37117B01A6E}" type="datetime1">
               <a:rPr lang="en-US" smtClean="0"/>
-              <a:t>12/1/2021</a:t>
+              <a:t>12/8/2021</a:t>
             </a:fld>
             <a:endParaRPr lang="en-US"/>
           </a:p>
@@ -934,7 +934,7 @@
           <a:p>
             <a:fld id="{0055F08A-1E71-4B2B-BB49-E743F2903911}" type="datetime1">
               <a:rPr lang="en-US" smtClean="0"/>
-              <a:t>12/1/2021</a:t>
+              <a:t>12/8/2021</a:t>
             </a:fld>
             <a:endParaRPr lang="en-US" dirty="0"/>
           </a:p>
@@ -1208,7 +1208,7 @@
           <a:p>
             <a:fld id="{15417D9E-721A-44BB-8863-9873FE64DA75}" type="datetime1">
               <a:rPr lang="en-US" smtClean="0"/>
-              <a:t>12/1/2021</a:t>
+              <a:t>12/8/2021</a:t>
             </a:fld>
             <a:endParaRPr lang="en-US"/>
           </a:p>
@@ -1481,7 +1481,7 @@
           <a:p>
             <a:fld id="{5F31DA2F-80B8-49CF-99FB-5ABCA53A607A}" type="datetime1">
               <a:rPr lang="en-US" smtClean="0"/>
-              <a:t>12/1/2021</a:t>
+              <a:t>12/8/2021</a:t>
             </a:fld>
             <a:endParaRPr lang="en-US"/>
           </a:p>
@@ -1896,7 +1896,7 @@
           <a:p>
             <a:fld id="{28852172-E6C9-4B6C-929A-A9DE3837BBF1}" type="datetime1">
               <a:rPr lang="en-US" smtClean="0"/>
-              <a:t>12/1/2021</a:t>
+              <a:t>12/8/2021</a:t>
             </a:fld>
             <a:endParaRPr lang="en-US"/>
           </a:p>
@@ -2048,7 +2048,7 @@
           <a:p>
             <a:fld id="{3AB41CFF-90C9-47B3-9DA1-F2BF8D839F7E}" type="datetime1">
               <a:rPr lang="en-US" smtClean="0"/>
-              <a:t>12/1/2021</a:t>
+              <a:t>12/8/2021</a:t>
             </a:fld>
             <a:endParaRPr lang="en-US"/>
           </a:p>
@@ -2161,7 +2161,7 @@
           <a:p>
             <a:fld id="{F06048FA-06AB-4884-A69B-986B96E68A24}" type="datetime1">
               <a:rPr lang="en-US" smtClean="0"/>
-              <a:t>12/1/2021</a:t>
+              <a:t>12/8/2021</a:t>
             </a:fld>
             <a:endParaRPr lang="en-US"/>
           </a:p>
@@ -2472,7 +2472,7 @@
           <a:p>
             <a:fld id="{50DB7ABA-0172-4F9C-889D-567164F66BCD}" type="datetime1">
               <a:rPr lang="en-US" smtClean="0"/>
-              <a:t>12/1/2021</a:t>
+              <a:t>12/8/2021</a:t>
             </a:fld>
             <a:endParaRPr lang="en-US"/>
           </a:p>
@@ -2763,7 +2763,7 @@
           <a:p>
             <a:fld id="{78AC6A5B-8AE7-4A41-B5A7-9ADC6686DC18}" type="datetime1">
               <a:rPr lang="en-US" smtClean="0"/>
-              <a:t>12/1/2021</a:t>
+              <a:t>12/8/2021</a:t>
             </a:fld>
             <a:endParaRPr lang="en-US"/>
           </a:p>
@@ -3072,7 +3072,7 @@
             <a:fld id="{57E0CF6C-748E-4B7A-BC8B-3011EF78ED13}" type="datetime1">
               <a:rPr lang="en-US" smtClean="0"/>
               <a:pPr/>
-              <a:t>12/1/2021</a:t>
+              <a:t>12/8/2021</a:t>
             </a:fld>
             <a:endParaRPr lang="en-US" dirty="0"/>
           </a:p>
@@ -4657,7 +4657,7 @@
                 </a:effectLst>
                 <a:latin typeface="Exo 2 Extra Bold" panose="00000900000000000000" pitchFamily="50" charset="0"/>
               </a:rPr>
-              <a:t>36</a:t>
+              <a:t>37</a:t>
             </a:r>
             <a:endParaRPr lang="pt-BR" sz="4800" b="0" cap="none" spc="0" dirty="0">
               <a:ln w="0">
@@ -4716,10 +4716,10 @@
       </p:pic>
       <p:pic>
         <p:nvPicPr>
-          <p:cNvPr id="3" name="Imagem 2">
-            <a:extLst>
-              <a:ext uri="{FF2B5EF4-FFF2-40B4-BE49-F238E27FC236}">
-                <a16:creationId xmlns:a16="http://schemas.microsoft.com/office/drawing/2014/main" id="{9D006271-1D0C-4787-BD98-5B2450DF9C73}"/>
+          <p:cNvPr id="4" name="Imagem 3">
+            <a:extLst>
+              <a:ext uri="{FF2B5EF4-FFF2-40B4-BE49-F238E27FC236}">
+                <a16:creationId xmlns:a16="http://schemas.microsoft.com/office/drawing/2014/main" id="{0DDF1AAC-B1B1-42DE-802F-282058430357}"/>
               </a:ext>
             </a:extLst>
           </p:cNvPr>
@@ -4736,7 +4736,7 @@
         </p:blipFill>
         <p:spPr>
           <a:xfrm>
-            <a:off x="1278787" y="2533244"/>
+            <a:off x="1264161" y="2540012"/>
             <a:ext cx="8280000" cy="6711047"/>
           </a:xfrm>
           <a:prstGeom prst="rect">
@@ -5808,7 +5808,7 @@
                 </a:effectLst>
                 <a:latin typeface="Exo 2 Extra Bold" panose="00000900000000000000" pitchFamily="50" charset="0"/>
               </a:rPr>
-              <a:t>Rodada #36</a:t>
+              <a:t>Rodada #37</a:t>
             </a:r>
           </a:p>
         </p:txBody>
@@ -5904,10 +5904,10 @@
       </p:pic>
       <p:pic>
         <p:nvPicPr>
-          <p:cNvPr id="3" name="Imagem 2">
-            <a:extLst>
-              <a:ext uri="{FF2B5EF4-FFF2-40B4-BE49-F238E27FC236}">
-                <a16:creationId xmlns:a16="http://schemas.microsoft.com/office/drawing/2014/main" id="{0D530872-7559-426F-984D-A5D5FC1F0C3E}"/>
+          <p:cNvPr id="4" name="Imagem 3">
+            <a:extLst>
+              <a:ext uri="{FF2B5EF4-FFF2-40B4-BE49-F238E27FC236}">
+                <a16:creationId xmlns:a16="http://schemas.microsoft.com/office/drawing/2014/main" id="{DA6760D3-A42F-4318-B2B4-AACC66C71FAF}"/>
               </a:ext>
             </a:extLst>
           </p:cNvPr>
@@ -5924,8 +5924,8 @@
         </p:blipFill>
         <p:spPr>
           <a:xfrm>
-            <a:off x="1809304" y="2527117"/>
-            <a:ext cx="7200000" cy="6893151"/>
+            <a:off x="1554973" y="1922714"/>
+            <a:ext cx="7721732" cy="8280000"/>
           </a:xfrm>
           <a:prstGeom prst="rect">
             <a:avLst/>
@@ -7015,7 +7015,7 @@
                 </a:effectLst>
                 <a:latin typeface="Exo 2 Extra Bold" panose="00000900000000000000" pitchFamily="50" charset="0"/>
               </a:rPr>
-              <a:t>36</a:t>
+              <a:t>37</a:t>
             </a:r>
             <a:endParaRPr lang="pt-BR" sz="4800" b="0" cap="none" spc="0" dirty="0">
               <a:ln w="0">
@@ -7151,10 +7151,10 @@
       </p:pic>
       <p:pic>
         <p:nvPicPr>
-          <p:cNvPr id="3" name="Imagem 2">
-            <a:extLst>
-              <a:ext uri="{FF2B5EF4-FFF2-40B4-BE49-F238E27FC236}">
-                <a16:creationId xmlns:a16="http://schemas.microsoft.com/office/drawing/2014/main" id="{A7758D59-5A46-42CA-A8FC-33917B6C2F15}"/>
+          <p:cNvPr id="4" name="Imagem 3">
+            <a:extLst>
+              <a:ext uri="{FF2B5EF4-FFF2-40B4-BE49-F238E27FC236}">
+                <a16:creationId xmlns:a16="http://schemas.microsoft.com/office/drawing/2014/main" id="{34137F96-0A51-4DCB-A74F-53037028C722}"/>
               </a:ext>
             </a:extLst>
           </p:cNvPr>
@@ -7171,7 +7171,7 @@
         </p:blipFill>
         <p:spPr>
           <a:xfrm>
-            <a:off x="2428011" y="2523249"/>
+            <a:off x="2439310" y="2514522"/>
             <a:ext cx="5959579" cy="2160000"/>
           </a:xfrm>
           <a:prstGeom prst="rect">
@@ -7181,10 +7181,10 @@
       </p:pic>
       <p:pic>
         <p:nvPicPr>
-          <p:cNvPr id="9" name="Imagem 8">
-            <a:extLst>
-              <a:ext uri="{FF2B5EF4-FFF2-40B4-BE49-F238E27FC236}">
-                <a16:creationId xmlns:a16="http://schemas.microsoft.com/office/drawing/2014/main" id="{AAF04E28-DDE5-477F-8022-5B320C144F94}"/>
+          <p:cNvPr id="10" name="Imagem 9">
+            <a:extLst>
+              <a:ext uri="{FF2B5EF4-FFF2-40B4-BE49-F238E27FC236}">
+                <a16:creationId xmlns:a16="http://schemas.microsoft.com/office/drawing/2014/main" id="{3FAC3E9D-01A2-48E2-98A2-52111FC76779}"/>
               </a:ext>
             </a:extLst>
           </p:cNvPr>
@@ -7201,7 +7201,7 @@
         </p:blipFill>
         <p:spPr>
           <a:xfrm>
-            <a:off x="2424034" y="5036514"/>
+            <a:off x="2443685" y="5041587"/>
             <a:ext cx="5959579" cy="2160000"/>
           </a:xfrm>
           <a:prstGeom prst="rect">
@@ -14322,7 +14322,7 @@
                 </a:effectLst>
                 <a:latin typeface="Exo 2 Extra Bold" panose="00000900000000000000" pitchFamily="50" charset="0"/>
               </a:rPr>
-              <a:t>36</a:t>
+              <a:t>37</a:t>
             </a:r>
             <a:endParaRPr lang="pt-BR" sz="4800" b="0" cap="none" spc="0" dirty="0">
               <a:ln w="0">
@@ -14434,10 +14434,10 @@
       </p:pic>
       <p:pic>
         <p:nvPicPr>
-          <p:cNvPr id="3" name="Imagem 2">
-            <a:extLst>
-              <a:ext uri="{FF2B5EF4-FFF2-40B4-BE49-F238E27FC236}">
-                <a16:creationId xmlns:a16="http://schemas.microsoft.com/office/drawing/2014/main" id="{9CE7F652-C884-427D-A276-FBF3C09BA853}"/>
+          <p:cNvPr id="4" name="Imagem 3">
+            <a:extLst>
+              <a:ext uri="{FF2B5EF4-FFF2-40B4-BE49-F238E27FC236}">
+                <a16:creationId xmlns:a16="http://schemas.microsoft.com/office/drawing/2014/main" id="{A83E27E3-22DE-49EA-A146-C05AE09D4474}"/>
               </a:ext>
             </a:extLst>
           </p:cNvPr>
@@ -14454,8 +14454,8 @@
         </p:blipFill>
         <p:spPr>
           <a:xfrm>
-            <a:off x="1590920" y="2048119"/>
-            <a:ext cx="7648742" cy="8280000"/>
+            <a:off x="1277994" y="2694855"/>
+            <a:ext cx="8280000" cy="5530604"/>
           </a:xfrm>
           <a:prstGeom prst="rect">
             <a:avLst/>

--- a/Informativos.pptx
+++ b/Informativos.pptx
@@ -294,7 +294,7 @@
             <a:fld id="{11A6662E-FAF4-44BC-88B5-85A7CBFB6D30}" type="datetime1">
               <a:rPr lang="en-US" smtClean="0"/>
               <a:pPr/>
-              <a:t>12/8/2021</a:t>
+              <a:t>12/10/2021</a:t>
             </a:fld>
             <a:endParaRPr lang="en-US" dirty="0"/>
           </a:p>
@@ -521,7 +521,7 @@
           <a:p>
             <a:fld id="{4C559632-1575-4E14-B53B-3DC3D5ED3947}" type="datetime1">
               <a:rPr lang="en-US" smtClean="0"/>
-              <a:t>12/8/2021</a:t>
+              <a:t>12/10/2021</a:t>
             </a:fld>
             <a:endParaRPr lang="en-US"/>
           </a:p>
@@ -729,7 +729,7 @@
           <a:p>
             <a:fld id="{CC4A6868-2568-4CC9-B302-F37117B01A6E}" type="datetime1">
               <a:rPr lang="en-US" smtClean="0"/>
-              <a:t>12/8/2021</a:t>
+              <a:t>12/10/2021</a:t>
             </a:fld>
             <a:endParaRPr lang="en-US"/>
           </a:p>
@@ -934,7 +934,7 @@
           <a:p>
             <a:fld id="{0055F08A-1E71-4B2B-BB49-E743F2903911}" type="datetime1">
               <a:rPr lang="en-US" smtClean="0"/>
-              <a:t>12/8/2021</a:t>
+              <a:t>12/10/2021</a:t>
             </a:fld>
             <a:endParaRPr lang="en-US" dirty="0"/>
           </a:p>
@@ -1208,7 +1208,7 @@
           <a:p>
             <a:fld id="{15417D9E-721A-44BB-8863-9873FE64DA75}" type="datetime1">
               <a:rPr lang="en-US" smtClean="0"/>
-              <a:t>12/8/2021</a:t>
+              <a:t>12/10/2021</a:t>
             </a:fld>
             <a:endParaRPr lang="en-US"/>
           </a:p>
@@ -1481,7 +1481,7 @@
           <a:p>
             <a:fld id="{5F31DA2F-80B8-49CF-99FB-5ABCA53A607A}" type="datetime1">
               <a:rPr lang="en-US" smtClean="0"/>
-              <a:t>12/8/2021</a:t>
+              <a:t>12/10/2021</a:t>
             </a:fld>
             <a:endParaRPr lang="en-US"/>
           </a:p>
@@ -1896,7 +1896,7 @@
           <a:p>
             <a:fld id="{28852172-E6C9-4B6C-929A-A9DE3837BBF1}" type="datetime1">
               <a:rPr lang="en-US" smtClean="0"/>
-              <a:t>12/8/2021</a:t>
+              <a:t>12/10/2021</a:t>
             </a:fld>
             <a:endParaRPr lang="en-US"/>
           </a:p>
@@ -2048,7 +2048,7 @@
           <a:p>
             <a:fld id="{3AB41CFF-90C9-47B3-9DA1-F2BF8D839F7E}" type="datetime1">
               <a:rPr lang="en-US" smtClean="0"/>
-              <a:t>12/8/2021</a:t>
+              <a:t>12/10/2021</a:t>
             </a:fld>
             <a:endParaRPr lang="en-US"/>
           </a:p>
@@ -2161,7 +2161,7 @@
           <a:p>
             <a:fld id="{F06048FA-06AB-4884-A69B-986B96E68A24}" type="datetime1">
               <a:rPr lang="en-US" smtClean="0"/>
-              <a:t>12/8/2021</a:t>
+              <a:t>12/10/2021</a:t>
             </a:fld>
             <a:endParaRPr lang="en-US"/>
           </a:p>
@@ -2472,7 +2472,7 @@
           <a:p>
             <a:fld id="{50DB7ABA-0172-4F9C-889D-567164F66BCD}" type="datetime1">
               <a:rPr lang="en-US" smtClean="0"/>
-              <a:t>12/8/2021</a:t>
+              <a:t>12/10/2021</a:t>
             </a:fld>
             <a:endParaRPr lang="en-US"/>
           </a:p>
@@ -2763,7 +2763,7 @@
           <a:p>
             <a:fld id="{78AC6A5B-8AE7-4A41-B5A7-9ADC6686DC18}" type="datetime1">
               <a:rPr lang="en-US" smtClean="0"/>
-              <a:t>12/8/2021</a:t>
+              <a:t>12/10/2021</a:t>
             </a:fld>
             <a:endParaRPr lang="en-US"/>
           </a:p>
@@ -3072,7 +3072,7 @@
             <a:fld id="{57E0CF6C-748E-4B7A-BC8B-3011EF78ED13}" type="datetime1">
               <a:rPr lang="en-US" smtClean="0"/>
               <a:pPr/>
-              <a:t>12/8/2021</a:t>
+              <a:t>12/10/2021</a:t>
             </a:fld>
             <a:endParaRPr lang="en-US" dirty="0"/>
           </a:p>
@@ -4657,7 +4657,7 @@
                 </a:effectLst>
                 <a:latin typeface="Exo 2 Extra Bold" panose="00000900000000000000" pitchFamily="50" charset="0"/>
               </a:rPr>
-              <a:t>37</a:t>
+              <a:t>38</a:t>
             </a:r>
             <a:endParaRPr lang="pt-BR" sz="4800" b="0" cap="none" spc="0" dirty="0">
               <a:ln w="0">
@@ -4716,10 +4716,10 @@
       </p:pic>
       <p:pic>
         <p:nvPicPr>
-          <p:cNvPr id="4" name="Imagem 3">
-            <a:extLst>
-              <a:ext uri="{FF2B5EF4-FFF2-40B4-BE49-F238E27FC236}">
-                <a16:creationId xmlns:a16="http://schemas.microsoft.com/office/drawing/2014/main" id="{0DDF1AAC-B1B1-42DE-802F-282058430357}"/>
+          <p:cNvPr id="3" name="Imagem 2">
+            <a:extLst>
+              <a:ext uri="{FF2B5EF4-FFF2-40B4-BE49-F238E27FC236}">
+                <a16:creationId xmlns:a16="http://schemas.microsoft.com/office/drawing/2014/main" id="{B0939A57-427C-42F9-8845-646A0952913F}"/>
               </a:ext>
             </a:extLst>
           </p:cNvPr>
@@ -4736,7 +4736,7 @@
         </p:blipFill>
         <p:spPr>
           <a:xfrm>
-            <a:off x="1264161" y="2540012"/>
+            <a:off x="1258558" y="2534823"/>
             <a:ext cx="8280000" cy="6711047"/>
           </a:xfrm>
           <a:prstGeom prst="rect">
@@ -5808,7 +5808,7 @@
                 </a:effectLst>
                 <a:latin typeface="Exo 2 Extra Bold" panose="00000900000000000000" pitchFamily="50" charset="0"/>
               </a:rPr>
-              <a:t>Rodada #37</a:t>
+              <a:t>Rodada #38</a:t>
             </a:r>
           </a:p>
         </p:txBody>
@@ -5904,10 +5904,10 @@
       </p:pic>
       <p:pic>
         <p:nvPicPr>
-          <p:cNvPr id="4" name="Imagem 3">
-            <a:extLst>
-              <a:ext uri="{FF2B5EF4-FFF2-40B4-BE49-F238E27FC236}">
-                <a16:creationId xmlns:a16="http://schemas.microsoft.com/office/drawing/2014/main" id="{DA6760D3-A42F-4318-B2B4-AACC66C71FAF}"/>
+          <p:cNvPr id="3" name="Imagem 2">
+            <a:extLst>
+              <a:ext uri="{FF2B5EF4-FFF2-40B4-BE49-F238E27FC236}">
+                <a16:creationId xmlns:a16="http://schemas.microsoft.com/office/drawing/2014/main" id="{7020E237-2103-451D-9364-31B3BCF00FD9}"/>
               </a:ext>
             </a:extLst>
           </p:cNvPr>
@@ -5924,8 +5924,8 @@
         </p:blipFill>
         <p:spPr>
           <a:xfrm>
-            <a:off x="1554973" y="1922714"/>
-            <a:ext cx="7721732" cy="8280000"/>
+            <a:off x="1705597" y="2279696"/>
+            <a:ext cx="7386004" cy="7920000"/>
           </a:xfrm>
           <a:prstGeom prst="rect">
             <a:avLst/>
@@ -7015,7 +7015,7 @@
                 </a:effectLst>
                 <a:latin typeface="Exo 2 Extra Bold" panose="00000900000000000000" pitchFamily="50" charset="0"/>
               </a:rPr>
-              <a:t>37</a:t>
+              <a:t>38</a:t>
             </a:r>
             <a:endParaRPr lang="pt-BR" sz="4800" b="0" cap="none" spc="0" dirty="0">
               <a:ln w="0">
@@ -7127,7 +7127,13 @@
       </p:pic>
       <p:pic>
         <p:nvPicPr>
-          <p:cNvPr id="7" name="Imagem 6"/>
+          <p:cNvPr id="3" name="Imagem 2">
+            <a:extLst>
+              <a:ext uri="{FF2B5EF4-FFF2-40B4-BE49-F238E27FC236}">
+                <a16:creationId xmlns:a16="http://schemas.microsoft.com/office/drawing/2014/main" id="{9013F6B3-3677-4DA4-BE3F-CB5EC967939D}"/>
+              </a:ext>
+            </a:extLst>
+          </p:cNvPr>
           <p:cNvPicPr>
             <a:picLocks noChangeAspect="1"/>
           </p:cNvPicPr>
@@ -7141,8 +7147,8 @@
         </p:blipFill>
         <p:spPr>
           <a:xfrm>
-            <a:off x="1750859" y="7676940"/>
-            <a:ext cx="7315929" cy="2160000"/>
+            <a:off x="2422106" y="2512936"/>
+            <a:ext cx="5959579" cy="2160000"/>
           </a:xfrm>
           <a:prstGeom prst="rect">
             <a:avLst/>
@@ -7151,10 +7157,10 @@
       </p:pic>
       <p:pic>
         <p:nvPicPr>
-          <p:cNvPr id="4" name="Imagem 3">
-            <a:extLst>
-              <a:ext uri="{FF2B5EF4-FFF2-40B4-BE49-F238E27FC236}">
-                <a16:creationId xmlns:a16="http://schemas.microsoft.com/office/drawing/2014/main" id="{34137F96-0A51-4DCB-A74F-53037028C722}"/>
+          <p:cNvPr id="9" name="Imagem 8">
+            <a:extLst>
+              <a:ext uri="{FF2B5EF4-FFF2-40B4-BE49-F238E27FC236}">
+                <a16:creationId xmlns:a16="http://schemas.microsoft.com/office/drawing/2014/main" id="{04A640E9-D216-4241-B553-E18B7A9BB1E6}"/>
               </a:ext>
             </a:extLst>
           </p:cNvPr>
@@ -7171,7 +7177,7 @@
         </p:blipFill>
         <p:spPr>
           <a:xfrm>
-            <a:off x="2439310" y="2514522"/>
+            <a:off x="2417236" y="5040001"/>
             <a:ext cx="5959579" cy="2160000"/>
           </a:xfrm>
           <a:prstGeom prst="rect">
@@ -7181,10 +7187,10 @@
       </p:pic>
       <p:pic>
         <p:nvPicPr>
-          <p:cNvPr id="10" name="Imagem 9">
-            <a:extLst>
-              <a:ext uri="{FF2B5EF4-FFF2-40B4-BE49-F238E27FC236}">
-                <a16:creationId xmlns:a16="http://schemas.microsoft.com/office/drawing/2014/main" id="{3FAC3E9D-01A2-48E2-98A2-52111FC76779}"/>
+          <p:cNvPr id="17" name="Imagem 16">
+            <a:extLst>
+              <a:ext uri="{FF2B5EF4-FFF2-40B4-BE49-F238E27FC236}">
+                <a16:creationId xmlns:a16="http://schemas.microsoft.com/office/drawing/2014/main" id="{529CBAE1-E5DC-4CFC-A5C4-21BD0695A2D0}"/>
               </a:ext>
             </a:extLst>
           </p:cNvPr>
@@ -7201,8 +7207,8 @@
         </p:blipFill>
         <p:spPr>
           <a:xfrm>
-            <a:off x="2443685" y="5041587"/>
-            <a:ext cx="5959579" cy="2160000"/>
+            <a:off x="1746437" y="7674711"/>
+            <a:ext cx="7316211" cy="2160000"/>
           </a:xfrm>
           <a:prstGeom prst="rect">
             <a:avLst/>
@@ -8273,7 +8279,7 @@
                 </a:effectLst>
                 <a:latin typeface="Exo 2 Extra Bold" panose="00000900000000000000" pitchFamily="50" charset="0"/>
               </a:rPr>
-              <a:t>Rodada #33</a:t>
+              <a:t>Rodada #38</a:t>
             </a:r>
           </a:p>
         </p:txBody>
@@ -8429,10 +8435,10 @@
       </p:pic>
       <p:pic>
         <p:nvPicPr>
-          <p:cNvPr id="4" name="Imagem 3">
-            <a:extLst>
-              <a:ext uri="{FF2B5EF4-FFF2-40B4-BE49-F238E27FC236}">
-                <a16:creationId xmlns:a16="http://schemas.microsoft.com/office/drawing/2014/main" id="{63BD515B-78A7-41FB-8055-BF6EC072DFF5}"/>
+          <p:cNvPr id="3" name="Imagem 2">
+            <a:extLst>
+              <a:ext uri="{FF2B5EF4-FFF2-40B4-BE49-F238E27FC236}">
+                <a16:creationId xmlns:a16="http://schemas.microsoft.com/office/drawing/2014/main" id="{1E9A9957-78D3-4F95-8BB0-FBF64A1DE6DB}"/>
               </a:ext>
             </a:extLst>
           </p:cNvPr>
@@ -8449,7 +8455,7 @@
         </p:blipFill>
         <p:spPr>
           <a:xfrm>
-            <a:off x="1635341" y="4216364"/>
+            <a:off x="1625038" y="4221832"/>
             <a:ext cx="7560000" cy="1670359"/>
           </a:xfrm>
           <a:prstGeom prst="rect">
@@ -8459,10 +8465,10 @@
       </p:pic>
       <p:pic>
         <p:nvPicPr>
-          <p:cNvPr id="11" name="Imagem 10">
-            <a:extLst>
-              <a:ext uri="{FF2B5EF4-FFF2-40B4-BE49-F238E27FC236}">
-                <a16:creationId xmlns:a16="http://schemas.microsoft.com/office/drawing/2014/main" id="{70D465BD-3052-47A2-98EB-69B5B26B3C42}"/>
+          <p:cNvPr id="10" name="Imagem 9">
+            <a:extLst>
+              <a:ext uri="{FF2B5EF4-FFF2-40B4-BE49-F238E27FC236}">
+                <a16:creationId xmlns:a16="http://schemas.microsoft.com/office/drawing/2014/main" id="{8DD0FB26-615B-49A6-BA0A-F4E595A71733}"/>
               </a:ext>
             </a:extLst>
           </p:cNvPr>
@@ -8479,7 +8485,7 @@
         </p:blipFill>
         <p:spPr>
           <a:xfrm>
-            <a:off x="1643570" y="6979097"/>
+            <a:off x="1626368" y="6979097"/>
             <a:ext cx="7560000" cy="1670359"/>
           </a:xfrm>
           <a:prstGeom prst="rect">
@@ -14322,7 +14328,7 @@
                 </a:effectLst>
                 <a:latin typeface="Exo 2 Extra Bold" panose="00000900000000000000" pitchFamily="50" charset="0"/>
               </a:rPr>
-              <a:t>37</a:t>
+              <a:t>38</a:t>
             </a:r>
             <a:endParaRPr lang="pt-BR" sz="4800" b="0" cap="none" spc="0" dirty="0">
               <a:ln w="0">
@@ -14434,10 +14440,10 @@
       </p:pic>
       <p:pic>
         <p:nvPicPr>
-          <p:cNvPr id="4" name="Imagem 3">
-            <a:extLst>
-              <a:ext uri="{FF2B5EF4-FFF2-40B4-BE49-F238E27FC236}">
-                <a16:creationId xmlns:a16="http://schemas.microsoft.com/office/drawing/2014/main" id="{A83E27E3-22DE-49EA-A146-C05AE09D4474}"/>
+          <p:cNvPr id="3" name="Imagem 2">
+            <a:extLst>
+              <a:ext uri="{FF2B5EF4-FFF2-40B4-BE49-F238E27FC236}">
+                <a16:creationId xmlns:a16="http://schemas.microsoft.com/office/drawing/2014/main" id="{D51DEBAC-FA95-4A63-8C46-510345CB82F1}"/>
               </a:ext>
             </a:extLst>
           </p:cNvPr>
@@ -14454,8 +14460,8 @@
         </p:blipFill>
         <p:spPr>
           <a:xfrm>
-            <a:off x="1277994" y="2694855"/>
-            <a:ext cx="8280000" cy="5530604"/>
+            <a:off x="401549" y="4193592"/>
+            <a:ext cx="10011135" cy="2520000"/>
           </a:xfrm>
           <a:prstGeom prst="rect">
             <a:avLst/>
